--- a/Praesentation/MB-Veranstaltung_Sprachmodelle_0.1.pptx
+++ b/Praesentation/MB-Veranstaltung_Sprachmodelle_0.1.pptx
@@ -5,15 +5,16 @@
     <p:sldMasterId id="2147483658" r:id="rId4"/>
   </p:sldMasterIdLst>
   <p:notesMasterIdLst>
-    <p:notesMasterId r:id="rId8"/>
+    <p:notesMasterId r:id="rId9"/>
   </p:notesMasterIdLst>
   <p:handoutMasterIdLst>
-    <p:handoutMasterId r:id="rId9"/>
+    <p:handoutMasterId r:id="rId10"/>
   </p:handoutMasterIdLst>
   <p:sldIdLst>
     <p:sldId id="410" r:id="rId5"/>
     <p:sldId id="383" r:id="rId6"/>
-    <p:sldId id="398" r:id="rId7"/>
+    <p:sldId id="411" r:id="rId7"/>
+    <p:sldId id="398" r:id="rId8"/>
   </p:sldIdLst>
   <p:sldSz cx="12192000" cy="6858000"/>
   <p:notesSz cx="6858000" cy="9144000"/>
@@ -739,49 +740,7 @@
           </a:lstStyle>
           <a:p>
             <a:pPr rtl="0"/>
-            <a:r>
-              <a:rPr lang="de-DE" dirty="0"/>
-              <a:t>Begrüßung durch Herrn Hofmann?</a:t>
-            </a:r>
-          </a:p>
-          <a:p>
-            <a:pPr rtl="0"/>
-            <a:r>
-              <a:rPr lang="de-DE" dirty="0"/>
-              <a:t>Kurze Vorstellung von Bauer/Zimmerer.</a:t>
-            </a:r>
-          </a:p>
-          <a:p>
-            <a:pPr rtl="0"/>
-            <a:r>
-              <a:rPr lang="de-DE" dirty="0"/>
-              <a:t>Es können im Rahmen der Großveranstaltungen keine Fragen gestellt werden</a:t>
-            </a:r>
-          </a:p>
-          <a:p>
-            <a:pPr rtl="0"/>
-            <a:r>
-              <a:rPr lang="de-DE" dirty="0"/>
-              <a:t>Vortrag ca. 50 Minuten -&gt; separate Veranstaltung per Teams im Anschluss (ca. 90 Minuten eingeplant für die gesamte Veranstaltung)</a:t>
-            </a:r>
-          </a:p>
-          <a:p>
-            <a:pPr rtl="0"/>
             <a:endParaRPr lang="de-DE" dirty="0"/>
-          </a:p>
-          <a:p>
-            <a:pPr rtl="0"/>
-            <a:r>
-              <a:rPr lang="de-DE" dirty="0"/>
-              <a:t>Heute: Kickoff von Kollegen für Kollegen</a:t>
-            </a:r>
-          </a:p>
-          <a:p>
-            <a:pPr rtl="0"/>
-            <a:r>
-              <a:rPr lang="de-DE" dirty="0"/>
-              <a:t>Im nächsten Kalenderjahr: Vorstellung des fertigen Lehrplans aus dem ALP-Studio</a:t>
-            </a:r>
           </a:p>
         </p:txBody>
       </p:sp>
@@ -995,7 +954,7 @@
             <a:pPr rtl="0"/>
             <a:fld id="{A89C7E07-3C67-C64C-8DA0-0404F6303970}" type="slidenum">
               <a:rPr lang="de-DE" smtClean="0"/>
-              <a:t>3</a:t>
+              <a:t>4</a:t>
             </a:fld>
             <a:endParaRPr lang="de-DE" dirty="0"/>
           </a:p>
@@ -9609,7 +9568,12 @@
             <p:ph type="ctrTitle"/>
           </p:nvPr>
         </p:nvSpPr>
-        <p:spPr/>
+        <p:spPr>
+          <a:xfrm>
+            <a:off x="729205" y="411479"/>
+            <a:ext cx="11067099" cy="3291840"/>
+          </a:xfrm>
+        </p:spPr>
         <p:txBody>
           <a:bodyPr rtlCol="0"/>
           <a:lstStyle>
@@ -9621,7 +9585,7 @@
             <a:pPr algn="ctr" rtl="0"/>
             <a:r>
               <a:rPr lang="de-DE" sz="5400" dirty="0"/>
-              <a:t>Planungsstand des Lehrplans KIT – AR Technik</a:t>
+              <a:t>Umgang mit Sprachmodellen im Rahmen des Lehrplans zum Fach KIT (T) an der Beruflichen Oberschule</a:t>
             </a:r>
           </a:p>
         </p:txBody>
@@ -9641,7 +9605,7 @@
         <p:spPr>
           <a:xfrm>
             <a:off x="7370620" y="4466243"/>
-            <a:ext cx="2937164" cy="369332"/>
+            <a:ext cx="2583608" cy="369332"/>
           </a:xfrm>
           <a:prstGeom prst="rect">
             <a:avLst/>
@@ -9660,7 +9624,7 @@
                   <a:schemeClr val="bg1"/>
                 </a:solidFill>
               </a:rPr>
-              <a:t>Stand 30. September 2025</a:t>
+              <a:t>Stand 16. Oktober 2025</a:t>
             </a:r>
           </a:p>
         </p:txBody>
@@ -9728,7 +9692,7 @@
             <a:pPr rtl="0"/>
             <a:r>
               <a:rPr lang="de-DE" dirty="0"/>
-              <a:t>Agenda</a:t>
+              <a:t>Veranstaltungsprogramm</a:t>
             </a:r>
           </a:p>
         </p:txBody>
@@ -9757,7 +9721,7 @@
         </p:spPr>
         <p:txBody>
           <a:bodyPr tIns="457200" rtlCol="0">
-            <a:normAutofit fontScale="92500" lnSpcReduction="20000"/>
+            <a:normAutofit/>
           </a:bodyPr>
           <a:lstStyle>
             <a:defPPr>
@@ -9768,55 +9732,43 @@
             <a:pPr rtl="0"/>
             <a:r>
               <a:rPr lang="de-DE" dirty="0"/>
-              <a:t>Einführung</a:t>
+              <a:t>Allgemeine Informationen (ab 09:30 Uhr)</a:t>
             </a:r>
           </a:p>
           <a:p>
             <a:pPr rtl="0"/>
             <a:r>
               <a:rPr lang="de-DE" dirty="0"/>
-              <a:t>FOS 10</a:t>
+              <a:t>Interpretation des Lehrplans zum Thema (ab 10:00 Uhr)</a:t>
             </a:r>
           </a:p>
           <a:p>
             <a:pPr rtl="0"/>
             <a:r>
               <a:rPr lang="de-DE" dirty="0"/>
-              <a:t>FOS 11</a:t>
+              <a:t>Gemeinsame Einführung Level A (ab 10:30 Uhr)</a:t>
             </a:r>
           </a:p>
           <a:p>
             <a:pPr rtl="0"/>
             <a:r>
               <a:rPr lang="de-DE" dirty="0"/>
-              <a:t>FOS 12</a:t>
+              <a:t>„Hands on“ der weiteren Level (ab 11:00 Uhr)</a:t>
             </a:r>
           </a:p>
           <a:p>
             <a:pPr rtl="0"/>
             <a:r>
               <a:rPr lang="de-DE" dirty="0"/>
-              <a:t>FOS 13</a:t>
+              <a:t>Vorteile/ Nachteile der behandelten Systeme (ab 14:00)</a:t>
             </a:r>
           </a:p>
           <a:p>
             <a:pPr rtl="0"/>
             <a:r>
               <a:rPr lang="de-DE" dirty="0"/>
-              <a:t>Anpassungen im Bereich der BOS 12 und BOS 13</a:t>
+              <a:t>Austausch der Teilnehmenden (ab 14:20)</a:t>
             </a:r>
-          </a:p>
-          <a:p>
-            <a:pPr rtl="0"/>
-            <a:r>
-              <a:rPr lang="de-DE" dirty="0"/>
-              <a:t>Ihre offenen Fragen im Anschluss </a:t>
-            </a:r>
-            <a:r>
-              <a:rPr lang="de-DE" sz="1700" dirty="0"/>
-              <a:t>(separater Link am Schluss der Präsentation!)</a:t>
-            </a:r>
-            <a:endParaRPr lang="de-DE" dirty="0"/>
           </a:p>
         </p:txBody>
       </p:sp>
@@ -9834,6 +9786,86 @@
 </file>
 
 <file path=ppt/slides/slide3.xml><?xml version="1.0" encoding="utf-8"?>
+<p:sld xmlns:a="http://schemas.openxmlformats.org/drawingml/2006/main" xmlns:r="http://schemas.openxmlformats.org/officeDocument/2006/relationships" xmlns:p="http://schemas.openxmlformats.org/presentationml/2006/main">
+  <p:cSld>
+    <p:spTree>
+      <p:nvGrpSpPr>
+        <p:cNvPr id="1" name=""/>
+        <p:cNvGrpSpPr/>
+        <p:nvPr/>
+      </p:nvGrpSpPr>
+      <p:grpSpPr>
+        <a:xfrm>
+          <a:off x="0" y="0"/>
+          <a:ext cx="0" cy="0"/>
+          <a:chOff x="0" y="0"/>
+          <a:chExt cx="0" cy="0"/>
+        </a:xfrm>
+      </p:grpSpPr>
+      <p:sp>
+        <p:nvSpPr>
+          <p:cNvPr id="2" name="Titel 1">
+            <a:extLst>
+              <a:ext uri="{FF2B5EF4-FFF2-40B4-BE49-F238E27FC236}">
+                <a16:creationId xmlns:a16="http://schemas.microsoft.com/office/drawing/2014/main" id="{07E3723A-40B6-A8F7-84E2-C4CDDF903526}"/>
+              </a:ext>
+            </a:extLst>
+          </p:cNvPr>
+          <p:cNvSpPr>
+            <a:spLocks noGrp="1"/>
+          </p:cNvSpPr>
+          <p:nvPr>
+            <p:ph type="title"/>
+          </p:nvPr>
+        </p:nvSpPr>
+        <p:spPr/>
+        <p:txBody>
+          <a:bodyPr/>
+          <a:lstStyle/>
+          <a:p>
+            <a:endParaRPr lang="de-DE"/>
+          </a:p>
+        </p:txBody>
+      </p:sp>
+      <p:sp>
+        <p:nvSpPr>
+          <p:cNvPr id="3" name="Inhaltsplatzhalter 2">
+            <a:extLst>
+              <a:ext uri="{FF2B5EF4-FFF2-40B4-BE49-F238E27FC236}">
+                <a16:creationId xmlns:a16="http://schemas.microsoft.com/office/drawing/2014/main" id="{A3A1B805-5825-B657-4101-C142D52C0CF6}"/>
+              </a:ext>
+            </a:extLst>
+          </p:cNvPr>
+          <p:cNvSpPr>
+            <a:spLocks noGrp="1"/>
+          </p:cNvSpPr>
+          <p:nvPr>
+            <p:ph sz="quarter" idx="13"/>
+          </p:nvPr>
+        </p:nvSpPr>
+        <p:spPr/>
+        <p:txBody>
+          <a:bodyPr/>
+          <a:lstStyle/>
+          <a:p>
+            <a:endParaRPr lang="de-DE"/>
+          </a:p>
+        </p:txBody>
+      </p:sp>
+    </p:spTree>
+    <p:extLst>
+      <p:ext uri="{BB962C8B-B14F-4D97-AF65-F5344CB8AC3E}">
+        <p14:creationId xmlns:p14="http://schemas.microsoft.com/office/powerpoint/2010/main" val="1455924152"/>
+      </p:ext>
+    </p:extLst>
+  </p:cSld>
+  <p:clrMapOvr>
+    <a:masterClrMapping/>
+  </p:clrMapOvr>
+</p:sld>
+</file>
+
+<file path=ppt/slides/slide4.xml><?xml version="1.0" encoding="utf-8"?>
 <p:sld xmlns:a="http://schemas.openxmlformats.org/drawingml/2006/main" xmlns:r="http://schemas.openxmlformats.org/officeDocument/2006/relationships" xmlns:p="http://schemas.openxmlformats.org/presentationml/2006/main">
   <p:cSld>
     <p:spTree>
@@ -10738,35 +10770,6 @@
 </file>
 
 <file path=customXml/item1.xml><?xml version="1.0" encoding="utf-8"?>
-<?mso-contentType ?>
-<FormTemplates xmlns="http://schemas.microsoft.com/sharepoint/v3/contenttype/forms">
-  <Display>DocumentLibraryForm</Display>
-  <Edit>DocumentLibraryForm</Edit>
-  <New>DocumentLibraryForm</New>
-</FormTemplates>
-</file>
-
-<file path=customXml/item2.xml><?xml version="1.0" encoding="utf-8"?>
-<p:properties xmlns:p="http://schemas.microsoft.com/office/2006/metadata/properties" xmlns:xsi="http://www.w3.org/2001/XMLSchema-instance" xmlns:pc="http://schemas.microsoft.com/office/infopath/2007/PartnerControls">
-  <documentManagement>
-    <Background xmlns="71af3243-3dd4-4a8d-8c0d-dd76da1f02a5">false</Background>
-    <Status xmlns="71af3243-3dd4-4a8d-8c0d-dd76da1f02a5">Not started</Status>
-    <_ip_UnifiedCompliancePolicyUIAction xmlns="http://schemas.microsoft.com/sharepoint/v3" xsi:nil="true"/>
-    <Image xmlns="71af3243-3dd4-4a8d-8c0d-dd76da1f02a5">
-      <Url xsi:nil="true"/>
-      <Description xsi:nil="true"/>
-    </Image>
-    <_ip_UnifiedCompliancePolicyProperties xmlns="http://schemas.microsoft.com/sharepoint/v3" xsi:nil="true"/>
-    <ImageTagsTaxHTField xmlns="71af3243-3dd4-4a8d-8c0d-dd76da1f02a5">
-      <Terms xmlns="http://schemas.microsoft.com/office/infopath/2007/PartnerControls"/>
-    </ImageTagsTaxHTField>
-    <TaxCatchAll xmlns="230e9df3-be65-4c73-a93b-d1236ebd677e" xsi:nil="true"/>
-    <MediaServiceKeyPoints xmlns="71af3243-3dd4-4a8d-8c0d-dd76da1f02a5" xsi:nil="true"/>
-  </documentManagement>
-</p:properties>
-</file>
-
-<file path=customXml/item3.xml><?xml version="1.0" encoding="utf-8"?>
 <ct:contentTypeSchema xmlns:ct="http://schemas.microsoft.com/office/2006/metadata/contentType" xmlns:ma="http://schemas.microsoft.com/office/2006/metadata/properties/metaAttributes" ct:_="" ma:_="" ma:contentTypeName="Document" ma:contentTypeID="0x01010079F111ED35F8CC479449609E8A0923A6" ma:contentTypeVersion="28" ma:contentTypeDescription="Create a new document." ma:contentTypeScope="" ma:versionID="60f5a4f2d2b0abadcf532d48ebf9cb71">
   <xsd:schema xmlns:xsd="http://www.w3.org/2001/XMLSchema" xmlns:xs="http://www.w3.org/2001/XMLSchema" xmlns:p="http://schemas.microsoft.com/office/2006/metadata/properties" xmlns:ns1="http://schemas.microsoft.com/sharepoint/v3" xmlns:ns2="71af3243-3dd4-4a8d-8c0d-dd76da1f02a5" xmlns:ns3="16c05727-aa75-4e4a-9b5f-8a80a1165891" xmlns:ns4="230e9df3-be65-4c73-a93b-d1236ebd677e" targetNamespace="http://schemas.microsoft.com/office/2006/metadata/properties" ma:root="true" ma:fieldsID="7dd78129e6a1811f84807ad11c651531" ns1:_="" ns2:_="" ns3:_="" ns4:_="">
     <xsd:import namespace="http://schemas.microsoft.com/sharepoint/v3"/>
@@ -11078,10 +11081,52 @@
 </ct:contentTypeSchema>
 </file>
 
+<file path=customXml/item2.xml><?xml version="1.0" encoding="utf-8"?>
+<p:properties xmlns:p="http://schemas.microsoft.com/office/2006/metadata/properties" xmlns:xsi="http://www.w3.org/2001/XMLSchema-instance" xmlns:pc="http://schemas.microsoft.com/office/infopath/2007/PartnerControls">
+  <documentManagement>
+    <Background xmlns="71af3243-3dd4-4a8d-8c0d-dd76da1f02a5">false</Background>
+    <Status xmlns="71af3243-3dd4-4a8d-8c0d-dd76da1f02a5">Not started</Status>
+    <_ip_UnifiedCompliancePolicyUIAction xmlns="http://schemas.microsoft.com/sharepoint/v3" xsi:nil="true"/>
+    <Image xmlns="71af3243-3dd4-4a8d-8c0d-dd76da1f02a5">
+      <Url xsi:nil="true"/>
+      <Description xsi:nil="true"/>
+    </Image>
+    <_ip_UnifiedCompliancePolicyProperties xmlns="http://schemas.microsoft.com/sharepoint/v3" xsi:nil="true"/>
+    <ImageTagsTaxHTField xmlns="71af3243-3dd4-4a8d-8c0d-dd76da1f02a5">
+      <Terms xmlns="http://schemas.microsoft.com/office/infopath/2007/PartnerControls"/>
+    </ImageTagsTaxHTField>
+    <TaxCatchAll xmlns="230e9df3-be65-4c73-a93b-d1236ebd677e" xsi:nil="true"/>
+    <MediaServiceKeyPoints xmlns="71af3243-3dd4-4a8d-8c0d-dd76da1f02a5" xsi:nil="true"/>
+  </documentManagement>
+</p:properties>
+</file>
+
+<file path=customXml/item3.xml><?xml version="1.0" encoding="utf-8"?>
+<?mso-contentType ?>
+<FormTemplates xmlns="http://schemas.microsoft.com/sharepoint/v3/contenttype/forms">
+  <Display>DocumentLibraryForm</Display>
+  <Edit>DocumentLibraryForm</Edit>
+  <New>DocumentLibraryForm</New>
+</FormTemplates>
+</file>
+
 <file path=customXml/itemProps1.xml><?xml version="1.0" encoding="utf-8"?>
-<ds:datastoreItem xmlns:ds="http://schemas.openxmlformats.org/officeDocument/2006/customXml" ds:itemID="{C21FFAC0-05A2-416A-B06C-C248395482CF}">
+<ds:datastoreItem xmlns:ds="http://schemas.openxmlformats.org/officeDocument/2006/customXml" ds:itemID="{92DB9E12-8AC3-4138-BF4D-720A5525AB10}">
   <ds:schemaRefs>
-    <ds:schemaRef ds:uri="http://schemas.microsoft.com/sharepoint/v3/contenttype/forms"/>
+    <ds:schemaRef ds:uri="http://schemas.microsoft.com/office/2006/metadata/contentType"/>
+    <ds:schemaRef ds:uri="http://schemas.microsoft.com/office/2006/metadata/properties/metaAttributes"/>
+    <ds:schemaRef ds:uri="http://www.w3.org/2001/XMLSchema"/>
+    <ds:schemaRef ds:uri="http://schemas.microsoft.com/office/2006/metadata/properties"/>
+    <ds:schemaRef ds:uri="http://schemas.microsoft.com/sharepoint/v3"/>
+    <ds:schemaRef ds:uri="71af3243-3dd4-4a8d-8c0d-dd76da1f02a5"/>
+    <ds:schemaRef ds:uri="16c05727-aa75-4e4a-9b5f-8a80a1165891"/>
+    <ds:schemaRef ds:uri="230e9df3-be65-4c73-a93b-d1236ebd677e"/>
+    <ds:schemaRef ds:uri="http://schemas.microsoft.com/office/2006/documentManagement/types"/>
+    <ds:schemaRef ds:uri="http://schemas.microsoft.com/office/infopath/2007/PartnerControls"/>
+    <ds:schemaRef ds:uri="http://schemas.openxmlformats.org/package/2006/metadata/core-properties"/>
+    <ds:schemaRef ds:uri="http://purl.org/dc/elements/1.1/"/>
+    <ds:schemaRef ds:uri="http://purl.org/dc/terms/"/>
+    <ds:schemaRef ds:uri="http://schemas.microsoft.com/internal/obd"/>
   </ds:schemaRefs>
 </ds:datastoreItem>
 </file>
@@ -11106,22 +11151,9 @@
 </file>
 
 <file path=customXml/itemProps3.xml><?xml version="1.0" encoding="utf-8"?>
-<ds:datastoreItem xmlns:ds="http://schemas.openxmlformats.org/officeDocument/2006/customXml" ds:itemID="{92DB9E12-8AC3-4138-BF4D-720A5525AB10}">
+<ds:datastoreItem xmlns:ds="http://schemas.openxmlformats.org/officeDocument/2006/customXml" ds:itemID="{C21FFAC0-05A2-416A-B06C-C248395482CF}">
   <ds:schemaRefs>
-    <ds:schemaRef ds:uri="http://schemas.microsoft.com/office/2006/metadata/contentType"/>
-    <ds:schemaRef ds:uri="http://schemas.microsoft.com/office/2006/metadata/properties/metaAttributes"/>
-    <ds:schemaRef ds:uri="http://www.w3.org/2001/XMLSchema"/>
-    <ds:schemaRef ds:uri="http://schemas.microsoft.com/office/2006/metadata/properties"/>
-    <ds:schemaRef ds:uri="http://schemas.microsoft.com/sharepoint/v3"/>
-    <ds:schemaRef ds:uri="71af3243-3dd4-4a8d-8c0d-dd76da1f02a5"/>
-    <ds:schemaRef ds:uri="16c05727-aa75-4e4a-9b5f-8a80a1165891"/>
-    <ds:schemaRef ds:uri="230e9df3-be65-4c73-a93b-d1236ebd677e"/>
-    <ds:schemaRef ds:uri="http://schemas.microsoft.com/office/2006/documentManagement/types"/>
-    <ds:schemaRef ds:uri="http://schemas.microsoft.com/office/infopath/2007/PartnerControls"/>
-    <ds:schemaRef ds:uri="http://schemas.openxmlformats.org/package/2006/metadata/core-properties"/>
-    <ds:schemaRef ds:uri="http://purl.org/dc/elements/1.1/"/>
-    <ds:schemaRef ds:uri="http://purl.org/dc/terms/"/>
-    <ds:schemaRef ds:uri="http://schemas.microsoft.com/internal/obd"/>
+    <ds:schemaRef ds:uri="http://schemas.microsoft.com/sharepoint/v3/contenttype/forms"/>
   </ds:schemaRefs>
 </ds:datastoreItem>
 </file>

--- a/Praesentation/MB-Veranstaltung_Sprachmodelle_0.1.pptx
+++ b/Praesentation/MB-Veranstaltung_Sprachmodelle_0.1.pptx
@@ -5,16 +5,19 @@
     <p:sldMasterId id="2147483658" r:id="rId4"/>
   </p:sldMasterIdLst>
   <p:notesMasterIdLst>
-    <p:notesMasterId r:id="rId9"/>
+    <p:notesMasterId r:id="rId12"/>
   </p:notesMasterIdLst>
   <p:handoutMasterIdLst>
-    <p:handoutMasterId r:id="rId10"/>
+    <p:handoutMasterId r:id="rId13"/>
   </p:handoutMasterIdLst>
   <p:sldIdLst>
     <p:sldId id="410" r:id="rId5"/>
     <p:sldId id="383" r:id="rId6"/>
     <p:sldId id="411" r:id="rId7"/>
-    <p:sldId id="398" r:id="rId8"/>
+    <p:sldId id="412" r:id="rId8"/>
+    <p:sldId id="413" r:id="rId9"/>
+    <p:sldId id="414" r:id="rId10"/>
+    <p:sldId id="398" r:id="rId11"/>
   </p:sldIdLst>
   <p:sldSz cx="12192000" cy="6858000"/>
   <p:notesSz cx="6858000" cy="9144000"/>
@@ -834,6 +837,48 @@
           </a:lstStyle>
           <a:p>
             <a:pPr rtl="0"/>
+            <a:r>
+              <a:rPr lang="de-DE" dirty="0"/>
+              <a:t>Allgemeine Informationen (ab 09:30 Uhr)</a:t>
+            </a:r>
+          </a:p>
+          <a:p>
+            <a:pPr rtl="0"/>
+            <a:r>
+              <a:rPr lang="de-DE" dirty="0"/>
+              <a:t>Interpretation des Lehrplans zum Thema (ab 10:00 Uhr)</a:t>
+            </a:r>
+          </a:p>
+          <a:p>
+            <a:pPr rtl="0"/>
+            <a:r>
+              <a:rPr lang="de-DE" dirty="0"/>
+              <a:t>Gemeinsame Einführung Level A (ab 10:30 Uhr)</a:t>
+            </a:r>
+          </a:p>
+          <a:p>
+            <a:pPr rtl="0"/>
+            <a:r>
+              <a:rPr lang="de-DE" dirty="0"/>
+              <a:t>„Hands on“ der weiteren Level (ab 11:00 Uhr)</a:t>
+            </a:r>
+          </a:p>
+          <a:p>
+            <a:pPr rtl="0"/>
+            <a:r>
+              <a:rPr lang="de-DE" dirty="0"/>
+              <a:t>Vorteile/ Nachteile der behandelten Systeme (ab 14:00)</a:t>
+            </a:r>
+          </a:p>
+          <a:p>
+            <a:pPr rtl="0"/>
+            <a:r>
+              <a:rPr lang="de-DE" dirty="0"/>
+              <a:t>Austausch der Teilnehmenden (ab 14:20)</a:t>
+            </a:r>
+          </a:p>
+          <a:p>
+            <a:pPr rtl="0"/>
             <a:endParaRPr lang="de-DE" dirty="0"/>
           </a:p>
         </p:txBody>
@@ -920,6 +965,418 @@
         </p:nvSpPr>
         <p:spPr/>
         <p:txBody>
+          <a:bodyPr/>
+          <a:lstStyle/>
+          <a:p>
+            <a:endParaRPr lang="de-DE" dirty="0"/>
+          </a:p>
+        </p:txBody>
+      </p:sp>
+      <p:sp>
+        <p:nvSpPr>
+          <p:cNvPr id="4" name="Foliennummernplatzhalter 3"/>
+          <p:cNvSpPr>
+            <a:spLocks noGrp="1"/>
+          </p:cNvSpPr>
+          <p:nvPr>
+            <p:ph type="sldNum" sz="quarter" idx="5"/>
+          </p:nvPr>
+        </p:nvSpPr>
+        <p:spPr/>
+        <p:txBody>
+          <a:bodyPr/>
+          <a:lstStyle/>
+          <a:p>
+            <a:pPr rtl="0"/>
+            <a:fld id="{A89C7E07-3C67-C64C-8DA0-0404F6303970}" type="slidenum">
+              <a:rPr lang="de-DE" smtClean="0"/>
+              <a:t>3</a:t>
+            </a:fld>
+            <a:endParaRPr lang="de-DE" dirty="0"/>
+          </a:p>
+        </p:txBody>
+      </p:sp>
+    </p:spTree>
+    <p:extLst>
+      <p:ext uri="{BB962C8B-B14F-4D97-AF65-F5344CB8AC3E}">
+        <p14:creationId xmlns:p14="http://schemas.microsoft.com/office/powerpoint/2010/main" val="1995031429"/>
+      </p:ext>
+    </p:extLst>
+  </p:cSld>
+  <p:clrMapOvr>
+    <a:masterClrMapping/>
+  </p:clrMapOvr>
+</p:notes>
+</file>
+
+<file path=ppt/notesSlides/notesSlide4.xml><?xml version="1.0" encoding="utf-8"?>
+<p:notes xmlns:a="http://schemas.openxmlformats.org/drawingml/2006/main" xmlns:r="http://schemas.openxmlformats.org/officeDocument/2006/relationships" xmlns:p="http://schemas.openxmlformats.org/presentationml/2006/main">
+  <p:cSld>
+    <p:spTree>
+      <p:nvGrpSpPr>
+        <p:cNvPr id="1" name="">
+          <a:extLst>
+            <a:ext uri="{FF2B5EF4-FFF2-40B4-BE49-F238E27FC236}">
+              <a16:creationId xmlns:a16="http://schemas.microsoft.com/office/drawing/2014/main" id="{ACF8ACE3-5132-F02B-4EF2-836EC05E4B2E}"/>
+            </a:ext>
+          </a:extLst>
+        </p:cNvPr>
+        <p:cNvGrpSpPr/>
+        <p:nvPr/>
+      </p:nvGrpSpPr>
+      <p:grpSpPr>
+        <a:xfrm>
+          <a:off x="0" y="0"/>
+          <a:ext cx="0" cy="0"/>
+          <a:chOff x="0" y="0"/>
+          <a:chExt cx="0" cy="0"/>
+        </a:xfrm>
+      </p:grpSpPr>
+      <p:sp>
+        <p:nvSpPr>
+          <p:cNvPr id="2" name="Folienbildplatzhalter 1">
+            <a:extLst>
+              <a:ext uri="{FF2B5EF4-FFF2-40B4-BE49-F238E27FC236}">
+                <a16:creationId xmlns:a16="http://schemas.microsoft.com/office/drawing/2014/main" id="{5CBF9DA9-5754-6813-5048-8BCEA98DBB45}"/>
+              </a:ext>
+            </a:extLst>
+          </p:cNvPr>
+          <p:cNvSpPr>
+            <a:spLocks noGrp="1" noRot="1" noChangeAspect="1"/>
+          </p:cNvSpPr>
+          <p:nvPr>
+            <p:ph type="sldImg"/>
+          </p:nvPr>
+        </p:nvSpPr>
+        <p:spPr/>
+      </p:sp>
+      <p:sp>
+        <p:nvSpPr>
+          <p:cNvPr id="3" name="Notizenplatzhalter 2">
+            <a:extLst>
+              <a:ext uri="{FF2B5EF4-FFF2-40B4-BE49-F238E27FC236}">
+                <a16:creationId xmlns:a16="http://schemas.microsoft.com/office/drawing/2014/main" id="{91967958-81CF-353C-6B4B-F7DC173DA96F}"/>
+              </a:ext>
+            </a:extLst>
+          </p:cNvPr>
+          <p:cNvSpPr>
+            <a:spLocks noGrp="1"/>
+          </p:cNvSpPr>
+          <p:nvPr>
+            <p:ph type="body" idx="1"/>
+          </p:nvPr>
+        </p:nvSpPr>
+        <p:spPr/>
+        <p:txBody>
+          <a:bodyPr/>
+          <a:lstStyle/>
+          <a:p>
+            <a:endParaRPr lang="de-DE" dirty="0"/>
+          </a:p>
+        </p:txBody>
+      </p:sp>
+      <p:sp>
+        <p:nvSpPr>
+          <p:cNvPr id="4" name="Foliennummernplatzhalter 3">
+            <a:extLst>
+              <a:ext uri="{FF2B5EF4-FFF2-40B4-BE49-F238E27FC236}">
+                <a16:creationId xmlns:a16="http://schemas.microsoft.com/office/drawing/2014/main" id="{B00E909A-8BA6-6FDB-338A-EC141D12ACFF}"/>
+              </a:ext>
+            </a:extLst>
+          </p:cNvPr>
+          <p:cNvSpPr>
+            <a:spLocks noGrp="1"/>
+          </p:cNvSpPr>
+          <p:nvPr>
+            <p:ph type="sldNum" sz="quarter" idx="5"/>
+          </p:nvPr>
+        </p:nvSpPr>
+        <p:spPr/>
+        <p:txBody>
+          <a:bodyPr/>
+          <a:lstStyle/>
+          <a:p>
+            <a:pPr rtl="0"/>
+            <a:fld id="{A89C7E07-3C67-C64C-8DA0-0404F6303970}" type="slidenum">
+              <a:rPr lang="de-DE" smtClean="0"/>
+              <a:t>4</a:t>
+            </a:fld>
+            <a:endParaRPr lang="de-DE" dirty="0"/>
+          </a:p>
+        </p:txBody>
+      </p:sp>
+    </p:spTree>
+    <p:extLst>
+      <p:ext uri="{BB962C8B-B14F-4D97-AF65-F5344CB8AC3E}">
+        <p14:creationId xmlns:p14="http://schemas.microsoft.com/office/powerpoint/2010/main" val="3288025943"/>
+      </p:ext>
+    </p:extLst>
+  </p:cSld>
+  <p:clrMapOvr>
+    <a:masterClrMapping/>
+  </p:clrMapOvr>
+</p:notes>
+</file>
+
+<file path=ppt/notesSlides/notesSlide5.xml><?xml version="1.0" encoding="utf-8"?>
+<p:notes xmlns:a="http://schemas.openxmlformats.org/drawingml/2006/main" xmlns:r="http://schemas.openxmlformats.org/officeDocument/2006/relationships" xmlns:p="http://schemas.openxmlformats.org/presentationml/2006/main">
+  <p:cSld>
+    <p:spTree>
+      <p:nvGrpSpPr>
+        <p:cNvPr id="1" name="">
+          <a:extLst>
+            <a:ext uri="{FF2B5EF4-FFF2-40B4-BE49-F238E27FC236}">
+              <a16:creationId xmlns:a16="http://schemas.microsoft.com/office/drawing/2014/main" id="{8495848D-D356-D670-0A85-42F45FC377B0}"/>
+            </a:ext>
+          </a:extLst>
+        </p:cNvPr>
+        <p:cNvGrpSpPr/>
+        <p:nvPr/>
+      </p:nvGrpSpPr>
+      <p:grpSpPr>
+        <a:xfrm>
+          <a:off x="0" y="0"/>
+          <a:ext cx="0" cy="0"/>
+          <a:chOff x="0" y="0"/>
+          <a:chExt cx="0" cy="0"/>
+        </a:xfrm>
+      </p:grpSpPr>
+      <p:sp>
+        <p:nvSpPr>
+          <p:cNvPr id="2" name="Folienbildplatzhalter 1">
+            <a:extLst>
+              <a:ext uri="{FF2B5EF4-FFF2-40B4-BE49-F238E27FC236}">
+                <a16:creationId xmlns:a16="http://schemas.microsoft.com/office/drawing/2014/main" id="{E65CC8D7-F0FF-008A-487C-AB5EF602968D}"/>
+              </a:ext>
+            </a:extLst>
+          </p:cNvPr>
+          <p:cNvSpPr>
+            <a:spLocks noGrp="1" noRot="1" noChangeAspect="1"/>
+          </p:cNvSpPr>
+          <p:nvPr>
+            <p:ph type="sldImg"/>
+          </p:nvPr>
+        </p:nvSpPr>
+        <p:spPr/>
+      </p:sp>
+      <p:sp>
+        <p:nvSpPr>
+          <p:cNvPr id="3" name="Notizenplatzhalter 2">
+            <a:extLst>
+              <a:ext uri="{FF2B5EF4-FFF2-40B4-BE49-F238E27FC236}">
+                <a16:creationId xmlns:a16="http://schemas.microsoft.com/office/drawing/2014/main" id="{A3D55487-5611-A9BC-0D26-35750550D64A}"/>
+              </a:ext>
+            </a:extLst>
+          </p:cNvPr>
+          <p:cNvSpPr>
+            <a:spLocks noGrp="1"/>
+          </p:cNvSpPr>
+          <p:nvPr>
+            <p:ph type="body" idx="1"/>
+          </p:nvPr>
+        </p:nvSpPr>
+        <p:spPr/>
+        <p:txBody>
+          <a:bodyPr/>
+          <a:lstStyle/>
+          <a:p>
+            <a:endParaRPr lang="de-DE" dirty="0"/>
+          </a:p>
+        </p:txBody>
+      </p:sp>
+      <p:sp>
+        <p:nvSpPr>
+          <p:cNvPr id="4" name="Foliennummernplatzhalter 3">
+            <a:extLst>
+              <a:ext uri="{FF2B5EF4-FFF2-40B4-BE49-F238E27FC236}">
+                <a16:creationId xmlns:a16="http://schemas.microsoft.com/office/drawing/2014/main" id="{03B59CBA-8597-7DFD-0777-FA969E108668}"/>
+              </a:ext>
+            </a:extLst>
+          </p:cNvPr>
+          <p:cNvSpPr>
+            <a:spLocks noGrp="1"/>
+          </p:cNvSpPr>
+          <p:nvPr>
+            <p:ph type="sldNum" sz="quarter" idx="5"/>
+          </p:nvPr>
+        </p:nvSpPr>
+        <p:spPr/>
+        <p:txBody>
+          <a:bodyPr/>
+          <a:lstStyle/>
+          <a:p>
+            <a:pPr rtl="0"/>
+            <a:fld id="{A89C7E07-3C67-C64C-8DA0-0404F6303970}" type="slidenum">
+              <a:rPr lang="de-DE" smtClean="0"/>
+              <a:t>5</a:t>
+            </a:fld>
+            <a:endParaRPr lang="de-DE" dirty="0"/>
+          </a:p>
+        </p:txBody>
+      </p:sp>
+    </p:spTree>
+    <p:extLst>
+      <p:ext uri="{BB962C8B-B14F-4D97-AF65-F5344CB8AC3E}">
+        <p14:creationId xmlns:p14="http://schemas.microsoft.com/office/powerpoint/2010/main" val="3880704867"/>
+      </p:ext>
+    </p:extLst>
+  </p:cSld>
+  <p:clrMapOvr>
+    <a:masterClrMapping/>
+  </p:clrMapOvr>
+</p:notes>
+</file>
+
+<file path=ppt/notesSlides/notesSlide6.xml><?xml version="1.0" encoding="utf-8"?>
+<p:notes xmlns:a="http://schemas.openxmlformats.org/drawingml/2006/main" xmlns:r="http://schemas.openxmlformats.org/officeDocument/2006/relationships" xmlns:p="http://schemas.openxmlformats.org/presentationml/2006/main">
+  <p:cSld>
+    <p:spTree>
+      <p:nvGrpSpPr>
+        <p:cNvPr id="1" name="">
+          <a:extLst>
+            <a:ext uri="{FF2B5EF4-FFF2-40B4-BE49-F238E27FC236}">
+              <a16:creationId xmlns:a16="http://schemas.microsoft.com/office/drawing/2014/main" id="{A6A3B015-1847-7B7A-56CB-BEC3C8260730}"/>
+            </a:ext>
+          </a:extLst>
+        </p:cNvPr>
+        <p:cNvGrpSpPr/>
+        <p:nvPr/>
+      </p:nvGrpSpPr>
+      <p:grpSpPr>
+        <a:xfrm>
+          <a:off x="0" y="0"/>
+          <a:ext cx="0" cy="0"/>
+          <a:chOff x="0" y="0"/>
+          <a:chExt cx="0" cy="0"/>
+        </a:xfrm>
+      </p:grpSpPr>
+      <p:sp>
+        <p:nvSpPr>
+          <p:cNvPr id="2" name="Folienbildplatzhalter 1">
+            <a:extLst>
+              <a:ext uri="{FF2B5EF4-FFF2-40B4-BE49-F238E27FC236}">
+                <a16:creationId xmlns:a16="http://schemas.microsoft.com/office/drawing/2014/main" id="{1E8ACD04-F2C8-6098-CCF2-59CE1CDC3A57}"/>
+              </a:ext>
+            </a:extLst>
+          </p:cNvPr>
+          <p:cNvSpPr>
+            <a:spLocks noGrp="1" noRot="1" noChangeAspect="1"/>
+          </p:cNvSpPr>
+          <p:nvPr>
+            <p:ph type="sldImg"/>
+          </p:nvPr>
+        </p:nvSpPr>
+        <p:spPr/>
+      </p:sp>
+      <p:sp>
+        <p:nvSpPr>
+          <p:cNvPr id="3" name="Notizenplatzhalter 2">
+            <a:extLst>
+              <a:ext uri="{FF2B5EF4-FFF2-40B4-BE49-F238E27FC236}">
+                <a16:creationId xmlns:a16="http://schemas.microsoft.com/office/drawing/2014/main" id="{EC273C8C-279C-BF8B-F3A5-9550D58832A8}"/>
+              </a:ext>
+            </a:extLst>
+          </p:cNvPr>
+          <p:cNvSpPr>
+            <a:spLocks noGrp="1"/>
+          </p:cNvSpPr>
+          <p:nvPr>
+            <p:ph type="body" idx="1"/>
+          </p:nvPr>
+        </p:nvSpPr>
+        <p:spPr/>
+        <p:txBody>
+          <a:bodyPr/>
+          <a:lstStyle/>
+          <a:p>
+            <a:endParaRPr lang="de-DE" dirty="0"/>
+          </a:p>
+        </p:txBody>
+      </p:sp>
+      <p:sp>
+        <p:nvSpPr>
+          <p:cNvPr id="4" name="Foliennummernplatzhalter 3">
+            <a:extLst>
+              <a:ext uri="{FF2B5EF4-FFF2-40B4-BE49-F238E27FC236}">
+                <a16:creationId xmlns:a16="http://schemas.microsoft.com/office/drawing/2014/main" id="{45E1FC36-8FEE-CEC3-BA05-FCE8DE5AB066}"/>
+              </a:ext>
+            </a:extLst>
+          </p:cNvPr>
+          <p:cNvSpPr>
+            <a:spLocks noGrp="1"/>
+          </p:cNvSpPr>
+          <p:nvPr>
+            <p:ph type="sldNum" sz="quarter" idx="5"/>
+          </p:nvPr>
+        </p:nvSpPr>
+        <p:spPr/>
+        <p:txBody>
+          <a:bodyPr/>
+          <a:lstStyle/>
+          <a:p>
+            <a:pPr rtl="0"/>
+            <a:fld id="{A89C7E07-3C67-C64C-8DA0-0404F6303970}" type="slidenum">
+              <a:rPr lang="de-DE" smtClean="0"/>
+              <a:t>6</a:t>
+            </a:fld>
+            <a:endParaRPr lang="de-DE" dirty="0"/>
+          </a:p>
+        </p:txBody>
+      </p:sp>
+    </p:spTree>
+    <p:extLst>
+      <p:ext uri="{BB962C8B-B14F-4D97-AF65-F5344CB8AC3E}">
+        <p14:creationId xmlns:p14="http://schemas.microsoft.com/office/powerpoint/2010/main" val="289891795"/>
+      </p:ext>
+    </p:extLst>
+  </p:cSld>
+  <p:clrMapOvr>
+    <a:masterClrMapping/>
+  </p:clrMapOvr>
+</p:notes>
+</file>
+
+<file path=ppt/notesSlides/notesSlide7.xml><?xml version="1.0" encoding="utf-8"?>
+<p:notes xmlns:a="http://schemas.openxmlformats.org/drawingml/2006/main" xmlns:r="http://schemas.openxmlformats.org/officeDocument/2006/relationships" xmlns:p="http://schemas.openxmlformats.org/presentationml/2006/main">
+  <p:cSld>
+    <p:spTree>
+      <p:nvGrpSpPr>
+        <p:cNvPr id="1" name=""/>
+        <p:cNvGrpSpPr/>
+        <p:nvPr/>
+      </p:nvGrpSpPr>
+      <p:grpSpPr>
+        <a:xfrm>
+          <a:off x="0" y="0"/>
+          <a:ext cx="0" cy="0"/>
+          <a:chOff x="0" y="0"/>
+          <a:chExt cx="0" cy="0"/>
+        </a:xfrm>
+      </p:grpSpPr>
+      <p:sp>
+        <p:nvSpPr>
+          <p:cNvPr id="2" name="Folienbildplatzhalter 1"/>
+          <p:cNvSpPr>
+            <a:spLocks noGrp="1" noRot="1" noChangeAspect="1"/>
+          </p:cNvSpPr>
+          <p:nvPr>
+            <p:ph type="sldImg"/>
+          </p:nvPr>
+        </p:nvSpPr>
+        <p:spPr/>
+      </p:sp>
+      <p:sp>
+        <p:nvSpPr>
+          <p:cNvPr id="3" name="Notizenplatzhalter 2"/>
+          <p:cNvSpPr>
+            <a:spLocks noGrp="1"/>
+          </p:cNvSpPr>
+          <p:nvPr>
+            <p:ph type="body" idx="1"/>
+          </p:nvPr>
+        </p:nvSpPr>
+        <p:spPr/>
+        <p:txBody>
           <a:bodyPr rtlCol="0"/>
           <a:lstStyle>
             <a:defPPr>
@@ -954,7 +1411,7 @@
             <a:pPr rtl="0"/>
             <a:fld id="{A89C7E07-3C67-C64C-8DA0-0404F6303970}" type="slidenum">
               <a:rPr lang="de-DE" smtClean="0"/>
-              <a:t>4</a:t>
+              <a:t>7</a:t>
             </a:fld>
             <a:endParaRPr lang="de-DE" dirty="0"/>
           </a:p>
@@ -1458,6 +1915,402 @@
 </file>
 
 <file path=ppt/slideLayouts/slideLayout10.xml><?xml version="1.0" encoding="utf-8"?>
+<p:sldLayout xmlns:a="http://schemas.openxmlformats.org/drawingml/2006/main" xmlns:r="http://schemas.openxmlformats.org/officeDocument/2006/relationships" xmlns:p="http://schemas.openxmlformats.org/presentationml/2006/main" preserve="1" userDrawn="1">
+  <p:cSld name="Titelinhalt und Bild">
+    <p:bg>
+      <p:bgPr>
+        <a:solidFill>
+          <a:schemeClr val="tx1"/>
+        </a:solidFill>
+        <a:effectLst/>
+      </p:bgPr>
+    </p:bg>
+    <p:spTree>
+      <p:nvGrpSpPr>
+        <p:cNvPr id="1" name=""/>
+        <p:cNvGrpSpPr/>
+        <p:nvPr/>
+      </p:nvGrpSpPr>
+      <p:grpSpPr>
+        <a:xfrm>
+          <a:off x="0" y="0"/>
+          <a:ext cx="0" cy="0"/>
+          <a:chOff x="0" y="0"/>
+          <a:chExt cx="0" cy="0"/>
+        </a:xfrm>
+      </p:grpSpPr>
+      <p:sp>
+        <p:nvSpPr>
+          <p:cNvPr id="16" name="Titel 1">
+            <a:extLst>
+              <a:ext uri="{FF2B5EF4-FFF2-40B4-BE49-F238E27FC236}">
+                <a16:creationId xmlns:a16="http://schemas.microsoft.com/office/drawing/2014/main" id="{109B023A-F28F-184D-BA48-3F1C0502AE0A}"/>
+              </a:ext>
+            </a:extLst>
+          </p:cNvPr>
+          <p:cNvSpPr>
+            <a:spLocks noGrp="1"/>
+          </p:cNvSpPr>
+          <p:nvPr>
+            <p:ph type="title" hasCustomPrompt="1"/>
+          </p:nvPr>
+        </p:nvSpPr>
+        <p:spPr>
+          <a:xfrm>
+            <a:off x="575310" y="278129"/>
+            <a:ext cx="5063490" cy="2354026"/>
+          </a:xfrm>
+          <a:prstGeom prst="rect">
+            <a:avLst/>
+          </a:prstGeom>
+        </p:spPr>
+        <p:txBody>
+          <a:bodyPr lIns="0" tIns="0" rIns="0" bIns="0" rtlCol="0" anchor="b" anchorCtr="0">
+            <a:noAutofit/>
+          </a:bodyPr>
+          <a:lstStyle>
+            <a:lvl1pPr>
+              <a:defRPr lang="de-DE" sz="4400" b="1" i="0">
+                <a:solidFill>
+                  <a:schemeClr val="bg1"/>
+                </a:solidFill>
+                <a:latin typeface="+mj-lt"/>
+              </a:defRPr>
+            </a:lvl1pPr>
+          </a:lstStyle>
+          <a:p>
+            <a:pPr rtl="0"/>
+            <a:r>
+              <a:rPr lang="de-DE"/>
+              <a:t>Titel durch Klicken hinzufügen </a:t>
+            </a:r>
+          </a:p>
+        </p:txBody>
+      </p:sp>
+      <p:sp>
+        <p:nvSpPr>
+          <p:cNvPr id="3" name="Inhaltsplatzhalter 5">
+            <a:extLst>
+              <a:ext uri="{FF2B5EF4-FFF2-40B4-BE49-F238E27FC236}">
+                <a16:creationId xmlns:a16="http://schemas.microsoft.com/office/drawing/2014/main" id="{1EF4505D-6803-3813-7738-049963427819}"/>
+              </a:ext>
+            </a:extLst>
+          </p:cNvPr>
+          <p:cNvSpPr>
+            <a:spLocks noGrp="1"/>
+          </p:cNvSpPr>
+          <p:nvPr>
+            <p:ph sz="quarter" idx="16" hasCustomPrompt="1"/>
+          </p:nvPr>
+        </p:nvSpPr>
+        <p:spPr>
+          <a:xfrm>
+            <a:off x="594360" y="3279579"/>
+            <a:ext cx="5044440" cy="2994415"/>
+          </a:xfrm>
+        </p:spPr>
+        <p:txBody>
+          <a:bodyPr lIns="0" tIns="228600" rIns="0" bIns="0" rtlCol="0">
+            <a:normAutofit/>
+          </a:bodyPr>
+          <a:lstStyle>
+            <a:lvl1pPr marL="0" indent="0">
+              <a:spcBef>
+                <a:spcPts val="1800"/>
+              </a:spcBef>
+              <a:buFont typeface="Arial" panose="020B0604020202020204" pitchFamily="34" charset="0"/>
+              <a:buNone/>
+              <a:defRPr lang="de-DE" sz="2000"/>
+            </a:lvl1pPr>
+            <a:lvl2pPr indent="-283464">
+              <a:spcBef>
+                <a:spcPts val="1800"/>
+              </a:spcBef>
+              <a:defRPr lang="de-DE" sz="2000"/>
+            </a:lvl2pPr>
+            <a:lvl3pPr indent="-283464">
+              <a:spcBef>
+                <a:spcPts val="1800"/>
+              </a:spcBef>
+              <a:defRPr lang="de-DE" sz="2000"/>
+            </a:lvl3pPr>
+            <a:lvl4pPr indent="-283464">
+              <a:spcBef>
+                <a:spcPts val="1800"/>
+              </a:spcBef>
+              <a:defRPr lang="de-DE" sz="2000"/>
+            </a:lvl4pPr>
+            <a:lvl5pPr indent="-283464">
+              <a:spcBef>
+                <a:spcPts val="1800"/>
+              </a:spcBef>
+              <a:defRPr lang="de-DE" sz="2000"/>
+            </a:lvl5pPr>
+          </a:lstStyle>
+          <a:p>
+            <a:pPr lvl="0" rtl="0"/>
+            <a:r>
+              <a:rPr lang="de-DE"/>
+              <a:t>Klicken, um Inhalt hinzuzufügen</a:t>
+            </a:r>
+          </a:p>
+          <a:p>
+            <a:pPr lvl="1" rtl="0"/>
+            <a:r>
+              <a:rPr lang="de-DE"/>
+              <a:t>Zweite Ebene</a:t>
+            </a:r>
+          </a:p>
+          <a:p>
+            <a:pPr lvl="2" rtl="0"/>
+            <a:r>
+              <a:rPr lang="de-DE"/>
+              <a:t>Dritte Ebene</a:t>
+            </a:r>
+          </a:p>
+          <a:p>
+            <a:pPr lvl="3" rtl="0"/>
+            <a:r>
+              <a:rPr lang="de-DE"/>
+              <a:t>Vierte Ebene</a:t>
+            </a:r>
+          </a:p>
+          <a:p>
+            <a:pPr lvl="4" rtl="0"/>
+            <a:r>
+              <a:rPr lang="de-DE"/>
+              <a:t>Fünfte Ebene</a:t>
+            </a:r>
+          </a:p>
+        </p:txBody>
+      </p:sp>
+      <p:cxnSp>
+        <p:nvCxnSpPr>
+          <p:cNvPr id="4" name="Gerader Verbinder 3">
+            <a:extLst>
+              <a:ext uri="{FF2B5EF4-FFF2-40B4-BE49-F238E27FC236}">
+                <a16:creationId xmlns:a16="http://schemas.microsoft.com/office/drawing/2014/main" id="{E66081BA-9135-73B1-DCE5-77FD12431F13}"/>
+              </a:ext>
+              <a:ext uri="{C183D7F6-B498-43B3-948B-1728B52AA6E4}">
+                <adec:decorative xmlns:adec="http://schemas.microsoft.com/office/drawing/2017/decorative" val="1"/>
+              </a:ext>
+            </a:extLst>
+          </p:cNvPr>
+          <p:cNvCxnSpPr>
+            <a:cxnSpLocks/>
+          </p:cNvCxnSpPr>
+          <p:nvPr userDrawn="1"/>
+        </p:nvCxnSpPr>
+        <p:spPr>
+          <a:xfrm>
+            <a:off x="594360" y="2997459"/>
+            <a:ext cx="2133600" cy="3992"/>
+          </a:xfrm>
+          <a:prstGeom prst="line">
+            <a:avLst/>
+          </a:prstGeom>
+          <a:ln w="101600">
+            <a:solidFill>
+              <a:schemeClr val="tx2">
+                <a:lumMod val="75000"/>
+              </a:schemeClr>
+            </a:solidFill>
+          </a:ln>
+        </p:spPr>
+        <p:style>
+          <a:lnRef idx="1">
+            <a:schemeClr val="dk1"/>
+          </a:lnRef>
+          <a:fillRef idx="0">
+            <a:schemeClr val="dk1"/>
+          </a:fillRef>
+          <a:effectRef idx="0">
+            <a:schemeClr val="dk1"/>
+          </a:effectRef>
+          <a:fontRef idx="minor">
+            <a:schemeClr val="tx1"/>
+          </a:fontRef>
+        </p:style>
+      </p:cxnSp>
+      <p:sp>
+        <p:nvSpPr>
+          <p:cNvPr id="12" name="Bildplatzhalter 11">
+            <a:extLst>
+              <a:ext uri="{FF2B5EF4-FFF2-40B4-BE49-F238E27FC236}">
+                <a16:creationId xmlns:a16="http://schemas.microsoft.com/office/drawing/2014/main" id="{4658637A-5D36-6127-19BC-C203E23FA49F}"/>
+              </a:ext>
+            </a:extLst>
+          </p:cNvPr>
+          <p:cNvSpPr>
+            <a:spLocks noGrp="1"/>
+          </p:cNvSpPr>
+          <p:nvPr>
+            <p:ph type="pic" sz="quarter" idx="15"/>
+          </p:nvPr>
+        </p:nvSpPr>
+        <p:spPr>
+          <a:xfrm>
+            <a:off x="6096000" y="0"/>
+            <a:ext cx="6118225" cy="6858000"/>
+          </a:xfrm>
+        </p:spPr>
+        <p:txBody>
+          <a:bodyPr rtlCol="0">
+            <a:normAutofit/>
+          </a:bodyPr>
+          <a:lstStyle>
+            <a:lvl1pPr marL="0" indent="0" algn="ctr">
+              <a:buNone/>
+              <a:defRPr lang="de-DE" sz="2000">
+                <a:solidFill>
+                  <a:schemeClr val="bg1"/>
+                </a:solidFill>
+              </a:defRPr>
+            </a:lvl1pPr>
+          </a:lstStyle>
+          <a:p>
+            <a:pPr rtl="0"/>
+            <a:r>
+              <a:rPr lang="de-DE"/>
+              <a:t>Bild durch Klicken auf Symbol hinzufügen</a:t>
+            </a:r>
+          </a:p>
+        </p:txBody>
+      </p:sp>
+      <p:sp>
+        <p:nvSpPr>
+          <p:cNvPr id="10" name="Foliennummernplatzhalter 9">
+            <a:extLst>
+              <a:ext uri="{FF2B5EF4-FFF2-40B4-BE49-F238E27FC236}">
+                <a16:creationId xmlns:a16="http://schemas.microsoft.com/office/drawing/2014/main" id="{05D79B4B-A9BD-581F-536E-DE7CF728F84E}"/>
+              </a:ext>
+            </a:extLst>
+          </p:cNvPr>
+          <p:cNvSpPr>
+            <a:spLocks noGrp="1"/>
+          </p:cNvSpPr>
+          <p:nvPr>
+            <p:ph type="sldNum" sz="quarter" idx="12"/>
+          </p:nvPr>
+        </p:nvSpPr>
+        <p:spPr/>
+        <p:txBody>
+          <a:bodyPr rtlCol="0"/>
+          <a:lstStyle>
+            <a:defPPr>
+              <a:defRPr lang="de-DE"/>
+            </a:defPPr>
+          </a:lstStyle>
+          <a:p>
+            <a:pPr rtl="0"/>
+            <a:fld id="{294A09A9-5501-47C1-A89A-A340965A2BE2}" type="slidenum">
+              <a:rPr lang="de-DE" smtClean="0"/>
+              <a:pPr/>
+              <a:t>‹Nr.›</a:t>
+            </a:fld>
+            <a:endParaRPr lang="de-DE" dirty="0">
+              <a:latin typeface="+mn-lt"/>
+            </a:endParaRPr>
+          </a:p>
+        </p:txBody>
+      </p:sp>
+      <p:sp>
+        <p:nvSpPr>
+          <p:cNvPr id="8" name="Datumsplatzhalter 7">
+            <a:extLst>
+              <a:ext uri="{FF2B5EF4-FFF2-40B4-BE49-F238E27FC236}">
+                <a16:creationId xmlns:a16="http://schemas.microsoft.com/office/drawing/2014/main" id="{C5EA2E64-5690-A56B-7051-476EC7BADA55}"/>
+              </a:ext>
+            </a:extLst>
+          </p:cNvPr>
+          <p:cNvSpPr>
+            <a:spLocks noGrp="1"/>
+          </p:cNvSpPr>
+          <p:nvPr>
+            <p:ph type="dt" sz="half" idx="11"/>
+          </p:nvPr>
+        </p:nvSpPr>
+        <p:spPr/>
+        <p:txBody>
+          <a:bodyPr rtlCol="0"/>
+          <a:lstStyle>
+            <a:defPPr>
+              <a:defRPr lang="de-DE"/>
+            </a:defPPr>
+          </a:lstStyle>
+          <a:p>
+            <a:pPr rtl="0"/>
+            <a:endParaRPr lang="de-DE" dirty="0">
+              <a:latin typeface="+mn-lt"/>
+            </a:endParaRPr>
+          </a:p>
+        </p:txBody>
+      </p:sp>
+    </p:spTree>
+    <p:extLst>
+      <p:ext uri="{BB962C8B-B14F-4D97-AF65-F5344CB8AC3E}">
+        <p14:creationId xmlns:p14="http://schemas.microsoft.com/office/powerpoint/2010/main" val="1429319764"/>
+      </p:ext>
+    </p:extLst>
+  </p:cSld>
+  <p:clrMapOvr>
+    <a:masterClrMapping/>
+  </p:clrMapOvr>
+  <p:extLst>
+    <p:ext uri="{DCECCB84-F9BA-43D5-87BE-67443E8EF086}">
+      <p15:sldGuideLst xmlns:p15="http://schemas.microsoft.com/office/powerpoint/2012/main">
+        <p15:guide id="1" pos="600">
+          <p15:clr>
+            <a:srgbClr val="FBAE40"/>
+          </p15:clr>
+        </p15:guide>
+        <p15:guide id="2" pos="7080">
+          <p15:clr>
+            <a:srgbClr val="FBAE40"/>
+          </p15:clr>
+        </p15:guide>
+        <p15:guide id="3" pos="2880">
+          <p15:clr>
+            <a:srgbClr val="FBAE40"/>
+          </p15:clr>
+        </p15:guide>
+        <p15:guide id="4" pos="5160">
+          <p15:clr>
+            <a:srgbClr val="FBAE40"/>
+          </p15:clr>
+        </p15:guide>
+        <p15:guide id="5" pos="2520">
+          <p15:clr>
+            <a:srgbClr val="FBAE40"/>
+          </p15:clr>
+        </p15:guide>
+        <p15:guide id="6" pos="4800">
+          <p15:clr>
+            <a:srgbClr val="FBAE40"/>
+          </p15:clr>
+        </p15:guide>
+        <p15:guide id="7" orient="horz" pos="1224">
+          <p15:clr>
+            <a:srgbClr val="FBAE40"/>
+          </p15:clr>
+        </p15:guide>
+        <p15:guide id="8" orient="horz" pos="1392">
+          <p15:clr>
+            <a:srgbClr val="FBAE40"/>
+          </p15:clr>
+        </p15:guide>
+        <p15:guide id="10" orient="horz" pos="552">
+          <p15:clr>
+            <a:srgbClr val="FBAE40"/>
+          </p15:clr>
+        </p15:guide>
+      </p15:sldGuideLst>
+    </p:ext>
+  </p:extLst>
+</p:sldLayout>
+</file>
+
+<file path=ppt/slideLayouts/slideLayout11.xml><?xml version="1.0" encoding="utf-8"?>
 <p:sldLayout xmlns:a="http://schemas.openxmlformats.org/drawingml/2006/main" xmlns:r="http://schemas.openxmlformats.org/officeDocument/2006/relationships" xmlns:p="http://schemas.openxmlformats.org/presentationml/2006/main" preserve="1" userDrawn="1">
   <p:cSld name="Titelinhalt und Tabelle">
     <p:bg>
@@ -2255,7 +3108,7 @@
 </p:sldLayout>
 </file>
 
-<file path=ppt/slideLayouts/slideLayout11.xml><?xml version="1.0" encoding="utf-8"?>
+<file path=ppt/slideLayouts/slideLayout12.xml><?xml version="1.0" encoding="utf-8"?>
 <p:sldLayout xmlns:a="http://schemas.openxmlformats.org/drawingml/2006/main" xmlns:r="http://schemas.openxmlformats.org/officeDocument/2006/relationships" xmlns:p="http://schemas.openxmlformats.org/presentationml/2006/main" preserve="1" userDrawn="1">
   <p:cSld name="Titel und zwei Inhalte">
     <p:bg>
@@ -3049,7 +3902,7 @@
 </p:sldLayout>
 </file>
 
-<file path=ppt/slideLayouts/slideLayout12.xml><?xml version="1.0" encoding="utf-8"?>
+<file path=ppt/slideLayouts/slideLayout13.xml><?xml version="1.0" encoding="utf-8"?>
 <p:sldLayout xmlns:a="http://schemas.openxmlformats.org/drawingml/2006/main" xmlns:r="http://schemas.openxmlformats.org/officeDocument/2006/relationships" xmlns:p="http://schemas.openxmlformats.org/presentationml/2006/main" preserve="1" userDrawn="1">
   <p:cSld name="Tabelle 2">
     <p:bg>
@@ -3343,7 +4196,7 @@
 </p:sldLayout>
 </file>
 
-<file path=ppt/slideLayouts/slideLayout13.xml><?xml version="1.0" encoding="utf-8"?>
+<file path=ppt/slideLayouts/slideLayout14.xml><?xml version="1.0" encoding="utf-8"?>
 <p:sldLayout xmlns:a="http://schemas.openxmlformats.org/drawingml/2006/main" xmlns:r="http://schemas.openxmlformats.org/officeDocument/2006/relationships" xmlns:p="http://schemas.openxmlformats.org/presentationml/2006/main" preserve="1" userDrawn="1">
   <p:cSld name="Titel 3">
     <p:bg>
@@ -6049,6 +6902,594 @@
 
 <file path=ppt/slideLayouts/slideLayout6.xml><?xml version="1.0" encoding="utf-8"?>
 <p:sldLayout xmlns:a="http://schemas.openxmlformats.org/drawingml/2006/main" xmlns:r="http://schemas.openxmlformats.org/officeDocument/2006/relationships" xmlns:p="http://schemas.openxmlformats.org/presentationml/2006/main" preserve="1" userDrawn="1">
+  <p:cSld name="1_Zusammenfassung 2">
+    <p:bg>
+      <p:bgPr>
+        <a:solidFill>
+          <a:schemeClr val="tx1"/>
+        </a:solidFill>
+        <a:effectLst/>
+      </p:bgPr>
+    </p:bg>
+    <p:spTree>
+      <p:nvGrpSpPr>
+        <p:cNvPr id="1" name=""/>
+        <p:cNvGrpSpPr/>
+        <p:nvPr/>
+      </p:nvGrpSpPr>
+      <p:grpSpPr>
+        <a:xfrm>
+          <a:off x="0" y="0"/>
+          <a:ext cx="0" cy="0"/>
+          <a:chOff x="0" y="0"/>
+          <a:chExt cx="0" cy="0"/>
+        </a:xfrm>
+      </p:grpSpPr>
+      <p:grpSp>
+        <p:nvGrpSpPr>
+          <p:cNvPr id="10" name="Gruppieren 9">
+            <a:extLst>
+              <a:ext uri="{FF2B5EF4-FFF2-40B4-BE49-F238E27FC236}">
+                <a16:creationId xmlns:a16="http://schemas.microsoft.com/office/drawing/2014/main" id="{2D07A0BE-3890-193E-9439-F294E61A71B9}"/>
+              </a:ext>
+              <a:ext uri="{C183D7F6-B498-43B3-948B-1728B52AA6E4}">
+                <adec:decorative xmlns:adec="http://schemas.microsoft.com/office/drawing/2017/decorative" val="1"/>
+              </a:ext>
+            </a:extLst>
+          </p:cNvPr>
+          <p:cNvGrpSpPr>
+            <a:grpSpLocks/>
+          </p:cNvGrpSpPr>
+          <p:nvPr userDrawn="1"/>
+        </p:nvGrpSpPr>
+        <p:grpSpPr bwMode="auto">
+          <a:xfrm rot="16200000" flipV="1">
+            <a:off x="0" y="3900132"/>
+            <a:ext cx="2959226" cy="2959226"/>
+            <a:chOff x="0" y="12289"/>
+            <a:chExt cx="3550" cy="3551"/>
+          </a:xfrm>
+        </p:grpSpPr>
+        <p:sp>
+          <p:nvSpPr>
+            <p:cNvPr id="11" name="Freihandform 19">
+              <a:extLst>
+                <a:ext uri="{FF2B5EF4-FFF2-40B4-BE49-F238E27FC236}">
+                  <a16:creationId xmlns:a16="http://schemas.microsoft.com/office/drawing/2014/main" id="{C05217ED-C258-E6CE-BA7F-28A6EA41BCD3}"/>
+                </a:ext>
+              </a:extLst>
+            </p:cNvPr>
+            <p:cNvSpPr>
+              <a:spLocks/>
+            </p:cNvSpPr>
+            <p:nvPr/>
+          </p:nvSpPr>
+          <p:spPr bwMode="auto">
+            <a:xfrm>
+              <a:off x="0" y="12289"/>
+              <a:ext cx="1789" cy="2386"/>
+            </a:xfrm>
+            <a:custGeom>
+              <a:avLst/>
+              <a:gdLst>
+                <a:gd name="T0" fmla="*/ 0 w 1789"/>
+                <a:gd name="T1" fmla="+- 0 12290 12290"/>
+                <a:gd name="T2" fmla="*/ 12290 h 2386"/>
+                <a:gd name="T3" fmla="*/ 0 w 1789"/>
+                <a:gd name="T4" fmla="+- 0 13484 12290"/>
+                <a:gd name="T5" fmla="*/ 13484 h 2386"/>
+                <a:gd name="T6" fmla="*/ 1192 w 1789"/>
+                <a:gd name="T7" fmla="+- 0 14676 12290"/>
+                <a:gd name="T8" fmla="*/ 14676 h 2386"/>
+                <a:gd name="T9" fmla="*/ 1789 w 1789"/>
+                <a:gd name="T10" fmla="+- 0 14079 12290"/>
+                <a:gd name="T11" fmla="*/ 14079 h 2386"/>
+                <a:gd name="T12" fmla="*/ 0 w 1789"/>
+                <a:gd name="T13" fmla="+- 0 12290 12290"/>
+                <a:gd name="T14" fmla="*/ 12290 h 2386"/>
+              </a:gdLst>
+              <a:ahLst/>
+              <a:cxnLst>
+                <a:cxn ang="0">
+                  <a:pos x="T0" y="T2"/>
+                </a:cxn>
+                <a:cxn ang="0">
+                  <a:pos x="T3" y="T5"/>
+                </a:cxn>
+                <a:cxn ang="0">
+                  <a:pos x="T6" y="T8"/>
+                </a:cxn>
+                <a:cxn ang="0">
+                  <a:pos x="T9" y="T11"/>
+                </a:cxn>
+                <a:cxn ang="0">
+                  <a:pos x="T12" y="T14"/>
+                </a:cxn>
+              </a:cxnLst>
+              <a:rect l="0" t="0" r="r" b="b"/>
+              <a:pathLst>
+                <a:path w="1789" h="2386">
+                  <a:moveTo>
+                    <a:pt x="0" y="0"/>
+                  </a:moveTo>
+                  <a:lnTo>
+                    <a:pt x="0" y="1194"/>
+                  </a:lnTo>
+                  <a:lnTo>
+                    <a:pt x="1192" y="2386"/>
+                  </a:lnTo>
+                  <a:lnTo>
+                    <a:pt x="1789" y="1789"/>
+                  </a:lnTo>
+                  <a:lnTo>
+                    <a:pt x="0" y="0"/>
+                  </a:lnTo>
+                  <a:close/>
+                </a:path>
+              </a:pathLst>
+            </a:custGeom>
+            <a:solidFill>
+              <a:schemeClr val="accent6"/>
+            </a:solidFill>
+            <a:ln>
+              <a:noFill/>
+            </a:ln>
+            <a:extLst>
+              <a:ext uri="{91240B29-F687-4F45-9708-019B960494DF}">
+                <a14:hiddenLine xmlns:a14="http://schemas.microsoft.com/office/drawing/2010/main" w="9525">
+                  <a:solidFill>
+                    <a:srgbClr val="000000"/>
+                  </a:solidFill>
+                  <a:round/>
+                  <a:headEnd/>
+                  <a:tailEnd/>
+                </a14:hiddenLine>
+              </a:ext>
+            </a:extLst>
+          </p:spPr>
+          <p:txBody>
+            <a:bodyPr rot="0" vert="horz" wrap="square" lIns="91440" tIns="45720" rIns="91440" bIns="45720" rtlCol="0" anchor="t" anchorCtr="0" upright="1">
+              <a:noAutofit/>
+            </a:bodyPr>
+            <a:lstStyle>
+              <a:defPPr>
+                <a:defRPr lang="de-DE"/>
+              </a:defPPr>
+            </a:lstStyle>
+            <a:p>
+              <a:pPr rtl="0"/>
+              <a:endParaRPr lang="de-DE" dirty="0"/>
+            </a:p>
+          </p:txBody>
+        </p:sp>
+        <p:sp>
+          <p:nvSpPr>
+            <p:cNvPr id="12" name="Freihandform 20">
+              <a:extLst>
+                <a:ext uri="{FF2B5EF4-FFF2-40B4-BE49-F238E27FC236}">
+                  <a16:creationId xmlns:a16="http://schemas.microsoft.com/office/drawing/2014/main" id="{F3E11A1F-14DD-BA35-D7D7-4D4ADEAA3484}"/>
+                </a:ext>
+              </a:extLst>
+            </p:cNvPr>
+            <p:cNvSpPr>
+              <a:spLocks/>
+            </p:cNvSpPr>
+            <p:nvPr/>
+          </p:nvSpPr>
+          <p:spPr bwMode="auto">
+            <a:xfrm>
+              <a:off x="0" y="14678"/>
+              <a:ext cx="1162" cy="1162"/>
+            </a:xfrm>
+            <a:custGeom>
+              <a:avLst/>
+              <a:gdLst>
+                <a:gd name="T0" fmla="*/ 0 w 1162"/>
+                <a:gd name="T1" fmla="+- 0 14679 14679"/>
+                <a:gd name="T2" fmla="*/ 14679 h 1162"/>
+                <a:gd name="T3" fmla="*/ 0 w 1162"/>
+                <a:gd name="T4" fmla="+- 0 15840 14679"/>
+                <a:gd name="T5" fmla="*/ 15840 h 1162"/>
+                <a:gd name="T6" fmla="*/ 1161 w 1162"/>
+                <a:gd name="T7" fmla="+- 0 15840 14679"/>
+                <a:gd name="T8" fmla="*/ 15840 h 1162"/>
+                <a:gd name="T9" fmla="*/ 0 w 1162"/>
+                <a:gd name="T10" fmla="+- 0 14679 14679"/>
+                <a:gd name="T11" fmla="*/ 14679 h 1162"/>
+              </a:gdLst>
+              <a:ahLst/>
+              <a:cxnLst>
+                <a:cxn ang="0">
+                  <a:pos x="T0" y="T2"/>
+                </a:cxn>
+                <a:cxn ang="0">
+                  <a:pos x="T3" y="T5"/>
+                </a:cxn>
+                <a:cxn ang="0">
+                  <a:pos x="T6" y="T8"/>
+                </a:cxn>
+                <a:cxn ang="0">
+                  <a:pos x="T9" y="T11"/>
+                </a:cxn>
+              </a:cxnLst>
+              <a:rect l="0" t="0" r="r" b="b"/>
+              <a:pathLst>
+                <a:path w="1162" h="1162">
+                  <a:moveTo>
+                    <a:pt x="0" y="0"/>
+                  </a:moveTo>
+                  <a:lnTo>
+                    <a:pt x="0" y="1161"/>
+                  </a:lnTo>
+                  <a:lnTo>
+                    <a:pt x="1161" y="1161"/>
+                  </a:lnTo>
+                  <a:lnTo>
+                    <a:pt x="0" y="0"/>
+                  </a:lnTo>
+                  <a:close/>
+                </a:path>
+              </a:pathLst>
+            </a:custGeom>
+            <a:solidFill>
+              <a:schemeClr val="tx2"/>
+            </a:solidFill>
+            <a:ln>
+              <a:noFill/>
+            </a:ln>
+            <a:extLst>
+              <a:ext uri="{91240B29-F687-4F45-9708-019B960494DF}">
+                <a14:hiddenLine xmlns:a14="http://schemas.microsoft.com/office/drawing/2010/main" w="9525">
+                  <a:solidFill>
+                    <a:srgbClr val="000000"/>
+                  </a:solidFill>
+                  <a:round/>
+                  <a:headEnd/>
+                  <a:tailEnd/>
+                </a14:hiddenLine>
+              </a:ext>
+            </a:extLst>
+          </p:spPr>
+          <p:txBody>
+            <a:bodyPr rot="0" vert="horz" wrap="square" lIns="91440" tIns="45720" rIns="91440" bIns="45720" rtlCol="0" anchor="t" anchorCtr="0" upright="1">
+              <a:noAutofit/>
+            </a:bodyPr>
+            <a:lstStyle>
+              <a:defPPr>
+                <a:defRPr lang="de-DE"/>
+              </a:defPPr>
+            </a:lstStyle>
+            <a:p>
+              <a:pPr rtl="0"/>
+              <a:endParaRPr lang="de-DE" dirty="0"/>
+            </a:p>
+          </p:txBody>
+        </p:sp>
+        <p:sp>
+          <p:nvSpPr>
+            <p:cNvPr id="13" name="Freihandform 21">
+              <a:extLst>
+                <a:ext uri="{FF2B5EF4-FFF2-40B4-BE49-F238E27FC236}">
+                  <a16:creationId xmlns:a16="http://schemas.microsoft.com/office/drawing/2014/main" id="{F14541B0-973F-7E21-1019-D2FB83C8C0D0}"/>
+                </a:ext>
+              </a:extLst>
+            </p:cNvPr>
+            <p:cNvSpPr>
+              <a:spLocks/>
+            </p:cNvSpPr>
+            <p:nvPr/>
+          </p:nvSpPr>
+          <p:spPr bwMode="auto">
+            <a:xfrm>
+              <a:off x="1221" y="14675"/>
+              <a:ext cx="2329" cy="1165"/>
+            </a:xfrm>
+            <a:custGeom>
+              <a:avLst/>
+              <a:gdLst>
+                <a:gd name="T0" fmla="+- 0 3550 1221"/>
+                <a:gd name="T1" fmla="*/ T0 w 2329"/>
+                <a:gd name="T2" fmla="+- 0 15840 14676"/>
+                <a:gd name="T3" fmla="*/ 15840 h 1165"/>
+                <a:gd name="T4" fmla="+- 0 2386 1221"/>
+                <a:gd name="T5" fmla="*/ T4 w 2329"/>
+                <a:gd name="T6" fmla="+- 0 14676 14676"/>
+                <a:gd name="T7" fmla="*/ 14676 h 1165"/>
+                <a:gd name="T8" fmla="+- 0 1221 1221"/>
+                <a:gd name="T9" fmla="*/ T8 w 2329"/>
+                <a:gd name="T10" fmla="+- 0 15840 14676"/>
+                <a:gd name="T11" fmla="*/ 15840 h 1165"/>
+                <a:gd name="T12" fmla="+- 0 3550 1221"/>
+                <a:gd name="T13" fmla="*/ T12 w 2329"/>
+                <a:gd name="T14" fmla="+- 0 15840 14676"/>
+                <a:gd name="T15" fmla="*/ 15840 h 1165"/>
+              </a:gdLst>
+              <a:ahLst/>
+              <a:cxnLst>
+                <a:cxn ang="0">
+                  <a:pos x="T1" y="T3"/>
+                </a:cxn>
+                <a:cxn ang="0">
+                  <a:pos x="T5" y="T7"/>
+                </a:cxn>
+                <a:cxn ang="0">
+                  <a:pos x="T9" y="T11"/>
+                </a:cxn>
+                <a:cxn ang="0">
+                  <a:pos x="T13" y="T15"/>
+                </a:cxn>
+              </a:cxnLst>
+              <a:rect l="0" t="0" r="r" b="b"/>
+              <a:pathLst>
+                <a:path w="2329" h="1165">
+                  <a:moveTo>
+                    <a:pt x="2329" y="1164"/>
+                  </a:moveTo>
+                  <a:lnTo>
+                    <a:pt x="1165" y="0"/>
+                  </a:lnTo>
+                  <a:lnTo>
+                    <a:pt x="0" y="1164"/>
+                  </a:lnTo>
+                  <a:lnTo>
+                    <a:pt x="2329" y="1164"/>
+                  </a:lnTo>
+                </a:path>
+              </a:pathLst>
+            </a:custGeom>
+            <a:solidFill>
+              <a:schemeClr val="accent3"/>
+            </a:solidFill>
+            <a:ln>
+              <a:noFill/>
+            </a:ln>
+            <a:extLst>
+              <a:ext uri="{91240B29-F687-4F45-9708-019B960494DF}">
+                <a14:hiddenLine xmlns:a14="http://schemas.microsoft.com/office/drawing/2010/main" w="9525">
+                  <a:solidFill>
+                    <a:srgbClr val="000000"/>
+                  </a:solidFill>
+                  <a:round/>
+                  <a:headEnd/>
+                  <a:tailEnd/>
+                </a14:hiddenLine>
+              </a:ext>
+            </a:extLst>
+          </p:spPr>
+          <p:txBody>
+            <a:bodyPr rot="0" vert="horz" wrap="square" lIns="91440" tIns="45720" rIns="91440" bIns="45720" rtlCol="0" anchor="t" anchorCtr="0" upright="1">
+              <a:noAutofit/>
+            </a:bodyPr>
+            <a:lstStyle>
+              <a:defPPr>
+                <a:defRPr lang="de-DE"/>
+              </a:defPPr>
+            </a:lstStyle>
+            <a:p>
+              <a:pPr rtl="0"/>
+              <a:endParaRPr lang="de-DE" dirty="0"/>
+            </a:p>
+          </p:txBody>
+        </p:sp>
+      </p:grpSp>
+      <p:sp>
+        <p:nvSpPr>
+          <p:cNvPr id="32" name="Titel 1">
+            <a:extLst>
+              <a:ext uri="{FF2B5EF4-FFF2-40B4-BE49-F238E27FC236}">
+                <a16:creationId xmlns:a16="http://schemas.microsoft.com/office/drawing/2014/main" id="{467E05B6-B7CB-1E4F-96BA-4B8CFE8B63D9}"/>
+              </a:ext>
+            </a:extLst>
+          </p:cNvPr>
+          <p:cNvSpPr>
+            <a:spLocks noGrp="1"/>
+          </p:cNvSpPr>
+          <p:nvPr>
+            <p:ph type="title" hasCustomPrompt="1"/>
+          </p:nvPr>
+        </p:nvSpPr>
+        <p:spPr>
+          <a:xfrm>
+            <a:off x="594360" y="102875"/>
+            <a:ext cx="10873740" cy="1680205"/>
+          </a:xfrm>
+          <a:prstGeom prst="rect">
+            <a:avLst/>
+          </a:prstGeom>
+        </p:spPr>
+        <p:txBody>
+          <a:bodyPr lIns="0" tIns="0" rIns="0" bIns="0" rtlCol="0" anchor="b" anchorCtr="0">
+            <a:noAutofit/>
+          </a:bodyPr>
+          <a:lstStyle>
+            <a:lvl1pPr>
+              <a:defRPr lang="de-DE" sz="4400" b="1" i="0">
+                <a:latin typeface="+mj-lt"/>
+              </a:defRPr>
+            </a:lvl1pPr>
+          </a:lstStyle>
+          <a:p>
+            <a:pPr rtl="0"/>
+            <a:r>
+              <a:rPr lang="de-DE"/>
+              <a:t>Titel durch Klicken hinzufügen </a:t>
+            </a:r>
+          </a:p>
+        </p:txBody>
+      </p:sp>
+      <p:sp>
+        <p:nvSpPr>
+          <p:cNvPr id="2" name="Inhaltsplatzhalter 5">
+            <a:extLst>
+              <a:ext uri="{FF2B5EF4-FFF2-40B4-BE49-F238E27FC236}">
+                <a16:creationId xmlns:a16="http://schemas.microsoft.com/office/drawing/2014/main" id="{F6FE0DC0-B0D7-F4D6-8038-177AD7A8C211}"/>
+              </a:ext>
+            </a:extLst>
+          </p:cNvPr>
+          <p:cNvSpPr>
+            <a:spLocks noGrp="1"/>
+          </p:cNvSpPr>
+          <p:nvPr>
+            <p:ph sz="quarter" idx="13" hasCustomPrompt="1"/>
+          </p:nvPr>
+        </p:nvSpPr>
+        <p:spPr>
+          <a:xfrm>
+            <a:off x="3657600" y="2282008"/>
+            <a:ext cx="7810500" cy="3699328"/>
+          </a:xfrm>
+        </p:spPr>
+        <p:txBody>
+          <a:bodyPr lIns="0" tIns="228600" rIns="0" bIns="0" rtlCol="0">
+            <a:normAutofit/>
+          </a:bodyPr>
+          <a:lstStyle>
+            <a:lvl1pPr marL="283464" indent="-283464">
+              <a:spcBef>
+                <a:spcPts val="1800"/>
+              </a:spcBef>
+              <a:buFont typeface="Arial" panose="020B0604020202020204" pitchFamily="34" charset="0"/>
+              <a:buChar char="•"/>
+              <a:defRPr lang="de-DE" sz="2000"/>
+            </a:lvl1pPr>
+            <a:lvl2pPr indent="-283464">
+              <a:spcBef>
+                <a:spcPts val="1800"/>
+              </a:spcBef>
+              <a:defRPr lang="de-DE" sz="2000"/>
+            </a:lvl2pPr>
+            <a:lvl3pPr indent="-283464">
+              <a:spcBef>
+                <a:spcPts val="1800"/>
+              </a:spcBef>
+              <a:defRPr lang="de-DE" sz="2000"/>
+            </a:lvl3pPr>
+            <a:lvl4pPr indent="-283464">
+              <a:spcBef>
+                <a:spcPts val="1800"/>
+              </a:spcBef>
+              <a:defRPr lang="de-DE" sz="2000"/>
+            </a:lvl4pPr>
+            <a:lvl5pPr indent="-283464">
+              <a:spcBef>
+                <a:spcPts val="1800"/>
+              </a:spcBef>
+              <a:defRPr lang="de-DE" sz="2000"/>
+            </a:lvl5pPr>
+          </a:lstStyle>
+          <a:p>
+            <a:pPr lvl="0" rtl="0"/>
+            <a:r>
+              <a:rPr lang="de-DE"/>
+              <a:t>Klicken, um Inhalt hinzuzufügen</a:t>
+            </a:r>
+          </a:p>
+          <a:p>
+            <a:pPr lvl="1" rtl="0"/>
+            <a:r>
+              <a:rPr lang="de-DE"/>
+              <a:t>Zweite Ebene</a:t>
+            </a:r>
+          </a:p>
+          <a:p>
+            <a:pPr lvl="2" rtl="0"/>
+            <a:r>
+              <a:rPr lang="de-DE"/>
+              <a:t>Dritte Ebene</a:t>
+            </a:r>
+          </a:p>
+          <a:p>
+            <a:pPr lvl="3" rtl="0"/>
+            <a:r>
+              <a:rPr lang="de-DE"/>
+              <a:t>Vierte Ebene</a:t>
+            </a:r>
+          </a:p>
+          <a:p>
+            <a:pPr lvl="4" rtl="0"/>
+            <a:r>
+              <a:rPr lang="de-DE"/>
+              <a:t>Fünfte Ebene</a:t>
+            </a:r>
+          </a:p>
+        </p:txBody>
+      </p:sp>
+    </p:spTree>
+    <p:extLst>
+      <p:ext uri="{BB962C8B-B14F-4D97-AF65-F5344CB8AC3E}">
+        <p14:creationId xmlns:p14="http://schemas.microsoft.com/office/powerpoint/2010/main" val="2282282932"/>
+      </p:ext>
+    </p:extLst>
+  </p:cSld>
+  <p:clrMapOvr>
+    <a:overrideClrMapping bg1="dk1" tx1="lt1" bg2="dk2" tx2="lt2" accent1="accent1" accent2="accent2" accent3="accent3" accent4="accent4" accent5="accent5" accent6="accent6" hlink="hlink" folHlink="folHlink"/>
+  </p:clrMapOvr>
+  <p:extLst>
+    <p:ext uri="{DCECCB84-F9BA-43D5-87BE-67443E8EF086}">
+      <p15:sldGuideLst xmlns:p15="http://schemas.microsoft.com/office/powerpoint/2012/main">
+        <p15:guide id="1" pos="600">
+          <p15:clr>
+            <a:srgbClr val="FBAE40"/>
+          </p15:clr>
+        </p15:guide>
+        <p15:guide id="2" pos="7080">
+          <p15:clr>
+            <a:srgbClr val="FBAE40"/>
+          </p15:clr>
+        </p15:guide>
+        <p15:guide id="3" pos="2304">
+          <p15:clr>
+            <a:srgbClr val="FBAE40"/>
+          </p15:clr>
+        </p15:guide>
+        <p15:guide id="4" pos="5736">
+          <p15:clr>
+            <a:srgbClr val="FBAE40"/>
+          </p15:clr>
+        </p15:guide>
+        <p15:guide id="5" pos="1944">
+          <p15:clr>
+            <a:srgbClr val="FBAE40"/>
+          </p15:clr>
+        </p15:guide>
+        <p15:guide id="6" pos="4008">
+          <p15:clr>
+            <a:srgbClr val="FBAE40"/>
+          </p15:clr>
+        </p15:guide>
+        <p15:guide id="7" orient="horz" pos="1224">
+          <p15:clr>
+            <a:srgbClr val="FBAE40"/>
+          </p15:clr>
+        </p15:guide>
+        <p15:guide id="8" orient="horz" pos="1440">
+          <p15:clr>
+            <a:srgbClr val="FBAE40"/>
+          </p15:clr>
+        </p15:guide>
+        <p15:guide id="9" orient="horz" pos="552">
+          <p15:clr>
+            <a:srgbClr val="FBAE40"/>
+          </p15:clr>
+        </p15:guide>
+        <p15:guide id="10" pos="5352">
+          <p15:clr>
+            <a:srgbClr val="FBAE40"/>
+          </p15:clr>
+        </p15:guide>
+        <p15:guide id="11" pos="3648">
+          <p15:clr>
+            <a:srgbClr val="FBAE40"/>
+          </p15:clr>
+        </p15:guide>
+      </p15:sldGuideLst>
+    </p:ext>
+  </p:extLst>
+</p:sldLayout>
+</file>
+
+<file path=ppt/slideLayouts/slideLayout7.xml><?xml version="1.0" encoding="utf-8"?>
+<p:sldLayout xmlns:a="http://schemas.openxmlformats.org/drawingml/2006/main" xmlns:r="http://schemas.openxmlformats.org/officeDocument/2006/relationships" xmlns:p="http://schemas.openxmlformats.org/presentationml/2006/main" preserve="1" userDrawn="1">
   <p:cSld name="Titel">
     <p:bg>
       <p:bgPr>
@@ -6591,7 +8032,7 @@
 </p:sldLayout>
 </file>
 
-<file path=ppt/slideLayouts/slideLayout7.xml><?xml version="1.0" encoding="utf-8"?>
+<file path=ppt/slideLayouts/slideLayout8.xml><?xml version="1.0" encoding="utf-8"?>
 <p:sldLayout xmlns:a="http://schemas.openxmlformats.org/drawingml/2006/main" xmlns:r="http://schemas.openxmlformats.org/officeDocument/2006/relationships" xmlns:p="http://schemas.openxmlformats.org/presentationml/2006/main" preserve="1" userDrawn="1">
   <p:cSld name="Titel und zwei Inhalte 2">
     <p:bg>
@@ -7386,7 +8827,7 @@
 </p:sldLayout>
 </file>
 
-<file path=ppt/slideLayouts/slideLayout8.xml><?xml version="1.0" encoding="utf-8"?>
+<file path=ppt/slideLayouts/slideLayout9.xml><?xml version="1.0" encoding="utf-8"?>
 <p:sldLayout xmlns:a="http://schemas.openxmlformats.org/drawingml/2006/main" xmlns:r="http://schemas.openxmlformats.org/officeDocument/2006/relationships" xmlns:p="http://schemas.openxmlformats.org/presentationml/2006/main" preserve="1" userDrawn="1">
   <p:cSld name="Titel und Inhalt ">
     <p:bg>
@@ -8393,402 +9834,6 @@
     <p:extLst>
       <p:ext uri="{BB962C8B-B14F-4D97-AF65-F5344CB8AC3E}">
         <p14:creationId xmlns:p14="http://schemas.microsoft.com/office/powerpoint/2010/main" val="554606805"/>
-      </p:ext>
-    </p:extLst>
-  </p:cSld>
-  <p:clrMapOvr>
-    <a:masterClrMapping/>
-  </p:clrMapOvr>
-  <p:extLst>
-    <p:ext uri="{DCECCB84-F9BA-43D5-87BE-67443E8EF086}">
-      <p15:sldGuideLst xmlns:p15="http://schemas.microsoft.com/office/powerpoint/2012/main">
-        <p15:guide id="1" pos="600">
-          <p15:clr>
-            <a:srgbClr val="FBAE40"/>
-          </p15:clr>
-        </p15:guide>
-        <p15:guide id="2" pos="7080">
-          <p15:clr>
-            <a:srgbClr val="FBAE40"/>
-          </p15:clr>
-        </p15:guide>
-        <p15:guide id="3" pos="2880">
-          <p15:clr>
-            <a:srgbClr val="FBAE40"/>
-          </p15:clr>
-        </p15:guide>
-        <p15:guide id="4" pos="5160">
-          <p15:clr>
-            <a:srgbClr val="FBAE40"/>
-          </p15:clr>
-        </p15:guide>
-        <p15:guide id="5" pos="2520">
-          <p15:clr>
-            <a:srgbClr val="FBAE40"/>
-          </p15:clr>
-        </p15:guide>
-        <p15:guide id="6" pos="4800">
-          <p15:clr>
-            <a:srgbClr val="FBAE40"/>
-          </p15:clr>
-        </p15:guide>
-        <p15:guide id="7" orient="horz" pos="1224">
-          <p15:clr>
-            <a:srgbClr val="FBAE40"/>
-          </p15:clr>
-        </p15:guide>
-        <p15:guide id="8" orient="horz" pos="1392">
-          <p15:clr>
-            <a:srgbClr val="FBAE40"/>
-          </p15:clr>
-        </p15:guide>
-        <p15:guide id="10" orient="horz" pos="552">
-          <p15:clr>
-            <a:srgbClr val="FBAE40"/>
-          </p15:clr>
-        </p15:guide>
-      </p15:sldGuideLst>
-    </p:ext>
-  </p:extLst>
-</p:sldLayout>
-</file>
-
-<file path=ppt/slideLayouts/slideLayout9.xml><?xml version="1.0" encoding="utf-8"?>
-<p:sldLayout xmlns:a="http://schemas.openxmlformats.org/drawingml/2006/main" xmlns:r="http://schemas.openxmlformats.org/officeDocument/2006/relationships" xmlns:p="http://schemas.openxmlformats.org/presentationml/2006/main" preserve="1" userDrawn="1">
-  <p:cSld name="Titelinhalt und Bild">
-    <p:bg>
-      <p:bgPr>
-        <a:solidFill>
-          <a:schemeClr val="tx1"/>
-        </a:solidFill>
-        <a:effectLst/>
-      </p:bgPr>
-    </p:bg>
-    <p:spTree>
-      <p:nvGrpSpPr>
-        <p:cNvPr id="1" name=""/>
-        <p:cNvGrpSpPr/>
-        <p:nvPr/>
-      </p:nvGrpSpPr>
-      <p:grpSpPr>
-        <a:xfrm>
-          <a:off x="0" y="0"/>
-          <a:ext cx="0" cy="0"/>
-          <a:chOff x="0" y="0"/>
-          <a:chExt cx="0" cy="0"/>
-        </a:xfrm>
-      </p:grpSpPr>
-      <p:sp>
-        <p:nvSpPr>
-          <p:cNvPr id="16" name="Titel 1">
-            <a:extLst>
-              <a:ext uri="{FF2B5EF4-FFF2-40B4-BE49-F238E27FC236}">
-                <a16:creationId xmlns:a16="http://schemas.microsoft.com/office/drawing/2014/main" id="{109B023A-F28F-184D-BA48-3F1C0502AE0A}"/>
-              </a:ext>
-            </a:extLst>
-          </p:cNvPr>
-          <p:cNvSpPr>
-            <a:spLocks noGrp="1"/>
-          </p:cNvSpPr>
-          <p:nvPr>
-            <p:ph type="title" hasCustomPrompt="1"/>
-          </p:nvPr>
-        </p:nvSpPr>
-        <p:spPr>
-          <a:xfrm>
-            <a:off x="575310" y="278129"/>
-            <a:ext cx="5063490" cy="2354026"/>
-          </a:xfrm>
-          <a:prstGeom prst="rect">
-            <a:avLst/>
-          </a:prstGeom>
-        </p:spPr>
-        <p:txBody>
-          <a:bodyPr lIns="0" tIns="0" rIns="0" bIns="0" rtlCol="0" anchor="b" anchorCtr="0">
-            <a:noAutofit/>
-          </a:bodyPr>
-          <a:lstStyle>
-            <a:lvl1pPr>
-              <a:defRPr lang="de-DE" sz="4400" b="1" i="0">
-                <a:solidFill>
-                  <a:schemeClr val="bg1"/>
-                </a:solidFill>
-                <a:latin typeface="+mj-lt"/>
-              </a:defRPr>
-            </a:lvl1pPr>
-          </a:lstStyle>
-          <a:p>
-            <a:pPr rtl="0"/>
-            <a:r>
-              <a:rPr lang="de-DE"/>
-              <a:t>Titel durch Klicken hinzufügen </a:t>
-            </a:r>
-          </a:p>
-        </p:txBody>
-      </p:sp>
-      <p:sp>
-        <p:nvSpPr>
-          <p:cNvPr id="3" name="Inhaltsplatzhalter 5">
-            <a:extLst>
-              <a:ext uri="{FF2B5EF4-FFF2-40B4-BE49-F238E27FC236}">
-                <a16:creationId xmlns:a16="http://schemas.microsoft.com/office/drawing/2014/main" id="{1EF4505D-6803-3813-7738-049963427819}"/>
-              </a:ext>
-            </a:extLst>
-          </p:cNvPr>
-          <p:cNvSpPr>
-            <a:spLocks noGrp="1"/>
-          </p:cNvSpPr>
-          <p:nvPr>
-            <p:ph sz="quarter" idx="16" hasCustomPrompt="1"/>
-          </p:nvPr>
-        </p:nvSpPr>
-        <p:spPr>
-          <a:xfrm>
-            <a:off x="594360" y="3279579"/>
-            <a:ext cx="5044440" cy="2994415"/>
-          </a:xfrm>
-        </p:spPr>
-        <p:txBody>
-          <a:bodyPr lIns="0" tIns="228600" rIns="0" bIns="0" rtlCol="0">
-            <a:normAutofit/>
-          </a:bodyPr>
-          <a:lstStyle>
-            <a:lvl1pPr marL="0" indent="0">
-              <a:spcBef>
-                <a:spcPts val="1800"/>
-              </a:spcBef>
-              <a:buFont typeface="Arial" panose="020B0604020202020204" pitchFamily="34" charset="0"/>
-              <a:buNone/>
-              <a:defRPr lang="de-DE" sz="2000"/>
-            </a:lvl1pPr>
-            <a:lvl2pPr indent="-283464">
-              <a:spcBef>
-                <a:spcPts val="1800"/>
-              </a:spcBef>
-              <a:defRPr lang="de-DE" sz="2000"/>
-            </a:lvl2pPr>
-            <a:lvl3pPr indent="-283464">
-              <a:spcBef>
-                <a:spcPts val="1800"/>
-              </a:spcBef>
-              <a:defRPr lang="de-DE" sz="2000"/>
-            </a:lvl3pPr>
-            <a:lvl4pPr indent="-283464">
-              <a:spcBef>
-                <a:spcPts val="1800"/>
-              </a:spcBef>
-              <a:defRPr lang="de-DE" sz="2000"/>
-            </a:lvl4pPr>
-            <a:lvl5pPr indent="-283464">
-              <a:spcBef>
-                <a:spcPts val="1800"/>
-              </a:spcBef>
-              <a:defRPr lang="de-DE" sz="2000"/>
-            </a:lvl5pPr>
-          </a:lstStyle>
-          <a:p>
-            <a:pPr lvl="0" rtl="0"/>
-            <a:r>
-              <a:rPr lang="de-DE"/>
-              <a:t>Klicken, um Inhalt hinzuzufügen</a:t>
-            </a:r>
-          </a:p>
-          <a:p>
-            <a:pPr lvl="1" rtl="0"/>
-            <a:r>
-              <a:rPr lang="de-DE"/>
-              <a:t>Zweite Ebene</a:t>
-            </a:r>
-          </a:p>
-          <a:p>
-            <a:pPr lvl="2" rtl="0"/>
-            <a:r>
-              <a:rPr lang="de-DE"/>
-              <a:t>Dritte Ebene</a:t>
-            </a:r>
-          </a:p>
-          <a:p>
-            <a:pPr lvl="3" rtl="0"/>
-            <a:r>
-              <a:rPr lang="de-DE"/>
-              <a:t>Vierte Ebene</a:t>
-            </a:r>
-          </a:p>
-          <a:p>
-            <a:pPr lvl="4" rtl="0"/>
-            <a:r>
-              <a:rPr lang="de-DE"/>
-              <a:t>Fünfte Ebene</a:t>
-            </a:r>
-          </a:p>
-        </p:txBody>
-      </p:sp>
-      <p:cxnSp>
-        <p:nvCxnSpPr>
-          <p:cNvPr id="4" name="Gerader Verbinder 3">
-            <a:extLst>
-              <a:ext uri="{FF2B5EF4-FFF2-40B4-BE49-F238E27FC236}">
-                <a16:creationId xmlns:a16="http://schemas.microsoft.com/office/drawing/2014/main" id="{E66081BA-9135-73B1-DCE5-77FD12431F13}"/>
-              </a:ext>
-              <a:ext uri="{C183D7F6-B498-43B3-948B-1728B52AA6E4}">
-                <adec:decorative xmlns:adec="http://schemas.microsoft.com/office/drawing/2017/decorative" val="1"/>
-              </a:ext>
-            </a:extLst>
-          </p:cNvPr>
-          <p:cNvCxnSpPr>
-            <a:cxnSpLocks/>
-          </p:cNvCxnSpPr>
-          <p:nvPr userDrawn="1"/>
-        </p:nvCxnSpPr>
-        <p:spPr>
-          <a:xfrm>
-            <a:off x="594360" y="2997459"/>
-            <a:ext cx="2133600" cy="3992"/>
-          </a:xfrm>
-          <a:prstGeom prst="line">
-            <a:avLst/>
-          </a:prstGeom>
-          <a:ln w="101600">
-            <a:solidFill>
-              <a:schemeClr val="tx2">
-                <a:lumMod val="75000"/>
-              </a:schemeClr>
-            </a:solidFill>
-          </a:ln>
-        </p:spPr>
-        <p:style>
-          <a:lnRef idx="1">
-            <a:schemeClr val="dk1"/>
-          </a:lnRef>
-          <a:fillRef idx="0">
-            <a:schemeClr val="dk1"/>
-          </a:fillRef>
-          <a:effectRef idx="0">
-            <a:schemeClr val="dk1"/>
-          </a:effectRef>
-          <a:fontRef idx="minor">
-            <a:schemeClr val="tx1"/>
-          </a:fontRef>
-        </p:style>
-      </p:cxnSp>
-      <p:sp>
-        <p:nvSpPr>
-          <p:cNvPr id="12" name="Bildplatzhalter 11">
-            <a:extLst>
-              <a:ext uri="{FF2B5EF4-FFF2-40B4-BE49-F238E27FC236}">
-                <a16:creationId xmlns:a16="http://schemas.microsoft.com/office/drawing/2014/main" id="{4658637A-5D36-6127-19BC-C203E23FA49F}"/>
-              </a:ext>
-            </a:extLst>
-          </p:cNvPr>
-          <p:cNvSpPr>
-            <a:spLocks noGrp="1"/>
-          </p:cNvSpPr>
-          <p:nvPr>
-            <p:ph type="pic" sz="quarter" idx="15"/>
-          </p:nvPr>
-        </p:nvSpPr>
-        <p:spPr>
-          <a:xfrm>
-            <a:off x="6096000" y="0"/>
-            <a:ext cx="6118225" cy="6858000"/>
-          </a:xfrm>
-        </p:spPr>
-        <p:txBody>
-          <a:bodyPr rtlCol="0">
-            <a:normAutofit/>
-          </a:bodyPr>
-          <a:lstStyle>
-            <a:lvl1pPr marL="0" indent="0" algn="ctr">
-              <a:buNone/>
-              <a:defRPr lang="de-DE" sz="2000">
-                <a:solidFill>
-                  <a:schemeClr val="bg1"/>
-                </a:solidFill>
-              </a:defRPr>
-            </a:lvl1pPr>
-          </a:lstStyle>
-          <a:p>
-            <a:pPr rtl="0"/>
-            <a:r>
-              <a:rPr lang="de-DE"/>
-              <a:t>Bild durch Klicken auf Symbol hinzufügen</a:t>
-            </a:r>
-          </a:p>
-        </p:txBody>
-      </p:sp>
-      <p:sp>
-        <p:nvSpPr>
-          <p:cNvPr id="10" name="Foliennummernplatzhalter 9">
-            <a:extLst>
-              <a:ext uri="{FF2B5EF4-FFF2-40B4-BE49-F238E27FC236}">
-                <a16:creationId xmlns:a16="http://schemas.microsoft.com/office/drawing/2014/main" id="{05D79B4B-A9BD-581F-536E-DE7CF728F84E}"/>
-              </a:ext>
-            </a:extLst>
-          </p:cNvPr>
-          <p:cNvSpPr>
-            <a:spLocks noGrp="1"/>
-          </p:cNvSpPr>
-          <p:nvPr>
-            <p:ph type="sldNum" sz="quarter" idx="12"/>
-          </p:nvPr>
-        </p:nvSpPr>
-        <p:spPr/>
-        <p:txBody>
-          <a:bodyPr rtlCol="0"/>
-          <a:lstStyle>
-            <a:defPPr>
-              <a:defRPr lang="de-DE"/>
-            </a:defPPr>
-          </a:lstStyle>
-          <a:p>
-            <a:pPr rtl="0"/>
-            <a:fld id="{294A09A9-5501-47C1-A89A-A340965A2BE2}" type="slidenum">
-              <a:rPr lang="de-DE" smtClean="0"/>
-              <a:pPr/>
-              <a:t>‹Nr.›</a:t>
-            </a:fld>
-            <a:endParaRPr lang="de-DE" dirty="0">
-              <a:latin typeface="+mn-lt"/>
-            </a:endParaRPr>
-          </a:p>
-        </p:txBody>
-      </p:sp>
-      <p:sp>
-        <p:nvSpPr>
-          <p:cNvPr id="8" name="Datumsplatzhalter 7">
-            <a:extLst>
-              <a:ext uri="{FF2B5EF4-FFF2-40B4-BE49-F238E27FC236}">
-                <a16:creationId xmlns:a16="http://schemas.microsoft.com/office/drawing/2014/main" id="{C5EA2E64-5690-A56B-7051-476EC7BADA55}"/>
-              </a:ext>
-            </a:extLst>
-          </p:cNvPr>
-          <p:cNvSpPr>
-            <a:spLocks noGrp="1"/>
-          </p:cNvSpPr>
-          <p:nvPr>
-            <p:ph type="dt" sz="half" idx="11"/>
-          </p:nvPr>
-        </p:nvSpPr>
-        <p:spPr/>
-        <p:txBody>
-          <a:bodyPr rtlCol="0"/>
-          <a:lstStyle>
-            <a:defPPr>
-              <a:defRPr lang="de-DE"/>
-            </a:defPPr>
-          </a:lstStyle>
-          <a:p>
-            <a:pPr rtl="0"/>
-            <a:endParaRPr lang="de-DE" dirty="0">
-              <a:latin typeface="+mn-lt"/>
-            </a:endParaRPr>
-          </a:p>
-        </p:txBody>
-      </p:sp>
-    </p:spTree>
-    <p:extLst>
-      <p:ext uri="{BB962C8B-B14F-4D97-AF65-F5344CB8AC3E}">
-        <p14:creationId xmlns:p14="http://schemas.microsoft.com/office/powerpoint/2010/main" val="1429319764"/>
       </p:ext>
     </p:extLst>
   </p:cSld>
@@ -9095,14 +10140,15 @@
     <p:sldLayoutId id="2147483710" r:id="rId3"/>
     <p:sldLayoutId id="2147483700" r:id="rId4"/>
     <p:sldLayoutId id="2147483701" r:id="rId5"/>
-    <p:sldLayoutId id="2147483659" r:id="rId6"/>
-    <p:sldLayoutId id="2147483709" r:id="rId7"/>
-    <p:sldLayoutId id="2147483708" r:id="rId8"/>
-    <p:sldLayoutId id="2147483707" r:id="rId9"/>
-    <p:sldLayoutId id="2147483706" r:id="rId10"/>
-    <p:sldLayoutId id="2147483705" r:id="rId11"/>
-    <p:sldLayoutId id="2147483704" r:id="rId12"/>
-    <p:sldLayoutId id="2147483703" r:id="rId13"/>
+    <p:sldLayoutId id="2147483712" r:id="rId6"/>
+    <p:sldLayoutId id="2147483659" r:id="rId7"/>
+    <p:sldLayoutId id="2147483709" r:id="rId8"/>
+    <p:sldLayoutId id="2147483708" r:id="rId9"/>
+    <p:sldLayoutId id="2147483707" r:id="rId10"/>
+    <p:sldLayoutId id="2147483706" r:id="rId11"/>
+    <p:sldLayoutId id="2147483705" r:id="rId12"/>
+    <p:sldLayoutId id="2147483704" r:id="rId13"/>
+    <p:sldLayoutId id="2147483703" r:id="rId14"/>
   </p:sldLayoutIdLst>
   <p:hf sldNum="0" hdr="0" ftr="0" dt="0"/>
   <p:txStyles>
@@ -9716,7 +10762,7 @@
         <p:spPr>
           <a:xfrm>
             <a:off x="593725" y="2281238"/>
-            <a:ext cx="11393228" cy="3709987"/>
+            <a:ext cx="6571004" cy="3709987"/>
           </a:xfrm>
         </p:spPr>
         <p:txBody>
@@ -9732,42 +10778,121 @@
             <a:pPr rtl="0"/>
             <a:r>
               <a:rPr lang="de-DE" dirty="0"/>
-              <a:t>Allgemeine Informationen (ab 09:30 Uhr)</a:t>
+              <a:t>Allgemeine Informationen</a:t>
             </a:r>
           </a:p>
           <a:p>
             <a:pPr rtl="0"/>
             <a:r>
               <a:rPr lang="de-DE" dirty="0"/>
-              <a:t>Interpretation des Lehrplans zum Thema (ab 10:00 Uhr)</a:t>
+              <a:t>Interpretation des Lehrplans zum Thema</a:t>
             </a:r>
           </a:p>
           <a:p>
             <a:pPr rtl="0"/>
             <a:r>
               <a:rPr lang="de-DE" dirty="0"/>
-              <a:t>Gemeinsame Einführung Level A (ab 10:30 Uhr)</a:t>
+              <a:t>Gemeinsame Einführung Level A</a:t>
             </a:r>
           </a:p>
           <a:p>
             <a:pPr rtl="0"/>
             <a:r>
               <a:rPr lang="de-DE" dirty="0"/>
-              <a:t>„Hands on“ der weiteren Level (ab 11:00 Uhr)</a:t>
+              <a:t>„Hands on“ der Level </a:t>
+            </a:r>
+            <a:r>
+              <a:rPr lang="de-DE" dirty="0">
+                <a:highlight>
+                  <a:srgbClr val="FFFF00"/>
+                </a:highlight>
+              </a:rPr>
+              <a:t>Ihrer Wahl</a:t>
             </a:r>
           </a:p>
           <a:p>
             <a:pPr rtl="0"/>
             <a:r>
               <a:rPr lang="de-DE" dirty="0"/>
-              <a:t>Vorteile/ Nachteile der behandelten Systeme (ab 14:00)</a:t>
+              <a:t>Vorteile/ Nachteile der technischen Systeme</a:t>
             </a:r>
           </a:p>
           <a:p>
             <a:pPr rtl="0"/>
             <a:r>
               <a:rPr lang="de-DE" dirty="0"/>
-              <a:t>Austausch der Teilnehmenden (ab 14:20)</a:t>
+              <a:t>Austausch der Teilnehmenden</a:t>
+            </a:r>
+          </a:p>
+        </p:txBody>
+      </p:sp>
+      <p:sp>
+        <p:nvSpPr>
+          <p:cNvPr id="4" name="Sprechblase: oval 3">
+            <a:extLst>
+              <a:ext uri="{FF2B5EF4-FFF2-40B4-BE49-F238E27FC236}">
+                <a16:creationId xmlns:a16="http://schemas.microsoft.com/office/drawing/2014/main" id="{588C8D9D-9002-1D26-6F7B-D72433936BD7}"/>
+              </a:ext>
+            </a:extLst>
+          </p:cNvPr>
+          <p:cNvSpPr/>
+          <p:nvPr/>
+        </p:nvSpPr>
+        <p:spPr>
+          <a:xfrm>
+            <a:off x="7164729" y="2951545"/>
+            <a:ext cx="2592729" cy="1956122"/>
+          </a:xfrm>
+          <a:prstGeom prst="wedgeEllipseCallout">
+            <a:avLst>
+              <a:gd name="adj1" fmla="val -131547"/>
+              <a:gd name="adj2" fmla="val 48299"/>
+            </a:avLst>
+          </a:prstGeom>
+        </p:spPr>
+        <p:style>
+          <a:lnRef idx="2">
+            <a:schemeClr val="accent1">
+              <a:shade val="15000"/>
+            </a:schemeClr>
+          </a:lnRef>
+          <a:fillRef idx="1">
+            <a:schemeClr val="accent1"/>
+          </a:fillRef>
+          <a:effectRef idx="0">
+            <a:schemeClr val="accent1"/>
+          </a:effectRef>
+          <a:fontRef idx="minor">
+            <a:schemeClr val="lt1"/>
+          </a:fontRef>
+        </p:style>
+        <p:txBody>
+          <a:bodyPr rtlCol="0" anchor="ctr"/>
+          <a:lstStyle/>
+          <a:p>
+            <a:pPr algn="ctr"/>
+            <a:r>
+              <a:rPr lang="de-DE" b="1" dirty="0">
+                <a:solidFill>
+                  <a:schemeClr val="bg1"/>
+                </a:solidFill>
+              </a:rPr>
+              <a:t>Mittagspause</a:t>
+            </a:r>
+            <a:br>
+              <a:rPr lang="de-DE" b="1" dirty="0">
+                <a:solidFill>
+                  <a:schemeClr val="bg1"/>
+                </a:solidFill>
+              </a:rPr>
+            </a:br>
+            <a:r>
+              <a:rPr lang="de-DE" b="1" dirty="0">
+                <a:solidFill>
+                  <a:schemeClr val="bg1"/>
+                </a:solidFill>
+              </a:rPr>
+              <a:t>12:30 – 14 Uhr</a:t>
             </a:r>
           </a:p>
         </p:txBody>
@@ -9782,6 +10907,84 @@
   <p:clrMapOvr>
     <a:masterClrMapping/>
   </p:clrMapOvr>
+  <p:timing>
+    <p:tnLst>
+      <p:par>
+        <p:cTn id="1" dur="indefinite" restart="never" nodeType="tmRoot">
+          <p:childTnLst>
+            <p:seq concurrent="1" nextAc="seek">
+              <p:cTn id="2" dur="indefinite" nodeType="mainSeq">
+                <p:childTnLst>
+                  <p:par>
+                    <p:cTn id="3" fill="hold">
+                      <p:stCondLst>
+                        <p:cond delay="indefinite"/>
+                      </p:stCondLst>
+                      <p:childTnLst>
+                        <p:par>
+                          <p:cTn id="4" fill="hold">
+                            <p:stCondLst>
+                              <p:cond delay="0"/>
+                            </p:stCondLst>
+                            <p:childTnLst>
+                              <p:par>
+                                <p:cTn id="5" presetID="1" presetClass="entr" presetSubtype="0" fill="hold" grpId="0" nodeType="clickEffect">
+                                  <p:stCondLst>
+                                    <p:cond delay="0"/>
+                                  </p:stCondLst>
+                                  <p:childTnLst>
+                                    <p:set>
+                                      <p:cBhvr>
+                                        <p:cTn id="6" dur="1" fill="hold">
+                                          <p:stCondLst>
+                                            <p:cond delay="0"/>
+                                          </p:stCondLst>
+                                        </p:cTn>
+                                        <p:tgtEl>
+                                          <p:spTgt spid="4"/>
+                                        </p:tgtEl>
+                                        <p:attrNameLst>
+                                          <p:attrName>style.visibility</p:attrName>
+                                        </p:attrNameLst>
+                                      </p:cBhvr>
+                                      <p:to>
+                                        <p:strVal val="visible"/>
+                                      </p:to>
+                                    </p:set>
+                                  </p:childTnLst>
+                                </p:cTn>
+                              </p:par>
+                            </p:childTnLst>
+                          </p:cTn>
+                        </p:par>
+                      </p:childTnLst>
+                    </p:cTn>
+                  </p:par>
+                </p:childTnLst>
+              </p:cTn>
+              <p:prevCondLst>
+                <p:cond evt="onPrev" delay="0">
+                  <p:tgtEl>
+                    <p:sldTgt/>
+                  </p:tgtEl>
+                </p:cond>
+              </p:prevCondLst>
+              <p:nextCondLst>
+                <p:cond evt="onNext" delay="0">
+                  <p:tgtEl>
+                    <p:sldTgt/>
+                  </p:tgtEl>
+                </p:cond>
+              </p:nextCondLst>
+            </p:seq>
+          </p:childTnLst>
+        </p:cTn>
+      </p:par>
+    </p:tnLst>
+    <p:bldLst>
+      <p:bldP spid="4" grpId="0" animBg="1"/>
+    </p:bldLst>
+  </p:timing>
 </p:sld>
 </file>
 
@@ -9818,37 +11021,638 @@
             <p:ph type="title"/>
           </p:nvPr>
         </p:nvSpPr>
-        <p:spPr/>
+        <p:spPr>
+          <a:xfrm>
+            <a:off x="432314" y="227903"/>
+            <a:ext cx="10873740" cy="648761"/>
+          </a:xfrm>
+        </p:spPr>
         <p:txBody>
           <a:bodyPr/>
           <a:lstStyle/>
           <a:p>
+            <a:r>
+              <a:rPr lang="de-DE" dirty="0"/>
+              <a:t>Entwurf FOS 11</a:t>
+            </a:r>
+          </a:p>
+        </p:txBody>
+      </p:sp>
+      <p:graphicFrame>
+        <p:nvGraphicFramePr>
+          <p:cNvPr id="4" name="Tabelle 3">
+            <a:extLst>
+              <a:ext uri="{FF2B5EF4-FFF2-40B4-BE49-F238E27FC236}">
+                <a16:creationId xmlns:a16="http://schemas.microsoft.com/office/drawing/2014/main" id="{A3852A00-E027-FD50-09F7-2B40580AD0F2}"/>
+              </a:ext>
+            </a:extLst>
+          </p:cNvPr>
+          <p:cNvGraphicFramePr>
+            <a:graphicFrameLocks noGrp="1"/>
+          </p:cNvGraphicFramePr>
+          <p:nvPr>
+            <p:extLst>
+              <p:ext uri="{D42A27DB-BD31-4B8C-83A1-F6EECF244321}">
+                <p14:modId xmlns:p14="http://schemas.microsoft.com/office/powerpoint/2010/main" val="2519518536"/>
+              </p:ext>
+            </p:extLst>
+          </p:nvPr>
+        </p:nvGraphicFramePr>
+        <p:xfrm>
+          <a:off x="432314" y="896801"/>
+          <a:ext cx="11107645" cy="5715064"/>
+        </p:xfrm>
+        <a:graphic>
+          <a:graphicData uri="http://schemas.openxmlformats.org/drawingml/2006/table">
+            <a:tbl>
+              <a:tblPr/>
+              <a:tblGrid>
+                <a:gridCol w="11107645">
+                  <a:extLst>
+                    <a:ext uri="{9D8B030D-6E8A-4147-A177-3AD203B41FA5}">
+                      <a16:colId xmlns:a16="http://schemas.microsoft.com/office/drawing/2014/main" val="302130094"/>
+                    </a:ext>
+                  </a:extLst>
+                </a:gridCol>
+              </a:tblGrid>
+              <a:tr h="234582">
+                <a:tc>
+                  <a:txBody>
+                    <a:bodyPr/>
+                    <a:lstStyle/>
+                    <a:p>
+                      <a:pPr algn="just">
+                        <a:buNone/>
+                      </a:pPr>
+                      <a:r>
+                        <a:rPr lang="de-DE" sz="1600" b="1" dirty="0">
+                          <a:solidFill>
+                            <a:srgbClr val="000000"/>
+                          </a:solidFill>
+                          <a:effectLst/>
+                          <a:latin typeface="Calibri" panose="020F0502020204030204" pitchFamily="34" charset="0"/>
+                        </a:rPr>
+                        <a:t>KIT11 Lernbereich 1: Arbeiten und Lernen mit KI (ca. 12 Std.)</a:t>
+                      </a:r>
+                      <a:endParaRPr lang="de-DE" sz="3200" dirty="0">
+                        <a:effectLst/>
+                      </a:endParaRPr>
+                    </a:p>
+                  </a:txBody>
+                  <a:tcPr marL="52362" marR="52362" marT="0" marB="0" anchor="ctr">
+                    <a:lnL w="6350" cap="flat" cmpd="sng" algn="ctr">
+                      <a:solidFill>
+                        <a:srgbClr val="000000"/>
+                      </a:solidFill>
+                      <a:prstDash val="solid"/>
+                      <a:round/>
+                      <a:headEnd type="none" w="med" len="med"/>
+                      <a:tailEnd type="none" w="med" len="med"/>
+                    </a:lnL>
+                    <a:lnR w="6350" cap="flat" cmpd="sng" algn="ctr">
+                      <a:solidFill>
+                        <a:srgbClr val="000000"/>
+                      </a:solidFill>
+                      <a:prstDash val="solid"/>
+                      <a:round/>
+                      <a:headEnd type="none" w="med" len="med"/>
+                      <a:tailEnd type="none" w="med" len="med"/>
+                    </a:lnR>
+                    <a:lnT w="6350" cap="flat" cmpd="sng" algn="ctr">
+                      <a:solidFill>
+                        <a:srgbClr val="000000"/>
+                      </a:solidFill>
+                      <a:prstDash val="solid"/>
+                      <a:round/>
+                      <a:headEnd type="none" w="med" len="med"/>
+                      <a:tailEnd type="none" w="med" len="med"/>
+                    </a:lnT>
+                    <a:lnB w="6350" cap="flat" cmpd="sng" algn="ctr">
+                      <a:solidFill>
+                        <a:srgbClr val="000000"/>
+                      </a:solidFill>
+                      <a:prstDash val="solid"/>
+                      <a:round/>
+                      <a:headEnd type="none" w="med" len="med"/>
+                      <a:tailEnd type="none" w="med" len="med"/>
+                    </a:lnB>
+                    <a:solidFill>
+                      <a:srgbClr val="D9D9D9"/>
+                    </a:solidFill>
+                  </a:tcPr>
+                </a:tc>
+                <a:extLst>
+                  <a:ext uri="{0D108BD9-81ED-4DB2-BD59-A6C34878D82A}">
+                    <a16:rowId xmlns:a16="http://schemas.microsoft.com/office/drawing/2014/main" val="1741610162"/>
+                  </a:ext>
+                </a:extLst>
+              </a:tr>
+              <a:tr h="5297539">
+                <a:tc>
+                  <a:txBody>
+                    <a:bodyPr/>
+                    <a:lstStyle/>
+                    <a:p>
+                      <a:pPr algn="just">
+                        <a:spcAft>
+                          <a:spcPts val="1200"/>
+                        </a:spcAft>
+                        <a:buNone/>
+                      </a:pPr>
+                      <a:r>
+                        <a:rPr lang="de-DE" sz="1600" b="1" dirty="0">
+                          <a:solidFill>
+                            <a:srgbClr val="000000"/>
+                          </a:solidFill>
+                          <a:effectLst/>
+                          <a:latin typeface="Calibri" panose="020F0502020204030204" pitchFamily="34" charset="0"/>
+                        </a:rPr>
+                        <a:t>Kompetenzerwartungen</a:t>
+                      </a:r>
+                      <a:endParaRPr lang="de-DE" sz="3200" dirty="0">
+                        <a:effectLst/>
+                      </a:endParaRPr>
+                    </a:p>
+                    <a:p>
+                      <a:pPr algn="just">
+                        <a:spcBef>
+                          <a:spcPts val="500"/>
+                        </a:spcBef>
+                        <a:spcAft>
+                          <a:spcPts val="500"/>
+                        </a:spcAft>
+                        <a:buNone/>
+                      </a:pPr>
+                      <a:r>
+                        <a:rPr lang="de-DE" sz="1600" dirty="0">
+                          <a:solidFill>
+                            <a:srgbClr val="000000"/>
+                          </a:solidFill>
+                          <a:effectLst/>
+                          <a:latin typeface="Calibri" panose="020F0502020204030204" pitchFamily="34" charset="0"/>
+                        </a:rPr>
+                        <a:t>Die Schülerinnen und Schüler …</a:t>
+                      </a:r>
+                      <a:endParaRPr lang="de-DE" sz="3200" dirty="0">
+                        <a:effectLst/>
+                      </a:endParaRPr>
+                    </a:p>
+                    <a:p>
+                      <a:pPr marL="457200" indent="-228600">
+                        <a:lnSpc>
+                          <a:spcPct val="114000"/>
+                        </a:lnSpc>
+                        <a:spcAft>
+                          <a:spcPts val="800"/>
+                        </a:spcAft>
+                        <a:buFont typeface="Arial" panose="020B0604020202020204" pitchFamily="34" charset="0"/>
+                        <a:buChar char="•"/>
+                      </a:pPr>
+                      <a:r>
+                        <a:rPr lang="de-DE" sz="1600" dirty="0">
+                          <a:solidFill>
+                            <a:srgbClr val="000000"/>
+                          </a:solidFill>
+                          <a:effectLst/>
+                          <a:latin typeface="Calibri" panose="020F0502020204030204" pitchFamily="34" charset="0"/>
+                        </a:rPr>
+                        <a:t>diskutieren Ansätze zur Definition des Begriffs Künstliche Intelligenz (KI), beschreiben verschiedene Grundideen von Verfahren der KI (u. a. maschinelles Lernen) sowie ihre Anwendungsbereiche.</a:t>
+                      </a:r>
+                      <a:endParaRPr lang="de-DE" sz="3200" dirty="0">
+                        <a:effectLst/>
+                      </a:endParaRPr>
+                    </a:p>
+                    <a:p>
+                      <a:pPr marL="457200" indent="-228600">
+                        <a:lnSpc>
+                          <a:spcPct val="114000"/>
+                        </a:lnSpc>
+                        <a:spcAft>
+                          <a:spcPts val="800"/>
+                        </a:spcAft>
+                        <a:buFont typeface="Arial" panose="020B0604020202020204" pitchFamily="34" charset="0"/>
+                        <a:buChar char="•"/>
+                      </a:pPr>
+                      <a:r>
+                        <a:rPr lang="de-DE" sz="1600" dirty="0">
+                          <a:solidFill>
+                            <a:srgbClr val="000000"/>
+                          </a:solidFill>
+                          <a:effectLst/>
+                          <a:latin typeface="Calibri" panose="020F0502020204030204" pitchFamily="34" charset="0"/>
+                        </a:rPr>
+                        <a:t>wenden Sprachmodelle effizient an, vergleichen unterschiedliche Modelle und bewerten deren Ausgaben.</a:t>
+                      </a:r>
+                      <a:endParaRPr lang="de-DE" sz="3200" dirty="0">
+                        <a:effectLst/>
+                      </a:endParaRPr>
+                    </a:p>
+                    <a:p>
+                      <a:pPr marL="457200" indent="-228600">
+                        <a:lnSpc>
+                          <a:spcPct val="114000"/>
+                        </a:lnSpc>
+                        <a:spcAft>
+                          <a:spcPts val="800"/>
+                        </a:spcAft>
+                        <a:buFont typeface="Arial" panose="020B0604020202020204" pitchFamily="34" charset="0"/>
+                        <a:buChar char="•"/>
+                      </a:pPr>
+                      <a:r>
+                        <a:rPr lang="de-DE" sz="1600" dirty="0">
+                          <a:solidFill>
+                            <a:srgbClr val="000000"/>
+                          </a:solidFill>
+                          <a:effectLst/>
+                          <a:latin typeface="Calibri" panose="020F0502020204030204" pitchFamily="34" charset="0"/>
+                        </a:rPr>
+                        <a:t>beschreiben und bewerten die Grenzen der KI-Systeme.</a:t>
+                      </a:r>
+                      <a:endParaRPr lang="de-DE" sz="3200" dirty="0">
+                        <a:effectLst/>
+                      </a:endParaRPr>
+                    </a:p>
+                    <a:p>
+                      <a:pPr marL="457200" indent="-228600">
+                        <a:lnSpc>
+                          <a:spcPct val="114000"/>
+                        </a:lnSpc>
+                        <a:spcAft>
+                          <a:spcPts val="800"/>
+                        </a:spcAft>
+                        <a:buFont typeface="Arial" panose="020B0604020202020204" pitchFamily="34" charset="0"/>
+                        <a:buChar char="•"/>
+                      </a:pPr>
+                      <a:r>
+                        <a:rPr lang="de-DE" sz="1600" dirty="0">
+                          <a:solidFill>
+                            <a:srgbClr val="000000"/>
+                          </a:solidFill>
+                          <a:effectLst/>
+                          <a:latin typeface="Calibri" panose="020F0502020204030204" pitchFamily="34" charset="0"/>
+                        </a:rPr>
+                        <a:t>nehmen zu ausgewählten aktuellen Einsatzmöglichkeiten der Künstlichen Intelligenz Stellung, beurteilen (mithilfe fachlicher Kriterien) und bewerten (unter Berücksichtigung gesellschaftlicher Werte und Normen) Chancen und Risiken für Individuum und Gesellschaft.</a:t>
+                      </a:r>
+                      <a:endParaRPr lang="de-DE" sz="3200" dirty="0">
+                        <a:effectLst/>
+                      </a:endParaRPr>
+                    </a:p>
+                    <a:p>
+                      <a:pPr algn="just">
+                        <a:spcBef>
+                          <a:spcPts val="600"/>
+                        </a:spcBef>
+                        <a:spcAft>
+                          <a:spcPts val="600"/>
+                        </a:spcAft>
+                        <a:buNone/>
+                      </a:pPr>
+                      <a:r>
+                        <a:rPr lang="de-DE" sz="1600" b="1" dirty="0">
+                          <a:solidFill>
+                            <a:srgbClr val="000000"/>
+                          </a:solidFill>
+                          <a:effectLst/>
+                          <a:latin typeface="Calibri" panose="020F0502020204030204" pitchFamily="34" charset="0"/>
+                        </a:rPr>
+                        <a:t>Inhalte </a:t>
+                      </a:r>
+                      <a:endParaRPr lang="de-DE" sz="3200" dirty="0">
+                        <a:effectLst/>
+                      </a:endParaRPr>
+                    </a:p>
+                    <a:p>
+                      <a:pPr marL="457200" indent="-228600">
+                        <a:lnSpc>
+                          <a:spcPct val="114000"/>
+                        </a:lnSpc>
+                        <a:spcAft>
+                          <a:spcPts val="800"/>
+                        </a:spcAft>
+                        <a:buFont typeface="Arial" panose="020B0604020202020204" pitchFamily="34" charset="0"/>
+                        <a:buChar char="•"/>
+                      </a:pPr>
+                      <a:r>
+                        <a:rPr lang="de-DE" sz="1600" dirty="0">
+                          <a:solidFill>
+                            <a:srgbClr val="000000"/>
+                          </a:solidFill>
+                          <a:effectLst/>
+                          <a:latin typeface="Calibri" panose="020F0502020204030204" pitchFamily="34" charset="0"/>
+                        </a:rPr>
+                        <a:t>starke und schwache KI, Teilbereiche maschinellen Lernens (überwacht, unüberwacht, bestärkend)</a:t>
+                      </a:r>
+                      <a:endParaRPr lang="de-DE" sz="3200" dirty="0">
+                        <a:effectLst/>
+                      </a:endParaRPr>
+                    </a:p>
+                    <a:p>
+                      <a:pPr marL="457200" indent="-228600">
+                        <a:lnSpc>
+                          <a:spcPct val="114000"/>
+                        </a:lnSpc>
+                        <a:spcAft>
+                          <a:spcPts val="800"/>
+                        </a:spcAft>
+                        <a:buFont typeface="Arial" panose="020B0604020202020204" pitchFamily="34" charset="0"/>
+                        <a:buChar char="•"/>
+                      </a:pPr>
+                      <a:r>
+                        <a:rPr lang="de-DE" sz="1600" dirty="0">
+                          <a:solidFill>
+                            <a:srgbClr val="000000"/>
+                          </a:solidFill>
+                          <a:effectLst/>
+                          <a:latin typeface="Calibri" panose="020F0502020204030204" pitchFamily="34" charset="0"/>
+                        </a:rPr>
+                        <a:t>Aufbau effektiver und strukturierter Prompts</a:t>
+                      </a:r>
+                      <a:endParaRPr lang="de-DE" sz="3200" dirty="0">
+                        <a:effectLst/>
+                      </a:endParaRPr>
+                    </a:p>
+                    <a:p>
+                      <a:pPr marL="457200" indent="-228600">
+                        <a:lnSpc>
+                          <a:spcPct val="114000"/>
+                        </a:lnSpc>
+                        <a:spcAft>
+                          <a:spcPts val="800"/>
+                        </a:spcAft>
+                        <a:buFont typeface="Arial" panose="020B0604020202020204" pitchFamily="34" charset="0"/>
+                        <a:buChar char="•"/>
+                      </a:pPr>
+                      <a:r>
+                        <a:rPr lang="de-DE" sz="1600" dirty="0">
+                          <a:solidFill>
+                            <a:srgbClr val="000000"/>
+                          </a:solidFill>
+                          <a:effectLst/>
+                          <a:latin typeface="Calibri" panose="020F0502020204030204" pitchFamily="34" charset="0"/>
+                        </a:rPr>
+                        <a:t>Grenzen (z. B. Halluzinationen, Aktualität bzw. Umfang der Trainingsdaten, Bias)</a:t>
+                      </a:r>
+                      <a:endParaRPr lang="de-DE" sz="3200" dirty="0">
+                        <a:effectLst/>
+                      </a:endParaRPr>
+                    </a:p>
+                    <a:p>
+                      <a:pPr marL="457200" indent="-228600">
+                        <a:lnSpc>
+                          <a:spcPct val="114000"/>
+                        </a:lnSpc>
+                        <a:spcAft>
+                          <a:spcPts val="800"/>
+                        </a:spcAft>
+                        <a:buFont typeface="Arial" panose="020B0604020202020204" pitchFamily="34" charset="0"/>
+                        <a:buChar char="•"/>
+                      </a:pPr>
+                      <a:r>
+                        <a:rPr lang="de-DE" sz="1600" dirty="0">
+                          <a:solidFill>
+                            <a:srgbClr val="000000"/>
+                          </a:solidFill>
+                          <a:effectLst/>
+                          <a:latin typeface="Calibri" panose="020F0502020204030204" pitchFamily="34" charset="0"/>
+                        </a:rPr>
+                        <a:t>weitere Nutzungsszenarien der generativen KI (z. B. Bild, Ton), Chancen, Risiken und Herausforderungen in Bezug auf technische (z. B. Zuverlässigkeit, Prognosen, Entscheidungsfindung) und gesellschaftliche (z. B. Personalisierung, Transparenz, Fairness, Gesetzgebung, Urheberrecht) Aspekte</a:t>
+                      </a:r>
+                      <a:endParaRPr lang="de-DE" sz="3200" dirty="0">
+                        <a:effectLst/>
+                      </a:endParaRPr>
+                    </a:p>
+                  </a:txBody>
+                  <a:tcPr marL="52362" marR="52362" marT="0" marB="0" anchor="ctr">
+                    <a:lnL w="6350" cap="flat" cmpd="sng" algn="ctr">
+                      <a:solidFill>
+                        <a:srgbClr val="000000"/>
+                      </a:solidFill>
+                      <a:prstDash val="solid"/>
+                      <a:round/>
+                      <a:headEnd type="none" w="med" len="med"/>
+                      <a:tailEnd type="none" w="med" len="med"/>
+                    </a:lnL>
+                    <a:lnR w="6350" cap="flat" cmpd="sng" algn="ctr">
+                      <a:solidFill>
+                        <a:srgbClr val="000000"/>
+                      </a:solidFill>
+                      <a:prstDash val="solid"/>
+                      <a:round/>
+                      <a:headEnd type="none" w="med" len="med"/>
+                      <a:tailEnd type="none" w="med" len="med"/>
+                    </a:lnR>
+                    <a:lnT w="6350" cap="flat" cmpd="sng" algn="ctr">
+                      <a:solidFill>
+                        <a:srgbClr val="000000"/>
+                      </a:solidFill>
+                      <a:prstDash val="solid"/>
+                      <a:round/>
+                      <a:headEnd type="none" w="med" len="med"/>
+                      <a:tailEnd type="none" w="med" len="med"/>
+                    </a:lnT>
+                    <a:lnB w="6350" cap="flat" cmpd="sng" algn="ctr">
+                      <a:solidFill>
+                        <a:srgbClr val="000000"/>
+                      </a:solidFill>
+                      <a:prstDash val="solid"/>
+                      <a:round/>
+                      <a:headEnd type="none" w="med" len="med"/>
+                      <a:tailEnd type="none" w="med" len="med"/>
+                    </a:lnB>
+                    <a:noFill/>
+                  </a:tcPr>
+                </a:tc>
+                <a:extLst>
+                  <a:ext uri="{0D108BD9-81ED-4DB2-BD59-A6C34878D82A}">
+                    <a16:rowId xmlns:a16="http://schemas.microsoft.com/office/drawing/2014/main" val="2996171812"/>
+                  </a:ext>
+                </a:extLst>
+              </a:tr>
+            </a:tbl>
+          </a:graphicData>
+        </a:graphic>
+      </p:graphicFrame>
+      <p:sp>
+        <p:nvSpPr>
+          <p:cNvPr id="9" name="Rechteck 8">
+            <a:extLst>
+              <a:ext uri="{FF2B5EF4-FFF2-40B4-BE49-F238E27FC236}">
+                <a16:creationId xmlns:a16="http://schemas.microsoft.com/office/drawing/2014/main" id="{9631E01F-49F6-2292-B99E-86BC2A88FFB4}"/>
+              </a:ext>
+            </a:extLst>
+          </p:cNvPr>
+          <p:cNvSpPr/>
+          <p:nvPr/>
+        </p:nvSpPr>
+        <p:spPr>
+          <a:xfrm>
+            <a:off x="636608" y="2558005"/>
+            <a:ext cx="10857053" cy="1724628"/>
+          </a:xfrm>
+          <a:prstGeom prst="rect">
+            <a:avLst/>
+          </a:prstGeom>
+          <a:solidFill>
+            <a:schemeClr val="tx1"/>
+          </a:solidFill>
+          <a:ln>
+            <a:noFill/>
+          </a:ln>
+        </p:spPr>
+        <p:style>
+          <a:lnRef idx="2">
+            <a:schemeClr val="accent1">
+              <a:shade val="15000"/>
+            </a:schemeClr>
+          </a:lnRef>
+          <a:fillRef idx="1">
+            <a:schemeClr val="accent1"/>
+          </a:fillRef>
+          <a:effectRef idx="0">
+            <a:schemeClr val="accent1"/>
+          </a:effectRef>
+          <a:fontRef idx="minor">
+            <a:schemeClr val="lt1"/>
+          </a:fontRef>
+        </p:style>
+        <p:txBody>
+          <a:bodyPr rtlCol="0" anchor="ctr"/>
+          <a:lstStyle/>
+          <a:p>
+            <a:pPr algn="ctr"/>
             <a:endParaRPr lang="de-DE"/>
           </a:p>
         </p:txBody>
       </p:sp>
       <p:sp>
         <p:nvSpPr>
-          <p:cNvPr id="3" name="Inhaltsplatzhalter 2">
+          <p:cNvPr id="10" name="Rechteck 9">
             <a:extLst>
               <a:ext uri="{FF2B5EF4-FFF2-40B4-BE49-F238E27FC236}">
-                <a16:creationId xmlns:a16="http://schemas.microsoft.com/office/drawing/2014/main" id="{A3A1B805-5825-B657-4101-C142D52C0CF6}"/>
+                <a16:creationId xmlns:a16="http://schemas.microsoft.com/office/drawing/2014/main" id="{2C2BCF36-9FC7-DB12-CE82-E3636659D920}"/>
               </a:ext>
             </a:extLst>
           </p:cNvPr>
-          <p:cNvSpPr>
-            <a:spLocks noGrp="1"/>
-          </p:cNvSpPr>
-          <p:nvPr>
-            <p:ph sz="quarter" idx="13"/>
-          </p:nvPr>
+          <p:cNvSpPr/>
+          <p:nvPr/>
         </p:nvSpPr>
-        <p:spPr/>
+        <p:spPr>
+          <a:xfrm>
+            <a:off x="518063" y="5081523"/>
+            <a:ext cx="10936146" cy="1527621"/>
+          </a:xfrm>
+          <a:prstGeom prst="rect">
+            <a:avLst/>
+          </a:prstGeom>
+          <a:solidFill>
+            <a:schemeClr val="tx1"/>
+          </a:solidFill>
+          <a:ln>
+            <a:noFill/>
+          </a:ln>
+        </p:spPr>
+        <p:style>
+          <a:lnRef idx="2">
+            <a:schemeClr val="accent1">
+              <a:shade val="15000"/>
+            </a:schemeClr>
+          </a:lnRef>
+          <a:fillRef idx="1">
+            <a:schemeClr val="accent1"/>
+          </a:fillRef>
+          <a:effectRef idx="0">
+            <a:schemeClr val="accent1"/>
+          </a:effectRef>
+          <a:fontRef idx="minor">
+            <a:schemeClr val="lt1"/>
+          </a:fontRef>
+        </p:style>
         <p:txBody>
-          <a:bodyPr/>
+          <a:bodyPr rtlCol="0" anchor="ctr"/>
           <a:lstStyle/>
           <a:p>
+            <a:pPr algn="ctr"/>
             <a:endParaRPr lang="de-DE"/>
+          </a:p>
+        </p:txBody>
+      </p:sp>
+      <p:sp>
+        <p:nvSpPr>
+          <p:cNvPr id="11" name="Textfeld 10">
+            <a:extLst>
+              <a:ext uri="{FF2B5EF4-FFF2-40B4-BE49-F238E27FC236}">
+                <a16:creationId xmlns:a16="http://schemas.microsoft.com/office/drawing/2014/main" id="{11AAE2E7-3B29-1FF9-A627-C6E49DCCFF18}"/>
+              </a:ext>
+            </a:extLst>
+          </p:cNvPr>
+          <p:cNvSpPr txBox="1"/>
+          <p:nvPr/>
+        </p:nvSpPr>
+        <p:spPr>
+          <a:xfrm>
+            <a:off x="5451676" y="3108002"/>
+            <a:ext cx="4821915" cy="646331"/>
+          </a:xfrm>
+          <a:prstGeom prst="rect">
+            <a:avLst/>
+          </a:prstGeom>
+          <a:gradFill>
+            <a:gsLst>
+              <a:gs pos="0">
+                <a:schemeClr val="accent1">
+                  <a:lumMod val="5000"/>
+                  <a:lumOff val="95000"/>
+                </a:schemeClr>
+              </a:gs>
+              <a:gs pos="74000">
+                <a:schemeClr val="accent1">
+                  <a:lumMod val="45000"/>
+                  <a:lumOff val="55000"/>
+                </a:schemeClr>
+              </a:gs>
+              <a:gs pos="83000">
+                <a:schemeClr val="accent1">
+                  <a:lumMod val="45000"/>
+                  <a:lumOff val="55000"/>
+                </a:schemeClr>
+              </a:gs>
+              <a:gs pos="100000">
+                <a:schemeClr val="accent1">
+                  <a:lumMod val="30000"/>
+                  <a:lumOff val="70000"/>
+                </a:schemeClr>
+              </a:gs>
+            </a:gsLst>
+            <a:lin ang="5400000" scaled="1"/>
+          </a:gradFill>
+          <a:ln>
+            <a:noFill/>
+          </a:ln>
+        </p:spPr>
+        <p:txBody>
+          <a:bodyPr wrap="square" rtlCol="0">
+            <a:spAutoFit/>
+          </a:bodyPr>
+          <a:lstStyle/>
+          <a:p>
+            <a:r>
+              <a:rPr lang="de-DE" b="1" i="1" dirty="0">
+                <a:solidFill>
+                  <a:schemeClr val="bg1"/>
+                </a:solidFill>
+              </a:rPr>
+              <a:t>siehe Selbstlernkurs</a:t>
+            </a:r>
+          </a:p>
+          <a:p>
+            <a:r>
+              <a:rPr lang="de-DE" b="1" i="1" dirty="0">
+                <a:solidFill>
+                  <a:schemeClr val="bg1"/>
+                </a:solidFill>
+              </a:rPr>
+              <a:t>Überschneidung mit anderen Schularten</a:t>
+            </a:r>
           </a:p>
         </p:txBody>
       </p:sp>
@@ -9862,10 +11666,2448 @@
   <p:clrMapOvr>
     <a:masterClrMapping/>
   </p:clrMapOvr>
+  <p:timing>
+    <p:tnLst>
+      <p:par>
+        <p:cTn id="1" dur="indefinite" restart="never" nodeType="tmRoot">
+          <p:childTnLst>
+            <p:seq concurrent="1" nextAc="seek">
+              <p:cTn id="2" dur="indefinite" nodeType="mainSeq">
+                <p:childTnLst>
+                  <p:par>
+                    <p:cTn id="3" fill="hold">
+                      <p:stCondLst>
+                        <p:cond delay="indefinite"/>
+                        <p:cond evt="onBegin" delay="0">
+                          <p:tn val="2"/>
+                        </p:cond>
+                      </p:stCondLst>
+                      <p:childTnLst>
+                        <p:par>
+                          <p:cTn id="4" fill="hold">
+                            <p:stCondLst>
+                              <p:cond delay="0"/>
+                            </p:stCondLst>
+                            <p:childTnLst>
+                              <p:par>
+                                <p:cTn id="5" presetID="1" presetClass="entr" presetSubtype="0" fill="hold" grpId="0" nodeType="withEffect">
+                                  <p:stCondLst>
+                                    <p:cond delay="0"/>
+                                  </p:stCondLst>
+                                  <p:childTnLst>
+                                    <p:set>
+                                      <p:cBhvr>
+                                        <p:cTn id="6" dur="1" fill="hold">
+                                          <p:stCondLst>
+                                            <p:cond delay="0"/>
+                                          </p:stCondLst>
+                                        </p:cTn>
+                                        <p:tgtEl>
+                                          <p:spTgt spid="9"/>
+                                        </p:tgtEl>
+                                        <p:attrNameLst>
+                                          <p:attrName>style.visibility</p:attrName>
+                                        </p:attrNameLst>
+                                      </p:cBhvr>
+                                      <p:to>
+                                        <p:strVal val="visible"/>
+                                      </p:to>
+                                    </p:set>
+                                  </p:childTnLst>
+                                </p:cTn>
+                              </p:par>
+                              <p:par>
+                                <p:cTn id="7" presetID="1" presetClass="entr" presetSubtype="0" fill="hold" grpId="0" nodeType="withEffect">
+                                  <p:stCondLst>
+                                    <p:cond delay="0"/>
+                                  </p:stCondLst>
+                                  <p:childTnLst>
+                                    <p:set>
+                                      <p:cBhvr>
+                                        <p:cTn id="8" dur="1" fill="hold">
+                                          <p:stCondLst>
+                                            <p:cond delay="0"/>
+                                          </p:stCondLst>
+                                        </p:cTn>
+                                        <p:tgtEl>
+                                          <p:spTgt spid="10"/>
+                                        </p:tgtEl>
+                                        <p:attrNameLst>
+                                          <p:attrName>style.visibility</p:attrName>
+                                        </p:attrNameLst>
+                                      </p:cBhvr>
+                                      <p:to>
+                                        <p:strVal val="visible"/>
+                                      </p:to>
+                                    </p:set>
+                                  </p:childTnLst>
+                                </p:cTn>
+                              </p:par>
+                            </p:childTnLst>
+                          </p:cTn>
+                        </p:par>
+                      </p:childTnLst>
+                    </p:cTn>
+                  </p:par>
+                  <p:par>
+                    <p:cTn id="9" fill="hold">
+                      <p:stCondLst>
+                        <p:cond delay="indefinite"/>
+                      </p:stCondLst>
+                      <p:childTnLst>
+                        <p:par>
+                          <p:cTn id="10" fill="hold">
+                            <p:stCondLst>
+                              <p:cond delay="0"/>
+                            </p:stCondLst>
+                            <p:childTnLst>
+                              <p:par>
+                                <p:cTn id="11" presetID="1" presetClass="entr" presetSubtype="0" fill="hold" grpId="0" nodeType="clickEffect">
+                                  <p:stCondLst>
+                                    <p:cond delay="0"/>
+                                  </p:stCondLst>
+                                  <p:childTnLst>
+                                    <p:set>
+                                      <p:cBhvr>
+                                        <p:cTn id="12" dur="1" fill="hold">
+                                          <p:stCondLst>
+                                            <p:cond delay="0"/>
+                                          </p:stCondLst>
+                                        </p:cTn>
+                                        <p:tgtEl>
+                                          <p:spTgt spid="11"/>
+                                        </p:tgtEl>
+                                        <p:attrNameLst>
+                                          <p:attrName>style.visibility</p:attrName>
+                                        </p:attrNameLst>
+                                      </p:cBhvr>
+                                      <p:to>
+                                        <p:strVal val="visible"/>
+                                      </p:to>
+                                    </p:set>
+                                  </p:childTnLst>
+                                </p:cTn>
+                              </p:par>
+                            </p:childTnLst>
+                          </p:cTn>
+                        </p:par>
+                      </p:childTnLst>
+                    </p:cTn>
+                  </p:par>
+                </p:childTnLst>
+              </p:cTn>
+              <p:prevCondLst>
+                <p:cond evt="onPrev" delay="0">
+                  <p:tgtEl>
+                    <p:sldTgt/>
+                  </p:tgtEl>
+                </p:cond>
+              </p:prevCondLst>
+              <p:nextCondLst>
+                <p:cond evt="onNext" delay="0">
+                  <p:tgtEl>
+                    <p:sldTgt/>
+                  </p:tgtEl>
+                </p:cond>
+              </p:nextCondLst>
+            </p:seq>
+          </p:childTnLst>
+        </p:cTn>
+      </p:par>
+    </p:tnLst>
+    <p:bldLst>
+      <p:bldP spid="9" grpId="0" animBg="1"/>
+      <p:bldP spid="10" grpId="0" animBg="1"/>
+      <p:bldP spid="11" grpId="0"/>
+    </p:bldLst>
+  </p:timing>
 </p:sld>
 </file>
 
 <file path=ppt/slides/slide4.xml><?xml version="1.0" encoding="utf-8"?>
+<p:sld xmlns:a="http://schemas.openxmlformats.org/drawingml/2006/main" xmlns:r="http://schemas.openxmlformats.org/officeDocument/2006/relationships" xmlns:p="http://schemas.openxmlformats.org/presentationml/2006/main">
+  <p:cSld>
+    <p:spTree>
+      <p:nvGrpSpPr>
+        <p:cNvPr id="1" name="">
+          <a:extLst>
+            <a:ext uri="{FF2B5EF4-FFF2-40B4-BE49-F238E27FC236}">
+              <a16:creationId xmlns:a16="http://schemas.microsoft.com/office/drawing/2014/main" id="{ED0AB7A4-958D-E940-B2D6-50BE47C427B6}"/>
+            </a:ext>
+          </a:extLst>
+        </p:cNvPr>
+        <p:cNvGrpSpPr/>
+        <p:nvPr/>
+      </p:nvGrpSpPr>
+      <p:grpSpPr>
+        <a:xfrm>
+          <a:off x="0" y="0"/>
+          <a:ext cx="0" cy="0"/>
+          <a:chOff x="0" y="0"/>
+          <a:chExt cx="0" cy="0"/>
+        </a:xfrm>
+      </p:grpSpPr>
+      <p:sp>
+        <p:nvSpPr>
+          <p:cNvPr id="2" name="Titel 1">
+            <a:extLst>
+              <a:ext uri="{FF2B5EF4-FFF2-40B4-BE49-F238E27FC236}">
+                <a16:creationId xmlns:a16="http://schemas.microsoft.com/office/drawing/2014/main" id="{3C6986E5-D92C-9176-C6ED-2C3FC7C8397C}"/>
+              </a:ext>
+            </a:extLst>
+          </p:cNvPr>
+          <p:cNvSpPr>
+            <a:spLocks noGrp="1"/>
+          </p:cNvSpPr>
+          <p:nvPr>
+            <p:ph type="title"/>
+          </p:nvPr>
+        </p:nvSpPr>
+        <p:spPr>
+          <a:xfrm>
+            <a:off x="432314" y="227903"/>
+            <a:ext cx="10873740" cy="648761"/>
+          </a:xfrm>
+        </p:spPr>
+        <p:txBody>
+          <a:bodyPr/>
+          <a:lstStyle/>
+          <a:p>
+            <a:r>
+              <a:rPr lang="de-DE" dirty="0"/>
+              <a:t>Entwurf FOS 11</a:t>
+            </a:r>
+          </a:p>
+        </p:txBody>
+      </p:sp>
+      <p:graphicFrame>
+        <p:nvGraphicFramePr>
+          <p:cNvPr id="4" name="Tabelle 3">
+            <a:extLst>
+              <a:ext uri="{FF2B5EF4-FFF2-40B4-BE49-F238E27FC236}">
+                <a16:creationId xmlns:a16="http://schemas.microsoft.com/office/drawing/2014/main" id="{BFAE265F-8831-94E3-F1A3-1A7301176F6F}"/>
+              </a:ext>
+            </a:extLst>
+          </p:cNvPr>
+          <p:cNvGraphicFramePr>
+            <a:graphicFrameLocks noGrp="1"/>
+          </p:cNvGraphicFramePr>
+          <p:nvPr/>
+        </p:nvGraphicFramePr>
+        <p:xfrm>
+          <a:off x="432314" y="896801"/>
+          <a:ext cx="11107645" cy="5715064"/>
+        </p:xfrm>
+        <a:graphic>
+          <a:graphicData uri="http://schemas.openxmlformats.org/drawingml/2006/table">
+            <a:tbl>
+              <a:tblPr/>
+              <a:tblGrid>
+                <a:gridCol w="11107645">
+                  <a:extLst>
+                    <a:ext uri="{9D8B030D-6E8A-4147-A177-3AD203B41FA5}">
+                      <a16:colId xmlns:a16="http://schemas.microsoft.com/office/drawing/2014/main" val="302130094"/>
+                    </a:ext>
+                  </a:extLst>
+                </a:gridCol>
+              </a:tblGrid>
+              <a:tr h="234582">
+                <a:tc>
+                  <a:txBody>
+                    <a:bodyPr/>
+                    <a:lstStyle/>
+                    <a:p>
+                      <a:pPr algn="just">
+                        <a:buNone/>
+                      </a:pPr>
+                      <a:r>
+                        <a:rPr lang="de-DE" sz="1600" b="1" dirty="0">
+                          <a:solidFill>
+                            <a:srgbClr val="000000"/>
+                          </a:solidFill>
+                          <a:effectLst/>
+                          <a:latin typeface="Calibri" panose="020F0502020204030204" pitchFamily="34" charset="0"/>
+                        </a:rPr>
+                        <a:t>KIT11 Lernbereich 1: Arbeiten und Lernen mit KI (ca. 12 Std.)</a:t>
+                      </a:r>
+                      <a:endParaRPr lang="de-DE" sz="3200" dirty="0">
+                        <a:effectLst/>
+                      </a:endParaRPr>
+                    </a:p>
+                  </a:txBody>
+                  <a:tcPr marL="52362" marR="52362" marT="0" marB="0" anchor="ctr">
+                    <a:lnL w="6350" cap="flat" cmpd="sng" algn="ctr">
+                      <a:solidFill>
+                        <a:srgbClr val="000000"/>
+                      </a:solidFill>
+                      <a:prstDash val="solid"/>
+                      <a:round/>
+                      <a:headEnd type="none" w="med" len="med"/>
+                      <a:tailEnd type="none" w="med" len="med"/>
+                    </a:lnL>
+                    <a:lnR w="6350" cap="flat" cmpd="sng" algn="ctr">
+                      <a:solidFill>
+                        <a:srgbClr val="000000"/>
+                      </a:solidFill>
+                      <a:prstDash val="solid"/>
+                      <a:round/>
+                      <a:headEnd type="none" w="med" len="med"/>
+                      <a:tailEnd type="none" w="med" len="med"/>
+                    </a:lnR>
+                    <a:lnT w="6350" cap="flat" cmpd="sng" algn="ctr">
+                      <a:solidFill>
+                        <a:srgbClr val="000000"/>
+                      </a:solidFill>
+                      <a:prstDash val="solid"/>
+                      <a:round/>
+                      <a:headEnd type="none" w="med" len="med"/>
+                      <a:tailEnd type="none" w="med" len="med"/>
+                    </a:lnT>
+                    <a:lnB w="6350" cap="flat" cmpd="sng" algn="ctr">
+                      <a:solidFill>
+                        <a:srgbClr val="000000"/>
+                      </a:solidFill>
+                      <a:prstDash val="solid"/>
+                      <a:round/>
+                      <a:headEnd type="none" w="med" len="med"/>
+                      <a:tailEnd type="none" w="med" len="med"/>
+                    </a:lnB>
+                    <a:solidFill>
+                      <a:srgbClr val="D9D9D9"/>
+                    </a:solidFill>
+                  </a:tcPr>
+                </a:tc>
+                <a:extLst>
+                  <a:ext uri="{0D108BD9-81ED-4DB2-BD59-A6C34878D82A}">
+                    <a16:rowId xmlns:a16="http://schemas.microsoft.com/office/drawing/2014/main" val="1741610162"/>
+                  </a:ext>
+                </a:extLst>
+              </a:tr>
+              <a:tr h="5297539">
+                <a:tc>
+                  <a:txBody>
+                    <a:bodyPr/>
+                    <a:lstStyle/>
+                    <a:p>
+                      <a:pPr algn="just">
+                        <a:spcAft>
+                          <a:spcPts val="1200"/>
+                        </a:spcAft>
+                        <a:buNone/>
+                      </a:pPr>
+                      <a:r>
+                        <a:rPr lang="de-DE" sz="1600" b="1" dirty="0">
+                          <a:solidFill>
+                            <a:srgbClr val="000000"/>
+                          </a:solidFill>
+                          <a:effectLst/>
+                          <a:latin typeface="Calibri" panose="020F0502020204030204" pitchFamily="34" charset="0"/>
+                        </a:rPr>
+                        <a:t>Kompetenzerwartungen</a:t>
+                      </a:r>
+                      <a:endParaRPr lang="de-DE" sz="3200" dirty="0">
+                        <a:effectLst/>
+                      </a:endParaRPr>
+                    </a:p>
+                    <a:p>
+                      <a:pPr algn="just">
+                        <a:spcBef>
+                          <a:spcPts val="500"/>
+                        </a:spcBef>
+                        <a:spcAft>
+                          <a:spcPts val="500"/>
+                        </a:spcAft>
+                        <a:buNone/>
+                      </a:pPr>
+                      <a:r>
+                        <a:rPr lang="de-DE" sz="1600" dirty="0">
+                          <a:solidFill>
+                            <a:srgbClr val="000000"/>
+                          </a:solidFill>
+                          <a:effectLst/>
+                          <a:latin typeface="Calibri" panose="020F0502020204030204" pitchFamily="34" charset="0"/>
+                        </a:rPr>
+                        <a:t>Die Schülerinnen und Schüler …</a:t>
+                      </a:r>
+                      <a:endParaRPr lang="de-DE" sz="3200" dirty="0">
+                        <a:effectLst/>
+                      </a:endParaRPr>
+                    </a:p>
+                    <a:p>
+                      <a:pPr marL="457200" indent="-228600">
+                        <a:lnSpc>
+                          <a:spcPct val="114000"/>
+                        </a:lnSpc>
+                        <a:spcAft>
+                          <a:spcPts val="800"/>
+                        </a:spcAft>
+                        <a:buFont typeface="Arial" panose="020B0604020202020204" pitchFamily="34" charset="0"/>
+                        <a:buChar char="•"/>
+                      </a:pPr>
+                      <a:r>
+                        <a:rPr lang="de-DE" sz="1600" dirty="0">
+                          <a:solidFill>
+                            <a:srgbClr val="000000"/>
+                          </a:solidFill>
+                          <a:effectLst/>
+                          <a:latin typeface="Calibri" panose="020F0502020204030204" pitchFamily="34" charset="0"/>
+                        </a:rPr>
+                        <a:t>diskutieren Ansätze zur Definition des Begriffs Künstliche Intelligenz (KI), beschreiben verschiedene Grundideen von Verfahren der KI (u. a. maschinelles Lernen) sowie ihre Anwendungsbereiche.</a:t>
+                      </a:r>
+                      <a:endParaRPr lang="de-DE" sz="3200" dirty="0">
+                        <a:effectLst/>
+                      </a:endParaRPr>
+                    </a:p>
+                    <a:p>
+                      <a:pPr marL="457200" indent="-228600">
+                        <a:lnSpc>
+                          <a:spcPct val="114000"/>
+                        </a:lnSpc>
+                        <a:spcAft>
+                          <a:spcPts val="800"/>
+                        </a:spcAft>
+                        <a:buFont typeface="Arial" panose="020B0604020202020204" pitchFamily="34" charset="0"/>
+                        <a:buChar char="•"/>
+                      </a:pPr>
+                      <a:r>
+                        <a:rPr lang="de-DE" sz="1600" dirty="0">
+                          <a:solidFill>
+                            <a:srgbClr val="000000"/>
+                          </a:solidFill>
+                          <a:effectLst/>
+                          <a:latin typeface="Calibri" panose="020F0502020204030204" pitchFamily="34" charset="0"/>
+                        </a:rPr>
+                        <a:t>wenden Sprachmodelle effizient an, vergleichen unterschiedliche Modelle und bewerten deren Ausgaben.</a:t>
+                      </a:r>
+                      <a:endParaRPr lang="de-DE" sz="3200" dirty="0">
+                        <a:effectLst/>
+                      </a:endParaRPr>
+                    </a:p>
+                    <a:p>
+                      <a:pPr marL="457200" indent="-228600">
+                        <a:lnSpc>
+                          <a:spcPct val="114000"/>
+                        </a:lnSpc>
+                        <a:spcAft>
+                          <a:spcPts val="800"/>
+                        </a:spcAft>
+                        <a:buFont typeface="Arial" panose="020B0604020202020204" pitchFamily="34" charset="0"/>
+                        <a:buChar char="•"/>
+                      </a:pPr>
+                      <a:r>
+                        <a:rPr lang="de-DE" sz="1600" dirty="0">
+                          <a:solidFill>
+                            <a:srgbClr val="000000"/>
+                          </a:solidFill>
+                          <a:effectLst/>
+                          <a:latin typeface="Calibri" panose="020F0502020204030204" pitchFamily="34" charset="0"/>
+                        </a:rPr>
+                        <a:t>beschreiben und bewerten die Grenzen der KI-Systeme.</a:t>
+                      </a:r>
+                      <a:endParaRPr lang="de-DE" sz="3200" dirty="0">
+                        <a:effectLst/>
+                      </a:endParaRPr>
+                    </a:p>
+                    <a:p>
+                      <a:pPr marL="457200" indent="-228600">
+                        <a:lnSpc>
+                          <a:spcPct val="114000"/>
+                        </a:lnSpc>
+                        <a:spcAft>
+                          <a:spcPts val="800"/>
+                        </a:spcAft>
+                        <a:buFont typeface="Arial" panose="020B0604020202020204" pitchFamily="34" charset="0"/>
+                        <a:buChar char="•"/>
+                      </a:pPr>
+                      <a:r>
+                        <a:rPr lang="de-DE" sz="1600" dirty="0">
+                          <a:solidFill>
+                            <a:srgbClr val="000000"/>
+                          </a:solidFill>
+                          <a:effectLst/>
+                          <a:latin typeface="Calibri" panose="020F0502020204030204" pitchFamily="34" charset="0"/>
+                        </a:rPr>
+                        <a:t>nehmen zu ausgewählten aktuellen Einsatzmöglichkeiten der Künstlichen Intelligenz Stellung, beurteilen (mithilfe fachlicher Kriterien) und bewerten (unter Berücksichtigung gesellschaftlicher Werte und Normen) Chancen und Risiken für Individuum und Gesellschaft.</a:t>
+                      </a:r>
+                      <a:endParaRPr lang="de-DE" sz="3200" dirty="0">
+                        <a:effectLst/>
+                      </a:endParaRPr>
+                    </a:p>
+                    <a:p>
+                      <a:pPr algn="just">
+                        <a:spcBef>
+                          <a:spcPts val="600"/>
+                        </a:spcBef>
+                        <a:spcAft>
+                          <a:spcPts val="600"/>
+                        </a:spcAft>
+                        <a:buNone/>
+                      </a:pPr>
+                      <a:r>
+                        <a:rPr lang="de-DE" sz="1600" b="1" dirty="0">
+                          <a:solidFill>
+                            <a:srgbClr val="000000"/>
+                          </a:solidFill>
+                          <a:effectLst/>
+                          <a:latin typeface="Calibri" panose="020F0502020204030204" pitchFamily="34" charset="0"/>
+                        </a:rPr>
+                        <a:t>Inhalte </a:t>
+                      </a:r>
+                      <a:endParaRPr lang="de-DE" sz="3200" dirty="0">
+                        <a:effectLst/>
+                      </a:endParaRPr>
+                    </a:p>
+                    <a:p>
+                      <a:pPr marL="457200" indent="-228600">
+                        <a:lnSpc>
+                          <a:spcPct val="114000"/>
+                        </a:lnSpc>
+                        <a:spcAft>
+                          <a:spcPts val="800"/>
+                        </a:spcAft>
+                        <a:buFont typeface="Arial" panose="020B0604020202020204" pitchFamily="34" charset="0"/>
+                        <a:buChar char="•"/>
+                      </a:pPr>
+                      <a:r>
+                        <a:rPr lang="de-DE" sz="1600" dirty="0">
+                          <a:solidFill>
+                            <a:srgbClr val="000000"/>
+                          </a:solidFill>
+                          <a:effectLst/>
+                          <a:latin typeface="Calibri" panose="020F0502020204030204" pitchFamily="34" charset="0"/>
+                        </a:rPr>
+                        <a:t>starke und schwache KI, Teilbereiche maschinellen Lernens (überwacht, unüberwacht, bestärkend)</a:t>
+                      </a:r>
+                      <a:endParaRPr lang="de-DE" sz="3200" dirty="0">
+                        <a:effectLst/>
+                      </a:endParaRPr>
+                    </a:p>
+                    <a:p>
+                      <a:pPr marL="457200" indent="-228600">
+                        <a:lnSpc>
+                          <a:spcPct val="114000"/>
+                        </a:lnSpc>
+                        <a:spcAft>
+                          <a:spcPts val="800"/>
+                        </a:spcAft>
+                        <a:buFont typeface="Arial" panose="020B0604020202020204" pitchFamily="34" charset="0"/>
+                        <a:buChar char="•"/>
+                      </a:pPr>
+                      <a:r>
+                        <a:rPr lang="de-DE" sz="1600" dirty="0">
+                          <a:solidFill>
+                            <a:srgbClr val="000000"/>
+                          </a:solidFill>
+                          <a:effectLst/>
+                          <a:latin typeface="Calibri" panose="020F0502020204030204" pitchFamily="34" charset="0"/>
+                        </a:rPr>
+                        <a:t>Aufbau effektiver und strukturierter Prompts</a:t>
+                      </a:r>
+                      <a:endParaRPr lang="de-DE" sz="3200" dirty="0">
+                        <a:effectLst/>
+                      </a:endParaRPr>
+                    </a:p>
+                    <a:p>
+                      <a:pPr marL="457200" indent="-228600">
+                        <a:lnSpc>
+                          <a:spcPct val="114000"/>
+                        </a:lnSpc>
+                        <a:spcAft>
+                          <a:spcPts val="800"/>
+                        </a:spcAft>
+                        <a:buFont typeface="Arial" panose="020B0604020202020204" pitchFamily="34" charset="0"/>
+                        <a:buChar char="•"/>
+                      </a:pPr>
+                      <a:r>
+                        <a:rPr lang="de-DE" sz="1600" dirty="0">
+                          <a:solidFill>
+                            <a:srgbClr val="000000"/>
+                          </a:solidFill>
+                          <a:effectLst/>
+                          <a:latin typeface="Calibri" panose="020F0502020204030204" pitchFamily="34" charset="0"/>
+                        </a:rPr>
+                        <a:t>Grenzen (z. B. Halluzinationen, Aktualität bzw. Umfang der Trainingsdaten, Bias)</a:t>
+                      </a:r>
+                      <a:endParaRPr lang="de-DE" sz="3200" dirty="0">
+                        <a:effectLst/>
+                      </a:endParaRPr>
+                    </a:p>
+                    <a:p>
+                      <a:pPr marL="457200" indent="-228600">
+                        <a:lnSpc>
+                          <a:spcPct val="114000"/>
+                        </a:lnSpc>
+                        <a:spcAft>
+                          <a:spcPts val="800"/>
+                        </a:spcAft>
+                        <a:buFont typeface="Arial" panose="020B0604020202020204" pitchFamily="34" charset="0"/>
+                        <a:buChar char="•"/>
+                      </a:pPr>
+                      <a:r>
+                        <a:rPr lang="de-DE" sz="1600" dirty="0">
+                          <a:solidFill>
+                            <a:srgbClr val="000000"/>
+                          </a:solidFill>
+                          <a:effectLst/>
+                          <a:latin typeface="Calibri" panose="020F0502020204030204" pitchFamily="34" charset="0"/>
+                        </a:rPr>
+                        <a:t>weitere Nutzungsszenarien der generativen KI (z. B. Bild, Ton), Chancen, Risiken und Herausforderungen in Bezug auf technische (z. B. Zuverlässigkeit, Prognosen, Entscheidungsfindung) und gesellschaftliche (z. B. Personalisierung, Transparenz, Fairness, Gesetzgebung, Urheberrecht) Aspekte</a:t>
+                      </a:r>
+                      <a:endParaRPr lang="de-DE" sz="3200" dirty="0">
+                        <a:effectLst/>
+                      </a:endParaRPr>
+                    </a:p>
+                  </a:txBody>
+                  <a:tcPr marL="52362" marR="52362" marT="0" marB="0" anchor="ctr">
+                    <a:lnL w="6350" cap="flat" cmpd="sng" algn="ctr">
+                      <a:solidFill>
+                        <a:srgbClr val="000000"/>
+                      </a:solidFill>
+                      <a:prstDash val="solid"/>
+                      <a:round/>
+                      <a:headEnd type="none" w="med" len="med"/>
+                      <a:tailEnd type="none" w="med" len="med"/>
+                    </a:lnL>
+                    <a:lnR w="6350" cap="flat" cmpd="sng" algn="ctr">
+                      <a:solidFill>
+                        <a:srgbClr val="000000"/>
+                      </a:solidFill>
+                      <a:prstDash val="solid"/>
+                      <a:round/>
+                      <a:headEnd type="none" w="med" len="med"/>
+                      <a:tailEnd type="none" w="med" len="med"/>
+                    </a:lnR>
+                    <a:lnT w="6350" cap="flat" cmpd="sng" algn="ctr">
+                      <a:solidFill>
+                        <a:srgbClr val="000000"/>
+                      </a:solidFill>
+                      <a:prstDash val="solid"/>
+                      <a:round/>
+                      <a:headEnd type="none" w="med" len="med"/>
+                      <a:tailEnd type="none" w="med" len="med"/>
+                    </a:lnT>
+                    <a:lnB w="6350" cap="flat" cmpd="sng" algn="ctr">
+                      <a:solidFill>
+                        <a:srgbClr val="000000"/>
+                      </a:solidFill>
+                      <a:prstDash val="solid"/>
+                      <a:round/>
+                      <a:headEnd type="none" w="med" len="med"/>
+                      <a:tailEnd type="none" w="med" len="med"/>
+                    </a:lnB>
+                    <a:noFill/>
+                  </a:tcPr>
+                </a:tc>
+                <a:extLst>
+                  <a:ext uri="{0D108BD9-81ED-4DB2-BD59-A6C34878D82A}">
+                    <a16:rowId xmlns:a16="http://schemas.microsoft.com/office/drawing/2014/main" val="2996171812"/>
+                  </a:ext>
+                </a:extLst>
+              </a:tr>
+            </a:tbl>
+          </a:graphicData>
+        </a:graphic>
+      </p:graphicFrame>
+      <p:sp>
+        <p:nvSpPr>
+          <p:cNvPr id="9" name="Rechteck 8">
+            <a:extLst>
+              <a:ext uri="{FF2B5EF4-FFF2-40B4-BE49-F238E27FC236}">
+                <a16:creationId xmlns:a16="http://schemas.microsoft.com/office/drawing/2014/main" id="{0E34A9EB-FB69-85B3-87A9-24BF65A0007E}"/>
+              </a:ext>
+            </a:extLst>
+          </p:cNvPr>
+          <p:cNvSpPr/>
+          <p:nvPr/>
+        </p:nvSpPr>
+        <p:spPr>
+          <a:xfrm>
+            <a:off x="652041" y="1840375"/>
+            <a:ext cx="10864769" cy="682906"/>
+          </a:xfrm>
+          <a:prstGeom prst="rect">
+            <a:avLst/>
+          </a:prstGeom>
+          <a:solidFill>
+            <a:schemeClr val="tx1"/>
+          </a:solidFill>
+          <a:ln>
+            <a:noFill/>
+          </a:ln>
+        </p:spPr>
+        <p:style>
+          <a:lnRef idx="2">
+            <a:schemeClr val="accent1">
+              <a:shade val="15000"/>
+            </a:schemeClr>
+          </a:lnRef>
+          <a:fillRef idx="1">
+            <a:schemeClr val="accent1"/>
+          </a:fillRef>
+          <a:effectRef idx="0">
+            <a:schemeClr val="accent1"/>
+          </a:effectRef>
+          <a:fontRef idx="minor">
+            <a:schemeClr val="lt1"/>
+          </a:fontRef>
+        </p:style>
+        <p:txBody>
+          <a:bodyPr rtlCol="0" anchor="ctr"/>
+          <a:lstStyle/>
+          <a:p>
+            <a:pPr algn="ctr"/>
+            <a:endParaRPr lang="de-DE"/>
+          </a:p>
+        </p:txBody>
+      </p:sp>
+      <p:sp>
+        <p:nvSpPr>
+          <p:cNvPr id="10" name="Rechteck 9">
+            <a:extLst>
+              <a:ext uri="{FF2B5EF4-FFF2-40B4-BE49-F238E27FC236}">
+                <a16:creationId xmlns:a16="http://schemas.microsoft.com/office/drawing/2014/main" id="{3D5A28B2-A429-DC88-D8F9-6BDAABCDF705}"/>
+              </a:ext>
+            </a:extLst>
+          </p:cNvPr>
+          <p:cNvSpPr/>
+          <p:nvPr/>
+        </p:nvSpPr>
+        <p:spPr>
+          <a:xfrm>
+            <a:off x="652041" y="3272978"/>
+            <a:ext cx="10864770" cy="893908"/>
+          </a:xfrm>
+          <a:prstGeom prst="rect">
+            <a:avLst/>
+          </a:prstGeom>
+          <a:solidFill>
+            <a:schemeClr val="tx1"/>
+          </a:solidFill>
+          <a:ln>
+            <a:noFill/>
+          </a:ln>
+        </p:spPr>
+        <p:style>
+          <a:lnRef idx="2">
+            <a:schemeClr val="accent1">
+              <a:shade val="15000"/>
+            </a:schemeClr>
+          </a:lnRef>
+          <a:fillRef idx="1">
+            <a:schemeClr val="accent1"/>
+          </a:fillRef>
+          <a:effectRef idx="0">
+            <a:schemeClr val="accent1"/>
+          </a:effectRef>
+          <a:fontRef idx="minor">
+            <a:schemeClr val="lt1"/>
+          </a:fontRef>
+        </p:style>
+        <p:txBody>
+          <a:bodyPr rtlCol="0" anchor="ctr"/>
+          <a:lstStyle/>
+          <a:p>
+            <a:pPr algn="ctr"/>
+            <a:endParaRPr lang="de-DE"/>
+          </a:p>
+        </p:txBody>
+      </p:sp>
+      <p:sp>
+        <p:nvSpPr>
+          <p:cNvPr id="3" name="Rechteck 2">
+            <a:extLst>
+              <a:ext uri="{FF2B5EF4-FFF2-40B4-BE49-F238E27FC236}">
+                <a16:creationId xmlns:a16="http://schemas.microsoft.com/office/drawing/2014/main" id="{F8833D0C-CDDB-A185-6802-EDFC79F8A8D8}"/>
+              </a:ext>
+            </a:extLst>
+          </p:cNvPr>
+          <p:cNvSpPr/>
+          <p:nvPr/>
+        </p:nvSpPr>
+        <p:spPr>
+          <a:xfrm>
+            <a:off x="652040" y="4664597"/>
+            <a:ext cx="10841621" cy="364603"/>
+          </a:xfrm>
+          <a:prstGeom prst="rect">
+            <a:avLst/>
+          </a:prstGeom>
+          <a:solidFill>
+            <a:schemeClr val="tx1"/>
+          </a:solidFill>
+          <a:ln>
+            <a:noFill/>
+          </a:ln>
+        </p:spPr>
+        <p:style>
+          <a:lnRef idx="2">
+            <a:schemeClr val="accent1">
+              <a:shade val="15000"/>
+            </a:schemeClr>
+          </a:lnRef>
+          <a:fillRef idx="1">
+            <a:schemeClr val="accent1"/>
+          </a:fillRef>
+          <a:effectRef idx="0">
+            <a:schemeClr val="accent1"/>
+          </a:effectRef>
+          <a:fontRef idx="minor">
+            <a:schemeClr val="lt1"/>
+          </a:fontRef>
+        </p:style>
+        <p:txBody>
+          <a:bodyPr rtlCol="0" anchor="ctr"/>
+          <a:lstStyle/>
+          <a:p>
+            <a:pPr algn="ctr"/>
+            <a:endParaRPr lang="de-DE"/>
+          </a:p>
+        </p:txBody>
+      </p:sp>
+      <p:sp>
+        <p:nvSpPr>
+          <p:cNvPr id="5" name="Rechteck 4">
+            <a:extLst>
+              <a:ext uri="{FF2B5EF4-FFF2-40B4-BE49-F238E27FC236}">
+                <a16:creationId xmlns:a16="http://schemas.microsoft.com/office/drawing/2014/main" id="{D83D9B55-F190-278B-4D9C-03045D918A68}"/>
+              </a:ext>
+            </a:extLst>
+          </p:cNvPr>
+          <p:cNvSpPr/>
+          <p:nvPr/>
+        </p:nvSpPr>
+        <p:spPr>
+          <a:xfrm>
+            <a:off x="652040" y="5778897"/>
+            <a:ext cx="10853195" cy="832968"/>
+          </a:xfrm>
+          <a:prstGeom prst="rect">
+            <a:avLst/>
+          </a:prstGeom>
+          <a:solidFill>
+            <a:schemeClr val="tx1"/>
+          </a:solidFill>
+          <a:ln>
+            <a:noFill/>
+          </a:ln>
+        </p:spPr>
+        <p:style>
+          <a:lnRef idx="2">
+            <a:schemeClr val="accent1">
+              <a:shade val="15000"/>
+            </a:schemeClr>
+          </a:lnRef>
+          <a:fillRef idx="1">
+            <a:schemeClr val="accent1"/>
+          </a:fillRef>
+          <a:effectRef idx="0">
+            <a:schemeClr val="accent1"/>
+          </a:effectRef>
+          <a:fontRef idx="minor">
+            <a:schemeClr val="lt1"/>
+          </a:fontRef>
+        </p:style>
+        <p:txBody>
+          <a:bodyPr rtlCol="0" anchor="ctr"/>
+          <a:lstStyle/>
+          <a:p>
+            <a:pPr algn="ctr"/>
+            <a:endParaRPr lang="de-DE"/>
+          </a:p>
+        </p:txBody>
+      </p:sp>
+    </p:spTree>
+    <p:extLst>
+      <p:ext uri="{BB962C8B-B14F-4D97-AF65-F5344CB8AC3E}">
+        <p14:creationId xmlns:p14="http://schemas.microsoft.com/office/powerpoint/2010/main" val="3222411701"/>
+      </p:ext>
+    </p:extLst>
+  </p:cSld>
+  <p:clrMapOvr>
+    <a:masterClrMapping/>
+  </p:clrMapOvr>
+  <p:timing>
+    <p:tnLst>
+      <p:par>
+        <p:cTn id="1" dur="indefinite" restart="never" nodeType="tmRoot">
+          <p:childTnLst>
+            <p:seq concurrent="1" nextAc="seek">
+              <p:cTn id="2" dur="indefinite" nodeType="mainSeq">
+                <p:childTnLst>
+                  <p:par>
+                    <p:cTn id="3" fill="hold">
+                      <p:stCondLst>
+                        <p:cond delay="indefinite"/>
+                        <p:cond evt="onBegin" delay="0">
+                          <p:tn val="2"/>
+                        </p:cond>
+                      </p:stCondLst>
+                      <p:childTnLst>
+                        <p:par>
+                          <p:cTn id="4" fill="hold">
+                            <p:stCondLst>
+                              <p:cond delay="0"/>
+                            </p:stCondLst>
+                            <p:childTnLst>
+                              <p:par>
+                                <p:cTn id="5" presetID="1" presetClass="entr" presetSubtype="0" fill="hold" grpId="0" nodeType="withEffect">
+                                  <p:stCondLst>
+                                    <p:cond delay="0"/>
+                                  </p:stCondLst>
+                                  <p:childTnLst>
+                                    <p:set>
+                                      <p:cBhvr>
+                                        <p:cTn id="6" dur="1" fill="hold">
+                                          <p:stCondLst>
+                                            <p:cond delay="0"/>
+                                          </p:stCondLst>
+                                        </p:cTn>
+                                        <p:tgtEl>
+                                          <p:spTgt spid="9"/>
+                                        </p:tgtEl>
+                                        <p:attrNameLst>
+                                          <p:attrName>style.visibility</p:attrName>
+                                        </p:attrNameLst>
+                                      </p:cBhvr>
+                                      <p:to>
+                                        <p:strVal val="visible"/>
+                                      </p:to>
+                                    </p:set>
+                                  </p:childTnLst>
+                                </p:cTn>
+                              </p:par>
+                              <p:par>
+                                <p:cTn id="7" presetID="1" presetClass="entr" presetSubtype="0" fill="hold" grpId="0" nodeType="withEffect">
+                                  <p:stCondLst>
+                                    <p:cond delay="0"/>
+                                  </p:stCondLst>
+                                  <p:childTnLst>
+                                    <p:set>
+                                      <p:cBhvr>
+                                        <p:cTn id="8" dur="1" fill="hold">
+                                          <p:stCondLst>
+                                            <p:cond delay="0"/>
+                                          </p:stCondLst>
+                                        </p:cTn>
+                                        <p:tgtEl>
+                                          <p:spTgt spid="10"/>
+                                        </p:tgtEl>
+                                        <p:attrNameLst>
+                                          <p:attrName>style.visibility</p:attrName>
+                                        </p:attrNameLst>
+                                      </p:cBhvr>
+                                      <p:to>
+                                        <p:strVal val="visible"/>
+                                      </p:to>
+                                    </p:set>
+                                  </p:childTnLst>
+                                </p:cTn>
+                              </p:par>
+                              <p:par>
+                                <p:cTn id="9" presetID="1" presetClass="entr" presetSubtype="0" fill="hold" grpId="0" nodeType="withEffect">
+                                  <p:stCondLst>
+                                    <p:cond delay="0"/>
+                                  </p:stCondLst>
+                                  <p:childTnLst>
+                                    <p:set>
+                                      <p:cBhvr>
+                                        <p:cTn id="10" dur="1" fill="hold">
+                                          <p:stCondLst>
+                                            <p:cond delay="0"/>
+                                          </p:stCondLst>
+                                        </p:cTn>
+                                        <p:tgtEl>
+                                          <p:spTgt spid="3"/>
+                                        </p:tgtEl>
+                                        <p:attrNameLst>
+                                          <p:attrName>style.visibility</p:attrName>
+                                        </p:attrNameLst>
+                                      </p:cBhvr>
+                                      <p:to>
+                                        <p:strVal val="visible"/>
+                                      </p:to>
+                                    </p:set>
+                                  </p:childTnLst>
+                                </p:cTn>
+                              </p:par>
+                              <p:par>
+                                <p:cTn id="11" presetID="1" presetClass="entr" presetSubtype="0" fill="hold" grpId="0" nodeType="withEffect">
+                                  <p:stCondLst>
+                                    <p:cond delay="0"/>
+                                  </p:stCondLst>
+                                  <p:childTnLst>
+                                    <p:set>
+                                      <p:cBhvr>
+                                        <p:cTn id="12" dur="1" fill="hold">
+                                          <p:stCondLst>
+                                            <p:cond delay="0"/>
+                                          </p:stCondLst>
+                                        </p:cTn>
+                                        <p:tgtEl>
+                                          <p:spTgt spid="5"/>
+                                        </p:tgtEl>
+                                        <p:attrNameLst>
+                                          <p:attrName>style.visibility</p:attrName>
+                                        </p:attrNameLst>
+                                      </p:cBhvr>
+                                      <p:to>
+                                        <p:strVal val="visible"/>
+                                      </p:to>
+                                    </p:set>
+                                  </p:childTnLst>
+                                </p:cTn>
+                              </p:par>
+                            </p:childTnLst>
+                          </p:cTn>
+                        </p:par>
+                      </p:childTnLst>
+                    </p:cTn>
+                  </p:par>
+                </p:childTnLst>
+              </p:cTn>
+              <p:prevCondLst>
+                <p:cond evt="onPrev" delay="0">
+                  <p:tgtEl>
+                    <p:sldTgt/>
+                  </p:tgtEl>
+                </p:cond>
+              </p:prevCondLst>
+              <p:nextCondLst>
+                <p:cond evt="onNext" delay="0">
+                  <p:tgtEl>
+                    <p:sldTgt/>
+                  </p:tgtEl>
+                </p:cond>
+              </p:nextCondLst>
+            </p:seq>
+          </p:childTnLst>
+        </p:cTn>
+      </p:par>
+    </p:tnLst>
+    <p:bldLst>
+      <p:bldP spid="9" grpId="0" animBg="1"/>
+      <p:bldP spid="10" grpId="0" animBg="1"/>
+      <p:bldP spid="3" grpId="0" animBg="1"/>
+      <p:bldP spid="5" grpId="0" animBg="1"/>
+    </p:bldLst>
+  </p:timing>
+</p:sld>
+</file>
+
+<file path=ppt/slides/slide5.xml><?xml version="1.0" encoding="utf-8"?>
+<p:sld xmlns:a="http://schemas.openxmlformats.org/drawingml/2006/main" xmlns:r="http://schemas.openxmlformats.org/officeDocument/2006/relationships" xmlns:p="http://schemas.openxmlformats.org/presentationml/2006/main">
+  <p:cSld>
+    <p:spTree>
+      <p:nvGrpSpPr>
+        <p:cNvPr id="1" name="">
+          <a:extLst>
+            <a:ext uri="{FF2B5EF4-FFF2-40B4-BE49-F238E27FC236}">
+              <a16:creationId xmlns:a16="http://schemas.microsoft.com/office/drawing/2014/main" id="{EF96EB22-E244-7DDF-DD96-48A810E59C26}"/>
+            </a:ext>
+          </a:extLst>
+        </p:cNvPr>
+        <p:cNvGrpSpPr/>
+        <p:nvPr/>
+      </p:nvGrpSpPr>
+      <p:grpSpPr>
+        <a:xfrm>
+          <a:off x="0" y="0"/>
+          <a:ext cx="0" cy="0"/>
+          <a:chOff x="0" y="0"/>
+          <a:chExt cx="0" cy="0"/>
+        </a:xfrm>
+      </p:grpSpPr>
+      <p:sp>
+        <p:nvSpPr>
+          <p:cNvPr id="2" name="Titel 1">
+            <a:extLst>
+              <a:ext uri="{FF2B5EF4-FFF2-40B4-BE49-F238E27FC236}">
+                <a16:creationId xmlns:a16="http://schemas.microsoft.com/office/drawing/2014/main" id="{5CF72681-5922-F6E8-A720-EC46A8080C62}"/>
+              </a:ext>
+            </a:extLst>
+          </p:cNvPr>
+          <p:cNvSpPr>
+            <a:spLocks noGrp="1"/>
+          </p:cNvSpPr>
+          <p:nvPr>
+            <p:ph type="title"/>
+          </p:nvPr>
+        </p:nvSpPr>
+        <p:spPr>
+          <a:xfrm>
+            <a:off x="432314" y="227903"/>
+            <a:ext cx="10873740" cy="648761"/>
+          </a:xfrm>
+        </p:spPr>
+        <p:txBody>
+          <a:bodyPr/>
+          <a:lstStyle/>
+          <a:p>
+            <a:r>
+              <a:rPr lang="de-DE" dirty="0"/>
+              <a:t>Entwurf FOS 11</a:t>
+            </a:r>
+          </a:p>
+        </p:txBody>
+      </p:sp>
+      <p:graphicFrame>
+        <p:nvGraphicFramePr>
+          <p:cNvPr id="4" name="Tabelle 3">
+            <a:extLst>
+              <a:ext uri="{FF2B5EF4-FFF2-40B4-BE49-F238E27FC236}">
+                <a16:creationId xmlns:a16="http://schemas.microsoft.com/office/drawing/2014/main" id="{6863916B-7133-FD0D-7058-3F644AD4E8E2}"/>
+              </a:ext>
+            </a:extLst>
+          </p:cNvPr>
+          <p:cNvGraphicFramePr>
+            <a:graphicFrameLocks noGrp="1"/>
+          </p:cNvGraphicFramePr>
+          <p:nvPr/>
+        </p:nvGraphicFramePr>
+        <p:xfrm>
+          <a:off x="432314" y="896801"/>
+          <a:ext cx="11107645" cy="5715064"/>
+        </p:xfrm>
+        <a:graphic>
+          <a:graphicData uri="http://schemas.openxmlformats.org/drawingml/2006/table">
+            <a:tbl>
+              <a:tblPr/>
+              <a:tblGrid>
+                <a:gridCol w="11107645">
+                  <a:extLst>
+                    <a:ext uri="{9D8B030D-6E8A-4147-A177-3AD203B41FA5}">
+                      <a16:colId xmlns:a16="http://schemas.microsoft.com/office/drawing/2014/main" val="302130094"/>
+                    </a:ext>
+                  </a:extLst>
+                </a:gridCol>
+              </a:tblGrid>
+              <a:tr h="234582">
+                <a:tc>
+                  <a:txBody>
+                    <a:bodyPr/>
+                    <a:lstStyle/>
+                    <a:p>
+                      <a:pPr algn="just">
+                        <a:buNone/>
+                      </a:pPr>
+                      <a:r>
+                        <a:rPr lang="de-DE" sz="1600" b="1" dirty="0">
+                          <a:solidFill>
+                            <a:srgbClr val="000000"/>
+                          </a:solidFill>
+                          <a:effectLst/>
+                          <a:latin typeface="Calibri" panose="020F0502020204030204" pitchFamily="34" charset="0"/>
+                        </a:rPr>
+                        <a:t>KIT11 Lernbereich 1: Arbeiten und Lernen mit KI (ca. 12 Std.)</a:t>
+                      </a:r>
+                      <a:endParaRPr lang="de-DE" sz="3200" dirty="0">
+                        <a:effectLst/>
+                      </a:endParaRPr>
+                    </a:p>
+                  </a:txBody>
+                  <a:tcPr marL="52362" marR="52362" marT="0" marB="0" anchor="ctr">
+                    <a:lnL w="6350" cap="flat" cmpd="sng" algn="ctr">
+                      <a:solidFill>
+                        <a:srgbClr val="000000"/>
+                      </a:solidFill>
+                      <a:prstDash val="solid"/>
+                      <a:round/>
+                      <a:headEnd type="none" w="med" len="med"/>
+                      <a:tailEnd type="none" w="med" len="med"/>
+                    </a:lnL>
+                    <a:lnR w="6350" cap="flat" cmpd="sng" algn="ctr">
+                      <a:solidFill>
+                        <a:srgbClr val="000000"/>
+                      </a:solidFill>
+                      <a:prstDash val="solid"/>
+                      <a:round/>
+                      <a:headEnd type="none" w="med" len="med"/>
+                      <a:tailEnd type="none" w="med" len="med"/>
+                    </a:lnR>
+                    <a:lnT w="6350" cap="flat" cmpd="sng" algn="ctr">
+                      <a:solidFill>
+                        <a:srgbClr val="000000"/>
+                      </a:solidFill>
+                      <a:prstDash val="solid"/>
+                      <a:round/>
+                      <a:headEnd type="none" w="med" len="med"/>
+                      <a:tailEnd type="none" w="med" len="med"/>
+                    </a:lnT>
+                    <a:lnB w="6350" cap="flat" cmpd="sng" algn="ctr">
+                      <a:solidFill>
+                        <a:srgbClr val="000000"/>
+                      </a:solidFill>
+                      <a:prstDash val="solid"/>
+                      <a:round/>
+                      <a:headEnd type="none" w="med" len="med"/>
+                      <a:tailEnd type="none" w="med" len="med"/>
+                    </a:lnB>
+                    <a:solidFill>
+                      <a:srgbClr val="D9D9D9"/>
+                    </a:solidFill>
+                  </a:tcPr>
+                </a:tc>
+                <a:extLst>
+                  <a:ext uri="{0D108BD9-81ED-4DB2-BD59-A6C34878D82A}">
+                    <a16:rowId xmlns:a16="http://schemas.microsoft.com/office/drawing/2014/main" val="1741610162"/>
+                  </a:ext>
+                </a:extLst>
+              </a:tr>
+              <a:tr h="5297539">
+                <a:tc>
+                  <a:txBody>
+                    <a:bodyPr/>
+                    <a:lstStyle/>
+                    <a:p>
+                      <a:pPr algn="just">
+                        <a:spcAft>
+                          <a:spcPts val="1200"/>
+                        </a:spcAft>
+                        <a:buNone/>
+                      </a:pPr>
+                      <a:r>
+                        <a:rPr lang="de-DE" sz="1600" b="1" dirty="0">
+                          <a:solidFill>
+                            <a:srgbClr val="000000"/>
+                          </a:solidFill>
+                          <a:effectLst/>
+                          <a:latin typeface="Calibri" panose="020F0502020204030204" pitchFamily="34" charset="0"/>
+                        </a:rPr>
+                        <a:t>Kompetenzerwartungen</a:t>
+                      </a:r>
+                      <a:endParaRPr lang="de-DE" sz="3200" dirty="0">
+                        <a:effectLst/>
+                      </a:endParaRPr>
+                    </a:p>
+                    <a:p>
+                      <a:pPr algn="just">
+                        <a:spcBef>
+                          <a:spcPts val="500"/>
+                        </a:spcBef>
+                        <a:spcAft>
+                          <a:spcPts val="500"/>
+                        </a:spcAft>
+                        <a:buNone/>
+                      </a:pPr>
+                      <a:r>
+                        <a:rPr lang="de-DE" sz="1600" dirty="0">
+                          <a:solidFill>
+                            <a:srgbClr val="000000"/>
+                          </a:solidFill>
+                          <a:effectLst/>
+                          <a:latin typeface="Calibri" panose="020F0502020204030204" pitchFamily="34" charset="0"/>
+                        </a:rPr>
+                        <a:t>Die Schülerinnen und Schüler …</a:t>
+                      </a:r>
+                      <a:endParaRPr lang="de-DE" sz="3200" dirty="0">
+                        <a:effectLst/>
+                      </a:endParaRPr>
+                    </a:p>
+                    <a:p>
+                      <a:pPr marL="457200" indent="-228600">
+                        <a:lnSpc>
+                          <a:spcPct val="114000"/>
+                        </a:lnSpc>
+                        <a:spcAft>
+                          <a:spcPts val="800"/>
+                        </a:spcAft>
+                        <a:buFont typeface="Arial" panose="020B0604020202020204" pitchFamily="34" charset="0"/>
+                        <a:buChar char="•"/>
+                      </a:pPr>
+                      <a:r>
+                        <a:rPr lang="de-DE" sz="1600" dirty="0">
+                          <a:solidFill>
+                            <a:srgbClr val="000000"/>
+                          </a:solidFill>
+                          <a:effectLst/>
+                          <a:latin typeface="Calibri" panose="020F0502020204030204" pitchFamily="34" charset="0"/>
+                        </a:rPr>
+                        <a:t>diskutieren Ansätze zur Definition des Begriffs Künstliche Intelligenz (KI), beschreiben verschiedene Grundideen von Verfahren der KI (u. a. maschinelles Lernen) sowie ihre Anwendungsbereiche.</a:t>
+                      </a:r>
+                      <a:endParaRPr lang="de-DE" sz="3200" dirty="0">
+                        <a:effectLst/>
+                      </a:endParaRPr>
+                    </a:p>
+                    <a:p>
+                      <a:pPr marL="457200" indent="-228600">
+                        <a:lnSpc>
+                          <a:spcPct val="114000"/>
+                        </a:lnSpc>
+                        <a:spcAft>
+                          <a:spcPts val="800"/>
+                        </a:spcAft>
+                        <a:buFont typeface="Arial" panose="020B0604020202020204" pitchFamily="34" charset="0"/>
+                        <a:buChar char="•"/>
+                      </a:pPr>
+                      <a:r>
+                        <a:rPr lang="de-DE" sz="1600" dirty="0">
+                          <a:solidFill>
+                            <a:srgbClr val="000000"/>
+                          </a:solidFill>
+                          <a:effectLst/>
+                          <a:latin typeface="Calibri" panose="020F0502020204030204" pitchFamily="34" charset="0"/>
+                        </a:rPr>
+                        <a:t>wenden Sprachmodelle effizient an, vergleichen unterschiedliche Modelle und bewerten deren Ausgaben.</a:t>
+                      </a:r>
+                      <a:endParaRPr lang="de-DE" sz="3200" dirty="0">
+                        <a:effectLst/>
+                      </a:endParaRPr>
+                    </a:p>
+                    <a:p>
+                      <a:pPr marL="457200" indent="-228600">
+                        <a:lnSpc>
+                          <a:spcPct val="114000"/>
+                        </a:lnSpc>
+                        <a:spcAft>
+                          <a:spcPts val="800"/>
+                        </a:spcAft>
+                        <a:buFont typeface="Arial" panose="020B0604020202020204" pitchFamily="34" charset="0"/>
+                        <a:buChar char="•"/>
+                      </a:pPr>
+                      <a:r>
+                        <a:rPr lang="de-DE" sz="1600" dirty="0">
+                          <a:solidFill>
+                            <a:srgbClr val="000000"/>
+                          </a:solidFill>
+                          <a:effectLst/>
+                          <a:latin typeface="Calibri" panose="020F0502020204030204" pitchFamily="34" charset="0"/>
+                        </a:rPr>
+                        <a:t>beschreiben und bewerten die Grenzen der KI-Systeme.</a:t>
+                      </a:r>
+                      <a:endParaRPr lang="de-DE" sz="3200" dirty="0">
+                        <a:effectLst/>
+                      </a:endParaRPr>
+                    </a:p>
+                    <a:p>
+                      <a:pPr marL="457200" indent="-228600">
+                        <a:lnSpc>
+                          <a:spcPct val="114000"/>
+                        </a:lnSpc>
+                        <a:spcAft>
+                          <a:spcPts val="800"/>
+                        </a:spcAft>
+                        <a:buFont typeface="Arial" panose="020B0604020202020204" pitchFamily="34" charset="0"/>
+                        <a:buChar char="•"/>
+                      </a:pPr>
+                      <a:r>
+                        <a:rPr lang="de-DE" sz="1600" dirty="0">
+                          <a:solidFill>
+                            <a:srgbClr val="000000"/>
+                          </a:solidFill>
+                          <a:effectLst/>
+                          <a:latin typeface="Calibri" panose="020F0502020204030204" pitchFamily="34" charset="0"/>
+                        </a:rPr>
+                        <a:t>nehmen zu ausgewählten aktuellen Einsatzmöglichkeiten der Künstlichen Intelligenz Stellung, beurteilen (mithilfe fachlicher Kriterien) und bewerten (unter Berücksichtigung gesellschaftlicher Werte und Normen) Chancen und Risiken für Individuum und Gesellschaft.</a:t>
+                      </a:r>
+                      <a:endParaRPr lang="de-DE" sz="3200" dirty="0">
+                        <a:effectLst/>
+                      </a:endParaRPr>
+                    </a:p>
+                    <a:p>
+                      <a:pPr algn="just">
+                        <a:spcBef>
+                          <a:spcPts val="600"/>
+                        </a:spcBef>
+                        <a:spcAft>
+                          <a:spcPts val="600"/>
+                        </a:spcAft>
+                        <a:buNone/>
+                      </a:pPr>
+                      <a:r>
+                        <a:rPr lang="de-DE" sz="1600" b="1" dirty="0">
+                          <a:solidFill>
+                            <a:srgbClr val="000000"/>
+                          </a:solidFill>
+                          <a:effectLst/>
+                          <a:latin typeface="Calibri" panose="020F0502020204030204" pitchFamily="34" charset="0"/>
+                        </a:rPr>
+                        <a:t>Inhalte </a:t>
+                      </a:r>
+                      <a:endParaRPr lang="de-DE" sz="3200" dirty="0">
+                        <a:effectLst/>
+                      </a:endParaRPr>
+                    </a:p>
+                    <a:p>
+                      <a:pPr marL="457200" indent="-228600">
+                        <a:lnSpc>
+                          <a:spcPct val="114000"/>
+                        </a:lnSpc>
+                        <a:spcAft>
+                          <a:spcPts val="800"/>
+                        </a:spcAft>
+                        <a:buFont typeface="Arial" panose="020B0604020202020204" pitchFamily="34" charset="0"/>
+                        <a:buChar char="•"/>
+                      </a:pPr>
+                      <a:r>
+                        <a:rPr lang="de-DE" sz="1600" dirty="0">
+                          <a:solidFill>
+                            <a:srgbClr val="000000"/>
+                          </a:solidFill>
+                          <a:effectLst/>
+                          <a:latin typeface="Calibri" panose="020F0502020204030204" pitchFamily="34" charset="0"/>
+                        </a:rPr>
+                        <a:t>starke und schwache KI, Teilbereiche maschinellen Lernens (überwacht, unüberwacht, bestärkend)</a:t>
+                      </a:r>
+                      <a:endParaRPr lang="de-DE" sz="3200" dirty="0">
+                        <a:effectLst/>
+                      </a:endParaRPr>
+                    </a:p>
+                    <a:p>
+                      <a:pPr marL="457200" indent="-228600">
+                        <a:lnSpc>
+                          <a:spcPct val="114000"/>
+                        </a:lnSpc>
+                        <a:spcAft>
+                          <a:spcPts val="800"/>
+                        </a:spcAft>
+                        <a:buFont typeface="Arial" panose="020B0604020202020204" pitchFamily="34" charset="0"/>
+                        <a:buChar char="•"/>
+                      </a:pPr>
+                      <a:r>
+                        <a:rPr lang="de-DE" sz="1600" dirty="0">
+                          <a:solidFill>
+                            <a:srgbClr val="000000"/>
+                          </a:solidFill>
+                          <a:effectLst/>
+                          <a:latin typeface="Calibri" panose="020F0502020204030204" pitchFamily="34" charset="0"/>
+                        </a:rPr>
+                        <a:t>Aufbau effektiver und strukturierter Prompts</a:t>
+                      </a:r>
+                      <a:endParaRPr lang="de-DE" sz="3200" dirty="0">
+                        <a:effectLst/>
+                      </a:endParaRPr>
+                    </a:p>
+                    <a:p>
+                      <a:pPr marL="457200" indent="-228600">
+                        <a:lnSpc>
+                          <a:spcPct val="114000"/>
+                        </a:lnSpc>
+                        <a:spcAft>
+                          <a:spcPts val="800"/>
+                        </a:spcAft>
+                        <a:buFont typeface="Arial" panose="020B0604020202020204" pitchFamily="34" charset="0"/>
+                        <a:buChar char="•"/>
+                      </a:pPr>
+                      <a:r>
+                        <a:rPr lang="de-DE" sz="1600" dirty="0">
+                          <a:solidFill>
+                            <a:srgbClr val="000000"/>
+                          </a:solidFill>
+                          <a:effectLst/>
+                          <a:latin typeface="Calibri" panose="020F0502020204030204" pitchFamily="34" charset="0"/>
+                        </a:rPr>
+                        <a:t>Grenzen (z. B. Halluzinationen, Aktualität bzw. Umfang der Trainingsdaten, Bias)</a:t>
+                      </a:r>
+                      <a:endParaRPr lang="de-DE" sz="3200" dirty="0">
+                        <a:effectLst/>
+                      </a:endParaRPr>
+                    </a:p>
+                    <a:p>
+                      <a:pPr marL="457200" indent="-228600">
+                        <a:lnSpc>
+                          <a:spcPct val="114000"/>
+                        </a:lnSpc>
+                        <a:spcAft>
+                          <a:spcPts val="800"/>
+                        </a:spcAft>
+                        <a:buFont typeface="Arial" panose="020B0604020202020204" pitchFamily="34" charset="0"/>
+                        <a:buChar char="•"/>
+                      </a:pPr>
+                      <a:r>
+                        <a:rPr lang="de-DE" sz="1600" dirty="0">
+                          <a:solidFill>
+                            <a:srgbClr val="000000"/>
+                          </a:solidFill>
+                          <a:effectLst/>
+                          <a:latin typeface="Calibri" panose="020F0502020204030204" pitchFamily="34" charset="0"/>
+                        </a:rPr>
+                        <a:t>weitere Nutzungsszenarien der generativen KI (z. B. Bild, Ton), Chancen, Risiken und Herausforderungen in Bezug auf technische (z. B. Zuverlässigkeit, Prognosen, Entscheidungsfindung) und gesellschaftliche (z. B. Personalisierung, Transparenz, Fairness, Gesetzgebung, Urheberrecht) Aspekte</a:t>
+                      </a:r>
+                      <a:endParaRPr lang="de-DE" sz="3200" dirty="0">
+                        <a:effectLst/>
+                      </a:endParaRPr>
+                    </a:p>
+                  </a:txBody>
+                  <a:tcPr marL="52362" marR="52362" marT="0" marB="0" anchor="ctr">
+                    <a:lnL w="6350" cap="flat" cmpd="sng" algn="ctr">
+                      <a:solidFill>
+                        <a:srgbClr val="000000"/>
+                      </a:solidFill>
+                      <a:prstDash val="solid"/>
+                      <a:round/>
+                      <a:headEnd type="none" w="med" len="med"/>
+                      <a:tailEnd type="none" w="med" len="med"/>
+                    </a:lnL>
+                    <a:lnR w="6350" cap="flat" cmpd="sng" algn="ctr">
+                      <a:solidFill>
+                        <a:srgbClr val="000000"/>
+                      </a:solidFill>
+                      <a:prstDash val="solid"/>
+                      <a:round/>
+                      <a:headEnd type="none" w="med" len="med"/>
+                      <a:tailEnd type="none" w="med" len="med"/>
+                    </a:lnR>
+                    <a:lnT w="6350" cap="flat" cmpd="sng" algn="ctr">
+                      <a:solidFill>
+                        <a:srgbClr val="000000"/>
+                      </a:solidFill>
+                      <a:prstDash val="solid"/>
+                      <a:round/>
+                      <a:headEnd type="none" w="med" len="med"/>
+                      <a:tailEnd type="none" w="med" len="med"/>
+                    </a:lnT>
+                    <a:lnB w="6350" cap="flat" cmpd="sng" algn="ctr">
+                      <a:solidFill>
+                        <a:srgbClr val="000000"/>
+                      </a:solidFill>
+                      <a:prstDash val="solid"/>
+                      <a:round/>
+                      <a:headEnd type="none" w="med" len="med"/>
+                      <a:tailEnd type="none" w="med" len="med"/>
+                    </a:lnB>
+                    <a:noFill/>
+                  </a:tcPr>
+                </a:tc>
+                <a:extLst>
+                  <a:ext uri="{0D108BD9-81ED-4DB2-BD59-A6C34878D82A}">
+                    <a16:rowId xmlns:a16="http://schemas.microsoft.com/office/drawing/2014/main" val="2996171812"/>
+                  </a:ext>
+                </a:extLst>
+              </a:tr>
+            </a:tbl>
+          </a:graphicData>
+        </a:graphic>
+      </p:graphicFrame>
+      <p:sp>
+        <p:nvSpPr>
+          <p:cNvPr id="9" name="Rechteck 8">
+            <a:extLst>
+              <a:ext uri="{FF2B5EF4-FFF2-40B4-BE49-F238E27FC236}">
+                <a16:creationId xmlns:a16="http://schemas.microsoft.com/office/drawing/2014/main" id="{343123C8-E876-421F-2895-DE6745AC8797}"/>
+              </a:ext>
+            </a:extLst>
+          </p:cNvPr>
+          <p:cNvSpPr/>
+          <p:nvPr/>
+        </p:nvSpPr>
+        <p:spPr>
+          <a:xfrm>
+            <a:off x="652041" y="1840374"/>
+            <a:ext cx="10853194" cy="1469985"/>
+          </a:xfrm>
+          <a:prstGeom prst="rect">
+            <a:avLst/>
+          </a:prstGeom>
+          <a:solidFill>
+            <a:schemeClr val="tx1"/>
+          </a:solidFill>
+          <a:ln>
+            <a:noFill/>
+          </a:ln>
+        </p:spPr>
+        <p:style>
+          <a:lnRef idx="2">
+            <a:schemeClr val="accent1">
+              <a:shade val="15000"/>
+            </a:schemeClr>
+          </a:lnRef>
+          <a:fillRef idx="1">
+            <a:schemeClr val="accent1"/>
+          </a:fillRef>
+          <a:effectRef idx="0">
+            <a:schemeClr val="accent1"/>
+          </a:effectRef>
+          <a:fontRef idx="minor">
+            <a:schemeClr val="lt1"/>
+          </a:fontRef>
+        </p:style>
+        <p:txBody>
+          <a:bodyPr rtlCol="0" anchor="ctr"/>
+          <a:lstStyle/>
+          <a:p>
+            <a:pPr algn="ctr"/>
+            <a:endParaRPr lang="de-DE"/>
+          </a:p>
+        </p:txBody>
+      </p:sp>
+      <p:sp>
+        <p:nvSpPr>
+          <p:cNvPr id="3" name="Rechteck 2">
+            <a:extLst>
+              <a:ext uri="{FF2B5EF4-FFF2-40B4-BE49-F238E27FC236}">
+                <a16:creationId xmlns:a16="http://schemas.microsoft.com/office/drawing/2014/main" id="{EF99D2DB-3C3E-199E-CBFA-1E5D81C44110}"/>
+              </a:ext>
+            </a:extLst>
+          </p:cNvPr>
+          <p:cNvSpPr/>
+          <p:nvPr/>
+        </p:nvSpPr>
+        <p:spPr>
+          <a:xfrm>
+            <a:off x="729204" y="4664597"/>
+            <a:ext cx="10787605" cy="364603"/>
+          </a:xfrm>
+          <a:prstGeom prst="rect">
+            <a:avLst/>
+          </a:prstGeom>
+          <a:solidFill>
+            <a:schemeClr val="tx1"/>
+          </a:solidFill>
+          <a:ln>
+            <a:noFill/>
+          </a:ln>
+        </p:spPr>
+        <p:style>
+          <a:lnRef idx="2">
+            <a:schemeClr val="accent1">
+              <a:shade val="15000"/>
+            </a:schemeClr>
+          </a:lnRef>
+          <a:fillRef idx="1">
+            <a:schemeClr val="accent1"/>
+          </a:fillRef>
+          <a:effectRef idx="0">
+            <a:schemeClr val="accent1"/>
+          </a:effectRef>
+          <a:fontRef idx="minor">
+            <a:schemeClr val="lt1"/>
+          </a:fontRef>
+        </p:style>
+        <p:txBody>
+          <a:bodyPr rtlCol="0" anchor="ctr"/>
+          <a:lstStyle/>
+          <a:p>
+            <a:pPr algn="ctr"/>
+            <a:endParaRPr lang="de-DE"/>
+          </a:p>
+        </p:txBody>
+      </p:sp>
+      <p:sp>
+        <p:nvSpPr>
+          <p:cNvPr id="5" name="Rechteck 4">
+            <a:extLst>
+              <a:ext uri="{FF2B5EF4-FFF2-40B4-BE49-F238E27FC236}">
+                <a16:creationId xmlns:a16="http://schemas.microsoft.com/office/drawing/2014/main" id="{B2CC1265-6F13-C2E5-442F-2E2A3AF6F2A4}"/>
+              </a:ext>
+            </a:extLst>
+          </p:cNvPr>
+          <p:cNvSpPr/>
+          <p:nvPr/>
+        </p:nvSpPr>
+        <p:spPr>
+          <a:xfrm>
+            <a:off x="671332" y="4846898"/>
+            <a:ext cx="10799179" cy="830247"/>
+          </a:xfrm>
+          <a:prstGeom prst="rect">
+            <a:avLst/>
+          </a:prstGeom>
+          <a:solidFill>
+            <a:schemeClr val="tx1"/>
+          </a:solidFill>
+          <a:ln>
+            <a:noFill/>
+          </a:ln>
+        </p:spPr>
+        <p:style>
+          <a:lnRef idx="2">
+            <a:schemeClr val="accent1">
+              <a:shade val="15000"/>
+            </a:schemeClr>
+          </a:lnRef>
+          <a:fillRef idx="1">
+            <a:schemeClr val="accent1"/>
+          </a:fillRef>
+          <a:effectRef idx="0">
+            <a:schemeClr val="accent1"/>
+          </a:effectRef>
+          <a:fontRef idx="minor">
+            <a:schemeClr val="lt1"/>
+          </a:fontRef>
+        </p:style>
+        <p:txBody>
+          <a:bodyPr rtlCol="0" anchor="ctr"/>
+          <a:lstStyle/>
+          <a:p>
+            <a:pPr algn="ctr"/>
+            <a:endParaRPr lang="de-DE"/>
+          </a:p>
+        </p:txBody>
+      </p:sp>
+      <p:sp>
+        <p:nvSpPr>
+          <p:cNvPr id="6" name="Textfeld 5">
+            <a:extLst>
+              <a:ext uri="{FF2B5EF4-FFF2-40B4-BE49-F238E27FC236}">
+                <a16:creationId xmlns:a16="http://schemas.microsoft.com/office/drawing/2014/main" id="{077E0313-15E1-52FF-B155-8DF6E710BE9C}"/>
+              </a:ext>
+            </a:extLst>
+          </p:cNvPr>
+          <p:cNvSpPr txBox="1"/>
+          <p:nvPr/>
+        </p:nvSpPr>
+        <p:spPr>
+          <a:xfrm>
+            <a:off x="5869184" y="4250281"/>
+            <a:ext cx="4821915" cy="646331"/>
+          </a:xfrm>
+          <a:prstGeom prst="rect">
+            <a:avLst/>
+          </a:prstGeom>
+          <a:gradFill>
+            <a:gsLst>
+              <a:gs pos="0">
+                <a:schemeClr val="accent1">
+                  <a:lumMod val="5000"/>
+                  <a:lumOff val="95000"/>
+                </a:schemeClr>
+              </a:gs>
+              <a:gs pos="74000">
+                <a:schemeClr val="accent1">
+                  <a:lumMod val="45000"/>
+                  <a:lumOff val="55000"/>
+                </a:schemeClr>
+              </a:gs>
+              <a:gs pos="83000">
+                <a:schemeClr val="accent1">
+                  <a:lumMod val="45000"/>
+                  <a:lumOff val="55000"/>
+                </a:schemeClr>
+              </a:gs>
+              <a:gs pos="100000">
+                <a:schemeClr val="accent1">
+                  <a:lumMod val="30000"/>
+                  <a:lumOff val="70000"/>
+                </a:schemeClr>
+              </a:gs>
+            </a:gsLst>
+            <a:lin ang="5400000" scaled="1"/>
+          </a:gradFill>
+          <a:ln>
+            <a:noFill/>
+          </a:ln>
+        </p:spPr>
+        <p:txBody>
+          <a:bodyPr wrap="square" rtlCol="0">
+            <a:spAutoFit/>
+          </a:bodyPr>
+          <a:lstStyle/>
+          <a:p>
+            <a:r>
+              <a:rPr lang="de-DE" b="1" i="1" dirty="0">
+                <a:solidFill>
+                  <a:schemeClr val="bg1"/>
+                </a:solidFill>
+              </a:rPr>
+              <a:t>siehe Selbstlernkurs</a:t>
+            </a:r>
+          </a:p>
+          <a:p>
+            <a:r>
+              <a:rPr lang="de-DE" b="1" i="1" dirty="0">
+                <a:solidFill>
+                  <a:schemeClr val="bg1"/>
+                </a:solidFill>
+              </a:rPr>
+              <a:t>Überschneidung mit anderen Schularten</a:t>
+            </a:r>
+          </a:p>
+        </p:txBody>
+      </p:sp>
+    </p:spTree>
+    <p:extLst>
+      <p:ext uri="{BB962C8B-B14F-4D97-AF65-F5344CB8AC3E}">
+        <p14:creationId xmlns:p14="http://schemas.microsoft.com/office/powerpoint/2010/main" val="4209938903"/>
+      </p:ext>
+    </p:extLst>
+  </p:cSld>
+  <p:clrMapOvr>
+    <a:masterClrMapping/>
+  </p:clrMapOvr>
+  <p:timing>
+    <p:tnLst>
+      <p:par>
+        <p:cTn id="1" dur="indefinite" restart="never" nodeType="tmRoot">
+          <p:childTnLst>
+            <p:seq concurrent="1" nextAc="seek">
+              <p:cTn id="2" dur="indefinite" nodeType="mainSeq">
+                <p:childTnLst>
+                  <p:par>
+                    <p:cTn id="3" fill="hold">
+                      <p:stCondLst>
+                        <p:cond delay="indefinite"/>
+                        <p:cond evt="onBegin" delay="0">
+                          <p:tn val="2"/>
+                        </p:cond>
+                      </p:stCondLst>
+                      <p:childTnLst>
+                        <p:par>
+                          <p:cTn id="4" fill="hold">
+                            <p:stCondLst>
+                              <p:cond delay="0"/>
+                            </p:stCondLst>
+                            <p:childTnLst>
+                              <p:par>
+                                <p:cTn id="5" presetID="1" presetClass="entr" presetSubtype="0" fill="hold" grpId="0" nodeType="withEffect">
+                                  <p:stCondLst>
+                                    <p:cond delay="0"/>
+                                  </p:stCondLst>
+                                  <p:childTnLst>
+                                    <p:set>
+                                      <p:cBhvr>
+                                        <p:cTn id="6" dur="1" fill="hold">
+                                          <p:stCondLst>
+                                            <p:cond delay="0"/>
+                                          </p:stCondLst>
+                                        </p:cTn>
+                                        <p:tgtEl>
+                                          <p:spTgt spid="9"/>
+                                        </p:tgtEl>
+                                        <p:attrNameLst>
+                                          <p:attrName>style.visibility</p:attrName>
+                                        </p:attrNameLst>
+                                      </p:cBhvr>
+                                      <p:to>
+                                        <p:strVal val="visible"/>
+                                      </p:to>
+                                    </p:set>
+                                  </p:childTnLst>
+                                </p:cTn>
+                              </p:par>
+                              <p:par>
+                                <p:cTn id="7" presetID="1" presetClass="entr" presetSubtype="0" fill="hold" grpId="0" nodeType="withEffect">
+                                  <p:stCondLst>
+                                    <p:cond delay="0"/>
+                                  </p:stCondLst>
+                                  <p:childTnLst>
+                                    <p:set>
+                                      <p:cBhvr>
+                                        <p:cTn id="8" dur="1" fill="hold">
+                                          <p:stCondLst>
+                                            <p:cond delay="0"/>
+                                          </p:stCondLst>
+                                        </p:cTn>
+                                        <p:tgtEl>
+                                          <p:spTgt spid="3"/>
+                                        </p:tgtEl>
+                                        <p:attrNameLst>
+                                          <p:attrName>style.visibility</p:attrName>
+                                        </p:attrNameLst>
+                                      </p:cBhvr>
+                                      <p:to>
+                                        <p:strVal val="visible"/>
+                                      </p:to>
+                                    </p:set>
+                                  </p:childTnLst>
+                                </p:cTn>
+                              </p:par>
+                              <p:par>
+                                <p:cTn id="9" presetID="1" presetClass="entr" presetSubtype="0" fill="hold" grpId="0" nodeType="withEffect">
+                                  <p:stCondLst>
+                                    <p:cond delay="0"/>
+                                  </p:stCondLst>
+                                  <p:childTnLst>
+                                    <p:set>
+                                      <p:cBhvr>
+                                        <p:cTn id="10" dur="1" fill="hold">
+                                          <p:stCondLst>
+                                            <p:cond delay="0"/>
+                                          </p:stCondLst>
+                                        </p:cTn>
+                                        <p:tgtEl>
+                                          <p:spTgt spid="5"/>
+                                        </p:tgtEl>
+                                        <p:attrNameLst>
+                                          <p:attrName>style.visibility</p:attrName>
+                                        </p:attrNameLst>
+                                      </p:cBhvr>
+                                      <p:to>
+                                        <p:strVal val="visible"/>
+                                      </p:to>
+                                    </p:set>
+                                  </p:childTnLst>
+                                </p:cTn>
+                              </p:par>
+                            </p:childTnLst>
+                          </p:cTn>
+                        </p:par>
+                      </p:childTnLst>
+                    </p:cTn>
+                  </p:par>
+                  <p:par>
+                    <p:cTn id="11" fill="hold">
+                      <p:stCondLst>
+                        <p:cond delay="indefinite"/>
+                      </p:stCondLst>
+                      <p:childTnLst>
+                        <p:par>
+                          <p:cTn id="12" fill="hold">
+                            <p:stCondLst>
+                              <p:cond delay="0"/>
+                            </p:stCondLst>
+                            <p:childTnLst>
+                              <p:par>
+                                <p:cTn id="13" presetID="1" presetClass="entr" presetSubtype="0" fill="hold" grpId="0" nodeType="clickEffect">
+                                  <p:stCondLst>
+                                    <p:cond delay="0"/>
+                                  </p:stCondLst>
+                                  <p:childTnLst>
+                                    <p:set>
+                                      <p:cBhvr>
+                                        <p:cTn id="14" dur="1" fill="hold">
+                                          <p:stCondLst>
+                                            <p:cond delay="0"/>
+                                          </p:stCondLst>
+                                        </p:cTn>
+                                        <p:tgtEl>
+                                          <p:spTgt spid="6"/>
+                                        </p:tgtEl>
+                                        <p:attrNameLst>
+                                          <p:attrName>style.visibility</p:attrName>
+                                        </p:attrNameLst>
+                                      </p:cBhvr>
+                                      <p:to>
+                                        <p:strVal val="visible"/>
+                                      </p:to>
+                                    </p:set>
+                                  </p:childTnLst>
+                                </p:cTn>
+                              </p:par>
+                            </p:childTnLst>
+                          </p:cTn>
+                        </p:par>
+                      </p:childTnLst>
+                    </p:cTn>
+                  </p:par>
+                </p:childTnLst>
+              </p:cTn>
+              <p:prevCondLst>
+                <p:cond evt="onPrev" delay="0">
+                  <p:tgtEl>
+                    <p:sldTgt/>
+                  </p:tgtEl>
+                </p:cond>
+              </p:prevCondLst>
+              <p:nextCondLst>
+                <p:cond evt="onNext" delay="0">
+                  <p:tgtEl>
+                    <p:sldTgt/>
+                  </p:tgtEl>
+                </p:cond>
+              </p:nextCondLst>
+            </p:seq>
+          </p:childTnLst>
+        </p:cTn>
+      </p:par>
+    </p:tnLst>
+    <p:bldLst>
+      <p:bldP spid="9" grpId="0" animBg="1"/>
+      <p:bldP spid="3" grpId="0" animBg="1"/>
+      <p:bldP spid="5" grpId="0" animBg="1"/>
+      <p:bldP spid="6" grpId="0"/>
+    </p:bldLst>
+  </p:timing>
+</p:sld>
+</file>
+
+<file path=ppt/slides/slide6.xml><?xml version="1.0" encoding="utf-8"?>
+<p:sld xmlns:a="http://schemas.openxmlformats.org/drawingml/2006/main" xmlns:r="http://schemas.openxmlformats.org/officeDocument/2006/relationships" xmlns:p="http://schemas.openxmlformats.org/presentationml/2006/main">
+  <p:cSld>
+    <p:spTree>
+      <p:nvGrpSpPr>
+        <p:cNvPr id="1" name="">
+          <a:extLst>
+            <a:ext uri="{FF2B5EF4-FFF2-40B4-BE49-F238E27FC236}">
+              <a16:creationId xmlns:a16="http://schemas.microsoft.com/office/drawing/2014/main" id="{8D48FCA8-5F50-7F62-D709-1F5AF6D8FDD3}"/>
+            </a:ext>
+          </a:extLst>
+        </p:cNvPr>
+        <p:cNvGrpSpPr/>
+        <p:nvPr/>
+      </p:nvGrpSpPr>
+      <p:grpSpPr>
+        <a:xfrm>
+          <a:off x="0" y="0"/>
+          <a:ext cx="0" cy="0"/>
+          <a:chOff x="0" y="0"/>
+          <a:chExt cx="0" cy="0"/>
+        </a:xfrm>
+      </p:grpSpPr>
+      <p:sp>
+        <p:nvSpPr>
+          <p:cNvPr id="2" name="Titel 1">
+            <a:extLst>
+              <a:ext uri="{FF2B5EF4-FFF2-40B4-BE49-F238E27FC236}">
+                <a16:creationId xmlns:a16="http://schemas.microsoft.com/office/drawing/2014/main" id="{E5344E3B-59BF-F161-3752-07633C2D9A2F}"/>
+              </a:ext>
+            </a:extLst>
+          </p:cNvPr>
+          <p:cNvSpPr>
+            <a:spLocks noGrp="1"/>
+          </p:cNvSpPr>
+          <p:nvPr>
+            <p:ph type="title"/>
+          </p:nvPr>
+        </p:nvSpPr>
+        <p:spPr>
+          <a:xfrm>
+            <a:off x="432314" y="227903"/>
+            <a:ext cx="10873740" cy="648761"/>
+          </a:xfrm>
+        </p:spPr>
+        <p:txBody>
+          <a:bodyPr/>
+          <a:lstStyle/>
+          <a:p>
+            <a:r>
+              <a:rPr lang="de-DE" dirty="0"/>
+              <a:t>Entwurf FOS 11</a:t>
+            </a:r>
+          </a:p>
+        </p:txBody>
+      </p:sp>
+      <p:graphicFrame>
+        <p:nvGraphicFramePr>
+          <p:cNvPr id="4" name="Tabelle 3">
+            <a:extLst>
+              <a:ext uri="{FF2B5EF4-FFF2-40B4-BE49-F238E27FC236}">
+                <a16:creationId xmlns:a16="http://schemas.microsoft.com/office/drawing/2014/main" id="{4C819017-9B67-64AF-6CC5-6536FDD0FA74}"/>
+              </a:ext>
+            </a:extLst>
+          </p:cNvPr>
+          <p:cNvGraphicFramePr>
+            <a:graphicFrameLocks noGrp="1"/>
+          </p:cNvGraphicFramePr>
+          <p:nvPr/>
+        </p:nvGraphicFramePr>
+        <p:xfrm>
+          <a:off x="432314" y="896801"/>
+          <a:ext cx="11107645" cy="5715064"/>
+        </p:xfrm>
+        <a:graphic>
+          <a:graphicData uri="http://schemas.openxmlformats.org/drawingml/2006/table">
+            <a:tbl>
+              <a:tblPr/>
+              <a:tblGrid>
+                <a:gridCol w="11107645">
+                  <a:extLst>
+                    <a:ext uri="{9D8B030D-6E8A-4147-A177-3AD203B41FA5}">
+                      <a16:colId xmlns:a16="http://schemas.microsoft.com/office/drawing/2014/main" val="302130094"/>
+                    </a:ext>
+                  </a:extLst>
+                </a:gridCol>
+              </a:tblGrid>
+              <a:tr h="234582">
+                <a:tc>
+                  <a:txBody>
+                    <a:bodyPr/>
+                    <a:lstStyle/>
+                    <a:p>
+                      <a:pPr algn="just">
+                        <a:buNone/>
+                      </a:pPr>
+                      <a:r>
+                        <a:rPr lang="de-DE" sz="1600" b="1" dirty="0">
+                          <a:solidFill>
+                            <a:srgbClr val="000000"/>
+                          </a:solidFill>
+                          <a:effectLst/>
+                          <a:latin typeface="Calibri" panose="020F0502020204030204" pitchFamily="34" charset="0"/>
+                        </a:rPr>
+                        <a:t>KIT11 Lernbereich 1: Arbeiten und Lernen mit KI (ca. 12 Std.)</a:t>
+                      </a:r>
+                      <a:endParaRPr lang="de-DE" sz="3200" dirty="0">
+                        <a:effectLst/>
+                      </a:endParaRPr>
+                    </a:p>
+                  </a:txBody>
+                  <a:tcPr marL="52362" marR="52362" marT="0" marB="0" anchor="ctr">
+                    <a:lnL w="6350" cap="flat" cmpd="sng" algn="ctr">
+                      <a:solidFill>
+                        <a:srgbClr val="000000"/>
+                      </a:solidFill>
+                      <a:prstDash val="solid"/>
+                      <a:round/>
+                      <a:headEnd type="none" w="med" len="med"/>
+                      <a:tailEnd type="none" w="med" len="med"/>
+                    </a:lnL>
+                    <a:lnR w="6350" cap="flat" cmpd="sng" algn="ctr">
+                      <a:solidFill>
+                        <a:srgbClr val="000000"/>
+                      </a:solidFill>
+                      <a:prstDash val="solid"/>
+                      <a:round/>
+                      <a:headEnd type="none" w="med" len="med"/>
+                      <a:tailEnd type="none" w="med" len="med"/>
+                    </a:lnR>
+                    <a:lnT w="6350" cap="flat" cmpd="sng" algn="ctr">
+                      <a:solidFill>
+                        <a:srgbClr val="000000"/>
+                      </a:solidFill>
+                      <a:prstDash val="solid"/>
+                      <a:round/>
+                      <a:headEnd type="none" w="med" len="med"/>
+                      <a:tailEnd type="none" w="med" len="med"/>
+                    </a:lnT>
+                    <a:lnB w="6350" cap="flat" cmpd="sng" algn="ctr">
+                      <a:solidFill>
+                        <a:srgbClr val="000000"/>
+                      </a:solidFill>
+                      <a:prstDash val="solid"/>
+                      <a:round/>
+                      <a:headEnd type="none" w="med" len="med"/>
+                      <a:tailEnd type="none" w="med" len="med"/>
+                    </a:lnB>
+                    <a:solidFill>
+                      <a:srgbClr val="D9D9D9"/>
+                    </a:solidFill>
+                  </a:tcPr>
+                </a:tc>
+                <a:extLst>
+                  <a:ext uri="{0D108BD9-81ED-4DB2-BD59-A6C34878D82A}">
+                    <a16:rowId xmlns:a16="http://schemas.microsoft.com/office/drawing/2014/main" val="1741610162"/>
+                  </a:ext>
+                </a:extLst>
+              </a:tr>
+              <a:tr h="5297539">
+                <a:tc>
+                  <a:txBody>
+                    <a:bodyPr/>
+                    <a:lstStyle/>
+                    <a:p>
+                      <a:pPr algn="just">
+                        <a:spcAft>
+                          <a:spcPts val="1200"/>
+                        </a:spcAft>
+                        <a:buNone/>
+                      </a:pPr>
+                      <a:r>
+                        <a:rPr lang="de-DE" sz="1600" b="1" dirty="0">
+                          <a:solidFill>
+                            <a:srgbClr val="000000"/>
+                          </a:solidFill>
+                          <a:effectLst/>
+                          <a:latin typeface="Calibri" panose="020F0502020204030204" pitchFamily="34" charset="0"/>
+                        </a:rPr>
+                        <a:t>Kompetenzerwartungen</a:t>
+                      </a:r>
+                      <a:endParaRPr lang="de-DE" sz="3200" dirty="0">
+                        <a:effectLst/>
+                      </a:endParaRPr>
+                    </a:p>
+                    <a:p>
+                      <a:pPr algn="just">
+                        <a:spcBef>
+                          <a:spcPts val="500"/>
+                        </a:spcBef>
+                        <a:spcAft>
+                          <a:spcPts val="500"/>
+                        </a:spcAft>
+                        <a:buNone/>
+                      </a:pPr>
+                      <a:r>
+                        <a:rPr lang="de-DE" sz="1600" dirty="0">
+                          <a:solidFill>
+                            <a:srgbClr val="000000"/>
+                          </a:solidFill>
+                          <a:effectLst/>
+                          <a:latin typeface="Calibri" panose="020F0502020204030204" pitchFamily="34" charset="0"/>
+                        </a:rPr>
+                        <a:t>Die Schülerinnen und Schüler …</a:t>
+                      </a:r>
+                      <a:endParaRPr lang="de-DE" sz="3200" dirty="0">
+                        <a:effectLst/>
+                      </a:endParaRPr>
+                    </a:p>
+                    <a:p>
+                      <a:pPr marL="457200" indent="-228600">
+                        <a:lnSpc>
+                          <a:spcPct val="114000"/>
+                        </a:lnSpc>
+                        <a:spcAft>
+                          <a:spcPts val="800"/>
+                        </a:spcAft>
+                        <a:buFont typeface="Arial" panose="020B0604020202020204" pitchFamily="34" charset="0"/>
+                        <a:buChar char="•"/>
+                      </a:pPr>
+                      <a:r>
+                        <a:rPr lang="de-DE" sz="1600" dirty="0">
+                          <a:solidFill>
+                            <a:srgbClr val="000000"/>
+                          </a:solidFill>
+                          <a:effectLst/>
+                          <a:latin typeface="Calibri" panose="020F0502020204030204" pitchFamily="34" charset="0"/>
+                        </a:rPr>
+                        <a:t>diskutieren Ansätze zur Definition des Begriffs Künstliche Intelligenz (KI), beschreiben verschiedene Grundideen von Verfahren der KI (u. a. maschinelles Lernen) sowie ihre Anwendungsbereiche.</a:t>
+                      </a:r>
+                      <a:endParaRPr lang="de-DE" sz="3200" dirty="0">
+                        <a:effectLst/>
+                      </a:endParaRPr>
+                    </a:p>
+                    <a:p>
+                      <a:pPr marL="457200" indent="-228600">
+                        <a:lnSpc>
+                          <a:spcPct val="114000"/>
+                        </a:lnSpc>
+                        <a:spcAft>
+                          <a:spcPts val="800"/>
+                        </a:spcAft>
+                        <a:buFont typeface="Arial" panose="020B0604020202020204" pitchFamily="34" charset="0"/>
+                        <a:buChar char="•"/>
+                      </a:pPr>
+                      <a:r>
+                        <a:rPr lang="de-DE" sz="1600" dirty="0">
+                          <a:solidFill>
+                            <a:srgbClr val="000000"/>
+                          </a:solidFill>
+                          <a:effectLst/>
+                          <a:latin typeface="Calibri" panose="020F0502020204030204" pitchFamily="34" charset="0"/>
+                        </a:rPr>
+                        <a:t>wenden Sprachmodelle effizient an, vergleichen unterschiedliche Modelle und bewerten deren Ausgaben.</a:t>
+                      </a:r>
+                      <a:endParaRPr lang="de-DE" sz="3200" dirty="0">
+                        <a:effectLst/>
+                      </a:endParaRPr>
+                    </a:p>
+                    <a:p>
+                      <a:pPr marL="457200" indent="-228600">
+                        <a:lnSpc>
+                          <a:spcPct val="114000"/>
+                        </a:lnSpc>
+                        <a:spcAft>
+                          <a:spcPts val="800"/>
+                        </a:spcAft>
+                        <a:buFont typeface="Arial" panose="020B0604020202020204" pitchFamily="34" charset="0"/>
+                        <a:buChar char="•"/>
+                      </a:pPr>
+                      <a:r>
+                        <a:rPr lang="de-DE" sz="1600" dirty="0">
+                          <a:solidFill>
+                            <a:srgbClr val="000000"/>
+                          </a:solidFill>
+                          <a:effectLst/>
+                          <a:latin typeface="Calibri" panose="020F0502020204030204" pitchFamily="34" charset="0"/>
+                        </a:rPr>
+                        <a:t>beschreiben und bewerten die Grenzen der KI-Systeme.</a:t>
+                      </a:r>
+                      <a:endParaRPr lang="de-DE" sz="3200" dirty="0">
+                        <a:effectLst/>
+                      </a:endParaRPr>
+                    </a:p>
+                    <a:p>
+                      <a:pPr marL="457200" indent="-228600">
+                        <a:lnSpc>
+                          <a:spcPct val="114000"/>
+                        </a:lnSpc>
+                        <a:spcAft>
+                          <a:spcPts val="800"/>
+                        </a:spcAft>
+                        <a:buFont typeface="Arial" panose="020B0604020202020204" pitchFamily="34" charset="0"/>
+                        <a:buChar char="•"/>
+                      </a:pPr>
+                      <a:r>
+                        <a:rPr lang="de-DE" sz="1600" dirty="0">
+                          <a:solidFill>
+                            <a:srgbClr val="000000"/>
+                          </a:solidFill>
+                          <a:effectLst/>
+                          <a:latin typeface="Calibri" panose="020F0502020204030204" pitchFamily="34" charset="0"/>
+                        </a:rPr>
+                        <a:t>nehmen zu ausgewählten aktuellen Einsatzmöglichkeiten der Künstlichen Intelligenz Stellung, beurteilen (mithilfe fachlicher Kriterien) und bewerten (unter Berücksichtigung gesellschaftlicher Werte und Normen) Chancen und Risiken für Individuum und Gesellschaft.</a:t>
+                      </a:r>
+                      <a:endParaRPr lang="de-DE" sz="3200" dirty="0">
+                        <a:effectLst/>
+                      </a:endParaRPr>
+                    </a:p>
+                    <a:p>
+                      <a:pPr algn="just">
+                        <a:spcBef>
+                          <a:spcPts val="600"/>
+                        </a:spcBef>
+                        <a:spcAft>
+                          <a:spcPts val="600"/>
+                        </a:spcAft>
+                        <a:buNone/>
+                      </a:pPr>
+                      <a:r>
+                        <a:rPr lang="de-DE" sz="1600" b="1" dirty="0">
+                          <a:solidFill>
+                            <a:srgbClr val="000000"/>
+                          </a:solidFill>
+                          <a:effectLst/>
+                          <a:latin typeface="Calibri" panose="020F0502020204030204" pitchFamily="34" charset="0"/>
+                        </a:rPr>
+                        <a:t>Inhalte </a:t>
+                      </a:r>
+                      <a:endParaRPr lang="de-DE" sz="3200" dirty="0">
+                        <a:effectLst/>
+                      </a:endParaRPr>
+                    </a:p>
+                    <a:p>
+                      <a:pPr marL="457200" indent="-228600">
+                        <a:lnSpc>
+                          <a:spcPct val="114000"/>
+                        </a:lnSpc>
+                        <a:spcAft>
+                          <a:spcPts val="800"/>
+                        </a:spcAft>
+                        <a:buFont typeface="Arial" panose="020B0604020202020204" pitchFamily="34" charset="0"/>
+                        <a:buChar char="•"/>
+                      </a:pPr>
+                      <a:r>
+                        <a:rPr lang="de-DE" sz="1600" dirty="0">
+                          <a:solidFill>
+                            <a:srgbClr val="000000"/>
+                          </a:solidFill>
+                          <a:effectLst/>
+                          <a:latin typeface="Calibri" panose="020F0502020204030204" pitchFamily="34" charset="0"/>
+                        </a:rPr>
+                        <a:t>starke und schwache KI, Teilbereiche maschinellen Lernens (überwacht, unüberwacht, bestärkend)</a:t>
+                      </a:r>
+                      <a:endParaRPr lang="de-DE" sz="3200" dirty="0">
+                        <a:effectLst/>
+                      </a:endParaRPr>
+                    </a:p>
+                    <a:p>
+                      <a:pPr marL="457200" indent="-228600">
+                        <a:lnSpc>
+                          <a:spcPct val="114000"/>
+                        </a:lnSpc>
+                        <a:spcAft>
+                          <a:spcPts val="800"/>
+                        </a:spcAft>
+                        <a:buFont typeface="Arial" panose="020B0604020202020204" pitchFamily="34" charset="0"/>
+                        <a:buChar char="•"/>
+                      </a:pPr>
+                      <a:r>
+                        <a:rPr lang="de-DE" sz="1600" dirty="0">
+                          <a:solidFill>
+                            <a:srgbClr val="000000"/>
+                          </a:solidFill>
+                          <a:effectLst/>
+                          <a:latin typeface="Calibri" panose="020F0502020204030204" pitchFamily="34" charset="0"/>
+                        </a:rPr>
+                        <a:t>Aufbau effektiver und strukturierter Prompts</a:t>
+                      </a:r>
+                      <a:endParaRPr lang="de-DE" sz="3200" dirty="0">
+                        <a:effectLst/>
+                      </a:endParaRPr>
+                    </a:p>
+                    <a:p>
+                      <a:pPr marL="457200" indent="-228600">
+                        <a:lnSpc>
+                          <a:spcPct val="114000"/>
+                        </a:lnSpc>
+                        <a:spcAft>
+                          <a:spcPts val="800"/>
+                        </a:spcAft>
+                        <a:buFont typeface="Arial" panose="020B0604020202020204" pitchFamily="34" charset="0"/>
+                        <a:buChar char="•"/>
+                      </a:pPr>
+                      <a:r>
+                        <a:rPr lang="de-DE" sz="1600" dirty="0">
+                          <a:solidFill>
+                            <a:srgbClr val="000000"/>
+                          </a:solidFill>
+                          <a:effectLst/>
+                          <a:latin typeface="Calibri" panose="020F0502020204030204" pitchFamily="34" charset="0"/>
+                        </a:rPr>
+                        <a:t>Grenzen (z. B. Halluzinationen, Aktualität bzw. Umfang der Trainingsdaten, Bias)</a:t>
+                      </a:r>
+                      <a:endParaRPr lang="de-DE" sz="3200" dirty="0">
+                        <a:effectLst/>
+                      </a:endParaRPr>
+                    </a:p>
+                    <a:p>
+                      <a:pPr marL="457200" indent="-228600">
+                        <a:lnSpc>
+                          <a:spcPct val="114000"/>
+                        </a:lnSpc>
+                        <a:spcAft>
+                          <a:spcPts val="800"/>
+                        </a:spcAft>
+                        <a:buFont typeface="Arial" panose="020B0604020202020204" pitchFamily="34" charset="0"/>
+                        <a:buChar char="•"/>
+                      </a:pPr>
+                      <a:r>
+                        <a:rPr lang="de-DE" sz="1600" dirty="0">
+                          <a:solidFill>
+                            <a:srgbClr val="000000"/>
+                          </a:solidFill>
+                          <a:effectLst/>
+                          <a:latin typeface="Calibri" panose="020F0502020204030204" pitchFamily="34" charset="0"/>
+                        </a:rPr>
+                        <a:t>weitere Nutzungsszenarien der generativen KI (z. B. Bild, Ton), Chancen, Risiken und Herausforderungen in Bezug auf technische (z. B. Zuverlässigkeit, Prognosen, Entscheidungsfindung) und gesellschaftliche (z. B. Personalisierung, Transparenz, Fairness, Gesetzgebung, Urheberrecht) Aspekte</a:t>
+                      </a:r>
+                      <a:endParaRPr lang="de-DE" sz="3200" dirty="0">
+                        <a:effectLst/>
+                      </a:endParaRPr>
+                    </a:p>
+                  </a:txBody>
+                  <a:tcPr marL="52362" marR="52362" marT="0" marB="0" anchor="ctr">
+                    <a:lnL w="6350" cap="flat" cmpd="sng" algn="ctr">
+                      <a:solidFill>
+                        <a:srgbClr val="000000"/>
+                      </a:solidFill>
+                      <a:prstDash val="solid"/>
+                      <a:round/>
+                      <a:headEnd type="none" w="med" len="med"/>
+                      <a:tailEnd type="none" w="med" len="med"/>
+                    </a:lnL>
+                    <a:lnR w="6350" cap="flat" cmpd="sng" algn="ctr">
+                      <a:solidFill>
+                        <a:srgbClr val="000000"/>
+                      </a:solidFill>
+                      <a:prstDash val="solid"/>
+                      <a:round/>
+                      <a:headEnd type="none" w="med" len="med"/>
+                      <a:tailEnd type="none" w="med" len="med"/>
+                    </a:lnR>
+                    <a:lnT w="6350" cap="flat" cmpd="sng" algn="ctr">
+                      <a:solidFill>
+                        <a:srgbClr val="000000"/>
+                      </a:solidFill>
+                      <a:prstDash val="solid"/>
+                      <a:round/>
+                      <a:headEnd type="none" w="med" len="med"/>
+                      <a:tailEnd type="none" w="med" len="med"/>
+                    </a:lnT>
+                    <a:lnB w="6350" cap="flat" cmpd="sng" algn="ctr">
+                      <a:solidFill>
+                        <a:srgbClr val="000000"/>
+                      </a:solidFill>
+                      <a:prstDash val="solid"/>
+                      <a:round/>
+                      <a:headEnd type="none" w="med" len="med"/>
+                      <a:tailEnd type="none" w="med" len="med"/>
+                    </a:lnB>
+                    <a:noFill/>
+                  </a:tcPr>
+                </a:tc>
+                <a:extLst>
+                  <a:ext uri="{0D108BD9-81ED-4DB2-BD59-A6C34878D82A}">
+                    <a16:rowId xmlns:a16="http://schemas.microsoft.com/office/drawing/2014/main" val="2996171812"/>
+                  </a:ext>
+                </a:extLst>
+              </a:tr>
+            </a:tbl>
+          </a:graphicData>
+        </a:graphic>
+      </p:graphicFrame>
+    </p:spTree>
+    <p:extLst>
+      <p:ext uri="{BB962C8B-B14F-4D97-AF65-F5344CB8AC3E}">
+        <p14:creationId xmlns:p14="http://schemas.microsoft.com/office/powerpoint/2010/main" val="2257372927"/>
+      </p:ext>
+    </p:extLst>
+  </p:cSld>
+  <p:clrMapOvr>
+    <a:masterClrMapping/>
+  </p:clrMapOvr>
+</p:sld>
+</file>
+
+<file path=ppt/slides/slide7.xml><?xml version="1.0" encoding="utf-8"?>
 <p:sld xmlns:a="http://schemas.openxmlformats.org/drawingml/2006/main" xmlns:r="http://schemas.openxmlformats.org/officeDocument/2006/relationships" xmlns:p="http://schemas.openxmlformats.org/presentationml/2006/main">
   <p:cSld>
     <p:spTree>
@@ -10770,6 +15012,35 @@
 </file>
 
 <file path=customXml/item1.xml><?xml version="1.0" encoding="utf-8"?>
+<?mso-contentType ?>
+<FormTemplates xmlns="http://schemas.microsoft.com/sharepoint/v3/contenttype/forms">
+  <Display>DocumentLibraryForm</Display>
+  <Edit>DocumentLibraryForm</Edit>
+  <New>DocumentLibraryForm</New>
+</FormTemplates>
+</file>
+
+<file path=customXml/item2.xml><?xml version="1.0" encoding="utf-8"?>
+<p:properties xmlns:p="http://schemas.microsoft.com/office/2006/metadata/properties" xmlns:xsi="http://www.w3.org/2001/XMLSchema-instance" xmlns:pc="http://schemas.microsoft.com/office/infopath/2007/PartnerControls">
+  <documentManagement>
+    <Background xmlns="71af3243-3dd4-4a8d-8c0d-dd76da1f02a5">false</Background>
+    <Status xmlns="71af3243-3dd4-4a8d-8c0d-dd76da1f02a5">Not started</Status>
+    <_ip_UnifiedCompliancePolicyUIAction xmlns="http://schemas.microsoft.com/sharepoint/v3" xsi:nil="true"/>
+    <Image xmlns="71af3243-3dd4-4a8d-8c0d-dd76da1f02a5">
+      <Url xsi:nil="true"/>
+      <Description xsi:nil="true"/>
+    </Image>
+    <_ip_UnifiedCompliancePolicyProperties xmlns="http://schemas.microsoft.com/sharepoint/v3" xsi:nil="true"/>
+    <ImageTagsTaxHTField xmlns="71af3243-3dd4-4a8d-8c0d-dd76da1f02a5">
+      <Terms xmlns="http://schemas.microsoft.com/office/infopath/2007/PartnerControls"/>
+    </ImageTagsTaxHTField>
+    <TaxCatchAll xmlns="230e9df3-be65-4c73-a93b-d1236ebd677e" xsi:nil="true"/>
+    <MediaServiceKeyPoints xmlns="71af3243-3dd4-4a8d-8c0d-dd76da1f02a5" xsi:nil="true"/>
+  </documentManagement>
+</p:properties>
+</file>
+
+<file path=customXml/item3.xml><?xml version="1.0" encoding="utf-8"?>
 <ct:contentTypeSchema xmlns:ct="http://schemas.microsoft.com/office/2006/metadata/contentType" xmlns:ma="http://schemas.microsoft.com/office/2006/metadata/properties/metaAttributes" ct:_="" ma:_="" ma:contentTypeName="Document" ma:contentTypeID="0x01010079F111ED35F8CC479449609E8A0923A6" ma:contentTypeVersion="28" ma:contentTypeDescription="Create a new document." ma:contentTypeScope="" ma:versionID="60f5a4f2d2b0abadcf532d48ebf9cb71">
   <xsd:schema xmlns:xsd="http://www.w3.org/2001/XMLSchema" xmlns:xs="http://www.w3.org/2001/XMLSchema" xmlns:p="http://schemas.microsoft.com/office/2006/metadata/properties" xmlns:ns1="http://schemas.microsoft.com/sharepoint/v3" xmlns:ns2="71af3243-3dd4-4a8d-8c0d-dd76da1f02a5" xmlns:ns3="16c05727-aa75-4e4a-9b5f-8a80a1165891" xmlns:ns4="230e9df3-be65-4c73-a93b-d1236ebd677e" targetNamespace="http://schemas.microsoft.com/office/2006/metadata/properties" ma:root="true" ma:fieldsID="7dd78129e6a1811f84807ad11c651531" ns1:_="" ns2:_="" ns3:_="" ns4:_="">
     <xsd:import namespace="http://schemas.microsoft.com/sharepoint/v3"/>
@@ -11081,52 +15352,10 @@
 </ct:contentTypeSchema>
 </file>
 
-<file path=customXml/item2.xml><?xml version="1.0" encoding="utf-8"?>
-<p:properties xmlns:p="http://schemas.microsoft.com/office/2006/metadata/properties" xmlns:xsi="http://www.w3.org/2001/XMLSchema-instance" xmlns:pc="http://schemas.microsoft.com/office/infopath/2007/PartnerControls">
-  <documentManagement>
-    <Background xmlns="71af3243-3dd4-4a8d-8c0d-dd76da1f02a5">false</Background>
-    <Status xmlns="71af3243-3dd4-4a8d-8c0d-dd76da1f02a5">Not started</Status>
-    <_ip_UnifiedCompliancePolicyUIAction xmlns="http://schemas.microsoft.com/sharepoint/v3" xsi:nil="true"/>
-    <Image xmlns="71af3243-3dd4-4a8d-8c0d-dd76da1f02a5">
-      <Url xsi:nil="true"/>
-      <Description xsi:nil="true"/>
-    </Image>
-    <_ip_UnifiedCompliancePolicyProperties xmlns="http://schemas.microsoft.com/sharepoint/v3" xsi:nil="true"/>
-    <ImageTagsTaxHTField xmlns="71af3243-3dd4-4a8d-8c0d-dd76da1f02a5">
-      <Terms xmlns="http://schemas.microsoft.com/office/infopath/2007/PartnerControls"/>
-    </ImageTagsTaxHTField>
-    <TaxCatchAll xmlns="230e9df3-be65-4c73-a93b-d1236ebd677e" xsi:nil="true"/>
-    <MediaServiceKeyPoints xmlns="71af3243-3dd4-4a8d-8c0d-dd76da1f02a5" xsi:nil="true"/>
-  </documentManagement>
-</p:properties>
-</file>
-
-<file path=customXml/item3.xml><?xml version="1.0" encoding="utf-8"?>
-<?mso-contentType ?>
-<FormTemplates xmlns="http://schemas.microsoft.com/sharepoint/v3/contenttype/forms">
-  <Display>DocumentLibraryForm</Display>
-  <Edit>DocumentLibraryForm</Edit>
-  <New>DocumentLibraryForm</New>
-</FormTemplates>
-</file>
-
 <file path=customXml/itemProps1.xml><?xml version="1.0" encoding="utf-8"?>
-<ds:datastoreItem xmlns:ds="http://schemas.openxmlformats.org/officeDocument/2006/customXml" ds:itemID="{92DB9E12-8AC3-4138-BF4D-720A5525AB10}">
+<ds:datastoreItem xmlns:ds="http://schemas.openxmlformats.org/officeDocument/2006/customXml" ds:itemID="{C21FFAC0-05A2-416A-B06C-C248395482CF}">
   <ds:schemaRefs>
-    <ds:schemaRef ds:uri="http://schemas.microsoft.com/office/2006/metadata/contentType"/>
-    <ds:schemaRef ds:uri="http://schemas.microsoft.com/office/2006/metadata/properties/metaAttributes"/>
-    <ds:schemaRef ds:uri="http://www.w3.org/2001/XMLSchema"/>
-    <ds:schemaRef ds:uri="http://schemas.microsoft.com/office/2006/metadata/properties"/>
-    <ds:schemaRef ds:uri="http://schemas.microsoft.com/sharepoint/v3"/>
-    <ds:schemaRef ds:uri="71af3243-3dd4-4a8d-8c0d-dd76da1f02a5"/>
-    <ds:schemaRef ds:uri="16c05727-aa75-4e4a-9b5f-8a80a1165891"/>
-    <ds:schemaRef ds:uri="230e9df3-be65-4c73-a93b-d1236ebd677e"/>
-    <ds:schemaRef ds:uri="http://schemas.microsoft.com/office/2006/documentManagement/types"/>
-    <ds:schemaRef ds:uri="http://schemas.microsoft.com/office/infopath/2007/PartnerControls"/>
-    <ds:schemaRef ds:uri="http://schemas.openxmlformats.org/package/2006/metadata/core-properties"/>
-    <ds:schemaRef ds:uri="http://purl.org/dc/elements/1.1/"/>
-    <ds:schemaRef ds:uri="http://purl.org/dc/terms/"/>
-    <ds:schemaRef ds:uri="http://schemas.microsoft.com/internal/obd"/>
+    <ds:schemaRef ds:uri="http://schemas.microsoft.com/sharepoint/v3/contenttype/forms"/>
   </ds:schemaRefs>
 </ds:datastoreItem>
 </file>
@@ -11151,9 +15380,22 @@
 </file>
 
 <file path=customXml/itemProps3.xml><?xml version="1.0" encoding="utf-8"?>
-<ds:datastoreItem xmlns:ds="http://schemas.openxmlformats.org/officeDocument/2006/customXml" ds:itemID="{C21FFAC0-05A2-416A-B06C-C248395482CF}">
+<ds:datastoreItem xmlns:ds="http://schemas.openxmlformats.org/officeDocument/2006/customXml" ds:itemID="{92DB9E12-8AC3-4138-BF4D-720A5525AB10}">
   <ds:schemaRefs>
-    <ds:schemaRef ds:uri="http://schemas.microsoft.com/sharepoint/v3/contenttype/forms"/>
+    <ds:schemaRef ds:uri="http://schemas.microsoft.com/office/2006/metadata/contentType"/>
+    <ds:schemaRef ds:uri="http://schemas.microsoft.com/office/2006/metadata/properties/metaAttributes"/>
+    <ds:schemaRef ds:uri="http://www.w3.org/2001/XMLSchema"/>
+    <ds:schemaRef ds:uri="http://schemas.microsoft.com/office/2006/metadata/properties"/>
+    <ds:schemaRef ds:uri="http://schemas.microsoft.com/sharepoint/v3"/>
+    <ds:schemaRef ds:uri="71af3243-3dd4-4a8d-8c0d-dd76da1f02a5"/>
+    <ds:schemaRef ds:uri="16c05727-aa75-4e4a-9b5f-8a80a1165891"/>
+    <ds:schemaRef ds:uri="230e9df3-be65-4c73-a93b-d1236ebd677e"/>
+    <ds:schemaRef ds:uri="http://schemas.microsoft.com/office/2006/documentManagement/types"/>
+    <ds:schemaRef ds:uri="http://schemas.microsoft.com/office/infopath/2007/PartnerControls"/>
+    <ds:schemaRef ds:uri="http://schemas.openxmlformats.org/package/2006/metadata/core-properties"/>
+    <ds:schemaRef ds:uri="http://purl.org/dc/elements/1.1/"/>
+    <ds:schemaRef ds:uri="http://purl.org/dc/terms/"/>
+    <ds:schemaRef ds:uri="http://schemas.microsoft.com/internal/obd"/>
   </ds:schemaRefs>
 </ds:datastoreItem>
 </file>

--- a/Praesentation/MB-Veranstaltung_Sprachmodelle_0.1.pptx
+++ b/Praesentation/MB-Veranstaltung_Sprachmodelle_0.1.pptx
@@ -5,10 +5,10 @@
     <p:sldMasterId id="2147483658" r:id="rId4"/>
   </p:sldMasterIdLst>
   <p:notesMasterIdLst>
-    <p:notesMasterId r:id="rId12"/>
+    <p:notesMasterId r:id="rId14"/>
   </p:notesMasterIdLst>
   <p:handoutMasterIdLst>
-    <p:handoutMasterId r:id="rId13"/>
+    <p:handoutMasterId r:id="rId15"/>
   </p:handoutMasterIdLst>
   <p:sldIdLst>
     <p:sldId id="410" r:id="rId5"/>
@@ -17,7 +17,9 @@
     <p:sldId id="412" r:id="rId8"/>
     <p:sldId id="413" r:id="rId9"/>
     <p:sldId id="414" r:id="rId10"/>
-    <p:sldId id="398" r:id="rId11"/>
+    <p:sldId id="415" r:id="rId11"/>
+    <p:sldId id="416" r:id="rId12"/>
+    <p:sldId id="398" r:id="rId13"/>
   </p:sldIdLst>
   <p:sldSz cx="12192000" cy="6858000"/>
   <p:notesSz cx="6858000" cy="9144000"/>
@@ -1341,6 +1343,224 @@
   <p:cSld>
     <p:spTree>
       <p:nvGrpSpPr>
+        <p:cNvPr id="1" name="">
+          <a:extLst>
+            <a:ext uri="{FF2B5EF4-FFF2-40B4-BE49-F238E27FC236}">
+              <a16:creationId xmlns:a16="http://schemas.microsoft.com/office/drawing/2014/main" id="{6CA5F9D3-CA87-42C6-D630-40213C6D8EA5}"/>
+            </a:ext>
+          </a:extLst>
+        </p:cNvPr>
+        <p:cNvGrpSpPr/>
+        <p:nvPr/>
+      </p:nvGrpSpPr>
+      <p:grpSpPr>
+        <a:xfrm>
+          <a:off x="0" y="0"/>
+          <a:ext cx="0" cy="0"/>
+          <a:chOff x="0" y="0"/>
+          <a:chExt cx="0" cy="0"/>
+        </a:xfrm>
+      </p:grpSpPr>
+      <p:sp>
+        <p:nvSpPr>
+          <p:cNvPr id="2" name="Folienbildplatzhalter 1">
+            <a:extLst>
+              <a:ext uri="{FF2B5EF4-FFF2-40B4-BE49-F238E27FC236}">
+                <a16:creationId xmlns:a16="http://schemas.microsoft.com/office/drawing/2014/main" id="{D232263B-B386-26E9-EC37-F29AE1C7DB0E}"/>
+              </a:ext>
+            </a:extLst>
+          </p:cNvPr>
+          <p:cNvSpPr>
+            <a:spLocks noGrp="1" noRot="1" noChangeAspect="1"/>
+          </p:cNvSpPr>
+          <p:nvPr>
+            <p:ph type="sldImg"/>
+          </p:nvPr>
+        </p:nvSpPr>
+        <p:spPr/>
+      </p:sp>
+      <p:sp>
+        <p:nvSpPr>
+          <p:cNvPr id="3" name="Notizenplatzhalter 2">
+            <a:extLst>
+              <a:ext uri="{FF2B5EF4-FFF2-40B4-BE49-F238E27FC236}">
+                <a16:creationId xmlns:a16="http://schemas.microsoft.com/office/drawing/2014/main" id="{424B02D5-8EDB-A875-81BA-C8999C9805A7}"/>
+              </a:ext>
+            </a:extLst>
+          </p:cNvPr>
+          <p:cNvSpPr>
+            <a:spLocks noGrp="1"/>
+          </p:cNvSpPr>
+          <p:nvPr>
+            <p:ph type="body" idx="1"/>
+          </p:nvPr>
+        </p:nvSpPr>
+        <p:spPr/>
+        <p:txBody>
+          <a:bodyPr/>
+          <a:lstStyle/>
+          <a:p>
+            <a:endParaRPr lang="de-DE" dirty="0"/>
+          </a:p>
+        </p:txBody>
+      </p:sp>
+      <p:sp>
+        <p:nvSpPr>
+          <p:cNvPr id="4" name="Foliennummernplatzhalter 3">
+            <a:extLst>
+              <a:ext uri="{FF2B5EF4-FFF2-40B4-BE49-F238E27FC236}">
+                <a16:creationId xmlns:a16="http://schemas.microsoft.com/office/drawing/2014/main" id="{0AF8E69A-6BF7-58BC-9662-1051626D08AC}"/>
+              </a:ext>
+            </a:extLst>
+          </p:cNvPr>
+          <p:cNvSpPr>
+            <a:spLocks noGrp="1"/>
+          </p:cNvSpPr>
+          <p:nvPr>
+            <p:ph type="sldNum" sz="quarter" idx="5"/>
+          </p:nvPr>
+        </p:nvSpPr>
+        <p:spPr/>
+        <p:txBody>
+          <a:bodyPr/>
+          <a:lstStyle/>
+          <a:p>
+            <a:pPr rtl="0"/>
+            <a:fld id="{A89C7E07-3C67-C64C-8DA0-0404F6303970}" type="slidenum">
+              <a:rPr lang="de-DE" smtClean="0"/>
+              <a:t>7</a:t>
+            </a:fld>
+            <a:endParaRPr lang="de-DE" dirty="0"/>
+          </a:p>
+        </p:txBody>
+      </p:sp>
+    </p:spTree>
+    <p:extLst>
+      <p:ext uri="{BB962C8B-B14F-4D97-AF65-F5344CB8AC3E}">
+        <p14:creationId xmlns:p14="http://schemas.microsoft.com/office/powerpoint/2010/main" val="68440800"/>
+      </p:ext>
+    </p:extLst>
+  </p:cSld>
+  <p:clrMapOvr>
+    <a:masterClrMapping/>
+  </p:clrMapOvr>
+</p:notes>
+</file>
+
+<file path=ppt/notesSlides/notesSlide8.xml><?xml version="1.0" encoding="utf-8"?>
+<p:notes xmlns:a="http://schemas.openxmlformats.org/drawingml/2006/main" xmlns:r="http://schemas.openxmlformats.org/officeDocument/2006/relationships" xmlns:p="http://schemas.openxmlformats.org/presentationml/2006/main">
+  <p:cSld>
+    <p:spTree>
+      <p:nvGrpSpPr>
+        <p:cNvPr id="1" name="">
+          <a:extLst>
+            <a:ext uri="{FF2B5EF4-FFF2-40B4-BE49-F238E27FC236}">
+              <a16:creationId xmlns:a16="http://schemas.microsoft.com/office/drawing/2014/main" id="{A854BA11-2ED0-3296-8C6F-A7E1DB9216FC}"/>
+            </a:ext>
+          </a:extLst>
+        </p:cNvPr>
+        <p:cNvGrpSpPr/>
+        <p:nvPr/>
+      </p:nvGrpSpPr>
+      <p:grpSpPr>
+        <a:xfrm>
+          <a:off x="0" y="0"/>
+          <a:ext cx="0" cy="0"/>
+          <a:chOff x="0" y="0"/>
+          <a:chExt cx="0" cy="0"/>
+        </a:xfrm>
+      </p:grpSpPr>
+      <p:sp>
+        <p:nvSpPr>
+          <p:cNvPr id="2" name="Folienbildplatzhalter 1">
+            <a:extLst>
+              <a:ext uri="{FF2B5EF4-FFF2-40B4-BE49-F238E27FC236}">
+                <a16:creationId xmlns:a16="http://schemas.microsoft.com/office/drawing/2014/main" id="{EF49791C-0DAE-1C96-005C-24B34165BA33}"/>
+              </a:ext>
+            </a:extLst>
+          </p:cNvPr>
+          <p:cNvSpPr>
+            <a:spLocks noGrp="1" noRot="1" noChangeAspect="1"/>
+          </p:cNvSpPr>
+          <p:nvPr>
+            <p:ph type="sldImg"/>
+          </p:nvPr>
+        </p:nvSpPr>
+        <p:spPr/>
+      </p:sp>
+      <p:sp>
+        <p:nvSpPr>
+          <p:cNvPr id="3" name="Notizenplatzhalter 2">
+            <a:extLst>
+              <a:ext uri="{FF2B5EF4-FFF2-40B4-BE49-F238E27FC236}">
+                <a16:creationId xmlns:a16="http://schemas.microsoft.com/office/drawing/2014/main" id="{5FC55634-B1CA-9EEF-92DC-8971478D2EDA}"/>
+              </a:ext>
+            </a:extLst>
+          </p:cNvPr>
+          <p:cNvSpPr>
+            <a:spLocks noGrp="1"/>
+          </p:cNvSpPr>
+          <p:nvPr>
+            <p:ph type="body" idx="1"/>
+          </p:nvPr>
+        </p:nvSpPr>
+        <p:spPr/>
+        <p:txBody>
+          <a:bodyPr/>
+          <a:lstStyle/>
+          <a:p>
+            <a:endParaRPr lang="de-DE" dirty="0"/>
+          </a:p>
+        </p:txBody>
+      </p:sp>
+      <p:sp>
+        <p:nvSpPr>
+          <p:cNvPr id="4" name="Foliennummernplatzhalter 3">
+            <a:extLst>
+              <a:ext uri="{FF2B5EF4-FFF2-40B4-BE49-F238E27FC236}">
+                <a16:creationId xmlns:a16="http://schemas.microsoft.com/office/drawing/2014/main" id="{CEECAAB0-EDF0-AF49-CF83-4CB17F6051C1}"/>
+              </a:ext>
+            </a:extLst>
+          </p:cNvPr>
+          <p:cNvSpPr>
+            <a:spLocks noGrp="1"/>
+          </p:cNvSpPr>
+          <p:nvPr>
+            <p:ph type="sldNum" sz="quarter" idx="5"/>
+          </p:nvPr>
+        </p:nvSpPr>
+        <p:spPr/>
+        <p:txBody>
+          <a:bodyPr/>
+          <a:lstStyle/>
+          <a:p>
+            <a:pPr rtl="0"/>
+            <a:fld id="{A89C7E07-3C67-C64C-8DA0-0404F6303970}" type="slidenum">
+              <a:rPr lang="de-DE" smtClean="0"/>
+              <a:t>8</a:t>
+            </a:fld>
+            <a:endParaRPr lang="de-DE" dirty="0"/>
+          </a:p>
+        </p:txBody>
+      </p:sp>
+    </p:spTree>
+    <p:extLst>
+      <p:ext uri="{BB962C8B-B14F-4D97-AF65-F5344CB8AC3E}">
+        <p14:creationId xmlns:p14="http://schemas.microsoft.com/office/powerpoint/2010/main" val="752516510"/>
+      </p:ext>
+    </p:extLst>
+  </p:cSld>
+  <p:clrMapOvr>
+    <a:masterClrMapping/>
+  </p:clrMapOvr>
+</p:notes>
+</file>
+
+<file path=ppt/notesSlides/notesSlide9.xml><?xml version="1.0" encoding="utf-8"?>
+<p:notes xmlns:a="http://schemas.openxmlformats.org/drawingml/2006/main" xmlns:r="http://schemas.openxmlformats.org/officeDocument/2006/relationships" xmlns:p="http://schemas.openxmlformats.org/presentationml/2006/main">
+  <p:cSld>
+    <p:spTree>
+      <p:nvGrpSpPr>
         <p:cNvPr id="1" name=""/>
         <p:cNvGrpSpPr/>
         <p:nvPr/>
@@ -1411,7 +1631,7 @@
             <a:pPr rtl="0"/>
             <a:fld id="{A89C7E07-3C67-C64C-8DA0-0404F6303970}" type="slidenum">
               <a:rPr lang="de-DE" smtClean="0"/>
-              <a:t>7</a:t>
+              <a:t>9</a:t>
             </a:fld>
             <a:endParaRPr lang="de-DE" dirty="0"/>
           </a:p>
@@ -11818,7 +12038,7 @@
     <p:bldLst>
       <p:bldP spid="9" grpId="0" animBg="1"/>
       <p:bldP spid="10" grpId="0" animBg="1"/>
-      <p:bldP spid="11" grpId="0"/>
+      <p:bldP spid="11" grpId="0" animBg="1"/>
     </p:bldLst>
   </p:timing>
 </p:sld>
@@ -13604,7 +13824,7 @@
       <p:bldP spid="9" grpId="0" animBg="1"/>
       <p:bldP spid="3" grpId="0" animBg="1"/>
       <p:bldP spid="5" grpId="0" animBg="1"/>
-      <p:bldP spid="6" grpId="0"/>
+      <p:bldP spid="6" grpId="0" animBg="1"/>
     </p:bldLst>
   </p:timing>
 </p:sld>
@@ -14108,6 +14328,1434 @@
 </file>
 
 <file path=ppt/slides/slide7.xml><?xml version="1.0" encoding="utf-8"?>
+<p:sld xmlns:a="http://schemas.openxmlformats.org/drawingml/2006/main" xmlns:r="http://schemas.openxmlformats.org/officeDocument/2006/relationships" xmlns:p="http://schemas.openxmlformats.org/presentationml/2006/main">
+  <p:cSld>
+    <p:spTree>
+      <p:nvGrpSpPr>
+        <p:cNvPr id="1" name="">
+          <a:extLst>
+            <a:ext uri="{FF2B5EF4-FFF2-40B4-BE49-F238E27FC236}">
+              <a16:creationId xmlns:a16="http://schemas.microsoft.com/office/drawing/2014/main" id="{15DC26FD-66DB-7B8F-D276-267EE8AF947B}"/>
+            </a:ext>
+          </a:extLst>
+        </p:cNvPr>
+        <p:cNvGrpSpPr/>
+        <p:nvPr/>
+      </p:nvGrpSpPr>
+      <p:grpSpPr>
+        <a:xfrm>
+          <a:off x="0" y="0"/>
+          <a:ext cx="0" cy="0"/>
+          <a:chOff x="0" y="0"/>
+          <a:chExt cx="0" cy="0"/>
+        </a:xfrm>
+      </p:grpSpPr>
+      <p:sp>
+        <p:nvSpPr>
+          <p:cNvPr id="2" name="Titel 1">
+            <a:extLst>
+              <a:ext uri="{FF2B5EF4-FFF2-40B4-BE49-F238E27FC236}">
+                <a16:creationId xmlns:a16="http://schemas.microsoft.com/office/drawing/2014/main" id="{5E3F2DAB-012C-3EA9-D6F3-C78B913B4E76}"/>
+              </a:ext>
+            </a:extLst>
+          </p:cNvPr>
+          <p:cNvSpPr>
+            <a:spLocks noGrp="1"/>
+          </p:cNvSpPr>
+          <p:nvPr>
+            <p:ph type="title"/>
+          </p:nvPr>
+        </p:nvSpPr>
+        <p:spPr>
+          <a:xfrm>
+            <a:off x="432314" y="227903"/>
+            <a:ext cx="10873740" cy="1253656"/>
+          </a:xfrm>
+        </p:spPr>
+        <p:txBody>
+          <a:bodyPr/>
+          <a:lstStyle/>
+          <a:p>
+            <a:r>
+              <a:rPr lang="de-DE" dirty="0"/>
+              <a:t>Auslegung des Lehrplans zum Umgang mit Sprachmodellen</a:t>
+            </a:r>
+          </a:p>
+        </p:txBody>
+      </p:sp>
+      <p:sp>
+        <p:nvSpPr>
+          <p:cNvPr id="5" name="Textfeld 4">
+            <a:extLst>
+              <a:ext uri="{FF2B5EF4-FFF2-40B4-BE49-F238E27FC236}">
+                <a16:creationId xmlns:a16="http://schemas.microsoft.com/office/drawing/2014/main" id="{70C425E4-F485-530F-07A8-71384DB1474C}"/>
+              </a:ext>
+            </a:extLst>
+          </p:cNvPr>
+          <p:cNvSpPr txBox="1"/>
+          <p:nvPr/>
+        </p:nvSpPr>
+        <p:spPr>
+          <a:xfrm>
+            <a:off x="1068247" y="2017448"/>
+            <a:ext cx="10703206" cy="2910605"/>
+          </a:xfrm>
+          <a:prstGeom prst="rect">
+            <a:avLst/>
+          </a:prstGeom>
+          <a:noFill/>
+        </p:spPr>
+        <p:txBody>
+          <a:bodyPr wrap="square">
+            <a:spAutoFit/>
+          </a:bodyPr>
+          <a:lstStyle/>
+          <a:p>
+            <a:pPr algn="just">
+              <a:spcAft>
+                <a:spcPts val="1200"/>
+              </a:spcAft>
+              <a:buNone/>
+            </a:pPr>
+            <a:r>
+              <a:rPr lang="de-DE" sz="1800" b="1" dirty="0">
+                <a:solidFill>
+                  <a:srgbClr val="000000"/>
+                </a:solidFill>
+                <a:effectLst/>
+                <a:latin typeface="Calibri" panose="020F0502020204030204" pitchFamily="34" charset="0"/>
+              </a:rPr>
+              <a:t>Kompetenzerwartungen</a:t>
+            </a:r>
+            <a:endParaRPr lang="de-DE" sz="3600" dirty="0">
+              <a:effectLst/>
+            </a:endParaRPr>
+          </a:p>
+          <a:p>
+            <a:pPr algn="just">
+              <a:spcBef>
+                <a:spcPts val="500"/>
+              </a:spcBef>
+              <a:spcAft>
+                <a:spcPts val="500"/>
+              </a:spcAft>
+              <a:buNone/>
+            </a:pPr>
+            <a:r>
+              <a:rPr lang="de-DE" sz="1800" dirty="0">
+                <a:solidFill>
+                  <a:srgbClr val="000000"/>
+                </a:solidFill>
+                <a:effectLst/>
+                <a:latin typeface="Calibri" panose="020F0502020204030204" pitchFamily="34" charset="0"/>
+              </a:rPr>
+              <a:t>Die Schülerinnen und Schüler …</a:t>
+            </a:r>
+            <a:endParaRPr lang="de-DE" sz="3600" dirty="0">
+              <a:effectLst/>
+            </a:endParaRPr>
+          </a:p>
+          <a:p>
+            <a:pPr marL="457200" indent="-228600">
+              <a:lnSpc>
+                <a:spcPct val="114000"/>
+              </a:lnSpc>
+              <a:spcAft>
+                <a:spcPts val="800"/>
+              </a:spcAft>
+              <a:buFont typeface="Arial" panose="020B0604020202020204" pitchFamily="34" charset="0"/>
+              <a:buChar char="•"/>
+            </a:pPr>
+            <a:r>
+              <a:rPr lang="de-DE" sz="1800" dirty="0">
+                <a:solidFill>
+                  <a:srgbClr val="000000"/>
+                </a:solidFill>
+                <a:effectLst/>
+                <a:latin typeface="Calibri" panose="020F0502020204030204" pitchFamily="34" charset="0"/>
+              </a:rPr>
+              <a:t>wenden Sprachmodelle                 an, vergleichen unterschiedliche Modelle und bewerten deren Ausgaben.</a:t>
+            </a:r>
+            <a:endParaRPr lang="de-DE" sz="3600" dirty="0">
+              <a:effectLst/>
+            </a:endParaRPr>
+          </a:p>
+          <a:p>
+            <a:pPr marL="457200" indent="-228600">
+              <a:lnSpc>
+                <a:spcPct val="114000"/>
+              </a:lnSpc>
+              <a:spcAft>
+                <a:spcPts val="800"/>
+              </a:spcAft>
+              <a:buFont typeface="Arial" panose="020B0604020202020204" pitchFamily="34" charset="0"/>
+              <a:buChar char="•"/>
+            </a:pPr>
+            <a:r>
+              <a:rPr lang="de-DE" sz="1800" dirty="0">
+                <a:solidFill>
+                  <a:srgbClr val="000000"/>
+                </a:solidFill>
+                <a:effectLst/>
+                <a:latin typeface="Calibri" panose="020F0502020204030204" pitchFamily="34" charset="0"/>
+              </a:rPr>
+              <a:t>beschreiben und bewerten die Grenzen der KI-Systeme.</a:t>
+            </a:r>
+            <a:endParaRPr lang="de-DE" sz="3600" dirty="0">
+              <a:effectLst/>
+            </a:endParaRPr>
+          </a:p>
+          <a:p>
+            <a:pPr algn="just">
+              <a:spcBef>
+                <a:spcPts val="600"/>
+              </a:spcBef>
+              <a:spcAft>
+                <a:spcPts val="600"/>
+              </a:spcAft>
+              <a:buNone/>
+            </a:pPr>
+            <a:r>
+              <a:rPr lang="de-DE" sz="1800" b="1" dirty="0">
+                <a:solidFill>
+                  <a:srgbClr val="000000"/>
+                </a:solidFill>
+                <a:effectLst/>
+                <a:latin typeface="Calibri" panose="020F0502020204030204" pitchFamily="34" charset="0"/>
+              </a:rPr>
+              <a:t>Inhalte </a:t>
+            </a:r>
+            <a:endParaRPr lang="de-DE" sz="3600" dirty="0">
+              <a:effectLst/>
+            </a:endParaRPr>
+          </a:p>
+          <a:p>
+            <a:pPr marL="457200" indent="-228600">
+              <a:lnSpc>
+                <a:spcPct val="114000"/>
+              </a:lnSpc>
+              <a:spcAft>
+                <a:spcPts val="800"/>
+              </a:spcAft>
+              <a:buFont typeface="Arial" panose="020B0604020202020204" pitchFamily="34" charset="0"/>
+              <a:buChar char="•"/>
+            </a:pPr>
+            <a:r>
+              <a:rPr lang="de-DE" sz="1800" dirty="0">
+                <a:solidFill>
+                  <a:srgbClr val="000000"/>
+                </a:solidFill>
+                <a:effectLst/>
+                <a:latin typeface="Calibri" panose="020F0502020204030204" pitchFamily="34" charset="0"/>
+              </a:rPr>
+              <a:t>Aufbau                   und strukturierter Prompts</a:t>
+            </a:r>
+            <a:endParaRPr lang="de-DE" sz="3600" dirty="0">
+              <a:effectLst/>
+            </a:endParaRPr>
+          </a:p>
+          <a:p>
+            <a:pPr marL="457200" indent="-228600">
+              <a:lnSpc>
+                <a:spcPct val="114000"/>
+              </a:lnSpc>
+              <a:spcAft>
+                <a:spcPts val="800"/>
+              </a:spcAft>
+              <a:buFont typeface="Arial" panose="020B0604020202020204" pitchFamily="34" charset="0"/>
+              <a:buChar char="•"/>
+            </a:pPr>
+            <a:r>
+              <a:rPr lang="de-DE" sz="1800" dirty="0">
+                <a:solidFill>
+                  <a:srgbClr val="000000"/>
+                </a:solidFill>
+                <a:effectLst/>
+                <a:latin typeface="Calibri" panose="020F0502020204030204" pitchFamily="34" charset="0"/>
+              </a:rPr>
+              <a:t>Grenzen (z. B. Halluzinationen, Aktualität bzw. Umfang der Trainingsdaten, Bias</a:t>
+            </a:r>
+            <a:endParaRPr lang="de-DE" dirty="0"/>
+          </a:p>
+        </p:txBody>
+      </p:sp>
+      <p:sp>
+        <p:nvSpPr>
+          <p:cNvPr id="7" name="Textfeld 6">
+            <a:extLst>
+              <a:ext uri="{FF2B5EF4-FFF2-40B4-BE49-F238E27FC236}">
+                <a16:creationId xmlns:a16="http://schemas.microsoft.com/office/drawing/2014/main" id="{AED5E273-DF1C-7B98-1920-5E4316A4C81F}"/>
+              </a:ext>
+            </a:extLst>
+          </p:cNvPr>
+          <p:cNvSpPr txBox="1"/>
+          <p:nvPr/>
+        </p:nvSpPr>
+        <p:spPr>
+          <a:xfrm>
+            <a:off x="3801318" y="2860168"/>
+            <a:ext cx="1013749" cy="369332"/>
+          </a:xfrm>
+          <a:prstGeom prst="rect">
+            <a:avLst/>
+          </a:prstGeom>
+          <a:noFill/>
+        </p:spPr>
+        <p:txBody>
+          <a:bodyPr wrap="square">
+            <a:spAutoFit/>
+          </a:bodyPr>
+          <a:lstStyle/>
+          <a:p>
+            <a:r>
+              <a:rPr lang="de-DE" sz="1800" b="1" dirty="0">
+                <a:solidFill>
+                  <a:srgbClr val="000000"/>
+                </a:solidFill>
+                <a:effectLst/>
+                <a:latin typeface="Calibri" panose="020F0502020204030204" pitchFamily="34" charset="0"/>
+              </a:rPr>
+              <a:t>effizient</a:t>
+            </a:r>
+            <a:endParaRPr lang="de-DE" b="1" dirty="0"/>
+          </a:p>
+        </p:txBody>
+      </p:sp>
+      <p:sp>
+        <p:nvSpPr>
+          <p:cNvPr id="9" name="Textfeld 8">
+            <a:extLst>
+              <a:ext uri="{FF2B5EF4-FFF2-40B4-BE49-F238E27FC236}">
+                <a16:creationId xmlns:a16="http://schemas.microsoft.com/office/drawing/2014/main" id="{524FDD41-257D-0B04-0730-869799ADA7BC}"/>
+              </a:ext>
+            </a:extLst>
+          </p:cNvPr>
+          <p:cNvSpPr txBox="1"/>
+          <p:nvPr/>
+        </p:nvSpPr>
+        <p:spPr>
+          <a:xfrm>
+            <a:off x="2225233" y="4104298"/>
+            <a:ext cx="1131424" cy="369332"/>
+          </a:xfrm>
+          <a:prstGeom prst="rect">
+            <a:avLst/>
+          </a:prstGeom>
+          <a:noFill/>
+        </p:spPr>
+        <p:txBody>
+          <a:bodyPr wrap="square">
+            <a:spAutoFit/>
+          </a:bodyPr>
+          <a:lstStyle/>
+          <a:p>
+            <a:r>
+              <a:rPr lang="de-DE" sz="1800" b="1" dirty="0">
+                <a:solidFill>
+                  <a:srgbClr val="000000"/>
+                </a:solidFill>
+                <a:effectLst/>
+                <a:latin typeface="Calibri" panose="020F0502020204030204" pitchFamily="34" charset="0"/>
+              </a:rPr>
+              <a:t>effektiver</a:t>
+            </a:r>
+            <a:endParaRPr lang="de-DE" b="1" dirty="0"/>
+          </a:p>
+        </p:txBody>
+      </p:sp>
+    </p:spTree>
+    <p:extLst>
+      <p:ext uri="{BB962C8B-B14F-4D97-AF65-F5344CB8AC3E}">
+        <p14:creationId xmlns:p14="http://schemas.microsoft.com/office/powerpoint/2010/main" val="2682109068"/>
+      </p:ext>
+    </p:extLst>
+  </p:cSld>
+  <p:clrMapOvr>
+    <a:masterClrMapping/>
+  </p:clrMapOvr>
+  <p:timing>
+    <p:tnLst>
+      <p:par>
+        <p:cTn id="1" dur="indefinite" restart="never" nodeType="tmRoot">
+          <p:childTnLst>
+            <p:seq concurrent="1" nextAc="seek">
+              <p:cTn id="2" dur="indefinite" nodeType="mainSeq">
+                <p:childTnLst>
+                  <p:par>
+                    <p:cTn id="3" fill="hold">
+                      <p:stCondLst>
+                        <p:cond delay="indefinite"/>
+                      </p:stCondLst>
+                      <p:childTnLst>
+                        <p:par>
+                          <p:cTn id="4" fill="hold">
+                            <p:stCondLst>
+                              <p:cond delay="0"/>
+                            </p:stCondLst>
+                            <p:childTnLst>
+                              <p:par>
+                                <p:cTn id="5" presetID="8" presetClass="emph" presetSubtype="0" fill="hold" grpId="1" nodeType="clickEffect">
+                                  <p:stCondLst>
+                                    <p:cond delay="0"/>
+                                  </p:stCondLst>
+                                  <p:childTnLst>
+                                    <p:animRot by="21600000">
+                                      <p:cBhvr>
+                                        <p:cTn id="6" dur="2000" fill="hold"/>
+                                        <p:tgtEl>
+                                          <p:spTgt spid="7"/>
+                                        </p:tgtEl>
+                                        <p:attrNameLst>
+                                          <p:attrName>r</p:attrName>
+                                        </p:attrNameLst>
+                                      </p:cBhvr>
+                                    </p:animRot>
+                                  </p:childTnLst>
+                                  <p:subTnLst>
+                                    <p:animClr clrSpc="rgb" dir="cw">
+                                      <p:cBhvr override="childStyle">
+                                        <p:cTn dur="1" fill="hold" display="0" masterRel="nextClick" afterEffect="1"/>
+                                        <p:tgtEl>
+                                          <p:spTgt spid="7"/>
+                                        </p:tgtEl>
+                                        <p:attrNameLst>
+                                          <p:attrName>ppt_c</p:attrName>
+                                        </p:attrNameLst>
+                                      </p:cBhvr>
+                                      <p:to>
+                                        <a:schemeClr val="folHlink"/>
+                                      </p:to>
+                                    </p:animClr>
+                                  </p:subTnLst>
+                                </p:cTn>
+                              </p:par>
+                            </p:childTnLst>
+                          </p:cTn>
+                        </p:par>
+                      </p:childTnLst>
+                    </p:cTn>
+                  </p:par>
+                  <p:par>
+                    <p:cTn id="7" fill="hold">
+                      <p:stCondLst>
+                        <p:cond delay="indefinite"/>
+                      </p:stCondLst>
+                      <p:childTnLst>
+                        <p:par>
+                          <p:cTn id="8" fill="hold">
+                            <p:stCondLst>
+                              <p:cond delay="0"/>
+                            </p:stCondLst>
+                            <p:childTnLst>
+                              <p:par>
+                                <p:cTn id="9" presetID="8" presetClass="emph" presetSubtype="0" fill="hold" grpId="0" nodeType="clickEffect">
+                                  <p:stCondLst>
+                                    <p:cond delay="0"/>
+                                  </p:stCondLst>
+                                  <p:childTnLst>
+                                    <p:animRot by="21600000">
+                                      <p:cBhvr>
+                                        <p:cTn id="10" dur="2000" fill="hold"/>
+                                        <p:tgtEl>
+                                          <p:spTgt spid="9"/>
+                                        </p:tgtEl>
+                                        <p:attrNameLst>
+                                          <p:attrName>r</p:attrName>
+                                        </p:attrNameLst>
+                                      </p:cBhvr>
+                                    </p:animRot>
+                                  </p:childTnLst>
+                                  <p:subTnLst>
+                                    <p:animClr clrSpc="rgb" dir="cw">
+                                      <p:cBhvr override="childStyle">
+                                        <p:cTn dur="1" fill="hold" display="0" masterRel="nextClick" afterEffect="1"/>
+                                        <p:tgtEl>
+                                          <p:spTgt spid="9"/>
+                                        </p:tgtEl>
+                                        <p:attrNameLst>
+                                          <p:attrName>ppt_c</p:attrName>
+                                        </p:attrNameLst>
+                                      </p:cBhvr>
+                                      <p:to>
+                                        <a:schemeClr val="folHlink"/>
+                                      </p:to>
+                                    </p:animClr>
+                                  </p:subTnLst>
+                                </p:cTn>
+                              </p:par>
+                            </p:childTnLst>
+                          </p:cTn>
+                        </p:par>
+                      </p:childTnLst>
+                    </p:cTn>
+                  </p:par>
+                </p:childTnLst>
+              </p:cTn>
+              <p:prevCondLst>
+                <p:cond evt="onPrev" delay="0">
+                  <p:tgtEl>
+                    <p:sldTgt/>
+                  </p:tgtEl>
+                </p:cond>
+              </p:prevCondLst>
+              <p:nextCondLst>
+                <p:cond evt="onNext" delay="0">
+                  <p:tgtEl>
+                    <p:sldTgt/>
+                  </p:tgtEl>
+                </p:cond>
+              </p:nextCondLst>
+            </p:seq>
+          </p:childTnLst>
+        </p:cTn>
+      </p:par>
+    </p:tnLst>
+    <p:bldLst>
+      <p:bldP spid="7" grpId="1"/>
+      <p:bldP spid="9" grpId="0"/>
+    </p:bldLst>
+  </p:timing>
+</p:sld>
+</file>
+
+<file path=ppt/slides/slide8.xml><?xml version="1.0" encoding="utf-8"?>
+<p:sld xmlns:a="http://schemas.openxmlformats.org/drawingml/2006/main" xmlns:r="http://schemas.openxmlformats.org/officeDocument/2006/relationships" xmlns:p="http://schemas.openxmlformats.org/presentationml/2006/main">
+  <p:cSld>
+    <p:spTree>
+      <p:nvGrpSpPr>
+        <p:cNvPr id="1" name="">
+          <a:extLst>
+            <a:ext uri="{FF2B5EF4-FFF2-40B4-BE49-F238E27FC236}">
+              <a16:creationId xmlns:a16="http://schemas.microsoft.com/office/drawing/2014/main" id="{B60B96D1-0269-F52E-31EC-1E4175187718}"/>
+            </a:ext>
+          </a:extLst>
+        </p:cNvPr>
+        <p:cNvGrpSpPr/>
+        <p:nvPr/>
+      </p:nvGrpSpPr>
+      <p:grpSpPr>
+        <a:xfrm>
+          <a:off x="0" y="0"/>
+          <a:ext cx="0" cy="0"/>
+          <a:chOff x="0" y="0"/>
+          <a:chExt cx="0" cy="0"/>
+        </a:xfrm>
+      </p:grpSpPr>
+      <p:sp>
+        <p:nvSpPr>
+          <p:cNvPr id="2" name="Titel 1">
+            <a:extLst>
+              <a:ext uri="{FF2B5EF4-FFF2-40B4-BE49-F238E27FC236}">
+                <a16:creationId xmlns:a16="http://schemas.microsoft.com/office/drawing/2014/main" id="{D75A62DC-B746-D039-D9F8-657FEC8D1DBD}"/>
+              </a:ext>
+            </a:extLst>
+          </p:cNvPr>
+          <p:cNvSpPr>
+            <a:spLocks noGrp="1"/>
+          </p:cNvSpPr>
+          <p:nvPr>
+            <p:ph type="title"/>
+          </p:nvPr>
+        </p:nvSpPr>
+        <p:spPr>
+          <a:xfrm>
+            <a:off x="432314" y="227903"/>
+            <a:ext cx="10873740" cy="1253656"/>
+          </a:xfrm>
+        </p:spPr>
+        <p:txBody>
+          <a:bodyPr/>
+          <a:lstStyle/>
+          <a:p>
+            <a:r>
+              <a:rPr lang="de-DE" dirty="0"/>
+              <a:t>Auslegung des Lehrplans zum Umgang mit Sprachmodellen</a:t>
+            </a:r>
+          </a:p>
+        </p:txBody>
+      </p:sp>
+      <p:sp>
+        <p:nvSpPr>
+          <p:cNvPr id="5" name="Textfeld 4">
+            <a:extLst>
+              <a:ext uri="{FF2B5EF4-FFF2-40B4-BE49-F238E27FC236}">
+                <a16:creationId xmlns:a16="http://schemas.microsoft.com/office/drawing/2014/main" id="{263077A3-A0E1-EE87-739F-3D6EEB564598}"/>
+              </a:ext>
+            </a:extLst>
+          </p:cNvPr>
+          <p:cNvSpPr txBox="1"/>
+          <p:nvPr/>
+        </p:nvSpPr>
+        <p:spPr>
+          <a:xfrm>
+            <a:off x="1068247" y="1829238"/>
+            <a:ext cx="10055506" cy="1282402"/>
+          </a:xfrm>
+          <a:prstGeom prst="rect">
+            <a:avLst/>
+          </a:prstGeom>
+          <a:noFill/>
+        </p:spPr>
+        <p:txBody>
+          <a:bodyPr wrap="square">
+            <a:spAutoFit/>
+          </a:bodyPr>
+          <a:lstStyle/>
+          <a:p>
+            <a:pPr algn="just">
+              <a:spcAft>
+                <a:spcPts val="1200"/>
+              </a:spcAft>
+              <a:buNone/>
+            </a:pPr>
+            <a:r>
+              <a:rPr lang="de-DE" sz="1800" b="1" dirty="0">
+                <a:solidFill>
+                  <a:srgbClr val="000000"/>
+                </a:solidFill>
+                <a:effectLst/>
+                <a:latin typeface="Calibri" panose="020F0502020204030204" pitchFamily="34" charset="0"/>
+              </a:rPr>
+              <a:t>Kompetenzerwartungen</a:t>
+            </a:r>
+            <a:endParaRPr lang="de-DE" sz="3600" dirty="0">
+              <a:effectLst/>
+            </a:endParaRPr>
+          </a:p>
+          <a:p>
+            <a:pPr algn="just">
+              <a:spcBef>
+                <a:spcPts val="500"/>
+              </a:spcBef>
+              <a:spcAft>
+                <a:spcPts val="500"/>
+              </a:spcAft>
+              <a:buNone/>
+            </a:pPr>
+            <a:r>
+              <a:rPr lang="de-DE" sz="1800" dirty="0">
+                <a:solidFill>
+                  <a:srgbClr val="000000"/>
+                </a:solidFill>
+                <a:effectLst/>
+                <a:latin typeface="Calibri" panose="020F0502020204030204" pitchFamily="34" charset="0"/>
+              </a:rPr>
+              <a:t>Die Schülerinnen und Schüler …</a:t>
+            </a:r>
+            <a:endParaRPr lang="de-DE" sz="3600" dirty="0">
+              <a:effectLst/>
+            </a:endParaRPr>
+          </a:p>
+          <a:p>
+            <a:pPr algn="just">
+              <a:spcBef>
+                <a:spcPts val="600"/>
+              </a:spcBef>
+              <a:spcAft>
+                <a:spcPts val="600"/>
+              </a:spcAft>
+              <a:buNone/>
+            </a:pPr>
+            <a:r>
+              <a:rPr lang="de-DE" sz="1800" b="1" dirty="0">
+                <a:solidFill>
+                  <a:srgbClr val="000000"/>
+                </a:solidFill>
+                <a:effectLst/>
+                <a:latin typeface="Calibri" panose="020F0502020204030204" pitchFamily="34" charset="0"/>
+              </a:rPr>
+              <a:t> </a:t>
+            </a:r>
+            <a:endParaRPr lang="de-DE" sz="3600" dirty="0">
+              <a:effectLst/>
+            </a:endParaRPr>
+          </a:p>
+        </p:txBody>
+      </p:sp>
+      <p:sp>
+        <p:nvSpPr>
+          <p:cNvPr id="4" name="Textfeld 3">
+            <a:extLst>
+              <a:ext uri="{FF2B5EF4-FFF2-40B4-BE49-F238E27FC236}">
+                <a16:creationId xmlns:a16="http://schemas.microsoft.com/office/drawing/2014/main" id="{557DCD38-5AF4-F900-ED89-D6A8FC4A15F3}"/>
+              </a:ext>
+            </a:extLst>
+          </p:cNvPr>
+          <p:cNvSpPr txBox="1"/>
+          <p:nvPr/>
+        </p:nvSpPr>
+        <p:spPr>
+          <a:xfrm>
+            <a:off x="952498" y="4788500"/>
+            <a:ext cx="10494863" cy="388440"/>
+          </a:xfrm>
+          <a:prstGeom prst="rect">
+            <a:avLst/>
+          </a:prstGeom>
+          <a:noFill/>
+        </p:spPr>
+        <p:txBody>
+          <a:bodyPr wrap="square">
+            <a:spAutoFit/>
+          </a:bodyPr>
+          <a:lstStyle/>
+          <a:p>
+            <a:pPr marL="457200" indent="-228600">
+              <a:lnSpc>
+                <a:spcPct val="114000"/>
+              </a:lnSpc>
+              <a:spcAft>
+                <a:spcPts val="800"/>
+              </a:spcAft>
+              <a:buFont typeface="Arial" panose="020B0604020202020204" pitchFamily="34" charset="0"/>
+              <a:buChar char="•"/>
+            </a:pPr>
+            <a:r>
+              <a:rPr lang="de-DE" sz="1800" dirty="0">
+                <a:solidFill>
+                  <a:srgbClr val="000000"/>
+                </a:solidFill>
+                <a:effectLst/>
+                <a:latin typeface="Calibri" panose="020F0502020204030204" pitchFamily="34" charset="0"/>
+              </a:rPr>
+              <a:t>Grenzen (z. B. Halluzinationen, Aktualität bzw.                                                           )</a:t>
+            </a:r>
+            <a:endParaRPr lang="de-DE" dirty="0"/>
+          </a:p>
+        </p:txBody>
+      </p:sp>
+      <p:sp>
+        <p:nvSpPr>
+          <p:cNvPr id="8" name="Textfeld 7">
+            <a:extLst>
+              <a:ext uri="{FF2B5EF4-FFF2-40B4-BE49-F238E27FC236}">
+                <a16:creationId xmlns:a16="http://schemas.microsoft.com/office/drawing/2014/main" id="{1F06F2A4-9B29-A7F1-A07A-70D3B45FAE2B}"/>
+              </a:ext>
+            </a:extLst>
+          </p:cNvPr>
+          <p:cNvSpPr txBox="1"/>
+          <p:nvPr/>
+        </p:nvSpPr>
+        <p:spPr>
+          <a:xfrm>
+            <a:off x="952499" y="4360745"/>
+            <a:ext cx="6094070" cy="388440"/>
+          </a:xfrm>
+          <a:prstGeom prst="rect">
+            <a:avLst/>
+          </a:prstGeom>
+          <a:noFill/>
+        </p:spPr>
+        <p:txBody>
+          <a:bodyPr wrap="square">
+            <a:spAutoFit/>
+          </a:bodyPr>
+          <a:lstStyle/>
+          <a:p>
+            <a:pPr marL="457200" indent="-228600">
+              <a:lnSpc>
+                <a:spcPct val="114000"/>
+              </a:lnSpc>
+              <a:spcAft>
+                <a:spcPts val="800"/>
+              </a:spcAft>
+              <a:buFont typeface="Arial" panose="020B0604020202020204" pitchFamily="34" charset="0"/>
+              <a:buChar char="•"/>
+            </a:pPr>
+            <a:r>
+              <a:rPr lang="de-DE" sz="1800" dirty="0">
+                <a:solidFill>
+                  <a:srgbClr val="000000"/>
+                </a:solidFill>
+                <a:effectLst/>
+                <a:latin typeface="Calibri" panose="020F0502020204030204" pitchFamily="34" charset="0"/>
+              </a:rPr>
+              <a:t>Aufbau effektiver und strukturierter Prompts</a:t>
+            </a:r>
+            <a:endParaRPr lang="de-DE" sz="3600" dirty="0">
+              <a:effectLst/>
+            </a:endParaRPr>
+          </a:p>
+        </p:txBody>
+      </p:sp>
+      <p:sp>
+        <p:nvSpPr>
+          <p:cNvPr id="11" name="Textfeld 10">
+            <a:extLst>
+              <a:ext uri="{FF2B5EF4-FFF2-40B4-BE49-F238E27FC236}">
+                <a16:creationId xmlns:a16="http://schemas.microsoft.com/office/drawing/2014/main" id="{79784C34-6972-EFD2-3CB4-3258EC9C33D1}"/>
+              </a:ext>
+            </a:extLst>
+          </p:cNvPr>
+          <p:cNvSpPr txBox="1"/>
+          <p:nvPr/>
+        </p:nvSpPr>
+        <p:spPr>
+          <a:xfrm>
+            <a:off x="754283" y="3776904"/>
+            <a:ext cx="6094070" cy="369332"/>
+          </a:xfrm>
+          <a:prstGeom prst="rect">
+            <a:avLst/>
+          </a:prstGeom>
+          <a:noFill/>
+        </p:spPr>
+        <p:txBody>
+          <a:bodyPr wrap="square">
+            <a:spAutoFit/>
+          </a:bodyPr>
+          <a:lstStyle/>
+          <a:p>
+            <a:r>
+              <a:rPr lang="de-DE" sz="1800" b="1" dirty="0">
+                <a:solidFill>
+                  <a:srgbClr val="000000"/>
+                </a:solidFill>
+                <a:effectLst/>
+                <a:latin typeface="Calibri" panose="020F0502020204030204" pitchFamily="34" charset="0"/>
+              </a:rPr>
+              <a:t>Inhalte</a:t>
+            </a:r>
+            <a:endParaRPr lang="de-DE" dirty="0"/>
+          </a:p>
+        </p:txBody>
+      </p:sp>
+      <p:sp>
+        <p:nvSpPr>
+          <p:cNvPr id="13" name="Textfeld 12">
+            <a:extLst>
+              <a:ext uri="{FF2B5EF4-FFF2-40B4-BE49-F238E27FC236}">
+                <a16:creationId xmlns:a16="http://schemas.microsoft.com/office/drawing/2014/main" id="{6843D4A4-136D-6294-7A5D-0B05D62EEC63}"/>
+              </a:ext>
+            </a:extLst>
+          </p:cNvPr>
+          <p:cNvSpPr txBox="1"/>
+          <p:nvPr/>
+        </p:nvSpPr>
+        <p:spPr>
+          <a:xfrm>
+            <a:off x="1068247" y="3112739"/>
+            <a:ext cx="6094070" cy="388440"/>
+          </a:xfrm>
+          <a:prstGeom prst="rect">
+            <a:avLst/>
+          </a:prstGeom>
+          <a:noFill/>
+          <a:ln w="38100">
+            <a:solidFill>
+              <a:srgbClr val="00B050"/>
+            </a:solidFill>
+          </a:ln>
+        </p:spPr>
+        <p:txBody>
+          <a:bodyPr wrap="square">
+            <a:spAutoFit/>
+          </a:bodyPr>
+          <a:lstStyle/>
+          <a:p>
+            <a:pPr marL="457200" indent="-228600">
+              <a:lnSpc>
+                <a:spcPct val="114000"/>
+              </a:lnSpc>
+              <a:spcAft>
+                <a:spcPts val="800"/>
+              </a:spcAft>
+              <a:buFont typeface="Arial" panose="020B0604020202020204" pitchFamily="34" charset="0"/>
+              <a:buChar char="•"/>
+            </a:pPr>
+            <a:r>
+              <a:rPr lang="de-DE" sz="1800" dirty="0">
+                <a:solidFill>
+                  <a:srgbClr val="000000"/>
+                </a:solidFill>
+                <a:effectLst/>
+                <a:latin typeface="Calibri" panose="020F0502020204030204" pitchFamily="34" charset="0"/>
+              </a:rPr>
+              <a:t>beschreiben und bewerten die Grenzen der KI-Systeme.</a:t>
+            </a:r>
+            <a:endParaRPr lang="de-DE" sz="3600" dirty="0">
+              <a:effectLst/>
+            </a:endParaRPr>
+          </a:p>
+        </p:txBody>
+      </p:sp>
+      <p:sp>
+        <p:nvSpPr>
+          <p:cNvPr id="15" name="Textfeld 14">
+            <a:extLst>
+              <a:ext uri="{FF2B5EF4-FFF2-40B4-BE49-F238E27FC236}">
+                <a16:creationId xmlns:a16="http://schemas.microsoft.com/office/drawing/2014/main" id="{874D2F2C-7C13-C3A7-9258-AD06C7A5FC7A}"/>
+              </a:ext>
+            </a:extLst>
+          </p:cNvPr>
+          <p:cNvSpPr txBox="1"/>
+          <p:nvPr/>
+        </p:nvSpPr>
+        <p:spPr>
+          <a:xfrm>
+            <a:off x="1068247" y="2722396"/>
+            <a:ext cx="4175085" cy="388440"/>
+          </a:xfrm>
+          <a:prstGeom prst="rect">
+            <a:avLst/>
+          </a:prstGeom>
+          <a:noFill/>
+        </p:spPr>
+        <p:txBody>
+          <a:bodyPr wrap="square">
+            <a:spAutoFit/>
+          </a:bodyPr>
+          <a:lstStyle/>
+          <a:p>
+            <a:pPr marL="457200" indent="-228600">
+              <a:lnSpc>
+                <a:spcPct val="114000"/>
+              </a:lnSpc>
+              <a:spcAft>
+                <a:spcPts val="800"/>
+              </a:spcAft>
+              <a:buFont typeface="Arial" panose="020B0604020202020204" pitchFamily="34" charset="0"/>
+              <a:buChar char="•"/>
+            </a:pPr>
+            <a:r>
+              <a:rPr lang="de-DE" sz="1800" dirty="0">
+                <a:solidFill>
+                  <a:srgbClr val="000000"/>
+                </a:solidFill>
+                <a:effectLst/>
+                <a:latin typeface="Calibri" panose="020F0502020204030204" pitchFamily="34" charset="0"/>
+              </a:rPr>
+              <a:t>wenden Sprachmodelle effizient an</a:t>
+            </a:r>
+            <a:endParaRPr lang="de-DE" sz="3600" dirty="0">
+              <a:effectLst/>
+            </a:endParaRPr>
+          </a:p>
+        </p:txBody>
+      </p:sp>
+      <p:sp>
+        <p:nvSpPr>
+          <p:cNvPr id="17" name="Textfeld 16">
+            <a:extLst>
+              <a:ext uri="{FF2B5EF4-FFF2-40B4-BE49-F238E27FC236}">
+                <a16:creationId xmlns:a16="http://schemas.microsoft.com/office/drawing/2014/main" id="{34F8B30F-B0D9-B138-4930-9992E66330D1}"/>
+              </a:ext>
+            </a:extLst>
+          </p:cNvPr>
+          <p:cNvSpPr txBox="1"/>
+          <p:nvPr/>
+        </p:nvSpPr>
+        <p:spPr>
+          <a:xfrm>
+            <a:off x="4910563" y="2726943"/>
+            <a:ext cx="6779870" cy="369332"/>
+          </a:xfrm>
+          <a:prstGeom prst="rect">
+            <a:avLst/>
+          </a:prstGeom>
+          <a:noFill/>
+          <a:ln w="38100">
+            <a:solidFill>
+              <a:srgbClr val="00B050"/>
+            </a:solidFill>
+          </a:ln>
+        </p:spPr>
+        <p:txBody>
+          <a:bodyPr wrap="square">
+            <a:spAutoFit/>
+          </a:bodyPr>
+          <a:lstStyle/>
+          <a:p>
+            <a:r>
+              <a:rPr lang="de-DE" sz="1800" dirty="0">
+                <a:solidFill>
+                  <a:srgbClr val="000000"/>
+                </a:solidFill>
+                <a:effectLst/>
+                <a:latin typeface="Calibri" panose="020F0502020204030204" pitchFamily="34" charset="0"/>
+              </a:rPr>
+              <a:t>, vergleichen unterschiedliche Modelle und bewerten deren Ausgaben.</a:t>
+            </a:r>
+            <a:endParaRPr lang="de-DE" dirty="0"/>
+          </a:p>
+        </p:txBody>
+      </p:sp>
+      <p:sp>
+        <p:nvSpPr>
+          <p:cNvPr id="19" name="Textfeld 18">
+            <a:extLst>
+              <a:ext uri="{FF2B5EF4-FFF2-40B4-BE49-F238E27FC236}">
+                <a16:creationId xmlns:a16="http://schemas.microsoft.com/office/drawing/2014/main" id="{738F3CA3-F209-9B48-901E-D4094BBFDC0F}"/>
+              </a:ext>
+            </a:extLst>
+          </p:cNvPr>
+          <p:cNvSpPr txBox="1"/>
+          <p:nvPr/>
+        </p:nvSpPr>
+        <p:spPr>
+          <a:xfrm>
+            <a:off x="5743937" y="4821136"/>
+            <a:ext cx="3180144" cy="369332"/>
+          </a:xfrm>
+          <a:prstGeom prst="rect">
+            <a:avLst/>
+          </a:prstGeom>
+          <a:noFill/>
+        </p:spPr>
+        <p:txBody>
+          <a:bodyPr wrap="square">
+            <a:spAutoFit/>
+          </a:bodyPr>
+          <a:lstStyle/>
+          <a:p>
+            <a:r>
+              <a:rPr lang="de-DE" sz="1800" dirty="0">
+                <a:solidFill>
+                  <a:srgbClr val="000000"/>
+                </a:solidFill>
+                <a:effectLst/>
+                <a:latin typeface="Calibri" panose="020F0502020204030204" pitchFamily="34" charset="0"/>
+              </a:rPr>
+              <a:t>Umfang der Trainingsdaten, Bias</a:t>
+            </a:r>
+            <a:endParaRPr lang="de-DE" dirty="0"/>
+          </a:p>
+        </p:txBody>
+      </p:sp>
+    </p:spTree>
+    <p:extLst>
+      <p:ext uri="{BB962C8B-B14F-4D97-AF65-F5344CB8AC3E}">
+        <p14:creationId xmlns:p14="http://schemas.microsoft.com/office/powerpoint/2010/main" val="370592501"/>
+      </p:ext>
+    </p:extLst>
+  </p:cSld>
+  <p:clrMapOvr>
+    <a:masterClrMapping/>
+  </p:clrMapOvr>
+  <p:timing>
+    <p:tnLst>
+      <p:par>
+        <p:cTn id="1" dur="indefinite" restart="never" nodeType="tmRoot">
+          <p:childTnLst>
+            <p:seq concurrent="1" nextAc="seek">
+              <p:cTn id="2" dur="indefinite" nodeType="mainSeq">
+                <p:childTnLst>
+                  <p:par>
+                    <p:cTn id="3" fill="hold">
+                      <p:stCondLst>
+                        <p:cond delay="indefinite"/>
+                      </p:stCondLst>
+                      <p:childTnLst>
+                        <p:par>
+                          <p:cTn id="4" fill="hold">
+                            <p:stCondLst>
+                              <p:cond delay="0"/>
+                            </p:stCondLst>
+                            <p:childTnLst>
+                              <p:par>
+                                <p:cTn id="5" presetID="2" presetClass="exit" presetSubtype="4" fill="hold" grpId="0" nodeType="clickEffect">
+                                  <p:stCondLst>
+                                    <p:cond delay="0"/>
+                                  </p:stCondLst>
+                                  <p:childTnLst>
+                                    <p:anim calcmode="lin" valueType="num">
+                                      <p:cBhvr additive="base">
+                                        <p:cTn id="6" dur="500"/>
+                                        <p:tgtEl>
+                                          <p:spTgt spid="17"/>
+                                        </p:tgtEl>
+                                        <p:attrNameLst>
+                                          <p:attrName>ppt_x</p:attrName>
+                                        </p:attrNameLst>
+                                      </p:cBhvr>
+                                      <p:tavLst>
+                                        <p:tav tm="0">
+                                          <p:val>
+                                            <p:strVal val="ppt_x"/>
+                                          </p:val>
+                                        </p:tav>
+                                        <p:tav tm="100000">
+                                          <p:val>
+                                            <p:strVal val="ppt_x"/>
+                                          </p:val>
+                                        </p:tav>
+                                      </p:tavLst>
+                                    </p:anim>
+                                    <p:anim calcmode="lin" valueType="num">
+                                      <p:cBhvr additive="base">
+                                        <p:cTn id="7" dur="500"/>
+                                        <p:tgtEl>
+                                          <p:spTgt spid="17"/>
+                                        </p:tgtEl>
+                                        <p:attrNameLst>
+                                          <p:attrName>ppt_y</p:attrName>
+                                        </p:attrNameLst>
+                                      </p:cBhvr>
+                                      <p:tavLst>
+                                        <p:tav tm="0">
+                                          <p:val>
+                                            <p:strVal val="ppt_y"/>
+                                          </p:val>
+                                        </p:tav>
+                                        <p:tav tm="100000">
+                                          <p:val>
+                                            <p:strVal val="1+ppt_h/2"/>
+                                          </p:val>
+                                        </p:tav>
+                                      </p:tavLst>
+                                    </p:anim>
+                                    <p:set>
+                                      <p:cBhvr>
+                                        <p:cTn id="8" dur="1" fill="hold">
+                                          <p:stCondLst>
+                                            <p:cond delay="499"/>
+                                          </p:stCondLst>
+                                        </p:cTn>
+                                        <p:tgtEl>
+                                          <p:spTgt spid="17"/>
+                                        </p:tgtEl>
+                                        <p:attrNameLst>
+                                          <p:attrName>style.visibility</p:attrName>
+                                        </p:attrNameLst>
+                                      </p:cBhvr>
+                                      <p:to>
+                                        <p:strVal val="hidden"/>
+                                      </p:to>
+                                    </p:set>
+                                  </p:childTnLst>
+                                </p:cTn>
+                              </p:par>
+                              <p:par>
+                                <p:cTn id="9" presetID="2" presetClass="exit" presetSubtype="4" fill="hold" grpId="0" nodeType="withEffect">
+                                  <p:stCondLst>
+                                    <p:cond delay="0"/>
+                                  </p:stCondLst>
+                                  <p:childTnLst>
+                                    <p:anim calcmode="lin" valueType="num">
+                                      <p:cBhvr additive="base">
+                                        <p:cTn id="10" dur="500"/>
+                                        <p:tgtEl>
+                                          <p:spTgt spid="13"/>
+                                        </p:tgtEl>
+                                        <p:attrNameLst>
+                                          <p:attrName>ppt_x</p:attrName>
+                                        </p:attrNameLst>
+                                      </p:cBhvr>
+                                      <p:tavLst>
+                                        <p:tav tm="0">
+                                          <p:val>
+                                            <p:strVal val="ppt_x"/>
+                                          </p:val>
+                                        </p:tav>
+                                        <p:tav tm="100000">
+                                          <p:val>
+                                            <p:strVal val="ppt_x"/>
+                                          </p:val>
+                                        </p:tav>
+                                      </p:tavLst>
+                                    </p:anim>
+                                    <p:anim calcmode="lin" valueType="num">
+                                      <p:cBhvr additive="base">
+                                        <p:cTn id="11" dur="500"/>
+                                        <p:tgtEl>
+                                          <p:spTgt spid="13"/>
+                                        </p:tgtEl>
+                                        <p:attrNameLst>
+                                          <p:attrName>ppt_y</p:attrName>
+                                        </p:attrNameLst>
+                                      </p:cBhvr>
+                                      <p:tavLst>
+                                        <p:tav tm="0">
+                                          <p:val>
+                                            <p:strVal val="ppt_y"/>
+                                          </p:val>
+                                        </p:tav>
+                                        <p:tav tm="100000">
+                                          <p:val>
+                                            <p:strVal val="1+ppt_h/2"/>
+                                          </p:val>
+                                        </p:tav>
+                                      </p:tavLst>
+                                    </p:anim>
+                                    <p:set>
+                                      <p:cBhvr>
+                                        <p:cTn id="12" dur="1" fill="hold">
+                                          <p:stCondLst>
+                                            <p:cond delay="499"/>
+                                          </p:stCondLst>
+                                        </p:cTn>
+                                        <p:tgtEl>
+                                          <p:spTgt spid="13"/>
+                                        </p:tgtEl>
+                                        <p:attrNameLst>
+                                          <p:attrName>style.visibility</p:attrName>
+                                        </p:attrNameLst>
+                                      </p:cBhvr>
+                                      <p:to>
+                                        <p:strVal val="hidden"/>
+                                      </p:to>
+                                    </p:set>
+                                  </p:childTnLst>
+                                </p:cTn>
+                              </p:par>
+                              <p:par>
+                                <p:cTn id="13" presetID="2" presetClass="exit" presetSubtype="4" fill="hold" grpId="0" nodeType="withEffect">
+                                  <p:stCondLst>
+                                    <p:cond delay="0"/>
+                                  </p:stCondLst>
+                                  <p:childTnLst>
+                                    <p:anim calcmode="lin" valueType="num">
+                                      <p:cBhvr additive="base">
+                                        <p:cTn id="14" dur="500"/>
+                                        <p:tgtEl>
+                                          <p:spTgt spid="11"/>
+                                        </p:tgtEl>
+                                        <p:attrNameLst>
+                                          <p:attrName>ppt_x</p:attrName>
+                                        </p:attrNameLst>
+                                      </p:cBhvr>
+                                      <p:tavLst>
+                                        <p:tav tm="0">
+                                          <p:val>
+                                            <p:strVal val="ppt_x"/>
+                                          </p:val>
+                                        </p:tav>
+                                        <p:tav tm="100000">
+                                          <p:val>
+                                            <p:strVal val="ppt_x"/>
+                                          </p:val>
+                                        </p:tav>
+                                      </p:tavLst>
+                                    </p:anim>
+                                    <p:anim calcmode="lin" valueType="num">
+                                      <p:cBhvr additive="base">
+                                        <p:cTn id="15" dur="500"/>
+                                        <p:tgtEl>
+                                          <p:spTgt spid="11"/>
+                                        </p:tgtEl>
+                                        <p:attrNameLst>
+                                          <p:attrName>ppt_y</p:attrName>
+                                        </p:attrNameLst>
+                                      </p:cBhvr>
+                                      <p:tavLst>
+                                        <p:tav tm="0">
+                                          <p:val>
+                                            <p:strVal val="ppt_y"/>
+                                          </p:val>
+                                        </p:tav>
+                                        <p:tav tm="100000">
+                                          <p:val>
+                                            <p:strVal val="1+ppt_h/2"/>
+                                          </p:val>
+                                        </p:tav>
+                                      </p:tavLst>
+                                    </p:anim>
+                                    <p:set>
+                                      <p:cBhvr>
+                                        <p:cTn id="16" dur="1" fill="hold">
+                                          <p:stCondLst>
+                                            <p:cond delay="499"/>
+                                          </p:stCondLst>
+                                        </p:cTn>
+                                        <p:tgtEl>
+                                          <p:spTgt spid="11"/>
+                                        </p:tgtEl>
+                                        <p:attrNameLst>
+                                          <p:attrName>style.visibility</p:attrName>
+                                        </p:attrNameLst>
+                                      </p:cBhvr>
+                                      <p:to>
+                                        <p:strVal val="hidden"/>
+                                      </p:to>
+                                    </p:set>
+                                  </p:childTnLst>
+                                </p:cTn>
+                              </p:par>
+                              <p:par>
+                                <p:cTn id="17" presetID="2" presetClass="exit" presetSubtype="4" fill="hold" grpId="0" nodeType="withEffect">
+                                  <p:stCondLst>
+                                    <p:cond delay="0"/>
+                                  </p:stCondLst>
+                                  <p:childTnLst>
+                                    <p:anim calcmode="lin" valueType="num">
+                                      <p:cBhvr additive="base">
+                                        <p:cTn id="18" dur="500"/>
+                                        <p:tgtEl>
+                                          <p:spTgt spid="8"/>
+                                        </p:tgtEl>
+                                        <p:attrNameLst>
+                                          <p:attrName>ppt_x</p:attrName>
+                                        </p:attrNameLst>
+                                      </p:cBhvr>
+                                      <p:tavLst>
+                                        <p:tav tm="0">
+                                          <p:val>
+                                            <p:strVal val="ppt_x"/>
+                                          </p:val>
+                                        </p:tav>
+                                        <p:tav tm="100000">
+                                          <p:val>
+                                            <p:strVal val="ppt_x"/>
+                                          </p:val>
+                                        </p:tav>
+                                      </p:tavLst>
+                                    </p:anim>
+                                    <p:anim calcmode="lin" valueType="num">
+                                      <p:cBhvr additive="base">
+                                        <p:cTn id="19" dur="500"/>
+                                        <p:tgtEl>
+                                          <p:spTgt spid="8"/>
+                                        </p:tgtEl>
+                                        <p:attrNameLst>
+                                          <p:attrName>ppt_y</p:attrName>
+                                        </p:attrNameLst>
+                                      </p:cBhvr>
+                                      <p:tavLst>
+                                        <p:tav tm="0">
+                                          <p:val>
+                                            <p:strVal val="ppt_y"/>
+                                          </p:val>
+                                        </p:tav>
+                                        <p:tav tm="100000">
+                                          <p:val>
+                                            <p:strVal val="1+ppt_h/2"/>
+                                          </p:val>
+                                        </p:tav>
+                                      </p:tavLst>
+                                    </p:anim>
+                                    <p:set>
+                                      <p:cBhvr>
+                                        <p:cTn id="20" dur="1" fill="hold">
+                                          <p:stCondLst>
+                                            <p:cond delay="499"/>
+                                          </p:stCondLst>
+                                        </p:cTn>
+                                        <p:tgtEl>
+                                          <p:spTgt spid="8"/>
+                                        </p:tgtEl>
+                                        <p:attrNameLst>
+                                          <p:attrName>style.visibility</p:attrName>
+                                        </p:attrNameLst>
+                                      </p:cBhvr>
+                                      <p:to>
+                                        <p:strVal val="hidden"/>
+                                      </p:to>
+                                    </p:set>
+                                  </p:childTnLst>
+                                </p:cTn>
+                              </p:par>
+                              <p:par>
+                                <p:cTn id="21" presetID="2" presetClass="exit" presetSubtype="4" fill="hold" grpId="0" nodeType="withEffect">
+                                  <p:stCondLst>
+                                    <p:cond delay="0"/>
+                                  </p:stCondLst>
+                                  <p:childTnLst>
+                                    <p:anim calcmode="lin" valueType="num">
+                                      <p:cBhvr additive="base">
+                                        <p:cTn id="22" dur="500"/>
+                                        <p:tgtEl>
+                                          <p:spTgt spid="4"/>
+                                        </p:tgtEl>
+                                        <p:attrNameLst>
+                                          <p:attrName>ppt_x</p:attrName>
+                                        </p:attrNameLst>
+                                      </p:cBhvr>
+                                      <p:tavLst>
+                                        <p:tav tm="0">
+                                          <p:val>
+                                            <p:strVal val="ppt_x"/>
+                                          </p:val>
+                                        </p:tav>
+                                        <p:tav tm="100000">
+                                          <p:val>
+                                            <p:strVal val="ppt_x"/>
+                                          </p:val>
+                                        </p:tav>
+                                      </p:tavLst>
+                                    </p:anim>
+                                    <p:anim calcmode="lin" valueType="num">
+                                      <p:cBhvr additive="base">
+                                        <p:cTn id="23" dur="500"/>
+                                        <p:tgtEl>
+                                          <p:spTgt spid="4"/>
+                                        </p:tgtEl>
+                                        <p:attrNameLst>
+                                          <p:attrName>ppt_y</p:attrName>
+                                        </p:attrNameLst>
+                                      </p:cBhvr>
+                                      <p:tavLst>
+                                        <p:tav tm="0">
+                                          <p:val>
+                                            <p:strVal val="ppt_y"/>
+                                          </p:val>
+                                        </p:tav>
+                                        <p:tav tm="100000">
+                                          <p:val>
+                                            <p:strVal val="1+ppt_h/2"/>
+                                          </p:val>
+                                        </p:tav>
+                                      </p:tavLst>
+                                    </p:anim>
+                                    <p:set>
+                                      <p:cBhvr>
+                                        <p:cTn id="24" dur="1" fill="hold">
+                                          <p:stCondLst>
+                                            <p:cond delay="499"/>
+                                          </p:stCondLst>
+                                        </p:cTn>
+                                        <p:tgtEl>
+                                          <p:spTgt spid="4"/>
+                                        </p:tgtEl>
+                                        <p:attrNameLst>
+                                          <p:attrName>style.visibility</p:attrName>
+                                        </p:attrNameLst>
+                                      </p:cBhvr>
+                                      <p:to>
+                                        <p:strVal val="hidden"/>
+                                      </p:to>
+                                    </p:set>
+                                  </p:childTnLst>
+                                </p:cTn>
+                              </p:par>
+                            </p:childTnLst>
+                          </p:cTn>
+                        </p:par>
+                      </p:childTnLst>
+                    </p:cTn>
+                  </p:par>
+                </p:childTnLst>
+              </p:cTn>
+              <p:prevCondLst>
+                <p:cond evt="onPrev" delay="0">
+                  <p:tgtEl>
+                    <p:sldTgt/>
+                  </p:tgtEl>
+                </p:cond>
+              </p:prevCondLst>
+              <p:nextCondLst>
+                <p:cond evt="onNext" delay="0">
+                  <p:tgtEl>
+                    <p:sldTgt/>
+                  </p:tgtEl>
+                </p:cond>
+              </p:nextCondLst>
+            </p:seq>
+          </p:childTnLst>
+        </p:cTn>
+      </p:par>
+    </p:tnLst>
+    <p:bldLst>
+      <p:bldP spid="4" grpId="0"/>
+      <p:bldP spid="8" grpId="0"/>
+      <p:bldP spid="11" grpId="0"/>
+      <p:bldP spid="13" grpId="0"/>
+      <p:bldP spid="17" grpId="0"/>
+    </p:bldLst>
+  </p:timing>
+</p:sld>
+</file>
+
+<file path=ppt/slides/slide9.xml><?xml version="1.0" encoding="utf-8"?>
 <p:sld xmlns:a="http://schemas.openxmlformats.org/drawingml/2006/main" xmlns:r="http://schemas.openxmlformats.org/officeDocument/2006/relationships" xmlns:p="http://schemas.openxmlformats.org/presentationml/2006/main">
   <p:cSld>
     <p:spTree>
@@ -15012,35 +16660,6 @@
 </file>
 
 <file path=customXml/item1.xml><?xml version="1.0" encoding="utf-8"?>
-<?mso-contentType ?>
-<FormTemplates xmlns="http://schemas.microsoft.com/sharepoint/v3/contenttype/forms">
-  <Display>DocumentLibraryForm</Display>
-  <Edit>DocumentLibraryForm</Edit>
-  <New>DocumentLibraryForm</New>
-</FormTemplates>
-</file>
-
-<file path=customXml/item2.xml><?xml version="1.0" encoding="utf-8"?>
-<p:properties xmlns:p="http://schemas.microsoft.com/office/2006/metadata/properties" xmlns:xsi="http://www.w3.org/2001/XMLSchema-instance" xmlns:pc="http://schemas.microsoft.com/office/infopath/2007/PartnerControls">
-  <documentManagement>
-    <Background xmlns="71af3243-3dd4-4a8d-8c0d-dd76da1f02a5">false</Background>
-    <Status xmlns="71af3243-3dd4-4a8d-8c0d-dd76da1f02a5">Not started</Status>
-    <_ip_UnifiedCompliancePolicyUIAction xmlns="http://schemas.microsoft.com/sharepoint/v3" xsi:nil="true"/>
-    <Image xmlns="71af3243-3dd4-4a8d-8c0d-dd76da1f02a5">
-      <Url xsi:nil="true"/>
-      <Description xsi:nil="true"/>
-    </Image>
-    <_ip_UnifiedCompliancePolicyProperties xmlns="http://schemas.microsoft.com/sharepoint/v3" xsi:nil="true"/>
-    <ImageTagsTaxHTField xmlns="71af3243-3dd4-4a8d-8c0d-dd76da1f02a5">
-      <Terms xmlns="http://schemas.microsoft.com/office/infopath/2007/PartnerControls"/>
-    </ImageTagsTaxHTField>
-    <TaxCatchAll xmlns="230e9df3-be65-4c73-a93b-d1236ebd677e" xsi:nil="true"/>
-    <MediaServiceKeyPoints xmlns="71af3243-3dd4-4a8d-8c0d-dd76da1f02a5" xsi:nil="true"/>
-  </documentManagement>
-</p:properties>
-</file>
-
-<file path=customXml/item3.xml><?xml version="1.0" encoding="utf-8"?>
 <ct:contentTypeSchema xmlns:ct="http://schemas.microsoft.com/office/2006/metadata/contentType" xmlns:ma="http://schemas.microsoft.com/office/2006/metadata/properties/metaAttributes" ct:_="" ma:_="" ma:contentTypeName="Document" ma:contentTypeID="0x01010079F111ED35F8CC479449609E8A0923A6" ma:contentTypeVersion="28" ma:contentTypeDescription="Create a new document." ma:contentTypeScope="" ma:versionID="60f5a4f2d2b0abadcf532d48ebf9cb71">
   <xsd:schema xmlns:xsd="http://www.w3.org/2001/XMLSchema" xmlns:xs="http://www.w3.org/2001/XMLSchema" xmlns:p="http://schemas.microsoft.com/office/2006/metadata/properties" xmlns:ns1="http://schemas.microsoft.com/sharepoint/v3" xmlns:ns2="71af3243-3dd4-4a8d-8c0d-dd76da1f02a5" xmlns:ns3="16c05727-aa75-4e4a-9b5f-8a80a1165891" xmlns:ns4="230e9df3-be65-4c73-a93b-d1236ebd677e" targetNamespace="http://schemas.microsoft.com/office/2006/metadata/properties" ma:root="true" ma:fieldsID="7dd78129e6a1811f84807ad11c651531" ns1:_="" ns2:_="" ns3:_="" ns4:_="">
     <xsd:import namespace="http://schemas.microsoft.com/sharepoint/v3"/>
@@ -15352,10 +16971,52 @@
 </ct:contentTypeSchema>
 </file>
 
+<file path=customXml/item2.xml><?xml version="1.0" encoding="utf-8"?>
+<p:properties xmlns:p="http://schemas.microsoft.com/office/2006/metadata/properties" xmlns:xsi="http://www.w3.org/2001/XMLSchema-instance" xmlns:pc="http://schemas.microsoft.com/office/infopath/2007/PartnerControls">
+  <documentManagement>
+    <Background xmlns="71af3243-3dd4-4a8d-8c0d-dd76da1f02a5">false</Background>
+    <Status xmlns="71af3243-3dd4-4a8d-8c0d-dd76da1f02a5">Not started</Status>
+    <_ip_UnifiedCompliancePolicyUIAction xmlns="http://schemas.microsoft.com/sharepoint/v3" xsi:nil="true"/>
+    <Image xmlns="71af3243-3dd4-4a8d-8c0d-dd76da1f02a5">
+      <Url xsi:nil="true"/>
+      <Description xsi:nil="true"/>
+    </Image>
+    <_ip_UnifiedCompliancePolicyProperties xmlns="http://schemas.microsoft.com/sharepoint/v3" xsi:nil="true"/>
+    <ImageTagsTaxHTField xmlns="71af3243-3dd4-4a8d-8c0d-dd76da1f02a5">
+      <Terms xmlns="http://schemas.microsoft.com/office/infopath/2007/PartnerControls"/>
+    </ImageTagsTaxHTField>
+    <TaxCatchAll xmlns="230e9df3-be65-4c73-a93b-d1236ebd677e" xsi:nil="true"/>
+    <MediaServiceKeyPoints xmlns="71af3243-3dd4-4a8d-8c0d-dd76da1f02a5" xsi:nil="true"/>
+  </documentManagement>
+</p:properties>
+</file>
+
+<file path=customXml/item3.xml><?xml version="1.0" encoding="utf-8"?>
+<?mso-contentType ?>
+<FormTemplates xmlns="http://schemas.microsoft.com/sharepoint/v3/contenttype/forms">
+  <Display>DocumentLibraryForm</Display>
+  <Edit>DocumentLibraryForm</Edit>
+  <New>DocumentLibraryForm</New>
+</FormTemplates>
+</file>
+
 <file path=customXml/itemProps1.xml><?xml version="1.0" encoding="utf-8"?>
-<ds:datastoreItem xmlns:ds="http://schemas.openxmlformats.org/officeDocument/2006/customXml" ds:itemID="{C21FFAC0-05A2-416A-B06C-C248395482CF}">
+<ds:datastoreItem xmlns:ds="http://schemas.openxmlformats.org/officeDocument/2006/customXml" ds:itemID="{92DB9E12-8AC3-4138-BF4D-720A5525AB10}">
   <ds:schemaRefs>
-    <ds:schemaRef ds:uri="http://schemas.microsoft.com/sharepoint/v3/contenttype/forms"/>
+    <ds:schemaRef ds:uri="http://schemas.microsoft.com/office/2006/metadata/contentType"/>
+    <ds:schemaRef ds:uri="http://schemas.microsoft.com/office/2006/metadata/properties/metaAttributes"/>
+    <ds:schemaRef ds:uri="http://www.w3.org/2001/XMLSchema"/>
+    <ds:schemaRef ds:uri="http://schemas.microsoft.com/office/2006/metadata/properties"/>
+    <ds:schemaRef ds:uri="http://schemas.microsoft.com/sharepoint/v3"/>
+    <ds:schemaRef ds:uri="71af3243-3dd4-4a8d-8c0d-dd76da1f02a5"/>
+    <ds:schemaRef ds:uri="16c05727-aa75-4e4a-9b5f-8a80a1165891"/>
+    <ds:schemaRef ds:uri="230e9df3-be65-4c73-a93b-d1236ebd677e"/>
+    <ds:schemaRef ds:uri="http://schemas.microsoft.com/office/2006/documentManagement/types"/>
+    <ds:schemaRef ds:uri="http://schemas.microsoft.com/office/infopath/2007/PartnerControls"/>
+    <ds:schemaRef ds:uri="http://schemas.openxmlformats.org/package/2006/metadata/core-properties"/>
+    <ds:schemaRef ds:uri="http://purl.org/dc/elements/1.1/"/>
+    <ds:schemaRef ds:uri="http://purl.org/dc/terms/"/>
+    <ds:schemaRef ds:uri="http://schemas.microsoft.com/internal/obd"/>
   </ds:schemaRefs>
 </ds:datastoreItem>
 </file>
@@ -15380,22 +17041,9 @@
 </file>
 
 <file path=customXml/itemProps3.xml><?xml version="1.0" encoding="utf-8"?>
-<ds:datastoreItem xmlns:ds="http://schemas.openxmlformats.org/officeDocument/2006/customXml" ds:itemID="{92DB9E12-8AC3-4138-BF4D-720A5525AB10}">
+<ds:datastoreItem xmlns:ds="http://schemas.openxmlformats.org/officeDocument/2006/customXml" ds:itemID="{C21FFAC0-05A2-416A-B06C-C248395482CF}">
   <ds:schemaRefs>
-    <ds:schemaRef ds:uri="http://schemas.microsoft.com/office/2006/metadata/contentType"/>
-    <ds:schemaRef ds:uri="http://schemas.microsoft.com/office/2006/metadata/properties/metaAttributes"/>
-    <ds:schemaRef ds:uri="http://www.w3.org/2001/XMLSchema"/>
-    <ds:schemaRef ds:uri="http://schemas.microsoft.com/office/2006/metadata/properties"/>
-    <ds:schemaRef ds:uri="http://schemas.microsoft.com/sharepoint/v3"/>
-    <ds:schemaRef ds:uri="71af3243-3dd4-4a8d-8c0d-dd76da1f02a5"/>
-    <ds:schemaRef ds:uri="16c05727-aa75-4e4a-9b5f-8a80a1165891"/>
-    <ds:schemaRef ds:uri="230e9df3-be65-4c73-a93b-d1236ebd677e"/>
-    <ds:schemaRef ds:uri="http://schemas.microsoft.com/office/2006/documentManagement/types"/>
-    <ds:schemaRef ds:uri="http://schemas.microsoft.com/office/infopath/2007/PartnerControls"/>
-    <ds:schemaRef ds:uri="http://schemas.openxmlformats.org/package/2006/metadata/core-properties"/>
-    <ds:schemaRef ds:uri="http://purl.org/dc/elements/1.1/"/>
-    <ds:schemaRef ds:uri="http://purl.org/dc/terms/"/>
-    <ds:schemaRef ds:uri="http://schemas.microsoft.com/internal/obd"/>
+    <ds:schemaRef ds:uri="http://schemas.microsoft.com/sharepoint/v3/contenttype/forms"/>
   </ds:schemaRefs>
 </ds:datastoreItem>
 </file>

--- a/Praesentation/MB-Veranstaltung_Sprachmodelle_0.1.pptx
+++ b/Praesentation/MB-Veranstaltung_Sprachmodelle_0.1.pptx
@@ -11005,21 +11005,21 @@
             <a:pPr rtl="0"/>
             <a:r>
               <a:rPr lang="de-DE" dirty="0"/>
-              <a:t>Interpretation des Lehrplans zum Thema</a:t>
+              <a:t>Interpretationen des Lehrplans</a:t>
             </a:r>
           </a:p>
           <a:p>
             <a:pPr rtl="0"/>
             <a:r>
               <a:rPr lang="de-DE" dirty="0"/>
-              <a:t>Gemeinsame Einführung Level A</a:t>
+              <a:t>Gemeinsame Einführung Szenario A</a:t>
             </a:r>
           </a:p>
           <a:p>
             <a:pPr rtl="0"/>
             <a:r>
               <a:rPr lang="de-DE" dirty="0"/>
-              <a:t>„Hands on“ der Level </a:t>
+              <a:t>„Hands on“ der Szenarien </a:t>
             </a:r>
             <a:r>
               <a:rPr lang="de-DE" dirty="0">
@@ -11855,6 +11855,10 @@
           </a:bodyPr>
           <a:lstStyle/>
           <a:p>
+            <a:pPr marL="285750" indent="-285750">
+              <a:buFont typeface="Arial" panose="020B0604020202020204" pitchFamily="34" charset="0"/>
+              <a:buChar char="•"/>
+            </a:pPr>
             <a:r>
               <a:rPr lang="de-DE" b="1" i="1" dirty="0">
                 <a:solidFill>
@@ -11865,6 +11869,10 @@
             </a:r>
           </a:p>
           <a:p>
+            <a:pPr marL="285750" indent="-285750">
+              <a:buFont typeface="Arial" panose="020B0604020202020204" pitchFamily="34" charset="0"/>
+              <a:buChar char="•"/>
+            </a:pPr>
             <a:r>
               <a:rPr lang="de-DE" b="1" i="1" dirty="0">
                 <a:solidFill>
@@ -13613,6 +13621,10 @@
           </a:bodyPr>
           <a:lstStyle/>
           <a:p>
+            <a:pPr marL="285750" indent="-285750">
+              <a:buFont typeface="Arial" panose="020B0604020202020204" pitchFamily="34" charset="0"/>
+              <a:buChar char="•"/>
+            </a:pPr>
             <a:r>
               <a:rPr lang="de-DE" b="1" i="1" dirty="0">
                 <a:solidFill>
@@ -13623,6 +13635,10 @@
             </a:r>
           </a:p>
           <a:p>
+            <a:pPr marL="285750" indent="-285750">
+              <a:buFont typeface="Arial" panose="020B0604020202020204" pitchFamily="34" charset="0"/>
+              <a:buChar char="•"/>
+            </a:pPr>
             <a:r>
               <a:rPr lang="de-DE" b="1" i="1" dirty="0">
                 <a:solidFill>
@@ -14398,7 +14414,7 @@
         <p:spPr>
           <a:xfrm>
             <a:off x="1068247" y="2017448"/>
-            <a:ext cx="10703206" cy="2910605"/>
+            <a:ext cx="10703206" cy="3200107"/>
           </a:xfrm>
           <a:prstGeom prst="rect">
             <a:avLst/>
@@ -14472,12 +14488,18 @@
                   <a:srgbClr val="000000"/>
                 </a:solidFill>
                 <a:effectLst/>
+                <a:highlight>
+                  <a:srgbClr val="00FF00"/>
+                </a:highlight>
                 <a:latin typeface="Calibri" panose="020F0502020204030204" pitchFamily="34" charset="0"/>
               </a:rPr>
               <a:t>wenden Sprachmodelle                 an, vergleichen unterschiedliche Modelle und bewerten deren Ausgaben.</a:t>
             </a:r>
             <a:endParaRPr lang="de-DE" sz="3600" dirty="0">
               <a:effectLst/>
+              <a:highlight>
+                <a:srgbClr val="00FF00"/>
+              </a:highlight>
             </a:endParaRPr>
           </a:p>
           <a:p>
@@ -14525,6 +14547,17 @@
               </a:rPr>
               <a:t>Inhalte </a:t>
             </a:r>
+          </a:p>
+          <a:p>
+            <a:pPr algn="just">
+              <a:spcBef>
+                <a:spcPts val="600"/>
+              </a:spcBef>
+              <a:spcAft>
+                <a:spcPts val="600"/>
+              </a:spcAft>
+              <a:buNone/>
+            </a:pPr>
             <a:endParaRPr lang="de-DE" sz="3600" dirty="0">
               <a:effectLst/>
             </a:endParaRPr>
@@ -14548,32 +14581,17 @@
                 <a:effectLst/>
                 <a:latin typeface="Calibri" panose="020F0502020204030204" pitchFamily="34" charset="0"/>
               </a:rPr>
-              <a:t>Aufbau                   und strukturierter Prompts</a:t>
+              <a:t>Grenzen (z. B. Halluzinationen, Aktualität bzw. Umfang der Trainingsdaten</a:t>
             </a:r>
-            <a:endParaRPr lang="de-DE" sz="3600" dirty="0">
-              <a:effectLst/>
-            </a:endParaRPr>
-          </a:p>
-          <a:p>
-            <a:pPr marL="457200" indent="-228600">
-              <a:lnSpc>
-                <a:spcPct val="114000"/>
-              </a:lnSpc>
-              <a:spcAft>
-                <a:spcPts val="800"/>
-              </a:spcAft>
-              <a:buFont typeface="Arial" panose="020B0604020202020204" pitchFamily="34" charset="0"/>
-              <a:buChar char="•"/>
-            </a:pPr>
             <a:r>
-              <a:rPr lang="de-DE" sz="1800" dirty="0">
+              <a:rPr lang="de-DE" sz="1800">
                 <a:solidFill>
                   <a:srgbClr val="000000"/>
                 </a:solidFill>
                 <a:effectLst/>
                 <a:latin typeface="Calibri" panose="020F0502020204030204" pitchFamily="34" charset="0"/>
               </a:rPr>
-              <a:t>Grenzen (z. B. Halluzinationen, Aktualität bzw. Umfang der Trainingsdaten, Bias</a:t>
+              <a:t>, Bias)</a:t>
             </a:r>
             <a:endParaRPr lang="de-DE" dirty="0"/>
           </a:p>
@@ -14613,20 +14631,27 @@
                   <a:srgbClr val="000000"/>
                 </a:solidFill>
                 <a:effectLst/>
+                <a:highlight>
+                  <a:srgbClr val="FFFF00"/>
+                </a:highlight>
                 <a:latin typeface="Calibri" panose="020F0502020204030204" pitchFamily="34" charset="0"/>
               </a:rPr>
               <a:t>effizient</a:t>
             </a:r>
-            <a:endParaRPr lang="de-DE" b="1" dirty="0"/>
+            <a:endParaRPr lang="de-DE" b="1" dirty="0">
+              <a:highlight>
+                <a:srgbClr val="FFFF00"/>
+              </a:highlight>
+            </a:endParaRPr>
           </a:p>
         </p:txBody>
       </p:sp>
       <p:sp>
         <p:nvSpPr>
-          <p:cNvPr id="9" name="Textfeld 8">
+          <p:cNvPr id="3" name="Textfeld 2">
             <a:extLst>
               <a:ext uri="{FF2B5EF4-FFF2-40B4-BE49-F238E27FC236}">
-                <a16:creationId xmlns:a16="http://schemas.microsoft.com/office/drawing/2014/main" id="{524FDD41-257D-0B04-0730-869799ADA7BC}"/>
+                <a16:creationId xmlns:a16="http://schemas.microsoft.com/office/drawing/2014/main" id="{8A72A6C2-E326-9F22-0CB1-32834DAC2843}"/>
               </a:ext>
             </a:extLst>
           </p:cNvPr>
@@ -14635,8 +14660,8 @@
         </p:nvSpPr>
         <p:spPr>
           <a:xfrm>
-            <a:off x="2225233" y="4104298"/>
-            <a:ext cx="1131424" cy="369332"/>
+            <a:off x="1068779" y="4319057"/>
+            <a:ext cx="6094070" cy="388440"/>
           </a:xfrm>
           <a:prstGeom prst="rect">
             <a:avLst/>
@@ -14649,17 +14674,134 @@
           </a:bodyPr>
           <a:lstStyle/>
           <a:p>
+            <a:pPr marL="457200" indent="-228600">
+              <a:lnSpc>
+                <a:spcPct val="114000"/>
+              </a:lnSpc>
+              <a:spcAft>
+                <a:spcPts val="800"/>
+              </a:spcAft>
+              <a:buFont typeface="Arial" panose="020B0604020202020204" pitchFamily="34" charset="0"/>
+              <a:buChar char="•"/>
+            </a:pPr>
             <a:r>
-              <a:rPr lang="de-DE" sz="1800" b="1" dirty="0">
+              <a:rPr lang="de-DE" sz="1800" dirty="0">
+                <a:solidFill>
+                  <a:srgbClr val="000000"/>
+                </a:solidFill>
+                <a:effectLst/>
+                <a:highlight>
+                  <a:srgbClr val="FFFF00"/>
+                </a:highlight>
+                <a:latin typeface="Calibri" panose="020F0502020204030204" pitchFamily="34" charset="0"/>
+              </a:rPr>
+              <a:t>Einblick in </a:t>
+            </a:r>
+            <a:r>
+              <a:rPr lang="de-DE" sz="1800" dirty="0" err="1">
+                <a:solidFill>
+                  <a:srgbClr val="000000"/>
+                </a:solidFill>
+                <a:effectLst/>
+                <a:highlight>
+                  <a:srgbClr val="FFFF00"/>
+                </a:highlight>
+                <a:latin typeface="Calibri" panose="020F0502020204030204" pitchFamily="34" charset="0"/>
+              </a:rPr>
+              <a:t>Prompting</a:t>
+            </a:r>
+            <a:r>
+              <a:rPr lang="de-DE" sz="1800" dirty="0">
+                <a:solidFill>
+                  <a:srgbClr val="000000"/>
+                </a:solidFill>
+                <a:effectLst/>
+                <a:highlight>
+                  <a:srgbClr val="FFFF00"/>
+                </a:highlight>
+                <a:latin typeface="Calibri" panose="020F0502020204030204" pitchFamily="34" charset="0"/>
+              </a:rPr>
+              <a:t>-Techniken</a:t>
+            </a:r>
+            <a:endParaRPr lang="de-DE" sz="3600" dirty="0">
+              <a:effectLst/>
+              <a:highlight>
+                <a:srgbClr val="FFFF00"/>
+              </a:highlight>
+            </a:endParaRPr>
+          </a:p>
+        </p:txBody>
+      </p:sp>
+      <p:sp>
+        <p:nvSpPr>
+          <p:cNvPr id="6" name="Textfeld 5">
+            <a:extLst>
+              <a:ext uri="{FF2B5EF4-FFF2-40B4-BE49-F238E27FC236}">
+                <a16:creationId xmlns:a16="http://schemas.microsoft.com/office/drawing/2014/main" id="{5D1CD3EA-703B-FA0D-8762-BF0805EEED1F}"/>
+              </a:ext>
+            </a:extLst>
+          </p:cNvPr>
+          <p:cNvSpPr txBox="1"/>
+          <p:nvPr/>
+        </p:nvSpPr>
+        <p:spPr>
+          <a:xfrm>
+            <a:off x="1068247" y="4319057"/>
+            <a:ext cx="6094602" cy="388440"/>
+          </a:xfrm>
+          <a:prstGeom prst="rect">
+            <a:avLst/>
+          </a:prstGeom>
+          <a:noFill/>
+        </p:spPr>
+        <p:txBody>
+          <a:bodyPr wrap="square">
+            <a:spAutoFit/>
+          </a:bodyPr>
+          <a:lstStyle/>
+          <a:p>
+            <a:pPr marL="457200" indent="-228600">
+              <a:lnSpc>
+                <a:spcPct val="114000"/>
+              </a:lnSpc>
+              <a:spcAft>
+                <a:spcPts val="800"/>
+              </a:spcAft>
+              <a:buFont typeface="Arial" panose="020B0604020202020204" pitchFamily="34" charset="0"/>
+              <a:buChar char="•"/>
+            </a:pPr>
+            <a:r>
+              <a:rPr lang="de-DE" sz="1800" dirty="0">
                 <a:solidFill>
                   <a:srgbClr val="000000"/>
                 </a:solidFill>
                 <a:effectLst/>
                 <a:latin typeface="Calibri" panose="020F0502020204030204" pitchFamily="34" charset="0"/>
               </a:rPr>
+              <a:t>Aufbau </a:t>
+            </a:r>
+            <a:r>
+              <a:rPr lang="de-DE" dirty="0">
+                <a:solidFill>
+                  <a:srgbClr val="000000"/>
+                </a:solidFill>
+                <a:latin typeface="Calibri" panose="020F0502020204030204" pitchFamily="34" charset="0"/>
+              </a:rPr>
               <a:t>effektiver</a:t>
             </a:r>
-            <a:endParaRPr lang="de-DE" b="1" dirty="0"/>
+            <a:r>
+              <a:rPr lang="de-DE" sz="1800" dirty="0">
+                <a:solidFill>
+                  <a:srgbClr val="000000"/>
+                </a:solidFill>
+                <a:effectLst/>
+                <a:latin typeface="Calibri" panose="020F0502020204030204" pitchFamily="34" charset="0"/>
+              </a:rPr>
+              <a:t> und strukturierter Prompts</a:t>
+            </a:r>
+            <a:endParaRPr lang="de-DE" sz="3600" dirty="0">
+              <a:effectLst/>
+            </a:endParaRPr>
           </a:p>
         </p:txBody>
       </p:sp>
@@ -14694,39 +14836,30 @@
                             </p:stCondLst>
                             <p:childTnLst>
                               <p:par>
-                                <p:cTn id="5" presetID="8" presetClass="emph" presetSubtype="0" fill="hold" grpId="1" nodeType="clickEffect">
+                                <p:cTn id="5" presetID="1" presetClass="entr" presetSubtype="0" fill="hold" grpId="0" nodeType="clickEffect">
                                   <p:stCondLst>
                                     <p:cond delay="0"/>
                                   </p:stCondLst>
                                   <p:childTnLst>
-                                    <p:animRot by="21600000">
+                                    <p:set>
                                       <p:cBhvr>
-                                        <p:cTn id="6" dur="2000" fill="hold"/>
+                                        <p:cTn id="6" dur="1" fill="hold">
+                                          <p:stCondLst>
+                                            <p:cond delay="0"/>
+                                          </p:stCondLst>
+                                        </p:cTn>
                                         <p:tgtEl>
                                           <p:spTgt spid="7"/>
                                         </p:tgtEl>
                                         <p:attrNameLst>
-                                          <p:attrName>r</p:attrName>
-                                        </p:attrNameLst>
-                                      </p:cBhvr>
-                                    </p:animRot>
-                                  </p:childTnLst>
-                                  <p:subTnLst>
-                                    <p:animClr clrSpc="rgb" dir="cw">
-                                      <p:cBhvr override="childStyle">
-                                        <p:cTn dur="1" fill="hold" display="0" masterRel="nextClick" afterEffect="1"/>
-                                        <p:tgtEl>
-                                          <p:spTgt spid="7"/>
-                                        </p:tgtEl>
-                                        <p:attrNameLst>
-                                          <p:attrName>ppt_c</p:attrName>
+                                          <p:attrName>style.visibility</p:attrName>
                                         </p:attrNameLst>
                                       </p:cBhvr>
                                       <p:to>
-                                        <a:schemeClr val="folHlink"/>
+                                        <p:strVal val="visible"/>
                                       </p:to>
-                                    </p:animClr>
-                                  </p:subTnLst>
+                                    </p:set>
+                                  </p:childTnLst>
                                 </p:cTn>
                               </p:par>
                             </p:childTnLst>
@@ -14748,39 +14881,129 @@
                             </p:stCondLst>
                             <p:childTnLst>
                               <p:par>
-                                <p:cTn id="9" presetID="8" presetClass="emph" presetSubtype="0" fill="hold" grpId="0" nodeType="clickEffect">
+                                <p:cTn id="9" presetID="1" presetClass="exit" presetSubtype="0" fill="hold" grpId="0" nodeType="clickEffect">
                                   <p:stCondLst>
                                     <p:cond delay="0"/>
                                   </p:stCondLst>
                                   <p:childTnLst>
-                                    <p:animRot by="21600000">
+                                    <p:set>
                                       <p:cBhvr>
-                                        <p:cTn id="10" dur="2000" fill="hold"/>
+                                        <p:cTn id="10" dur="1" fill="hold">
+                                          <p:stCondLst>
+                                            <p:cond delay="0"/>
+                                          </p:stCondLst>
+                                        </p:cTn>
                                         <p:tgtEl>
-                                          <p:spTgt spid="9"/>
+                                          <p:spTgt spid="6"/>
                                         </p:tgtEl>
                                         <p:attrNameLst>
-                                          <p:attrName>r</p:attrName>
-                                        </p:attrNameLst>
-                                      </p:cBhvr>
-                                    </p:animRot>
-                                  </p:childTnLst>
-                                  <p:subTnLst>
-                                    <p:animClr clrSpc="rgb" dir="cw">
-                                      <p:cBhvr override="childStyle">
-                                        <p:cTn dur="1" fill="hold" display="0" masterRel="nextClick" afterEffect="1"/>
-                                        <p:tgtEl>
-                                          <p:spTgt spid="9"/>
-                                        </p:tgtEl>
-                                        <p:attrNameLst>
-                                          <p:attrName>ppt_c</p:attrName>
+                                          <p:attrName>style.visibility</p:attrName>
                                         </p:attrNameLst>
                                       </p:cBhvr>
                                       <p:to>
-                                        <a:schemeClr val="folHlink"/>
+                                        <p:strVal val="hidden"/>
                                       </p:to>
-                                    </p:animClr>
-                                  </p:subTnLst>
+                                    </p:set>
+                                  </p:childTnLst>
+                                </p:cTn>
+                              </p:par>
+                              <p:par>
+                                <p:cTn id="11" presetID="1" presetClass="entr" presetSubtype="0" fill="hold" grpId="0" nodeType="withEffect">
+                                  <p:stCondLst>
+                                    <p:cond delay="0"/>
+                                  </p:stCondLst>
+                                  <p:childTnLst>
+                                    <p:set>
+                                      <p:cBhvr>
+                                        <p:cTn id="12" dur="1" fill="hold">
+                                          <p:stCondLst>
+                                            <p:cond delay="0"/>
+                                          </p:stCondLst>
+                                        </p:cTn>
+                                        <p:tgtEl>
+                                          <p:spTgt spid="3"/>
+                                        </p:tgtEl>
+                                        <p:attrNameLst>
+                                          <p:attrName>style.visibility</p:attrName>
+                                        </p:attrNameLst>
+                                      </p:cBhvr>
+                                      <p:to>
+                                        <p:strVal val="visible"/>
+                                      </p:to>
+                                    </p:set>
+                                  </p:childTnLst>
+                                </p:cTn>
+                              </p:par>
+                            </p:childTnLst>
+                          </p:cTn>
+                        </p:par>
+                      </p:childTnLst>
+                    </p:cTn>
+                  </p:par>
+                  <p:par>
+                    <p:cTn id="13" fill="hold">
+                      <p:stCondLst>
+                        <p:cond delay="indefinite"/>
+                      </p:stCondLst>
+                      <p:childTnLst>
+                        <p:par>
+                          <p:cTn id="14" fill="hold">
+                            <p:stCondLst>
+                              <p:cond delay="0"/>
+                            </p:stCondLst>
+                            <p:childTnLst>
+                              <p:par>
+                                <p:cTn id="15" presetID="1" presetClass="exit" presetSubtype="0" fill="hold" grpId="2" nodeType="clickEffect">
+                                  <p:stCondLst>
+                                    <p:cond delay="0"/>
+                                  </p:stCondLst>
+                                  <p:childTnLst>
+                                    <p:set>
+                                      <p:cBhvr>
+                                        <p:cTn id="16" dur="1" fill="hold">
+                                          <p:stCondLst>
+                                            <p:cond delay="0"/>
+                                          </p:stCondLst>
+                                        </p:cTn>
+                                        <p:tgtEl>
+                                          <p:spTgt spid="3"/>
+                                        </p:tgtEl>
+                                        <p:attrNameLst>
+                                          <p:attrName>style.visibility</p:attrName>
+                                        </p:attrNameLst>
+                                      </p:cBhvr>
+                                      <p:to>
+                                        <p:strVal val="hidden"/>
+                                      </p:to>
+                                    </p:set>
+                                  </p:childTnLst>
+                                </p:cTn>
+                              </p:par>
+                              <p:par>
+                                <p:cTn id="17" presetID="1" presetClass="entr" presetSubtype="0" fill="hold" grpId="1" nodeType="withEffect">
+                                  <p:stCondLst>
+                                    <p:cond delay="0"/>
+                                  </p:stCondLst>
+                                  <p:childTnLst>
+                                    <p:set>
+                                      <p:cBhvr>
+                                        <p:cTn id="18" dur="1" fill="hold">
+                                          <p:stCondLst>
+                                            <p:cond delay="0"/>
+                                          </p:stCondLst>
+                                        </p:cTn>
+                                        <p:tgtEl>
+                                          <p:spTgt spid="6"/>
+                                        </p:tgtEl>
+                                        <p:attrNameLst>
+                                          <p:attrName>style.visibility</p:attrName>
+                                        </p:attrNameLst>
+                                      </p:cBhvr>
+                                      <p:to>
+                                        <p:strVal val="visible"/>
+                                      </p:to>
+                                    </p:set>
+                                  </p:childTnLst>
                                 </p:cTn>
                               </p:par>
                             </p:childTnLst>
@@ -14811,8 +15034,11 @@
       </p:par>
     </p:tnLst>
     <p:bldLst>
-      <p:bldP spid="7" grpId="1"/>
-      <p:bldP spid="9" grpId="0"/>
+      <p:bldP spid="7" grpId="0"/>
+      <p:bldP spid="3" grpId="0"/>
+      <p:bldP spid="3" grpId="2"/>
+      <p:bldP spid="6" grpId="0"/>
+      <p:bldP spid="6" grpId="1"/>
     </p:bldLst>
   </p:timing>
 </p:sld>
@@ -15498,225 +15724,6 @@
                                   </p:childTnLst>
                                 </p:cTn>
                               </p:par>
-                              <p:par>
-                                <p:cTn id="13" presetID="2" presetClass="exit" presetSubtype="4" fill="hold" grpId="0" nodeType="withEffect">
-                                  <p:stCondLst>
-                                    <p:cond delay="0"/>
-                                  </p:stCondLst>
-                                  <p:childTnLst>
-                                    <p:anim calcmode="lin" valueType="num">
-                                      <p:cBhvr additive="base">
-                                        <p:cTn id="14" dur="500"/>
-                                        <p:tgtEl>
-                                          <p:spTgt spid="11"/>
-                                        </p:tgtEl>
-                                        <p:attrNameLst>
-                                          <p:attrName>ppt_x</p:attrName>
-                                        </p:attrNameLst>
-                                      </p:cBhvr>
-                                      <p:tavLst>
-                                        <p:tav tm="0">
-                                          <p:val>
-                                            <p:strVal val="ppt_x"/>
-                                          </p:val>
-                                        </p:tav>
-                                        <p:tav tm="100000">
-                                          <p:val>
-                                            <p:strVal val="ppt_x"/>
-                                          </p:val>
-                                        </p:tav>
-                                      </p:tavLst>
-                                    </p:anim>
-                                    <p:anim calcmode="lin" valueType="num">
-                                      <p:cBhvr additive="base">
-                                        <p:cTn id="15" dur="500"/>
-                                        <p:tgtEl>
-                                          <p:spTgt spid="11"/>
-                                        </p:tgtEl>
-                                        <p:attrNameLst>
-                                          <p:attrName>ppt_y</p:attrName>
-                                        </p:attrNameLst>
-                                      </p:cBhvr>
-                                      <p:tavLst>
-                                        <p:tav tm="0">
-                                          <p:val>
-                                            <p:strVal val="ppt_y"/>
-                                          </p:val>
-                                        </p:tav>
-                                        <p:tav tm="100000">
-                                          <p:val>
-                                            <p:strVal val="1+ppt_h/2"/>
-                                          </p:val>
-                                        </p:tav>
-                                      </p:tavLst>
-                                    </p:anim>
-                                    <p:set>
-                                      <p:cBhvr>
-                                        <p:cTn id="16" dur="1" fill="hold">
-                                          <p:stCondLst>
-                                            <p:cond delay="499"/>
-                                          </p:stCondLst>
-                                        </p:cTn>
-                                        <p:tgtEl>
-                                          <p:spTgt spid="11"/>
-                                        </p:tgtEl>
-                                        <p:attrNameLst>
-                                          <p:attrName>style.visibility</p:attrName>
-                                        </p:attrNameLst>
-                                      </p:cBhvr>
-                                      <p:to>
-                                        <p:strVal val="hidden"/>
-                                      </p:to>
-                                    </p:set>
-                                  </p:childTnLst>
-                                </p:cTn>
-                              </p:par>
-                              <p:par>
-                                <p:cTn id="17" presetID="2" presetClass="exit" presetSubtype="4" fill="hold" grpId="0" nodeType="withEffect">
-                                  <p:stCondLst>
-                                    <p:cond delay="0"/>
-                                  </p:stCondLst>
-                                  <p:childTnLst>
-                                    <p:anim calcmode="lin" valueType="num">
-                                      <p:cBhvr additive="base">
-                                        <p:cTn id="18" dur="500"/>
-                                        <p:tgtEl>
-                                          <p:spTgt spid="8"/>
-                                        </p:tgtEl>
-                                        <p:attrNameLst>
-                                          <p:attrName>ppt_x</p:attrName>
-                                        </p:attrNameLst>
-                                      </p:cBhvr>
-                                      <p:tavLst>
-                                        <p:tav tm="0">
-                                          <p:val>
-                                            <p:strVal val="ppt_x"/>
-                                          </p:val>
-                                        </p:tav>
-                                        <p:tav tm="100000">
-                                          <p:val>
-                                            <p:strVal val="ppt_x"/>
-                                          </p:val>
-                                        </p:tav>
-                                      </p:tavLst>
-                                    </p:anim>
-                                    <p:anim calcmode="lin" valueType="num">
-                                      <p:cBhvr additive="base">
-                                        <p:cTn id="19" dur="500"/>
-                                        <p:tgtEl>
-                                          <p:spTgt spid="8"/>
-                                        </p:tgtEl>
-                                        <p:attrNameLst>
-                                          <p:attrName>ppt_y</p:attrName>
-                                        </p:attrNameLst>
-                                      </p:cBhvr>
-                                      <p:tavLst>
-                                        <p:tav tm="0">
-                                          <p:val>
-                                            <p:strVal val="ppt_y"/>
-                                          </p:val>
-                                        </p:tav>
-                                        <p:tav tm="100000">
-                                          <p:val>
-                                            <p:strVal val="1+ppt_h/2"/>
-                                          </p:val>
-                                        </p:tav>
-                                      </p:tavLst>
-                                    </p:anim>
-                                    <p:set>
-                                      <p:cBhvr>
-                                        <p:cTn id="20" dur="1" fill="hold">
-                                          <p:stCondLst>
-                                            <p:cond delay="499"/>
-                                          </p:stCondLst>
-                                        </p:cTn>
-                                        <p:tgtEl>
-                                          <p:spTgt spid="8"/>
-                                        </p:tgtEl>
-                                        <p:attrNameLst>
-                                          <p:attrName>style.visibility</p:attrName>
-                                        </p:attrNameLst>
-                                      </p:cBhvr>
-                                      <p:to>
-                                        <p:strVal val="hidden"/>
-                                      </p:to>
-                                    </p:set>
-                                  </p:childTnLst>
-                                </p:cTn>
-                              </p:par>
-                              <p:par>
-                                <p:cTn id="21" presetID="2" presetClass="exit" presetSubtype="4" fill="hold" grpId="0" nodeType="withEffect">
-                                  <p:stCondLst>
-                                    <p:cond delay="0"/>
-                                  </p:stCondLst>
-                                  <p:childTnLst>
-                                    <p:anim calcmode="lin" valueType="num">
-                                      <p:cBhvr additive="base">
-                                        <p:cTn id="22" dur="500"/>
-                                        <p:tgtEl>
-                                          <p:spTgt spid="4"/>
-                                        </p:tgtEl>
-                                        <p:attrNameLst>
-                                          <p:attrName>ppt_x</p:attrName>
-                                        </p:attrNameLst>
-                                      </p:cBhvr>
-                                      <p:tavLst>
-                                        <p:tav tm="0">
-                                          <p:val>
-                                            <p:strVal val="ppt_x"/>
-                                          </p:val>
-                                        </p:tav>
-                                        <p:tav tm="100000">
-                                          <p:val>
-                                            <p:strVal val="ppt_x"/>
-                                          </p:val>
-                                        </p:tav>
-                                      </p:tavLst>
-                                    </p:anim>
-                                    <p:anim calcmode="lin" valueType="num">
-                                      <p:cBhvr additive="base">
-                                        <p:cTn id="23" dur="500"/>
-                                        <p:tgtEl>
-                                          <p:spTgt spid="4"/>
-                                        </p:tgtEl>
-                                        <p:attrNameLst>
-                                          <p:attrName>ppt_y</p:attrName>
-                                        </p:attrNameLst>
-                                      </p:cBhvr>
-                                      <p:tavLst>
-                                        <p:tav tm="0">
-                                          <p:val>
-                                            <p:strVal val="ppt_y"/>
-                                          </p:val>
-                                        </p:tav>
-                                        <p:tav tm="100000">
-                                          <p:val>
-                                            <p:strVal val="1+ppt_h/2"/>
-                                          </p:val>
-                                        </p:tav>
-                                      </p:tavLst>
-                                    </p:anim>
-                                    <p:set>
-                                      <p:cBhvr>
-                                        <p:cTn id="24" dur="1" fill="hold">
-                                          <p:stCondLst>
-                                            <p:cond delay="499"/>
-                                          </p:stCondLst>
-                                        </p:cTn>
-                                        <p:tgtEl>
-                                          <p:spTgt spid="4"/>
-                                        </p:tgtEl>
-                                        <p:attrNameLst>
-                                          <p:attrName>style.visibility</p:attrName>
-                                        </p:attrNameLst>
-                                      </p:cBhvr>
-                                      <p:to>
-                                        <p:strVal val="hidden"/>
-                                      </p:to>
-                                    </p:set>
-                                  </p:childTnLst>
-                                </p:cTn>
-                              </p:par>
                             </p:childTnLst>
                           </p:cTn>
                         </p:par>
@@ -15745,11 +15752,8 @@
       </p:par>
     </p:tnLst>
     <p:bldLst>
-      <p:bldP spid="4" grpId="0"/>
-      <p:bldP spid="8" grpId="0"/>
-      <p:bldP spid="11" grpId="0"/>
-      <p:bldP spid="13" grpId="0"/>
-      <p:bldP spid="17" grpId="0"/>
+      <p:bldP spid="13" grpId="0" animBg="1"/>
+      <p:bldP spid="17" grpId="0" animBg="1"/>
     </p:bldLst>
   </p:timing>
 </p:sld>
@@ -16660,6 +16664,35 @@
 </file>
 
 <file path=customXml/item1.xml><?xml version="1.0" encoding="utf-8"?>
+<?mso-contentType ?>
+<FormTemplates xmlns="http://schemas.microsoft.com/sharepoint/v3/contenttype/forms">
+  <Display>DocumentLibraryForm</Display>
+  <Edit>DocumentLibraryForm</Edit>
+  <New>DocumentLibraryForm</New>
+</FormTemplates>
+</file>
+
+<file path=customXml/item2.xml><?xml version="1.0" encoding="utf-8"?>
+<p:properties xmlns:p="http://schemas.microsoft.com/office/2006/metadata/properties" xmlns:xsi="http://www.w3.org/2001/XMLSchema-instance" xmlns:pc="http://schemas.microsoft.com/office/infopath/2007/PartnerControls">
+  <documentManagement>
+    <Background xmlns="71af3243-3dd4-4a8d-8c0d-dd76da1f02a5">false</Background>
+    <Status xmlns="71af3243-3dd4-4a8d-8c0d-dd76da1f02a5">Not started</Status>
+    <_ip_UnifiedCompliancePolicyUIAction xmlns="http://schemas.microsoft.com/sharepoint/v3" xsi:nil="true"/>
+    <Image xmlns="71af3243-3dd4-4a8d-8c0d-dd76da1f02a5">
+      <Url xsi:nil="true"/>
+      <Description xsi:nil="true"/>
+    </Image>
+    <_ip_UnifiedCompliancePolicyProperties xmlns="http://schemas.microsoft.com/sharepoint/v3" xsi:nil="true"/>
+    <ImageTagsTaxHTField xmlns="71af3243-3dd4-4a8d-8c0d-dd76da1f02a5">
+      <Terms xmlns="http://schemas.microsoft.com/office/infopath/2007/PartnerControls"/>
+    </ImageTagsTaxHTField>
+    <TaxCatchAll xmlns="230e9df3-be65-4c73-a93b-d1236ebd677e" xsi:nil="true"/>
+    <MediaServiceKeyPoints xmlns="71af3243-3dd4-4a8d-8c0d-dd76da1f02a5" xsi:nil="true"/>
+  </documentManagement>
+</p:properties>
+</file>
+
+<file path=customXml/item3.xml><?xml version="1.0" encoding="utf-8"?>
 <ct:contentTypeSchema xmlns:ct="http://schemas.microsoft.com/office/2006/metadata/contentType" xmlns:ma="http://schemas.microsoft.com/office/2006/metadata/properties/metaAttributes" ct:_="" ma:_="" ma:contentTypeName="Document" ma:contentTypeID="0x01010079F111ED35F8CC479449609E8A0923A6" ma:contentTypeVersion="28" ma:contentTypeDescription="Create a new document." ma:contentTypeScope="" ma:versionID="60f5a4f2d2b0abadcf532d48ebf9cb71">
   <xsd:schema xmlns:xsd="http://www.w3.org/2001/XMLSchema" xmlns:xs="http://www.w3.org/2001/XMLSchema" xmlns:p="http://schemas.microsoft.com/office/2006/metadata/properties" xmlns:ns1="http://schemas.microsoft.com/sharepoint/v3" xmlns:ns2="71af3243-3dd4-4a8d-8c0d-dd76da1f02a5" xmlns:ns3="16c05727-aa75-4e4a-9b5f-8a80a1165891" xmlns:ns4="230e9df3-be65-4c73-a93b-d1236ebd677e" targetNamespace="http://schemas.microsoft.com/office/2006/metadata/properties" ma:root="true" ma:fieldsID="7dd78129e6a1811f84807ad11c651531" ns1:_="" ns2:_="" ns3:_="" ns4:_="">
     <xsd:import namespace="http://schemas.microsoft.com/sharepoint/v3"/>
@@ -16971,52 +17004,10 @@
 </ct:contentTypeSchema>
 </file>
 
-<file path=customXml/item2.xml><?xml version="1.0" encoding="utf-8"?>
-<p:properties xmlns:p="http://schemas.microsoft.com/office/2006/metadata/properties" xmlns:xsi="http://www.w3.org/2001/XMLSchema-instance" xmlns:pc="http://schemas.microsoft.com/office/infopath/2007/PartnerControls">
-  <documentManagement>
-    <Background xmlns="71af3243-3dd4-4a8d-8c0d-dd76da1f02a5">false</Background>
-    <Status xmlns="71af3243-3dd4-4a8d-8c0d-dd76da1f02a5">Not started</Status>
-    <_ip_UnifiedCompliancePolicyUIAction xmlns="http://schemas.microsoft.com/sharepoint/v3" xsi:nil="true"/>
-    <Image xmlns="71af3243-3dd4-4a8d-8c0d-dd76da1f02a5">
-      <Url xsi:nil="true"/>
-      <Description xsi:nil="true"/>
-    </Image>
-    <_ip_UnifiedCompliancePolicyProperties xmlns="http://schemas.microsoft.com/sharepoint/v3" xsi:nil="true"/>
-    <ImageTagsTaxHTField xmlns="71af3243-3dd4-4a8d-8c0d-dd76da1f02a5">
-      <Terms xmlns="http://schemas.microsoft.com/office/infopath/2007/PartnerControls"/>
-    </ImageTagsTaxHTField>
-    <TaxCatchAll xmlns="230e9df3-be65-4c73-a93b-d1236ebd677e" xsi:nil="true"/>
-    <MediaServiceKeyPoints xmlns="71af3243-3dd4-4a8d-8c0d-dd76da1f02a5" xsi:nil="true"/>
-  </documentManagement>
-</p:properties>
-</file>
-
-<file path=customXml/item3.xml><?xml version="1.0" encoding="utf-8"?>
-<?mso-contentType ?>
-<FormTemplates xmlns="http://schemas.microsoft.com/sharepoint/v3/contenttype/forms">
-  <Display>DocumentLibraryForm</Display>
-  <Edit>DocumentLibraryForm</Edit>
-  <New>DocumentLibraryForm</New>
-</FormTemplates>
-</file>
-
 <file path=customXml/itemProps1.xml><?xml version="1.0" encoding="utf-8"?>
-<ds:datastoreItem xmlns:ds="http://schemas.openxmlformats.org/officeDocument/2006/customXml" ds:itemID="{92DB9E12-8AC3-4138-BF4D-720A5525AB10}">
+<ds:datastoreItem xmlns:ds="http://schemas.openxmlformats.org/officeDocument/2006/customXml" ds:itemID="{C21FFAC0-05A2-416A-B06C-C248395482CF}">
   <ds:schemaRefs>
-    <ds:schemaRef ds:uri="http://schemas.microsoft.com/office/2006/metadata/contentType"/>
-    <ds:schemaRef ds:uri="http://schemas.microsoft.com/office/2006/metadata/properties/metaAttributes"/>
-    <ds:schemaRef ds:uri="http://www.w3.org/2001/XMLSchema"/>
-    <ds:schemaRef ds:uri="http://schemas.microsoft.com/office/2006/metadata/properties"/>
-    <ds:schemaRef ds:uri="http://schemas.microsoft.com/sharepoint/v3"/>
-    <ds:schemaRef ds:uri="71af3243-3dd4-4a8d-8c0d-dd76da1f02a5"/>
-    <ds:schemaRef ds:uri="16c05727-aa75-4e4a-9b5f-8a80a1165891"/>
-    <ds:schemaRef ds:uri="230e9df3-be65-4c73-a93b-d1236ebd677e"/>
-    <ds:schemaRef ds:uri="http://schemas.microsoft.com/office/2006/documentManagement/types"/>
-    <ds:schemaRef ds:uri="http://schemas.microsoft.com/office/infopath/2007/PartnerControls"/>
-    <ds:schemaRef ds:uri="http://schemas.openxmlformats.org/package/2006/metadata/core-properties"/>
-    <ds:schemaRef ds:uri="http://purl.org/dc/elements/1.1/"/>
-    <ds:schemaRef ds:uri="http://purl.org/dc/terms/"/>
-    <ds:schemaRef ds:uri="http://schemas.microsoft.com/internal/obd"/>
+    <ds:schemaRef ds:uri="http://schemas.microsoft.com/sharepoint/v3/contenttype/forms"/>
   </ds:schemaRefs>
 </ds:datastoreItem>
 </file>
@@ -17041,9 +17032,22 @@
 </file>
 
 <file path=customXml/itemProps3.xml><?xml version="1.0" encoding="utf-8"?>
-<ds:datastoreItem xmlns:ds="http://schemas.openxmlformats.org/officeDocument/2006/customXml" ds:itemID="{C21FFAC0-05A2-416A-B06C-C248395482CF}">
+<ds:datastoreItem xmlns:ds="http://schemas.openxmlformats.org/officeDocument/2006/customXml" ds:itemID="{92DB9E12-8AC3-4138-BF4D-720A5525AB10}">
   <ds:schemaRefs>
-    <ds:schemaRef ds:uri="http://schemas.microsoft.com/sharepoint/v3/contenttype/forms"/>
+    <ds:schemaRef ds:uri="http://schemas.microsoft.com/office/2006/metadata/contentType"/>
+    <ds:schemaRef ds:uri="http://schemas.microsoft.com/office/2006/metadata/properties/metaAttributes"/>
+    <ds:schemaRef ds:uri="http://www.w3.org/2001/XMLSchema"/>
+    <ds:schemaRef ds:uri="http://schemas.microsoft.com/office/2006/metadata/properties"/>
+    <ds:schemaRef ds:uri="http://schemas.microsoft.com/sharepoint/v3"/>
+    <ds:schemaRef ds:uri="71af3243-3dd4-4a8d-8c0d-dd76da1f02a5"/>
+    <ds:schemaRef ds:uri="16c05727-aa75-4e4a-9b5f-8a80a1165891"/>
+    <ds:schemaRef ds:uri="230e9df3-be65-4c73-a93b-d1236ebd677e"/>
+    <ds:schemaRef ds:uri="http://schemas.microsoft.com/office/2006/documentManagement/types"/>
+    <ds:schemaRef ds:uri="http://schemas.microsoft.com/office/infopath/2007/PartnerControls"/>
+    <ds:schemaRef ds:uri="http://schemas.openxmlformats.org/package/2006/metadata/core-properties"/>
+    <ds:schemaRef ds:uri="http://purl.org/dc/elements/1.1/"/>
+    <ds:schemaRef ds:uri="http://purl.org/dc/terms/"/>
+    <ds:schemaRef ds:uri="http://schemas.microsoft.com/internal/obd"/>
   </ds:schemaRefs>
 </ds:datastoreItem>
 </file>

--- a/Praesentation/MB-Veranstaltung_Sprachmodelle_0.1.pptx
+++ b/Praesentation/MB-Veranstaltung_Sprachmodelle_0.1.pptx
@@ -5,10 +5,10 @@
     <p:sldMasterId id="2147483658" r:id="rId4"/>
   </p:sldMasterIdLst>
   <p:notesMasterIdLst>
-    <p:notesMasterId r:id="rId14"/>
+    <p:notesMasterId r:id="rId16"/>
   </p:notesMasterIdLst>
   <p:handoutMasterIdLst>
-    <p:handoutMasterId r:id="rId15"/>
+    <p:handoutMasterId r:id="rId17"/>
   </p:handoutMasterIdLst>
   <p:sldIdLst>
     <p:sldId id="410" r:id="rId5"/>
@@ -17,9 +17,11 @@
     <p:sldId id="412" r:id="rId8"/>
     <p:sldId id="413" r:id="rId9"/>
     <p:sldId id="414" r:id="rId10"/>
-    <p:sldId id="415" r:id="rId11"/>
-    <p:sldId id="416" r:id="rId12"/>
-    <p:sldId id="398" r:id="rId13"/>
+    <p:sldId id="418" r:id="rId11"/>
+    <p:sldId id="415" r:id="rId12"/>
+    <p:sldId id="416" r:id="rId13"/>
+    <p:sldId id="417" r:id="rId14"/>
+    <p:sldId id="398" r:id="rId15"/>
   </p:sldIdLst>
   <p:sldSz cx="12192000" cy="6858000"/>
   <p:notesSz cx="6858000" cy="9144000"/>
@@ -790,6 +792,209 @@
 </p:notes>
 </file>
 
+<file path=ppt/notesSlides/notesSlide10.xml><?xml version="1.0" encoding="utf-8"?>
+<p:notes xmlns:a="http://schemas.openxmlformats.org/drawingml/2006/main" xmlns:r="http://schemas.openxmlformats.org/officeDocument/2006/relationships" xmlns:p="http://schemas.openxmlformats.org/presentationml/2006/main">
+  <p:cSld>
+    <p:spTree>
+      <p:nvGrpSpPr>
+        <p:cNvPr id="1" name="">
+          <a:extLst>
+            <a:ext uri="{FF2B5EF4-FFF2-40B4-BE49-F238E27FC236}">
+              <a16:creationId xmlns:a16="http://schemas.microsoft.com/office/drawing/2014/main" id="{8658F77B-AFFC-6C0B-C92F-C91E4D9F6881}"/>
+            </a:ext>
+          </a:extLst>
+        </p:cNvPr>
+        <p:cNvGrpSpPr/>
+        <p:nvPr/>
+      </p:nvGrpSpPr>
+      <p:grpSpPr>
+        <a:xfrm>
+          <a:off x="0" y="0"/>
+          <a:ext cx="0" cy="0"/>
+          <a:chOff x="0" y="0"/>
+          <a:chExt cx="0" cy="0"/>
+        </a:xfrm>
+      </p:grpSpPr>
+      <p:sp>
+        <p:nvSpPr>
+          <p:cNvPr id="2" name="Folienbildplatzhalter 1">
+            <a:extLst>
+              <a:ext uri="{FF2B5EF4-FFF2-40B4-BE49-F238E27FC236}">
+                <a16:creationId xmlns:a16="http://schemas.microsoft.com/office/drawing/2014/main" id="{EC2B65A2-A6E2-189B-25FB-1B0003448CF1}"/>
+              </a:ext>
+            </a:extLst>
+          </p:cNvPr>
+          <p:cNvSpPr>
+            <a:spLocks noGrp="1" noRot="1" noChangeAspect="1"/>
+          </p:cNvSpPr>
+          <p:nvPr>
+            <p:ph type="sldImg"/>
+          </p:nvPr>
+        </p:nvSpPr>
+        <p:spPr/>
+      </p:sp>
+      <p:sp>
+        <p:nvSpPr>
+          <p:cNvPr id="3" name="Notizenplatzhalter 2">
+            <a:extLst>
+              <a:ext uri="{FF2B5EF4-FFF2-40B4-BE49-F238E27FC236}">
+                <a16:creationId xmlns:a16="http://schemas.microsoft.com/office/drawing/2014/main" id="{81610DCB-B50A-1EBA-3A62-36C803336A14}"/>
+              </a:ext>
+            </a:extLst>
+          </p:cNvPr>
+          <p:cNvSpPr>
+            <a:spLocks noGrp="1"/>
+          </p:cNvSpPr>
+          <p:nvPr>
+            <p:ph type="body" idx="1"/>
+          </p:nvPr>
+        </p:nvSpPr>
+        <p:spPr/>
+        <p:txBody>
+          <a:bodyPr/>
+          <a:lstStyle/>
+          <a:p>
+            <a:endParaRPr lang="de-DE" dirty="0"/>
+          </a:p>
+        </p:txBody>
+      </p:sp>
+      <p:sp>
+        <p:nvSpPr>
+          <p:cNvPr id="4" name="Foliennummernplatzhalter 3">
+            <a:extLst>
+              <a:ext uri="{FF2B5EF4-FFF2-40B4-BE49-F238E27FC236}">
+                <a16:creationId xmlns:a16="http://schemas.microsoft.com/office/drawing/2014/main" id="{AA32C7CB-D083-E668-4309-25F799637240}"/>
+              </a:ext>
+            </a:extLst>
+          </p:cNvPr>
+          <p:cNvSpPr>
+            <a:spLocks noGrp="1"/>
+          </p:cNvSpPr>
+          <p:nvPr>
+            <p:ph type="sldNum" sz="quarter" idx="5"/>
+          </p:nvPr>
+        </p:nvSpPr>
+        <p:spPr/>
+        <p:txBody>
+          <a:bodyPr/>
+          <a:lstStyle/>
+          <a:p>
+            <a:pPr rtl="0"/>
+            <a:fld id="{A89C7E07-3C67-C64C-8DA0-0404F6303970}" type="slidenum">
+              <a:rPr lang="de-DE" smtClean="0"/>
+              <a:t>10</a:t>
+            </a:fld>
+            <a:endParaRPr lang="de-DE" dirty="0"/>
+          </a:p>
+        </p:txBody>
+      </p:sp>
+    </p:spTree>
+    <p:extLst>
+      <p:ext uri="{BB962C8B-B14F-4D97-AF65-F5344CB8AC3E}">
+        <p14:creationId xmlns:p14="http://schemas.microsoft.com/office/powerpoint/2010/main" val="193968568"/>
+      </p:ext>
+    </p:extLst>
+  </p:cSld>
+  <p:clrMapOvr>
+    <a:masterClrMapping/>
+  </p:clrMapOvr>
+</p:notes>
+</file>
+
+<file path=ppt/notesSlides/notesSlide11.xml><?xml version="1.0" encoding="utf-8"?>
+<p:notes xmlns:a="http://schemas.openxmlformats.org/drawingml/2006/main" xmlns:r="http://schemas.openxmlformats.org/officeDocument/2006/relationships" xmlns:p="http://schemas.openxmlformats.org/presentationml/2006/main">
+  <p:cSld>
+    <p:spTree>
+      <p:nvGrpSpPr>
+        <p:cNvPr id="1" name=""/>
+        <p:cNvGrpSpPr/>
+        <p:nvPr/>
+      </p:nvGrpSpPr>
+      <p:grpSpPr>
+        <a:xfrm>
+          <a:off x="0" y="0"/>
+          <a:ext cx="0" cy="0"/>
+          <a:chOff x="0" y="0"/>
+          <a:chExt cx="0" cy="0"/>
+        </a:xfrm>
+      </p:grpSpPr>
+      <p:sp>
+        <p:nvSpPr>
+          <p:cNvPr id="2" name="Folienbildplatzhalter 1"/>
+          <p:cNvSpPr>
+            <a:spLocks noGrp="1" noRot="1" noChangeAspect="1"/>
+          </p:cNvSpPr>
+          <p:nvPr>
+            <p:ph type="sldImg"/>
+          </p:nvPr>
+        </p:nvSpPr>
+        <p:spPr/>
+      </p:sp>
+      <p:sp>
+        <p:nvSpPr>
+          <p:cNvPr id="3" name="Notizenplatzhalter 2"/>
+          <p:cNvSpPr>
+            <a:spLocks noGrp="1"/>
+          </p:cNvSpPr>
+          <p:nvPr>
+            <p:ph type="body" idx="1"/>
+          </p:nvPr>
+        </p:nvSpPr>
+        <p:spPr/>
+        <p:txBody>
+          <a:bodyPr rtlCol="0"/>
+          <a:lstStyle>
+            <a:defPPr>
+              <a:defRPr lang="de-DE"/>
+            </a:defPPr>
+          </a:lstStyle>
+          <a:p>
+            <a:pPr rtl="0"/>
+            <a:endParaRPr lang="de-DE" dirty="0"/>
+          </a:p>
+        </p:txBody>
+      </p:sp>
+      <p:sp>
+        <p:nvSpPr>
+          <p:cNvPr id="4" name="Foliennummernplatzhalter 3"/>
+          <p:cNvSpPr>
+            <a:spLocks noGrp="1"/>
+          </p:cNvSpPr>
+          <p:nvPr>
+            <p:ph type="sldNum" sz="quarter" idx="5"/>
+          </p:nvPr>
+        </p:nvSpPr>
+        <p:spPr/>
+        <p:txBody>
+          <a:bodyPr rtlCol="0"/>
+          <a:lstStyle>
+            <a:defPPr>
+              <a:defRPr lang="de-DE"/>
+            </a:defPPr>
+          </a:lstStyle>
+          <a:p>
+            <a:pPr rtl="0"/>
+            <a:fld id="{A89C7E07-3C67-C64C-8DA0-0404F6303970}" type="slidenum">
+              <a:rPr lang="de-DE" smtClean="0"/>
+              <a:t>11</a:t>
+            </a:fld>
+            <a:endParaRPr lang="de-DE" dirty="0"/>
+          </a:p>
+        </p:txBody>
+      </p:sp>
+    </p:spTree>
+    <p:extLst>
+      <p:ext uri="{BB962C8B-B14F-4D97-AF65-F5344CB8AC3E}">
+        <p14:creationId xmlns:p14="http://schemas.microsoft.com/office/powerpoint/2010/main" val="1765923172"/>
+      </p:ext>
+    </p:extLst>
+  </p:cSld>
+  <p:clrMapOvr>
+    <a:masterClrMapping/>
+  </p:clrMapOvr>
+</p:notes>
+</file>
+
 <file path=ppt/notesSlides/notesSlide2.xml><?xml version="1.0" encoding="utf-8"?>
 <p:notes xmlns:a="http://schemas.openxmlformats.org/drawingml/2006/main" xmlns:r="http://schemas.openxmlformats.org/officeDocument/2006/relationships" xmlns:p="http://schemas.openxmlformats.org/presentationml/2006/main">
   <p:cSld>
@@ -1343,224 +1548,6 @@
   <p:cSld>
     <p:spTree>
       <p:nvGrpSpPr>
-        <p:cNvPr id="1" name="">
-          <a:extLst>
-            <a:ext uri="{FF2B5EF4-FFF2-40B4-BE49-F238E27FC236}">
-              <a16:creationId xmlns:a16="http://schemas.microsoft.com/office/drawing/2014/main" id="{6CA5F9D3-CA87-42C6-D630-40213C6D8EA5}"/>
-            </a:ext>
-          </a:extLst>
-        </p:cNvPr>
-        <p:cNvGrpSpPr/>
-        <p:nvPr/>
-      </p:nvGrpSpPr>
-      <p:grpSpPr>
-        <a:xfrm>
-          <a:off x="0" y="0"/>
-          <a:ext cx="0" cy="0"/>
-          <a:chOff x="0" y="0"/>
-          <a:chExt cx="0" cy="0"/>
-        </a:xfrm>
-      </p:grpSpPr>
-      <p:sp>
-        <p:nvSpPr>
-          <p:cNvPr id="2" name="Folienbildplatzhalter 1">
-            <a:extLst>
-              <a:ext uri="{FF2B5EF4-FFF2-40B4-BE49-F238E27FC236}">
-                <a16:creationId xmlns:a16="http://schemas.microsoft.com/office/drawing/2014/main" id="{D232263B-B386-26E9-EC37-F29AE1C7DB0E}"/>
-              </a:ext>
-            </a:extLst>
-          </p:cNvPr>
-          <p:cNvSpPr>
-            <a:spLocks noGrp="1" noRot="1" noChangeAspect="1"/>
-          </p:cNvSpPr>
-          <p:nvPr>
-            <p:ph type="sldImg"/>
-          </p:nvPr>
-        </p:nvSpPr>
-        <p:spPr/>
-      </p:sp>
-      <p:sp>
-        <p:nvSpPr>
-          <p:cNvPr id="3" name="Notizenplatzhalter 2">
-            <a:extLst>
-              <a:ext uri="{FF2B5EF4-FFF2-40B4-BE49-F238E27FC236}">
-                <a16:creationId xmlns:a16="http://schemas.microsoft.com/office/drawing/2014/main" id="{424B02D5-8EDB-A875-81BA-C8999C9805A7}"/>
-              </a:ext>
-            </a:extLst>
-          </p:cNvPr>
-          <p:cNvSpPr>
-            <a:spLocks noGrp="1"/>
-          </p:cNvSpPr>
-          <p:nvPr>
-            <p:ph type="body" idx="1"/>
-          </p:nvPr>
-        </p:nvSpPr>
-        <p:spPr/>
-        <p:txBody>
-          <a:bodyPr/>
-          <a:lstStyle/>
-          <a:p>
-            <a:endParaRPr lang="de-DE" dirty="0"/>
-          </a:p>
-        </p:txBody>
-      </p:sp>
-      <p:sp>
-        <p:nvSpPr>
-          <p:cNvPr id="4" name="Foliennummernplatzhalter 3">
-            <a:extLst>
-              <a:ext uri="{FF2B5EF4-FFF2-40B4-BE49-F238E27FC236}">
-                <a16:creationId xmlns:a16="http://schemas.microsoft.com/office/drawing/2014/main" id="{0AF8E69A-6BF7-58BC-9662-1051626D08AC}"/>
-              </a:ext>
-            </a:extLst>
-          </p:cNvPr>
-          <p:cNvSpPr>
-            <a:spLocks noGrp="1"/>
-          </p:cNvSpPr>
-          <p:nvPr>
-            <p:ph type="sldNum" sz="quarter" idx="5"/>
-          </p:nvPr>
-        </p:nvSpPr>
-        <p:spPr/>
-        <p:txBody>
-          <a:bodyPr/>
-          <a:lstStyle/>
-          <a:p>
-            <a:pPr rtl="0"/>
-            <a:fld id="{A89C7E07-3C67-C64C-8DA0-0404F6303970}" type="slidenum">
-              <a:rPr lang="de-DE" smtClean="0"/>
-              <a:t>7</a:t>
-            </a:fld>
-            <a:endParaRPr lang="de-DE" dirty="0"/>
-          </a:p>
-        </p:txBody>
-      </p:sp>
-    </p:spTree>
-    <p:extLst>
-      <p:ext uri="{BB962C8B-B14F-4D97-AF65-F5344CB8AC3E}">
-        <p14:creationId xmlns:p14="http://schemas.microsoft.com/office/powerpoint/2010/main" val="68440800"/>
-      </p:ext>
-    </p:extLst>
-  </p:cSld>
-  <p:clrMapOvr>
-    <a:masterClrMapping/>
-  </p:clrMapOvr>
-</p:notes>
-</file>
-
-<file path=ppt/notesSlides/notesSlide8.xml><?xml version="1.0" encoding="utf-8"?>
-<p:notes xmlns:a="http://schemas.openxmlformats.org/drawingml/2006/main" xmlns:r="http://schemas.openxmlformats.org/officeDocument/2006/relationships" xmlns:p="http://schemas.openxmlformats.org/presentationml/2006/main">
-  <p:cSld>
-    <p:spTree>
-      <p:nvGrpSpPr>
-        <p:cNvPr id="1" name="">
-          <a:extLst>
-            <a:ext uri="{FF2B5EF4-FFF2-40B4-BE49-F238E27FC236}">
-              <a16:creationId xmlns:a16="http://schemas.microsoft.com/office/drawing/2014/main" id="{A854BA11-2ED0-3296-8C6F-A7E1DB9216FC}"/>
-            </a:ext>
-          </a:extLst>
-        </p:cNvPr>
-        <p:cNvGrpSpPr/>
-        <p:nvPr/>
-      </p:nvGrpSpPr>
-      <p:grpSpPr>
-        <a:xfrm>
-          <a:off x="0" y="0"/>
-          <a:ext cx="0" cy="0"/>
-          <a:chOff x="0" y="0"/>
-          <a:chExt cx="0" cy="0"/>
-        </a:xfrm>
-      </p:grpSpPr>
-      <p:sp>
-        <p:nvSpPr>
-          <p:cNvPr id="2" name="Folienbildplatzhalter 1">
-            <a:extLst>
-              <a:ext uri="{FF2B5EF4-FFF2-40B4-BE49-F238E27FC236}">
-                <a16:creationId xmlns:a16="http://schemas.microsoft.com/office/drawing/2014/main" id="{EF49791C-0DAE-1C96-005C-24B34165BA33}"/>
-              </a:ext>
-            </a:extLst>
-          </p:cNvPr>
-          <p:cNvSpPr>
-            <a:spLocks noGrp="1" noRot="1" noChangeAspect="1"/>
-          </p:cNvSpPr>
-          <p:nvPr>
-            <p:ph type="sldImg"/>
-          </p:nvPr>
-        </p:nvSpPr>
-        <p:spPr/>
-      </p:sp>
-      <p:sp>
-        <p:nvSpPr>
-          <p:cNvPr id="3" name="Notizenplatzhalter 2">
-            <a:extLst>
-              <a:ext uri="{FF2B5EF4-FFF2-40B4-BE49-F238E27FC236}">
-                <a16:creationId xmlns:a16="http://schemas.microsoft.com/office/drawing/2014/main" id="{5FC55634-B1CA-9EEF-92DC-8971478D2EDA}"/>
-              </a:ext>
-            </a:extLst>
-          </p:cNvPr>
-          <p:cNvSpPr>
-            <a:spLocks noGrp="1"/>
-          </p:cNvSpPr>
-          <p:nvPr>
-            <p:ph type="body" idx="1"/>
-          </p:nvPr>
-        </p:nvSpPr>
-        <p:spPr/>
-        <p:txBody>
-          <a:bodyPr/>
-          <a:lstStyle/>
-          <a:p>
-            <a:endParaRPr lang="de-DE" dirty="0"/>
-          </a:p>
-        </p:txBody>
-      </p:sp>
-      <p:sp>
-        <p:nvSpPr>
-          <p:cNvPr id="4" name="Foliennummernplatzhalter 3">
-            <a:extLst>
-              <a:ext uri="{FF2B5EF4-FFF2-40B4-BE49-F238E27FC236}">
-                <a16:creationId xmlns:a16="http://schemas.microsoft.com/office/drawing/2014/main" id="{CEECAAB0-EDF0-AF49-CF83-4CB17F6051C1}"/>
-              </a:ext>
-            </a:extLst>
-          </p:cNvPr>
-          <p:cNvSpPr>
-            <a:spLocks noGrp="1"/>
-          </p:cNvSpPr>
-          <p:nvPr>
-            <p:ph type="sldNum" sz="quarter" idx="5"/>
-          </p:nvPr>
-        </p:nvSpPr>
-        <p:spPr/>
-        <p:txBody>
-          <a:bodyPr/>
-          <a:lstStyle/>
-          <a:p>
-            <a:pPr rtl="0"/>
-            <a:fld id="{A89C7E07-3C67-C64C-8DA0-0404F6303970}" type="slidenum">
-              <a:rPr lang="de-DE" smtClean="0"/>
-              <a:t>8</a:t>
-            </a:fld>
-            <a:endParaRPr lang="de-DE" dirty="0"/>
-          </a:p>
-        </p:txBody>
-      </p:sp>
-    </p:spTree>
-    <p:extLst>
-      <p:ext uri="{BB962C8B-B14F-4D97-AF65-F5344CB8AC3E}">
-        <p14:creationId xmlns:p14="http://schemas.microsoft.com/office/powerpoint/2010/main" val="752516510"/>
-      </p:ext>
-    </p:extLst>
-  </p:cSld>
-  <p:clrMapOvr>
-    <a:masterClrMapping/>
-  </p:clrMapOvr>
-</p:notes>
-</file>
-
-<file path=ppt/notesSlides/notesSlide9.xml><?xml version="1.0" encoding="utf-8"?>
-<p:notes xmlns:a="http://schemas.openxmlformats.org/drawingml/2006/main" xmlns:r="http://schemas.openxmlformats.org/officeDocument/2006/relationships" xmlns:p="http://schemas.openxmlformats.org/presentationml/2006/main">
-  <p:cSld>
-    <p:spTree>
-      <p:nvGrpSpPr>
         <p:cNvPr id="1" name=""/>
         <p:cNvGrpSpPr/>
         <p:nvPr/>
@@ -1597,14 +1584,9 @@
         </p:nvSpPr>
         <p:spPr/>
         <p:txBody>
-          <a:bodyPr rtlCol="0"/>
-          <a:lstStyle>
-            <a:defPPr>
-              <a:defRPr lang="de-DE"/>
-            </a:defPPr>
-          </a:lstStyle>
-          <a:p>
-            <a:pPr rtl="0"/>
+          <a:bodyPr/>
+          <a:lstStyle/>
+          <a:p>
             <a:endParaRPr lang="de-DE" dirty="0"/>
           </a:p>
         </p:txBody>
@@ -1621,12 +1603,226 @@
         </p:nvSpPr>
         <p:spPr/>
         <p:txBody>
-          <a:bodyPr rtlCol="0"/>
-          <a:lstStyle>
-            <a:defPPr>
-              <a:defRPr lang="de-DE"/>
-            </a:defPPr>
-          </a:lstStyle>
+          <a:bodyPr/>
+          <a:lstStyle/>
+          <a:p>
+            <a:pPr rtl="0"/>
+            <a:fld id="{A89C7E07-3C67-C64C-8DA0-0404F6303970}" type="slidenum">
+              <a:rPr lang="de-DE" smtClean="0"/>
+              <a:t>7</a:t>
+            </a:fld>
+            <a:endParaRPr lang="de-DE" dirty="0"/>
+          </a:p>
+        </p:txBody>
+      </p:sp>
+    </p:spTree>
+    <p:extLst>
+      <p:ext uri="{BB962C8B-B14F-4D97-AF65-F5344CB8AC3E}">
+        <p14:creationId xmlns:p14="http://schemas.microsoft.com/office/powerpoint/2010/main" val="1279924445"/>
+      </p:ext>
+    </p:extLst>
+  </p:cSld>
+  <p:clrMapOvr>
+    <a:masterClrMapping/>
+  </p:clrMapOvr>
+</p:notes>
+</file>
+
+<file path=ppt/notesSlides/notesSlide8.xml><?xml version="1.0" encoding="utf-8"?>
+<p:notes xmlns:a="http://schemas.openxmlformats.org/drawingml/2006/main" xmlns:r="http://schemas.openxmlformats.org/officeDocument/2006/relationships" xmlns:p="http://schemas.openxmlformats.org/presentationml/2006/main">
+  <p:cSld>
+    <p:spTree>
+      <p:nvGrpSpPr>
+        <p:cNvPr id="1" name="">
+          <a:extLst>
+            <a:ext uri="{FF2B5EF4-FFF2-40B4-BE49-F238E27FC236}">
+              <a16:creationId xmlns:a16="http://schemas.microsoft.com/office/drawing/2014/main" id="{6CA5F9D3-CA87-42C6-D630-40213C6D8EA5}"/>
+            </a:ext>
+          </a:extLst>
+        </p:cNvPr>
+        <p:cNvGrpSpPr/>
+        <p:nvPr/>
+      </p:nvGrpSpPr>
+      <p:grpSpPr>
+        <a:xfrm>
+          <a:off x="0" y="0"/>
+          <a:ext cx="0" cy="0"/>
+          <a:chOff x="0" y="0"/>
+          <a:chExt cx="0" cy="0"/>
+        </a:xfrm>
+      </p:grpSpPr>
+      <p:sp>
+        <p:nvSpPr>
+          <p:cNvPr id="2" name="Folienbildplatzhalter 1">
+            <a:extLst>
+              <a:ext uri="{FF2B5EF4-FFF2-40B4-BE49-F238E27FC236}">
+                <a16:creationId xmlns:a16="http://schemas.microsoft.com/office/drawing/2014/main" id="{D232263B-B386-26E9-EC37-F29AE1C7DB0E}"/>
+              </a:ext>
+            </a:extLst>
+          </p:cNvPr>
+          <p:cNvSpPr>
+            <a:spLocks noGrp="1" noRot="1" noChangeAspect="1"/>
+          </p:cNvSpPr>
+          <p:nvPr>
+            <p:ph type="sldImg"/>
+          </p:nvPr>
+        </p:nvSpPr>
+        <p:spPr/>
+      </p:sp>
+      <p:sp>
+        <p:nvSpPr>
+          <p:cNvPr id="3" name="Notizenplatzhalter 2">
+            <a:extLst>
+              <a:ext uri="{FF2B5EF4-FFF2-40B4-BE49-F238E27FC236}">
+                <a16:creationId xmlns:a16="http://schemas.microsoft.com/office/drawing/2014/main" id="{424B02D5-8EDB-A875-81BA-C8999C9805A7}"/>
+              </a:ext>
+            </a:extLst>
+          </p:cNvPr>
+          <p:cNvSpPr>
+            <a:spLocks noGrp="1"/>
+          </p:cNvSpPr>
+          <p:nvPr>
+            <p:ph type="body" idx="1"/>
+          </p:nvPr>
+        </p:nvSpPr>
+        <p:spPr/>
+        <p:txBody>
+          <a:bodyPr/>
+          <a:lstStyle/>
+          <a:p>
+            <a:endParaRPr lang="de-DE" dirty="0"/>
+          </a:p>
+        </p:txBody>
+      </p:sp>
+      <p:sp>
+        <p:nvSpPr>
+          <p:cNvPr id="4" name="Foliennummernplatzhalter 3">
+            <a:extLst>
+              <a:ext uri="{FF2B5EF4-FFF2-40B4-BE49-F238E27FC236}">
+                <a16:creationId xmlns:a16="http://schemas.microsoft.com/office/drawing/2014/main" id="{0AF8E69A-6BF7-58BC-9662-1051626D08AC}"/>
+              </a:ext>
+            </a:extLst>
+          </p:cNvPr>
+          <p:cNvSpPr>
+            <a:spLocks noGrp="1"/>
+          </p:cNvSpPr>
+          <p:nvPr>
+            <p:ph type="sldNum" sz="quarter" idx="5"/>
+          </p:nvPr>
+        </p:nvSpPr>
+        <p:spPr/>
+        <p:txBody>
+          <a:bodyPr/>
+          <a:lstStyle/>
+          <a:p>
+            <a:pPr rtl="0"/>
+            <a:fld id="{A89C7E07-3C67-C64C-8DA0-0404F6303970}" type="slidenum">
+              <a:rPr lang="de-DE" smtClean="0"/>
+              <a:t>8</a:t>
+            </a:fld>
+            <a:endParaRPr lang="de-DE" dirty="0"/>
+          </a:p>
+        </p:txBody>
+      </p:sp>
+    </p:spTree>
+    <p:extLst>
+      <p:ext uri="{BB962C8B-B14F-4D97-AF65-F5344CB8AC3E}">
+        <p14:creationId xmlns:p14="http://schemas.microsoft.com/office/powerpoint/2010/main" val="68440800"/>
+      </p:ext>
+    </p:extLst>
+  </p:cSld>
+  <p:clrMapOvr>
+    <a:masterClrMapping/>
+  </p:clrMapOvr>
+</p:notes>
+</file>
+
+<file path=ppt/notesSlides/notesSlide9.xml><?xml version="1.0" encoding="utf-8"?>
+<p:notes xmlns:a="http://schemas.openxmlformats.org/drawingml/2006/main" xmlns:r="http://schemas.openxmlformats.org/officeDocument/2006/relationships" xmlns:p="http://schemas.openxmlformats.org/presentationml/2006/main">
+  <p:cSld>
+    <p:spTree>
+      <p:nvGrpSpPr>
+        <p:cNvPr id="1" name="">
+          <a:extLst>
+            <a:ext uri="{FF2B5EF4-FFF2-40B4-BE49-F238E27FC236}">
+              <a16:creationId xmlns:a16="http://schemas.microsoft.com/office/drawing/2014/main" id="{A854BA11-2ED0-3296-8C6F-A7E1DB9216FC}"/>
+            </a:ext>
+          </a:extLst>
+        </p:cNvPr>
+        <p:cNvGrpSpPr/>
+        <p:nvPr/>
+      </p:nvGrpSpPr>
+      <p:grpSpPr>
+        <a:xfrm>
+          <a:off x="0" y="0"/>
+          <a:ext cx="0" cy="0"/>
+          <a:chOff x="0" y="0"/>
+          <a:chExt cx="0" cy="0"/>
+        </a:xfrm>
+      </p:grpSpPr>
+      <p:sp>
+        <p:nvSpPr>
+          <p:cNvPr id="2" name="Folienbildplatzhalter 1">
+            <a:extLst>
+              <a:ext uri="{FF2B5EF4-FFF2-40B4-BE49-F238E27FC236}">
+                <a16:creationId xmlns:a16="http://schemas.microsoft.com/office/drawing/2014/main" id="{EF49791C-0DAE-1C96-005C-24B34165BA33}"/>
+              </a:ext>
+            </a:extLst>
+          </p:cNvPr>
+          <p:cNvSpPr>
+            <a:spLocks noGrp="1" noRot="1" noChangeAspect="1"/>
+          </p:cNvSpPr>
+          <p:nvPr>
+            <p:ph type="sldImg"/>
+          </p:nvPr>
+        </p:nvSpPr>
+        <p:spPr/>
+      </p:sp>
+      <p:sp>
+        <p:nvSpPr>
+          <p:cNvPr id="3" name="Notizenplatzhalter 2">
+            <a:extLst>
+              <a:ext uri="{FF2B5EF4-FFF2-40B4-BE49-F238E27FC236}">
+                <a16:creationId xmlns:a16="http://schemas.microsoft.com/office/drawing/2014/main" id="{5FC55634-B1CA-9EEF-92DC-8971478D2EDA}"/>
+              </a:ext>
+            </a:extLst>
+          </p:cNvPr>
+          <p:cNvSpPr>
+            <a:spLocks noGrp="1"/>
+          </p:cNvSpPr>
+          <p:nvPr>
+            <p:ph type="body" idx="1"/>
+          </p:nvPr>
+        </p:nvSpPr>
+        <p:spPr/>
+        <p:txBody>
+          <a:bodyPr/>
+          <a:lstStyle/>
+          <a:p>
+            <a:endParaRPr lang="de-DE" dirty="0"/>
+          </a:p>
+        </p:txBody>
+      </p:sp>
+      <p:sp>
+        <p:nvSpPr>
+          <p:cNvPr id="4" name="Foliennummernplatzhalter 3">
+            <a:extLst>
+              <a:ext uri="{FF2B5EF4-FFF2-40B4-BE49-F238E27FC236}">
+                <a16:creationId xmlns:a16="http://schemas.microsoft.com/office/drawing/2014/main" id="{CEECAAB0-EDF0-AF49-CF83-4CB17F6051C1}"/>
+              </a:ext>
+            </a:extLst>
+          </p:cNvPr>
+          <p:cNvSpPr>
+            <a:spLocks noGrp="1"/>
+          </p:cNvSpPr>
+          <p:nvPr>
+            <p:ph type="sldNum" sz="quarter" idx="5"/>
+          </p:nvPr>
+        </p:nvSpPr>
+        <p:spPr/>
+        <p:txBody>
+          <a:bodyPr/>
+          <a:lstStyle/>
           <a:p>
             <a:pPr rtl="0"/>
             <a:fld id="{A89C7E07-3C67-C64C-8DA0-0404F6303970}" type="slidenum">
@@ -1640,7 +1836,7 @@
     </p:spTree>
     <p:extLst>
       <p:ext uri="{BB962C8B-B14F-4D97-AF65-F5344CB8AC3E}">
-        <p14:creationId xmlns:p14="http://schemas.microsoft.com/office/powerpoint/2010/main" val="1765923172"/>
+        <p14:creationId xmlns:p14="http://schemas.microsoft.com/office/powerpoint/2010/main" val="752516510"/>
       </p:ext>
     </p:extLst>
   </p:cSld>
@@ -10908,6 +11104,757 @@
 </p:sld>
 </file>
 
+<file path=ppt/slides/slide10.xml><?xml version="1.0" encoding="utf-8"?>
+<p:sld xmlns:a="http://schemas.openxmlformats.org/drawingml/2006/main" xmlns:r="http://schemas.openxmlformats.org/officeDocument/2006/relationships" xmlns:p="http://schemas.openxmlformats.org/presentationml/2006/main">
+  <p:cSld>
+    <p:spTree>
+      <p:nvGrpSpPr>
+        <p:cNvPr id="1" name="">
+          <a:extLst>
+            <a:ext uri="{FF2B5EF4-FFF2-40B4-BE49-F238E27FC236}">
+              <a16:creationId xmlns:a16="http://schemas.microsoft.com/office/drawing/2014/main" id="{DEC1CDFE-6DD0-EA12-1AE5-03EF3CC94241}"/>
+            </a:ext>
+          </a:extLst>
+        </p:cNvPr>
+        <p:cNvGrpSpPr/>
+        <p:nvPr/>
+      </p:nvGrpSpPr>
+      <p:grpSpPr>
+        <a:xfrm>
+          <a:off x="0" y="0"/>
+          <a:ext cx="0" cy="0"/>
+          <a:chOff x="0" y="0"/>
+          <a:chExt cx="0" cy="0"/>
+        </a:xfrm>
+      </p:grpSpPr>
+      <p:sp>
+        <p:nvSpPr>
+          <p:cNvPr id="2" name="Titel 1">
+            <a:extLst>
+              <a:ext uri="{FF2B5EF4-FFF2-40B4-BE49-F238E27FC236}">
+                <a16:creationId xmlns:a16="http://schemas.microsoft.com/office/drawing/2014/main" id="{1EA037D0-68F2-4086-8FA1-CB42F9CCD9F1}"/>
+              </a:ext>
+            </a:extLst>
+          </p:cNvPr>
+          <p:cNvSpPr>
+            <a:spLocks noGrp="1"/>
+          </p:cNvSpPr>
+          <p:nvPr>
+            <p:ph type="title"/>
+          </p:nvPr>
+        </p:nvSpPr>
+        <p:spPr>
+          <a:xfrm>
+            <a:off x="432314" y="227903"/>
+            <a:ext cx="10873740" cy="1253656"/>
+          </a:xfrm>
+        </p:spPr>
+        <p:txBody>
+          <a:bodyPr/>
+          <a:lstStyle/>
+          <a:p>
+            <a:r>
+              <a:rPr lang="de-DE" dirty="0"/>
+              <a:t>Auslegung des Lehrplans zum Umgang mit Sprachmodellen</a:t>
+            </a:r>
+          </a:p>
+        </p:txBody>
+      </p:sp>
+      <p:sp>
+        <p:nvSpPr>
+          <p:cNvPr id="5" name="Textfeld 4">
+            <a:extLst>
+              <a:ext uri="{FF2B5EF4-FFF2-40B4-BE49-F238E27FC236}">
+                <a16:creationId xmlns:a16="http://schemas.microsoft.com/office/drawing/2014/main" id="{02A1A767-7BEC-4B00-F42C-4616816FECBB}"/>
+              </a:ext>
+            </a:extLst>
+          </p:cNvPr>
+          <p:cNvSpPr txBox="1"/>
+          <p:nvPr/>
+        </p:nvSpPr>
+        <p:spPr>
+          <a:xfrm>
+            <a:off x="1068247" y="1829238"/>
+            <a:ext cx="10055506" cy="1282402"/>
+          </a:xfrm>
+          <a:prstGeom prst="rect">
+            <a:avLst/>
+          </a:prstGeom>
+          <a:noFill/>
+        </p:spPr>
+        <p:txBody>
+          <a:bodyPr wrap="square">
+            <a:spAutoFit/>
+          </a:bodyPr>
+          <a:lstStyle/>
+          <a:p>
+            <a:pPr algn="just">
+              <a:spcAft>
+                <a:spcPts val="1200"/>
+              </a:spcAft>
+              <a:buNone/>
+            </a:pPr>
+            <a:r>
+              <a:rPr lang="de-DE" sz="1800" b="1" dirty="0">
+                <a:solidFill>
+                  <a:srgbClr val="000000"/>
+                </a:solidFill>
+                <a:effectLst/>
+                <a:latin typeface="Calibri" panose="020F0502020204030204" pitchFamily="34" charset="0"/>
+              </a:rPr>
+              <a:t>Kompetenzerwartungen</a:t>
+            </a:r>
+            <a:endParaRPr lang="de-DE" sz="3600" dirty="0">
+              <a:effectLst/>
+            </a:endParaRPr>
+          </a:p>
+          <a:p>
+            <a:pPr algn="just">
+              <a:spcBef>
+                <a:spcPts val="500"/>
+              </a:spcBef>
+              <a:spcAft>
+                <a:spcPts val="500"/>
+              </a:spcAft>
+              <a:buNone/>
+            </a:pPr>
+            <a:r>
+              <a:rPr lang="de-DE" sz="1800" dirty="0">
+                <a:solidFill>
+                  <a:srgbClr val="000000"/>
+                </a:solidFill>
+                <a:effectLst/>
+                <a:latin typeface="Calibri" panose="020F0502020204030204" pitchFamily="34" charset="0"/>
+              </a:rPr>
+              <a:t>Die Schülerinnen und Schüler …</a:t>
+            </a:r>
+            <a:endParaRPr lang="de-DE" sz="3600" dirty="0">
+              <a:effectLst/>
+            </a:endParaRPr>
+          </a:p>
+          <a:p>
+            <a:pPr algn="just">
+              <a:spcBef>
+                <a:spcPts val="600"/>
+              </a:spcBef>
+              <a:spcAft>
+                <a:spcPts val="600"/>
+              </a:spcAft>
+              <a:buNone/>
+            </a:pPr>
+            <a:r>
+              <a:rPr lang="de-DE" sz="1800" b="1" dirty="0">
+                <a:solidFill>
+                  <a:srgbClr val="000000"/>
+                </a:solidFill>
+                <a:effectLst/>
+                <a:latin typeface="Calibri" panose="020F0502020204030204" pitchFamily="34" charset="0"/>
+              </a:rPr>
+              <a:t> </a:t>
+            </a:r>
+            <a:endParaRPr lang="de-DE" sz="3600" dirty="0">
+              <a:effectLst/>
+            </a:endParaRPr>
+          </a:p>
+        </p:txBody>
+      </p:sp>
+      <p:sp>
+        <p:nvSpPr>
+          <p:cNvPr id="15" name="Textfeld 14">
+            <a:extLst>
+              <a:ext uri="{FF2B5EF4-FFF2-40B4-BE49-F238E27FC236}">
+                <a16:creationId xmlns:a16="http://schemas.microsoft.com/office/drawing/2014/main" id="{3ADD4C0D-FCF5-549F-D856-7017C8185CEE}"/>
+              </a:ext>
+            </a:extLst>
+          </p:cNvPr>
+          <p:cNvSpPr txBox="1"/>
+          <p:nvPr/>
+        </p:nvSpPr>
+        <p:spPr>
+          <a:xfrm>
+            <a:off x="1068247" y="2722396"/>
+            <a:ext cx="4175085" cy="388440"/>
+          </a:xfrm>
+          <a:prstGeom prst="rect">
+            <a:avLst/>
+          </a:prstGeom>
+          <a:noFill/>
+        </p:spPr>
+        <p:txBody>
+          <a:bodyPr wrap="square">
+            <a:spAutoFit/>
+          </a:bodyPr>
+          <a:lstStyle/>
+          <a:p>
+            <a:pPr marL="457200" indent="-228600">
+              <a:lnSpc>
+                <a:spcPct val="114000"/>
+              </a:lnSpc>
+              <a:spcAft>
+                <a:spcPts val="800"/>
+              </a:spcAft>
+              <a:buFont typeface="Arial" panose="020B0604020202020204" pitchFamily="34" charset="0"/>
+              <a:buChar char="•"/>
+            </a:pPr>
+            <a:r>
+              <a:rPr lang="de-DE" sz="1800" dirty="0">
+                <a:solidFill>
+                  <a:srgbClr val="000000"/>
+                </a:solidFill>
+                <a:effectLst/>
+                <a:highlight>
+                  <a:srgbClr val="FFFF00"/>
+                </a:highlight>
+                <a:latin typeface="Calibri" panose="020F0502020204030204" pitchFamily="34" charset="0"/>
+              </a:rPr>
+              <a:t>wenden</a:t>
+            </a:r>
+            <a:r>
+              <a:rPr lang="de-DE" sz="1800" dirty="0">
+                <a:solidFill>
+                  <a:srgbClr val="000000"/>
+                </a:solidFill>
+                <a:effectLst/>
+                <a:latin typeface="Calibri" panose="020F0502020204030204" pitchFamily="34" charset="0"/>
+              </a:rPr>
+              <a:t> Sprachmodelle effizient </a:t>
+            </a:r>
+            <a:r>
+              <a:rPr lang="de-DE" sz="1800" dirty="0">
+                <a:solidFill>
+                  <a:srgbClr val="000000"/>
+                </a:solidFill>
+                <a:effectLst/>
+                <a:highlight>
+                  <a:srgbClr val="FFFF00"/>
+                </a:highlight>
+                <a:latin typeface="Calibri" panose="020F0502020204030204" pitchFamily="34" charset="0"/>
+              </a:rPr>
+              <a:t>an</a:t>
+            </a:r>
+            <a:endParaRPr lang="de-DE" sz="3600" dirty="0">
+              <a:effectLst/>
+              <a:highlight>
+                <a:srgbClr val="FFFF00"/>
+              </a:highlight>
+            </a:endParaRPr>
+          </a:p>
+        </p:txBody>
+      </p:sp>
+      <p:sp>
+        <p:nvSpPr>
+          <p:cNvPr id="3" name="Textfeld 2">
+            <a:extLst>
+              <a:ext uri="{FF2B5EF4-FFF2-40B4-BE49-F238E27FC236}">
+                <a16:creationId xmlns:a16="http://schemas.microsoft.com/office/drawing/2014/main" id="{FA872B85-3D6F-7BAC-28CC-A1662AFDB1F0}"/>
+              </a:ext>
+            </a:extLst>
+          </p:cNvPr>
+          <p:cNvSpPr txBox="1"/>
+          <p:nvPr/>
+        </p:nvSpPr>
+        <p:spPr>
+          <a:xfrm>
+            <a:off x="3696386" y="3459319"/>
+            <a:ext cx="7217691" cy="461665"/>
+          </a:xfrm>
+          <a:prstGeom prst="rect">
+            <a:avLst/>
+          </a:prstGeom>
+          <a:noFill/>
+        </p:spPr>
+        <p:txBody>
+          <a:bodyPr wrap="square" rtlCol="0">
+            <a:spAutoFit/>
+          </a:bodyPr>
+          <a:lstStyle/>
+          <a:p>
+            <a:r>
+              <a:rPr lang="de-DE" sz="2400" dirty="0">
+                <a:solidFill>
+                  <a:schemeClr val="bg1"/>
+                </a:solidFill>
+              </a:rPr>
+              <a:t>Anwendung von Sprachmodellen auf </a:t>
+            </a:r>
+            <a:r>
+              <a:rPr lang="de-DE" sz="2400" b="1" dirty="0">
+                <a:solidFill>
+                  <a:schemeClr val="bg1"/>
+                </a:solidFill>
+              </a:rPr>
+              <a:t>Argument-Ebene</a:t>
+            </a:r>
+          </a:p>
+        </p:txBody>
+      </p:sp>
+      <p:sp>
+        <p:nvSpPr>
+          <p:cNvPr id="6" name="Textfeld 5">
+            <a:extLst>
+              <a:ext uri="{FF2B5EF4-FFF2-40B4-BE49-F238E27FC236}">
+                <a16:creationId xmlns:a16="http://schemas.microsoft.com/office/drawing/2014/main" id="{D1283482-D4A5-B0D8-D197-192D8D9CFC50}"/>
+              </a:ext>
+            </a:extLst>
+          </p:cNvPr>
+          <p:cNvSpPr txBox="1"/>
+          <p:nvPr/>
+        </p:nvSpPr>
+        <p:spPr>
+          <a:xfrm>
+            <a:off x="3696386" y="5282241"/>
+            <a:ext cx="7994708" cy="461665"/>
+          </a:xfrm>
+          <a:prstGeom prst="rect">
+            <a:avLst/>
+          </a:prstGeom>
+          <a:noFill/>
+        </p:spPr>
+        <p:txBody>
+          <a:bodyPr wrap="square" rtlCol="0">
+            <a:spAutoFit/>
+          </a:bodyPr>
+          <a:lstStyle/>
+          <a:p>
+            <a:r>
+              <a:rPr lang="de-DE" sz="2400" dirty="0">
+                <a:solidFill>
+                  <a:schemeClr val="bg1"/>
+                </a:solidFill>
+              </a:rPr>
+              <a:t>Anwendung von Sprachmodellen auf </a:t>
+            </a:r>
+            <a:r>
+              <a:rPr lang="de-DE" sz="2400" b="1" dirty="0">
+                <a:solidFill>
+                  <a:schemeClr val="bg1"/>
+                </a:solidFill>
+              </a:rPr>
+              <a:t>Modell-Ebene</a:t>
+            </a:r>
+          </a:p>
+        </p:txBody>
+      </p:sp>
+      <p:sp>
+        <p:nvSpPr>
+          <p:cNvPr id="7" name="Textfeld 6">
+            <a:extLst>
+              <a:ext uri="{FF2B5EF4-FFF2-40B4-BE49-F238E27FC236}">
+                <a16:creationId xmlns:a16="http://schemas.microsoft.com/office/drawing/2014/main" id="{44BED658-8CBC-6A79-F59A-C98A889CB50A}"/>
+              </a:ext>
+            </a:extLst>
+          </p:cNvPr>
+          <p:cNvSpPr txBox="1"/>
+          <p:nvPr/>
+        </p:nvSpPr>
+        <p:spPr>
+          <a:xfrm>
+            <a:off x="4983061" y="4035105"/>
+            <a:ext cx="6045303" cy="646331"/>
+          </a:xfrm>
+          <a:prstGeom prst="rect">
+            <a:avLst/>
+          </a:prstGeom>
+          <a:noFill/>
+        </p:spPr>
+        <p:txBody>
+          <a:bodyPr wrap="square" rtlCol="0">
+            <a:spAutoFit/>
+          </a:bodyPr>
+          <a:lstStyle/>
+          <a:p>
+            <a:r>
+              <a:rPr lang="de-DE" dirty="0">
+                <a:solidFill>
+                  <a:schemeClr val="bg1"/>
+                </a:solidFill>
+              </a:rPr>
+              <a:t>Modifikation der Eingaben von Sprachmodellen um gewünschte Ausgaben zu erhalten (Prompt-Engineering)</a:t>
+            </a:r>
+          </a:p>
+        </p:txBody>
+      </p:sp>
+      <p:sp>
+        <p:nvSpPr>
+          <p:cNvPr id="9" name="Textfeld 8">
+            <a:extLst>
+              <a:ext uri="{FF2B5EF4-FFF2-40B4-BE49-F238E27FC236}">
+                <a16:creationId xmlns:a16="http://schemas.microsoft.com/office/drawing/2014/main" id="{F05A4431-6069-44B7-87CE-001EDCE2EA65}"/>
+              </a:ext>
+            </a:extLst>
+          </p:cNvPr>
+          <p:cNvSpPr txBox="1"/>
+          <p:nvPr/>
+        </p:nvSpPr>
+        <p:spPr>
+          <a:xfrm>
+            <a:off x="4983061" y="5768419"/>
+            <a:ext cx="6769915" cy="646331"/>
+          </a:xfrm>
+          <a:prstGeom prst="rect">
+            <a:avLst/>
+          </a:prstGeom>
+          <a:noFill/>
+        </p:spPr>
+        <p:txBody>
+          <a:bodyPr wrap="square" rtlCol="0">
+            <a:spAutoFit/>
+          </a:bodyPr>
+          <a:lstStyle/>
+          <a:p>
+            <a:r>
+              <a:rPr lang="de-DE" dirty="0">
+                <a:solidFill>
+                  <a:schemeClr val="bg1"/>
+                </a:solidFill>
+              </a:rPr>
+              <a:t>Direkte Kommunikation mit den Sprachmodellen unter Manipulation zugehöriger Parameter (über eine Programmiersprache)</a:t>
+            </a:r>
+          </a:p>
+        </p:txBody>
+      </p:sp>
+    </p:spTree>
+    <p:extLst>
+      <p:ext uri="{BB962C8B-B14F-4D97-AF65-F5344CB8AC3E}">
+        <p14:creationId xmlns:p14="http://schemas.microsoft.com/office/powerpoint/2010/main" val="760324080"/>
+      </p:ext>
+    </p:extLst>
+  </p:cSld>
+  <p:clrMapOvr>
+    <a:masterClrMapping/>
+  </p:clrMapOvr>
+  <p:timing>
+    <p:tnLst>
+      <p:par>
+        <p:cTn id="1" dur="indefinite" restart="never" nodeType="tmRoot">
+          <p:childTnLst>
+            <p:seq concurrent="1" nextAc="seek">
+              <p:cTn id="2" dur="indefinite" nodeType="mainSeq">
+                <p:childTnLst>
+                  <p:par>
+                    <p:cTn id="3" fill="hold">
+                      <p:stCondLst>
+                        <p:cond delay="indefinite"/>
+                      </p:stCondLst>
+                      <p:childTnLst>
+                        <p:par>
+                          <p:cTn id="4" fill="hold">
+                            <p:stCondLst>
+                              <p:cond delay="0"/>
+                            </p:stCondLst>
+                            <p:childTnLst>
+                              <p:par>
+                                <p:cTn id="5" presetID="1" presetClass="entr" presetSubtype="0" fill="hold" grpId="0" nodeType="clickEffect">
+                                  <p:stCondLst>
+                                    <p:cond delay="0"/>
+                                  </p:stCondLst>
+                                  <p:childTnLst>
+                                    <p:set>
+                                      <p:cBhvr>
+                                        <p:cTn id="6" dur="1" fill="hold">
+                                          <p:stCondLst>
+                                            <p:cond delay="0"/>
+                                          </p:stCondLst>
+                                        </p:cTn>
+                                        <p:tgtEl>
+                                          <p:spTgt spid="3"/>
+                                        </p:tgtEl>
+                                        <p:attrNameLst>
+                                          <p:attrName>style.visibility</p:attrName>
+                                        </p:attrNameLst>
+                                      </p:cBhvr>
+                                      <p:to>
+                                        <p:strVal val="visible"/>
+                                      </p:to>
+                                    </p:set>
+                                  </p:childTnLst>
+                                </p:cTn>
+                              </p:par>
+                            </p:childTnLst>
+                          </p:cTn>
+                        </p:par>
+                      </p:childTnLst>
+                    </p:cTn>
+                  </p:par>
+                  <p:par>
+                    <p:cTn id="7" fill="hold">
+                      <p:stCondLst>
+                        <p:cond delay="indefinite"/>
+                      </p:stCondLst>
+                      <p:childTnLst>
+                        <p:par>
+                          <p:cTn id="8" fill="hold">
+                            <p:stCondLst>
+                              <p:cond delay="0"/>
+                            </p:stCondLst>
+                            <p:childTnLst>
+                              <p:par>
+                                <p:cTn id="9" presetID="1" presetClass="entr" presetSubtype="0" fill="hold" grpId="0" nodeType="clickEffect">
+                                  <p:stCondLst>
+                                    <p:cond delay="0"/>
+                                  </p:stCondLst>
+                                  <p:childTnLst>
+                                    <p:set>
+                                      <p:cBhvr>
+                                        <p:cTn id="10" dur="1" fill="hold">
+                                          <p:stCondLst>
+                                            <p:cond delay="0"/>
+                                          </p:stCondLst>
+                                        </p:cTn>
+                                        <p:tgtEl>
+                                          <p:spTgt spid="6"/>
+                                        </p:tgtEl>
+                                        <p:attrNameLst>
+                                          <p:attrName>style.visibility</p:attrName>
+                                        </p:attrNameLst>
+                                      </p:cBhvr>
+                                      <p:to>
+                                        <p:strVal val="visible"/>
+                                      </p:to>
+                                    </p:set>
+                                  </p:childTnLst>
+                                </p:cTn>
+                              </p:par>
+                            </p:childTnLst>
+                          </p:cTn>
+                        </p:par>
+                      </p:childTnLst>
+                    </p:cTn>
+                  </p:par>
+                  <p:par>
+                    <p:cTn id="11" fill="hold">
+                      <p:stCondLst>
+                        <p:cond delay="indefinite"/>
+                      </p:stCondLst>
+                      <p:childTnLst>
+                        <p:par>
+                          <p:cTn id="12" fill="hold">
+                            <p:stCondLst>
+                              <p:cond delay="0"/>
+                            </p:stCondLst>
+                            <p:childTnLst>
+                              <p:par>
+                                <p:cTn id="13" presetID="1" presetClass="entr" presetSubtype="0" fill="hold" grpId="0" nodeType="clickEffect">
+                                  <p:stCondLst>
+                                    <p:cond delay="0"/>
+                                  </p:stCondLst>
+                                  <p:childTnLst>
+                                    <p:set>
+                                      <p:cBhvr>
+                                        <p:cTn id="14" dur="1" fill="hold">
+                                          <p:stCondLst>
+                                            <p:cond delay="0"/>
+                                          </p:stCondLst>
+                                        </p:cTn>
+                                        <p:tgtEl>
+                                          <p:spTgt spid="7"/>
+                                        </p:tgtEl>
+                                        <p:attrNameLst>
+                                          <p:attrName>style.visibility</p:attrName>
+                                        </p:attrNameLst>
+                                      </p:cBhvr>
+                                      <p:to>
+                                        <p:strVal val="visible"/>
+                                      </p:to>
+                                    </p:set>
+                                  </p:childTnLst>
+                                </p:cTn>
+                              </p:par>
+                            </p:childTnLst>
+                          </p:cTn>
+                        </p:par>
+                      </p:childTnLst>
+                    </p:cTn>
+                  </p:par>
+                  <p:par>
+                    <p:cTn id="15" fill="hold">
+                      <p:stCondLst>
+                        <p:cond delay="indefinite"/>
+                      </p:stCondLst>
+                      <p:childTnLst>
+                        <p:par>
+                          <p:cTn id="16" fill="hold">
+                            <p:stCondLst>
+                              <p:cond delay="0"/>
+                            </p:stCondLst>
+                            <p:childTnLst>
+                              <p:par>
+                                <p:cTn id="17" presetID="1" presetClass="entr" presetSubtype="0" fill="hold" grpId="0" nodeType="clickEffect">
+                                  <p:stCondLst>
+                                    <p:cond delay="0"/>
+                                  </p:stCondLst>
+                                  <p:childTnLst>
+                                    <p:set>
+                                      <p:cBhvr>
+                                        <p:cTn id="18" dur="1" fill="hold">
+                                          <p:stCondLst>
+                                            <p:cond delay="0"/>
+                                          </p:stCondLst>
+                                        </p:cTn>
+                                        <p:tgtEl>
+                                          <p:spTgt spid="9"/>
+                                        </p:tgtEl>
+                                        <p:attrNameLst>
+                                          <p:attrName>style.visibility</p:attrName>
+                                        </p:attrNameLst>
+                                      </p:cBhvr>
+                                      <p:to>
+                                        <p:strVal val="visible"/>
+                                      </p:to>
+                                    </p:set>
+                                  </p:childTnLst>
+                                </p:cTn>
+                              </p:par>
+                            </p:childTnLst>
+                          </p:cTn>
+                        </p:par>
+                      </p:childTnLst>
+                    </p:cTn>
+                  </p:par>
+                </p:childTnLst>
+              </p:cTn>
+              <p:prevCondLst>
+                <p:cond evt="onPrev" delay="0">
+                  <p:tgtEl>
+                    <p:sldTgt/>
+                  </p:tgtEl>
+                </p:cond>
+              </p:prevCondLst>
+              <p:nextCondLst>
+                <p:cond evt="onNext" delay="0">
+                  <p:tgtEl>
+                    <p:sldTgt/>
+                  </p:tgtEl>
+                </p:cond>
+              </p:nextCondLst>
+            </p:seq>
+          </p:childTnLst>
+        </p:cTn>
+      </p:par>
+    </p:tnLst>
+    <p:bldLst>
+      <p:bldP spid="3" grpId="0"/>
+      <p:bldP spid="6" grpId="0"/>
+      <p:bldP spid="7" grpId="0"/>
+      <p:bldP spid="9" grpId="0"/>
+    </p:bldLst>
+  </p:timing>
+</p:sld>
+</file>
+
+<file path=ppt/slides/slide11.xml><?xml version="1.0" encoding="utf-8"?>
+<p:sld xmlns:a="http://schemas.openxmlformats.org/drawingml/2006/main" xmlns:r="http://schemas.openxmlformats.org/officeDocument/2006/relationships" xmlns:p="http://schemas.openxmlformats.org/presentationml/2006/main">
+  <p:cSld>
+    <p:spTree>
+      <p:nvGrpSpPr>
+        <p:cNvPr id="1" name=""/>
+        <p:cNvGrpSpPr/>
+        <p:nvPr/>
+      </p:nvGrpSpPr>
+      <p:grpSpPr>
+        <a:xfrm>
+          <a:off x="0" y="0"/>
+          <a:ext cx="0" cy="0"/>
+          <a:chOff x="0" y="0"/>
+          <a:chExt cx="0" cy="0"/>
+        </a:xfrm>
+      </p:grpSpPr>
+      <p:sp>
+        <p:nvSpPr>
+          <p:cNvPr id="2" name="Titel 1">
+            <a:extLst>
+              <a:ext uri="{FF2B5EF4-FFF2-40B4-BE49-F238E27FC236}">
+                <a16:creationId xmlns:a16="http://schemas.microsoft.com/office/drawing/2014/main" id="{F810C1B7-6E4E-3DEE-50C0-1CA3B14303EE}"/>
+              </a:ext>
+            </a:extLst>
+          </p:cNvPr>
+          <p:cNvSpPr>
+            <a:spLocks noGrp="1"/>
+          </p:cNvSpPr>
+          <p:nvPr>
+            <p:ph type="ctrTitle"/>
+          </p:nvPr>
+        </p:nvSpPr>
+        <p:spPr>
+          <a:xfrm>
+            <a:off x="594360" y="411479"/>
+            <a:ext cx="5486400" cy="3291840"/>
+          </a:xfrm>
+        </p:spPr>
+        <p:txBody>
+          <a:bodyPr rtlCol="0"/>
+          <a:lstStyle>
+            <a:defPPr>
+              <a:defRPr lang="de-DE"/>
+            </a:defPPr>
+          </a:lstStyle>
+          <a:p>
+            <a:pPr algn="ctr" rtl="0"/>
+            <a:r>
+              <a:rPr lang="de-DE" sz="5400" dirty="0"/>
+              <a:t>Vielen Dank für Ihre Aufmerksamkeit</a:t>
+            </a:r>
+          </a:p>
+        </p:txBody>
+      </p:sp>
+      <p:sp>
+        <p:nvSpPr>
+          <p:cNvPr id="3" name="Textplatzhalter 2">
+            <a:extLst>
+              <a:ext uri="{FF2B5EF4-FFF2-40B4-BE49-F238E27FC236}">
+                <a16:creationId xmlns:a16="http://schemas.microsoft.com/office/drawing/2014/main" id="{8BE734F0-2DDD-AF70-F13D-F9E4C1929411}"/>
+              </a:ext>
+            </a:extLst>
+          </p:cNvPr>
+          <p:cNvSpPr>
+            <a:spLocks noGrp="1"/>
+          </p:cNvSpPr>
+          <p:nvPr>
+            <p:ph type="body" sz="quarter" idx="11"/>
+          </p:nvPr>
+        </p:nvSpPr>
+        <p:spPr>
+          <a:xfrm>
+            <a:off x="594360" y="4549552"/>
+            <a:ext cx="2681275" cy="855825"/>
+          </a:xfrm>
+        </p:spPr>
+        <p:txBody>
+          <a:bodyPr rtlCol="0"/>
+          <a:lstStyle>
+            <a:defPPr>
+              <a:defRPr lang="de-DE"/>
+            </a:defPPr>
+          </a:lstStyle>
+          <a:p>
+            <a:pPr rtl="0"/>
+            <a:r>
+              <a:rPr lang="de-DE" dirty="0"/>
+              <a:t>Oliver Bauer</a:t>
+            </a:r>
+          </a:p>
+          <a:p>
+            <a:pPr rtl="0"/>
+            <a:r>
+              <a:rPr lang="de-DE" dirty="0"/>
+              <a:t>Christian Zimmerer</a:t>
+            </a:r>
+          </a:p>
+        </p:txBody>
+      </p:sp>
+    </p:spTree>
+    <p:extLst>
+      <p:ext uri="{BB962C8B-B14F-4D97-AF65-F5344CB8AC3E}">
+        <p14:creationId xmlns:p14="http://schemas.microsoft.com/office/powerpoint/2010/main" val="4261132419"/>
+      </p:ext>
+    </p:extLst>
+  </p:cSld>
+  <p:clrMapOvr>
+    <a:masterClrMapping/>
+  </p:clrMapOvr>
+</p:sld>
+</file>
+
 <file path=ppt/slides/slide2.xml><?xml version="1.0" encoding="utf-8"?>
 <p:sld xmlns:a="http://schemas.openxmlformats.org/drawingml/2006/main" xmlns:r="http://schemas.openxmlformats.org/officeDocument/2006/relationships" xmlns:p="http://schemas.openxmlformats.org/presentationml/2006/main">
   <p:cSld>
@@ -14348,6 +15295,815 @@
   <p:cSld>
     <p:spTree>
       <p:nvGrpSpPr>
+        <p:cNvPr id="1" name=""/>
+        <p:cNvGrpSpPr/>
+        <p:nvPr/>
+      </p:nvGrpSpPr>
+      <p:grpSpPr>
+        <a:xfrm>
+          <a:off x="0" y="0"/>
+          <a:ext cx="0" cy="0"/>
+          <a:chOff x="0" y="0"/>
+          <a:chExt cx="0" cy="0"/>
+        </a:xfrm>
+      </p:grpSpPr>
+      <p:sp>
+        <p:nvSpPr>
+          <p:cNvPr id="2" name="Titel 1">
+            <a:extLst>
+              <a:ext uri="{FF2B5EF4-FFF2-40B4-BE49-F238E27FC236}">
+                <a16:creationId xmlns:a16="http://schemas.microsoft.com/office/drawing/2014/main" id="{33E1D896-FAD1-0E9D-91F7-2C4D05C1214C}"/>
+              </a:ext>
+            </a:extLst>
+          </p:cNvPr>
+          <p:cNvSpPr>
+            <a:spLocks noGrp="1"/>
+          </p:cNvSpPr>
+          <p:nvPr>
+            <p:ph type="title"/>
+          </p:nvPr>
+        </p:nvSpPr>
+        <p:spPr/>
+        <p:txBody>
+          <a:bodyPr/>
+          <a:lstStyle/>
+          <a:p>
+            <a:r>
+              <a:rPr lang="de-DE" dirty="0"/>
+              <a:t>Herausforderungen</a:t>
+            </a:r>
+          </a:p>
+        </p:txBody>
+      </p:sp>
+      <p:sp>
+        <p:nvSpPr>
+          <p:cNvPr id="6" name="Textfeld 5">
+            <a:extLst>
+              <a:ext uri="{FF2B5EF4-FFF2-40B4-BE49-F238E27FC236}">
+                <a16:creationId xmlns:a16="http://schemas.microsoft.com/office/drawing/2014/main" id="{150AA050-4032-AF77-1406-A3879C3B3628}"/>
+              </a:ext>
+            </a:extLst>
+          </p:cNvPr>
+          <p:cNvSpPr txBox="1"/>
+          <p:nvPr/>
+        </p:nvSpPr>
+        <p:spPr>
+          <a:xfrm rot="1286153">
+            <a:off x="4730134" y="1683381"/>
+            <a:ext cx="8154099" cy="707886"/>
+          </a:xfrm>
+          <a:prstGeom prst="rect">
+            <a:avLst/>
+          </a:prstGeom>
+          <a:noFill/>
+        </p:spPr>
+        <p:txBody>
+          <a:bodyPr wrap="square" rtlCol="0">
+            <a:spAutoFit/>
+          </a:bodyPr>
+          <a:lstStyle/>
+          <a:p>
+            <a:r>
+              <a:rPr lang="de-DE" sz="2000" dirty="0">
+                <a:solidFill>
+                  <a:schemeClr val="bg1"/>
+                </a:solidFill>
+              </a:rPr>
+              <a:t>Sprachmodelle stehen in kostenlosen Varianten (noch) nicht flächendeckend zur Verfügung</a:t>
+            </a:r>
+          </a:p>
+        </p:txBody>
+      </p:sp>
+      <p:sp>
+        <p:nvSpPr>
+          <p:cNvPr id="7" name="Textfeld 6">
+            <a:extLst>
+              <a:ext uri="{FF2B5EF4-FFF2-40B4-BE49-F238E27FC236}">
+                <a16:creationId xmlns:a16="http://schemas.microsoft.com/office/drawing/2014/main" id="{772B0981-10E6-EE2B-A936-075920891A76}"/>
+              </a:ext>
+            </a:extLst>
+          </p:cNvPr>
+          <p:cNvSpPr txBox="1"/>
+          <p:nvPr/>
+        </p:nvSpPr>
+        <p:spPr>
+          <a:xfrm>
+            <a:off x="997835" y="5317132"/>
+            <a:ext cx="8154099" cy="707886"/>
+          </a:xfrm>
+          <a:prstGeom prst="rect">
+            <a:avLst/>
+          </a:prstGeom>
+          <a:noFill/>
+        </p:spPr>
+        <p:txBody>
+          <a:bodyPr wrap="square" rtlCol="0">
+            <a:spAutoFit/>
+          </a:bodyPr>
+          <a:lstStyle/>
+          <a:p>
+            <a:r>
+              <a:rPr lang="de-DE" sz="2000" dirty="0">
+                <a:solidFill>
+                  <a:schemeClr val="bg1"/>
+                </a:solidFill>
+              </a:rPr>
+              <a:t>Im Allgemeinen sind Sprachmodelle über ein (Web-)Interface nur eingeschränkt nutz- und </a:t>
+            </a:r>
+            <a:r>
+              <a:rPr lang="de-DE" sz="2000" dirty="0" err="1">
+                <a:solidFill>
+                  <a:schemeClr val="bg1"/>
+                </a:solidFill>
+              </a:rPr>
+              <a:t>manupulierbar</a:t>
+            </a:r>
+            <a:r>
+              <a:rPr lang="de-DE" sz="2000" dirty="0">
+                <a:solidFill>
+                  <a:schemeClr val="bg1"/>
+                </a:solidFill>
+              </a:rPr>
+              <a:t>. </a:t>
+            </a:r>
+          </a:p>
+        </p:txBody>
+      </p:sp>
+      <p:sp>
+        <p:nvSpPr>
+          <p:cNvPr id="8" name="Textfeld 7">
+            <a:extLst>
+              <a:ext uri="{FF2B5EF4-FFF2-40B4-BE49-F238E27FC236}">
+                <a16:creationId xmlns:a16="http://schemas.microsoft.com/office/drawing/2014/main" id="{84094437-2A3B-A2A6-3EFB-131FB8D3C26B}"/>
+              </a:ext>
+            </a:extLst>
+          </p:cNvPr>
+          <p:cNvSpPr txBox="1"/>
+          <p:nvPr/>
+        </p:nvSpPr>
+        <p:spPr>
+          <a:xfrm rot="20613413">
+            <a:off x="5312975" y="3587520"/>
+            <a:ext cx="6749673" cy="400110"/>
+          </a:xfrm>
+          <a:prstGeom prst="rect">
+            <a:avLst/>
+          </a:prstGeom>
+          <a:noFill/>
+        </p:spPr>
+        <p:txBody>
+          <a:bodyPr wrap="square" rtlCol="0">
+            <a:spAutoFit/>
+          </a:bodyPr>
+          <a:lstStyle/>
+          <a:p>
+            <a:r>
+              <a:rPr lang="de-DE" sz="2000" dirty="0">
+                <a:solidFill>
+                  <a:schemeClr val="bg1"/>
+                </a:solidFill>
+              </a:rPr>
+              <a:t>Heterogene Zusammensetzung der Lehrkräfte (Hybrid-Fach!)</a:t>
+            </a:r>
+          </a:p>
+        </p:txBody>
+      </p:sp>
+      <p:sp>
+        <p:nvSpPr>
+          <p:cNvPr id="9" name="Textfeld 8">
+            <a:extLst>
+              <a:ext uri="{FF2B5EF4-FFF2-40B4-BE49-F238E27FC236}">
+                <a16:creationId xmlns:a16="http://schemas.microsoft.com/office/drawing/2014/main" id="{9F77B362-034C-E2F0-9B5D-89C7A1640BBC}"/>
+              </a:ext>
+            </a:extLst>
+          </p:cNvPr>
+          <p:cNvSpPr txBox="1"/>
+          <p:nvPr/>
+        </p:nvSpPr>
+        <p:spPr>
+          <a:xfrm rot="1080794">
+            <a:off x="121300" y="3114838"/>
+            <a:ext cx="6174298" cy="400110"/>
+          </a:xfrm>
+          <a:prstGeom prst="rect">
+            <a:avLst/>
+          </a:prstGeom>
+          <a:noFill/>
+        </p:spPr>
+        <p:txBody>
+          <a:bodyPr wrap="square" rtlCol="0">
+            <a:spAutoFit/>
+          </a:bodyPr>
+          <a:lstStyle/>
+          <a:p>
+            <a:r>
+              <a:rPr lang="de-DE" sz="2000" dirty="0">
+                <a:solidFill>
+                  <a:schemeClr val="bg1"/>
+                </a:solidFill>
+              </a:rPr>
+              <a:t>Heterogene Systemvoraussetzungen an den Schulen</a:t>
+            </a:r>
+          </a:p>
+        </p:txBody>
+      </p:sp>
+      <p:sp>
+        <p:nvSpPr>
+          <p:cNvPr id="10" name="Textfeld 9">
+            <a:extLst>
+              <a:ext uri="{FF2B5EF4-FFF2-40B4-BE49-F238E27FC236}">
+                <a16:creationId xmlns:a16="http://schemas.microsoft.com/office/drawing/2014/main" id="{D4F61D26-D32A-5AC4-1EBD-E36586CFA480}"/>
+              </a:ext>
+            </a:extLst>
+          </p:cNvPr>
+          <p:cNvSpPr txBox="1"/>
+          <p:nvPr/>
+        </p:nvSpPr>
+        <p:spPr>
+          <a:xfrm>
+            <a:off x="2211827" y="3121236"/>
+            <a:ext cx="7768346" cy="1077218"/>
+          </a:xfrm>
+          <a:prstGeom prst="rect">
+            <a:avLst/>
+          </a:prstGeom>
+          <a:noFill/>
+          <a:ln w="38100">
+            <a:solidFill>
+              <a:srgbClr val="FF0000"/>
+            </a:solidFill>
+          </a:ln>
+        </p:spPr>
+        <p:txBody>
+          <a:bodyPr wrap="square" rtlCol="0">
+            <a:spAutoFit/>
+          </a:bodyPr>
+          <a:lstStyle/>
+          <a:p>
+            <a:r>
+              <a:rPr lang="de-DE" sz="3200" b="1" dirty="0">
+                <a:solidFill>
+                  <a:schemeClr val="bg1"/>
+                </a:solidFill>
+              </a:rPr>
+              <a:t>Der technische Fortschritt im Themenbereich Sprachmodelle ist immens.</a:t>
+            </a:r>
+          </a:p>
+        </p:txBody>
+      </p:sp>
+    </p:spTree>
+    <p:extLst>
+      <p:ext uri="{BB962C8B-B14F-4D97-AF65-F5344CB8AC3E}">
+        <p14:creationId xmlns:p14="http://schemas.microsoft.com/office/powerpoint/2010/main" val="869236678"/>
+      </p:ext>
+    </p:extLst>
+  </p:cSld>
+  <p:clrMapOvr>
+    <a:masterClrMapping/>
+  </p:clrMapOvr>
+  <p:timing>
+    <p:tnLst>
+      <p:par>
+        <p:cTn id="1" dur="indefinite" restart="never" nodeType="tmRoot">
+          <p:childTnLst>
+            <p:seq concurrent="1" nextAc="seek">
+              <p:cTn id="2" dur="indefinite" nodeType="mainSeq">
+                <p:childTnLst>
+                  <p:par>
+                    <p:cTn id="3" fill="hold">
+                      <p:stCondLst>
+                        <p:cond delay="indefinite"/>
+                        <p:cond evt="onBegin" delay="0">
+                          <p:tn val="2"/>
+                        </p:cond>
+                      </p:stCondLst>
+                      <p:childTnLst>
+                        <p:par>
+                          <p:cTn id="4" fill="hold">
+                            <p:stCondLst>
+                              <p:cond delay="0"/>
+                            </p:stCondLst>
+                            <p:childTnLst>
+                              <p:par>
+                                <p:cTn id="5" presetID="1" presetClass="exit" presetSubtype="0" fill="hold" grpId="0" nodeType="withEffect">
+                                  <p:stCondLst>
+                                    <p:cond delay="0"/>
+                                  </p:stCondLst>
+                                  <p:childTnLst>
+                                    <p:set>
+                                      <p:cBhvr>
+                                        <p:cTn id="6" dur="1" fill="hold">
+                                          <p:stCondLst>
+                                            <p:cond delay="0"/>
+                                          </p:stCondLst>
+                                        </p:cTn>
+                                        <p:tgtEl>
+                                          <p:spTgt spid="9"/>
+                                        </p:tgtEl>
+                                        <p:attrNameLst>
+                                          <p:attrName>style.visibility</p:attrName>
+                                        </p:attrNameLst>
+                                      </p:cBhvr>
+                                      <p:to>
+                                        <p:strVal val="hidden"/>
+                                      </p:to>
+                                    </p:set>
+                                  </p:childTnLst>
+                                </p:cTn>
+                              </p:par>
+                              <p:par>
+                                <p:cTn id="7" presetID="1" presetClass="exit" presetSubtype="0" fill="hold" grpId="0" nodeType="withEffect">
+                                  <p:stCondLst>
+                                    <p:cond delay="0"/>
+                                  </p:stCondLst>
+                                  <p:childTnLst>
+                                    <p:set>
+                                      <p:cBhvr>
+                                        <p:cTn id="8" dur="1" fill="hold">
+                                          <p:stCondLst>
+                                            <p:cond delay="0"/>
+                                          </p:stCondLst>
+                                        </p:cTn>
+                                        <p:tgtEl>
+                                          <p:spTgt spid="7"/>
+                                        </p:tgtEl>
+                                        <p:attrNameLst>
+                                          <p:attrName>style.visibility</p:attrName>
+                                        </p:attrNameLst>
+                                      </p:cBhvr>
+                                      <p:to>
+                                        <p:strVal val="hidden"/>
+                                      </p:to>
+                                    </p:set>
+                                  </p:childTnLst>
+                                </p:cTn>
+                              </p:par>
+                              <p:par>
+                                <p:cTn id="9" presetID="1" presetClass="exit" presetSubtype="0" fill="hold" grpId="0" nodeType="withEffect">
+                                  <p:stCondLst>
+                                    <p:cond delay="0"/>
+                                  </p:stCondLst>
+                                  <p:childTnLst>
+                                    <p:set>
+                                      <p:cBhvr>
+                                        <p:cTn id="10" dur="1" fill="hold">
+                                          <p:stCondLst>
+                                            <p:cond delay="0"/>
+                                          </p:stCondLst>
+                                        </p:cTn>
+                                        <p:tgtEl>
+                                          <p:spTgt spid="8"/>
+                                        </p:tgtEl>
+                                        <p:attrNameLst>
+                                          <p:attrName>style.visibility</p:attrName>
+                                        </p:attrNameLst>
+                                      </p:cBhvr>
+                                      <p:to>
+                                        <p:strVal val="hidden"/>
+                                      </p:to>
+                                    </p:set>
+                                  </p:childTnLst>
+                                </p:cTn>
+                              </p:par>
+                              <p:par>
+                                <p:cTn id="11" presetID="1" presetClass="exit" presetSubtype="0" fill="hold" grpId="0" nodeType="withEffect">
+                                  <p:stCondLst>
+                                    <p:cond delay="0"/>
+                                  </p:stCondLst>
+                                  <p:childTnLst>
+                                    <p:set>
+                                      <p:cBhvr>
+                                        <p:cTn id="12" dur="1" fill="hold">
+                                          <p:stCondLst>
+                                            <p:cond delay="0"/>
+                                          </p:stCondLst>
+                                        </p:cTn>
+                                        <p:tgtEl>
+                                          <p:spTgt spid="6"/>
+                                        </p:tgtEl>
+                                        <p:attrNameLst>
+                                          <p:attrName>style.visibility</p:attrName>
+                                        </p:attrNameLst>
+                                      </p:cBhvr>
+                                      <p:to>
+                                        <p:strVal val="hidden"/>
+                                      </p:to>
+                                    </p:set>
+                                  </p:childTnLst>
+                                </p:cTn>
+                              </p:par>
+                              <p:par>
+                                <p:cTn id="13" presetID="1" presetClass="exit" presetSubtype="0" fill="hold" grpId="0" nodeType="withEffect">
+                                  <p:stCondLst>
+                                    <p:cond delay="0"/>
+                                  </p:stCondLst>
+                                  <p:childTnLst>
+                                    <p:set>
+                                      <p:cBhvr>
+                                        <p:cTn id="14" dur="1" fill="hold">
+                                          <p:stCondLst>
+                                            <p:cond delay="0"/>
+                                          </p:stCondLst>
+                                        </p:cTn>
+                                        <p:tgtEl>
+                                          <p:spTgt spid="10"/>
+                                        </p:tgtEl>
+                                        <p:attrNameLst>
+                                          <p:attrName>style.visibility</p:attrName>
+                                        </p:attrNameLst>
+                                      </p:cBhvr>
+                                      <p:to>
+                                        <p:strVal val="hidden"/>
+                                      </p:to>
+                                    </p:set>
+                                  </p:childTnLst>
+                                </p:cTn>
+                              </p:par>
+                            </p:childTnLst>
+                          </p:cTn>
+                        </p:par>
+                      </p:childTnLst>
+                    </p:cTn>
+                  </p:par>
+                  <p:par>
+                    <p:cTn id="15" fill="hold">
+                      <p:stCondLst>
+                        <p:cond delay="indefinite"/>
+                      </p:stCondLst>
+                      <p:childTnLst>
+                        <p:par>
+                          <p:cTn id="16" fill="hold">
+                            <p:stCondLst>
+                              <p:cond delay="0"/>
+                            </p:stCondLst>
+                            <p:childTnLst>
+                              <p:par>
+                                <p:cTn id="17" presetID="1" presetClass="entr" presetSubtype="0" fill="hold" grpId="1" nodeType="clickEffect">
+                                  <p:stCondLst>
+                                    <p:cond delay="0"/>
+                                  </p:stCondLst>
+                                  <p:childTnLst>
+                                    <p:set>
+                                      <p:cBhvr>
+                                        <p:cTn id="18" dur="1" fill="hold">
+                                          <p:stCondLst>
+                                            <p:cond delay="0"/>
+                                          </p:stCondLst>
+                                        </p:cTn>
+                                        <p:tgtEl>
+                                          <p:spTgt spid="6"/>
+                                        </p:tgtEl>
+                                        <p:attrNameLst>
+                                          <p:attrName>style.visibility</p:attrName>
+                                        </p:attrNameLst>
+                                      </p:cBhvr>
+                                      <p:to>
+                                        <p:strVal val="visible"/>
+                                      </p:to>
+                                    </p:set>
+                                  </p:childTnLst>
+                                </p:cTn>
+                              </p:par>
+                            </p:childTnLst>
+                          </p:cTn>
+                        </p:par>
+                      </p:childTnLst>
+                    </p:cTn>
+                  </p:par>
+                  <p:par>
+                    <p:cTn id="19" fill="hold">
+                      <p:stCondLst>
+                        <p:cond delay="indefinite"/>
+                      </p:stCondLst>
+                      <p:childTnLst>
+                        <p:par>
+                          <p:cTn id="20" fill="hold">
+                            <p:stCondLst>
+                              <p:cond delay="0"/>
+                            </p:stCondLst>
+                            <p:childTnLst>
+                              <p:par>
+                                <p:cTn id="21" presetID="1" presetClass="entr" presetSubtype="0" fill="hold" grpId="1" nodeType="clickEffect">
+                                  <p:stCondLst>
+                                    <p:cond delay="0"/>
+                                  </p:stCondLst>
+                                  <p:childTnLst>
+                                    <p:set>
+                                      <p:cBhvr>
+                                        <p:cTn id="22" dur="1" fill="hold">
+                                          <p:stCondLst>
+                                            <p:cond delay="0"/>
+                                          </p:stCondLst>
+                                        </p:cTn>
+                                        <p:tgtEl>
+                                          <p:spTgt spid="8"/>
+                                        </p:tgtEl>
+                                        <p:attrNameLst>
+                                          <p:attrName>style.visibility</p:attrName>
+                                        </p:attrNameLst>
+                                      </p:cBhvr>
+                                      <p:to>
+                                        <p:strVal val="visible"/>
+                                      </p:to>
+                                    </p:set>
+                                  </p:childTnLst>
+                                </p:cTn>
+                              </p:par>
+                            </p:childTnLst>
+                          </p:cTn>
+                        </p:par>
+                      </p:childTnLst>
+                    </p:cTn>
+                  </p:par>
+                  <p:par>
+                    <p:cTn id="23" fill="hold">
+                      <p:stCondLst>
+                        <p:cond delay="indefinite"/>
+                      </p:stCondLst>
+                      <p:childTnLst>
+                        <p:par>
+                          <p:cTn id="24" fill="hold">
+                            <p:stCondLst>
+                              <p:cond delay="0"/>
+                            </p:stCondLst>
+                            <p:childTnLst>
+                              <p:par>
+                                <p:cTn id="25" presetID="1" presetClass="entr" presetSubtype="0" fill="hold" grpId="1" nodeType="clickEffect">
+                                  <p:stCondLst>
+                                    <p:cond delay="0"/>
+                                  </p:stCondLst>
+                                  <p:childTnLst>
+                                    <p:set>
+                                      <p:cBhvr>
+                                        <p:cTn id="26" dur="1" fill="hold">
+                                          <p:stCondLst>
+                                            <p:cond delay="0"/>
+                                          </p:stCondLst>
+                                        </p:cTn>
+                                        <p:tgtEl>
+                                          <p:spTgt spid="9"/>
+                                        </p:tgtEl>
+                                        <p:attrNameLst>
+                                          <p:attrName>style.visibility</p:attrName>
+                                        </p:attrNameLst>
+                                      </p:cBhvr>
+                                      <p:to>
+                                        <p:strVal val="visible"/>
+                                      </p:to>
+                                    </p:set>
+                                  </p:childTnLst>
+                                </p:cTn>
+                              </p:par>
+                            </p:childTnLst>
+                          </p:cTn>
+                        </p:par>
+                      </p:childTnLst>
+                    </p:cTn>
+                  </p:par>
+                  <p:par>
+                    <p:cTn id="27" fill="hold">
+                      <p:stCondLst>
+                        <p:cond delay="indefinite"/>
+                      </p:stCondLst>
+                      <p:childTnLst>
+                        <p:par>
+                          <p:cTn id="28" fill="hold">
+                            <p:stCondLst>
+                              <p:cond delay="0"/>
+                            </p:stCondLst>
+                            <p:childTnLst>
+                              <p:par>
+                                <p:cTn id="29" presetID="1" presetClass="entr" presetSubtype="0" fill="hold" grpId="1" nodeType="clickEffect">
+                                  <p:stCondLst>
+                                    <p:cond delay="0"/>
+                                  </p:stCondLst>
+                                  <p:childTnLst>
+                                    <p:set>
+                                      <p:cBhvr>
+                                        <p:cTn id="30" dur="1" fill="hold">
+                                          <p:stCondLst>
+                                            <p:cond delay="0"/>
+                                          </p:stCondLst>
+                                        </p:cTn>
+                                        <p:tgtEl>
+                                          <p:spTgt spid="7"/>
+                                        </p:tgtEl>
+                                        <p:attrNameLst>
+                                          <p:attrName>style.visibility</p:attrName>
+                                        </p:attrNameLst>
+                                      </p:cBhvr>
+                                      <p:to>
+                                        <p:strVal val="visible"/>
+                                      </p:to>
+                                    </p:set>
+                                  </p:childTnLst>
+                                </p:cTn>
+                              </p:par>
+                            </p:childTnLst>
+                          </p:cTn>
+                        </p:par>
+                      </p:childTnLst>
+                    </p:cTn>
+                  </p:par>
+                  <p:par>
+                    <p:cTn id="31" fill="hold">
+                      <p:stCondLst>
+                        <p:cond delay="indefinite"/>
+                      </p:stCondLst>
+                      <p:childTnLst>
+                        <p:par>
+                          <p:cTn id="32" fill="hold">
+                            <p:stCondLst>
+                              <p:cond delay="0"/>
+                            </p:stCondLst>
+                            <p:childTnLst>
+                              <p:par>
+                                <p:cTn id="33" presetID="1" presetClass="exit" presetSubtype="0" fill="hold" grpId="2" nodeType="clickEffect">
+                                  <p:stCondLst>
+                                    <p:cond delay="0"/>
+                                  </p:stCondLst>
+                                  <p:childTnLst>
+                                    <p:set>
+                                      <p:cBhvr>
+                                        <p:cTn id="34" dur="1" fill="hold">
+                                          <p:stCondLst>
+                                            <p:cond delay="0"/>
+                                          </p:stCondLst>
+                                        </p:cTn>
+                                        <p:tgtEl>
+                                          <p:spTgt spid="9"/>
+                                        </p:tgtEl>
+                                        <p:attrNameLst>
+                                          <p:attrName>style.visibility</p:attrName>
+                                        </p:attrNameLst>
+                                      </p:cBhvr>
+                                      <p:to>
+                                        <p:strVal val="hidden"/>
+                                      </p:to>
+                                    </p:set>
+                                  </p:childTnLst>
+                                </p:cTn>
+                              </p:par>
+                              <p:par>
+                                <p:cTn id="35" presetID="1" presetClass="exit" presetSubtype="0" fill="hold" grpId="2" nodeType="withEffect">
+                                  <p:stCondLst>
+                                    <p:cond delay="0"/>
+                                  </p:stCondLst>
+                                  <p:childTnLst>
+                                    <p:set>
+                                      <p:cBhvr>
+                                        <p:cTn id="36" dur="1" fill="hold">
+                                          <p:stCondLst>
+                                            <p:cond delay="0"/>
+                                          </p:stCondLst>
+                                        </p:cTn>
+                                        <p:tgtEl>
+                                          <p:spTgt spid="7"/>
+                                        </p:tgtEl>
+                                        <p:attrNameLst>
+                                          <p:attrName>style.visibility</p:attrName>
+                                        </p:attrNameLst>
+                                      </p:cBhvr>
+                                      <p:to>
+                                        <p:strVal val="hidden"/>
+                                      </p:to>
+                                    </p:set>
+                                  </p:childTnLst>
+                                </p:cTn>
+                              </p:par>
+                              <p:par>
+                                <p:cTn id="37" presetID="1" presetClass="exit" presetSubtype="0" fill="hold" grpId="2" nodeType="withEffect">
+                                  <p:stCondLst>
+                                    <p:cond delay="0"/>
+                                  </p:stCondLst>
+                                  <p:childTnLst>
+                                    <p:set>
+                                      <p:cBhvr>
+                                        <p:cTn id="38" dur="1" fill="hold">
+                                          <p:stCondLst>
+                                            <p:cond delay="0"/>
+                                          </p:stCondLst>
+                                        </p:cTn>
+                                        <p:tgtEl>
+                                          <p:spTgt spid="8"/>
+                                        </p:tgtEl>
+                                        <p:attrNameLst>
+                                          <p:attrName>style.visibility</p:attrName>
+                                        </p:attrNameLst>
+                                      </p:cBhvr>
+                                      <p:to>
+                                        <p:strVal val="hidden"/>
+                                      </p:to>
+                                    </p:set>
+                                  </p:childTnLst>
+                                </p:cTn>
+                              </p:par>
+                              <p:par>
+                                <p:cTn id="39" presetID="1" presetClass="exit" presetSubtype="0" fill="hold" grpId="2" nodeType="withEffect">
+                                  <p:stCondLst>
+                                    <p:cond delay="0"/>
+                                  </p:stCondLst>
+                                  <p:childTnLst>
+                                    <p:set>
+                                      <p:cBhvr>
+                                        <p:cTn id="40" dur="1" fill="hold">
+                                          <p:stCondLst>
+                                            <p:cond delay="0"/>
+                                          </p:stCondLst>
+                                        </p:cTn>
+                                        <p:tgtEl>
+                                          <p:spTgt spid="6"/>
+                                        </p:tgtEl>
+                                        <p:attrNameLst>
+                                          <p:attrName>style.visibility</p:attrName>
+                                        </p:attrNameLst>
+                                      </p:cBhvr>
+                                      <p:to>
+                                        <p:strVal val="hidden"/>
+                                      </p:to>
+                                    </p:set>
+                                  </p:childTnLst>
+                                </p:cTn>
+                              </p:par>
+                              <p:par>
+                                <p:cTn id="41" presetID="1" presetClass="entr" presetSubtype="0" fill="hold" grpId="1" nodeType="withEffect">
+                                  <p:stCondLst>
+                                    <p:cond delay="0"/>
+                                  </p:stCondLst>
+                                  <p:childTnLst>
+                                    <p:set>
+                                      <p:cBhvr>
+                                        <p:cTn id="42" dur="1" fill="hold">
+                                          <p:stCondLst>
+                                            <p:cond delay="0"/>
+                                          </p:stCondLst>
+                                        </p:cTn>
+                                        <p:tgtEl>
+                                          <p:spTgt spid="10"/>
+                                        </p:tgtEl>
+                                        <p:attrNameLst>
+                                          <p:attrName>style.visibility</p:attrName>
+                                        </p:attrNameLst>
+                                      </p:cBhvr>
+                                      <p:to>
+                                        <p:strVal val="visible"/>
+                                      </p:to>
+                                    </p:set>
+                                  </p:childTnLst>
+                                </p:cTn>
+                              </p:par>
+                            </p:childTnLst>
+                          </p:cTn>
+                        </p:par>
+                      </p:childTnLst>
+                    </p:cTn>
+                  </p:par>
+                </p:childTnLst>
+              </p:cTn>
+              <p:prevCondLst>
+                <p:cond evt="onPrev" delay="0">
+                  <p:tgtEl>
+                    <p:sldTgt/>
+                  </p:tgtEl>
+                </p:cond>
+              </p:prevCondLst>
+              <p:nextCondLst>
+                <p:cond evt="onNext" delay="0">
+                  <p:tgtEl>
+                    <p:sldTgt/>
+                  </p:tgtEl>
+                </p:cond>
+              </p:nextCondLst>
+            </p:seq>
+          </p:childTnLst>
+        </p:cTn>
+      </p:par>
+    </p:tnLst>
+    <p:bldLst>
+      <p:bldP spid="6" grpId="0"/>
+      <p:bldP spid="6" grpId="1"/>
+      <p:bldP spid="6" grpId="2"/>
+      <p:bldP spid="7" grpId="0"/>
+      <p:bldP spid="7" grpId="1"/>
+      <p:bldP spid="7" grpId="2"/>
+      <p:bldP spid="8" grpId="0"/>
+      <p:bldP spid="8" grpId="1"/>
+      <p:bldP spid="8" grpId="2"/>
+      <p:bldP spid="9" grpId="0"/>
+      <p:bldP spid="9" grpId="1"/>
+      <p:bldP spid="9" grpId="2"/>
+      <p:bldP spid="10" grpId="0" animBg="1"/>
+      <p:bldP spid="10" grpId="1" animBg="1"/>
+    </p:bldLst>
+  </p:timing>
+</p:sld>
+</file>
+
+<file path=ppt/slides/slide8.xml><?xml version="1.0" encoding="utf-8"?>
+<p:sld xmlns:a="http://schemas.openxmlformats.org/drawingml/2006/main" xmlns:r="http://schemas.openxmlformats.org/officeDocument/2006/relationships" xmlns:p="http://schemas.openxmlformats.org/presentationml/2006/main">
+  <p:cSld>
+    <p:spTree>
+      <p:nvGrpSpPr>
         <p:cNvPr id="1" name="">
           <a:extLst>
             <a:ext uri="{FF2B5EF4-FFF2-40B4-BE49-F238E27FC236}">
@@ -15044,7 +16800,7 @@
 </p:sld>
 </file>
 
-<file path=ppt/slides/slide8.xml><?xml version="1.0" encoding="utf-8"?>
+<file path=ppt/slides/slide9.xml><?xml version="1.0" encoding="utf-8"?>
 <p:sld xmlns:a="http://schemas.openxmlformats.org/drawingml/2006/main" xmlns:r="http://schemas.openxmlformats.org/officeDocument/2006/relationships" xmlns:p="http://schemas.openxmlformats.org/presentationml/2006/main">
   <p:cSld>
     <p:spTree>
@@ -15756,119 +17512,6 @@
       <p:bldP spid="17" grpId="0" animBg="1"/>
     </p:bldLst>
   </p:timing>
-</p:sld>
-</file>
-
-<file path=ppt/slides/slide9.xml><?xml version="1.0" encoding="utf-8"?>
-<p:sld xmlns:a="http://schemas.openxmlformats.org/drawingml/2006/main" xmlns:r="http://schemas.openxmlformats.org/officeDocument/2006/relationships" xmlns:p="http://schemas.openxmlformats.org/presentationml/2006/main">
-  <p:cSld>
-    <p:spTree>
-      <p:nvGrpSpPr>
-        <p:cNvPr id="1" name=""/>
-        <p:cNvGrpSpPr/>
-        <p:nvPr/>
-      </p:nvGrpSpPr>
-      <p:grpSpPr>
-        <a:xfrm>
-          <a:off x="0" y="0"/>
-          <a:ext cx="0" cy="0"/>
-          <a:chOff x="0" y="0"/>
-          <a:chExt cx="0" cy="0"/>
-        </a:xfrm>
-      </p:grpSpPr>
-      <p:sp>
-        <p:nvSpPr>
-          <p:cNvPr id="2" name="Titel 1">
-            <a:extLst>
-              <a:ext uri="{FF2B5EF4-FFF2-40B4-BE49-F238E27FC236}">
-                <a16:creationId xmlns:a16="http://schemas.microsoft.com/office/drawing/2014/main" id="{F810C1B7-6E4E-3DEE-50C0-1CA3B14303EE}"/>
-              </a:ext>
-            </a:extLst>
-          </p:cNvPr>
-          <p:cNvSpPr>
-            <a:spLocks noGrp="1"/>
-          </p:cNvSpPr>
-          <p:nvPr>
-            <p:ph type="ctrTitle"/>
-          </p:nvPr>
-        </p:nvSpPr>
-        <p:spPr>
-          <a:xfrm>
-            <a:off x="594360" y="411479"/>
-            <a:ext cx="5486400" cy="3291840"/>
-          </a:xfrm>
-        </p:spPr>
-        <p:txBody>
-          <a:bodyPr rtlCol="0"/>
-          <a:lstStyle>
-            <a:defPPr>
-              <a:defRPr lang="de-DE"/>
-            </a:defPPr>
-          </a:lstStyle>
-          <a:p>
-            <a:pPr algn="ctr" rtl="0"/>
-            <a:r>
-              <a:rPr lang="de-DE" sz="5400" dirty="0"/>
-              <a:t>Vielen Dank für Ihre Aufmerksamkeit</a:t>
-            </a:r>
-          </a:p>
-        </p:txBody>
-      </p:sp>
-      <p:sp>
-        <p:nvSpPr>
-          <p:cNvPr id="3" name="Textplatzhalter 2">
-            <a:extLst>
-              <a:ext uri="{FF2B5EF4-FFF2-40B4-BE49-F238E27FC236}">
-                <a16:creationId xmlns:a16="http://schemas.microsoft.com/office/drawing/2014/main" id="{8BE734F0-2DDD-AF70-F13D-F9E4C1929411}"/>
-              </a:ext>
-            </a:extLst>
-          </p:cNvPr>
-          <p:cNvSpPr>
-            <a:spLocks noGrp="1"/>
-          </p:cNvSpPr>
-          <p:nvPr>
-            <p:ph type="body" sz="quarter" idx="11"/>
-          </p:nvPr>
-        </p:nvSpPr>
-        <p:spPr>
-          <a:xfrm>
-            <a:off x="594360" y="4549552"/>
-            <a:ext cx="2681275" cy="855825"/>
-          </a:xfrm>
-        </p:spPr>
-        <p:txBody>
-          <a:bodyPr rtlCol="0"/>
-          <a:lstStyle>
-            <a:defPPr>
-              <a:defRPr lang="de-DE"/>
-            </a:defPPr>
-          </a:lstStyle>
-          <a:p>
-            <a:pPr rtl="0"/>
-            <a:r>
-              <a:rPr lang="de-DE" dirty="0"/>
-              <a:t>Oliver Bauer</a:t>
-            </a:r>
-          </a:p>
-          <a:p>
-            <a:pPr rtl="0"/>
-            <a:r>
-              <a:rPr lang="de-DE" dirty="0"/>
-              <a:t>Christian Zimmerer</a:t>
-            </a:r>
-          </a:p>
-        </p:txBody>
-      </p:sp>
-    </p:spTree>
-    <p:extLst>
-      <p:ext uri="{BB962C8B-B14F-4D97-AF65-F5344CB8AC3E}">
-        <p14:creationId xmlns:p14="http://schemas.microsoft.com/office/powerpoint/2010/main" val="4261132419"/>
-      </p:ext>
-    </p:extLst>
-  </p:cSld>
-  <p:clrMapOvr>
-    <a:masterClrMapping/>
-  </p:clrMapOvr>
 </p:sld>
 </file>
 
@@ -16664,35 +18307,6 @@
 </file>
 
 <file path=customXml/item1.xml><?xml version="1.0" encoding="utf-8"?>
-<?mso-contentType ?>
-<FormTemplates xmlns="http://schemas.microsoft.com/sharepoint/v3/contenttype/forms">
-  <Display>DocumentLibraryForm</Display>
-  <Edit>DocumentLibraryForm</Edit>
-  <New>DocumentLibraryForm</New>
-</FormTemplates>
-</file>
-
-<file path=customXml/item2.xml><?xml version="1.0" encoding="utf-8"?>
-<p:properties xmlns:p="http://schemas.microsoft.com/office/2006/metadata/properties" xmlns:xsi="http://www.w3.org/2001/XMLSchema-instance" xmlns:pc="http://schemas.microsoft.com/office/infopath/2007/PartnerControls">
-  <documentManagement>
-    <Background xmlns="71af3243-3dd4-4a8d-8c0d-dd76da1f02a5">false</Background>
-    <Status xmlns="71af3243-3dd4-4a8d-8c0d-dd76da1f02a5">Not started</Status>
-    <_ip_UnifiedCompliancePolicyUIAction xmlns="http://schemas.microsoft.com/sharepoint/v3" xsi:nil="true"/>
-    <Image xmlns="71af3243-3dd4-4a8d-8c0d-dd76da1f02a5">
-      <Url xsi:nil="true"/>
-      <Description xsi:nil="true"/>
-    </Image>
-    <_ip_UnifiedCompliancePolicyProperties xmlns="http://schemas.microsoft.com/sharepoint/v3" xsi:nil="true"/>
-    <ImageTagsTaxHTField xmlns="71af3243-3dd4-4a8d-8c0d-dd76da1f02a5">
-      <Terms xmlns="http://schemas.microsoft.com/office/infopath/2007/PartnerControls"/>
-    </ImageTagsTaxHTField>
-    <TaxCatchAll xmlns="230e9df3-be65-4c73-a93b-d1236ebd677e" xsi:nil="true"/>
-    <MediaServiceKeyPoints xmlns="71af3243-3dd4-4a8d-8c0d-dd76da1f02a5" xsi:nil="true"/>
-  </documentManagement>
-</p:properties>
-</file>
-
-<file path=customXml/item3.xml><?xml version="1.0" encoding="utf-8"?>
 <ct:contentTypeSchema xmlns:ct="http://schemas.microsoft.com/office/2006/metadata/contentType" xmlns:ma="http://schemas.microsoft.com/office/2006/metadata/properties/metaAttributes" ct:_="" ma:_="" ma:contentTypeName="Document" ma:contentTypeID="0x01010079F111ED35F8CC479449609E8A0923A6" ma:contentTypeVersion="28" ma:contentTypeDescription="Create a new document." ma:contentTypeScope="" ma:versionID="60f5a4f2d2b0abadcf532d48ebf9cb71">
   <xsd:schema xmlns:xsd="http://www.w3.org/2001/XMLSchema" xmlns:xs="http://www.w3.org/2001/XMLSchema" xmlns:p="http://schemas.microsoft.com/office/2006/metadata/properties" xmlns:ns1="http://schemas.microsoft.com/sharepoint/v3" xmlns:ns2="71af3243-3dd4-4a8d-8c0d-dd76da1f02a5" xmlns:ns3="16c05727-aa75-4e4a-9b5f-8a80a1165891" xmlns:ns4="230e9df3-be65-4c73-a93b-d1236ebd677e" targetNamespace="http://schemas.microsoft.com/office/2006/metadata/properties" ma:root="true" ma:fieldsID="7dd78129e6a1811f84807ad11c651531" ns1:_="" ns2:_="" ns3:_="" ns4:_="">
     <xsd:import namespace="http://schemas.microsoft.com/sharepoint/v3"/>
@@ -17004,10 +18618,52 @@
 </ct:contentTypeSchema>
 </file>
 
+<file path=customXml/item2.xml><?xml version="1.0" encoding="utf-8"?>
+<p:properties xmlns:p="http://schemas.microsoft.com/office/2006/metadata/properties" xmlns:xsi="http://www.w3.org/2001/XMLSchema-instance" xmlns:pc="http://schemas.microsoft.com/office/infopath/2007/PartnerControls">
+  <documentManagement>
+    <Background xmlns="71af3243-3dd4-4a8d-8c0d-dd76da1f02a5">false</Background>
+    <Status xmlns="71af3243-3dd4-4a8d-8c0d-dd76da1f02a5">Not started</Status>
+    <_ip_UnifiedCompliancePolicyUIAction xmlns="http://schemas.microsoft.com/sharepoint/v3" xsi:nil="true"/>
+    <Image xmlns="71af3243-3dd4-4a8d-8c0d-dd76da1f02a5">
+      <Url xsi:nil="true"/>
+      <Description xsi:nil="true"/>
+    </Image>
+    <_ip_UnifiedCompliancePolicyProperties xmlns="http://schemas.microsoft.com/sharepoint/v3" xsi:nil="true"/>
+    <ImageTagsTaxHTField xmlns="71af3243-3dd4-4a8d-8c0d-dd76da1f02a5">
+      <Terms xmlns="http://schemas.microsoft.com/office/infopath/2007/PartnerControls"/>
+    </ImageTagsTaxHTField>
+    <TaxCatchAll xmlns="230e9df3-be65-4c73-a93b-d1236ebd677e" xsi:nil="true"/>
+    <MediaServiceKeyPoints xmlns="71af3243-3dd4-4a8d-8c0d-dd76da1f02a5" xsi:nil="true"/>
+  </documentManagement>
+</p:properties>
+</file>
+
+<file path=customXml/item3.xml><?xml version="1.0" encoding="utf-8"?>
+<?mso-contentType ?>
+<FormTemplates xmlns="http://schemas.microsoft.com/sharepoint/v3/contenttype/forms">
+  <Display>DocumentLibraryForm</Display>
+  <Edit>DocumentLibraryForm</Edit>
+  <New>DocumentLibraryForm</New>
+</FormTemplates>
+</file>
+
 <file path=customXml/itemProps1.xml><?xml version="1.0" encoding="utf-8"?>
-<ds:datastoreItem xmlns:ds="http://schemas.openxmlformats.org/officeDocument/2006/customXml" ds:itemID="{C21FFAC0-05A2-416A-B06C-C248395482CF}">
+<ds:datastoreItem xmlns:ds="http://schemas.openxmlformats.org/officeDocument/2006/customXml" ds:itemID="{92DB9E12-8AC3-4138-BF4D-720A5525AB10}">
   <ds:schemaRefs>
-    <ds:schemaRef ds:uri="http://schemas.microsoft.com/sharepoint/v3/contenttype/forms"/>
+    <ds:schemaRef ds:uri="http://schemas.microsoft.com/office/2006/metadata/contentType"/>
+    <ds:schemaRef ds:uri="http://schemas.microsoft.com/office/2006/metadata/properties/metaAttributes"/>
+    <ds:schemaRef ds:uri="http://www.w3.org/2001/XMLSchema"/>
+    <ds:schemaRef ds:uri="http://schemas.microsoft.com/office/2006/metadata/properties"/>
+    <ds:schemaRef ds:uri="http://schemas.microsoft.com/sharepoint/v3"/>
+    <ds:schemaRef ds:uri="71af3243-3dd4-4a8d-8c0d-dd76da1f02a5"/>
+    <ds:schemaRef ds:uri="16c05727-aa75-4e4a-9b5f-8a80a1165891"/>
+    <ds:schemaRef ds:uri="230e9df3-be65-4c73-a93b-d1236ebd677e"/>
+    <ds:schemaRef ds:uri="http://schemas.microsoft.com/office/2006/documentManagement/types"/>
+    <ds:schemaRef ds:uri="http://schemas.microsoft.com/office/infopath/2007/PartnerControls"/>
+    <ds:schemaRef ds:uri="http://schemas.openxmlformats.org/package/2006/metadata/core-properties"/>
+    <ds:schemaRef ds:uri="http://purl.org/dc/elements/1.1/"/>
+    <ds:schemaRef ds:uri="http://purl.org/dc/terms/"/>
+    <ds:schemaRef ds:uri="http://schemas.microsoft.com/internal/obd"/>
   </ds:schemaRefs>
 </ds:datastoreItem>
 </file>
@@ -17032,22 +18688,9 @@
 </file>
 
 <file path=customXml/itemProps3.xml><?xml version="1.0" encoding="utf-8"?>
-<ds:datastoreItem xmlns:ds="http://schemas.openxmlformats.org/officeDocument/2006/customXml" ds:itemID="{92DB9E12-8AC3-4138-BF4D-720A5525AB10}">
+<ds:datastoreItem xmlns:ds="http://schemas.openxmlformats.org/officeDocument/2006/customXml" ds:itemID="{C21FFAC0-05A2-416A-B06C-C248395482CF}">
   <ds:schemaRefs>
-    <ds:schemaRef ds:uri="http://schemas.microsoft.com/office/2006/metadata/contentType"/>
-    <ds:schemaRef ds:uri="http://schemas.microsoft.com/office/2006/metadata/properties/metaAttributes"/>
-    <ds:schemaRef ds:uri="http://www.w3.org/2001/XMLSchema"/>
-    <ds:schemaRef ds:uri="http://schemas.microsoft.com/office/2006/metadata/properties"/>
-    <ds:schemaRef ds:uri="http://schemas.microsoft.com/sharepoint/v3"/>
-    <ds:schemaRef ds:uri="71af3243-3dd4-4a8d-8c0d-dd76da1f02a5"/>
-    <ds:schemaRef ds:uri="16c05727-aa75-4e4a-9b5f-8a80a1165891"/>
-    <ds:schemaRef ds:uri="230e9df3-be65-4c73-a93b-d1236ebd677e"/>
-    <ds:schemaRef ds:uri="http://schemas.microsoft.com/office/2006/documentManagement/types"/>
-    <ds:schemaRef ds:uri="http://schemas.microsoft.com/office/infopath/2007/PartnerControls"/>
-    <ds:schemaRef ds:uri="http://schemas.openxmlformats.org/package/2006/metadata/core-properties"/>
-    <ds:schemaRef ds:uri="http://purl.org/dc/elements/1.1/"/>
-    <ds:schemaRef ds:uri="http://purl.org/dc/terms/"/>
-    <ds:schemaRef ds:uri="http://schemas.microsoft.com/internal/obd"/>
+    <ds:schemaRef ds:uri="http://schemas.microsoft.com/sharepoint/v3/contenttype/forms"/>
   </ds:schemaRefs>
 </ds:datastoreItem>
 </file>

--- a/Praesentation/MB-Veranstaltung_Sprachmodelle_0.1.pptx
+++ b/Praesentation/MB-Veranstaltung_Sprachmodelle_0.1.pptx
@@ -5,10 +5,10 @@
     <p:sldMasterId id="2147483658" r:id="rId4"/>
   </p:sldMasterIdLst>
   <p:notesMasterIdLst>
-    <p:notesMasterId r:id="rId16"/>
+    <p:notesMasterId r:id="rId17"/>
   </p:notesMasterIdLst>
   <p:handoutMasterIdLst>
-    <p:handoutMasterId r:id="rId17"/>
+    <p:handoutMasterId r:id="rId18"/>
   </p:handoutMasterIdLst>
   <p:sldIdLst>
     <p:sldId id="410" r:id="rId5"/>
@@ -18,10 +18,11 @@
     <p:sldId id="413" r:id="rId9"/>
     <p:sldId id="414" r:id="rId10"/>
     <p:sldId id="418" r:id="rId11"/>
-    <p:sldId id="415" r:id="rId12"/>
-    <p:sldId id="416" r:id="rId13"/>
-    <p:sldId id="417" r:id="rId14"/>
-    <p:sldId id="398" r:id="rId15"/>
+    <p:sldId id="419" r:id="rId12"/>
+    <p:sldId id="415" r:id="rId13"/>
+    <p:sldId id="416" r:id="rId14"/>
+    <p:sldId id="417" r:id="rId15"/>
+    <p:sldId id="398" r:id="rId16"/>
   </p:sldIdLst>
   <p:sldSz cx="12192000" cy="6858000"/>
   <p:notesSz cx="6858000" cy="9144000"/>
@@ -800,6 +801,115 @@
         <p:cNvPr id="1" name="">
           <a:extLst>
             <a:ext uri="{FF2B5EF4-FFF2-40B4-BE49-F238E27FC236}">
+              <a16:creationId xmlns:a16="http://schemas.microsoft.com/office/drawing/2014/main" id="{A854BA11-2ED0-3296-8C6F-A7E1DB9216FC}"/>
+            </a:ext>
+          </a:extLst>
+        </p:cNvPr>
+        <p:cNvGrpSpPr/>
+        <p:nvPr/>
+      </p:nvGrpSpPr>
+      <p:grpSpPr>
+        <a:xfrm>
+          <a:off x="0" y="0"/>
+          <a:ext cx="0" cy="0"/>
+          <a:chOff x="0" y="0"/>
+          <a:chExt cx="0" cy="0"/>
+        </a:xfrm>
+      </p:grpSpPr>
+      <p:sp>
+        <p:nvSpPr>
+          <p:cNvPr id="2" name="Folienbildplatzhalter 1">
+            <a:extLst>
+              <a:ext uri="{FF2B5EF4-FFF2-40B4-BE49-F238E27FC236}">
+                <a16:creationId xmlns:a16="http://schemas.microsoft.com/office/drawing/2014/main" id="{EF49791C-0DAE-1C96-005C-24B34165BA33}"/>
+              </a:ext>
+            </a:extLst>
+          </p:cNvPr>
+          <p:cNvSpPr>
+            <a:spLocks noGrp="1" noRot="1" noChangeAspect="1"/>
+          </p:cNvSpPr>
+          <p:nvPr>
+            <p:ph type="sldImg"/>
+          </p:nvPr>
+        </p:nvSpPr>
+        <p:spPr/>
+      </p:sp>
+      <p:sp>
+        <p:nvSpPr>
+          <p:cNvPr id="3" name="Notizenplatzhalter 2">
+            <a:extLst>
+              <a:ext uri="{FF2B5EF4-FFF2-40B4-BE49-F238E27FC236}">
+                <a16:creationId xmlns:a16="http://schemas.microsoft.com/office/drawing/2014/main" id="{5FC55634-B1CA-9EEF-92DC-8971478D2EDA}"/>
+              </a:ext>
+            </a:extLst>
+          </p:cNvPr>
+          <p:cNvSpPr>
+            <a:spLocks noGrp="1"/>
+          </p:cNvSpPr>
+          <p:nvPr>
+            <p:ph type="body" idx="1"/>
+          </p:nvPr>
+        </p:nvSpPr>
+        <p:spPr/>
+        <p:txBody>
+          <a:bodyPr/>
+          <a:lstStyle/>
+          <a:p>
+            <a:endParaRPr lang="de-DE" dirty="0"/>
+          </a:p>
+        </p:txBody>
+      </p:sp>
+      <p:sp>
+        <p:nvSpPr>
+          <p:cNvPr id="4" name="Foliennummernplatzhalter 3">
+            <a:extLst>
+              <a:ext uri="{FF2B5EF4-FFF2-40B4-BE49-F238E27FC236}">
+                <a16:creationId xmlns:a16="http://schemas.microsoft.com/office/drawing/2014/main" id="{CEECAAB0-EDF0-AF49-CF83-4CB17F6051C1}"/>
+              </a:ext>
+            </a:extLst>
+          </p:cNvPr>
+          <p:cNvSpPr>
+            <a:spLocks noGrp="1"/>
+          </p:cNvSpPr>
+          <p:nvPr>
+            <p:ph type="sldNum" sz="quarter" idx="5"/>
+          </p:nvPr>
+        </p:nvSpPr>
+        <p:spPr/>
+        <p:txBody>
+          <a:bodyPr/>
+          <a:lstStyle/>
+          <a:p>
+            <a:pPr rtl="0"/>
+            <a:fld id="{A89C7E07-3C67-C64C-8DA0-0404F6303970}" type="slidenum">
+              <a:rPr lang="de-DE" smtClean="0"/>
+              <a:t>10</a:t>
+            </a:fld>
+            <a:endParaRPr lang="de-DE" dirty="0"/>
+          </a:p>
+        </p:txBody>
+      </p:sp>
+    </p:spTree>
+    <p:extLst>
+      <p:ext uri="{BB962C8B-B14F-4D97-AF65-F5344CB8AC3E}">
+        <p14:creationId xmlns:p14="http://schemas.microsoft.com/office/powerpoint/2010/main" val="752516510"/>
+      </p:ext>
+    </p:extLst>
+  </p:cSld>
+  <p:clrMapOvr>
+    <a:masterClrMapping/>
+  </p:clrMapOvr>
+</p:notes>
+</file>
+
+<file path=ppt/notesSlides/notesSlide11.xml><?xml version="1.0" encoding="utf-8"?>
+<p:notes xmlns:a="http://schemas.openxmlformats.org/drawingml/2006/main" xmlns:r="http://schemas.openxmlformats.org/officeDocument/2006/relationships" xmlns:p="http://schemas.openxmlformats.org/presentationml/2006/main">
+  <p:cSld>
+    <p:spTree>
+      <p:nvGrpSpPr>
+        <p:cNvPr id="1" name="">
+          <a:extLst>
+            <a:ext uri="{FF2B5EF4-FFF2-40B4-BE49-F238E27FC236}">
               <a16:creationId xmlns:a16="http://schemas.microsoft.com/office/drawing/2014/main" id="{8658F77B-AFFC-6C0B-C92F-C91E4D9F6881}"/>
             </a:ext>
           </a:extLst>
@@ -882,7 +992,7 @@
             <a:pPr rtl="0"/>
             <a:fld id="{A89C7E07-3C67-C64C-8DA0-0404F6303970}" type="slidenum">
               <a:rPr lang="de-DE" smtClean="0"/>
-              <a:t>10</a:t>
+              <a:t>11</a:t>
             </a:fld>
             <a:endParaRPr lang="de-DE" dirty="0"/>
           </a:p>
@@ -901,7 +1011,7 @@
 </p:notes>
 </file>
 
-<file path=ppt/notesSlides/notesSlide11.xml><?xml version="1.0" encoding="utf-8"?>
+<file path=ppt/notesSlides/notesSlide12.xml><?xml version="1.0" encoding="utf-8"?>
 <p:notes xmlns:a="http://schemas.openxmlformats.org/drawingml/2006/main" xmlns:r="http://schemas.openxmlformats.org/officeDocument/2006/relationships" xmlns:p="http://schemas.openxmlformats.org/presentationml/2006/main">
   <p:cSld>
     <p:spTree>
@@ -976,7 +1086,7 @@
             <a:pPr rtl="0"/>
             <a:fld id="{A89C7E07-3C67-C64C-8DA0-0404F6303970}" type="slidenum">
               <a:rPr lang="de-DE" smtClean="0"/>
-              <a:t>11</a:t>
+              <a:t>12</a:t>
             </a:fld>
             <a:endParaRPr lang="de-DE" dirty="0"/>
           </a:p>
@@ -1636,6 +1746,115 @@
         <p:cNvPr id="1" name="">
           <a:extLst>
             <a:ext uri="{FF2B5EF4-FFF2-40B4-BE49-F238E27FC236}">
+              <a16:creationId xmlns:a16="http://schemas.microsoft.com/office/drawing/2014/main" id="{D2739B5D-75EE-073E-E3A1-3EEBA2270BC6}"/>
+            </a:ext>
+          </a:extLst>
+        </p:cNvPr>
+        <p:cNvGrpSpPr/>
+        <p:nvPr/>
+      </p:nvGrpSpPr>
+      <p:grpSpPr>
+        <a:xfrm>
+          <a:off x="0" y="0"/>
+          <a:ext cx="0" cy="0"/>
+          <a:chOff x="0" y="0"/>
+          <a:chExt cx="0" cy="0"/>
+        </a:xfrm>
+      </p:grpSpPr>
+      <p:sp>
+        <p:nvSpPr>
+          <p:cNvPr id="2" name="Folienbildplatzhalter 1">
+            <a:extLst>
+              <a:ext uri="{FF2B5EF4-FFF2-40B4-BE49-F238E27FC236}">
+                <a16:creationId xmlns:a16="http://schemas.microsoft.com/office/drawing/2014/main" id="{E489CF9A-6790-313E-F611-B9028C215BCB}"/>
+              </a:ext>
+            </a:extLst>
+          </p:cNvPr>
+          <p:cNvSpPr>
+            <a:spLocks noGrp="1" noRot="1" noChangeAspect="1"/>
+          </p:cNvSpPr>
+          <p:nvPr>
+            <p:ph type="sldImg"/>
+          </p:nvPr>
+        </p:nvSpPr>
+        <p:spPr/>
+      </p:sp>
+      <p:sp>
+        <p:nvSpPr>
+          <p:cNvPr id="3" name="Notizenplatzhalter 2">
+            <a:extLst>
+              <a:ext uri="{FF2B5EF4-FFF2-40B4-BE49-F238E27FC236}">
+                <a16:creationId xmlns:a16="http://schemas.microsoft.com/office/drawing/2014/main" id="{625D0586-B293-9060-3118-6E62BB850D5F}"/>
+              </a:ext>
+            </a:extLst>
+          </p:cNvPr>
+          <p:cNvSpPr>
+            <a:spLocks noGrp="1"/>
+          </p:cNvSpPr>
+          <p:nvPr>
+            <p:ph type="body" idx="1"/>
+          </p:nvPr>
+        </p:nvSpPr>
+        <p:spPr/>
+        <p:txBody>
+          <a:bodyPr/>
+          <a:lstStyle/>
+          <a:p>
+            <a:endParaRPr lang="de-DE" dirty="0"/>
+          </a:p>
+        </p:txBody>
+      </p:sp>
+      <p:sp>
+        <p:nvSpPr>
+          <p:cNvPr id="4" name="Foliennummernplatzhalter 3">
+            <a:extLst>
+              <a:ext uri="{FF2B5EF4-FFF2-40B4-BE49-F238E27FC236}">
+                <a16:creationId xmlns:a16="http://schemas.microsoft.com/office/drawing/2014/main" id="{2877A97D-E5DC-439D-F9C7-8F35D8AD31FA}"/>
+              </a:ext>
+            </a:extLst>
+          </p:cNvPr>
+          <p:cNvSpPr>
+            <a:spLocks noGrp="1"/>
+          </p:cNvSpPr>
+          <p:nvPr>
+            <p:ph type="sldNum" sz="quarter" idx="5"/>
+          </p:nvPr>
+        </p:nvSpPr>
+        <p:spPr/>
+        <p:txBody>
+          <a:bodyPr/>
+          <a:lstStyle/>
+          <a:p>
+            <a:pPr rtl="0"/>
+            <a:fld id="{A89C7E07-3C67-C64C-8DA0-0404F6303970}" type="slidenum">
+              <a:rPr lang="de-DE" smtClean="0"/>
+              <a:t>8</a:t>
+            </a:fld>
+            <a:endParaRPr lang="de-DE" dirty="0"/>
+          </a:p>
+        </p:txBody>
+      </p:sp>
+    </p:spTree>
+    <p:extLst>
+      <p:ext uri="{BB962C8B-B14F-4D97-AF65-F5344CB8AC3E}">
+        <p14:creationId xmlns:p14="http://schemas.microsoft.com/office/powerpoint/2010/main" val="1373115249"/>
+      </p:ext>
+    </p:extLst>
+  </p:cSld>
+  <p:clrMapOvr>
+    <a:masterClrMapping/>
+  </p:clrMapOvr>
+</p:notes>
+</file>
+
+<file path=ppt/notesSlides/notesSlide9.xml><?xml version="1.0" encoding="utf-8"?>
+<p:notes xmlns:a="http://schemas.openxmlformats.org/drawingml/2006/main" xmlns:r="http://schemas.openxmlformats.org/officeDocument/2006/relationships" xmlns:p="http://schemas.openxmlformats.org/presentationml/2006/main">
+  <p:cSld>
+    <p:spTree>
+      <p:nvGrpSpPr>
+        <p:cNvPr id="1" name="">
+          <a:extLst>
+            <a:ext uri="{FF2B5EF4-FFF2-40B4-BE49-F238E27FC236}">
               <a16:creationId xmlns:a16="http://schemas.microsoft.com/office/drawing/2014/main" id="{6CA5F9D3-CA87-42C6-D630-40213C6D8EA5}"/>
             </a:ext>
           </a:extLst>
@@ -1718,7 +1937,7 @@
             <a:pPr rtl="0"/>
             <a:fld id="{A89C7E07-3C67-C64C-8DA0-0404F6303970}" type="slidenum">
               <a:rPr lang="de-DE" smtClean="0"/>
-              <a:t>8</a:t>
+              <a:t>9</a:t>
             </a:fld>
             <a:endParaRPr lang="de-DE" dirty="0"/>
           </a:p>
@@ -1728,115 +1947,6 @@
     <p:extLst>
       <p:ext uri="{BB962C8B-B14F-4D97-AF65-F5344CB8AC3E}">
         <p14:creationId xmlns:p14="http://schemas.microsoft.com/office/powerpoint/2010/main" val="68440800"/>
-      </p:ext>
-    </p:extLst>
-  </p:cSld>
-  <p:clrMapOvr>
-    <a:masterClrMapping/>
-  </p:clrMapOvr>
-</p:notes>
-</file>
-
-<file path=ppt/notesSlides/notesSlide9.xml><?xml version="1.0" encoding="utf-8"?>
-<p:notes xmlns:a="http://schemas.openxmlformats.org/drawingml/2006/main" xmlns:r="http://schemas.openxmlformats.org/officeDocument/2006/relationships" xmlns:p="http://schemas.openxmlformats.org/presentationml/2006/main">
-  <p:cSld>
-    <p:spTree>
-      <p:nvGrpSpPr>
-        <p:cNvPr id="1" name="">
-          <a:extLst>
-            <a:ext uri="{FF2B5EF4-FFF2-40B4-BE49-F238E27FC236}">
-              <a16:creationId xmlns:a16="http://schemas.microsoft.com/office/drawing/2014/main" id="{A854BA11-2ED0-3296-8C6F-A7E1DB9216FC}"/>
-            </a:ext>
-          </a:extLst>
-        </p:cNvPr>
-        <p:cNvGrpSpPr/>
-        <p:nvPr/>
-      </p:nvGrpSpPr>
-      <p:grpSpPr>
-        <a:xfrm>
-          <a:off x="0" y="0"/>
-          <a:ext cx="0" cy="0"/>
-          <a:chOff x="0" y="0"/>
-          <a:chExt cx="0" cy="0"/>
-        </a:xfrm>
-      </p:grpSpPr>
-      <p:sp>
-        <p:nvSpPr>
-          <p:cNvPr id="2" name="Folienbildplatzhalter 1">
-            <a:extLst>
-              <a:ext uri="{FF2B5EF4-FFF2-40B4-BE49-F238E27FC236}">
-                <a16:creationId xmlns:a16="http://schemas.microsoft.com/office/drawing/2014/main" id="{EF49791C-0DAE-1C96-005C-24B34165BA33}"/>
-              </a:ext>
-            </a:extLst>
-          </p:cNvPr>
-          <p:cNvSpPr>
-            <a:spLocks noGrp="1" noRot="1" noChangeAspect="1"/>
-          </p:cNvSpPr>
-          <p:nvPr>
-            <p:ph type="sldImg"/>
-          </p:nvPr>
-        </p:nvSpPr>
-        <p:spPr/>
-      </p:sp>
-      <p:sp>
-        <p:nvSpPr>
-          <p:cNvPr id="3" name="Notizenplatzhalter 2">
-            <a:extLst>
-              <a:ext uri="{FF2B5EF4-FFF2-40B4-BE49-F238E27FC236}">
-                <a16:creationId xmlns:a16="http://schemas.microsoft.com/office/drawing/2014/main" id="{5FC55634-B1CA-9EEF-92DC-8971478D2EDA}"/>
-              </a:ext>
-            </a:extLst>
-          </p:cNvPr>
-          <p:cNvSpPr>
-            <a:spLocks noGrp="1"/>
-          </p:cNvSpPr>
-          <p:nvPr>
-            <p:ph type="body" idx="1"/>
-          </p:nvPr>
-        </p:nvSpPr>
-        <p:spPr/>
-        <p:txBody>
-          <a:bodyPr/>
-          <a:lstStyle/>
-          <a:p>
-            <a:endParaRPr lang="de-DE" dirty="0"/>
-          </a:p>
-        </p:txBody>
-      </p:sp>
-      <p:sp>
-        <p:nvSpPr>
-          <p:cNvPr id="4" name="Foliennummernplatzhalter 3">
-            <a:extLst>
-              <a:ext uri="{FF2B5EF4-FFF2-40B4-BE49-F238E27FC236}">
-                <a16:creationId xmlns:a16="http://schemas.microsoft.com/office/drawing/2014/main" id="{CEECAAB0-EDF0-AF49-CF83-4CB17F6051C1}"/>
-              </a:ext>
-            </a:extLst>
-          </p:cNvPr>
-          <p:cNvSpPr>
-            <a:spLocks noGrp="1"/>
-          </p:cNvSpPr>
-          <p:nvPr>
-            <p:ph type="sldNum" sz="quarter" idx="5"/>
-          </p:nvPr>
-        </p:nvSpPr>
-        <p:spPr/>
-        <p:txBody>
-          <a:bodyPr/>
-          <a:lstStyle/>
-          <a:p>
-            <a:pPr rtl="0"/>
-            <a:fld id="{A89C7E07-3C67-C64C-8DA0-0404F6303970}" type="slidenum">
-              <a:rPr lang="de-DE" smtClean="0"/>
-              <a:t>9</a:t>
-            </a:fld>
-            <a:endParaRPr lang="de-DE" dirty="0"/>
-          </a:p>
-        </p:txBody>
-      </p:sp>
-    </p:spTree>
-    <p:extLst>
-      <p:ext uri="{BB962C8B-B14F-4D97-AF65-F5344CB8AC3E}">
-        <p14:creationId xmlns:p14="http://schemas.microsoft.com/office/powerpoint/2010/main" val="752516510"/>
       </p:ext>
     </p:extLst>
   </p:cSld>
@@ -11112,6 +11222,721 @@
         <p:cNvPr id="1" name="">
           <a:extLst>
             <a:ext uri="{FF2B5EF4-FFF2-40B4-BE49-F238E27FC236}">
+              <a16:creationId xmlns:a16="http://schemas.microsoft.com/office/drawing/2014/main" id="{B60B96D1-0269-F52E-31EC-1E4175187718}"/>
+            </a:ext>
+          </a:extLst>
+        </p:cNvPr>
+        <p:cNvGrpSpPr/>
+        <p:nvPr/>
+      </p:nvGrpSpPr>
+      <p:grpSpPr>
+        <a:xfrm>
+          <a:off x="0" y="0"/>
+          <a:ext cx="0" cy="0"/>
+          <a:chOff x="0" y="0"/>
+          <a:chExt cx="0" cy="0"/>
+        </a:xfrm>
+      </p:grpSpPr>
+      <p:sp>
+        <p:nvSpPr>
+          <p:cNvPr id="2" name="Titel 1">
+            <a:extLst>
+              <a:ext uri="{FF2B5EF4-FFF2-40B4-BE49-F238E27FC236}">
+                <a16:creationId xmlns:a16="http://schemas.microsoft.com/office/drawing/2014/main" id="{D75A62DC-B746-D039-D9F8-657FEC8D1DBD}"/>
+              </a:ext>
+            </a:extLst>
+          </p:cNvPr>
+          <p:cNvSpPr>
+            <a:spLocks noGrp="1"/>
+          </p:cNvSpPr>
+          <p:nvPr>
+            <p:ph type="title"/>
+          </p:nvPr>
+        </p:nvSpPr>
+        <p:spPr>
+          <a:xfrm>
+            <a:off x="432314" y="227903"/>
+            <a:ext cx="10873740" cy="1253656"/>
+          </a:xfrm>
+        </p:spPr>
+        <p:txBody>
+          <a:bodyPr/>
+          <a:lstStyle/>
+          <a:p>
+            <a:r>
+              <a:rPr lang="de-DE" dirty="0"/>
+              <a:t>Auslegung des Lehrplans zum Umgang mit Sprachmodellen</a:t>
+            </a:r>
+          </a:p>
+        </p:txBody>
+      </p:sp>
+      <p:sp>
+        <p:nvSpPr>
+          <p:cNvPr id="5" name="Textfeld 4">
+            <a:extLst>
+              <a:ext uri="{FF2B5EF4-FFF2-40B4-BE49-F238E27FC236}">
+                <a16:creationId xmlns:a16="http://schemas.microsoft.com/office/drawing/2014/main" id="{263077A3-A0E1-EE87-739F-3D6EEB564598}"/>
+              </a:ext>
+            </a:extLst>
+          </p:cNvPr>
+          <p:cNvSpPr txBox="1"/>
+          <p:nvPr/>
+        </p:nvSpPr>
+        <p:spPr>
+          <a:xfrm>
+            <a:off x="1068247" y="1829238"/>
+            <a:ext cx="10055506" cy="1282402"/>
+          </a:xfrm>
+          <a:prstGeom prst="rect">
+            <a:avLst/>
+          </a:prstGeom>
+          <a:noFill/>
+        </p:spPr>
+        <p:txBody>
+          <a:bodyPr wrap="square">
+            <a:spAutoFit/>
+          </a:bodyPr>
+          <a:lstStyle/>
+          <a:p>
+            <a:pPr algn="just">
+              <a:spcAft>
+                <a:spcPts val="1200"/>
+              </a:spcAft>
+              <a:buNone/>
+            </a:pPr>
+            <a:r>
+              <a:rPr lang="de-DE" sz="1800" b="1" dirty="0">
+                <a:solidFill>
+                  <a:srgbClr val="000000"/>
+                </a:solidFill>
+                <a:effectLst/>
+                <a:latin typeface="Calibri" panose="020F0502020204030204" pitchFamily="34" charset="0"/>
+              </a:rPr>
+              <a:t>Kompetenzerwartungen</a:t>
+            </a:r>
+            <a:endParaRPr lang="de-DE" sz="3600" dirty="0">
+              <a:effectLst/>
+            </a:endParaRPr>
+          </a:p>
+          <a:p>
+            <a:pPr algn="just">
+              <a:spcBef>
+                <a:spcPts val="500"/>
+              </a:spcBef>
+              <a:spcAft>
+                <a:spcPts val="500"/>
+              </a:spcAft>
+              <a:buNone/>
+            </a:pPr>
+            <a:r>
+              <a:rPr lang="de-DE" sz="1800" dirty="0">
+                <a:solidFill>
+                  <a:srgbClr val="000000"/>
+                </a:solidFill>
+                <a:effectLst/>
+                <a:latin typeface="Calibri" panose="020F0502020204030204" pitchFamily="34" charset="0"/>
+              </a:rPr>
+              <a:t>Die Schülerinnen und Schüler …</a:t>
+            </a:r>
+            <a:endParaRPr lang="de-DE" sz="3600" dirty="0">
+              <a:effectLst/>
+            </a:endParaRPr>
+          </a:p>
+          <a:p>
+            <a:pPr algn="just">
+              <a:spcBef>
+                <a:spcPts val="600"/>
+              </a:spcBef>
+              <a:spcAft>
+                <a:spcPts val="600"/>
+              </a:spcAft>
+              <a:buNone/>
+            </a:pPr>
+            <a:r>
+              <a:rPr lang="de-DE" sz="1800" b="1" dirty="0">
+                <a:solidFill>
+                  <a:srgbClr val="000000"/>
+                </a:solidFill>
+                <a:effectLst/>
+                <a:latin typeface="Calibri" panose="020F0502020204030204" pitchFamily="34" charset="0"/>
+              </a:rPr>
+              <a:t> </a:t>
+            </a:r>
+            <a:endParaRPr lang="de-DE" sz="3600" dirty="0">
+              <a:effectLst/>
+            </a:endParaRPr>
+          </a:p>
+        </p:txBody>
+      </p:sp>
+      <p:sp>
+        <p:nvSpPr>
+          <p:cNvPr id="4" name="Textfeld 3">
+            <a:extLst>
+              <a:ext uri="{FF2B5EF4-FFF2-40B4-BE49-F238E27FC236}">
+                <a16:creationId xmlns:a16="http://schemas.microsoft.com/office/drawing/2014/main" id="{557DCD38-5AF4-F900-ED89-D6A8FC4A15F3}"/>
+              </a:ext>
+            </a:extLst>
+          </p:cNvPr>
+          <p:cNvSpPr txBox="1"/>
+          <p:nvPr/>
+        </p:nvSpPr>
+        <p:spPr>
+          <a:xfrm>
+            <a:off x="952498" y="4788500"/>
+            <a:ext cx="10494863" cy="388440"/>
+          </a:xfrm>
+          <a:prstGeom prst="rect">
+            <a:avLst/>
+          </a:prstGeom>
+          <a:noFill/>
+        </p:spPr>
+        <p:txBody>
+          <a:bodyPr wrap="square">
+            <a:spAutoFit/>
+          </a:bodyPr>
+          <a:lstStyle/>
+          <a:p>
+            <a:pPr marL="457200" indent="-228600">
+              <a:lnSpc>
+                <a:spcPct val="114000"/>
+              </a:lnSpc>
+              <a:spcAft>
+                <a:spcPts val="800"/>
+              </a:spcAft>
+              <a:buFont typeface="Arial" panose="020B0604020202020204" pitchFamily="34" charset="0"/>
+              <a:buChar char="•"/>
+            </a:pPr>
+            <a:r>
+              <a:rPr lang="de-DE" sz="1800" dirty="0">
+                <a:solidFill>
+                  <a:srgbClr val="000000"/>
+                </a:solidFill>
+                <a:effectLst/>
+                <a:latin typeface="Calibri" panose="020F0502020204030204" pitchFamily="34" charset="0"/>
+              </a:rPr>
+              <a:t>Grenzen (z. B. Halluzinationen, Aktualität bzw.                                                           )</a:t>
+            </a:r>
+            <a:endParaRPr lang="de-DE" dirty="0"/>
+          </a:p>
+        </p:txBody>
+      </p:sp>
+      <p:sp>
+        <p:nvSpPr>
+          <p:cNvPr id="8" name="Textfeld 7">
+            <a:extLst>
+              <a:ext uri="{FF2B5EF4-FFF2-40B4-BE49-F238E27FC236}">
+                <a16:creationId xmlns:a16="http://schemas.microsoft.com/office/drawing/2014/main" id="{1F06F2A4-9B29-A7F1-A07A-70D3B45FAE2B}"/>
+              </a:ext>
+            </a:extLst>
+          </p:cNvPr>
+          <p:cNvSpPr txBox="1"/>
+          <p:nvPr/>
+        </p:nvSpPr>
+        <p:spPr>
+          <a:xfrm>
+            <a:off x="952499" y="4360745"/>
+            <a:ext cx="6094070" cy="388440"/>
+          </a:xfrm>
+          <a:prstGeom prst="rect">
+            <a:avLst/>
+          </a:prstGeom>
+          <a:noFill/>
+        </p:spPr>
+        <p:txBody>
+          <a:bodyPr wrap="square">
+            <a:spAutoFit/>
+          </a:bodyPr>
+          <a:lstStyle/>
+          <a:p>
+            <a:pPr marL="457200" indent="-228600">
+              <a:lnSpc>
+                <a:spcPct val="114000"/>
+              </a:lnSpc>
+              <a:spcAft>
+                <a:spcPts val="800"/>
+              </a:spcAft>
+              <a:buFont typeface="Arial" panose="020B0604020202020204" pitchFamily="34" charset="0"/>
+              <a:buChar char="•"/>
+            </a:pPr>
+            <a:r>
+              <a:rPr lang="de-DE" sz="1800" dirty="0">
+                <a:solidFill>
+                  <a:srgbClr val="000000"/>
+                </a:solidFill>
+                <a:effectLst/>
+                <a:latin typeface="Calibri" panose="020F0502020204030204" pitchFamily="34" charset="0"/>
+              </a:rPr>
+              <a:t>Aufbau effektiver und strukturierter Prompts</a:t>
+            </a:r>
+            <a:endParaRPr lang="de-DE" sz="3600" dirty="0">
+              <a:effectLst/>
+            </a:endParaRPr>
+          </a:p>
+        </p:txBody>
+      </p:sp>
+      <p:sp>
+        <p:nvSpPr>
+          <p:cNvPr id="11" name="Textfeld 10">
+            <a:extLst>
+              <a:ext uri="{FF2B5EF4-FFF2-40B4-BE49-F238E27FC236}">
+                <a16:creationId xmlns:a16="http://schemas.microsoft.com/office/drawing/2014/main" id="{79784C34-6972-EFD2-3CB4-3258EC9C33D1}"/>
+              </a:ext>
+            </a:extLst>
+          </p:cNvPr>
+          <p:cNvSpPr txBox="1"/>
+          <p:nvPr/>
+        </p:nvSpPr>
+        <p:spPr>
+          <a:xfrm>
+            <a:off x="754283" y="3776904"/>
+            <a:ext cx="6094070" cy="369332"/>
+          </a:xfrm>
+          <a:prstGeom prst="rect">
+            <a:avLst/>
+          </a:prstGeom>
+          <a:noFill/>
+        </p:spPr>
+        <p:txBody>
+          <a:bodyPr wrap="square">
+            <a:spAutoFit/>
+          </a:bodyPr>
+          <a:lstStyle/>
+          <a:p>
+            <a:r>
+              <a:rPr lang="de-DE" sz="1800" b="1" dirty="0">
+                <a:solidFill>
+                  <a:srgbClr val="000000"/>
+                </a:solidFill>
+                <a:effectLst/>
+                <a:latin typeface="Calibri" panose="020F0502020204030204" pitchFamily="34" charset="0"/>
+              </a:rPr>
+              <a:t>Inhalte</a:t>
+            </a:r>
+            <a:endParaRPr lang="de-DE" dirty="0"/>
+          </a:p>
+        </p:txBody>
+      </p:sp>
+      <p:sp>
+        <p:nvSpPr>
+          <p:cNvPr id="13" name="Textfeld 12">
+            <a:extLst>
+              <a:ext uri="{FF2B5EF4-FFF2-40B4-BE49-F238E27FC236}">
+                <a16:creationId xmlns:a16="http://schemas.microsoft.com/office/drawing/2014/main" id="{6843D4A4-136D-6294-7A5D-0B05D62EEC63}"/>
+              </a:ext>
+            </a:extLst>
+          </p:cNvPr>
+          <p:cNvSpPr txBox="1"/>
+          <p:nvPr/>
+        </p:nvSpPr>
+        <p:spPr>
+          <a:xfrm>
+            <a:off x="1068247" y="3112739"/>
+            <a:ext cx="6094070" cy="388440"/>
+          </a:xfrm>
+          <a:prstGeom prst="rect">
+            <a:avLst/>
+          </a:prstGeom>
+          <a:noFill/>
+          <a:ln w="38100">
+            <a:solidFill>
+              <a:srgbClr val="00B050"/>
+            </a:solidFill>
+          </a:ln>
+        </p:spPr>
+        <p:txBody>
+          <a:bodyPr wrap="square">
+            <a:spAutoFit/>
+          </a:bodyPr>
+          <a:lstStyle/>
+          <a:p>
+            <a:pPr marL="457200" indent="-228600">
+              <a:lnSpc>
+                <a:spcPct val="114000"/>
+              </a:lnSpc>
+              <a:spcAft>
+                <a:spcPts val="800"/>
+              </a:spcAft>
+              <a:buFont typeface="Arial" panose="020B0604020202020204" pitchFamily="34" charset="0"/>
+              <a:buChar char="•"/>
+            </a:pPr>
+            <a:r>
+              <a:rPr lang="de-DE" sz="1800" dirty="0">
+                <a:solidFill>
+                  <a:srgbClr val="000000"/>
+                </a:solidFill>
+                <a:effectLst/>
+                <a:latin typeface="Calibri" panose="020F0502020204030204" pitchFamily="34" charset="0"/>
+              </a:rPr>
+              <a:t>beschreiben und bewerten die Grenzen der KI-Systeme.</a:t>
+            </a:r>
+            <a:endParaRPr lang="de-DE" sz="3600" dirty="0">
+              <a:effectLst/>
+            </a:endParaRPr>
+          </a:p>
+        </p:txBody>
+      </p:sp>
+      <p:sp>
+        <p:nvSpPr>
+          <p:cNvPr id="15" name="Textfeld 14">
+            <a:extLst>
+              <a:ext uri="{FF2B5EF4-FFF2-40B4-BE49-F238E27FC236}">
+                <a16:creationId xmlns:a16="http://schemas.microsoft.com/office/drawing/2014/main" id="{874D2F2C-7C13-C3A7-9258-AD06C7A5FC7A}"/>
+              </a:ext>
+            </a:extLst>
+          </p:cNvPr>
+          <p:cNvSpPr txBox="1"/>
+          <p:nvPr/>
+        </p:nvSpPr>
+        <p:spPr>
+          <a:xfrm>
+            <a:off x="1068247" y="2722396"/>
+            <a:ext cx="4175085" cy="388440"/>
+          </a:xfrm>
+          <a:prstGeom prst="rect">
+            <a:avLst/>
+          </a:prstGeom>
+          <a:noFill/>
+        </p:spPr>
+        <p:txBody>
+          <a:bodyPr wrap="square">
+            <a:spAutoFit/>
+          </a:bodyPr>
+          <a:lstStyle/>
+          <a:p>
+            <a:pPr marL="457200" indent="-228600">
+              <a:lnSpc>
+                <a:spcPct val="114000"/>
+              </a:lnSpc>
+              <a:spcAft>
+                <a:spcPts val="800"/>
+              </a:spcAft>
+              <a:buFont typeface="Arial" panose="020B0604020202020204" pitchFamily="34" charset="0"/>
+              <a:buChar char="•"/>
+            </a:pPr>
+            <a:r>
+              <a:rPr lang="de-DE" sz="1800" dirty="0">
+                <a:solidFill>
+                  <a:srgbClr val="000000"/>
+                </a:solidFill>
+                <a:effectLst/>
+                <a:latin typeface="Calibri" panose="020F0502020204030204" pitchFamily="34" charset="0"/>
+              </a:rPr>
+              <a:t>wenden Sprachmodelle effizient an</a:t>
+            </a:r>
+            <a:endParaRPr lang="de-DE" sz="3600" dirty="0">
+              <a:effectLst/>
+            </a:endParaRPr>
+          </a:p>
+        </p:txBody>
+      </p:sp>
+      <p:sp>
+        <p:nvSpPr>
+          <p:cNvPr id="17" name="Textfeld 16">
+            <a:extLst>
+              <a:ext uri="{FF2B5EF4-FFF2-40B4-BE49-F238E27FC236}">
+                <a16:creationId xmlns:a16="http://schemas.microsoft.com/office/drawing/2014/main" id="{34F8B30F-B0D9-B138-4930-9992E66330D1}"/>
+              </a:ext>
+            </a:extLst>
+          </p:cNvPr>
+          <p:cNvSpPr txBox="1"/>
+          <p:nvPr/>
+        </p:nvSpPr>
+        <p:spPr>
+          <a:xfrm>
+            <a:off x="4910563" y="2726943"/>
+            <a:ext cx="6779870" cy="369332"/>
+          </a:xfrm>
+          <a:prstGeom prst="rect">
+            <a:avLst/>
+          </a:prstGeom>
+          <a:noFill/>
+          <a:ln w="38100">
+            <a:solidFill>
+              <a:srgbClr val="00B050"/>
+            </a:solidFill>
+          </a:ln>
+        </p:spPr>
+        <p:txBody>
+          <a:bodyPr wrap="square">
+            <a:spAutoFit/>
+          </a:bodyPr>
+          <a:lstStyle/>
+          <a:p>
+            <a:r>
+              <a:rPr lang="de-DE" sz="1800" dirty="0">
+                <a:solidFill>
+                  <a:srgbClr val="000000"/>
+                </a:solidFill>
+                <a:effectLst/>
+                <a:latin typeface="Calibri" panose="020F0502020204030204" pitchFamily="34" charset="0"/>
+              </a:rPr>
+              <a:t>, vergleichen unterschiedliche Modelle und bewerten deren Ausgaben.</a:t>
+            </a:r>
+            <a:endParaRPr lang="de-DE" dirty="0"/>
+          </a:p>
+        </p:txBody>
+      </p:sp>
+      <p:sp>
+        <p:nvSpPr>
+          <p:cNvPr id="19" name="Textfeld 18">
+            <a:extLst>
+              <a:ext uri="{FF2B5EF4-FFF2-40B4-BE49-F238E27FC236}">
+                <a16:creationId xmlns:a16="http://schemas.microsoft.com/office/drawing/2014/main" id="{738F3CA3-F209-9B48-901E-D4094BBFDC0F}"/>
+              </a:ext>
+            </a:extLst>
+          </p:cNvPr>
+          <p:cNvSpPr txBox="1"/>
+          <p:nvPr/>
+        </p:nvSpPr>
+        <p:spPr>
+          <a:xfrm>
+            <a:off x="5743937" y="4821136"/>
+            <a:ext cx="3180144" cy="369332"/>
+          </a:xfrm>
+          <a:prstGeom prst="rect">
+            <a:avLst/>
+          </a:prstGeom>
+          <a:noFill/>
+        </p:spPr>
+        <p:txBody>
+          <a:bodyPr wrap="square">
+            <a:spAutoFit/>
+          </a:bodyPr>
+          <a:lstStyle/>
+          <a:p>
+            <a:r>
+              <a:rPr lang="de-DE" sz="1800" dirty="0">
+                <a:solidFill>
+                  <a:srgbClr val="000000"/>
+                </a:solidFill>
+                <a:effectLst/>
+                <a:latin typeface="Calibri" panose="020F0502020204030204" pitchFamily="34" charset="0"/>
+              </a:rPr>
+              <a:t>Umfang der Trainingsdaten, Bias</a:t>
+            </a:r>
+            <a:endParaRPr lang="de-DE" dirty="0"/>
+          </a:p>
+        </p:txBody>
+      </p:sp>
+    </p:spTree>
+    <p:extLst>
+      <p:ext uri="{BB962C8B-B14F-4D97-AF65-F5344CB8AC3E}">
+        <p14:creationId xmlns:p14="http://schemas.microsoft.com/office/powerpoint/2010/main" val="370592501"/>
+      </p:ext>
+    </p:extLst>
+  </p:cSld>
+  <p:clrMapOvr>
+    <a:masterClrMapping/>
+  </p:clrMapOvr>
+  <p:timing>
+    <p:tnLst>
+      <p:par>
+        <p:cTn id="1" dur="indefinite" restart="never" nodeType="tmRoot">
+          <p:childTnLst>
+            <p:seq concurrent="1" nextAc="seek">
+              <p:cTn id="2" dur="indefinite" nodeType="mainSeq">
+                <p:childTnLst>
+                  <p:par>
+                    <p:cTn id="3" fill="hold">
+                      <p:stCondLst>
+                        <p:cond delay="indefinite"/>
+                      </p:stCondLst>
+                      <p:childTnLst>
+                        <p:par>
+                          <p:cTn id="4" fill="hold">
+                            <p:stCondLst>
+                              <p:cond delay="0"/>
+                            </p:stCondLst>
+                            <p:childTnLst>
+                              <p:par>
+                                <p:cTn id="5" presetID="2" presetClass="exit" presetSubtype="4" fill="hold" grpId="0" nodeType="clickEffect">
+                                  <p:stCondLst>
+                                    <p:cond delay="0"/>
+                                  </p:stCondLst>
+                                  <p:childTnLst>
+                                    <p:anim calcmode="lin" valueType="num">
+                                      <p:cBhvr additive="base">
+                                        <p:cTn id="6" dur="500"/>
+                                        <p:tgtEl>
+                                          <p:spTgt spid="17"/>
+                                        </p:tgtEl>
+                                        <p:attrNameLst>
+                                          <p:attrName>ppt_x</p:attrName>
+                                        </p:attrNameLst>
+                                      </p:cBhvr>
+                                      <p:tavLst>
+                                        <p:tav tm="0">
+                                          <p:val>
+                                            <p:strVal val="ppt_x"/>
+                                          </p:val>
+                                        </p:tav>
+                                        <p:tav tm="100000">
+                                          <p:val>
+                                            <p:strVal val="ppt_x"/>
+                                          </p:val>
+                                        </p:tav>
+                                      </p:tavLst>
+                                    </p:anim>
+                                    <p:anim calcmode="lin" valueType="num">
+                                      <p:cBhvr additive="base">
+                                        <p:cTn id="7" dur="500"/>
+                                        <p:tgtEl>
+                                          <p:spTgt spid="17"/>
+                                        </p:tgtEl>
+                                        <p:attrNameLst>
+                                          <p:attrName>ppt_y</p:attrName>
+                                        </p:attrNameLst>
+                                      </p:cBhvr>
+                                      <p:tavLst>
+                                        <p:tav tm="0">
+                                          <p:val>
+                                            <p:strVal val="ppt_y"/>
+                                          </p:val>
+                                        </p:tav>
+                                        <p:tav tm="100000">
+                                          <p:val>
+                                            <p:strVal val="1+ppt_h/2"/>
+                                          </p:val>
+                                        </p:tav>
+                                      </p:tavLst>
+                                    </p:anim>
+                                    <p:set>
+                                      <p:cBhvr>
+                                        <p:cTn id="8" dur="1" fill="hold">
+                                          <p:stCondLst>
+                                            <p:cond delay="499"/>
+                                          </p:stCondLst>
+                                        </p:cTn>
+                                        <p:tgtEl>
+                                          <p:spTgt spid="17"/>
+                                        </p:tgtEl>
+                                        <p:attrNameLst>
+                                          <p:attrName>style.visibility</p:attrName>
+                                        </p:attrNameLst>
+                                      </p:cBhvr>
+                                      <p:to>
+                                        <p:strVal val="hidden"/>
+                                      </p:to>
+                                    </p:set>
+                                  </p:childTnLst>
+                                </p:cTn>
+                              </p:par>
+                              <p:par>
+                                <p:cTn id="9" presetID="2" presetClass="exit" presetSubtype="4" fill="hold" grpId="0" nodeType="withEffect">
+                                  <p:stCondLst>
+                                    <p:cond delay="0"/>
+                                  </p:stCondLst>
+                                  <p:childTnLst>
+                                    <p:anim calcmode="lin" valueType="num">
+                                      <p:cBhvr additive="base">
+                                        <p:cTn id="10" dur="500"/>
+                                        <p:tgtEl>
+                                          <p:spTgt spid="13"/>
+                                        </p:tgtEl>
+                                        <p:attrNameLst>
+                                          <p:attrName>ppt_x</p:attrName>
+                                        </p:attrNameLst>
+                                      </p:cBhvr>
+                                      <p:tavLst>
+                                        <p:tav tm="0">
+                                          <p:val>
+                                            <p:strVal val="ppt_x"/>
+                                          </p:val>
+                                        </p:tav>
+                                        <p:tav tm="100000">
+                                          <p:val>
+                                            <p:strVal val="ppt_x"/>
+                                          </p:val>
+                                        </p:tav>
+                                      </p:tavLst>
+                                    </p:anim>
+                                    <p:anim calcmode="lin" valueType="num">
+                                      <p:cBhvr additive="base">
+                                        <p:cTn id="11" dur="500"/>
+                                        <p:tgtEl>
+                                          <p:spTgt spid="13"/>
+                                        </p:tgtEl>
+                                        <p:attrNameLst>
+                                          <p:attrName>ppt_y</p:attrName>
+                                        </p:attrNameLst>
+                                      </p:cBhvr>
+                                      <p:tavLst>
+                                        <p:tav tm="0">
+                                          <p:val>
+                                            <p:strVal val="ppt_y"/>
+                                          </p:val>
+                                        </p:tav>
+                                        <p:tav tm="100000">
+                                          <p:val>
+                                            <p:strVal val="1+ppt_h/2"/>
+                                          </p:val>
+                                        </p:tav>
+                                      </p:tavLst>
+                                    </p:anim>
+                                    <p:set>
+                                      <p:cBhvr>
+                                        <p:cTn id="12" dur="1" fill="hold">
+                                          <p:stCondLst>
+                                            <p:cond delay="499"/>
+                                          </p:stCondLst>
+                                        </p:cTn>
+                                        <p:tgtEl>
+                                          <p:spTgt spid="13"/>
+                                        </p:tgtEl>
+                                        <p:attrNameLst>
+                                          <p:attrName>style.visibility</p:attrName>
+                                        </p:attrNameLst>
+                                      </p:cBhvr>
+                                      <p:to>
+                                        <p:strVal val="hidden"/>
+                                      </p:to>
+                                    </p:set>
+                                  </p:childTnLst>
+                                </p:cTn>
+                              </p:par>
+                            </p:childTnLst>
+                          </p:cTn>
+                        </p:par>
+                      </p:childTnLst>
+                    </p:cTn>
+                  </p:par>
+                </p:childTnLst>
+              </p:cTn>
+              <p:prevCondLst>
+                <p:cond evt="onPrev" delay="0">
+                  <p:tgtEl>
+                    <p:sldTgt/>
+                  </p:tgtEl>
+                </p:cond>
+              </p:prevCondLst>
+              <p:nextCondLst>
+                <p:cond evt="onNext" delay="0">
+                  <p:tgtEl>
+                    <p:sldTgt/>
+                  </p:tgtEl>
+                </p:cond>
+              </p:nextCondLst>
+            </p:seq>
+          </p:childTnLst>
+        </p:cTn>
+      </p:par>
+    </p:tnLst>
+    <p:bldLst>
+      <p:bldP spid="13" grpId="0" animBg="1"/>
+      <p:bldP spid="17" grpId="0" animBg="1"/>
+    </p:bldLst>
+  </p:timing>
+</p:sld>
+</file>
+
+<file path=ppt/slides/slide11.xml><?xml version="1.0" encoding="utf-8"?>
+<p:sld xmlns:a="http://schemas.openxmlformats.org/drawingml/2006/main" xmlns:r="http://schemas.openxmlformats.org/officeDocument/2006/relationships" xmlns:p="http://schemas.openxmlformats.org/presentationml/2006/main">
+  <p:cSld>
+    <p:spTree>
+      <p:nvGrpSpPr>
+        <p:cNvPr id="1" name="">
+          <a:extLst>
+            <a:ext uri="{FF2B5EF4-FFF2-40B4-BE49-F238E27FC236}">
               <a16:creationId xmlns:a16="http://schemas.microsoft.com/office/drawing/2014/main" id="{DEC1CDFE-6DD0-EA12-1AE5-03EF3CC94241}"/>
             </a:ext>
           </a:extLst>
@@ -11742,7 +12567,7 @@
 </p:sld>
 </file>
 
-<file path=ppt/slides/slide11.xml><?xml version="1.0" encoding="utf-8"?>
+<file path=ppt/slides/slide12.xml><?xml version="1.0" encoding="utf-8"?>
 <p:sld xmlns:a="http://schemas.openxmlformats.org/drawingml/2006/main" xmlns:r="http://schemas.openxmlformats.org/officeDocument/2006/relationships" xmlns:p="http://schemas.openxmlformats.org/presentationml/2006/main">
   <p:cSld>
     <p:spTree>
@@ -16107,6 +16932,349 @@
         <p:cNvPr id="1" name="">
           <a:extLst>
             <a:ext uri="{FF2B5EF4-FFF2-40B4-BE49-F238E27FC236}">
+              <a16:creationId xmlns:a16="http://schemas.microsoft.com/office/drawing/2014/main" id="{79B0546C-282F-DEBB-A998-C2A3361A68A7}"/>
+            </a:ext>
+          </a:extLst>
+        </p:cNvPr>
+        <p:cNvGrpSpPr/>
+        <p:nvPr/>
+      </p:nvGrpSpPr>
+      <p:grpSpPr>
+        <a:xfrm>
+          <a:off x="0" y="0"/>
+          <a:ext cx="0" cy="0"/>
+          <a:chOff x="0" y="0"/>
+          <a:chExt cx="0" cy="0"/>
+        </a:xfrm>
+      </p:grpSpPr>
+      <p:sp>
+        <p:nvSpPr>
+          <p:cNvPr id="2" name="Titel 1">
+            <a:extLst>
+              <a:ext uri="{FF2B5EF4-FFF2-40B4-BE49-F238E27FC236}">
+                <a16:creationId xmlns:a16="http://schemas.microsoft.com/office/drawing/2014/main" id="{4C407C1F-925D-8321-706A-67155F08146B}"/>
+              </a:ext>
+            </a:extLst>
+          </p:cNvPr>
+          <p:cNvSpPr>
+            <a:spLocks noGrp="1"/>
+          </p:cNvSpPr>
+          <p:nvPr>
+            <p:ph type="title"/>
+          </p:nvPr>
+        </p:nvSpPr>
+        <p:spPr/>
+        <p:txBody>
+          <a:bodyPr/>
+          <a:lstStyle/>
+          <a:p>
+            <a:r>
+              <a:rPr lang="de-DE" dirty="0"/>
+              <a:t>Folge</a:t>
+            </a:r>
+          </a:p>
+        </p:txBody>
+      </p:sp>
+      <p:sp>
+        <p:nvSpPr>
+          <p:cNvPr id="3" name="Textfeld 2">
+            <a:extLst>
+              <a:ext uri="{FF2B5EF4-FFF2-40B4-BE49-F238E27FC236}">
+                <a16:creationId xmlns:a16="http://schemas.microsoft.com/office/drawing/2014/main" id="{B479F204-7E05-DA47-8A04-4A61DD856514}"/>
+              </a:ext>
+            </a:extLst>
+          </p:cNvPr>
+          <p:cNvSpPr txBox="1"/>
+          <p:nvPr/>
+        </p:nvSpPr>
+        <p:spPr>
+          <a:xfrm>
+            <a:off x="2768367" y="2558642"/>
+            <a:ext cx="6342077" cy="1200329"/>
+          </a:xfrm>
+          <a:prstGeom prst="rect">
+            <a:avLst/>
+          </a:prstGeom>
+          <a:noFill/>
+        </p:spPr>
+        <p:txBody>
+          <a:bodyPr wrap="square" rtlCol="0">
+            <a:spAutoFit/>
+          </a:bodyPr>
+          <a:lstStyle/>
+          <a:p>
+            <a:r>
+              <a:rPr lang="de-DE" sz="2400" dirty="0">
+                <a:solidFill>
+                  <a:schemeClr val="bg1"/>
+                </a:solidFill>
+              </a:rPr>
+              <a:t>Der Lehrplan muss an dieser Stelle genügend Freiheitsgrade zur Verfügung stellen, um den Herausforderungen gerecht zu werden.</a:t>
+            </a:r>
+          </a:p>
+        </p:txBody>
+      </p:sp>
+      <p:sp>
+        <p:nvSpPr>
+          <p:cNvPr id="4" name="Textfeld 3">
+            <a:extLst>
+              <a:ext uri="{FF2B5EF4-FFF2-40B4-BE49-F238E27FC236}">
+                <a16:creationId xmlns:a16="http://schemas.microsoft.com/office/drawing/2014/main" id="{0790C097-C031-64F7-3DE4-2E40F9FD1F01}"/>
+              </a:ext>
+            </a:extLst>
+          </p:cNvPr>
+          <p:cNvSpPr txBox="1"/>
+          <p:nvPr/>
+        </p:nvSpPr>
+        <p:spPr>
+          <a:xfrm>
+            <a:off x="3304808" y="4316704"/>
+            <a:ext cx="5452844" cy="954107"/>
+          </a:xfrm>
+          <a:prstGeom prst="rect">
+            <a:avLst/>
+          </a:prstGeom>
+          <a:noFill/>
+        </p:spPr>
+        <p:txBody>
+          <a:bodyPr wrap="square" rtlCol="0">
+            <a:spAutoFit/>
+          </a:bodyPr>
+          <a:lstStyle/>
+          <a:p>
+            <a:r>
+              <a:rPr lang="de-DE" sz="2800" dirty="0">
+                <a:solidFill>
+                  <a:srgbClr val="FF0000"/>
+                </a:solidFill>
+              </a:rPr>
+              <a:t>Eine gewisse Unschärfe in den Formulierungen ist beabsichtigt!</a:t>
+            </a:r>
+          </a:p>
+        </p:txBody>
+      </p:sp>
+    </p:spTree>
+    <p:extLst>
+      <p:ext uri="{BB962C8B-B14F-4D97-AF65-F5344CB8AC3E}">
+        <p14:creationId xmlns:p14="http://schemas.microsoft.com/office/powerpoint/2010/main" val="3092244127"/>
+      </p:ext>
+    </p:extLst>
+  </p:cSld>
+  <p:clrMapOvr>
+    <a:masterClrMapping/>
+  </p:clrMapOvr>
+  <p:timing>
+    <p:tnLst>
+      <p:par>
+        <p:cTn id="1" dur="indefinite" restart="never" nodeType="tmRoot">
+          <p:childTnLst>
+            <p:seq concurrent="1" nextAc="seek">
+              <p:cTn id="2" dur="indefinite" nodeType="mainSeq">
+                <p:childTnLst>
+                  <p:par>
+                    <p:cTn id="3" fill="hold">
+                      <p:stCondLst>
+                        <p:cond delay="indefinite"/>
+                        <p:cond evt="onBegin" delay="0">
+                          <p:tn val="2"/>
+                        </p:cond>
+                      </p:stCondLst>
+                      <p:childTnLst>
+                        <p:par>
+                          <p:cTn id="4" fill="hold">
+                            <p:stCondLst>
+                              <p:cond delay="0"/>
+                            </p:stCondLst>
+                            <p:childTnLst>
+                              <p:par>
+                                <p:cTn id="5" presetID="1" presetClass="exit" presetSubtype="0" fill="hold" grpId="0" nodeType="withEffect">
+                                  <p:stCondLst>
+                                    <p:cond delay="0"/>
+                                  </p:stCondLst>
+                                  <p:childTnLst>
+                                    <p:set>
+                                      <p:cBhvr>
+                                        <p:cTn id="6" dur="1" fill="hold">
+                                          <p:stCondLst>
+                                            <p:cond delay="0"/>
+                                          </p:stCondLst>
+                                        </p:cTn>
+                                        <p:tgtEl>
+                                          <p:spTgt spid="3"/>
+                                        </p:tgtEl>
+                                        <p:attrNameLst>
+                                          <p:attrName>style.visibility</p:attrName>
+                                        </p:attrNameLst>
+                                      </p:cBhvr>
+                                      <p:to>
+                                        <p:strVal val="hidden"/>
+                                      </p:to>
+                                    </p:set>
+                                  </p:childTnLst>
+                                </p:cTn>
+                              </p:par>
+                              <p:par>
+                                <p:cTn id="7" presetID="1" presetClass="exit" presetSubtype="0" fill="hold" grpId="0" nodeType="withEffect">
+                                  <p:stCondLst>
+                                    <p:cond delay="0"/>
+                                  </p:stCondLst>
+                                  <p:childTnLst>
+                                    <p:set>
+                                      <p:cBhvr>
+                                        <p:cTn id="8" dur="1" fill="hold">
+                                          <p:stCondLst>
+                                            <p:cond delay="0"/>
+                                          </p:stCondLst>
+                                        </p:cTn>
+                                        <p:tgtEl>
+                                          <p:spTgt spid="4"/>
+                                        </p:tgtEl>
+                                        <p:attrNameLst>
+                                          <p:attrName>style.visibility</p:attrName>
+                                        </p:attrNameLst>
+                                      </p:cBhvr>
+                                      <p:to>
+                                        <p:strVal val="hidden"/>
+                                      </p:to>
+                                    </p:set>
+                                  </p:childTnLst>
+                                </p:cTn>
+                              </p:par>
+                            </p:childTnLst>
+                          </p:cTn>
+                        </p:par>
+                      </p:childTnLst>
+                    </p:cTn>
+                  </p:par>
+                  <p:par>
+                    <p:cTn id="9" fill="hold">
+                      <p:stCondLst>
+                        <p:cond delay="indefinite"/>
+                      </p:stCondLst>
+                      <p:childTnLst>
+                        <p:par>
+                          <p:cTn id="10" fill="hold">
+                            <p:stCondLst>
+                              <p:cond delay="0"/>
+                            </p:stCondLst>
+                            <p:childTnLst>
+                              <p:par>
+                                <p:cTn id="11" presetID="1" presetClass="entr" presetSubtype="0" fill="hold" grpId="1" nodeType="clickEffect">
+                                  <p:stCondLst>
+                                    <p:cond delay="0"/>
+                                  </p:stCondLst>
+                                  <p:childTnLst>
+                                    <p:set>
+                                      <p:cBhvr>
+                                        <p:cTn id="12" dur="1" fill="hold">
+                                          <p:stCondLst>
+                                            <p:cond delay="0"/>
+                                          </p:stCondLst>
+                                        </p:cTn>
+                                        <p:tgtEl>
+                                          <p:spTgt spid="3"/>
+                                        </p:tgtEl>
+                                        <p:attrNameLst>
+                                          <p:attrName>style.visibility</p:attrName>
+                                        </p:attrNameLst>
+                                      </p:cBhvr>
+                                      <p:to>
+                                        <p:strVal val="visible"/>
+                                      </p:to>
+                                    </p:set>
+                                  </p:childTnLst>
+                                </p:cTn>
+                              </p:par>
+                            </p:childTnLst>
+                          </p:cTn>
+                        </p:par>
+                      </p:childTnLst>
+                    </p:cTn>
+                  </p:par>
+                  <p:par>
+                    <p:cTn id="13" fill="hold">
+                      <p:stCondLst>
+                        <p:cond delay="indefinite"/>
+                      </p:stCondLst>
+                      <p:childTnLst>
+                        <p:par>
+                          <p:cTn id="14" fill="hold">
+                            <p:stCondLst>
+                              <p:cond delay="0"/>
+                            </p:stCondLst>
+                            <p:childTnLst>
+                              <p:par>
+                                <p:cTn id="15" presetID="1" presetClass="entr" presetSubtype="0" fill="hold" grpId="1" nodeType="clickEffect">
+                                  <p:stCondLst>
+                                    <p:cond delay="0"/>
+                                  </p:stCondLst>
+                                  <p:childTnLst>
+                                    <p:set>
+                                      <p:cBhvr>
+                                        <p:cTn id="16" dur="1" fill="hold">
+                                          <p:stCondLst>
+                                            <p:cond delay="0"/>
+                                          </p:stCondLst>
+                                        </p:cTn>
+                                        <p:tgtEl>
+                                          <p:spTgt spid="4"/>
+                                        </p:tgtEl>
+                                        <p:attrNameLst>
+                                          <p:attrName>style.visibility</p:attrName>
+                                        </p:attrNameLst>
+                                      </p:cBhvr>
+                                      <p:to>
+                                        <p:strVal val="visible"/>
+                                      </p:to>
+                                    </p:set>
+                                  </p:childTnLst>
+                                </p:cTn>
+                              </p:par>
+                            </p:childTnLst>
+                          </p:cTn>
+                        </p:par>
+                      </p:childTnLst>
+                    </p:cTn>
+                  </p:par>
+                </p:childTnLst>
+              </p:cTn>
+              <p:prevCondLst>
+                <p:cond evt="onPrev" delay="0">
+                  <p:tgtEl>
+                    <p:sldTgt/>
+                  </p:tgtEl>
+                </p:cond>
+              </p:prevCondLst>
+              <p:nextCondLst>
+                <p:cond evt="onNext" delay="0">
+                  <p:tgtEl>
+                    <p:sldTgt/>
+                  </p:tgtEl>
+                </p:cond>
+              </p:nextCondLst>
+            </p:seq>
+          </p:childTnLst>
+        </p:cTn>
+      </p:par>
+    </p:tnLst>
+    <p:bldLst>
+      <p:bldP spid="3" grpId="0"/>
+      <p:bldP spid="3" grpId="1"/>
+      <p:bldP spid="4" grpId="0"/>
+      <p:bldP spid="4" grpId="1"/>
+    </p:bldLst>
+  </p:timing>
+</p:sld>
+</file>
+
+<file path=ppt/slides/slide9.xml><?xml version="1.0" encoding="utf-8"?>
+<p:sld xmlns:a="http://schemas.openxmlformats.org/drawingml/2006/main" xmlns:r="http://schemas.openxmlformats.org/officeDocument/2006/relationships" xmlns:p="http://schemas.openxmlformats.org/presentationml/2006/main">
+  <p:cSld>
+    <p:spTree>
+      <p:nvGrpSpPr>
+        <p:cNvPr id="1" name="">
+          <a:extLst>
+            <a:ext uri="{FF2B5EF4-FFF2-40B4-BE49-F238E27FC236}">
               <a16:creationId xmlns:a16="http://schemas.microsoft.com/office/drawing/2014/main" id="{15DC26FD-66DB-7B8F-D276-267EE8AF947B}"/>
             </a:ext>
           </a:extLst>
@@ -16795,721 +17963,6 @@
       <p:bldP spid="3" grpId="2"/>
       <p:bldP spid="6" grpId="0"/>
       <p:bldP spid="6" grpId="1"/>
-    </p:bldLst>
-  </p:timing>
-</p:sld>
-</file>
-
-<file path=ppt/slides/slide9.xml><?xml version="1.0" encoding="utf-8"?>
-<p:sld xmlns:a="http://schemas.openxmlformats.org/drawingml/2006/main" xmlns:r="http://schemas.openxmlformats.org/officeDocument/2006/relationships" xmlns:p="http://schemas.openxmlformats.org/presentationml/2006/main">
-  <p:cSld>
-    <p:spTree>
-      <p:nvGrpSpPr>
-        <p:cNvPr id="1" name="">
-          <a:extLst>
-            <a:ext uri="{FF2B5EF4-FFF2-40B4-BE49-F238E27FC236}">
-              <a16:creationId xmlns:a16="http://schemas.microsoft.com/office/drawing/2014/main" id="{B60B96D1-0269-F52E-31EC-1E4175187718}"/>
-            </a:ext>
-          </a:extLst>
-        </p:cNvPr>
-        <p:cNvGrpSpPr/>
-        <p:nvPr/>
-      </p:nvGrpSpPr>
-      <p:grpSpPr>
-        <a:xfrm>
-          <a:off x="0" y="0"/>
-          <a:ext cx="0" cy="0"/>
-          <a:chOff x="0" y="0"/>
-          <a:chExt cx="0" cy="0"/>
-        </a:xfrm>
-      </p:grpSpPr>
-      <p:sp>
-        <p:nvSpPr>
-          <p:cNvPr id="2" name="Titel 1">
-            <a:extLst>
-              <a:ext uri="{FF2B5EF4-FFF2-40B4-BE49-F238E27FC236}">
-                <a16:creationId xmlns:a16="http://schemas.microsoft.com/office/drawing/2014/main" id="{D75A62DC-B746-D039-D9F8-657FEC8D1DBD}"/>
-              </a:ext>
-            </a:extLst>
-          </p:cNvPr>
-          <p:cNvSpPr>
-            <a:spLocks noGrp="1"/>
-          </p:cNvSpPr>
-          <p:nvPr>
-            <p:ph type="title"/>
-          </p:nvPr>
-        </p:nvSpPr>
-        <p:spPr>
-          <a:xfrm>
-            <a:off x="432314" y="227903"/>
-            <a:ext cx="10873740" cy="1253656"/>
-          </a:xfrm>
-        </p:spPr>
-        <p:txBody>
-          <a:bodyPr/>
-          <a:lstStyle/>
-          <a:p>
-            <a:r>
-              <a:rPr lang="de-DE" dirty="0"/>
-              <a:t>Auslegung des Lehrplans zum Umgang mit Sprachmodellen</a:t>
-            </a:r>
-          </a:p>
-        </p:txBody>
-      </p:sp>
-      <p:sp>
-        <p:nvSpPr>
-          <p:cNvPr id="5" name="Textfeld 4">
-            <a:extLst>
-              <a:ext uri="{FF2B5EF4-FFF2-40B4-BE49-F238E27FC236}">
-                <a16:creationId xmlns:a16="http://schemas.microsoft.com/office/drawing/2014/main" id="{263077A3-A0E1-EE87-739F-3D6EEB564598}"/>
-              </a:ext>
-            </a:extLst>
-          </p:cNvPr>
-          <p:cNvSpPr txBox="1"/>
-          <p:nvPr/>
-        </p:nvSpPr>
-        <p:spPr>
-          <a:xfrm>
-            <a:off x="1068247" y="1829238"/>
-            <a:ext cx="10055506" cy="1282402"/>
-          </a:xfrm>
-          <a:prstGeom prst="rect">
-            <a:avLst/>
-          </a:prstGeom>
-          <a:noFill/>
-        </p:spPr>
-        <p:txBody>
-          <a:bodyPr wrap="square">
-            <a:spAutoFit/>
-          </a:bodyPr>
-          <a:lstStyle/>
-          <a:p>
-            <a:pPr algn="just">
-              <a:spcAft>
-                <a:spcPts val="1200"/>
-              </a:spcAft>
-              <a:buNone/>
-            </a:pPr>
-            <a:r>
-              <a:rPr lang="de-DE" sz="1800" b="1" dirty="0">
-                <a:solidFill>
-                  <a:srgbClr val="000000"/>
-                </a:solidFill>
-                <a:effectLst/>
-                <a:latin typeface="Calibri" panose="020F0502020204030204" pitchFamily="34" charset="0"/>
-              </a:rPr>
-              <a:t>Kompetenzerwartungen</a:t>
-            </a:r>
-            <a:endParaRPr lang="de-DE" sz="3600" dirty="0">
-              <a:effectLst/>
-            </a:endParaRPr>
-          </a:p>
-          <a:p>
-            <a:pPr algn="just">
-              <a:spcBef>
-                <a:spcPts val="500"/>
-              </a:spcBef>
-              <a:spcAft>
-                <a:spcPts val="500"/>
-              </a:spcAft>
-              <a:buNone/>
-            </a:pPr>
-            <a:r>
-              <a:rPr lang="de-DE" sz="1800" dirty="0">
-                <a:solidFill>
-                  <a:srgbClr val="000000"/>
-                </a:solidFill>
-                <a:effectLst/>
-                <a:latin typeface="Calibri" panose="020F0502020204030204" pitchFamily="34" charset="0"/>
-              </a:rPr>
-              <a:t>Die Schülerinnen und Schüler …</a:t>
-            </a:r>
-            <a:endParaRPr lang="de-DE" sz="3600" dirty="0">
-              <a:effectLst/>
-            </a:endParaRPr>
-          </a:p>
-          <a:p>
-            <a:pPr algn="just">
-              <a:spcBef>
-                <a:spcPts val="600"/>
-              </a:spcBef>
-              <a:spcAft>
-                <a:spcPts val="600"/>
-              </a:spcAft>
-              <a:buNone/>
-            </a:pPr>
-            <a:r>
-              <a:rPr lang="de-DE" sz="1800" b="1" dirty="0">
-                <a:solidFill>
-                  <a:srgbClr val="000000"/>
-                </a:solidFill>
-                <a:effectLst/>
-                <a:latin typeface="Calibri" panose="020F0502020204030204" pitchFamily="34" charset="0"/>
-              </a:rPr>
-              <a:t> </a:t>
-            </a:r>
-            <a:endParaRPr lang="de-DE" sz="3600" dirty="0">
-              <a:effectLst/>
-            </a:endParaRPr>
-          </a:p>
-        </p:txBody>
-      </p:sp>
-      <p:sp>
-        <p:nvSpPr>
-          <p:cNvPr id="4" name="Textfeld 3">
-            <a:extLst>
-              <a:ext uri="{FF2B5EF4-FFF2-40B4-BE49-F238E27FC236}">
-                <a16:creationId xmlns:a16="http://schemas.microsoft.com/office/drawing/2014/main" id="{557DCD38-5AF4-F900-ED89-D6A8FC4A15F3}"/>
-              </a:ext>
-            </a:extLst>
-          </p:cNvPr>
-          <p:cNvSpPr txBox="1"/>
-          <p:nvPr/>
-        </p:nvSpPr>
-        <p:spPr>
-          <a:xfrm>
-            <a:off x="952498" y="4788500"/>
-            <a:ext cx="10494863" cy="388440"/>
-          </a:xfrm>
-          <a:prstGeom prst="rect">
-            <a:avLst/>
-          </a:prstGeom>
-          <a:noFill/>
-        </p:spPr>
-        <p:txBody>
-          <a:bodyPr wrap="square">
-            <a:spAutoFit/>
-          </a:bodyPr>
-          <a:lstStyle/>
-          <a:p>
-            <a:pPr marL="457200" indent="-228600">
-              <a:lnSpc>
-                <a:spcPct val="114000"/>
-              </a:lnSpc>
-              <a:spcAft>
-                <a:spcPts val="800"/>
-              </a:spcAft>
-              <a:buFont typeface="Arial" panose="020B0604020202020204" pitchFamily="34" charset="0"/>
-              <a:buChar char="•"/>
-            </a:pPr>
-            <a:r>
-              <a:rPr lang="de-DE" sz="1800" dirty="0">
-                <a:solidFill>
-                  <a:srgbClr val="000000"/>
-                </a:solidFill>
-                <a:effectLst/>
-                <a:latin typeface="Calibri" panose="020F0502020204030204" pitchFamily="34" charset="0"/>
-              </a:rPr>
-              <a:t>Grenzen (z. B. Halluzinationen, Aktualität bzw.                                                           )</a:t>
-            </a:r>
-            <a:endParaRPr lang="de-DE" dirty="0"/>
-          </a:p>
-        </p:txBody>
-      </p:sp>
-      <p:sp>
-        <p:nvSpPr>
-          <p:cNvPr id="8" name="Textfeld 7">
-            <a:extLst>
-              <a:ext uri="{FF2B5EF4-FFF2-40B4-BE49-F238E27FC236}">
-                <a16:creationId xmlns:a16="http://schemas.microsoft.com/office/drawing/2014/main" id="{1F06F2A4-9B29-A7F1-A07A-70D3B45FAE2B}"/>
-              </a:ext>
-            </a:extLst>
-          </p:cNvPr>
-          <p:cNvSpPr txBox="1"/>
-          <p:nvPr/>
-        </p:nvSpPr>
-        <p:spPr>
-          <a:xfrm>
-            <a:off x="952499" y="4360745"/>
-            <a:ext cx="6094070" cy="388440"/>
-          </a:xfrm>
-          <a:prstGeom prst="rect">
-            <a:avLst/>
-          </a:prstGeom>
-          <a:noFill/>
-        </p:spPr>
-        <p:txBody>
-          <a:bodyPr wrap="square">
-            <a:spAutoFit/>
-          </a:bodyPr>
-          <a:lstStyle/>
-          <a:p>
-            <a:pPr marL="457200" indent="-228600">
-              <a:lnSpc>
-                <a:spcPct val="114000"/>
-              </a:lnSpc>
-              <a:spcAft>
-                <a:spcPts val="800"/>
-              </a:spcAft>
-              <a:buFont typeface="Arial" panose="020B0604020202020204" pitchFamily="34" charset="0"/>
-              <a:buChar char="•"/>
-            </a:pPr>
-            <a:r>
-              <a:rPr lang="de-DE" sz="1800" dirty="0">
-                <a:solidFill>
-                  <a:srgbClr val="000000"/>
-                </a:solidFill>
-                <a:effectLst/>
-                <a:latin typeface="Calibri" panose="020F0502020204030204" pitchFamily="34" charset="0"/>
-              </a:rPr>
-              <a:t>Aufbau effektiver und strukturierter Prompts</a:t>
-            </a:r>
-            <a:endParaRPr lang="de-DE" sz="3600" dirty="0">
-              <a:effectLst/>
-            </a:endParaRPr>
-          </a:p>
-        </p:txBody>
-      </p:sp>
-      <p:sp>
-        <p:nvSpPr>
-          <p:cNvPr id="11" name="Textfeld 10">
-            <a:extLst>
-              <a:ext uri="{FF2B5EF4-FFF2-40B4-BE49-F238E27FC236}">
-                <a16:creationId xmlns:a16="http://schemas.microsoft.com/office/drawing/2014/main" id="{79784C34-6972-EFD2-3CB4-3258EC9C33D1}"/>
-              </a:ext>
-            </a:extLst>
-          </p:cNvPr>
-          <p:cNvSpPr txBox="1"/>
-          <p:nvPr/>
-        </p:nvSpPr>
-        <p:spPr>
-          <a:xfrm>
-            <a:off x="754283" y="3776904"/>
-            <a:ext cx="6094070" cy="369332"/>
-          </a:xfrm>
-          <a:prstGeom prst="rect">
-            <a:avLst/>
-          </a:prstGeom>
-          <a:noFill/>
-        </p:spPr>
-        <p:txBody>
-          <a:bodyPr wrap="square">
-            <a:spAutoFit/>
-          </a:bodyPr>
-          <a:lstStyle/>
-          <a:p>
-            <a:r>
-              <a:rPr lang="de-DE" sz="1800" b="1" dirty="0">
-                <a:solidFill>
-                  <a:srgbClr val="000000"/>
-                </a:solidFill>
-                <a:effectLst/>
-                <a:latin typeface="Calibri" panose="020F0502020204030204" pitchFamily="34" charset="0"/>
-              </a:rPr>
-              <a:t>Inhalte</a:t>
-            </a:r>
-            <a:endParaRPr lang="de-DE" dirty="0"/>
-          </a:p>
-        </p:txBody>
-      </p:sp>
-      <p:sp>
-        <p:nvSpPr>
-          <p:cNvPr id="13" name="Textfeld 12">
-            <a:extLst>
-              <a:ext uri="{FF2B5EF4-FFF2-40B4-BE49-F238E27FC236}">
-                <a16:creationId xmlns:a16="http://schemas.microsoft.com/office/drawing/2014/main" id="{6843D4A4-136D-6294-7A5D-0B05D62EEC63}"/>
-              </a:ext>
-            </a:extLst>
-          </p:cNvPr>
-          <p:cNvSpPr txBox="1"/>
-          <p:nvPr/>
-        </p:nvSpPr>
-        <p:spPr>
-          <a:xfrm>
-            <a:off x="1068247" y="3112739"/>
-            <a:ext cx="6094070" cy="388440"/>
-          </a:xfrm>
-          <a:prstGeom prst="rect">
-            <a:avLst/>
-          </a:prstGeom>
-          <a:noFill/>
-          <a:ln w="38100">
-            <a:solidFill>
-              <a:srgbClr val="00B050"/>
-            </a:solidFill>
-          </a:ln>
-        </p:spPr>
-        <p:txBody>
-          <a:bodyPr wrap="square">
-            <a:spAutoFit/>
-          </a:bodyPr>
-          <a:lstStyle/>
-          <a:p>
-            <a:pPr marL="457200" indent="-228600">
-              <a:lnSpc>
-                <a:spcPct val="114000"/>
-              </a:lnSpc>
-              <a:spcAft>
-                <a:spcPts val="800"/>
-              </a:spcAft>
-              <a:buFont typeface="Arial" panose="020B0604020202020204" pitchFamily="34" charset="0"/>
-              <a:buChar char="•"/>
-            </a:pPr>
-            <a:r>
-              <a:rPr lang="de-DE" sz="1800" dirty="0">
-                <a:solidFill>
-                  <a:srgbClr val="000000"/>
-                </a:solidFill>
-                <a:effectLst/>
-                <a:latin typeface="Calibri" panose="020F0502020204030204" pitchFamily="34" charset="0"/>
-              </a:rPr>
-              <a:t>beschreiben und bewerten die Grenzen der KI-Systeme.</a:t>
-            </a:r>
-            <a:endParaRPr lang="de-DE" sz="3600" dirty="0">
-              <a:effectLst/>
-            </a:endParaRPr>
-          </a:p>
-        </p:txBody>
-      </p:sp>
-      <p:sp>
-        <p:nvSpPr>
-          <p:cNvPr id="15" name="Textfeld 14">
-            <a:extLst>
-              <a:ext uri="{FF2B5EF4-FFF2-40B4-BE49-F238E27FC236}">
-                <a16:creationId xmlns:a16="http://schemas.microsoft.com/office/drawing/2014/main" id="{874D2F2C-7C13-C3A7-9258-AD06C7A5FC7A}"/>
-              </a:ext>
-            </a:extLst>
-          </p:cNvPr>
-          <p:cNvSpPr txBox="1"/>
-          <p:nvPr/>
-        </p:nvSpPr>
-        <p:spPr>
-          <a:xfrm>
-            <a:off x="1068247" y="2722396"/>
-            <a:ext cx="4175085" cy="388440"/>
-          </a:xfrm>
-          <a:prstGeom prst="rect">
-            <a:avLst/>
-          </a:prstGeom>
-          <a:noFill/>
-        </p:spPr>
-        <p:txBody>
-          <a:bodyPr wrap="square">
-            <a:spAutoFit/>
-          </a:bodyPr>
-          <a:lstStyle/>
-          <a:p>
-            <a:pPr marL="457200" indent="-228600">
-              <a:lnSpc>
-                <a:spcPct val="114000"/>
-              </a:lnSpc>
-              <a:spcAft>
-                <a:spcPts val="800"/>
-              </a:spcAft>
-              <a:buFont typeface="Arial" panose="020B0604020202020204" pitchFamily="34" charset="0"/>
-              <a:buChar char="•"/>
-            </a:pPr>
-            <a:r>
-              <a:rPr lang="de-DE" sz="1800" dirty="0">
-                <a:solidFill>
-                  <a:srgbClr val="000000"/>
-                </a:solidFill>
-                <a:effectLst/>
-                <a:latin typeface="Calibri" panose="020F0502020204030204" pitchFamily="34" charset="0"/>
-              </a:rPr>
-              <a:t>wenden Sprachmodelle effizient an</a:t>
-            </a:r>
-            <a:endParaRPr lang="de-DE" sz="3600" dirty="0">
-              <a:effectLst/>
-            </a:endParaRPr>
-          </a:p>
-        </p:txBody>
-      </p:sp>
-      <p:sp>
-        <p:nvSpPr>
-          <p:cNvPr id="17" name="Textfeld 16">
-            <a:extLst>
-              <a:ext uri="{FF2B5EF4-FFF2-40B4-BE49-F238E27FC236}">
-                <a16:creationId xmlns:a16="http://schemas.microsoft.com/office/drawing/2014/main" id="{34F8B30F-B0D9-B138-4930-9992E66330D1}"/>
-              </a:ext>
-            </a:extLst>
-          </p:cNvPr>
-          <p:cNvSpPr txBox="1"/>
-          <p:nvPr/>
-        </p:nvSpPr>
-        <p:spPr>
-          <a:xfrm>
-            <a:off x="4910563" y="2726943"/>
-            <a:ext cx="6779870" cy="369332"/>
-          </a:xfrm>
-          <a:prstGeom prst="rect">
-            <a:avLst/>
-          </a:prstGeom>
-          <a:noFill/>
-          <a:ln w="38100">
-            <a:solidFill>
-              <a:srgbClr val="00B050"/>
-            </a:solidFill>
-          </a:ln>
-        </p:spPr>
-        <p:txBody>
-          <a:bodyPr wrap="square">
-            <a:spAutoFit/>
-          </a:bodyPr>
-          <a:lstStyle/>
-          <a:p>
-            <a:r>
-              <a:rPr lang="de-DE" sz="1800" dirty="0">
-                <a:solidFill>
-                  <a:srgbClr val="000000"/>
-                </a:solidFill>
-                <a:effectLst/>
-                <a:latin typeface="Calibri" panose="020F0502020204030204" pitchFamily="34" charset="0"/>
-              </a:rPr>
-              <a:t>, vergleichen unterschiedliche Modelle und bewerten deren Ausgaben.</a:t>
-            </a:r>
-            <a:endParaRPr lang="de-DE" dirty="0"/>
-          </a:p>
-        </p:txBody>
-      </p:sp>
-      <p:sp>
-        <p:nvSpPr>
-          <p:cNvPr id="19" name="Textfeld 18">
-            <a:extLst>
-              <a:ext uri="{FF2B5EF4-FFF2-40B4-BE49-F238E27FC236}">
-                <a16:creationId xmlns:a16="http://schemas.microsoft.com/office/drawing/2014/main" id="{738F3CA3-F209-9B48-901E-D4094BBFDC0F}"/>
-              </a:ext>
-            </a:extLst>
-          </p:cNvPr>
-          <p:cNvSpPr txBox="1"/>
-          <p:nvPr/>
-        </p:nvSpPr>
-        <p:spPr>
-          <a:xfrm>
-            <a:off x="5743937" y="4821136"/>
-            <a:ext cx="3180144" cy="369332"/>
-          </a:xfrm>
-          <a:prstGeom prst="rect">
-            <a:avLst/>
-          </a:prstGeom>
-          <a:noFill/>
-        </p:spPr>
-        <p:txBody>
-          <a:bodyPr wrap="square">
-            <a:spAutoFit/>
-          </a:bodyPr>
-          <a:lstStyle/>
-          <a:p>
-            <a:r>
-              <a:rPr lang="de-DE" sz="1800" dirty="0">
-                <a:solidFill>
-                  <a:srgbClr val="000000"/>
-                </a:solidFill>
-                <a:effectLst/>
-                <a:latin typeface="Calibri" panose="020F0502020204030204" pitchFamily="34" charset="0"/>
-              </a:rPr>
-              <a:t>Umfang der Trainingsdaten, Bias</a:t>
-            </a:r>
-            <a:endParaRPr lang="de-DE" dirty="0"/>
-          </a:p>
-        </p:txBody>
-      </p:sp>
-    </p:spTree>
-    <p:extLst>
-      <p:ext uri="{BB962C8B-B14F-4D97-AF65-F5344CB8AC3E}">
-        <p14:creationId xmlns:p14="http://schemas.microsoft.com/office/powerpoint/2010/main" val="370592501"/>
-      </p:ext>
-    </p:extLst>
-  </p:cSld>
-  <p:clrMapOvr>
-    <a:masterClrMapping/>
-  </p:clrMapOvr>
-  <p:timing>
-    <p:tnLst>
-      <p:par>
-        <p:cTn id="1" dur="indefinite" restart="never" nodeType="tmRoot">
-          <p:childTnLst>
-            <p:seq concurrent="1" nextAc="seek">
-              <p:cTn id="2" dur="indefinite" nodeType="mainSeq">
-                <p:childTnLst>
-                  <p:par>
-                    <p:cTn id="3" fill="hold">
-                      <p:stCondLst>
-                        <p:cond delay="indefinite"/>
-                      </p:stCondLst>
-                      <p:childTnLst>
-                        <p:par>
-                          <p:cTn id="4" fill="hold">
-                            <p:stCondLst>
-                              <p:cond delay="0"/>
-                            </p:stCondLst>
-                            <p:childTnLst>
-                              <p:par>
-                                <p:cTn id="5" presetID="2" presetClass="exit" presetSubtype="4" fill="hold" grpId="0" nodeType="clickEffect">
-                                  <p:stCondLst>
-                                    <p:cond delay="0"/>
-                                  </p:stCondLst>
-                                  <p:childTnLst>
-                                    <p:anim calcmode="lin" valueType="num">
-                                      <p:cBhvr additive="base">
-                                        <p:cTn id="6" dur="500"/>
-                                        <p:tgtEl>
-                                          <p:spTgt spid="17"/>
-                                        </p:tgtEl>
-                                        <p:attrNameLst>
-                                          <p:attrName>ppt_x</p:attrName>
-                                        </p:attrNameLst>
-                                      </p:cBhvr>
-                                      <p:tavLst>
-                                        <p:tav tm="0">
-                                          <p:val>
-                                            <p:strVal val="ppt_x"/>
-                                          </p:val>
-                                        </p:tav>
-                                        <p:tav tm="100000">
-                                          <p:val>
-                                            <p:strVal val="ppt_x"/>
-                                          </p:val>
-                                        </p:tav>
-                                      </p:tavLst>
-                                    </p:anim>
-                                    <p:anim calcmode="lin" valueType="num">
-                                      <p:cBhvr additive="base">
-                                        <p:cTn id="7" dur="500"/>
-                                        <p:tgtEl>
-                                          <p:spTgt spid="17"/>
-                                        </p:tgtEl>
-                                        <p:attrNameLst>
-                                          <p:attrName>ppt_y</p:attrName>
-                                        </p:attrNameLst>
-                                      </p:cBhvr>
-                                      <p:tavLst>
-                                        <p:tav tm="0">
-                                          <p:val>
-                                            <p:strVal val="ppt_y"/>
-                                          </p:val>
-                                        </p:tav>
-                                        <p:tav tm="100000">
-                                          <p:val>
-                                            <p:strVal val="1+ppt_h/2"/>
-                                          </p:val>
-                                        </p:tav>
-                                      </p:tavLst>
-                                    </p:anim>
-                                    <p:set>
-                                      <p:cBhvr>
-                                        <p:cTn id="8" dur="1" fill="hold">
-                                          <p:stCondLst>
-                                            <p:cond delay="499"/>
-                                          </p:stCondLst>
-                                        </p:cTn>
-                                        <p:tgtEl>
-                                          <p:spTgt spid="17"/>
-                                        </p:tgtEl>
-                                        <p:attrNameLst>
-                                          <p:attrName>style.visibility</p:attrName>
-                                        </p:attrNameLst>
-                                      </p:cBhvr>
-                                      <p:to>
-                                        <p:strVal val="hidden"/>
-                                      </p:to>
-                                    </p:set>
-                                  </p:childTnLst>
-                                </p:cTn>
-                              </p:par>
-                              <p:par>
-                                <p:cTn id="9" presetID="2" presetClass="exit" presetSubtype="4" fill="hold" grpId="0" nodeType="withEffect">
-                                  <p:stCondLst>
-                                    <p:cond delay="0"/>
-                                  </p:stCondLst>
-                                  <p:childTnLst>
-                                    <p:anim calcmode="lin" valueType="num">
-                                      <p:cBhvr additive="base">
-                                        <p:cTn id="10" dur="500"/>
-                                        <p:tgtEl>
-                                          <p:spTgt spid="13"/>
-                                        </p:tgtEl>
-                                        <p:attrNameLst>
-                                          <p:attrName>ppt_x</p:attrName>
-                                        </p:attrNameLst>
-                                      </p:cBhvr>
-                                      <p:tavLst>
-                                        <p:tav tm="0">
-                                          <p:val>
-                                            <p:strVal val="ppt_x"/>
-                                          </p:val>
-                                        </p:tav>
-                                        <p:tav tm="100000">
-                                          <p:val>
-                                            <p:strVal val="ppt_x"/>
-                                          </p:val>
-                                        </p:tav>
-                                      </p:tavLst>
-                                    </p:anim>
-                                    <p:anim calcmode="lin" valueType="num">
-                                      <p:cBhvr additive="base">
-                                        <p:cTn id="11" dur="500"/>
-                                        <p:tgtEl>
-                                          <p:spTgt spid="13"/>
-                                        </p:tgtEl>
-                                        <p:attrNameLst>
-                                          <p:attrName>ppt_y</p:attrName>
-                                        </p:attrNameLst>
-                                      </p:cBhvr>
-                                      <p:tavLst>
-                                        <p:tav tm="0">
-                                          <p:val>
-                                            <p:strVal val="ppt_y"/>
-                                          </p:val>
-                                        </p:tav>
-                                        <p:tav tm="100000">
-                                          <p:val>
-                                            <p:strVal val="1+ppt_h/2"/>
-                                          </p:val>
-                                        </p:tav>
-                                      </p:tavLst>
-                                    </p:anim>
-                                    <p:set>
-                                      <p:cBhvr>
-                                        <p:cTn id="12" dur="1" fill="hold">
-                                          <p:stCondLst>
-                                            <p:cond delay="499"/>
-                                          </p:stCondLst>
-                                        </p:cTn>
-                                        <p:tgtEl>
-                                          <p:spTgt spid="13"/>
-                                        </p:tgtEl>
-                                        <p:attrNameLst>
-                                          <p:attrName>style.visibility</p:attrName>
-                                        </p:attrNameLst>
-                                      </p:cBhvr>
-                                      <p:to>
-                                        <p:strVal val="hidden"/>
-                                      </p:to>
-                                    </p:set>
-                                  </p:childTnLst>
-                                </p:cTn>
-                              </p:par>
-                            </p:childTnLst>
-                          </p:cTn>
-                        </p:par>
-                      </p:childTnLst>
-                    </p:cTn>
-                  </p:par>
-                </p:childTnLst>
-              </p:cTn>
-              <p:prevCondLst>
-                <p:cond evt="onPrev" delay="0">
-                  <p:tgtEl>
-                    <p:sldTgt/>
-                  </p:tgtEl>
-                </p:cond>
-              </p:prevCondLst>
-              <p:nextCondLst>
-                <p:cond evt="onNext" delay="0">
-                  <p:tgtEl>
-                    <p:sldTgt/>
-                  </p:tgtEl>
-                </p:cond>
-              </p:nextCondLst>
-            </p:seq>
-          </p:childTnLst>
-        </p:cTn>
-      </p:par>
-    </p:tnLst>
-    <p:bldLst>
-      <p:bldP spid="13" grpId="0" animBg="1"/>
-      <p:bldP spid="17" grpId="0" animBg="1"/>
     </p:bldLst>
   </p:timing>
 </p:sld>
@@ -18307,6 +18760,35 @@
 </file>
 
 <file path=customXml/item1.xml><?xml version="1.0" encoding="utf-8"?>
+<?mso-contentType ?>
+<FormTemplates xmlns="http://schemas.microsoft.com/sharepoint/v3/contenttype/forms">
+  <Display>DocumentLibraryForm</Display>
+  <Edit>DocumentLibraryForm</Edit>
+  <New>DocumentLibraryForm</New>
+</FormTemplates>
+</file>
+
+<file path=customXml/item2.xml><?xml version="1.0" encoding="utf-8"?>
+<p:properties xmlns:p="http://schemas.microsoft.com/office/2006/metadata/properties" xmlns:xsi="http://www.w3.org/2001/XMLSchema-instance" xmlns:pc="http://schemas.microsoft.com/office/infopath/2007/PartnerControls">
+  <documentManagement>
+    <Background xmlns="71af3243-3dd4-4a8d-8c0d-dd76da1f02a5">false</Background>
+    <Status xmlns="71af3243-3dd4-4a8d-8c0d-dd76da1f02a5">Not started</Status>
+    <_ip_UnifiedCompliancePolicyUIAction xmlns="http://schemas.microsoft.com/sharepoint/v3" xsi:nil="true"/>
+    <Image xmlns="71af3243-3dd4-4a8d-8c0d-dd76da1f02a5">
+      <Url xsi:nil="true"/>
+      <Description xsi:nil="true"/>
+    </Image>
+    <_ip_UnifiedCompliancePolicyProperties xmlns="http://schemas.microsoft.com/sharepoint/v3" xsi:nil="true"/>
+    <ImageTagsTaxHTField xmlns="71af3243-3dd4-4a8d-8c0d-dd76da1f02a5">
+      <Terms xmlns="http://schemas.microsoft.com/office/infopath/2007/PartnerControls"/>
+    </ImageTagsTaxHTField>
+    <TaxCatchAll xmlns="230e9df3-be65-4c73-a93b-d1236ebd677e" xsi:nil="true"/>
+    <MediaServiceKeyPoints xmlns="71af3243-3dd4-4a8d-8c0d-dd76da1f02a5" xsi:nil="true"/>
+  </documentManagement>
+</p:properties>
+</file>
+
+<file path=customXml/item3.xml><?xml version="1.0" encoding="utf-8"?>
 <ct:contentTypeSchema xmlns:ct="http://schemas.microsoft.com/office/2006/metadata/contentType" xmlns:ma="http://schemas.microsoft.com/office/2006/metadata/properties/metaAttributes" ct:_="" ma:_="" ma:contentTypeName="Document" ma:contentTypeID="0x01010079F111ED35F8CC479449609E8A0923A6" ma:contentTypeVersion="28" ma:contentTypeDescription="Create a new document." ma:contentTypeScope="" ma:versionID="60f5a4f2d2b0abadcf532d48ebf9cb71">
   <xsd:schema xmlns:xsd="http://www.w3.org/2001/XMLSchema" xmlns:xs="http://www.w3.org/2001/XMLSchema" xmlns:p="http://schemas.microsoft.com/office/2006/metadata/properties" xmlns:ns1="http://schemas.microsoft.com/sharepoint/v3" xmlns:ns2="71af3243-3dd4-4a8d-8c0d-dd76da1f02a5" xmlns:ns3="16c05727-aa75-4e4a-9b5f-8a80a1165891" xmlns:ns4="230e9df3-be65-4c73-a93b-d1236ebd677e" targetNamespace="http://schemas.microsoft.com/office/2006/metadata/properties" ma:root="true" ma:fieldsID="7dd78129e6a1811f84807ad11c651531" ns1:_="" ns2:_="" ns3:_="" ns4:_="">
     <xsd:import namespace="http://schemas.microsoft.com/sharepoint/v3"/>
@@ -18618,52 +19100,10 @@
 </ct:contentTypeSchema>
 </file>
 
-<file path=customXml/item2.xml><?xml version="1.0" encoding="utf-8"?>
-<p:properties xmlns:p="http://schemas.microsoft.com/office/2006/metadata/properties" xmlns:xsi="http://www.w3.org/2001/XMLSchema-instance" xmlns:pc="http://schemas.microsoft.com/office/infopath/2007/PartnerControls">
-  <documentManagement>
-    <Background xmlns="71af3243-3dd4-4a8d-8c0d-dd76da1f02a5">false</Background>
-    <Status xmlns="71af3243-3dd4-4a8d-8c0d-dd76da1f02a5">Not started</Status>
-    <_ip_UnifiedCompliancePolicyUIAction xmlns="http://schemas.microsoft.com/sharepoint/v3" xsi:nil="true"/>
-    <Image xmlns="71af3243-3dd4-4a8d-8c0d-dd76da1f02a5">
-      <Url xsi:nil="true"/>
-      <Description xsi:nil="true"/>
-    </Image>
-    <_ip_UnifiedCompliancePolicyProperties xmlns="http://schemas.microsoft.com/sharepoint/v3" xsi:nil="true"/>
-    <ImageTagsTaxHTField xmlns="71af3243-3dd4-4a8d-8c0d-dd76da1f02a5">
-      <Terms xmlns="http://schemas.microsoft.com/office/infopath/2007/PartnerControls"/>
-    </ImageTagsTaxHTField>
-    <TaxCatchAll xmlns="230e9df3-be65-4c73-a93b-d1236ebd677e" xsi:nil="true"/>
-    <MediaServiceKeyPoints xmlns="71af3243-3dd4-4a8d-8c0d-dd76da1f02a5" xsi:nil="true"/>
-  </documentManagement>
-</p:properties>
-</file>
-
-<file path=customXml/item3.xml><?xml version="1.0" encoding="utf-8"?>
-<?mso-contentType ?>
-<FormTemplates xmlns="http://schemas.microsoft.com/sharepoint/v3/contenttype/forms">
-  <Display>DocumentLibraryForm</Display>
-  <Edit>DocumentLibraryForm</Edit>
-  <New>DocumentLibraryForm</New>
-</FormTemplates>
-</file>
-
 <file path=customXml/itemProps1.xml><?xml version="1.0" encoding="utf-8"?>
-<ds:datastoreItem xmlns:ds="http://schemas.openxmlformats.org/officeDocument/2006/customXml" ds:itemID="{92DB9E12-8AC3-4138-BF4D-720A5525AB10}">
+<ds:datastoreItem xmlns:ds="http://schemas.openxmlformats.org/officeDocument/2006/customXml" ds:itemID="{C21FFAC0-05A2-416A-B06C-C248395482CF}">
   <ds:schemaRefs>
-    <ds:schemaRef ds:uri="http://schemas.microsoft.com/office/2006/metadata/contentType"/>
-    <ds:schemaRef ds:uri="http://schemas.microsoft.com/office/2006/metadata/properties/metaAttributes"/>
-    <ds:schemaRef ds:uri="http://www.w3.org/2001/XMLSchema"/>
-    <ds:schemaRef ds:uri="http://schemas.microsoft.com/office/2006/metadata/properties"/>
-    <ds:schemaRef ds:uri="http://schemas.microsoft.com/sharepoint/v3"/>
-    <ds:schemaRef ds:uri="71af3243-3dd4-4a8d-8c0d-dd76da1f02a5"/>
-    <ds:schemaRef ds:uri="16c05727-aa75-4e4a-9b5f-8a80a1165891"/>
-    <ds:schemaRef ds:uri="230e9df3-be65-4c73-a93b-d1236ebd677e"/>
-    <ds:schemaRef ds:uri="http://schemas.microsoft.com/office/2006/documentManagement/types"/>
-    <ds:schemaRef ds:uri="http://schemas.microsoft.com/office/infopath/2007/PartnerControls"/>
-    <ds:schemaRef ds:uri="http://schemas.openxmlformats.org/package/2006/metadata/core-properties"/>
-    <ds:schemaRef ds:uri="http://purl.org/dc/elements/1.1/"/>
-    <ds:schemaRef ds:uri="http://purl.org/dc/terms/"/>
-    <ds:schemaRef ds:uri="http://schemas.microsoft.com/internal/obd"/>
+    <ds:schemaRef ds:uri="http://schemas.microsoft.com/sharepoint/v3/contenttype/forms"/>
   </ds:schemaRefs>
 </ds:datastoreItem>
 </file>
@@ -18688,9 +19128,22 @@
 </file>
 
 <file path=customXml/itemProps3.xml><?xml version="1.0" encoding="utf-8"?>
-<ds:datastoreItem xmlns:ds="http://schemas.openxmlformats.org/officeDocument/2006/customXml" ds:itemID="{C21FFAC0-05A2-416A-B06C-C248395482CF}">
+<ds:datastoreItem xmlns:ds="http://schemas.openxmlformats.org/officeDocument/2006/customXml" ds:itemID="{92DB9E12-8AC3-4138-BF4D-720A5525AB10}">
   <ds:schemaRefs>
-    <ds:schemaRef ds:uri="http://schemas.microsoft.com/sharepoint/v3/contenttype/forms"/>
+    <ds:schemaRef ds:uri="http://schemas.microsoft.com/office/2006/metadata/contentType"/>
+    <ds:schemaRef ds:uri="http://schemas.microsoft.com/office/2006/metadata/properties/metaAttributes"/>
+    <ds:schemaRef ds:uri="http://www.w3.org/2001/XMLSchema"/>
+    <ds:schemaRef ds:uri="http://schemas.microsoft.com/office/2006/metadata/properties"/>
+    <ds:schemaRef ds:uri="http://schemas.microsoft.com/sharepoint/v3"/>
+    <ds:schemaRef ds:uri="71af3243-3dd4-4a8d-8c0d-dd76da1f02a5"/>
+    <ds:schemaRef ds:uri="16c05727-aa75-4e4a-9b5f-8a80a1165891"/>
+    <ds:schemaRef ds:uri="230e9df3-be65-4c73-a93b-d1236ebd677e"/>
+    <ds:schemaRef ds:uri="http://schemas.microsoft.com/office/2006/documentManagement/types"/>
+    <ds:schemaRef ds:uri="http://schemas.microsoft.com/office/infopath/2007/PartnerControls"/>
+    <ds:schemaRef ds:uri="http://schemas.openxmlformats.org/package/2006/metadata/core-properties"/>
+    <ds:schemaRef ds:uri="http://purl.org/dc/elements/1.1/"/>
+    <ds:schemaRef ds:uri="http://purl.org/dc/terms/"/>
+    <ds:schemaRef ds:uri="http://schemas.microsoft.com/internal/obd"/>
   </ds:schemaRefs>
 </ds:datastoreItem>
 </file>

--- a/Praesentation/MB-Veranstaltung_Sprachmodelle_0.1.pptx
+++ b/Praesentation/MB-Veranstaltung_Sprachmodelle_0.1.pptx
@@ -5,24 +5,26 @@
     <p:sldMasterId id="2147483658" r:id="rId4"/>
   </p:sldMasterIdLst>
   <p:notesMasterIdLst>
-    <p:notesMasterId r:id="rId17"/>
+    <p:notesMasterId r:id="rId19"/>
   </p:notesMasterIdLst>
   <p:handoutMasterIdLst>
-    <p:handoutMasterId r:id="rId18"/>
+    <p:handoutMasterId r:id="rId20"/>
   </p:handoutMasterIdLst>
   <p:sldIdLst>
     <p:sldId id="410" r:id="rId5"/>
     <p:sldId id="383" r:id="rId6"/>
-    <p:sldId id="411" r:id="rId7"/>
-    <p:sldId id="412" r:id="rId8"/>
-    <p:sldId id="413" r:id="rId9"/>
-    <p:sldId id="414" r:id="rId10"/>
-    <p:sldId id="418" r:id="rId11"/>
-    <p:sldId id="419" r:id="rId12"/>
-    <p:sldId id="415" r:id="rId13"/>
-    <p:sldId id="416" r:id="rId14"/>
-    <p:sldId id="417" r:id="rId15"/>
-    <p:sldId id="398" r:id="rId16"/>
+    <p:sldId id="421" r:id="rId7"/>
+    <p:sldId id="411" r:id="rId8"/>
+    <p:sldId id="412" r:id="rId9"/>
+    <p:sldId id="413" r:id="rId10"/>
+    <p:sldId id="414" r:id="rId11"/>
+    <p:sldId id="418" r:id="rId12"/>
+    <p:sldId id="419" r:id="rId13"/>
+    <p:sldId id="415" r:id="rId14"/>
+    <p:sldId id="416" r:id="rId15"/>
+    <p:sldId id="417" r:id="rId16"/>
+    <p:sldId id="420" r:id="rId17"/>
+    <p:sldId id="398" r:id="rId18"/>
   </p:sldIdLst>
   <p:sldSz cx="12192000" cy="6858000"/>
   <p:notesSz cx="6858000" cy="9144000"/>
@@ -801,6 +803,115 @@
         <p:cNvPr id="1" name="">
           <a:extLst>
             <a:ext uri="{FF2B5EF4-FFF2-40B4-BE49-F238E27FC236}">
+              <a16:creationId xmlns:a16="http://schemas.microsoft.com/office/drawing/2014/main" id="{6CA5F9D3-CA87-42C6-D630-40213C6D8EA5}"/>
+            </a:ext>
+          </a:extLst>
+        </p:cNvPr>
+        <p:cNvGrpSpPr/>
+        <p:nvPr/>
+      </p:nvGrpSpPr>
+      <p:grpSpPr>
+        <a:xfrm>
+          <a:off x="0" y="0"/>
+          <a:ext cx="0" cy="0"/>
+          <a:chOff x="0" y="0"/>
+          <a:chExt cx="0" cy="0"/>
+        </a:xfrm>
+      </p:grpSpPr>
+      <p:sp>
+        <p:nvSpPr>
+          <p:cNvPr id="2" name="Folienbildplatzhalter 1">
+            <a:extLst>
+              <a:ext uri="{FF2B5EF4-FFF2-40B4-BE49-F238E27FC236}">
+                <a16:creationId xmlns:a16="http://schemas.microsoft.com/office/drawing/2014/main" id="{D232263B-B386-26E9-EC37-F29AE1C7DB0E}"/>
+              </a:ext>
+            </a:extLst>
+          </p:cNvPr>
+          <p:cNvSpPr>
+            <a:spLocks noGrp="1" noRot="1" noChangeAspect="1"/>
+          </p:cNvSpPr>
+          <p:nvPr>
+            <p:ph type="sldImg"/>
+          </p:nvPr>
+        </p:nvSpPr>
+        <p:spPr/>
+      </p:sp>
+      <p:sp>
+        <p:nvSpPr>
+          <p:cNvPr id="3" name="Notizenplatzhalter 2">
+            <a:extLst>
+              <a:ext uri="{FF2B5EF4-FFF2-40B4-BE49-F238E27FC236}">
+                <a16:creationId xmlns:a16="http://schemas.microsoft.com/office/drawing/2014/main" id="{424B02D5-8EDB-A875-81BA-C8999C9805A7}"/>
+              </a:ext>
+            </a:extLst>
+          </p:cNvPr>
+          <p:cNvSpPr>
+            <a:spLocks noGrp="1"/>
+          </p:cNvSpPr>
+          <p:nvPr>
+            <p:ph type="body" idx="1"/>
+          </p:nvPr>
+        </p:nvSpPr>
+        <p:spPr/>
+        <p:txBody>
+          <a:bodyPr/>
+          <a:lstStyle/>
+          <a:p>
+            <a:endParaRPr lang="de-DE" dirty="0"/>
+          </a:p>
+        </p:txBody>
+      </p:sp>
+      <p:sp>
+        <p:nvSpPr>
+          <p:cNvPr id="4" name="Foliennummernplatzhalter 3">
+            <a:extLst>
+              <a:ext uri="{FF2B5EF4-FFF2-40B4-BE49-F238E27FC236}">
+                <a16:creationId xmlns:a16="http://schemas.microsoft.com/office/drawing/2014/main" id="{0AF8E69A-6BF7-58BC-9662-1051626D08AC}"/>
+              </a:ext>
+            </a:extLst>
+          </p:cNvPr>
+          <p:cNvSpPr>
+            <a:spLocks noGrp="1"/>
+          </p:cNvSpPr>
+          <p:nvPr>
+            <p:ph type="sldNum" sz="quarter" idx="5"/>
+          </p:nvPr>
+        </p:nvSpPr>
+        <p:spPr/>
+        <p:txBody>
+          <a:bodyPr/>
+          <a:lstStyle/>
+          <a:p>
+            <a:pPr rtl="0"/>
+            <a:fld id="{A89C7E07-3C67-C64C-8DA0-0404F6303970}" type="slidenum">
+              <a:rPr lang="de-DE" smtClean="0"/>
+              <a:t>10</a:t>
+            </a:fld>
+            <a:endParaRPr lang="de-DE" dirty="0"/>
+          </a:p>
+        </p:txBody>
+      </p:sp>
+    </p:spTree>
+    <p:extLst>
+      <p:ext uri="{BB962C8B-B14F-4D97-AF65-F5344CB8AC3E}">
+        <p14:creationId xmlns:p14="http://schemas.microsoft.com/office/powerpoint/2010/main" val="68440800"/>
+      </p:ext>
+    </p:extLst>
+  </p:cSld>
+  <p:clrMapOvr>
+    <a:masterClrMapping/>
+  </p:clrMapOvr>
+</p:notes>
+</file>
+
+<file path=ppt/notesSlides/notesSlide11.xml><?xml version="1.0" encoding="utf-8"?>
+<p:notes xmlns:a="http://schemas.openxmlformats.org/drawingml/2006/main" xmlns:r="http://schemas.openxmlformats.org/officeDocument/2006/relationships" xmlns:p="http://schemas.openxmlformats.org/presentationml/2006/main">
+  <p:cSld>
+    <p:spTree>
+      <p:nvGrpSpPr>
+        <p:cNvPr id="1" name="">
+          <a:extLst>
+            <a:ext uri="{FF2B5EF4-FFF2-40B4-BE49-F238E27FC236}">
               <a16:creationId xmlns:a16="http://schemas.microsoft.com/office/drawing/2014/main" id="{A854BA11-2ED0-3296-8C6F-A7E1DB9216FC}"/>
             </a:ext>
           </a:extLst>
@@ -883,7 +994,7 @@
             <a:pPr rtl="0"/>
             <a:fld id="{A89C7E07-3C67-C64C-8DA0-0404F6303970}" type="slidenum">
               <a:rPr lang="de-DE" smtClean="0"/>
-              <a:t>10</a:t>
+              <a:t>11</a:t>
             </a:fld>
             <a:endParaRPr lang="de-DE" dirty="0"/>
           </a:p>
@@ -902,7 +1013,7 @@
 </p:notes>
 </file>
 
-<file path=ppt/notesSlides/notesSlide11.xml><?xml version="1.0" encoding="utf-8"?>
+<file path=ppt/notesSlides/notesSlide12.xml><?xml version="1.0" encoding="utf-8"?>
 <p:notes xmlns:a="http://schemas.openxmlformats.org/drawingml/2006/main" xmlns:r="http://schemas.openxmlformats.org/officeDocument/2006/relationships" xmlns:p="http://schemas.openxmlformats.org/presentationml/2006/main">
   <p:cSld>
     <p:spTree>
@@ -992,7 +1103,7 @@
             <a:pPr rtl="0"/>
             <a:fld id="{A89C7E07-3C67-C64C-8DA0-0404F6303970}" type="slidenum">
               <a:rPr lang="de-DE" smtClean="0"/>
-              <a:t>11</a:t>
+              <a:t>12</a:t>
             </a:fld>
             <a:endParaRPr lang="de-DE" dirty="0"/>
           </a:p>
@@ -1011,7 +1122,116 @@
 </p:notes>
 </file>
 
-<file path=ppt/notesSlides/notesSlide12.xml><?xml version="1.0" encoding="utf-8"?>
+<file path=ppt/notesSlides/notesSlide13.xml><?xml version="1.0" encoding="utf-8"?>
+<p:notes xmlns:a="http://schemas.openxmlformats.org/drawingml/2006/main" xmlns:r="http://schemas.openxmlformats.org/officeDocument/2006/relationships" xmlns:p="http://schemas.openxmlformats.org/presentationml/2006/main">
+  <p:cSld>
+    <p:spTree>
+      <p:nvGrpSpPr>
+        <p:cNvPr id="1" name="">
+          <a:extLst>
+            <a:ext uri="{FF2B5EF4-FFF2-40B4-BE49-F238E27FC236}">
+              <a16:creationId xmlns:a16="http://schemas.microsoft.com/office/drawing/2014/main" id="{A4AD5185-1C74-9AEB-B5C1-D2BEDF00FD11}"/>
+            </a:ext>
+          </a:extLst>
+        </p:cNvPr>
+        <p:cNvGrpSpPr/>
+        <p:nvPr/>
+      </p:nvGrpSpPr>
+      <p:grpSpPr>
+        <a:xfrm>
+          <a:off x="0" y="0"/>
+          <a:ext cx="0" cy="0"/>
+          <a:chOff x="0" y="0"/>
+          <a:chExt cx="0" cy="0"/>
+        </a:xfrm>
+      </p:grpSpPr>
+      <p:sp>
+        <p:nvSpPr>
+          <p:cNvPr id="2" name="Folienbildplatzhalter 1">
+            <a:extLst>
+              <a:ext uri="{FF2B5EF4-FFF2-40B4-BE49-F238E27FC236}">
+                <a16:creationId xmlns:a16="http://schemas.microsoft.com/office/drawing/2014/main" id="{6ABA2B2D-25FA-3D4E-F0E2-46E2140387A0}"/>
+              </a:ext>
+            </a:extLst>
+          </p:cNvPr>
+          <p:cNvSpPr>
+            <a:spLocks noGrp="1" noRot="1" noChangeAspect="1"/>
+          </p:cNvSpPr>
+          <p:nvPr>
+            <p:ph type="sldImg"/>
+          </p:nvPr>
+        </p:nvSpPr>
+        <p:spPr/>
+      </p:sp>
+      <p:sp>
+        <p:nvSpPr>
+          <p:cNvPr id="3" name="Notizenplatzhalter 2">
+            <a:extLst>
+              <a:ext uri="{FF2B5EF4-FFF2-40B4-BE49-F238E27FC236}">
+                <a16:creationId xmlns:a16="http://schemas.microsoft.com/office/drawing/2014/main" id="{35772ECC-F505-6AAE-B84A-E552EB3E6752}"/>
+              </a:ext>
+            </a:extLst>
+          </p:cNvPr>
+          <p:cNvSpPr>
+            <a:spLocks noGrp="1"/>
+          </p:cNvSpPr>
+          <p:nvPr>
+            <p:ph type="body" idx="1"/>
+          </p:nvPr>
+        </p:nvSpPr>
+        <p:spPr/>
+        <p:txBody>
+          <a:bodyPr/>
+          <a:lstStyle/>
+          <a:p>
+            <a:endParaRPr lang="de-DE" dirty="0"/>
+          </a:p>
+        </p:txBody>
+      </p:sp>
+      <p:sp>
+        <p:nvSpPr>
+          <p:cNvPr id="4" name="Foliennummernplatzhalter 3">
+            <a:extLst>
+              <a:ext uri="{FF2B5EF4-FFF2-40B4-BE49-F238E27FC236}">
+                <a16:creationId xmlns:a16="http://schemas.microsoft.com/office/drawing/2014/main" id="{819ABFB7-B95E-977F-5534-B15441540382}"/>
+              </a:ext>
+            </a:extLst>
+          </p:cNvPr>
+          <p:cNvSpPr>
+            <a:spLocks noGrp="1"/>
+          </p:cNvSpPr>
+          <p:nvPr>
+            <p:ph type="sldNum" sz="quarter" idx="5"/>
+          </p:nvPr>
+        </p:nvSpPr>
+        <p:spPr/>
+        <p:txBody>
+          <a:bodyPr/>
+          <a:lstStyle/>
+          <a:p>
+            <a:pPr rtl="0"/>
+            <a:fld id="{A89C7E07-3C67-C64C-8DA0-0404F6303970}" type="slidenum">
+              <a:rPr lang="de-DE" smtClean="0"/>
+              <a:t>13</a:t>
+            </a:fld>
+            <a:endParaRPr lang="de-DE" dirty="0"/>
+          </a:p>
+        </p:txBody>
+      </p:sp>
+    </p:spTree>
+    <p:extLst>
+      <p:ext uri="{BB962C8B-B14F-4D97-AF65-F5344CB8AC3E}">
+        <p14:creationId xmlns:p14="http://schemas.microsoft.com/office/powerpoint/2010/main" val="2412374902"/>
+      </p:ext>
+    </p:extLst>
+  </p:cSld>
+  <p:clrMapOvr>
+    <a:masterClrMapping/>
+  </p:clrMapOvr>
+</p:notes>
+</file>
+
+<file path=ppt/notesSlides/notesSlide14.xml><?xml version="1.0" encoding="utf-8"?>
 <p:notes xmlns:a="http://schemas.openxmlformats.org/drawingml/2006/main" xmlns:r="http://schemas.openxmlformats.org/officeDocument/2006/relationships" xmlns:p="http://schemas.openxmlformats.org/presentationml/2006/main">
   <p:cSld>
     <p:spTree>
@@ -1086,7 +1306,7 @@
             <a:pPr rtl="0"/>
             <a:fld id="{A89C7E07-3C67-C64C-8DA0-0404F6303970}" type="slidenum">
               <a:rPr lang="de-DE" smtClean="0"/>
-              <a:t>12</a:t>
+              <a:t>14</a:t>
             </a:fld>
             <a:endParaRPr lang="de-DE" dirty="0"/>
           </a:p>
@@ -1246,95 +1466,10 @@
   <p:cSld>
     <p:spTree>
       <p:nvGrpSpPr>
-        <p:cNvPr id="1" name=""/>
-        <p:cNvGrpSpPr/>
-        <p:nvPr/>
-      </p:nvGrpSpPr>
-      <p:grpSpPr>
-        <a:xfrm>
-          <a:off x="0" y="0"/>
-          <a:ext cx="0" cy="0"/>
-          <a:chOff x="0" y="0"/>
-          <a:chExt cx="0" cy="0"/>
-        </a:xfrm>
-      </p:grpSpPr>
-      <p:sp>
-        <p:nvSpPr>
-          <p:cNvPr id="2" name="Folienbildplatzhalter 1"/>
-          <p:cNvSpPr>
-            <a:spLocks noGrp="1" noRot="1" noChangeAspect="1"/>
-          </p:cNvSpPr>
-          <p:nvPr>
-            <p:ph type="sldImg"/>
-          </p:nvPr>
-        </p:nvSpPr>
-        <p:spPr/>
-      </p:sp>
-      <p:sp>
-        <p:nvSpPr>
-          <p:cNvPr id="3" name="Notizenplatzhalter 2"/>
-          <p:cNvSpPr>
-            <a:spLocks noGrp="1"/>
-          </p:cNvSpPr>
-          <p:nvPr>
-            <p:ph type="body" idx="1"/>
-          </p:nvPr>
-        </p:nvSpPr>
-        <p:spPr/>
-        <p:txBody>
-          <a:bodyPr/>
-          <a:lstStyle/>
-          <a:p>
-            <a:endParaRPr lang="de-DE" dirty="0"/>
-          </a:p>
-        </p:txBody>
-      </p:sp>
-      <p:sp>
-        <p:nvSpPr>
-          <p:cNvPr id="4" name="Foliennummernplatzhalter 3"/>
-          <p:cNvSpPr>
-            <a:spLocks noGrp="1"/>
-          </p:cNvSpPr>
-          <p:nvPr>
-            <p:ph type="sldNum" sz="quarter" idx="5"/>
-          </p:nvPr>
-        </p:nvSpPr>
-        <p:spPr/>
-        <p:txBody>
-          <a:bodyPr/>
-          <a:lstStyle/>
-          <a:p>
-            <a:pPr rtl="0"/>
-            <a:fld id="{A89C7E07-3C67-C64C-8DA0-0404F6303970}" type="slidenum">
-              <a:rPr lang="de-DE" smtClean="0"/>
-              <a:t>3</a:t>
-            </a:fld>
-            <a:endParaRPr lang="de-DE" dirty="0"/>
-          </a:p>
-        </p:txBody>
-      </p:sp>
-    </p:spTree>
-    <p:extLst>
-      <p:ext uri="{BB962C8B-B14F-4D97-AF65-F5344CB8AC3E}">
-        <p14:creationId xmlns:p14="http://schemas.microsoft.com/office/powerpoint/2010/main" val="1995031429"/>
-      </p:ext>
-    </p:extLst>
-  </p:cSld>
-  <p:clrMapOvr>
-    <a:masterClrMapping/>
-  </p:clrMapOvr>
-</p:notes>
-</file>
-
-<file path=ppt/notesSlides/notesSlide4.xml><?xml version="1.0" encoding="utf-8"?>
-<p:notes xmlns:a="http://schemas.openxmlformats.org/drawingml/2006/main" xmlns:r="http://schemas.openxmlformats.org/officeDocument/2006/relationships" xmlns:p="http://schemas.openxmlformats.org/presentationml/2006/main">
-  <p:cSld>
-    <p:spTree>
-      <p:nvGrpSpPr>
         <p:cNvPr id="1" name="">
           <a:extLst>
             <a:ext uri="{FF2B5EF4-FFF2-40B4-BE49-F238E27FC236}">
-              <a16:creationId xmlns:a16="http://schemas.microsoft.com/office/drawing/2014/main" id="{ACF8ACE3-5132-F02B-4EF2-836EC05E4B2E}"/>
+              <a16:creationId xmlns:a16="http://schemas.microsoft.com/office/drawing/2014/main" id="{294DE55B-1448-6432-090D-41B17A8FFD19}"/>
             </a:ext>
           </a:extLst>
         </p:cNvPr>
@@ -1354,7 +1489,7 @@
           <p:cNvPr id="2" name="Folienbildplatzhalter 1">
             <a:extLst>
               <a:ext uri="{FF2B5EF4-FFF2-40B4-BE49-F238E27FC236}">
-                <a16:creationId xmlns:a16="http://schemas.microsoft.com/office/drawing/2014/main" id="{5CBF9DA9-5754-6813-5048-8BCEA98DBB45}"/>
+                <a16:creationId xmlns:a16="http://schemas.microsoft.com/office/drawing/2014/main" id="{ABA52385-828F-A556-DD89-EA2207FB49E0}"/>
               </a:ext>
             </a:extLst>
           </p:cNvPr>
@@ -1372,7 +1507,7 @@
           <p:cNvPr id="3" name="Notizenplatzhalter 2">
             <a:extLst>
               <a:ext uri="{FF2B5EF4-FFF2-40B4-BE49-F238E27FC236}">
-                <a16:creationId xmlns:a16="http://schemas.microsoft.com/office/drawing/2014/main" id="{91967958-81CF-353C-6B4B-F7DC173DA96F}"/>
+                <a16:creationId xmlns:a16="http://schemas.microsoft.com/office/drawing/2014/main" id="{02EA1A9B-CED3-A40F-BBCC-DB71616B0793}"/>
               </a:ext>
             </a:extLst>
           </p:cNvPr>
@@ -1385,9 +1520,14 @@
         </p:nvSpPr>
         <p:spPr/>
         <p:txBody>
-          <a:bodyPr/>
-          <a:lstStyle/>
-          <a:p>
+          <a:bodyPr rtlCol="0"/>
+          <a:lstStyle>
+            <a:defPPr>
+              <a:defRPr lang="de-DE"/>
+            </a:defPPr>
+          </a:lstStyle>
+          <a:p>
+            <a:pPr rtl="0"/>
             <a:endParaRPr lang="de-DE" dirty="0"/>
           </a:p>
         </p:txBody>
@@ -1397,7 +1537,7 @@
           <p:cNvPr id="4" name="Foliennummernplatzhalter 3">
             <a:extLst>
               <a:ext uri="{FF2B5EF4-FFF2-40B4-BE49-F238E27FC236}">
-                <a16:creationId xmlns:a16="http://schemas.microsoft.com/office/drawing/2014/main" id="{B00E909A-8BA6-6FDB-338A-EC141D12ACFF}"/>
+                <a16:creationId xmlns:a16="http://schemas.microsoft.com/office/drawing/2014/main" id="{A8DFCF3D-C63C-0A3E-5F4F-541A14A670B5}"/>
               </a:ext>
             </a:extLst>
           </p:cNvPr>
@@ -1410,13 +1550,17 @@
         </p:nvSpPr>
         <p:spPr/>
         <p:txBody>
-          <a:bodyPr/>
-          <a:lstStyle/>
+          <a:bodyPr rtlCol="0"/>
+          <a:lstStyle>
+            <a:defPPr>
+              <a:defRPr lang="de-DE"/>
+            </a:defPPr>
+          </a:lstStyle>
           <a:p>
             <a:pPr rtl="0"/>
             <a:fld id="{A89C7E07-3C67-C64C-8DA0-0404F6303970}" type="slidenum">
               <a:rPr lang="de-DE" smtClean="0"/>
-              <a:t>4</a:t>
+              <a:t>3</a:t>
             </a:fld>
             <a:endParaRPr lang="de-DE" dirty="0"/>
           </a:p>
@@ -1425,7 +1569,7 @@
     </p:spTree>
     <p:extLst>
       <p:ext uri="{BB962C8B-B14F-4D97-AF65-F5344CB8AC3E}">
-        <p14:creationId xmlns:p14="http://schemas.microsoft.com/office/powerpoint/2010/main" val="3288025943"/>
+        <p14:creationId xmlns:p14="http://schemas.microsoft.com/office/powerpoint/2010/main" val="3674661721"/>
       </p:ext>
     </p:extLst>
   </p:cSld>
@@ -1435,225 +1579,7 @@
 </p:notes>
 </file>
 
-<file path=ppt/notesSlides/notesSlide5.xml><?xml version="1.0" encoding="utf-8"?>
-<p:notes xmlns:a="http://schemas.openxmlformats.org/drawingml/2006/main" xmlns:r="http://schemas.openxmlformats.org/officeDocument/2006/relationships" xmlns:p="http://schemas.openxmlformats.org/presentationml/2006/main">
-  <p:cSld>
-    <p:spTree>
-      <p:nvGrpSpPr>
-        <p:cNvPr id="1" name="">
-          <a:extLst>
-            <a:ext uri="{FF2B5EF4-FFF2-40B4-BE49-F238E27FC236}">
-              <a16:creationId xmlns:a16="http://schemas.microsoft.com/office/drawing/2014/main" id="{8495848D-D356-D670-0A85-42F45FC377B0}"/>
-            </a:ext>
-          </a:extLst>
-        </p:cNvPr>
-        <p:cNvGrpSpPr/>
-        <p:nvPr/>
-      </p:nvGrpSpPr>
-      <p:grpSpPr>
-        <a:xfrm>
-          <a:off x="0" y="0"/>
-          <a:ext cx="0" cy="0"/>
-          <a:chOff x="0" y="0"/>
-          <a:chExt cx="0" cy="0"/>
-        </a:xfrm>
-      </p:grpSpPr>
-      <p:sp>
-        <p:nvSpPr>
-          <p:cNvPr id="2" name="Folienbildplatzhalter 1">
-            <a:extLst>
-              <a:ext uri="{FF2B5EF4-FFF2-40B4-BE49-F238E27FC236}">
-                <a16:creationId xmlns:a16="http://schemas.microsoft.com/office/drawing/2014/main" id="{E65CC8D7-F0FF-008A-487C-AB5EF602968D}"/>
-              </a:ext>
-            </a:extLst>
-          </p:cNvPr>
-          <p:cNvSpPr>
-            <a:spLocks noGrp="1" noRot="1" noChangeAspect="1"/>
-          </p:cNvSpPr>
-          <p:nvPr>
-            <p:ph type="sldImg"/>
-          </p:nvPr>
-        </p:nvSpPr>
-        <p:spPr/>
-      </p:sp>
-      <p:sp>
-        <p:nvSpPr>
-          <p:cNvPr id="3" name="Notizenplatzhalter 2">
-            <a:extLst>
-              <a:ext uri="{FF2B5EF4-FFF2-40B4-BE49-F238E27FC236}">
-                <a16:creationId xmlns:a16="http://schemas.microsoft.com/office/drawing/2014/main" id="{A3D55487-5611-A9BC-0D26-35750550D64A}"/>
-              </a:ext>
-            </a:extLst>
-          </p:cNvPr>
-          <p:cNvSpPr>
-            <a:spLocks noGrp="1"/>
-          </p:cNvSpPr>
-          <p:nvPr>
-            <p:ph type="body" idx="1"/>
-          </p:nvPr>
-        </p:nvSpPr>
-        <p:spPr/>
-        <p:txBody>
-          <a:bodyPr/>
-          <a:lstStyle/>
-          <a:p>
-            <a:endParaRPr lang="de-DE" dirty="0"/>
-          </a:p>
-        </p:txBody>
-      </p:sp>
-      <p:sp>
-        <p:nvSpPr>
-          <p:cNvPr id="4" name="Foliennummernplatzhalter 3">
-            <a:extLst>
-              <a:ext uri="{FF2B5EF4-FFF2-40B4-BE49-F238E27FC236}">
-                <a16:creationId xmlns:a16="http://schemas.microsoft.com/office/drawing/2014/main" id="{03B59CBA-8597-7DFD-0777-FA969E108668}"/>
-              </a:ext>
-            </a:extLst>
-          </p:cNvPr>
-          <p:cNvSpPr>
-            <a:spLocks noGrp="1"/>
-          </p:cNvSpPr>
-          <p:nvPr>
-            <p:ph type="sldNum" sz="quarter" idx="5"/>
-          </p:nvPr>
-        </p:nvSpPr>
-        <p:spPr/>
-        <p:txBody>
-          <a:bodyPr/>
-          <a:lstStyle/>
-          <a:p>
-            <a:pPr rtl="0"/>
-            <a:fld id="{A89C7E07-3C67-C64C-8DA0-0404F6303970}" type="slidenum">
-              <a:rPr lang="de-DE" smtClean="0"/>
-              <a:t>5</a:t>
-            </a:fld>
-            <a:endParaRPr lang="de-DE" dirty="0"/>
-          </a:p>
-        </p:txBody>
-      </p:sp>
-    </p:spTree>
-    <p:extLst>
-      <p:ext uri="{BB962C8B-B14F-4D97-AF65-F5344CB8AC3E}">
-        <p14:creationId xmlns:p14="http://schemas.microsoft.com/office/powerpoint/2010/main" val="3880704867"/>
-      </p:ext>
-    </p:extLst>
-  </p:cSld>
-  <p:clrMapOvr>
-    <a:masterClrMapping/>
-  </p:clrMapOvr>
-</p:notes>
-</file>
-
-<file path=ppt/notesSlides/notesSlide6.xml><?xml version="1.0" encoding="utf-8"?>
-<p:notes xmlns:a="http://schemas.openxmlformats.org/drawingml/2006/main" xmlns:r="http://schemas.openxmlformats.org/officeDocument/2006/relationships" xmlns:p="http://schemas.openxmlformats.org/presentationml/2006/main">
-  <p:cSld>
-    <p:spTree>
-      <p:nvGrpSpPr>
-        <p:cNvPr id="1" name="">
-          <a:extLst>
-            <a:ext uri="{FF2B5EF4-FFF2-40B4-BE49-F238E27FC236}">
-              <a16:creationId xmlns:a16="http://schemas.microsoft.com/office/drawing/2014/main" id="{A6A3B015-1847-7B7A-56CB-BEC3C8260730}"/>
-            </a:ext>
-          </a:extLst>
-        </p:cNvPr>
-        <p:cNvGrpSpPr/>
-        <p:nvPr/>
-      </p:nvGrpSpPr>
-      <p:grpSpPr>
-        <a:xfrm>
-          <a:off x="0" y="0"/>
-          <a:ext cx="0" cy="0"/>
-          <a:chOff x="0" y="0"/>
-          <a:chExt cx="0" cy="0"/>
-        </a:xfrm>
-      </p:grpSpPr>
-      <p:sp>
-        <p:nvSpPr>
-          <p:cNvPr id="2" name="Folienbildplatzhalter 1">
-            <a:extLst>
-              <a:ext uri="{FF2B5EF4-FFF2-40B4-BE49-F238E27FC236}">
-                <a16:creationId xmlns:a16="http://schemas.microsoft.com/office/drawing/2014/main" id="{1E8ACD04-F2C8-6098-CCF2-59CE1CDC3A57}"/>
-              </a:ext>
-            </a:extLst>
-          </p:cNvPr>
-          <p:cNvSpPr>
-            <a:spLocks noGrp="1" noRot="1" noChangeAspect="1"/>
-          </p:cNvSpPr>
-          <p:nvPr>
-            <p:ph type="sldImg"/>
-          </p:nvPr>
-        </p:nvSpPr>
-        <p:spPr/>
-      </p:sp>
-      <p:sp>
-        <p:nvSpPr>
-          <p:cNvPr id="3" name="Notizenplatzhalter 2">
-            <a:extLst>
-              <a:ext uri="{FF2B5EF4-FFF2-40B4-BE49-F238E27FC236}">
-                <a16:creationId xmlns:a16="http://schemas.microsoft.com/office/drawing/2014/main" id="{EC273C8C-279C-BF8B-F3A5-9550D58832A8}"/>
-              </a:ext>
-            </a:extLst>
-          </p:cNvPr>
-          <p:cNvSpPr>
-            <a:spLocks noGrp="1"/>
-          </p:cNvSpPr>
-          <p:nvPr>
-            <p:ph type="body" idx="1"/>
-          </p:nvPr>
-        </p:nvSpPr>
-        <p:spPr/>
-        <p:txBody>
-          <a:bodyPr/>
-          <a:lstStyle/>
-          <a:p>
-            <a:endParaRPr lang="de-DE" dirty="0"/>
-          </a:p>
-        </p:txBody>
-      </p:sp>
-      <p:sp>
-        <p:nvSpPr>
-          <p:cNvPr id="4" name="Foliennummernplatzhalter 3">
-            <a:extLst>
-              <a:ext uri="{FF2B5EF4-FFF2-40B4-BE49-F238E27FC236}">
-                <a16:creationId xmlns:a16="http://schemas.microsoft.com/office/drawing/2014/main" id="{45E1FC36-8FEE-CEC3-BA05-FCE8DE5AB066}"/>
-              </a:ext>
-            </a:extLst>
-          </p:cNvPr>
-          <p:cNvSpPr>
-            <a:spLocks noGrp="1"/>
-          </p:cNvSpPr>
-          <p:nvPr>
-            <p:ph type="sldNum" sz="quarter" idx="5"/>
-          </p:nvPr>
-        </p:nvSpPr>
-        <p:spPr/>
-        <p:txBody>
-          <a:bodyPr/>
-          <a:lstStyle/>
-          <a:p>
-            <a:pPr rtl="0"/>
-            <a:fld id="{A89C7E07-3C67-C64C-8DA0-0404F6303970}" type="slidenum">
-              <a:rPr lang="de-DE" smtClean="0"/>
-              <a:t>6</a:t>
-            </a:fld>
-            <a:endParaRPr lang="de-DE" dirty="0"/>
-          </a:p>
-        </p:txBody>
-      </p:sp>
-    </p:spTree>
-    <p:extLst>
-      <p:ext uri="{BB962C8B-B14F-4D97-AF65-F5344CB8AC3E}">
-        <p14:creationId xmlns:p14="http://schemas.microsoft.com/office/powerpoint/2010/main" val="289891795"/>
-      </p:ext>
-    </p:extLst>
-  </p:cSld>
-  <p:clrMapOvr>
-    <a:masterClrMapping/>
-  </p:clrMapOvr>
-</p:notes>
-</file>
-
-<file path=ppt/notesSlides/notesSlide7.xml><?xml version="1.0" encoding="utf-8"?>
+<file path=ppt/notesSlides/notesSlide4.xml><?xml version="1.0" encoding="utf-8"?>
 <p:notes xmlns:a="http://schemas.openxmlformats.org/drawingml/2006/main" xmlns:r="http://schemas.openxmlformats.org/officeDocument/2006/relationships" xmlns:p="http://schemas.openxmlformats.org/presentationml/2006/main">
   <p:cSld>
     <p:spTree>
@@ -1719,7 +1645,419 @@
             <a:pPr rtl="0"/>
             <a:fld id="{A89C7E07-3C67-C64C-8DA0-0404F6303970}" type="slidenum">
               <a:rPr lang="de-DE" smtClean="0"/>
+              <a:t>4</a:t>
+            </a:fld>
+            <a:endParaRPr lang="de-DE" dirty="0"/>
+          </a:p>
+        </p:txBody>
+      </p:sp>
+    </p:spTree>
+    <p:extLst>
+      <p:ext uri="{BB962C8B-B14F-4D97-AF65-F5344CB8AC3E}">
+        <p14:creationId xmlns:p14="http://schemas.microsoft.com/office/powerpoint/2010/main" val="1995031429"/>
+      </p:ext>
+    </p:extLst>
+  </p:cSld>
+  <p:clrMapOvr>
+    <a:masterClrMapping/>
+  </p:clrMapOvr>
+</p:notes>
+</file>
+
+<file path=ppt/notesSlides/notesSlide5.xml><?xml version="1.0" encoding="utf-8"?>
+<p:notes xmlns:a="http://schemas.openxmlformats.org/drawingml/2006/main" xmlns:r="http://schemas.openxmlformats.org/officeDocument/2006/relationships" xmlns:p="http://schemas.openxmlformats.org/presentationml/2006/main">
+  <p:cSld>
+    <p:spTree>
+      <p:nvGrpSpPr>
+        <p:cNvPr id="1" name="">
+          <a:extLst>
+            <a:ext uri="{FF2B5EF4-FFF2-40B4-BE49-F238E27FC236}">
+              <a16:creationId xmlns:a16="http://schemas.microsoft.com/office/drawing/2014/main" id="{ACF8ACE3-5132-F02B-4EF2-836EC05E4B2E}"/>
+            </a:ext>
+          </a:extLst>
+        </p:cNvPr>
+        <p:cNvGrpSpPr/>
+        <p:nvPr/>
+      </p:nvGrpSpPr>
+      <p:grpSpPr>
+        <a:xfrm>
+          <a:off x="0" y="0"/>
+          <a:ext cx="0" cy="0"/>
+          <a:chOff x="0" y="0"/>
+          <a:chExt cx="0" cy="0"/>
+        </a:xfrm>
+      </p:grpSpPr>
+      <p:sp>
+        <p:nvSpPr>
+          <p:cNvPr id="2" name="Folienbildplatzhalter 1">
+            <a:extLst>
+              <a:ext uri="{FF2B5EF4-FFF2-40B4-BE49-F238E27FC236}">
+                <a16:creationId xmlns:a16="http://schemas.microsoft.com/office/drawing/2014/main" id="{5CBF9DA9-5754-6813-5048-8BCEA98DBB45}"/>
+              </a:ext>
+            </a:extLst>
+          </p:cNvPr>
+          <p:cNvSpPr>
+            <a:spLocks noGrp="1" noRot="1" noChangeAspect="1"/>
+          </p:cNvSpPr>
+          <p:nvPr>
+            <p:ph type="sldImg"/>
+          </p:nvPr>
+        </p:nvSpPr>
+        <p:spPr/>
+      </p:sp>
+      <p:sp>
+        <p:nvSpPr>
+          <p:cNvPr id="3" name="Notizenplatzhalter 2">
+            <a:extLst>
+              <a:ext uri="{FF2B5EF4-FFF2-40B4-BE49-F238E27FC236}">
+                <a16:creationId xmlns:a16="http://schemas.microsoft.com/office/drawing/2014/main" id="{91967958-81CF-353C-6B4B-F7DC173DA96F}"/>
+              </a:ext>
+            </a:extLst>
+          </p:cNvPr>
+          <p:cNvSpPr>
+            <a:spLocks noGrp="1"/>
+          </p:cNvSpPr>
+          <p:nvPr>
+            <p:ph type="body" idx="1"/>
+          </p:nvPr>
+        </p:nvSpPr>
+        <p:spPr/>
+        <p:txBody>
+          <a:bodyPr/>
+          <a:lstStyle/>
+          <a:p>
+            <a:endParaRPr lang="de-DE" dirty="0"/>
+          </a:p>
+        </p:txBody>
+      </p:sp>
+      <p:sp>
+        <p:nvSpPr>
+          <p:cNvPr id="4" name="Foliennummernplatzhalter 3">
+            <a:extLst>
+              <a:ext uri="{FF2B5EF4-FFF2-40B4-BE49-F238E27FC236}">
+                <a16:creationId xmlns:a16="http://schemas.microsoft.com/office/drawing/2014/main" id="{B00E909A-8BA6-6FDB-338A-EC141D12ACFF}"/>
+              </a:ext>
+            </a:extLst>
+          </p:cNvPr>
+          <p:cNvSpPr>
+            <a:spLocks noGrp="1"/>
+          </p:cNvSpPr>
+          <p:nvPr>
+            <p:ph type="sldNum" sz="quarter" idx="5"/>
+          </p:nvPr>
+        </p:nvSpPr>
+        <p:spPr/>
+        <p:txBody>
+          <a:bodyPr/>
+          <a:lstStyle/>
+          <a:p>
+            <a:pPr rtl="0"/>
+            <a:fld id="{A89C7E07-3C67-C64C-8DA0-0404F6303970}" type="slidenum">
+              <a:rPr lang="de-DE" smtClean="0"/>
+              <a:t>5</a:t>
+            </a:fld>
+            <a:endParaRPr lang="de-DE" dirty="0"/>
+          </a:p>
+        </p:txBody>
+      </p:sp>
+    </p:spTree>
+    <p:extLst>
+      <p:ext uri="{BB962C8B-B14F-4D97-AF65-F5344CB8AC3E}">
+        <p14:creationId xmlns:p14="http://schemas.microsoft.com/office/powerpoint/2010/main" val="3288025943"/>
+      </p:ext>
+    </p:extLst>
+  </p:cSld>
+  <p:clrMapOvr>
+    <a:masterClrMapping/>
+  </p:clrMapOvr>
+</p:notes>
+</file>
+
+<file path=ppt/notesSlides/notesSlide6.xml><?xml version="1.0" encoding="utf-8"?>
+<p:notes xmlns:a="http://schemas.openxmlformats.org/drawingml/2006/main" xmlns:r="http://schemas.openxmlformats.org/officeDocument/2006/relationships" xmlns:p="http://schemas.openxmlformats.org/presentationml/2006/main">
+  <p:cSld>
+    <p:spTree>
+      <p:nvGrpSpPr>
+        <p:cNvPr id="1" name="">
+          <a:extLst>
+            <a:ext uri="{FF2B5EF4-FFF2-40B4-BE49-F238E27FC236}">
+              <a16:creationId xmlns:a16="http://schemas.microsoft.com/office/drawing/2014/main" id="{8495848D-D356-D670-0A85-42F45FC377B0}"/>
+            </a:ext>
+          </a:extLst>
+        </p:cNvPr>
+        <p:cNvGrpSpPr/>
+        <p:nvPr/>
+      </p:nvGrpSpPr>
+      <p:grpSpPr>
+        <a:xfrm>
+          <a:off x="0" y="0"/>
+          <a:ext cx="0" cy="0"/>
+          <a:chOff x="0" y="0"/>
+          <a:chExt cx="0" cy="0"/>
+        </a:xfrm>
+      </p:grpSpPr>
+      <p:sp>
+        <p:nvSpPr>
+          <p:cNvPr id="2" name="Folienbildplatzhalter 1">
+            <a:extLst>
+              <a:ext uri="{FF2B5EF4-FFF2-40B4-BE49-F238E27FC236}">
+                <a16:creationId xmlns:a16="http://schemas.microsoft.com/office/drawing/2014/main" id="{E65CC8D7-F0FF-008A-487C-AB5EF602968D}"/>
+              </a:ext>
+            </a:extLst>
+          </p:cNvPr>
+          <p:cNvSpPr>
+            <a:spLocks noGrp="1" noRot="1" noChangeAspect="1"/>
+          </p:cNvSpPr>
+          <p:nvPr>
+            <p:ph type="sldImg"/>
+          </p:nvPr>
+        </p:nvSpPr>
+        <p:spPr/>
+      </p:sp>
+      <p:sp>
+        <p:nvSpPr>
+          <p:cNvPr id="3" name="Notizenplatzhalter 2">
+            <a:extLst>
+              <a:ext uri="{FF2B5EF4-FFF2-40B4-BE49-F238E27FC236}">
+                <a16:creationId xmlns:a16="http://schemas.microsoft.com/office/drawing/2014/main" id="{A3D55487-5611-A9BC-0D26-35750550D64A}"/>
+              </a:ext>
+            </a:extLst>
+          </p:cNvPr>
+          <p:cNvSpPr>
+            <a:spLocks noGrp="1"/>
+          </p:cNvSpPr>
+          <p:nvPr>
+            <p:ph type="body" idx="1"/>
+          </p:nvPr>
+        </p:nvSpPr>
+        <p:spPr/>
+        <p:txBody>
+          <a:bodyPr/>
+          <a:lstStyle/>
+          <a:p>
+            <a:endParaRPr lang="de-DE" dirty="0"/>
+          </a:p>
+        </p:txBody>
+      </p:sp>
+      <p:sp>
+        <p:nvSpPr>
+          <p:cNvPr id="4" name="Foliennummernplatzhalter 3">
+            <a:extLst>
+              <a:ext uri="{FF2B5EF4-FFF2-40B4-BE49-F238E27FC236}">
+                <a16:creationId xmlns:a16="http://schemas.microsoft.com/office/drawing/2014/main" id="{03B59CBA-8597-7DFD-0777-FA969E108668}"/>
+              </a:ext>
+            </a:extLst>
+          </p:cNvPr>
+          <p:cNvSpPr>
+            <a:spLocks noGrp="1"/>
+          </p:cNvSpPr>
+          <p:nvPr>
+            <p:ph type="sldNum" sz="quarter" idx="5"/>
+          </p:nvPr>
+        </p:nvSpPr>
+        <p:spPr/>
+        <p:txBody>
+          <a:bodyPr/>
+          <a:lstStyle/>
+          <a:p>
+            <a:pPr rtl="0"/>
+            <a:fld id="{A89C7E07-3C67-C64C-8DA0-0404F6303970}" type="slidenum">
+              <a:rPr lang="de-DE" smtClean="0"/>
+              <a:t>6</a:t>
+            </a:fld>
+            <a:endParaRPr lang="de-DE" dirty="0"/>
+          </a:p>
+        </p:txBody>
+      </p:sp>
+    </p:spTree>
+    <p:extLst>
+      <p:ext uri="{BB962C8B-B14F-4D97-AF65-F5344CB8AC3E}">
+        <p14:creationId xmlns:p14="http://schemas.microsoft.com/office/powerpoint/2010/main" val="3880704867"/>
+      </p:ext>
+    </p:extLst>
+  </p:cSld>
+  <p:clrMapOvr>
+    <a:masterClrMapping/>
+  </p:clrMapOvr>
+</p:notes>
+</file>
+
+<file path=ppt/notesSlides/notesSlide7.xml><?xml version="1.0" encoding="utf-8"?>
+<p:notes xmlns:a="http://schemas.openxmlformats.org/drawingml/2006/main" xmlns:r="http://schemas.openxmlformats.org/officeDocument/2006/relationships" xmlns:p="http://schemas.openxmlformats.org/presentationml/2006/main">
+  <p:cSld>
+    <p:spTree>
+      <p:nvGrpSpPr>
+        <p:cNvPr id="1" name="">
+          <a:extLst>
+            <a:ext uri="{FF2B5EF4-FFF2-40B4-BE49-F238E27FC236}">
+              <a16:creationId xmlns:a16="http://schemas.microsoft.com/office/drawing/2014/main" id="{A6A3B015-1847-7B7A-56CB-BEC3C8260730}"/>
+            </a:ext>
+          </a:extLst>
+        </p:cNvPr>
+        <p:cNvGrpSpPr/>
+        <p:nvPr/>
+      </p:nvGrpSpPr>
+      <p:grpSpPr>
+        <a:xfrm>
+          <a:off x="0" y="0"/>
+          <a:ext cx="0" cy="0"/>
+          <a:chOff x="0" y="0"/>
+          <a:chExt cx="0" cy="0"/>
+        </a:xfrm>
+      </p:grpSpPr>
+      <p:sp>
+        <p:nvSpPr>
+          <p:cNvPr id="2" name="Folienbildplatzhalter 1">
+            <a:extLst>
+              <a:ext uri="{FF2B5EF4-FFF2-40B4-BE49-F238E27FC236}">
+                <a16:creationId xmlns:a16="http://schemas.microsoft.com/office/drawing/2014/main" id="{1E8ACD04-F2C8-6098-CCF2-59CE1CDC3A57}"/>
+              </a:ext>
+            </a:extLst>
+          </p:cNvPr>
+          <p:cNvSpPr>
+            <a:spLocks noGrp="1" noRot="1" noChangeAspect="1"/>
+          </p:cNvSpPr>
+          <p:nvPr>
+            <p:ph type="sldImg"/>
+          </p:nvPr>
+        </p:nvSpPr>
+        <p:spPr/>
+      </p:sp>
+      <p:sp>
+        <p:nvSpPr>
+          <p:cNvPr id="3" name="Notizenplatzhalter 2">
+            <a:extLst>
+              <a:ext uri="{FF2B5EF4-FFF2-40B4-BE49-F238E27FC236}">
+                <a16:creationId xmlns:a16="http://schemas.microsoft.com/office/drawing/2014/main" id="{EC273C8C-279C-BF8B-F3A5-9550D58832A8}"/>
+              </a:ext>
+            </a:extLst>
+          </p:cNvPr>
+          <p:cNvSpPr>
+            <a:spLocks noGrp="1"/>
+          </p:cNvSpPr>
+          <p:nvPr>
+            <p:ph type="body" idx="1"/>
+          </p:nvPr>
+        </p:nvSpPr>
+        <p:spPr/>
+        <p:txBody>
+          <a:bodyPr/>
+          <a:lstStyle/>
+          <a:p>
+            <a:endParaRPr lang="de-DE" dirty="0"/>
+          </a:p>
+        </p:txBody>
+      </p:sp>
+      <p:sp>
+        <p:nvSpPr>
+          <p:cNvPr id="4" name="Foliennummernplatzhalter 3">
+            <a:extLst>
+              <a:ext uri="{FF2B5EF4-FFF2-40B4-BE49-F238E27FC236}">
+                <a16:creationId xmlns:a16="http://schemas.microsoft.com/office/drawing/2014/main" id="{45E1FC36-8FEE-CEC3-BA05-FCE8DE5AB066}"/>
+              </a:ext>
+            </a:extLst>
+          </p:cNvPr>
+          <p:cNvSpPr>
+            <a:spLocks noGrp="1"/>
+          </p:cNvSpPr>
+          <p:nvPr>
+            <p:ph type="sldNum" sz="quarter" idx="5"/>
+          </p:nvPr>
+        </p:nvSpPr>
+        <p:spPr/>
+        <p:txBody>
+          <a:bodyPr/>
+          <a:lstStyle/>
+          <a:p>
+            <a:pPr rtl="0"/>
+            <a:fld id="{A89C7E07-3C67-C64C-8DA0-0404F6303970}" type="slidenum">
+              <a:rPr lang="de-DE" smtClean="0"/>
               <a:t>7</a:t>
+            </a:fld>
+            <a:endParaRPr lang="de-DE" dirty="0"/>
+          </a:p>
+        </p:txBody>
+      </p:sp>
+    </p:spTree>
+    <p:extLst>
+      <p:ext uri="{BB962C8B-B14F-4D97-AF65-F5344CB8AC3E}">
+        <p14:creationId xmlns:p14="http://schemas.microsoft.com/office/powerpoint/2010/main" val="289891795"/>
+      </p:ext>
+    </p:extLst>
+  </p:cSld>
+  <p:clrMapOvr>
+    <a:masterClrMapping/>
+  </p:clrMapOvr>
+</p:notes>
+</file>
+
+<file path=ppt/notesSlides/notesSlide8.xml><?xml version="1.0" encoding="utf-8"?>
+<p:notes xmlns:a="http://schemas.openxmlformats.org/drawingml/2006/main" xmlns:r="http://schemas.openxmlformats.org/officeDocument/2006/relationships" xmlns:p="http://schemas.openxmlformats.org/presentationml/2006/main">
+  <p:cSld>
+    <p:spTree>
+      <p:nvGrpSpPr>
+        <p:cNvPr id="1" name=""/>
+        <p:cNvGrpSpPr/>
+        <p:nvPr/>
+      </p:nvGrpSpPr>
+      <p:grpSpPr>
+        <a:xfrm>
+          <a:off x="0" y="0"/>
+          <a:ext cx="0" cy="0"/>
+          <a:chOff x="0" y="0"/>
+          <a:chExt cx="0" cy="0"/>
+        </a:xfrm>
+      </p:grpSpPr>
+      <p:sp>
+        <p:nvSpPr>
+          <p:cNvPr id="2" name="Folienbildplatzhalter 1"/>
+          <p:cNvSpPr>
+            <a:spLocks noGrp="1" noRot="1" noChangeAspect="1"/>
+          </p:cNvSpPr>
+          <p:nvPr>
+            <p:ph type="sldImg"/>
+          </p:nvPr>
+        </p:nvSpPr>
+        <p:spPr/>
+      </p:sp>
+      <p:sp>
+        <p:nvSpPr>
+          <p:cNvPr id="3" name="Notizenplatzhalter 2"/>
+          <p:cNvSpPr>
+            <a:spLocks noGrp="1"/>
+          </p:cNvSpPr>
+          <p:nvPr>
+            <p:ph type="body" idx="1"/>
+          </p:nvPr>
+        </p:nvSpPr>
+        <p:spPr/>
+        <p:txBody>
+          <a:bodyPr/>
+          <a:lstStyle/>
+          <a:p>
+            <a:endParaRPr lang="de-DE" dirty="0"/>
+          </a:p>
+        </p:txBody>
+      </p:sp>
+      <p:sp>
+        <p:nvSpPr>
+          <p:cNvPr id="4" name="Foliennummernplatzhalter 3"/>
+          <p:cNvSpPr>
+            <a:spLocks noGrp="1"/>
+          </p:cNvSpPr>
+          <p:nvPr>
+            <p:ph type="sldNum" sz="quarter" idx="5"/>
+          </p:nvPr>
+        </p:nvSpPr>
+        <p:spPr/>
+        <p:txBody>
+          <a:bodyPr/>
+          <a:lstStyle/>
+          <a:p>
+            <a:pPr rtl="0"/>
+            <a:fld id="{A89C7E07-3C67-C64C-8DA0-0404F6303970}" type="slidenum">
+              <a:rPr lang="de-DE" smtClean="0"/>
+              <a:t>8</a:t>
             </a:fld>
             <a:endParaRPr lang="de-DE" dirty="0"/>
           </a:p>
@@ -1738,7 +2076,7 @@
 </p:notes>
 </file>
 
-<file path=ppt/notesSlides/notesSlide8.xml><?xml version="1.0" encoding="utf-8"?>
+<file path=ppt/notesSlides/notesSlide9.xml><?xml version="1.0" encoding="utf-8"?>
 <p:notes xmlns:a="http://schemas.openxmlformats.org/drawingml/2006/main" xmlns:r="http://schemas.openxmlformats.org/officeDocument/2006/relationships" xmlns:p="http://schemas.openxmlformats.org/presentationml/2006/main">
   <p:cSld>
     <p:spTree>
@@ -1828,7 +2166,7 @@
             <a:pPr rtl="0"/>
             <a:fld id="{A89C7E07-3C67-C64C-8DA0-0404F6303970}" type="slidenum">
               <a:rPr lang="de-DE" smtClean="0"/>
-              <a:t>8</a:t>
+              <a:t>9</a:t>
             </a:fld>
             <a:endParaRPr lang="de-DE" dirty="0"/>
           </a:p>
@@ -1838,115 +2176,6 @@
     <p:extLst>
       <p:ext uri="{BB962C8B-B14F-4D97-AF65-F5344CB8AC3E}">
         <p14:creationId xmlns:p14="http://schemas.microsoft.com/office/powerpoint/2010/main" val="1373115249"/>
-      </p:ext>
-    </p:extLst>
-  </p:cSld>
-  <p:clrMapOvr>
-    <a:masterClrMapping/>
-  </p:clrMapOvr>
-</p:notes>
-</file>
-
-<file path=ppt/notesSlides/notesSlide9.xml><?xml version="1.0" encoding="utf-8"?>
-<p:notes xmlns:a="http://schemas.openxmlformats.org/drawingml/2006/main" xmlns:r="http://schemas.openxmlformats.org/officeDocument/2006/relationships" xmlns:p="http://schemas.openxmlformats.org/presentationml/2006/main">
-  <p:cSld>
-    <p:spTree>
-      <p:nvGrpSpPr>
-        <p:cNvPr id="1" name="">
-          <a:extLst>
-            <a:ext uri="{FF2B5EF4-FFF2-40B4-BE49-F238E27FC236}">
-              <a16:creationId xmlns:a16="http://schemas.microsoft.com/office/drawing/2014/main" id="{6CA5F9D3-CA87-42C6-D630-40213C6D8EA5}"/>
-            </a:ext>
-          </a:extLst>
-        </p:cNvPr>
-        <p:cNvGrpSpPr/>
-        <p:nvPr/>
-      </p:nvGrpSpPr>
-      <p:grpSpPr>
-        <a:xfrm>
-          <a:off x="0" y="0"/>
-          <a:ext cx="0" cy="0"/>
-          <a:chOff x="0" y="0"/>
-          <a:chExt cx="0" cy="0"/>
-        </a:xfrm>
-      </p:grpSpPr>
-      <p:sp>
-        <p:nvSpPr>
-          <p:cNvPr id="2" name="Folienbildplatzhalter 1">
-            <a:extLst>
-              <a:ext uri="{FF2B5EF4-FFF2-40B4-BE49-F238E27FC236}">
-                <a16:creationId xmlns:a16="http://schemas.microsoft.com/office/drawing/2014/main" id="{D232263B-B386-26E9-EC37-F29AE1C7DB0E}"/>
-              </a:ext>
-            </a:extLst>
-          </p:cNvPr>
-          <p:cNvSpPr>
-            <a:spLocks noGrp="1" noRot="1" noChangeAspect="1"/>
-          </p:cNvSpPr>
-          <p:nvPr>
-            <p:ph type="sldImg"/>
-          </p:nvPr>
-        </p:nvSpPr>
-        <p:spPr/>
-      </p:sp>
-      <p:sp>
-        <p:nvSpPr>
-          <p:cNvPr id="3" name="Notizenplatzhalter 2">
-            <a:extLst>
-              <a:ext uri="{FF2B5EF4-FFF2-40B4-BE49-F238E27FC236}">
-                <a16:creationId xmlns:a16="http://schemas.microsoft.com/office/drawing/2014/main" id="{424B02D5-8EDB-A875-81BA-C8999C9805A7}"/>
-              </a:ext>
-            </a:extLst>
-          </p:cNvPr>
-          <p:cNvSpPr>
-            <a:spLocks noGrp="1"/>
-          </p:cNvSpPr>
-          <p:nvPr>
-            <p:ph type="body" idx="1"/>
-          </p:nvPr>
-        </p:nvSpPr>
-        <p:spPr/>
-        <p:txBody>
-          <a:bodyPr/>
-          <a:lstStyle/>
-          <a:p>
-            <a:endParaRPr lang="de-DE" dirty="0"/>
-          </a:p>
-        </p:txBody>
-      </p:sp>
-      <p:sp>
-        <p:nvSpPr>
-          <p:cNvPr id="4" name="Foliennummernplatzhalter 3">
-            <a:extLst>
-              <a:ext uri="{FF2B5EF4-FFF2-40B4-BE49-F238E27FC236}">
-                <a16:creationId xmlns:a16="http://schemas.microsoft.com/office/drawing/2014/main" id="{0AF8E69A-6BF7-58BC-9662-1051626D08AC}"/>
-              </a:ext>
-            </a:extLst>
-          </p:cNvPr>
-          <p:cNvSpPr>
-            <a:spLocks noGrp="1"/>
-          </p:cNvSpPr>
-          <p:nvPr>
-            <p:ph type="sldNum" sz="quarter" idx="5"/>
-          </p:nvPr>
-        </p:nvSpPr>
-        <p:spPr/>
-        <p:txBody>
-          <a:bodyPr/>
-          <a:lstStyle/>
-          <a:p>
-            <a:pPr rtl="0"/>
-            <a:fld id="{A89C7E07-3C67-C64C-8DA0-0404F6303970}" type="slidenum">
-              <a:rPr lang="de-DE" smtClean="0"/>
-              <a:t>9</a:t>
-            </a:fld>
-            <a:endParaRPr lang="de-DE" dirty="0"/>
-          </a:p>
-        </p:txBody>
-      </p:sp>
-    </p:spTree>
-    <p:extLst>
-      <p:ext uri="{BB962C8B-B14F-4D97-AF65-F5344CB8AC3E}">
-        <p14:creationId xmlns:p14="http://schemas.microsoft.com/office/powerpoint/2010/main" val="68440800"/>
       </p:ext>
     </p:extLst>
   </p:cSld>
@@ -11222,6 +11451,707 @@
         <p:cNvPr id="1" name="">
           <a:extLst>
             <a:ext uri="{FF2B5EF4-FFF2-40B4-BE49-F238E27FC236}">
+              <a16:creationId xmlns:a16="http://schemas.microsoft.com/office/drawing/2014/main" id="{15DC26FD-66DB-7B8F-D276-267EE8AF947B}"/>
+            </a:ext>
+          </a:extLst>
+        </p:cNvPr>
+        <p:cNvGrpSpPr/>
+        <p:nvPr/>
+      </p:nvGrpSpPr>
+      <p:grpSpPr>
+        <a:xfrm>
+          <a:off x="0" y="0"/>
+          <a:ext cx="0" cy="0"/>
+          <a:chOff x="0" y="0"/>
+          <a:chExt cx="0" cy="0"/>
+        </a:xfrm>
+      </p:grpSpPr>
+      <p:sp>
+        <p:nvSpPr>
+          <p:cNvPr id="2" name="Titel 1">
+            <a:extLst>
+              <a:ext uri="{FF2B5EF4-FFF2-40B4-BE49-F238E27FC236}">
+                <a16:creationId xmlns:a16="http://schemas.microsoft.com/office/drawing/2014/main" id="{5E3F2DAB-012C-3EA9-D6F3-C78B913B4E76}"/>
+              </a:ext>
+            </a:extLst>
+          </p:cNvPr>
+          <p:cNvSpPr>
+            <a:spLocks noGrp="1"/>
+          </p:cNvSpPr>
+          <p:nvPr>
+            <p:ph type="title"/>
+          </p:nvPr>
+        </p:nvSpPr>
+        <p:spPr>
+          <a:xfrm>
+            <a:off x="432314" y="227903"/>
+            <a:ext cx="10873740" cy="1253656"/>
+          </a:xfrm>
+        </p:spPr>
+        <p:txBody>
+          <a:bodyPr/>
+          <a:lstStyle/>
+          <a:p>
+            <a:r>
+              <a:rPr lang="de-DE" dirty="0"/>
+              <a:t>Auslegung des Lehrplans zum Umgang mit Sprachmodellen</a:t>
+            </a:r>
+          </a:p>
+        </p:txBody>
+      </p:sp>
+      <p:sp>
+        <p:nvSpPr>
+          <p:cNvPr id="5" name="Textfeld 4">
+            <a:extLst>
+              <a:ext uri="{FF2B5EF4-FFF2-40B4-BE49-F238E27FC236}">
+                <a16:creationId xmlns:a16="http://schemas.microsoft.com/office/drawing/2014/main" id="{70C425E4-F485-530F-07A8-71384DB1474C}"/>
+              </a:ext>
+            </a:extLst>
+          </p:cNvPr>
+          <p:cNvSpPr txBox="1"/>
+          <p:nvPr/>
+        </p:nvSpPr>
+        <p:spPr>
+          <a:xfrm>
+            <a:off x="1068247" y="2017448"/>
+            <a:ext cx="10703206" cy="3200107"/>
+          </a:xfrm>
+          <a:prstGeom prst="rect">
+            <a:avLst/>
+          </a:prstGeom>
+          <a:noFill/>
+        </p:spPr>
+        <p:txBody>
+          <a:bodyPr wrap="square">
+            <a:spAutoFit/>
+          </a:bodyPr>
+          <a:lstStyle/>
+          <a:p>
+            <a:pPr algn="just">
+              <a:spcAft>
+                <a:spcPts val="1200"/>
+              </a:spcAft>
+              <a:buNone/>
+            </a:pPr>
+            <a:r>
+              <a:rPr lang="de-DE" sz="1800" b="1" dirty="0">
+                <a:solidFill>
+                  <a:srgbClr val="000000"/>
+                </a:solidFill>
+                <a:effectLst/>
+                <a:latin typeface="Calibri" panose="020F0502020204030204" pitchFamily="34" charset="0"/>
+              </a:rPr>
+              <a:t>Kompetenzerwartungen</a:t>
+            </a:r>
+            <a:endParaRPr lang="de-DE" sz="3600" dirty="0">
+              <a:effectLst/>
+            </a:endParaRPr>
+          </a:p>
+          <a:p>
+            <a:pPr algn="just">
+              <a:spcBef>
+                <a:spcPts val="500"/>
+              </a:spcBef>
+              <a:spcAft>
+                <a:spcPts val="500"/>
+              </a:spcAft>
+              <a:buNone/>
+            </a:pPr>
+            <a:r>
+              <a:rPr lang="de-DE" sz="1800" dirty="0">
+                <a:solidFill>
+                  <a:srgbClr val="000000"/>
+                </a:solidFill>
+                <a:effectLst/>
+                <a:latin typeface="Calibri" panose="020F0502020204030204" pitchFamily="34" charset="0"/>
+              </a:rPr>
+              <a:t>Die Schülerinnen und Schüler …</a:t>
+            </a:r>
+            <a:endParaRPr lang="de-DE" sz="3600" dirty="0">
+              <a:effectLst/>
+            </a:endParaRPr>
+          </a:p>
+          <a:p>
+            <a:pPr marL="457200" indent="-228600">
+              <a:lnSpc>
+                <a:spcPct val="114000"/>
+              </a:lnSpc>
+              <a:spcAft>
+                <a:spcPts val="800"/>
+              </a:spcAft>
+              <a:buFont typeface="Arial" panose="020B0604020202020204" pitchFamily="34" charset="0"/>
+              <a:buChar char="•"/>
+            </a:pPr>
+            <a:r>
+              <a:rPr lang="de-DE" sz="1800" dirty="0">
+                <a:solidFill>
+                  <a:srgbClr val="000000"/>
+                </a:solidFill>
+                <a:effectLst/>
+                <a:highlight>
+                  <a:srgbClr val="00FF00"/>
+                </a:highlight>
+                <a:latin typeface="Calibri" panose="020F0502020204030204" pitchFamily="34" charset="0"/>
+              </a:rPr>
+              <a:t>wenden Sprachmodelle                 an, vergleichen unterschiedliche Modelle und bewerten deren Ausgaben.</a:t>
+            </a:r>
+            <a:endParaRPr lang="de-DE" sz="3600" dirty="0">
+              <a:effectLst/>
+              <a:highlight>
+                <a:srgbClr val="00FF00"/>
+              </a:highlight>
+            </a:endParaRPr>
+          </a:p>
+          <a:p>
+            <a:pPr marL="457200" indent="-228600">
+              <a:lnSpc>
+                <a:spcPct val="114000"/>
+              </a:lnSpc>
+              <a:spcAft>
+                <a:spcPts val="800"/>
+              </a:spcAft>
+              <a:buFont typeface="Arial" panose="020B0604020202020204" pitchFamily="34" charset="0"/>
+              <a:buChar char="•"/>
+            </a:pPr>
+            <a:r>
+              <a:rPr lang="de-DE" sz="1800" dirty="0">
+                <a:solidFill>
+                  <a:srgbClr val="000000"/>
+                </a:solidFill>
+                <a:effectLst/>
+                <a:latin typeface="Calibri" panose="020F0502020204030204" pitchFamily="34" charset="0"/>
+              </a:rPr>
+              <a:t>beschreiben und bewerten die Grenzen der KI-Systeme.</a:t>
+            </a:r>
+            <a:endParaRPr lang="de-DE" sz="3600" dirty="0">
+              <a:effectLst/>
+            </a:endParaRPr>
+          </a:p>
+          <a:p>
+            <a:pPr algn="just">
+              <a:spcBef>
+                <a:spcPts val="600"/>
+              </a:spcBef>
+              <a:spcAft>
+                <a:spcPts val="600"/>
+              </a:spcAft>
+              <a:buNone/>
+            </a:pPr>
+            <a:r>
+              <a:rPr lang="de-DE" sz="1800" b="1" dirty="0">
+                <a:solidFill>
+                  <a:srgbClr val="000000"/>
+                </a:solidFill>
+                <a:effectLst/>
+                <a:latin typeface="Calibri" panose="020F0502020204030204" pitchFamily="34" charset="0"/>
+              </a:rPr>
+              <a:t>Inhalte </a:t>
+            </a:r>
+          </a:p>
+          <a:p>
+            <a:pPr algn="just">
+              <a:spcBef>
+                <a:spcPts val="600"/>
+              </a:spcBef>
+              <a:spcAft>
+                <a:spcPts val="600"/>
+              </a:spcAft>
+              <a:buNone/>
+            </a:pPr>
+            <a:endParaRPr lang="de-DE" sz="3600" dirty="0">
+              <a:effectLst/>
+            </a:endParaRPr>
+          </a:p>
+          <a:p>
+            <a:pPr marL="457200" indent="-228600">
+              <a:lnSpc>
+                <a:spcPct val="114000"/>
+              </a:lnSpc>
+              <a:spcAft>
+                <a:spcPts val="800"/>
+              </a:spcAft>
+              <a:buFont typeface="Arial" panose="020B0604020202020204" pitchFamily="34" charset="0"/>
+              <a:buChar char="•"/>
+            </a:pPr>
+            <a:r>
+              <a:rPr lang="de-DE" sz="1800" dirty="0">
+                <a:solidFill>
+                  <a:srgbClr val="000000"/>
+                </a:solidFill>
+                <a:effectLst/>
+                <a:latin typeface="Calibri" panose="020F0502020204030204" pitchFamily="34" charset="0"/>
+              </a:rPr>
+              <a:t>Grenzen (z. B. Halluzinationen, Aktualität bzw. Umfang der Trainingsdaten</a:t>
+            </a:r>
+            <a:r>
+              <a:rPr lang="de-DE" sz="1800">
+                <a:solidFill>
+                  <a:srgbClr val="000000"/>
+                </a:solidFill>
+                <a:effectLst/>
+                <a:latin typeface="Calibri" panose="020F0502020204030204" pitchFamily="34" charset="0"/>
+              </a:rPr>
+              <a:t>, Bias)</a:t>
+            </a:r>
+            <a:endParaRPr lang="de-DE" dirty="0"/>
+          </a:p>
+        </p:txBody>
+      </p:sp>
+      <p:sp>
+        <p:nvSpPr>
+          <p:cNvPr id="7" name="Textfeld 6">
+            <a:extLst>
+              <a:ext uri="{FF2B5EF4-FFF2-40B4-BE49-F238E27FC236}">
+                <a16:creationId xmlns:a16="http://schemas.microsoft.com/office/drawing/2014/main" id="{AED5E273-DF1C-7B98-1920-5E4316A4C81F}"/>
+              </a:ext>
+            </a:extLst>
+          </p:cNvPr>
+          <p:cNvSpPr txBox="1"/>
+          <p:nvPr/>
+        </p:nvSpPr>
+        <p:spPr>
+          <a:xfrm>
+            <a:off x="3801318" y="2860168"/>
+            <a:ext cx="1013749" cy="369332"/>
+          </a:xfrm>
+          <a:prstGeom prst="rect">
+            <a:avLst/>
+          </a:prstGeom>
+          <a:noFill/>
+        </p:spPr>
+        <p:txBody>
+          <a:bodyPr wrap="square">
+            <a:spAutoFit/>
+          </a:bodyPr>
+          <a:lstStyle/>
+          <a:p>
+            <a:r>
+              <a:rPr lang="de-DE" sz="1800" b="1" dirty="0">
+                <a:solidFill>
+                  <a:srgbClr val="000000"/>
+                </a:solidFill>
+                <a:effectLst/>
+                <a:highlight>
+                  <a:srgbClr val="FFFF00"/>
+                </a:highlight>
+                <a:latin typeface="Calibri" panose="020F0502020204030204" pitchFamily="34" charset="0"/>
+              </a:rPr>
+              <a:t>effizient</a:t>
+            </a:r>
+            <a:endParaRPr lang="de-DE" b="1" dirty="0">
+              <a:highlight>
+                <a:srgbClr val="FFFF00"/>
+              </a:highlight>
+            </a:endParaRPr>
+          </a:p>
+        </p:txBody>
+      </p:sp>
+      <p:sp>
+        <p:nvSpPr>
+          <p:cNvPr id="3" name="Textfeld 2">
+            <a:extLst>
+              <a:ext uri="{FF2B5EF4-FFF2-40B4-BE49-F238E27FC236}">
+                <a16:creationId xmlns:a16="http://schemas.microsoft.com/office/drawing/2014/main" id="{8A72A6C2-E326-9F22-0CB1-32834DAC2843}"/>
+              </a:ext>
+            </a:extLst>
+          </p:cNvPr>
+          <p:cNvSpPr txBox="1"/>
+          <p:nvPr/>
+        </p:nvSpPr>
+        <p:spPr>
+          <a:xfrm>
+            <a:off x="1068779" y="4319057"/>
+            <a:ext cx="6094070" cy="388440"/>
+          </a:xfrm>
+          <a:prstGeom prst="rect">
+            <a:avLst/>
+          </a:prstGeom>
+          <a:noFill/>
+        </p:spPr>
+        <p:txBody>
+          <a:bodyPr wrap="square">
+            <a:spAutoFit/>
+          </a:bodyPr>
+          <a:lstStyle/>
+          <a:p>
+            <a:pPr marL="457200" indent="-228600">
+              <a:lnSpc>
+                <a:spcPct val="114000"/>
+              </a:lnSpc>
+              <a:spcAft>
+                <a:spcPts val="800"/>
+              </a:spcAft>
+              <a:buFont typeface="Arial" panose="020B0604020202020204" pitchFamily="34" charset="0"/>
+              <a:buChar char="•"/>
+            </a:pPr>
+            <a:r>
+              <a:rPr lang="de-DE" sz="1800" dirty="0">
+                <a:solidFill>
+                  <a:srgbClr val="000000"/>
+                </a:solidFill>
+                <a:effectLst/>
+                <a:highlight>
+                  <a:srgbClr val="FFFF00"/>
+                </a:highlight>
+                <a:latin typeface="Calibri" panose="020F0502020204030204" pitchFamily="34" charset="0"/>
+              </a:rPr>
+              <a:t>Einblick in </a:t>
+            </a:r>
+            <a:r>
+              <a:rPr lang="de-DE" sz="1800" dirty="0" err="1">
+                <a:solidFill>
+                  <a:srgbClr val="000000"/>
+                </a:solidFill>
+                <a:effectLst/>
+                <a:highlight>
+                  <a:srgbClr val="FFFF00"/>
+                </a:highlight>
+                <a:latin typeface="Calibri" panose="020F0502020204030204" pitchFamily="34" charset="0"/>
+              </a:rPr>
+              <a:t>Prompting</a:t>
+            </a:r>
+            <a:r>
+              <a:rPr lang="de-DE" sz="1800" dirty="0">
+                <a:solidFill>
+                  <a:srgbClr val="000000"/>
+                </a:solidFill>
+                <a:effectLst/>
+                <a:highlight>
+                  <a:srgbClr val="FFFF00"/>
+                </a:highlight>
+                <a:latin typeface="Calibri" panose="020F0502020204030204" pitchFamily="34" charset="0"/>
+              </a:rPr>
+              <a:t>-Techniken</a:t>
+            </a:r>
+            <a:endParaRPr lang="de-DE" sz="3600" dirty="0">
+              <a:effectLst/>
+              <a:highlight>
+                <a:srgbClr val="FFFF00"/>
+              </a:highlight>
+            </a:endParaRPr>
+          </a:p>
+        </p:txBody>
+      </p:sp>
+      <p:sp>
+        <p:nvSpPr>
+          <p:cNvPr id="6" name="Textfeld 5">
+            <a:extLst>
+              <a:ext uri="{FF2B5EF4-FFF2-40B4-BE49-F238E27FC236}">
+                <a16:creationId xmlns:a16="http://schemas.microsoft.com/office/drawing/2014/main" id="{5D1CD3EA-703B-FA0D-8762-BF0805EEED1F}"/>
+              </a:ext>
+            </a:extLst>
+          </p:cNvPr>
+          <p:cNvSpPr txBox="1"/>
+          <p:nvPr/>
+        </p:nvSpPr>
+        <p:spPr>
+          <a:xfrm>
+            <a:off x="1068247" y="4319057"/>
+            <a:ext cx="6094602" cy="388440"/>
+          </a:xfrm>
+          <a:prstGeom prst="rect">
+            <a:avLst/>
+          </a:prstGeom>
+          <a:noFill/>
+        </p:spPr>
+        <p:txBody>
+          <a:bodyPr wrap="square">
+            <a:spAutoFit/>
+          </a:bodyPr>
+          <a:lstStyle/>
+          <a:p>
+            <a:pPr marL="457200" indent="-228600">
+              <a:lnSpc>
+                <a:spcPct val="114000"/>
+              </a:lnSpc>
+              <a:spcAft>
+                <a:spcPts val="800"/>
+              </a:spcAft>
+              <a:buFont typeface="Arial" panose="020B0604020202020204" pitchFamily="34" charset="0"/>
+              <a:buChar char="•"/>
+            </a:pPr>
+            <a:r>
+              <a:rPr lang="de-DE" sz="1800" dirty="0">
+                <a:solidFill>
+                  <a:srgbClr val="000000"/>
+                </a:solidFill>
+                <a:effectLst/>
+                <a:latin typeface="Calibri" panose="020F0502020204030204" pitchFamily="34" charset="0"/>
+              </a:rPr>
+              <a:t>Aufbau </a:t>
+            </a:r>
+            <a:r>
+              <a:rPr lang="de-DE" dirty="0">
+                <a:solidFill>
+                  <a:srgbClr val="000000"/>
+                </a:solidFill>
+                <a:latin typeface="Calibri" panose="020F0502020204030204" pitchFamily="34" charset="0"/>
+              </a:rPr>
+              <a:t>effektiver</a:t>
+            </a:r>
+            <a:r>
+              <a:rPr lang="de-DE" sz="1800" dirty="0">
+                <a:solidFill>
+                  <a:srgbClr val="000000"/>
+                </a:solidFill>
+                <a:effectLst/>
+                <a:latin typeface="Calibri" panose="020F0502020204030204" pitchFamily="34" charset="0"/>
+              </a:rPr>
+              <a:t> und strukturierter Prompts</a:t>
+            </a:r>
+            <a:endParaRPr lang="de-DE" sz="3600" dirty="0">
+              <a:effectLst/>
+            </a:endParaRPr>
+          </a:p>
+        </p:txBody>
+      </p:sp>
+    </p:spTree>
+    <p:extLst>
+      <p:ext uri="{BB962C8B-B14F-4D97-AF65-F5344CB8AC3E}">
+        <p14:creationId xmlns:p14="http://schemas.microsoft.com/office/powerpoint/2010/main" val="2682109068"/>
+      </p:ext>
+    </p:extLst>
+  </p:cSld>
+  <p:clrMapOvr>
+    <a:masterClrMapping/>
+  </p:clrMapOvr>
+  <p:timing>
+    <p:tnLst>
+      <p:par>
+        <p:cTn id="1" dur="indefinite" restart="never" nodeType="tmRoot">
+          <p:childTnLst>
+            <p:seq concurrent="1" nextAc="seek">
+              <p:cTn id="2" dur="indefinite" nodeType="mainSeq">
+                <p:childTnLst>
+                  <p:par>
+                    <p:cTn id="3" fill="hold">
+                      <p:stCondLst>
+                        <p:cond delay="indefinite"/>
+                      </p:stCondLst>
+                      <p:childTnLst>
+                        <p:par>
+                          <p:cTn id="4" fill="hold">
+                            <p:stCondLst>
+                              <p:cond delay="0"/>
+                            </p:stCondLst>
+                            <p:childTnLst>
+                              <p:par>
+                                <p:cTn id="5" presetID="1" presetClass="entr" presetSubtype="0" fill="hold" grpId="0" nodeType="clickEffect">
+                                  <p:stCondLst>
+                                    <p:cond delay="0"/>
+                                  </p:stCondLst>
+                                  <p:childTnLst>
+                                    <p:set>
+                                      <p:cBhvr>
+                                        <p:cTn id="6" dur="1" fill="hold">
+                                          <p:stCondLst>
+                                            <p:cond delay="0"/>
+                                          </p:stCondLst>
+                                        </p:cTn>
+                                        <p:tgtEl>
+                                          <p:spTgt spid="7"/>
+                                        </p:tgtEl>
+                                        <p:attrNameLst>
+                                          <p:attrName>style.visibility</p:attrName>
+                                        </p:attrNameLst>
+                                      </p:cBhvr>
+                                      <p:to>
+                                        <p:strVal val="visible"/>
+                                      </p:to>
+                                    </p:set>
+                                  </p:childTnLst>
+                                </p:cTn>
+                              </p:par>
+                            </p:childTnLst>
+                          </p:cTn>
+                        </p:par>
+                      </p:childTnLst>
+                    </p:cTn>
+                  </p:par>
+                  <p:par>
+                    <p:cTn id="7" fill="hold">
+                      <p:stCondLst>
+                        <p:cond delay="indefinite"/>
+                      </p:stCondLst>
+                      <p:childTnLst>
+                        <p:par>
+                          <p:cTn id="8" fill="hold">
+                            <p:stCondLst>
+                              <p:cond delay="0"/>
+                            </p:stCondLst>
+                            <p:childTnLst>
+                              <p:par>
+                                <p:cTn id="9" presetID="1" presetClass="exit" presetSubtype="0" fill="hold" grpId="0" nodeType="clickEffect">
+                                  <p:stCondLst>
+                                    <p:cond delay="0"/>
+                                  </p:stCondLst>
+                                  <p:childTnLst>
+                                    <p:set>
+                                      <p:cBhvr>
+                                        <p:cTn id="10" dur="1" fill="hold">
+                                          <p:stCondLst>
+                                            <p:cond delay="0"/>
+                                          </p:stCondLst>
+                                        </p:cTn>
+                                        <p:tgtEl>
+                                          <p:spTgt spid="6"/>
+                                        </p:tgtEl>
+                                        <p:attrNameLst>
+                                          <p:attrName>style.visibility</p:attrName>
+                                        </p:attrNameLst>
+                                      </p:cBhvr>
+                                      <p:to>
+                                        <p:strVal val="hidden"/>
+                                      </p:to>
+                                    </p:set>
+                                  </p:childTnLst>
+                                </p:cTn>
+                              </p:par>
+                              <p:par>
+                                <p:cTn id="11" presetID="1" presetClass="entr" presetSubtype="0" fill="hold" grpId="0" nodeType="withEffect">
+                                  <p:stCondLst>
+                                    <p:cond delay="0"/>
+                                  </p:stCondLst>
+                                  <p:childTnLst>
+                                    <p:set>
+                                      <p:cBhvr>
+                                        <p:cTn id="12" dur="1" fill="hold">
+                                          <p:stCondLst>
+                                            <p:cond delay="0"/>
+                                          </p:stCondLst>
+                                        </p:cTn>
+                                        <p:tgtEl>
+                                          <p:spTgt spid="3"/>
+                                        </p:tgtEl>
+                                        <p:attrNameLst>
+                                          <p:attrName>style.visibility</p:attrName>
+                                        </p:attrNameLst>
+                                      </p:cBhvr>
+                                      <p:to>
+                                        <p:strVal val="visible"/>
+                                      </p:to>
+                                    </p:set>
+                                  </p:childTnLst>
+                                </p:cTn>
+                              </p:par>
+                            </p:childTnLst>
+                          </p:cTn>
+                        </p:par>
+                      </p:childTnLst>
+                    </p:cTn>
+                  </p:par>
+                  <p:par>
+                    <p:cTn id="13" fill="hold">
+                      <p:stCondLst>
+                        <p:cond delay="indefinite"/>
+                      </p:stCondLst>
+                      <p:childTnLst>
+                        <p:par>
+                          <p:cTn id="14" fill="hold">
+                            <p:stCondLst>
+                              <p:cond delay="0"/>
+                            </p:stCondLst>
+                            <p:childTnLst>
+                              <p:par>
+                                <p:cTn id="15" presetID="1" presetClass="exit" presetSubtype="0" fill="hold" grpId="2" nodeType="clickEffect">
+                                  <p:stCondLst>
+                                    <p:cond delay="0"/>
+                                  </p:stCondLst>
+                                  <p:childTnLst>
+                                    <p:set>
+                                      <p:cBhvr>
+                                        <p:cTn id="16" dur="1" fill="hold">
+                                          <p:stCondLst>
+                                            <p:cond delay="0"/>
+                                          </p:stCondLst>
+                                        </p:cTn>
+                                        <p:tgtEl>
+                                          <p:spTgt spid="3"/>
+                                        </p:tgtEl>
+                                        <p:attrNameLst>
+                                          <p:attrName>style.visibility</p:attrName>
+                                        </p:attrNameLst>
+                                      </p:cBhvr>
+                                      <p:to>
+                                        <p:strVal val="hidden"/>
+                                      </p:to>
+                                    </p:set>
+                                  </p:childTnLst>
+                                </p:cTn>
+                              </p:par>
+                              <p:par>
+                                <p:cTn id="17" presetID="1" presetClass="entr" presetSubtype="0" fill="hold" grpId="1" nodeType="withEffect">
+                                  <p:stCondLst>
+                                    <p:cond delay="0"/>
+                                  </p:stCondLst>
+                                  <p:childTnLst>
+                                    <p:set>
+                                      <p:cBhvr>
+                                        <p:cTn id="18" dur="1" fill="hold">
+                                          <p:stCondLst>
+                                            <p:cond delay="0"/>
+                                          </p:stCondLst>
+                                        </p:cTn>
+                                        <p:tgtEl>
+                                          <p:spTgt spid="6"/>
+                                        </p:tgtEl>
+                                        <p:attrNameLst>
+                                          <p:attrName>style.visibility</p:attrName>
+                                        </p:attrNameLst>
+                                      </p:cBhvr>
+                                      <p:to>
+                                        <p:strVal val="visible"/>
+                                      </p:to>
+                                    </p:set>
+                                  </p:childTnLst>
+                                </p:cTn>
+                              </p:par>
+                            </p:childTnLst>
+                          </p:cTn>
+                        </p:par>
+                      </p:childTnLst>
+                    </p:cTn>
+                  </p:par>
+                </p:childTnLst>
+              </p:cTn>
+              <p:prevCondLst>
+                <p:cond evt="onPrev" delay="0">
+                  <p:tgtEl>
+                    <p:sldTgt/>
+                  </p:tgtEl>
+                </p:cond>
+              </p:prevCondLst>
+              <p:nextCondLst>
+                <p:cond evt="onNext" delay="0">
+                  <p:tgtEl>
+                    <p:sldTgt/>
+                  </p:tgtEl>
+                </p:cond>
+              </p:nextCondLst>
+            </p:seq>
+          </p:childTnLst>
+        </p:cTn>
+      </p:par>
+    </p:tnLst>
+    <p:bldLst>
+      <p:bldP spid="7" grpId="0"/>
+      <p:bldP spid="3" grpId="0"/>
+      <p:bldP spid="3" grpId="2"/>
+      <p:bldP spid="6" grpId="0"/>
+      <p:bldP spid="6" grpId="1"/>
+    </p:bldLst>
+  </p:timing>
+</p:sld>
+</file>
+
+<file path=ppt/slides/slide11.xml><?xml version="1.0" encoding="utf-8"?>
+<p:sld xmlns:a="http://schemas.openxmlformats.org/drawingml/2006/main" xmlns:r="http://schemas.openxmlformats.org/officeDocument/2006/relationships" xmlns:p="http://schemas.openxmlformats.org/presentationml/2006/main">
+  <p:cSld>
+    <p:spTree>
+      <p:nvGrpSpPr>
+        <p:cNvPr id="1" name="">
+          <a:extLst>
+            <a:ext uri="{FF2B5EF4-FFF2-40B4-BE49-F238E27FC236}">
               <a16:creationId xmlns:a16="http://schemas.microsoft.com/office/drawing/2014/main" id="{B60B96D1-0269-F52E-31EC-1E4175187718}"/>
             </a:ext>
           </a:extLst>
@@ -11929,7 +12859,7 @@
 </p:sld>
 </file>
 
-<file path=ppt/slides/slide11.xml><?xml version="1.0" encoding="utf-8"?>
+<file path=ppt/slides/slide12.xml><?xml version="1.0" encoding="utf-8"?>
 <p:sld xmlns:a="http://schemas.openxmlformats.org/drawingml/2006/main" xmlns:r="http://schemas.openxmlformats.org/officeDocument/2006/relationships" xmlns:p="http://schemas.openxmlformats.org/presentationml/2006/main">
   <p:cSld>
     <p:spTree>
@@ -12567,7 +13497,201 @@
 </p:sld>
 </file>
 
-<file path=ppt/slides/slide12.xml><?xml version="1.0" encoding="utf-8"?>
+<file path=ppt/slides/slide13.xml><?xml version="1.0" encoding="utf-8"?>
+<p:sld xmlns:a="http://schemas.openxmlformats.org/drawingml/2006/main" xmlns:r="http://schemas.openxmlformats.org/officeDocument/2006/relationships" xmlns:p="http://schemas.openxmlformats.org/presentationml/2006/main">
+  <p:cSld>
+    <p:spTree>
+      <p:nvGrpSpPr>
+        <p:cNvPr id="1" name="">
+          <a:extLst>
+            <a:ext uri="{FF2B5EF4-FFF2-40B4-BE49-F238E27FC236}">
+              <a16:creationId xmlns:a16="http://schemas.microsoft.com/office/drawing/2014/main" id="{432F0C56-2131-DA87-252C-BAD9C8C3D06F}"/>
+            </a:ext>
+          </a:extLst>
+        </p:cNvPr>
+        <p:cNvGrpSpPr/>
+        <p:nvPr/>
+      </p:nvGrpSpPr>
+      <p:grpSpPr>
+        <a:xfrm>
+          <a:off x="0" y="0"/>
+          <a:ext cx="0" cy="0"/>
+          <a:chOff x="0" y="0"/>
+          <a:chExt cx="0" cy="0"/>
+        </a:xfrm>
+      </p:grpSpPr>
+      <p:sp>
+        <p:nvSpPr>
+          <p:cNvPr id="2" name="Titel 1">
+            <a:extLst>
+              <a:ext uri="{FF2B5EF4-FFF2-40B4-BE49-F238E27FC236}">
+                <a16:creationId xmlns:a16="http://schemas.microsoft.com/office/drawing/2014/main" id="{0D310098-D0C9-E518-10D6-E273EC87FD6A}"/>
+              </a:ext>
+            </a:extLst>
+          </p:cNvPr>
+          <p:cNvSpPr>
+            <a:spLocks noGrp="1"/>
+          </p:cNvSpPr>
+          <p:nvPr>
+            <p:ph type="title"/>
+          </p:nvPr>
+        </p:nvSpPr>
+        <p:spPr>
+          <a:xfrm>
+            <a:off x="432314" y="227903"/>
+            <a:ext cx="10873740" cy="1253656"/>
+          </a:xfrm>
+        </p:spPr>
+        <p:txBody>
+          <a:bodyPr/>
+          <a:lstStyle/>
+          <a:p>
+            <a:r>
+              <a:rPr lang="de-DE" dirty="0"/>
+              <a:t>Auslegung des Lehrplans zum Umgang mit Sprachmodellen</a:t>
+            </a:r>
+          </a:p>
+        </p:txBody>
+      </p:sp>
+      <p:sp>
+        <p:nvSpPr>
+          <p:cNvPr id="3" name="Textfeld 2">
+            <a:extLst>
+              <a:ext uri="{FF2B5EF4-FFF2-40B4-BE49-F238E27FC236}">
+                <a16:creationId xmlns:a16="http://schemas.microsoft.com/office/drawing/2014/main" id="{7341B6AA-ECA7-1AD2-B9EA-A575B2911407}"/>
+              </a:ext>
+            </a:extLst>
+          </p:cNvPr>
+          <p:cNvSpPr txBox="1"/>
+          <p:nvPr/>
+        </p:nvSpPr>
+        <p:spPr>
+          <a:xfrm>
+            <a:off x="432314" y="1697631"/>
+            <a:ext cx="7217691" cy="461665"/>
+          </a:xfrm>
+          <a:prstGeom prst="rect">
+            <a:avLst/>
+          </a:prstGeom>
+          <a:noFill/>
+        </p:spPr>
+        <p:txBody>
+          <a:bodyPr wrap="square" rtlCol="0">
+            <a:spAutoFit/>
+          </a:bodyPr>
+          <a:lstStyle/>
+          <a:p>
+            <a:r>
+              <a:rPr lang="de-DE" sz="2400" dirty="0">
+                <a:solidFill>
+                  <a:schemeClr val="bg1"/>
+                </a:solidFill>
+              </a:rPr>
+              <a:t>Anwendung von Sprachmodellen auf </a:t>
+            </a:r>
+            <a:r>
+              <a:rPr lang="de-DE" sz="2400" b="1" dirty="0">
+                <a:solidFill>
+                  <a:schemeClr val="bg1"/>
+                </a:solidFill>
+              </a:rPr>
+              <a:t>Argument-Ebene</a:t>
+            </a:r>
+          </a:p>
+        </p:txBody>
+      </p:sp>
+    </p:spTree>
+    <p:extLst>
+      <p:ext uri="{BB962C8B-B14F-4D97-AF65-F5344CB8AC3E}">
+        <p14:creationId xmlns:p14="http://schemas.microsoft.com/office/powerpoint/2010/main" val="1774941686"/>
+      </p:ext>
+    </p:extLst>
+  </p:cSld>
+  <p:clrMapOvr>
+    <a:masterClrMapping/>
+  </p:clrMapOvr>
+  <p:timing>
+    <p:tnLst>
+      <p:par>
+        <p:cTn id="1" dur="indefinite" restart="never" nodeType="tmRoot">
+          <p:childTnLst>
+            <p:seq concurrent="1" nextAc="seek">
+              <p:cTn id="2" dur="indefinite" nodeType="mainSeq">
+                <p:childTnLst>
+                  <p:par>
+                    <p:cTn id="3" fill="hold">
+                      <p:stCondLst>
+                        <p:cond delay="indefinite"/>
+                      </p:stCondLst>
+                      <p:childTnLst>
+                        <p:par>
+                          <p:cTn id="4" fill="hold">
+                            <p:stCondLst>
+                              <p:cond delay="0"/>
+                            </p:stCondLst>
+                            <p:childTnLst>
+                              <p:par>
+                                <p:cTn id="5" presetID="1" presetClass="entr" presetSubtype="0" fill="hold" grpId="0" nodeType="clickEffect">
+                                  <p:stCondLst>
+                                    <p:cond delay="0"/>
+                                  </p:stCondLst>
+                                  <p:childTnLst>
+                                    <p:set>
+                                      <p:cBhvr>
+                                        <p:cTn id="6" dur="1" fill="hold">
+                                          <p:stCondLst>
+                                            <p:cond delay="0"/>
+                                          </p:stCondLst>
+                                        </p:cTn>
+                                        <p:tgtEl>
+                                          <p:spTgt spid="3"/>
+                                        </p:tgtEl>
+                                        <p:attrNameLst>
+                                          <p:attrName>style.visibility</p:attrName>
+                                        </p:attrNameLst>
+                                      </p:cBhvr>
+                                      <p:to>
+                                        <p:strVal val="visible"/>
+                                      </p:to>
+                                    </p:set>
+                                  </p:childTnLst>
+                                </p:cTn>
+                              </p:par>
+                            </p:childTnLst>
+                          </p:cTn>
+                        </p:par>
+                      </p:childTnLst>
+                    </p:cTn>
+                  </p:par>
+                </p:childTnLst>
+              </p:cTn>
+              <p:prevCondLst>
+                <p:cond evt="onPrev" delay="0">
+                  <p:tgtEl>
+                    <p:sldTgt/>
+                  </p:tgtEl>
+                </p:cond>
+              </p:prevCondLst>
+              <p:nextCondLst>
+                <p:cond evt="onNext" delay="0">
+                  <p:tgtEl>
+                    <p:sldTgt/>
+                  </p:tgtEl>
+                </p:cond>
+              </p:nextCondLst>
+            </p:seq>
+          </p:childTnLst>
+        </p:cTn>
+      </p:par>
+    </p:tnLst>
+    <p:bldLst>
+      <p:bldP spid="3" grpId="0"/>
+    </p:bldLst>
+  </p:timing>
+</p:sld>
+</file>
+
+<file path=ppt/slides/slide14.xml><?xml version="1.0" encoding="utf-8"?>
 <p:sld xmlns:a="http://schemas.openxmlformats.org/drawingml/2006/main" xmlns:r="http://schemas.openxmlformats.org/officeDocument/2006/relationships" xmlns:p="http://schemas.openxmlformats.org/presentationml/2006/main">
   <p:cSld>
     <p:spTree>
@@ -12981,6 +14105,472 @@
 </file>
 
 <file path=ppt/slides/slide3.xml><?xml version="1.0" encoding="utf-8"?>
+<p:sld xmlns:a="http://schemas.openxmlformats.org/drawingml/2006/main" xmlns:r="http://schemas.openxmlformats.org/officeDocument/2006/relationships" xmlns:p="http://schemas.openxmlformats.org/presentationml/2006/main">
+  <p:cSld>
+    <p:spTree>
+      <p:nvGrpSpPr>
+        <p:cNvPr id="1" name="">
+          <a:extLst>
+            <a:ext uri="{FF2B5EF4-FFF2-40B4-BE49-F238E27FC236}">
+              <a16:creationId xmlns:a16="http://schemas.microsoft.com/office/drawing/2014/main" id="{750C3EAF-E215-7B11-01E4-059576007A01}"/>
+            </a:ext>
+          </a:extLst>
+        </p:cNvPr>
+        <p:cNvGrpSpPr/>
+        <p:nvPr/>
+      </p:nvGrpSpPr>
+      <p:grpSpPr>
+        <a:xfrm>
+          <a:off x="0" y="0"/>
+          <a:ext cx="0" cy="0"/>
+          <a:chOff x="0" y="0"/>
+          <a:chExt cx="0" cy="0"/>
+        </a:xfrm>
+      </p:grpSpPr>
+      <p:sp>
+        <p:nvSpPr>
+          <p:cNvPr id="2" name="Titel 1">
+            <a:extLst>
+              <a:ext uri="{FF2B5EF4-FFF2-40B4-BE49-F238E27FC236}">
+                <a16:creationId xmlns:a16="http://schemas.microsoft.com/office/drawing/2014/main" id="{0FCE60CB-6447-520E-EB9B-F2D65CE76394}"/>
+              </a:ext>
+            </a:extLst>
+          </p:cNvPr>
+          <p:cNvSpPr>
+            <a:spLocks noGrp="1"/>
+          </p:cNvSpPr>
+          <p:nvPr>
+            <p:ph type="title"/>
+          </p:nvPr>
+        </p:nvSpPr>
+        <p:spPr>
+          <a:xfrm>
+            <a:off x="594360" y="189572"/>
+            <a:ext cx="8801310" cy="1593507"/>
+          </a:xfrm>
+        </p:spPr>
+        <p:txBody>
+          <a:bodyPr rtlCol="0"/>
+          <a:lstStyle>
+            <a:defPPr>
+              <a:defRPr lang="de-DE"/>
+            </a:defPPr>
+          </a:lstStyle>
+          <a:p>
+            <a:pPr rtl="0"/>
+            <a:r>
+              <a:rPr lang="de-DE" dirty="0"/>
+              <a:t>Leitgedanken für neue Fächer</a:t>
+            </a:r>
+          </a:p>
+        </p:txBody>
+      </p:sp>
+      <p:sp>
+        <p:nvSpPr>
+          <p:cNvPr id="7" name="Textfeld 6">
+            <a:extLst>
+              <a:ext uri="{FF2B5EF4-FFF2-40B4-BE49-F238E27FC236}">
+                <a16:creationId xmlns:a16="http://schemas.microsoft.com/office/drawing/2014/main" id="{3E9A23B2-5717-E649-902B-AEAE9901F3D9}"/>
+              </a:ext>
+            </a:extLst>
+          </p:cNvPr>
+          <p:cNvSpPr txBox="1"/>
+          <p:nvPr/>
+        </p:nvSpPr>
+        <p:spPr>
+          <a:xfrm rot="20443653">
+            <a:off x="1028732" y="2661473"/>
+            <a:ext cx="4242348" cy="1384995"/>
+          </a:xfrm>
+          <a:prstGeom prst="rect">
+            <a:avLst/>
+          </a:prstGeom>
+          <a:noFill/>
+        </p:spPr>
+        <p:txBody>
+          <a:bodyPr wrap="square" rtlCol="0">
+            <a:spAutoFit/>
+          </a:bodyPr>
+          <a:lstStyle/>
+          <a:p>
+            <a:r>
+              <a:rPr lang="de-DE" sz="2800" b="1" dirty="0">
+                <a:solidFill>
+                  <a:schemeClr val="bg1"/>
+                </a:solidFill>
+              </a:rPr>
+              <a:t>SUS sollen „coole“ Projekte durchführen können!</a:t>
+            </a:r>
+          </a:p>
+        </p:txBody>
+      </p:sp>
+      <p:sp>
+        <p:nvSpPr>
+          <p:cNvPr id="8" name="Textfeld 7">
+            <a:extLst>
+              <a:ext uri="{FF2B5EF4-FFF2-40B4-BE49-F238E27FC236}">
+                <a16:creationId xmlns:a16="http://schemas.microsoft.com/office/drawing/2014/main" id="{B359477D-F386-EA69-FBA4-46B2E4FF485B}"/>
+              </a:ext>
+            </a:extLst>
+          </p:cNvPr>
+          <p:cNvSpPr txBox="1"/>
+          <p:nvPr/>
+        </p:nvSpPr>
+        <p:spPr>
+          <a:xfrm>
+            <a:off x="3573677" y="4311130"/>
+            <a:ext cx="4461740" cy="1384995"/>
+          </a:xfrm>
+          <a:prstGeom prst="rect">
+            <a:avLst/>
+          </a:prstGeom>
+          <a:noFill/>
+        </p:spPr>
+        <p:txBody>
+          <a:bodyPr wrap="square" rtlCol="0">
+            <a:spAutoFit/>
+          </a:bodyPr>
+          <a:lstStyle/>
+          <a:p>
+            <a:r>
+              <a:rPr lang="de-DE" sz="2800" b="1" dirty="0">
+                <a:solidFill>
+                  <a:schemeClr val="bg1"/>
+                </a:solidFill>
+              </a:rPr>
+              <a:t>Lehrkräfte sollen eigene Vorlieben einbringen können!</a:t>
+            </a:r>
+          </a:p>
+        </p:txBody>
+      </p:sp>
+      <p:sp>
+        <p:nvSpPr>
+          <p:cNvPr id="9" name="Textfeld 8">
+            <a:extLst>
+              <a:ext uri="{FF2B5EF4-FFF2-40B4-BE49-F238E27FC236}">
+                <a16:creationId xmlns:a16="http://schemas.microsoft.com/office/drawing/2014/main" id="{0B39E295-1F2E-FEC5-BDE4-37A9ED261B97}"/>
+              </a:ext>
+            </a:extLst>
+          </p:cNvPr>
+          <p:cNvSpPr txBox="1"/>
+          <p:nvPr/>
+        </p:nvSpPr>
+        <p:spPr>
+          <a:xfrm rot="1760535">
+            <a:off x="8518890" y="3828752"/>
+            <a:ext cx="3482913" cy="1384995"/>
+          </a:xfrm>
+          <a:prstGeom prst="rect">
+            <a:avLst/>
+          </a:prstGeom>
+          <a:noFill/>
+        </p:spPr>
+        <p:txBody>
+          <a:bodyPr wrap="square" rtlCol="0">
+            <a:spAutoFit/>
+          </a:bodyPr>
+          <a:lstStyle/>
+          <a:p>
+            <a:r>
+              <a:rPr lang="de-DE" sz="2800" b="1" dirty="0">
+                <a:solidFill>
+                  <a:schemeClr val="bg1"/>
+                </a:solidFill>
+              </a:rPr>
+              <a:t>Neue Fächer als „Spielwiese“ für alle Beteiligten!</a:t>
+            </a:r>
+          </a:p>
+        </p:txBody>
+      </p:sp>
+    </p:spTree>
+    <p:extLst>
+      <p:ext uri="{BB962C8B-B14F-4D97-AF65-F5344CB8AC3E}">
+        <p14:creationId xmlns:p14="http://schemas.microsoft.com/office/powerpoint/2010/main" val="1306210976"/>
+      </p:ext>
+    </p:extLst>
+  </p:cSld>
+  <p:clrMapOvr>
+    <a:masterClrMapping/>
+  </p:clrMapOvr>
+  <p:timing>
+    <p:tnLst>
+      <p:par>
+        <p:cTn id="1" dur="indefinite" restart="never" nodeType="tmRoot">
+          <p:childTnLst>
+            <p:seq concurrent="1" nextAc="seek">
+              <p:cTn id="2" dur="indefinite" nodeType="mainSeq">
+                <p:childTnLst>
+                  <p:par>
+                    <p:cTn id="3" fill="hold">
+                      <p:stCondLst>
+                        <p:cond delay="indefinite"/>
+                        <p:cond evt="onBegin" delay="0">
+                          <p:tn val="2"/>
+                        </p:cond>
+                      </p:stCondLst>
+                      <p:childTnLst>
+                        <p:par>
+                          <p:cTn id="4" fill="hold">
+                            <p:stCondLst>
+                              <p:cond delay="0"/>
+                            </p:stCondLst>
+                            <p:childTnLst>
+                              <p:par>
+                                <p:cTn id="5" presetID="1" presetClass="exit" presetSubtype="0" fill="hold" grpId="0" nodeType="withEffect">
+                                  <p:stCondLst>
+                                    <p:cond delay="0"/>
+                                  </p:stCondLst>
+                                  <p:childTnLst>
+                                    <p:set>
+                                      <p:cBhvr>
+                                        <p:cTn id="6" dur="1" fill="hold">
+                                          <p:stCondLst>
+                                            <p:cond delay="0"/>
+                                          </p:stCondLst>
+                                        </p:cTn>
+                                        <p:tgtEl>
+                                          <p:spTgt spid="7"/>
+                                        </p:tgtEl>
+                                        <p:attrNameLst>
+                                          <p:attrName>style.visibility</p:attrName>
+                                        </p:attrNameLst>
+                                      </p:cBhvr>
+                                      <p:to>
+                                        <p:strVal val="hidden"/>
+                                      </p:to>
+                                    </p:set>
+                                  </p:childTnLst>
+                                </p:cTn>
+                              </p:par>
+                              <p:par>
+                                <p:cTn id="7" presetID="1" presetClass="exit" presetSubtype="0" fill="hold" grpId="0" nodeType="withEffect">
+                                  <p:stCondLst>
+                                    <p:cond delay="0"/>
+                                  </p:stCondLst>
+                                  <p:childTnLst>
+                                    <p:set>
+                                      <p:cBhvr>
+                                        <p:cTn id="8" dur="1" fill="hold">
+                                          <p:stCondLst>
+                                            <p:cond delay="0"/>
+                                          </p:stCondLst>
+                                        </p:cTn>
+                                        <p:tgtEl>
+                                          <p:spTgt spid="8"/>
+                                        </p:tgtEl>
+                                        <p:attrNameLst>
+                                          <p:attrName>style.visibility</p:attrName>
+                                        </p:attrNameLst>
+                                      </p:cBhvr>
+                                      <p:to>
+                                        <p:strVal val="hidden"/>
+                                      </p:to>
+                                    </p:set>
+                                  </p:childTnLst>
+                                </p:cTn>
+                              </p:par>
+                              <p:par>
+                                <p:cTn id="9" presetID="1" presetClass="exit" presetSubtype="0" fill="hold" grpId="0" nodeType="withEffect">
+                                  <p:stCondLst>
+                                    <p:cond delay="0"/>
+                                  </p:stCondLst>
+                                  <p:childTnLst>
+                                    <p:set>
+                                      <p:cBhvr>
+                                        <p:cTn id="10" dur="1" fill="hold">
+                                          <p:stCondLst>
+                                            <p:cond delay="0"/>
+                                          </p:stCondLst>
+                                        </p:cTn>
+                                        <p:tgtEl>
+                                          <p:spTgt spid="9"/>
+                                        </p:tgtEl>
+                                        <p:attrNameLst>
+                                          <p:attrName>style.visibility</p:attrName>
+                                        </p:attrNameLst>
+                                      </p:cBhvr>
+                                      <p:to>
+                                        <p:strVal val="hidden"/>
+                                      </p:to>
+                                    </p:set>
+                                  </p:childTnLst>
+                                </p:cTn>
+                              </p:par>
+                            </p:childTnLst>
+                          </p:cTn>
+                        </p:par>
+                      </p:childTnLst>
+                    </p:cTn>
+                  </p:par>
+                  <p:par>
+                    <p:cTn id="11" fill="hold">
+                      <p:stCondLst>
+                        <p:cond delay="indefinite"/>
+                      </p:stCondLst>
+                      <p:childTnLst>
+                        <p:par>
+                          <p:cTn id="12" fill="hold">
+                            <p:stCondLst>
+                              <p:cond delay="0"/>
+                            </p:stCondLst>
+                            <p:childTnLst>
+                              <p:par>
+                                <p:cTn id="13" presetID="1" presetClass="entr" presetSubtype="0" fill="hold" grpId="1" nodeType="clickEffect">
+                                  <p:stCondLst>
+                                    <p:cond delay="0"/>
+                                  </p:stCondLst>
+                                  <p:childTnLst>
+                                    <p:set>
+                                      <p:cBhvr>
+                                        <p:cTn id="14" dur="1" fill="hold">
+                                          <p:stCondLst>
+                                            <p:cond delay="0"/>
+                                          </p:stCondLst>
+                                        </p:cTn>
+                                        <p:tgtEl>
+                                          <p:spTgt spid="7"/>
+                                        </p:tgtEl>
+                                        <p:attrNameLst>
+                                          <p:attrName>style.visibility</p:attrName>
+                                        </p:attrNameLst>
+                                      </p:cBhvr>
+                                      <p:to>
+                                        <p:strVal val="visible"/>
+                                      </p:to>
+                                    </p:set>
+                                  </p:childTnLst>
+                                </p:cTn>
+                              </p:par>
+                            </p:childTnLst>
+                          </p:cTn>
+                        </p:par>
+                      </p:childTnLst>
+                    </p:cTn>
+                  </p:par>
+                  <p:par>
+                    <p:cTn id="15" fill="hold">
+                      <p:stCondLst>
+                        <p:cond delay="indefinite"/>
+                      </p:stCondLst>
+                      <p:childTnLst>
+                        <p:par>
+                          <p:cTn id="16" fill="hold">
+                            <p:stCondLst>
+                              <p:cond delay="0"/>
+                            </p:stCondLst>
+                            <p:childTnLst>
+                              <p:par>
+                                <p:cTn id="17" presetID="1" presetClass="entr" presetSubtype="0" fill="hold" grpId="1" nodeType="clickEffect">
+                                  <p:stCondLst>
+                                    <p:cond delay="0"/>
+                                  </p:stCondLst>
+                                  <p:childTnLst>
+                                    <p:set>
+                                      <p:cBhvr>
+                                        <p:cTn id="18" dur="1" fill="hold">
+                                          <p:stCondLst>
+                                            <p:cond delay="0"/>
+                                          </p:stCondLst>
+                                        </p:cTn>
+                                        <p:tgtEl>
+                                          <p:spTgt spid="9"/>
+                                        </p:tgtEl>
+                                        <p:attrNameLst>
+                                          <p:attrName>style.visibility</p:attrName>
+                                        </p:attrNameLst>
+                                      </p:cBhvr>
+                                      <p:to>
+                                        <p:strVal val="visible"/>
+                                      </p:to>
+                                    </p:set>
+                                  </p:childTnLst>
+                                </p:cTn>
+                              </p:par>
+                            </p:childTnLst>
+                          </p:cTn>
+                        </p:par>
+                      </p:childTnLst>
+                    </p:cTn>
+                  </p:par>
+                  <p:par>
+                    <p:cTn id="19" fill="hold">
+                      <p:stCondLst>
+                        <p:cond delay="indefinite"/>
+                      </p:stCondLst>
+                      <p:childTnLst>
+                        <p:par>
+                          <p:cTn id="20" fill="hold">
+                            <p:stCondLst>
+                              <p:cond delay="0"/>
+                            </p:stCondLst>
+                            <p:childTnLst>
+                              <p:par>
+                                <p:cTn id="21" presetID="1" presetClass="entr" presetSubtype="0" fill="hold" grpId="1" nodeType="clickEffect">
+                                  <p:stCondLst>
+                                    <p:cond delay="0"/>
+                                  </p:stCondLst>
+                                  <p:childTnLst>
+                                    <p:set>
+                                      <p:cBhvr>
+                                        <p:cTn id="22" dur="1" fill="hold">
+                                          <p:stCondLst>
+                                            <p:cond delay="0"/>
+                                          </p:stCondLst>
+                                        </p:cTn>
+                                        <p:tgtEl>
+                                          <p:spTgt spid="8"/>
+                                        </p:tgtEl>
+                                        <p:attrNameLst>
+                                          <p:attrName>style.visibility</p:attrName>
+                                        </p:attrNameLst>
+                                      </p:cBhvr>
+                                      <p:to>
+                                        <p:strVal val="visible"/>
+                                      </p:to>
+                                    </p:set>
+                                  </p:childTnLst>
+                                </p:cTn>
+                              </p:par>
+                            </p:childTnLst>
+                          </p:cTn>
+                        </p:par>
+                      </p:childTnLst>
+                    </p:cTn>
+                  </p:par>
+                </p:childTnLst>
+              </p:cTn>
+              <p:prevCondLst>
+                <p:cond evt="onPrev" delay="0">
+                  <p:tgtEl>
+                    <p:sldTgt/>
+                  </p:tgtEl>
+                </p:cond>
+              </p:prevCondLst>
+              <p:nextCondLst>
+                <p:cond evt="onNext" delay="0">
+                  <p:tgtEl>
+                    <p:sldTgt/>
+                  </p:tgtEl>
+                </p:cond>
+              </p:nextCondLst>
+            </p:seq>
+          </p:childTnLst>
+        </p:cTn>
+      </p:par>
+    </p:tnLst>
+    <p:bldLst>
+      <p:bldP spid="7" grpId="0"/>
+      <p:bldP spid="7" grpId="1"/>
+      <p:bldP spid="8" grpId="0"/>
+      <p:bldP spid="8" grpId="1"/>
+      <p:bldP spid="9" grpId="0"/>
+      <p:bldP spid="9" grpId="1"/>
+    </p:bldLst>
+  </p:timing>
+</p:sld>
+</file>
+
+<file path=ppt/slides/slide4.xml><?xml version="1.0" encoding="utf-8"?>
 <p:sld xmlns:a="http://schemas.openxmlformats.org/drawingml/2006/main" xmlns:r="http://schemas.openxmlformats.org/officeDocument/2006/relationships" xmlns:p="http://schemas.openxmlformats.org/presentationml/2006/main">
   <p:cSld>
     <p:spTree>
@@ -13824,7 +15414,7 @@
 </p:sld>
 </file>
 
-<file path=ppt/slides/slide4.xml><?xml version="1.0" encoding="utf-8"?>
+<file path=ppt/slides/slide5.xml><?xml version="1.0" encoding="utf-8"?>
 <p:sld xmlns:a="http://schemas.openxmlformats.org/drawingml/2006/main" xmlns:r="http://schemas.openxmlformats.org/officeDocument/2006/relationships" xmlns:p="http://schemas.openxmlformats.org/presentationml/2006/main">
   <p:cSld>
     <p:spTree>
@@ -14694,7 +16284,7 @@
 </p:sld>
 </file>
 
-<file path=ppt/slides/slide5.xml><?xml version="1.0" encoding="utf-8"?>
+<file path=ppt/slides/slide6.xml><?xml version="1.0" encoding="utf-8"?>
 <p:sld xmlns:a="http://schemas.openxmlformats.org/drawingml/2006/main" xmlns:r="http://schemas.openxmlformats.org/officeDocument/2006/relationships" xmlns:p="http://schemas.openxmlformats.org/presentationml/2006/main">
   <p:cSld>
     <p:spTree>
@@ -15618,7 +17208,7 @@
 </p:sld>
 </file>
 
-<file path=ppt/slides/slide6.xml><?xml version="1.0" encoding="utf-8"?>
+<file path=ppt/slides/slide7.xml><?xml version="1.0" encoding="utf-8"?>
 <p:sld xmlns:a="http://schemas.openxmlformats.org/drawingml/2006/main" xmlns:r="http://schemas.openxmlformats.org/officeDocument/2006/relationships" xmlns:p="http://schemas.openxmlformats.org/presentationml/2006/main">
   <p:cSld>
     <p:spTree>
@@ -16115,7 +17705,7 @@
 </p:sld>
 </file>
 
-<file path=ppt/slides/slide7.xml><?xml version="1.0" encoding="utf-8"?>
+<file path=ppt/slides/slide8.xml><?xml version="1.0" encoding="utf-8"?>
 <p:sld xmlns:a="http://schemas.openxmlformats.org/drawingml/2006/main" xmlns:r="http://schemas.openxmlformats.org/officeDocument/2006/relationships" xmlns:p="http://schemas.openxmlformats.org/presentationml/2006/main">
   <p:cSld>
     <p:spTree>
@@ -16173,9 +17763,9 @@
           <p:nvPr/>
         </p:nvSpPr>
         <p:spPr>
-          <a:xfrm rot="1286153">
-            <a:off x="4730134" y="1683381"/>
-            <a:ext cx="8154099" cy="707886"/>
+          <a:xfrm rot="20294569">
+            <a:off x="7044982" y="916417"/>
+            <a:ext cx="3692357" cy="1323439"/>
           </a:xfrm>
           <a:prstGeom prst="rect">
             <a:avLst/>
@@ -16213,8 +17803,8 @@
         </p:nvSpPr>
         <p:spPr>
           <a:xfrm>
-            <a:off x="997835" y="5317132"/>
-            <a:ext cx="8154099" cy="707886"/>
+            <a:off x="1392118" y="5000464"/>
+            <a:ext cx="3523831" cy="1323439"/>
           </a:xfrm>
           <a:prstGeom prst="rect">
             <a:avLst/>
@@ -16256,45 +17846,6 @@
       </p:sp>
       <p:sp>
         <p:nvSpPr>
-          <p:cNvPr id="8" name="Textfeld 7">
-            <a:extLst>
-              <a:ext uri="{FF2B5EF4-FFF2-40B4-BE49-F238E27FC236}">
-                <a16:creationId xmlns:a16="http://schemas.microsoft.com/office/drawing/2014/main" id="{84094437-2A3B-A2A6-3EFB-131FB8D3C26B}"/>
-              </a:ext>
-            </a:extLst>
-          </p:cNvPr>
-          <p:cNvSpPr txBox="1"/>
-          <p:nvPr/>
-        </p:nvSpPr>
-        <p:spPr>
-          <a:xfrm rot="20613413">
-            <a:off x="5312975" y="3587520"/>
-            <a:ext cx="6749673" cy="400110"/>
-          </a:xfrm>
-          <a:prstGeom prst="rect">
-            <a:avLst/>
-          </a:prstGeom>
-          <a:noFill/>
-        </p:spPr>
-        <p:txBody>
-          <a:bodyPr wrap="square" rtlCol="0">
-            <a:spAutoFit/>
-          </a:bodyPr>
-          <a:lstStyle/>
-          <a:p>
-            <a:r>
-              <a:rPr lang="de-DE" sz="2000" dirty="0">
-                <a:solidFill>
-                  <a:schemeClr val="bg1"/>
-                </a:solidFill>
-              </a:rPr>
-              <a:t>Heterogene Zusammensetzung der Lehrkräfte (Hybrid-Fach!)</a:t>
-            </a:r>
-          </a:p>
-        </p:txBody>
-      </p:sp>
-      <p:sp>
-        <p:nvSpPr>
           <p:cNvPr id="9" name="Textfeld 8">
             <a:extLst>
               <a:ext uri="{FF2B5EF4-FFF2-40B4-BE49-F238E27FC236}">
@@ -16307,8 +17858,8 @@
         </p:nvSpPr>
         <p:spPr>
           <a:xfrm rot="1080794">
-            <a:off x="121300" y="3114838"/>
-            <a:ext cx="6174298" cy="400110"/>
+            <a:off x="448885" y="2372991"/>
+            <a:ext cx="2762620" cy="1015663"/>
           </a:xfrm>
           <a:prstGeom prst="rect">
             <a:avLst/>
@@ -16372,6 +17923,45 @@
                 </a:solidFill>
               </a:rPr>
               <a:t>Der technische Fortschritt im Themenbereich Sprachmodelle ist immens.</a:t>
+            </a:r>
+          </a:p>
+        </p:txBody>
+      </p:sp>
+      <p:sp>
+        <p:nvSpPr>
+          <p:cNvPr id="3" name="Textfeld 2">
+            <a:extLst>
+              <a:ext uri="{FF2B5EF4-FFF2-40B4-BE49-F238E27FC236}">
+                <a16:creationId xmlns:a16="http://schemas.microsoft.com/office/drawing/2014/main" id="{C8791CAB-4759-124A-8316-17AC605AFDF0}"/>
+              </a:ext>
+            </a:extLst>
+          </p:cNvPr>
+          <p:cNvSpPr txBox="1"/>
+          <p:nvPr/>
+        </p:nvSpPr>
+        <p:spPr>
+          <a:xfrm rot="695210">
+            <a:off x="7618925" y="5028777"/>
+            <a:ext cx="2885813" cy="1015663"/>
+          </a:xfrm>
+          <a:prstGeom prst="rect">
+            <a:avLst/>
+          </a:prstGeom>
+          <a:noFill/>
+        </p:spPr>
+        <p:txBody>
+          <a:bodyPr wrap="square" rtlCol="0">
+            <a:spAutoFit/>
+          </a:bodyPr>
+          <a:lstStyle/>
+          <a:p>
+            <a:r>
+              <a:rPr lang="de-DE" sz="2000" dirty="0">
+                <a:solidFill>
+                  <a:schemeClr val="bg1"/>
+                </a:solidFill>
+              </a:rPr>
+              <a:t>auch an Zukunftstechnologien denken z.B. 3-D-Druck …</a:t>
             </a:r>
           </a:p>
         </p:txBody>
@@ -16477,7 +18067,7 @@
                                           </p:stCondLst>
                                         </p:cTn>
                                         <p:tgtEl>
-                                          <p:spTgt spid="8"/>
+                                          <p:spTgt spid="6"/>
                                         </p:tgtEl>
                                         <p:attrNameLst>
                                           <p:attrName>style.visibility</p:attrName>
@@ -16504,7 +18094,7 @@
                                           </p:stCondLst>
                                         </p:cTn>
                                         <p:tgtEl>
-                                          <p:spTgt spid="6"/>
+                                          <p:spTgt spid="10"/>
                                         </p:tgtEl>
                                         <p:attrNameLst>
                                           <p:attrName>style.visibility</p:attrName>
@@ -16531,7 +18121,7 @@
                                           </p:stCondLst>
                                         </p:cTn>
                                         <p:tgtEl>
-                                          <p:spTgt spid="10"/>
+                                          <p:spTgt spid="3"/>
                                         </p:tgtEl>
                                         <p:attrNameLst>
                                           <p:attrName>style.visibility</p:attrName>
@@ -16621,7 +18211,7 @@
                                           </p:stCondLst>
                                         </p:cTn>
                                         <p:tgtEl>
-                                          <p:spTgt spid="8"/>
+                                          <p:spTgt spid="9"/>
                                         </p:tgtEl>
                                         <p:attrNameLst>
                                           <p:attrName>style.visibility</p:attrName>
@@ -16666,7 +18256,7 @@
                                           </p:stCondLst>
                                         </p:cTn>
                                         <p:tgtEl>
-                                          <p:spTgt spid="9"/>
+                                          <p:spTgt spid="7"/>
                                         </p:tgtEl>
                                         <p:attrNameLst>
                                           <p:attrName>style.visibility</p:attrName>
@@ -16711,7 +18301,7 @@
                                           </p:stCondLst>
                                         </p:cTn>
                                         <p:tgtEl>
-                                          <p:spTgt spid="7"/>
+                                          <p:spTgt spid="3"/>
                                         </p:tgtEl>
                                         <p:attrNameLst>
                                           <p:attrName>style.visibility</p:attrName>
@@ -16810,7 +18400,7 @@
                                           </p:stCondLst>
                                         </p:cTn>
                                         <p:tgtEl>
-                                          <p:spTgt spid="8"/>
+                                          <p:spTgt spid="6"/>
                                         </p:tgtEl>
                                         <p:attrNameLst>
                                           <p:attrName>style.visibility</p:attrName>
@@ -16837,7 +18427,7 @@
                                           </p:stCondLst>
                                         </p:cTn>
                                         <p:tgtEl>
-                                          <p:spTgt spid="6"/>
+                                          <p:spTgt spid="3"/>
                                         </p:tgtEl>
                                         <p:attrNameLst>
                                           <p:attrName>style.visibility</p:attrName>
@@ -16911,20 +18501,20 @@
       <p:bldP spid="7" grpId="0"/>
       <p:bldP spid="7" grpId="1"/>
       <p:bldP spid="7" grpId="2"/>
-      <p:bldP spid="8" grpId="0"/>
-      <p:bldP spid="8" grpId="1"/>
-      <p:bldP spid="8" grpId="2"/>
       <p:bldP spid="9" grpId="0"/>
       <p:bldP spid="9" grpId="1"/>
       <p:bldP spid="9" grpId="2"/>
       <p:bldP spid="10" grpId="0" animBg="1"/>
       <p:bldP spid="10" grpId="1" animBg="1"/>
+      <p:bldP spid="3" grpId="0"/>
+      <p:bldP spid="3" grpId="1"/>
+      <p:bldP spid="3" grpId="2"/>
     </p:bldLst>
   </p:timing>
 </p:sld>
 </file>
 
-<file path=ppt/slides/slide8.xml><?xml version="1.0" encoding="utf-8"?>
+<file path=ppt/slides/slide9.xml><?xml version="1.0" encoding="utf-8"?>
 <p:sld xmlns:a="http://schemas.openxmlformats.org/drawingml/2006/main" xmlns:r="http://schemas.openxmlformats.org/officeDocument/2006/relationships" xmlns:p="http://schemas.openxmlformats.org/presentationml/2006/main">
   <p:cSld>
     <p:spTree>
@@ -17009,7 +18599,7 @@
                   <a:schemeClr val="bg1"/>
                 </a:solidFill>
               </a:rPr>
-              <a:t>Der Lehrplan muss an dieser Stelle genügend Freiheitsgrade zur Verfügung stellen, um den Herausforderungen gerecht zu werden.</a:t>
+              <a:t>Der Lehrplan muss an dieser Stelle genügend Freiheitsgrade aufweisen, um den Herausforderungen gerecht zu werden.</a:t>
             </a:r>
           </a:p>
         </p:txBody>
@@ -17262,707 +18852,6 @@
       <p:bldP spid="3" grpId="1"/>
       <p:bldP spid="4" grpId="0"/>
       <p:bldP spid="4" grpId="1"/>
-    </p:bldLst>
-  </p:timing>
-</p:sld>
-</file>
-
-<file path=ppt/slides/slide9.xml><?xml version="1.0" encoding="utf-8"?>
-<p:sld xmlns:a="http://schemas.openxmlformats.org/drawingml/2006/main" xmlns:r="http://schemas.openxmlformats.org/officeDocument/2006/relationships" xmlns:p="http://schemas.openxmlformats.org/presentationml/2006/main">
-  <p:cSld>
-    <p:spTree>
-      <p:nvGrpSpPr>
-        <p:cNvPr id="1" name="">
-          <a:extLst>
-            <a:ext uri="{FF2B5EF4-FFF2-40B4-BE49-F238E27FC236}">
-              <a16:creationId xmlns:a16="http://schemas.microsoft.com/office/drawing/2014/main" id="{15DC26FD-66DB-7B8F-D276-267EE8AF947B}"/>
-            </a:ext>
-          </a:extLst>
-        </p:cNvPr>
-        <p:cNvGrpSpPr/>
-        <p:nvPr/>
-      </p:nvGrpSpPr>
-      <p:grpSpPr>
-        <a:xfrm>
-          <a:off x="0" y="0"/>
-          <a:ext cx="0" cy="0"/>
-          <a:chOff x="0" y="0"/>
-          <a:chExt cx="0" cy="0"/>
-        </a:xfrm>
-      </p:grpSpPr>
-      <p:sp>
-        <p:nvSpPr>
-          <p:cNvPr id="2" name="Titel 1">
-            <a:extLst>
-              <a:ext uri="{FF2B5EF4-FFF2-40B4-BE49-F238E27FC236}">
-                <a16:creationId xmlns:a16="http://schemas.microsoft.com/office/drawing/2014/main" id="{5E3F2DAB-012C-3EA9-D6F3-C78B913B4E76}"/>
-              </a:ext>
-            </a:extLst>
-          </p:cNvPr>
-          <p:cNvSpPr>
-            <a:spLocks noGrp="1"/>
-          </p:cNvSpPr>
-          <p:nvPr>
-            <p:ph type="title"/>
-          </p:nvPr>
-        </p:nvSpPr>
-        <p:spPr>
-          <a:xfrm>
-            <a:off x="432314" y="227903"/>
-            <a:ext cx="10873740" cy="1253656"/>
-          </a:xfrm>
-        </p:spPr>
-        <p:txBody>
-          <a:bodyPr/>
-          <a:lstStyle/>
-          <a:p>
-            <a:r>
-              <a:rPr lang="de-DE" dirty="0"/>
-              <a:t>Auslegung des Lehrplans zum Umgang mit Sprachmodellen</a:t>
-            </a:r>
-          </a:p>
-        </p:txBody>
-      </p:sp>
-      <p:sp>
-        <p:nvSpPr>
-          <p:cNvPr id="5" name="Textfeld 4">
-            <a:extLst>
-              <a:ext uri="{FF2B5EF4-FFF2-40B4-BE49-F238E27FC236}">
-                <a16:creationId xmlns:a16="http://schemas.microsoft.com/office/drawing/2014/main" id="{70C425E4-F485-530F-07A8-71384DB1474C}"/>
-              </a:ext>
-            </a:extLst>
-          </p:cNvPr>
-          <p:cNvSpPr txBox="1"/>
-          <p:nvPr/>
-        </p:nvSpPr>
-        <p:spPr>
-          <a:xfrm>
-            <a:off x="1068247" y="2017448"/>
-            <a:ext cx="10703206" cy="3200107"/>
-          </a:xfrm>
-          <a:prstGeom prst="rect">
-            <a:avLst/>
-          </a:prstGeom>
-          <a:noFill/>
-        </p:spPr>
-        <p:txBody>
-          <a:bodyPr wrap="square">
-            <a:spAutoFit/>
-          </a:bodyPr>
-          <a:lstStyle/>
-          <a:p>
-            <a:pPr algn="just">
-              <a:spcAft>
-                <a:spcPts val="1200"/>
-              </a:spcAft>
-              <a:buNone/>
-            </a:pPr>
-            <a:r>
-              <a:rPr lang="de-DE" sz="1800" b="1" dirty="0">
-                <a:solidFill>
-                  <a:srgbClr val="000000"/>
-                </a:solidFill>
-                <a:effectLst/>
-                <a:latin typeface="Calibri" panose="020F0502020204030204" pitchFamily="34" charset="0"/>
-              </a:rPr>
-              <a:t>Kompetenzerwartungen</a:t>
-            </a:r>
-            <a:endParaRPr lang="de-DE" sz="3600" dirty="0">
-              <a:effectLst/>
-            </a:endParaRPr>
-          </a:p>
-          <a:p>
-            <a:pPr algn="just">
-              <a:spcBef>
-                <a:spcPts val="500"/>
-              </a:spcBef>
-              <a:spcAft>
-                <a:spcPts val="500"/>
-              </a:spcAft>
-              <a:buNone/>
-            </a:pPr>
-            <a:r>
-              <a:rPr lang="de-DE" sz="1800" dirty="0">
-                <a:solidFill>
-                  <a:srgbClr val="000000"/>
-                </a:solidFill>
-                <a:effectLst/>
-                <a:latin typeface="Calibri" panose="020F0502020204030204" pitchFamily="34" charset="0"/>
-              </a:rPr>
-              <a:t>Die Schülerinnen und Schüler …</a:t>
-            </a:r>
-            <a:endParaRPr lang="de-DE" sz="3600" dirty="0">
-              <a:effectLst/>
-            </a:endParaRPr>
-          </a:p>
-          <a:p>
-            <a:pPr marL="457200" indent="-228600">
-              <a:lnSpc>
-                <a:spcPct val="114000"/>
-              </a:lnSpc>
-              <a:spcAft>
-                <a:spcPts val="800"/>
-              </a:spcAft>
-              <a:buFont typeface="Arial" panose="020B0604020202020204" pitchFamily="34" charset="0"/>
-              <a:buChar char="•"/>
-            </a:pPr>
-            <a:r>
-              <a:rPr lang="de-DE" sz="1800" dirty="0">
-                <a:solidFill>
-                  <a:srgbClr val="000000"/>
-                </a:solidFill>
-                <a:effectLst/>
-                <a:highlight>
-                  <a:srgbClr val="00FF00"/>
-                </a:highlight>
-                <a:latin typeface="Calibri" panose="020F0502020204030204" pitchFamily="34" charset="0"/>
-              </a:rPr>
-              <a:t>wenden Sprachmodelle                 an, vergleichen unterschiedliche Modelle und bewerten deren Ausgaben.</a:t>
-            </a:r>
-            <a:endParaRPr lang="de-DE" sz="3600" dirty="0">
-              <a:effectLst/>
-              <a:highlight>
-                <a:srgbClr val="00FF00"/>
-              </a:highlight>
-            </a:endParaRPr>
-          </a:p>
-          <a:p>
-            <a:pPr marL="457200" indent="-228600">
-              <a:lnSpc>
-                <a:spcPct val="114000"/>
-              </a:lnSpc>
-              <a:spcAft>
-                <a:spcPts val="800"/>
-              </a:spcAft>
-              <a:buFont typeface="Arial" panose="020B0604020202020204" pitchFamily="34" charset="0"/>
-              <a:buChar char="•"/>
-            </a:pPr>
-            <a:r>
-              <a:rPr lang="de-DE" sz="1800" dirty="0">
-                <a:solidFill>
-                  <a:srgbClr val="000000"/>
-                </a:solidFill>
-                <a:effectLst/>
-                <a:latin typeface="Calibri" panose="020F0502020204030204" pitchFamily="34" charset="0"/>
-              </a:rPr>
-              <a:t>beschreiben und bewerten die Grenzen der KI-Systeme.</a:t>
-            </a:r>
-            <a:endParaRPr lang="de-DE" sz="3600" dirty="0">
-              <a:effectLst/>
-            </a:endParaRPr>
-          </a:p>
-          <a:p>
-            <a:pPr algn="just">
-              <a:spcBef>
-                <a:spcPts val="600"/>
-              </a:spcBef>
-              <a:spcAft>
-                <a:spcPts val="600"/>
-              </a:spcAft>
-              <a:buNone/>
-            </a:pPr>
-            <a:r>
-              <a:rPr lang="de-DE" sz="1800" b="1" dirty="0">
-                <a:solidFill>
-                  <a:srgbClr val="000000"/>
-                </a:solidFill>
-                <a:effectLst/>
-                <a:latin typeface="Calibri" panose="020F0502020204030204" pitchFamily="34" charset="0"/>
-              </a:rPr>
-              <a:t>Inhalte </a:t>
-            </a:r>
-          </a:p>
-          <a:p>
-            <a:pPr algn="just">
-              <a:spcBef>
-                <a:spcPts val="600"/>
-              </a:spcBef>
-              <a:spcAft>
-                <a:spcPts val="600"/>
-              </a:spcAft>
-              <a:buNone/>
-            </a:pPr>
-            <a:endParaRPr lang="de-DE" sz="3600" dirty="0">
-              <a:effectLst/>
-            </a:endParaRPr>
-          </a:p>
-          <a:p>
-            <a:pPr marL="457200" indent="-228600">
-              <a:lnSpc>
-                <a:spcPct val="114000"/>
-              </a:lnSpc>
-              <a:spcAft>
-                <a:spcPts val="800"/>
-              </a:spcAft>
-              <a:buFont typeface="Arial" panose="020B0604020202020204" pitchFamily="34" charset="0"/>
-              <a:buChar char="•"/>
-            </a:pPr>
-            <a:r>
-              <a:rPr lang="de-DE" sz="1800" dirty="0">
-                <a:solidFill>
-                  <a:srgbClr val="000000"/>
-                </a:solidFill>
-                <a:effectLst/>
-                <a:latin typeface="Calibri" panose="020F0502020204030204" pitchFamily="34" charset="0"/>
-              </a:rPr>
-              <a:t>Grenzen (z. B. Halluzinationen, Aktualität bzw. Umfang der Trainingsdaten</a:t>
-            </a:r>
-            <a:r>
-              <a:rPr lang="de-DE" sz="1800">
-                <a:solidFill>
-                  <a:srgbClr val="000000"/>
-                </a:solidFill>
-                <a:effectLst/>
-                <a:latin typeface="Calibri" panose="020F0502020204030204" pitchFamily="34" charset="0"/>
-              </a:rPr>
-              <a:t>, Bias)</a:t>
-            </a:r>
-            <a:endParaRPr lang="de-DE" dirty="0"/>
-          </a:p>
-        </p:txBody>
-      </p:sp>
-      <p:sp>
-        <p:nvSpPr>
-          <p:cNvPr id="7" name="Textfeld 6">
-            <a:extLst>
-              <a:ext uri="{FF2B5EF4-FFF2-40B4-BE49-F238E27FC236}">
-                <a16:creationId xmlns:a16="http://schemas.microsoft.com/office/drawing/2014/main" id="{AED5E273-DF1C-7B98-1920-5E4316A4C81F}"/>
-              </a:ext>
-            </a:extLst>
-          </p:cNvPr>
-          <p:cNvSpPr txBox="1"/>
-          <p:nvPr/>
-        </p:nvSpPr>
-        <p:spPr>
-          <a:xfrm>
-            <a:off x="3801318" y="2860168"/>
-            <a:ext cx="1013749" cy="369332"/>
-          </a:xfrm>
-          <a:prstGeom prst="rect">
-            <a:avLst/>
-          </a:prstGeom>
-          <a:noFill/>
-        </p:spPr>
-        <p:txBody>
-          <a:bodyPr wrap="square">
-            <a:spAutoFit/>
-          </a:bodyPr>
-          <a:lstStyle/>
-          <a:p>
-            <a:r>
-              <a:rPr lang="de-DE" sz="1800" b="1" dirty="0">
-                <a:solidFill>
-                  <a:srgbClr val="000000"/>
-                </a:solidFill>
-                <a:effectLst/>
-                <a:highlight>
-                  <a:srgbClr val="FFFF00"/>
-                </a:highlight>
-                <a:latin typeface="Calibri" panose="020F0502020204030204" pitchFamily="34" charset="0"/>
-              </a:rPr>
-              <a:t>effizient</a:t>
-            </a:r>
-            <a:endParaRPr lang="de-DE" b="1" dirty="0">
-              <a:highlight>
-                <a:srgbClr val="FFFF00"/>
-              </a:highlight>
-            </a:endParaRPr>
-          </a:p>
-        </p:txBody>
-      </p:sp>
-      <p:sp>
-        <p:nvSpPr>
-          <p:cNvPr id="3" name="Textfeld 2">
-            <a:extLst>
-              <a:ext uri="{FF2B5EF4-FFF2-40B4-BE49-F238E27FC236}">
-                <a16:creationId xmlns:a16="http://schemas.microsoft.com/office/drawing/2014/main" id="{8A72A6C2-E326-9F22-0CB1-32834DAC2843}"/>
-              </a:ext>
-            </a:extLst>
-          </p:cNvPr>
-          <p:cNvSpPr txBox="1"/>
-          <p:nvPr/>
-        </p:nvSpPr>
-        <p:spPr>
-          <a:xfrm>
-            <a:off x="1068779" y="4319057"/>
-            <a:ext cx="6094070" cy="388440"/>
-          </a:xfrm>
-          <a:prstGeom prst="rect">
-            <a:avLst/>
-          </a:prstGeom>
-          <a:noFill/>
-        </p:spPr>
-        <p:txBody>
-          <a:bodyPr wrap="square">
-            <a:spAutoFit/>
-          </a:bodyPr>
-          <a:lstStyle/>
-          <a:p>
-            <a:pPr marL="457200" indent="-228600">
-              <a:lnSpc>
-                <a:spcPct val="114000"/>
-              </a:lnSpc>
-              <a:spcAft>
-                <a:spcPts val="800"/>
-              </a:spcAft>
-              <a:buFont typeface="Arial" panose="020B0604020202020204" pitchFamily="34" charset="0"/>
-              <a:buChar char="•"/>
-            </a:pPr>
-            <a:r>
-              <a:rPr lang="de-DE" sz="1800" dirty="0">
-                <a:solidFill>
-                  <a:srgbClr val="000000"/>
-                </a:solidFill>
-                <a:effectLst/>
-                <a:highlight>
-                  <a:srgbClr val="FFFF00"/>
-                </a:highlight>
-                <a:latin typeface="Calibri" panose="020F0502020204030204" pitchFamily="34" charset="0"/>
-              </a:rPr>
-              <a:t>Einblick in </a:t>
-            </a:r>
-            <a:r>
-              <a:rPr lang="de-DE" sz="1800" dirty="0" err="1">
-                <a:solidFill>
-                  <a:srgbClr val="000000"/>
-                </a:solidFill>
-                <a:effectLst/>
-                <a:highlight>
-                  <a:srgbClr val="FFFF00"/>
-                </a:highlight>
-                <a:latin typeface="Calibri" panose="020F0502020204030204" pitchFamily="34" charset="0"/>
-              </a:rPr>
-              <a:t>Prompting</a:t>
-            </a:r>
-            <a:r>
-              <a:rPr lang="de-DE" sz="1800" dirty="0">
-                <a:solidFill>
-                  <a:srgbClr val="000000"/>
-                </a:solidFill>
-                <a:effectLst/>
-                <a:highlight>
-                  <a:srgbClr val="FFFF00"/>
-                </a:highlight>
-                <a:latin typeface="Calibri" panose="020F0502020204030204" pitchFamily="34" charset="0"/>
-              </a:rPr>
-              <a:t>-Techniken</a:t>
-            </a:r>
-            <a:endParaRPr lang="de-DE" sz="3600" dirty="0">
-              <a:effectLst/>
-              <a:highlight>
-                <a:srgbClr val="FFFF00"/>
-              </a:highlight>
-            </a:endParaRPr>
-          </a:p>
-        </p:txBody>
-      </p:sp>
-      <p:sp>
-        <p:nvSpPr>
-          <p:cNvPr id="6" name="Textfeld 5">
-            <a:extLst>
-              <a:ext uri="{FF2B5EF4-FFF2-40B4-BE49-F238E27FC236}">
-                <a16:creationId xmlns:a16="http://schemas.microsoft.com/office/drawing/2014/main" id="{5D1CD3EA-703B-FA0D-8762-BF0805EEED1F}"/>
-              </a:ext>
-            </a:extLst>
-          </p:cNvPr>
-          <p:cNvSpPr txBox="1"/>
-          <p:nvPr/>
-        </p:nvSpPr>
-        <p:spPr>
-          <a:xfrm>
-            <a:off x="1068247" y="4319057"/>
-            <a:ext cx="6094602" cy="388440"/>
-          </a:xfrm>
-          <a:prstGeom prst="rect">
-            <a:avLst/>
-          </a:prstGeom>
-          <a:noFill/>
-        </p:spPr>
-        <p:txBody>
-          <a:bodyPr wrap="square">
-            <a:spAutoFit/>
-          </a:bodyPr>
-          <a:lstStyle/>
-          <a:p>
-            <a:pPr marL="457200" indent="-228600">
-              <a:lnSpc>
-                <a:spcPct val="114000"/>
-              </a:lnSpc>
-              <a:spcAft>
-                <a:spcPts val="800"/>
-              </a:spcAft>
-              <a:buFont typeface="Arial" panose="020B0604020202020204" pitchFamily="34" charset="0"/>
-              <a:buChar char="•"/>
-            </a:pPr>
-            <a:r>
-              <a:rPr lang="de-DE" sz="1800" dirty="0">
-                <a:solidFill>
-                  <a:srgbClr val="000000"/>
-                </a:solidFill>
-                <a:effectLst/>
-                <a:latin typeface="Calibri" panose="020F0502020204030204" pitchFamily="34" charset="0"/>
-              </a:rPr>
-              <a:t>Aufbau </a:t>
-            </a:r>
-            <a:r>
-              <a:rPr lang="de-DE" dirty="0">
-                <a:solidFill>
-                  <a:srgbClr val="000000"/>
-                </a:solidFill>
-                <a:latin typeface="Calibri" panose="020F0502020204030204" pitchFamily="34" charset="0"/>
-              </a:rPr>
-              <a:t>effektiver</a:t>
-            </a:r>
-            <a:r>
-              <a:rPr lang="de-DE" sz="1800" dirty="0">
-                <a:solidFill>
-                  <a:srgbClr val="000000"/>
-                </a:solidFill>
-                <a:effectLst/>
-                <a:latin typeface="Calibri" panose="020F0502020204030204" pitchFamily="34" charset="0"/>
-              </a:rPr>
-              <a:t> und strukturierter Prompts</a:t>
-            </a:r>
-            <a:endParaRPr lang="de-DE" sz="3600" dirty="0">
-              <a:effectLst/>
-            </a:endParaRPr>
-          </a:p>
-        </p:txBody>
-      </p:sp>
-    </p:spTree>
-    <p:extLst>
-      <p:ext uri="{BB962C8B-B14F-4D97-AF65-F5344CB8AC3E}">
-        <p14:creationId xmlns:p14="http://schemas.microsoft.com/office/powerpoint/2010/main" val="2682109068"/>
-      </p:ext>
-    </p:extLst>
-  </p:cSld>
-  <p:clrMapOvr>
-    <a:masterClrMapping/>
-  </p:clrMapOvr>
-  <p:timing>
-    <p:tnLst>
-      <p:par>
-        <p:cTn id="1" dur="indefinite" restart="never" nodeType="tmRoot">
-          <p:childTnLst>
-            <p:seq concurrent="1" nextAc="seek">
-              <p:cTn id="2" dur="indefinite" nodeType="mainSeq">
-                <p:childTnLst>
-                  <p:par>
-                    <p:cTn id="3" fill="hold">
-                      <p:stCondLst>
-                        <p:cond delay="indefinite"/>
-                      </p:stCondLst>
-                      <p:childTnLst>
-                        <p:par>
-                          <p:cTn id="4" fill="hold">
-                            <p:stCondLst>
-                              <p:cond delay="0"/>
-                            </p:stCondLst>
-                            <p:childTnLst>
-                              <p:par>
-                                <p:cTn id="5" presetID="1" presetClass="entr" presetSubtype="0" fill="hold" grpId="0" nodeType="clickEffect">
-                                  <p:stCondLst>
-                                    <p:cond delay="0"/>
-                                  </p:stCondLst>
-                                  <p:childTnLst>
-                                    <p:set>
-                                      <p:cBhvr>
-                                        <p:cTn id="6" dur="1" fill="hold">
-                                          <p:stCondLst>
-                                            <p:cond delay="0"/>
-                                          </p:stCondLst>
-                                        </p:cTn>
-                                        <p:tgtEl>
-                                          <p:spTgt spid="7"/>
-                                        </p:tgtEl>
-                                        <p:attrNameLst>
-                                          <p:attrName>style.visibility</p:attrName>
-                                        </p:attrNameLst>
-                                      </p:cBhvr>
-                                      <p:to>
-                                        <p:strVal val="visible"/>
-                                      </p:to>
-                                    </p:set>
-                                  </p:childTnLst>
-                                </p:cTn>
-                              </p:par>
-                            </p:childTnLst>
-                          </p:cTn>
-                        </p:par>
-                      </p:childTnLst>
-                    </p:cTn>
-                  </p:par>
-                  <p:par>
-                    <p:cTn id="7" fill="hold">
-                      <p:stCondLst>
-                        <p:cond delay="indefinite"/>
-                      </p:stCondLst>
-                      <p:childTnLst>
-                        <p:par>
-                          <p:cTn id="8" fill="hold">
-                            <p:stCondLst>
-                              <p:cond delay="0"/>
-                            </p:stCondLst>
-                            <p:childTnLst>
-                              <p:par>
-                                <p:cTn id="9" presetID="1" presetClass="exit" presetSubtype="0" fill="hold" grpId="0" nodeType="clickEffect">
-                                  <p:stCondLst>
-                                    <p:cond delay="0"/>
-                                  </p:stCondLst>
-                                  <p:childTnLst>
-                                    <p:set>
-                                      <p:cBhvr>
-                                        <p:cTn id="10" dur="1" fill="hold">
-                                          <p:stCondLst>
-                                            <p:cond delay="0"/>
-                                          </p:stCondLst>
-                                        </p:cTn>
-                                        <p:tgtEl>
-                                          <p:spTgt spid="6"/>
-                                        </p:tgtEl>
-                                        <p:attrNameLst>
-                                          <p:attrName>style.visibility</p:attrName>
-                                        </p:attrNameLst>
-                                      </p:cBhvr>
-                                      <p:to>
-                                        <p:strVal val="hidden"/>
-                                      </p:to>
-                                    </p:set>
-                                  </p:childTnLst>
-                                </p:cTn>
-                              </p:par>
-                              <p:par>
-                                <p:cTn id="11" presetID="1" presetClass="entr" presetSubtype="0" fill="hold" grpId="0" nodeType="withEffect">
-                                  <p:stCondLst>
-                                    <p:cond delay="0"/>
-                                  </p:stCondLst>
-                                  <p:childTnLst>
-                                    <p:set>
-                                      <p:cBhvr>
-                                        <p:cTn id="12" dur="1" fill="hold">
-                                          <p:stCondLst>
-                                            <p:cond delay="0"/>
-                                          </p:stCondLst>
-                                        </p:cTn>
-                                        <p:tgtEl>
-                                          <p:spTgt spid="3"/>
-                                        </p:tgtEl>
-                                        <p:attrNameLst>
-                                          <p:attrName>style.visibility</p:attrName>
-                                        </p:attrNameLst>
-                                      </p:cBhvr>
-                                      <p:to>
-                                        <p:strVal val="visible"/>
-                                      </p:to>
-                                    </p:set>
-                                  </p:childTnLst>
-                                </p:cTn>
-                              </p:par>
-                            </p:childTnLst>
-                          </p:cTn>
-                        </p:par>
-                      </p:childTnLst>
-                    </p:cTn>
-                  </p:par>
-                  <p:par>
-                    <p:cTn id="13" fill="hold">
-                      <p:stCondLst>
-                        <p:cond delay="indefinite"/>
-                      </p:stCondLst>
-                      <p:childTnLst>
-                        <p:par>
-                          <p:cTn id="14" fill="hold">
-                            <p:stCondLst>
-                              <p:cond delay="0"/>
-                            </p:stCondLst>
-                            <p:childTnLst>
-                              <p:par>
-                                <p:cTn id="15" presetID="1" presetClass="exit" presetSubtype="0" fill="hold" grpId="2" nodeType="clickEffect">
-                                  <p:stCondLst>
-                                    <p:cond delay="0"/>
-                                  </p:stCondLst>
-                                  <p:childTnLst>
-                                    <p:set>
-                                      <p:cBhvr>
-                                        <p:cTn id="16" dur="1" fill="hold">
-                                          <p:stCondLst>
-                                            <p:cond delay="0"/>
-                                          </p:stCondLst>
-                                        </p:cTn>
-                                        <p:tgtEl>
-                                          <p:spTgt spid="3"/>
-                                        </p:tgtEl>
-                                        <p:attrNameLst>
-                                          <p:attrName>style.visibility</p:attrName>
-                                        </p:attrNameLst>
-                                      </p:cBhvr>
-                                      <p:to>
-                                        <p:strVal val="hidden"/>
-                                      </p:to>
-                                    </p:set>
-                                  </p:childTnLst>
-                                </p:cTn>
-                              </p:par>
-                              <p:par>
-                                <p:cTn id="17" presetID="1" presetClass="entr" presetSubtype="0" fill="hold" grpId="1" nodeType="withEffect">
-                                  <p:stCondLst>
-                                    <p:cond delay="0"/>
-                                  </p:stCondLst>
-                                  <p:childTnLst>
-                                    <p:set>
-                                      <p:cBhvr>
-                                        <p:cTn id="18" dur="1" fill="hold">
-                                          <p:stCondLst>
-                                            <p:cond delay="0"/>
-                                          </p:stCondLst>
-                                        </p:cTn>
-                                        <p:tgtEl>
-                                          <p:spTgt spid="6"/>
-                                        </p:tgtEl>
-                                        <p:attrNameLst>
-                                          <p:attrName>style.visibility</p:attrName>
-                                        </p:attrNameLst>
-                                      </p:cBhvr>
-                                      <p:to>
-                                        <p:strVal val="visible"/>
-                                      </p:to>
-                                    </p:set>
-                                  </p:childTnLst>
-                                </p:cTn>
-                              </p:par>
-                            </p:childTnLst>
-                          </p:cTn>
-                        </p:par>
-                      </p:childTnLst>
-                    </p:cTn>
-                  </p:par>
-                </p:childTnLst>
-              </p:cTn>
-              <p:prevCondLst>
-                <p:cond evt="onPrev" delay="0">
-                  <p:tgtEl>
-                    <p:sldTgt/>
-                  </p:tgtEl>
-                </p:cond>
-              </p:prevCondLst>
-              <p:nextCondLst>
-                <p:cond evt="onNext" delay="0">
-                  <p:tgtEl>
-                    <p:sldTgt/>
-                  </p:tgtEl>
-                </p:cond>
-              </p:nextCondLst>
-            </p:seq>
-          </p:childTnLst>
-        </p:cTn>
-      </p:par>
-    </p:tnLst>
-    <p:bldLst>
-      <p:bldP spid="7" grpId="0"/>
-      <p:bldP spid="3" grpId="0"/>
-      <p:bldP spid="3" grpId="2"/>
-      <p:bldP spid="6" grpId="0"/>
-      <p:bldP spid="6" grpId="1"/>
     </p:bldLst>
   </p:timing>
 </p:sld>
@@ -18760,35 +19649,6 @@
 </file>
 
 <file path=customXml/item1.xml><?xml version="1.0" encoding="utf-8"?>
-<?mso-contentType ?>
-<FormTemplates xmlns="http://schemas.microsoft.com/sharepoint/v3/contenttype/forms">
-  <Display>DocumentLibraryForm</Display>
-  <Edit>DocumentLibraryForm</Edit>
-  <New>DocumentLibraryForm</New>
-</FormTemplates>
-</file>
-
-<file path=customXml/item2.xml><?xml version="1.0" encoding="utf-8"?>
-<p:properties xmlns:p="http://schemas.microsoft.com/office/2006/metadata/properties" xmlns:xsi="http://www.w3.org/2001/XMLSchema-instance" xmlns:pc="http://schemas.microsoft.com/office/infopath/2007/PartnerControls">
-  <documentManagement>
-    <Background xmlns="71af3243-3dd4-4a8d-8c0d-dd76da1f02a5">false</Background>
-    <Status xmlns="71af3243-3dd4-4a8d-8c0d-dd76da1f02a5">Not started</Status>
-    <_ip_UnifiedCompliancePolicyUIAction xmlns="http://schemas.microsoft.com/sharepoint/v3" xsi:nil="true"/>
-    <Image xmlns="71af3243-3dd4-4a8d-8c0d-dd76da1f02a5">
-      <Url xsi:nil="true"/>
-      <Description xsi:nil="true"/>
-    </Image>
-    <_ip_UnifiedCompliancePolicyProperties xmlns="http://schemas.microsoft.com/sharepoint/v3" xsi:nil="true"/>
-    <ImageTagsTaxHTField xmlns="71af3243-3dd4-4a8d-8c0d-dd76da1f02a5">
-      <Terms xmlns="http://schemas.microsoft.com/office/infopath/2007/PartnerControls"/>
-    </ImageTagsTaxHTField>
-    <TaxCatchAll xmlns="230e9df3-be65-4c73-a93b-d1236ebd677e" xsi:nil="true"/>
-    <MediaServiceKeyPoints xmlns="71af3243-3dd4-4a8d-8c0d-dd76da1f02a5" xsi:nil="true"/>
-  </documentManagement>
-</p:properties>
-</file>
-
-<file path=customXml/item3.xml><?xml version="1.0" encoding="utf-8"?>
 <ct:contentTypeSchema xmlns:ct="http://schemas.microsoft.com/office/2006/metadata/contentType" xmlns:ma="http://schemas.microsoft.com/office/2006/metadata/properties/metaAttributes" ct:_="" ma:_="" ma:contentTypeName="Document" ma:contentTypeID="0x01010079F111ED35F8CC479449609E8A0923A6" ma:contentTypeVersion="28" ma:contentTypeDescription="Create a new document." ma:contentTypeScope="" ma:versionID="60f5a4f2d2b0abadcf532d48ebf9cb71">
   <xsd:schema xmlns:xsd="http://www.w3.org/2001/XMLSchema" xmlns:xs="http://www.w3.org/2001/XMLSchema" xmlns:p="http://schemas.microsoft.com/office/2006/metadata/properties" xmlns:ns1="http://schemas.microsoft.com/sharepoint/v3" xmlns:ns2="71af3243-3dd4-4a8d-8c0d-dd76da1f02a5" xmlns:ns3="16c05727-aa75-4e4a-9b5f-8a80a1165891" xmlns:ns4="230e9df3-be65-4c73-a93b-d1236ebd677e" targetNamespace="http://schemas.microsoft.com/office/2006/metadata/properties" ma:root="true" ma:fieldsID="7dd78129e6a1811f84807ad11c651531" ns1:_="" ns2:_="" ns3:_="" ns4:_="">
     <xsd:import namespace="http://schemas.microsoft.com/sharepoint/v3"/>
@@ -19100,10 +19960,52 @@
 </ct:contentTypeSchema>
 </file>
 
+<file path=customXml/item2.xml><?xml version="1.0" encoding="utf-8"?>
+<p:properties xmlns:p="http://schemas.microsoft.com/office/2006/metadata/properties" xmlns:xsi="http://www.w3.org/2001/XMLSchema-instance" xmlns:pc="http://schemas.microsoft.com/office/infopath/2007/PartnerControls">
+  <documentManagement>
+    <Background xmlns="71af3243-3dd4-4a8d-8c0d-dd76da1f02a5">false</Background>
+    <Status xmlns="71af3243-3dd4-4a8d-8c0d-dd76da1f02a5">Not started</Status>
+    <_ip_UnifiedCompliancePolicyUIAction xmlns="http://schemas.microsoft.com/sharepoint/v3" xsi:nil="true"/>
+    <Image xmlns="71af3243-3dd4-4a8d-8c0d-dd76da1f02a5">
+      <Url xsi:nil="true"/>
+      <Description xsi:nil="true"/>
+    </Image>
+    <_ip_UnifiedCompliancePolicyProperties xmlns="http://schemas.microsoft.com/sharepoint/v3" xsi:nil="true"/>
+    <ImageTagsTaxHTField xmlns="71af3243-3dd4-4a8d-8c0d-dd76da1f02a5">
+      <Terms xmlns="http://schemas.microsoft.com/office/infopath/2007/PartnerControls"/>
+    </ImageTagsTaxHTField>
+    <TaxCatchAll xmlns="230e9df3-be65-4c73-a93b-d1236ebd677e" xsi:nil="true"/>
+    <MediaServiceKeyPoints xmlns="71af3243-3dd4-4a8d-8c0d-dd76da1f02a5" xsi:nil="true"/>
+  </documentManagement>
+</p:properties>
+</file>
+
+<file path=customXml/item3.xml><?xml version="1.0" encoding="utf-8"?>
+<?mso-contentType ?>
+<FormTemplates xmlns="http://schemas.microsoft.com/sharepoint/v3/contenttype/forms">
+  <Display>DocumentLibraryForm</Display>
+  <Edit>DocumentLibraryForm</Edit>
+  <New>DocumentLibraryForm</New>
+</FormTemplates>
+</file>
+
 <file path=customXml/itemProps1.xml><?xml version="1.0" encoding="utf-8"?>
-<ds:datastoreItem xmlns:ds="http://schemas.openxmlformats.org/officeDocument/2006/customXml" ds:itemID="{C21FFAC0-05A2-416A-B06C-C248395482CF}">
+<ds:datastoreItem xmlns:ds="http://schemas.openxmlformats.org/officeDocument/2006/customXml" ds:itemID="{92DB9E12-8AC3-4138-BF4D-720A5525AB10}">
   <ds:schemaRefs>
-    <ds:schemaRef ds:uri="http://schemas.microsoft.com/sharepoint/v3/contenttype/forms"/>
+    <ds:schemaRef ds:uri="http://schemas.microsoft.com/office/2006/metadata/contentType"/>
+    <ds:schemaRef ds:uri="http://schemas.microsoft.com/office/2006/metadata/properties/metaAttributes"/>
+    <ds:schemaRef ds:uri="http://www.w3.org/2001/XMLSchema"/>
+    <ds:schemaRef ds:uri="http://schemas.microsoft.com/office/2006/metadata/properties"/>
+    <ds:schemaRef ds:uri="http://schemas.microsoft.com/sharepoint/v3"/>
+    <ds:schemaRef ds:uri="71af3243-3dd4-4a8d-8c0d-dd76da1f02a5"/>
+    <ds:schemaRef ds:uri="16c05727-aa75-4e4a-9b5f-8a80a1165891"/>
+    <ds:schemaRef ds:uri="230e9df3-be65-4c73-a93b-d1236ebd677e"/>
+    <ds:schemaRef ds:uri="http://schemas.microsoft.com/office/2006/documentManagement/types"/>
+    <ds:schemaRef ds:uri="http://schemas.microsoft.com/office/infopath/2007/PartnerControls"/>
+    <ds:schemaRef ds:uri="http://schemas.openxmlformats.org/package/2006/metadata/core-properties"/>
+    <ds:schemaRef ds:uri="http://purl.org/dc/elements/1.1/"/>
+    <ds:schemaRef ds:uri="http://purl.org/dc/terms/"/>
+    <ds:schemaRef ds:uri="http://schemas.microsoft.com/internal/obd"/>
   </ds:schemaRefs>
 </ds:datastoreItem>
 </file>
@@ -19128,22 +20030,9 @@
 </file>
 
 <file path=customXml/itemProps3.xml><?xml version="1.0" encoding="utf-8"?>
-<ds:datastoreItem xmlns:ds="http://schemas.openxmlformats.org/officeDocument/2006/customXml" ds:itemID="{92DB9E12-8AC3-4138-BF4D-720A5525AB10}">
+<ds:datastoreItem xmlns:ds="http://schemas.openxmlformats.org/officeDocument/2006/customXml" ds:itemID="{C21FFAC0-05A2-416A-B06C-C248395482CF}">
   <ds:schemaRefs>
-    <ds:schemaRef ds:uri="http://schemas.microsoft.com/office/2006/metadata/contentType"/>
-    <ds:schemaRef ds:uri="http://schemas.microsoft.com/office/2006/metadata/properties/metaAttributes"/>
-    <ds:schemaRef ds:uri="http://www.w3.org/2001/XMLSchema"/>
-    <ds:schemaRef ds:uri="http://schemas.microsoft.com/office/2006/metadata/properties"/>
-    <ds:schemaRef ds:uri="http://schemas.microsoft.com/sharepoint/v3"/>
-    <ds:schemaRef ds:uri="71af3243-3dd4-4a8d-8c0d-dd76da1f02a5"/>
-    <ds:schemaRef ds:uri="16c05727-aa75-4e4a-9b5f-8a80a1165891"/>
-    <ds:schemaRef ds:uri="230e9df3-be65-4c73-a93b-d1236ebd677e"/>
-    <ds:schemaRef ds:uri="http://schemas.microsoft.com/office/2006/documentManagement/types"/>
-    <ds:schemaRef ds:uri="http://schemas.microsoft.com/office/infopath/2007/PartnerControls"/>
-    <ds:schemaRef ds:uri="http://schemas.openxmlformats.org/package/2006/metadata/core-properties"/>
-    <ds:schemaRef ds:uri="http://purl.org/dc/elements/1.1/"/>
-    <ds:schemaRef ds:uri="http://purl.org/dc/terms/"/>
-    <ds:schemaRef ds:uri="http://schemas.microsoft.com/internal/obd"/>
+    <ds:schemaRef ds:uri="http://schemas.microsoft.com/sharepoint/v3/contenttype/forms"/>
   </ds:schemaRefs>
 </ds:datastoreItem>
 </file>

--- a/Praesentation/MB-Veranstaltung_Sprachmodelle_0.1.pptx
+++ b/Praesentation/MB-Veranstaltung_Sprachmodelle_0.1.pptx
@@ -13548,58 +13548,671 @@
           <a:p>
             <a:r>
               <a:rPr lang="de-DE" dirty="0"/>
-              <a:t>Auslegung des Lehrplans zum Umgang mit Sprachmodellen</a:t>
+              <a:t>Szenarien zum Umgang mit dem Lehrplan</a:t>
             </a:r>
           </a:p>
         </p:txBody>
       </p:sp>
-      <p:sp>
-        <p:nvSpPr>
-          <p:cNvPr id="3" name="Textfeld 2">
+      <p:graphicFrame>
+        <p:nvGraphicFramePr>
+          <p:cNvPr id="4" name="Tabelle 3">
             <a:extLst>
               <a:ext uri="{FF2B5EF4-FFF2-40B4-BE49-F238E27FC236}">
-                <a16:creationId xmlns:a16="http://schemas.microsoft.com/office/drawing/2014/main" id="{7341B6AA-ECA7-1AD2-B9EA-A575B2911407}"/>
+                <a16:creationId xmlns:a16="http://schemas.microsoft.com/office/drawing/2014/main" id="{4F485E83-3EA6-6662-C694-CF97994524D9}"/>
               </a:ext>
             </a:extLst>
           </p:cNvPr>
-          <p:cNvSpPr txBox="1"/>
-          <p:nvPr/>
-        </p:nvSpPr>
-        <p:spPr>
-          <a:xfrm>
-            <a:off x="432314" y="1697631"/>
-            <a:ext cx="7217691" cy="461665"/>
-          </a:xfrm>
-          <a:prstGeom prst="rect">
-            <a:avLst/>
-          </a:prstGeom>
-          <a:noFill/>
-        </p:spPr>
-        <p:txBody>
-          <a:bodyPr wrap="square" rtlCol="0">
-            <a:spAutoFit/>
-          </a:bodyPr>
-          <a:lstStyle/>
-          <a:p>
-            <a:r>
-              <a:rPr lang="de-DE" sz="2400" dirty="0">
-                <a:solidFill>
-                  <a:schemeClr val="bg1"/>
-                </a:solidFill>
-              </a:rPr>
-              <a:t>Anwendung von Sprachmodellen auf </a:t>
-            </a:r>
-            <a:r>
-              <a:rPr lang="de-DE" sz="2400" b="1" dirty="0">
-                <a:solidFill>
-                  <a:schemeClr val="bg1"/>
-                </a:solidFill>
-              </a:rPr>
-              <a:t>Argument-Ebene</a:t>
-            </a:r>
-          </a:p>
-        </p:txBody>
-      </p:sp>
+          <p:cNvGraphicFramePr>
+            <a:graphicFrameLocks noGrp="1"/>
+          </p:cNvGraphicFramePr>
+          <p:nvPr>
+            <p:extLst>
+              <p:ext uri="{D42A27DB-BD31-4B8C-83A1-F6EECF244321}">
+                <p14:modId xmlns:p14="http://schemas.microsoft.com/office/powerpoint/2010/main" val="2232871247"/>
+              </p:ext>
+            </p:extLst>
+          </p:nvPr>
+        </p:nvGraphicFramePr>
+        <p:xfrm>
+          <a:off x="608464" y="1801846"/>
+          <a:ext cx="10775397" cy="4430360"/>
+        </p:xfrm>
+        <a:graphic>
+          <a:graphicData uri="http://schemas.openxmlformats.org/drawingml/2006/table">
+            <a:tbl>
+              <a:tblPr firstRow="1" bandRow="1">
+                <a:tableStyleId>{D7AC3CCA-C797-4891-BE02-D94E43425B78}</a:tableStyleId>
+              </a:tblPr>
+              <a:tblGrid>
+                <a:gridCol w="1535803">
+                  <a:extLst>
+                    <a:ext uri="{9D8B030D-6E8A-4147-A177-3AD203B41FA5}">
+                      <a16:colId xmlns:a16="http://schemas.microsoft.com/office/drawing/2014/main" val="3960106252"/>
+                    </a:ext>
+                  </a:extLst>
+                </a:gridCol>
+                <a:gridCol w="3623327">
+                  <a:extLst>
+                    <a:ext uri="{9D8B030D-6E8A-4147-A177-3AD203B41FA5}">
+                      <a16:colId xmlns:a16="http://schemas.microsoft.com/office/drawing/2014/main" val="1862185316"/>
+                    </a:ext>
+                  </a:extLst>
+                </a:gridCol>
+                <a:gridCol w="1698608">
+                  <a:extLst>
+                    <a:ext uri="{9D8B030D-6E8A-4147-A177-3AD203B41FA5}">
+                      <a16:colId xmlns:a16="http://schemas.microsoft.com/office/drawing/2014/main" val="3038646133"/>
+                    </a:ext>
+                  </a:extLst>
+                </a:gridCol>
+                <a:gridCol w="3917659">
+                  <a:extLst>
+                    <a:ext uri="{9D8B030D-6E8A-4147-A177-3AD203B41FA5}">
+                      <a16:colId xmlns:a16="http://schemas.microsoft.com/office/drawing/2014/main" val="3368283574"/>
+                    </a:ext>
+                  </a:extLst>
+                </a:gridCol>
+              </a:tblGrid>
+              <a:tr h="427234">
+                <a:tc>
+                  <a:txBody>
+                    <a:bodyPr/>
+                    <a:lstStyle/>
+                    <a:p>
+                      <a:r>
+                        <a:rPr lang="de-DE" dirty="0"/>
+                        <a:t>Szenario</a:t>
+                      </a:r>
+                    </a:p>
+                  </a:txBody>
+                  <a:tcPr/>
+                </a:tc>
+                <a:tc>
+                  <a:txBody>
+                    <a:bodyPr/>
+                    <a:lstStyle/>
+                    <a:p>
+                      <a:r>
+                        <a:rPr lang="de-DE" dirty="0"/>
+                        <a:t>Beschreibung</a:t>
+                      </a:r>
+                    </a:p>
+                  </a:txBody>
+                  <a:tcPr/>
+                </a:tc>
+                <a:tc>
+                  <a:txBody>
+                    <a:bodyPr/>
+                    <a:lstStyle/>
+                    <a:p>
+                      <a:r>
+                        <a:rPr lang="de-DE" dirty="0"/>
+                        <a:t>lokal/online</a:t>
+                      </a:r>
+                    </a:p>
+                  </a:txBody>
+                  <a:tcPr/>
+                </a:tc>
+                <a:tc>
+                  <a:txBody>
+                    <a:bodyPr/>
+                    <a:lstStyle/>
+                    <a:p>
+                      <a:r>
+                        <a:rPr lang="de-DE" dirty="0"/>
+                        <a:t>Beispiele</a:t>
+                      </a:r>
+                    </a:p>
+                  </a:txBody>
+                  <a:tcPr/>
+                </a:tc>
+                <a:extLst>
+                  <a:ext uri="{0D108BD9-81ED-4DB2-BD59-A6C34878D82A}">
+                    <a16:rowId xmlns:a16="http://schemas.microsoft.com/office/drawing/2014/main" val="3366258439"/>
+                  </a:ext>
+                </a:extLst>
+              </a:tr>
+              <a:tr h="1053454">
+                <a:tc>
+                  <a:txBody>
+                    <a:bodyPr/>
+                    <a:lstStyle/>
+                    <a:p>
+                      <a:pPr algn="ctr"/>
+                      <a:r>
+                        <a:rPr lang="de-DE" sz="3200" b="1" dirty="0"/>
+                        <a:t>A</a:t>
+                      </a:r>
+                    </a:p>
+                  </a:txBody>
+                  <a:tcPr anchor="ctr"/>
+                </a:tc>
+                <a:tc>
+                  <a:txBody>
+                    <a:bodyPr/>
+                    <a:lstStyle/>
+                    <a:p>
+                      <a:pPr marL="0" marR="0" lvl="0" indent="0" algn="l" defTabSz="914400" rtl="0" eaLnBrk="1" fontAlgn="auto" latinLnBrk="0" hangingPunct="1">
+                        <a:lnSpc>
+                          <a:spcPct val="100000"/>
+                        </a:lnSpc>
+                        <a:spcBef>
+                          <a:spcPts val="0"/>
+                        </a:spcBef>
+                        <a:spcAft>
+                          <a:spcPts val="0"/>
+                        </a:spcAft>
+                        <a:buClrTx/>
+                        <a:buSzTx/>
+                        <a:buFontTx/>
+                        <a:buNone/>
+                        <a:tabLst/>
+                        <a:defRPr/>
+                      </a:pPr>
+                      <a:r>
+                        <a:rPr lang="de-DE" sz="1800" dirty="0">
+                          <a:solidFill>
+                            <a:schemeClr val="bg1"/>
+                          </a:solidFill>
+                        </a:rPr>
+                        <a:t>Anwendung von Sprachmodellen auf </a:t>
+                      </a:r>
+                      <a:r>
+                        <a:rPr lang="de-DE" sz="1800" b="0" dirty="0">
+                          <a:solidFill>
+                            <a:schemeClr val="bg1"/>
+                          </a:solidFill>
+                        </a:rPr>
+                        <a:t>Argument-Ebene</a:t>
+                      </a:r>
+                    </a:p>
+                  </a:txBody>
+                  <a:tcPr anchor="ctr"/>
+                </a:tc>
+                <a:tc>
+                  <a:txBody>
+                    <a:bodyPr/>
+                    <a:lstStyle/>
+                    <a:p>
+                      <a:pPr algn="ctr"/>
+                      <a:r>
+                        <a:rPr lang="de-DE" dirty="0"/>
+                        <a:t>online</a:t>
+                      </a:r>
+                    </a:p>
+                  </a:txBody>
+                  <a:tcPr anchor="ctr"/>
+                </a:tc>
+                <a:tc>
+                  <a:txBody>
+                    <a:bodyPr/>
+                    <a:lstStyle/>
+                    <a:p>
+                      <a:r>
+                        <a:rPr lang="de-DE" dirty="0"/>
+                        <a:t>vorinstallierte Software (</a:t>
+                      </a:r>
+                      <a:r>
+                        <a:rPr lang="de-DE" dirty="0" err="1"/>
+                        <a:t>ByCS</a:t>
+                      </a:r>
+                      <a:r>
+                        <a:rPr lang="de-DE" dirty="0"/>
+                        <a:t>?, </a:t>
+                      </a:r>
+                      <a:r>
+                        <a:rPr lang="de-DE" dirty="0" err="1"/>
+                        <a:t>fobizz</a:t>
+                      </a:r>
+                      <a:r>
+                        <a:rPr lang="de-DE" dirty="0"/>
+                        <a:t>, Schul-KI … )</a:t>
+                      </a:r>
+                    </a:p>
+                    <a:p>
+                      <a:r>
+                        <a:rPr lang="de-DE" dirty="0"/>
+                        <a:t>OpenAI-Chatbot</a:t>
+                      </a:r>
+                    </a:p>
+                  </a:txBody>
+                  <a:tcPr anchor="ctr"/>
+                </a:tc>
+                <a:extLst>
+                  <a:ext uri="{0D108BD9-81ED-4DB2-BD59-A6C34878D82A}">
+                    <a16:rowId xmlns:a16="http://schemas.microsoft.com/office/drawing/2014/main" val="1744559286"/>
+                  </a:ext>
+                </a:extLst>
+              </a:tr>
+              <a:tr h="737418">
+                <a:tc>
+                  <a:txBody>
+                    <a:bodyPr/>
+                    <a:lstStyle/>
+                    <a:p>
+                      <a:pPr algn="ctr"/>
+                      <a:r>
+                        <a:rPr lang="de-DE" sz="3200" b="1" kern="1200" dirty="0">
+                          <a:solidFill>
+                            <a:schemeClr val="dk1"/>
+                          </a:solidFill>
+                          <a:latin typeface="+mn-lt"/>
+                          <a:ea typeface="+mn-ea"/>
+                          <a:cs typeface="+mn-cs"/>
+                        </a:rPr>
+                        <a:t>B</a:t>
+                      </a:r>
+                    </a:p>
+                  </a:txBody>
+                  <a:tcPr anchor="ctr"/>
+                </a:tc>
+                <a:tc>
+                  <a:txBody>
+                    <a:bodyPr/>
+                    <a:lstStyle/>
+                    <a:p>
+                      <a:pPr marL="0" marR="0" lvl="0" indent="0" algn="l" defTabSz="914400" rtl="0" eaLnBrk="1" fontAlgn="auto" latinLnBrk="0" hangingPunct="1">
+                        <a:lnSpc>
+                          <a:spcPct val="100000"/>
+                        </a:lnSpc>
+                        <a:spcBef>
+                          <a:spcPts val="0"/>
+                        </a:spcBef>
+                        <a:spcAft>
+                          <a:spcPts val="0"/>
+                        </a:spcAft>
+                        <a:buClrTx/>
+                        <a:buSzTx/>
+                        <a:buFontTx/>
+                        <a:buNone/>
+                        <a:tabLst/>
+                        <a:defRPr/>
+                      </a:pPr>
+                      <a:r>
+                        <a:rPr lang="de-DE" sz="1800" dirty="0">
+                          <a:solidFill>
+                            <a:schemeClr val="bg1"/>
+                          </a:solidFill>
+                        </a:rPr>
+                        <a:t>Anwendung von Sprachmodellen auf </a:t>
+                      </a:r>
+                      <a:r>
+                        <a:rPr lang="de-DE" sz="1800" b="0" dirty="0">
+                          <a:solidFill>
+                            <a:schemeClr val="bg1"/>
+                          </a:solidFill>
+                        </a:rPr>
+                        <a:t>Argument-Ebene</a:t>
+                      </a:r>
+                    </a:p>
+                  </a:txBody>
+                  <a:tcPr anchor="ctr"/>
+                </a:tc>
+                <a:tc>
+                  <a:txBody>
+                    <a:bodyPr/>
+                    <a:lstStyle/>
+                    <a:p>
+                      <a:pPr algn="ctr"/>
+                      <a:r>
+                        <a:rPr lang="de-DE" dirty="0"/>
+                        <a:t>lokal</a:t>
+                      </a:r>
+                    </a:p>
+                  </a:txBody>
+                  <a:tcPr anchor="ctr"/>
+                </a:tc>
+                <a:tc>
+                  <a:txBody>
+                    <a:bodyPr/>
+                    <a:lstStyle/>
+                    <a:p>
+                      <a:r>
+                        <a:rPr lang="de-DE" dirty="0" err="1"/>
+                        <a:t>ollama</a:t>
+                      </a:r>
+                      <a:r>
+                        <a:rPr lang="de-DE" dirty="0"/>
+                        <a:t>-Chatbot</a:t>
+                      </a:r>
+                    </a:p>
+                    <a:p>
+                      <a:r>
+                        <a:rPr lang="de-DE" dirty="0" err="1"/>
+                        <a:t>hugging</a:t>
+                      </a:r>
+                      <a:r>
+                        <a:rPr lang="de-DE" dirty="0"/>
+                        <a:t>-face-Chatbot</a:t>
+                      </a:r>
+                    </a:p>
+                  </a:txBody>
+                  <a:tcPr anchor="ctr"/>
+                </a:tc>
+                <a:extLst>
+                  <a:ext uri="{0D108BD9-81ED-4DB2-BD59-A6C34878D82A}">
+                    <a16:rowId xmlns:a16="http://schemas.microsoft.com/office/drawing/2014/main" val="2146034595"/>
+                  </a:ext>
+                </a:extLst>
+              </a:tr>
+              <a:tr h="737418">
+                <a:tc>
+                  <a:txBody>
+                    <a:bodyPr/>
+                    <a:lstStyle/>
+                    <a:p>
+                      <a:pPr algn="ctr"/>
+                      <a:r>
+                        <a:rPr lang="de-DE" sz="3200" b="1" kern="1200" dirty="0">
+                          <a:solidFill>
+                            <a:schemeClr val="dk1"/>
+                          </a:solidFill>
+                          <a:latin typeface="+mn-lt"/>
+                          <a:ea typeface="+mn-ea"/>
+                          <a:cs typeface="+mn-cs"/>
+                        </a:rPr>
+                        <a:t>C</a:t>
+                      </a:r>
+                    </a:p>
+                  </a:txBody>
+                  <a:tcPr anchor="ctr"/>
+                </a:tc>
+                <a:tc>
+                  <a:txBody>
+                    <a:bodyPr/>
+                    <a:lstStyle/>
+                    <a:p>
+                      <a:pPr marL="0" marR="0" lvl="0" indent="0" algn="l" defTabSz="914400" rtl="0" eaLnBrk="1" fontAlgn="auto" latinLnBrk="0" hangingPunct="1">
+                        <a:lnSpc>
+                          <a:spcPct val="100000"/>
+                        </a:lnSpc>
+                        <a:spcBef>
+                          <a:spcPts val="0"/>
+                        </a:spcBef>
+                        <a:spcAft>
+                          <a:spcPts val="0"/>
+                        </a:spcAft>
+                        <a:buClrTx/>
+                        <a:buSzTx/>
+                        <a:buFontTx/>
+                        <a:buNone/>
+                        <a:tabLst/>
+                        <a:defRPr/>
+                      </a:pPr>
+                      <a:r>
+                        <a:rPr lang="de-DE" sz="1800" dirty="0">
+                          <a:solidFill>
+                            <a:schemeClr val="bg1"/>
+                          </a:solidFill>
+                        </a:rPr>
+                        <a:t>Anwendung von Sprachmodellen auf </a:t>
+                      </a:r>
+                      <a:r>
+                        <a:rPr lang="de-DE" sz="1800" b="0" dirty="0">
+                          <a:solidFill>
+                            <a:schemeClr val="bg1"/>
+                          </a:solidFill>
+                        </a:rPr>
+                        <a:t>Modell-Ebene</a:t>
+                      </a:r>
+                    </a:p>
+                  </a:txBody>
+                  <a:tcPr anchor="ctr"/>
+                </a:tc>
+                <a:tc>
+                  <a:txBody>
+                    <a:bodyPr/>
+                    <a:lstStyle/>
+                    <a:p>
+                      <a:pPr algn="ctr"/>
+                      <a:r>
+                        <a:rPr lang="de-DE" dirty="0"/>
+                        <a:t>lokal/online</a:t>
+                      </a:r>
+                    </a:p>
+                  </a:txBody>
+                  <a:tcPr anchor="ctr"/>
+                </a:tc>
+                <a:tc>
+                  <a:txBody>
+                    <a:bodyPr/>
+                    <a:lstStyle/>
+                    <a:p>
+                      <a:r>
+                        <a:rPr lang="de-DE" dirty="0"/>
+                        <a:t>siehe Steckbriefe!</a:t>
+                      </a:r>
+                    </a:p>
+                  </a:txBody>
+                  <a:tcPr anchor="ctr"/>
+                </a:tc>
+                <a:extLst>
+                  <a:ext uri="{0D108BD9-81ED-4DB2-BD59-A6C34878D82A}">
+                    <a16:rowId xmlns:a16="http://schemas.microsoft.com/office/drawing/2014/main" val="1116899913"/>
+                  </a:ext>
+                </a:extLst>
+              </a:tr>
+              <a:tr h="737418">
+                <a:tc>
+                  <a:txBody>
+                    <a:bodyPr/>
+                    <a:lstStyle/>
+                    <a:p>
+                      <a:pPr algn="ctr"/>
+                      <a:r>
+                        <a:rPr lang="de-DE" sz="3200" b="1" kern="1200" dirty="0">
+                          <a:solidFill>
+                            <a:schemeClr val="dk1"/>
+                          </a:solidFill>
+                          <a:latin typeface="+mn-lt"/>
+                          <a:ea typeface="+mn-ea"/>
+                          <a:cs typeface="+mn-cs"/>
+                        </a:rPr>
+                        <a:t>D</a:t>
+                      </a:r>
+                    </a:p>
+                  </a:txBody>
+                  <a:tcPr anchor="ctr"/>
+                </a:tc>
+                <a:tc>
+                  <a:txBody>
+                    <a:bodyPr/>
+                    <a:lstStyle/>
+                    <a:p>
+                      <a:pPr marL="0" marR="0" lvl="0" indent="0" algn="l" defTabSz="914400" rtl="0" eaLnBrk="1" fontAlgn="auto" latinLnBrk="0" hangingPunct="1">
+                        <a:lnSpc>
+                          <a:spcPct val="100000"/>
+                        </a:lnSpc>
+                        <a:spcBef>
+                          <a:spcPts val="0"/>
+                        </a:spcBef>
+                        <a:spcAft>
+                          <a:spcPts val="0"/>
+                        </a:spcAft>
+                        <a:buClrTx/>
+                        <a:buSzTx/>
+                        <a:buFontTx/>
+                        <a:buNone/>
+                        <a:tabLst/>
+                        <a:defRPr/>
+                      </a:pPr>
+                      <a:r>
+                        <a:rPr lang="de-DE" sz="1800" dirty="0">
+                          <a:solidFill>
+                            <a:schemeClr val="bg1"/>
+                          </a:solidFill>
+                        </a:rPr>
+                        <a:t>Kombination von Sprachmodellen</a:t>
+                      </a:r>
+                      <a:endParaRPr lang="de-DE" sz="1800" b="0" dirty="0">
+                        <a:solidFill>
+                          <a:schemeClr val="bg1"/>
+                        </a:solidFill>
+                      </a:endParaRPr>
+                    </a:p>
+                  </a:txBody>
+                  <a:tcPr anchor="ctr"/>
+                </a:tc>
+                <a:tc>
+                  <a:txBody>
+                    <a:bodyPr/>
+                    <a:lstStyle/>
+                    <a:p>
+                      <a:pPr algn="ctr"/>
+                      <a:r>
+                        <a:rPr lang="de-DE" dirty="0"/>
+                        <a:t>lokal/online</a:t>
+                      </a:r>
+                    </a:p>
+                  </a:txBody>
+                  <a:tcPr anchor="ctr"/>
+                </a:tc>
+                <a:tc>
+                  <a:txBody>
+                    <a:bodyPr/>
+                    <a:lstStyle/>
+                    <a:p>
+                      <a:pPr marL="0" marR="0" lvl="0" indent="0" algn="l" defTabSz="914400" rtl="0" eaLnBrk="1" fontAlgn="auto" latinLnBrk="0" hangingPunct="1">
+                        <a:lnSpc>
+                          <a:spcPct val="100000"/>
+                        </a:lnSpc>
+                        <a:spcBef>
+                          <a:spcPts val="0"/>
+                        </a:spcBef>
+                        <a:spcAft>
+                          <a:spcPts val="0"/>
+                        </a:spcAft>
+                        <a:buClrTx/>
+                        <a:buSzTx/>
+                        <a:buFontTx/>
+                        <a:buNone/>
+                        <a:tabLst/>
+                        <a:defRPr/>
+                      </a:pPr>
+                      <a:r>
+                        <a:rPr lang="de-DE" dirty="0"/>
+                        <a:t>siehe Steckbriefe!</a:t>
+                      </a:r>
+                    </a:p>
+                  </a:txBody>
+                  <a:tcPr anchor="ctr"/>
+                </a:tc>
+                <a:extLst>
+                  <a:ext uri="{0D108BD9-81ED-4DB2-BD59-A6C34878D82A}">
+                    <a16:rowId xmlns:a16="http://schemas.microsoft.com/office/drawing/2014/main" val="2183133734"/>
+                  </a:ext>
+                </a:extLst>
+              </a:tr>
+              <a:tr h="737418">
+                <a:tc>
+                  <a:txBody>
+                    <a:bodyPr/>
+                    <a:lstStyle/>
+                    <a:p>
+                      <a:pPr algn="ctr"/>
+                      <a:r>
+                        <a:rPr lang="de-DE" sz="3200" b="1" kern="1200" dirty="0">
+                          <a:solidFill>
+                            <a:schemeClr val="dk1"/>
+                          </a:solidFill>
+                          <a:latin typeface="+mn-lt"/>
+                          <a:ea typeface="+mn-ea"/>
+                          <a:cs typeface="+mn-cs"/>
+                        </a:rPr>
+                        <a:t>E</a:t>
+                      </a:r>
+                    </a:p>
+                  </a:txBody>
+                  <a:tcPr anchor="ctr"/>
+                </a:tc>
+                <a:tc>
+                  <a:txBody>
+                    <a:bodyPr/>
+                    <a:lstStyle/>
+                    <a:p>
+                      <a:pPr marL="0" marR="0" lvl="0" indent="0" algn="l" defTabSz="914400" rtl="0" eaLnBrk="1" fontAlgn="auto" latinLnBrk="0" hangingPunct="1">
+                        <a:lnSpc>
+                          <a:spcPct val="100000"/>
+                        </a:lnSpc>
+                        <a:spcBef>
+                          <a:spcPts val="0"/>
+                        </a:spcBef>
+                        <a:spcAft>
+                          <a:spcPts val="0"/>
+                        </a:spcAft>
+                        <a:buClrTx/>
+                        <a:buSzTx/>
+                        <a:buFontTx/>
+                        <a:buNone/>
+                        <a:tabLst/>
+                        <a:defRPr/>
+                      </a:pPr>
+                      <a:r>
+                        <a:rPr lang="de-DE" sz="1800" b="0" dirty="0">
+                          <a:solidFill>
+                            <a:schemeClr val="bg1"/>
+                          </a:solidFill>
+                        </a:rPr>
+                        <a:t>Selbststudium</a:t>
+                      </a:r>
+                    </a:p>
+                  </a:txBody>
+                  <a:tcPr anchor="ctr"/>
+                </a:tc>
+                <a:tc>
+                  <a:txBody>
+                    <a:bodyPr/>
+                    <a:lstStyle/>
+                    <a:p>
+                      <a:pPr algn="ctr"/>
+                      <a:r>
+                        <a:rPr lang="de-DE" dirty="0"/>
+                        <a:t>online</a:t>
+                      </a:r>
+                    </a:p>
+                  </a:txBody>
+                  <a:tcPr anchor="ctr"/>
+                </a:tc>
+                <a:tc>
+                  <a:txBody>
+                    <a:bodyPr/>
+                    <a:lstStyle/>
+                    <a:p>
+                      <a:pPr marL="0" marR="0" lvl="0" indent="0" algn="l" defTabSz="914400" rtl="0" eaLnBrk="1" fontAlgn="auto" latinLnBrk="0" hangingPunct="1">
+                        <a:lnSpc>
+                          <a:spcPct val="100000"/>
+                        </a:lnSpc>
+                        <a:spcBef>
+                          <a:spcPts val="0"/>
+                        </a:spcBef>
+                        <a:spcAft>
+                          <a:spcPts val="0"/>
+                        </a:spcAft>
+                        <a:buClrTx/>
+                        <a:buSzTx/>
+                        <a:buFontTx/>
+                        <a:buNone/>
+                        <a:tabLst/>
+                        <a:defRPr/>
+                      </a:pPr>
+                      <a:r>
+                        <a:rPr lang="de-DE" dirty="0"/>
+                        <a:t>siehe Steckbriefe!</a:t>
+                      </a:r>
+                    </a:p>
+                  </a:txBody>
+                  <a:tcPr anchor="ctr"/>
+                </a:tc>
+                <a:extLst>
+                  <a:ext uri="{0D108BD9-81ED-4DB2-BD59-A6C34878D82A}">
+                    <a16:rowId xmlns:a16="http://schemas.microsoft.com/office/drawing/2014/main" val="466700111"/>
+                  </a:ext>
+                </a:extLst>
+              </a:tr>
+            </a:tbl>
+          </a:graphicData>
+        </a:graphic>
+      </p:graphicFrame>
     </p:spTree>
     <p:extLst>
       <p:ext uri="{BB962C8B-B14F-4D97-AF65-F5344CB8AC3E}">
@@ -13610,84 +14223,6 @@
   <p:clrMapOvr>
     <a:masterClrMapping/>
   </p:clrMapOvr>
-  <p:timing>
-    <p:tnLst>
-      <p:par>
-        <p:cTn id="1" dur="indefinite" restart="never" nodeType="tmRoot">
-          <p:childTnLst>
-            <p:seq concurrent="1" nextAc="seek">
-              <p:cTn id="2" dur="indefinite" nodeType="mainSeq">
-                <p:childTnLst>
-                  <p:par>
-                    <p:cTn id="3" fill="hold">
-                      <p:stCondLst>
-                        <p:cond delay="indefinite"/>
-                      </p:stCondLst>
-                      <p:childTnLst>
-                        <p:par>
-                          <p:cTn id="4" fill="hold">
-                            <p:stCondLst>
-                              <p:cond delay="0"/>
-                            </p:stCondLst>
-                            <p:childTnLst>
-                              <p:par>
-                                <p:cTn id="5" presetID="1" presetClass="entr" presetSubtype="0" fill="hold" grpId="0" nodeType="clickEffect">
-                                  <p:stCondLst>
-                                    <p:cond delay="0"/>
-                                  </p:stCondLst>
-                                  <p:childTnLst>
-                                    <p:set>
-                                      <p:cBhvr>
-                                        <p:cTn id="6" dur="1" fill="hold">
-                                          <p:stCondLst>
-                                            <p:cond delay="0"/>
-                                          </p:stCondLst>
-                                        </p:cTn>
-                                        <p:tgtEl>
-                                          <p:spTgt spid="3"/>
-                                        </p:tgtEl>
-                                        <p:attrNameLst>
-                                          <p:attrName>style.visibility</p:attrName>
-                                        </p:attrNameLst>
-                                      </p:cBhvr>
-                                      <p:to>
-                                        <p:strVal val="visible"/>
-                                      </p:to>
-                                    </p:set>
-                                  </p:childTnLst>
-                                </p:cTn>
-                              </p:par>
-                            </p:childTnLst>
-                          </p:cTn>
-                        </p:par>
-                      </p:childTnLst>
-                    </p:cTn>
-                  </p:par>
-                </p:childTnLst>
-              </p:cTn>
-              <p:prevCondLst>
-                <p:cond evt="onPrev" delay="0">
-                  <p:tgtEl>
-                    <p:sldTgt/>
-                  </p:tgtEl>
-                </p:cond>
-              </p:prevCondLst>
-              <p:nextCondLst>
-                <p:cond evt="onNext" delay="0">
-                  <p:tgtEl>
-                    <p:sldTgt/>
-                  </p:tgtEl>
-                </p:cond>
-              </p:nextCondLst>
-            </p:seq>
-          </p:childTnLst>
-        </p:cTn>
-      </p:par>
-    </p:tnLst>
-    <p:bldLst>
-      <p:bldP spid="3" grpId="0"/>
-    </p:bldLst>
-  </p:timing>
 </p:sld>
 </file>
 
@@ -13741,7 +14276,7 @@
             <a:pPr algn="ctr" rtl="0"/>
             <a:r>
               <a:rPr lang="de-DE" sz="5400" dirty="0"/>
-              <a:t>Vielen Dank für Ihre Aufmerksamkeit</a:t>
+              <a:t>Vielen Dank für Ihre Teilnahme</a:t>
             </a:r>
           </a:p>
         </p:txBody>
@@ -14193,6 +14728,7 @@
           </a:bodyPr>
           <a:lstStyle/>
           <a:p>
+            <a:pPr algn="ctr"/>
             <a:r>
               <a:rPr lang="de-DE" sz="2800" b="1" dirty="0">
                 <a:solidFill>
@@ -14232,6 +14768,7 @@
           </a:bodyPr>
           <a:lstStyle/>
           <a:p>
+            <a:pPr algn="ctr"/>
             <a:r>
               <a:rPr lang="de-DE" sz="2800" b="1" dirty="0">
                 <a:solidFill>
@@ -14271,6 +14808,7 @@
           </a:bodyPr>
           <a:lstStyle/>
           <a:p>
+            <a:pPr algn="ctr"/>
             <a:r>
               <a:rPr lang="de-DE" sz="2800" b="1" dirty="0">
                 <a:solidFill>
@@ -17778,6 +18316,7 @@
           </a:bodyPr>
           <a:lstStyle/>
           <a:p>
+            <a:pPr algn="ctr"/>
             <a:r>
               <a:rPr lang="de-DE" sz="2000" dirty="0">
                 <a:solidFill>
@@ -17817,6 +18356,7 @@
           </a:bodyPr>
           <a:lstStyle/>
           <a:p>
+            <a:pPr algn="ctr"/>
             <a:r>
               <a:rPr lang="de-DE" sz="2000" dirty="0">
                 <a:solidFill>
@@ -17872,6 +18412,7 @@
           </a:bodyPr>
           <a:lstStyle/>
           <a:p>
+            <a:pPr algn="ctr"/>
             <a:r>
               <a:rPr lang="de-DE" sz="2000" dirty="0">
                 <a:solidFill>
@@ -17955,6 +18496,7 @@
           </a:bodyPr>
           <a:lstStyle/>
           <a:p>
+            <a:pPr algn="ctr"/>
             <a:r>
               <a:rPr lang="de-DE" sz="2000" dirty="0">
                 <a:solidFill>
@@ -19649,6 +20191,35 @@
 </file>
 
 <file path=customXml/item1.xml><?xml version="1.0" encoding="utf-8"?>
+<?mso-contentType ?>
+<FormTemplates xmlns="http://schemas.microsoft.com/sharepoint/v3/contenttype/forms">
+  <Display>DocumentLibraryForm</Display>
+  <Edit>DocumentLibraryForm</Edit>
+  <New>DocumentLibraryForm</New>
+</FormTemplates>
+</file>
+
+<file path=customXml/item2.xml><?xml version="1.0" encoding="utf-8"?>
+<p:properties xmlns:p="http://schemas.microsoft.com/office/2006/metadata/properties" xmlns:xsi="http://www.w3.org/2001/XMLSchema-instance" xmlns:pc="http://schemas.microsoft.com/office/infopath/2007/PartnerControls">
+  <documentManagement>
+    <Background xmlns="71af3243-3dd4-4a8d-8c0d-dd76da1f02a5">false</Background>
+    <Status xmlns="71af3243-3dd4-4a8d-8c0d-dd76da1f02a5">Not started</Status>
+    <_ip_UnifiedCompliancePolicyUIAction xmlns="http://schemas.microsoft.com/sharepoint/v3" xsi:nil="true"/>
+    <Image xmlns="71af3243-3dd4-4a8d-8c0d-dd76da1f02a5">
+      <Url xsi:nil="true"/>
+      <Description xsi:nil="true"/>
+    </Image>
+    <_ip_UnifiedCompliancePolicyProperties xmlns="http://schemas.microsoft.com/sharepoint/v3" xsi:nil="true"/>
+    <ImageTagsTaxHTField xmlns="71af3243-3dd4-4a8d-8c0d-dd76da1f02a5">
+      <Terms xmlns="http://schemas.microsoft.com/office/infopath/2007/PartnerControls"/>
+    </ImageTagsTaxHTField>
+    <TaxCatchAll xmlns="230e9df3-be65-4c73-a93b-d1236ebd677e" xsi:nil="true"/>
+    <MediaServiceKeyPoints xmlns="71af3243-3dd4-4a8d-8c0d-dd76da1f02a5" xsi:nil="true"/>
+  </documentManagement>
+</p:properties>
+</file>
+
+<file path=customXml/item3.xml><?xml version="1.0" encoding="utf-8"?>
 <ct:contentTypeSchema xmlns:ct="http://schemas.microsoft.com/office/2006/metadata/contentType" xmlns:ma="http://schemas.microsoft.com/office/2006/metadata/properties/metaAttributes" ct:_="" ma:_="" ma:contentTypeName="Document" ma:contentTypeID="0x01010079F111ED35F8CC479449609E8A0923A6" ma:contentTypeVersion="28" ma:contentTypeDescription="Create a new document." ma:contentTypeScope="" ma:versionID="60f5a4f2d2b0abadcf532d48ebf9cb71">
   <xsd:schema xmlns:xsd="http://www.w3.org/2001/XMLSchema" xmlns:xs="http://www.w3.org/2001/XMLSchema" xmlns:p="http://schemas.microsoft.com/office/2006/metadata/properties" xmlns:ns1="http://schemas.microsoft.com/sharepoint/v3" xmlns:ns2="71af3243-3dd4-4a8d-8c0d-dd76da1f02a5" xmlns:ns3="16c05727-aa75-4e4a-9b5f-8a80a1165891" xmlns:ns4="230e9df3-be65-4c73-a93b-d1236ebd677e" targetNamespace="http://schemas.microsoft.com/office/2006/metadata/properties" ma:root="true" ma:fieldsID="7dd78129e6a1811f84807ad11c651531" ns1:_="" ns2:_="" ns3:_="" ns4:_="">
     <xsd:import namespace="http://schemas.microsoft.com/sharepoint/v3"/>
@@ -19960,52 +20531,10 @@
 </ct:contentTypeSchema>
 </file>
 
-<file path=customXml/item2.xml><?xml version="1.0" encoding="utf-8"?>
-<p:properties xmlns:p="http://schemas.microsoft.com/office/2006/metadata/properties" xmlns:xsi="http://www.w3.org/2001/XMLSchema-instance" xmlns:pc="http://schemas.microsoft.com/office/infopath/2007/PartnerControls">
-  <documentManagement>
-    <Background xmlns="71af3243-3dd4-4a8d-8c0d-dd76da1f02a5">false</Background>
-    <Status xmlns="71af3243-3dd4-4a8d-8c0d-dd76da1f02a5">Not started</Status>
-    <_ip_UnifiedCompliancePolicyUIAction xmlns="http://schemas.microsoft.com/sharepoint/v3" xsi:nil="true"/>
-    <Image xmlns="71af3243-3dd4-4a8d-8c0d-dd76da1f02a5">
-      <Url xsi:nil="true"/>
-      <Description xsi:nil="true"/>
-    </Image>
-    <_ip_UnifiedCompliancePolicyProperties xmlns="http://schemas.microsoft.com/sharepoint/v3" xsi:nil="true"/>
-    <ImageTagsTaxHTField xmlns="71af3243-3dd4-4a8d-8c0d-dd76da1f02a5">
-      <Terms xmlns="http://schemas.microsoft.com/office/infopath/2007/PartnerControls"/>
-    </ImageTagsTaxHTField>
-    <TaxCatchAll xmlns="230e9df3-be65-4c73-a93b-d1236ebd677e" xsi:nil="true"/>
-    <MediaServiceKeyPoints xmlns="71af3243-3dd4-4a8d-8c0d-dd76da1f02a5" xsi:nil="true"/>
-  </documentManagement>
-</p:properties>
-</file>
-
-<file path=customXml/item3.xml><?xml version="1.0" encoding="utf-8"?>
-<?mso-contentType ?>
-<FormTemplates xmlns="http://schemas.microsoft.com/sharepoint/v3/contenttype/forms">
-  <Display>DocumentLibraryForm</Display>
-  <Edit>DocumentLibraryForm</Edit>
-  <New>DocumentLibraryForm</New>
-</FormTemplates>
-</file>
-
 <file path=customXml/itemProps1.xml><?xml version="1.0" encoding="utf-8"?>
-<ds:datastoreItem xmlns:ds="http://schemas.openxmlformats.org/officeDocument/2006/customXml" ds:itemID="{92DB9E12-8AC3-4138-BF4D-720A5525AB10}">
+<ds:datastoreItem xmlns:ds="http://schemas.openxmlformats.org/officeDocument/2006/customXml" ds:itemID="{C21FFAC0-05A2-416A-B06C-C248395482CF}">
   <ds:schemaRefs>
-    <ds:schemaRef ds:uri="http://schemas.microsoft.com/office/2006/metadata/contentType"/>
-    <ds:schemaRef ds:uri="http://schemas.microsoft.com/office/2006/metadata/properties/metaAttributes"/>
-    <ds:schemaRef ds:uri="http://www.w3.org/2001/XMLSchema"/>
-    <ds:schemaRef ds:uri="http://schemas.microsoft.com/office/2006/metadata/properties"/>
-    <ds:schemaRef ds:uri="http://schemas.microsoft.com/sharepoint/v3"/>
-    <ds:schemaRef ds:uri="71af3243-3dd4-4a8d-8c0d-dd76da1f02a5"/>
-    <ds:schemaRef ds:uri="16c05727-aa75-4e4a-9b5f-8a80a1165891"/>
-    <ds:schemaRef ds:uri="230e9df3-be65-4c73-a93b-d1236ebd677e"/>
-    <ds:schemaRef ds:uri="http://schemas.microsoft.com/office/2006/documentManagement/types"/>
-    <ds:schemaRef ds:uri="http://schemas.microsoft.com/office/infopath/2007/PartnerControls"/>
-    <ds:schemaRef ds:uri="http://schemas.openxmlformats.org/package/2006/metadata/core-properties"/>
-    <ds:schemaRef ds:uri="http://purl.org/dc/elements/1.1/"/>
-    <ds:schemaRef ds:uri="http://purl.org/dc/terms/"/>
-    <ds:schemaRef ds:uri="http://schemas.microsoft.com/internal/obd"/>
+    <ds:schemaRef ds:uri="http://schemas.microsoft.com/sharepoint/v3/contenttype/forms"/>
   </ds:schemaRefs>
 </ds:datastoreItem>
 </file>
@@ -20030,9 +20559,22 @@
 </file>
 
 <file path=customXml/itemProps3.xml><?xml version="1.0" encoding="utf-8"?>
-<ds:datastoreItem xmlns:ds="http://schemas.openxmlformats.org/officeDocument/2006/customXml" ds:itemID="{C21FFAC0-05A2-416A-B06C-C248395482CF}">
+<ds:datastoreItem xmlns:ds="http://schemas.openxmlformats.org/officeDocument/2006/customXml" ds:itemID="{92DB9E12-8AC3-4138-BF4D-720A5525AB10}">
   <ds:schemaRefs>
-    <ds:schemaRef ds:uri="http://schemas.microsoft.com/sharepoint/v3/contenttype/forms"/>
+    <ds:schemaRef ds:uri="http://schemas.microsoft.com/office/2006/metadata/contentType"/>
+    <ds:schemaRef ds:uri="http://schemas.microsoft.com/office/2006/metadata/properties/metaAttributes"/>
+    <ds:schemaRef ds:uri="http://www.w3.org/2001/XMLSchema"/>
+    <ds:schemaRef ds:uri="http://schemas.microsoft.com/office/2006/metadata/properties"/>
+    <ds:schemaRef ds:uri="http://schemas.microsoft.com/sharepoint/v3"/>
+    <ds:schemaRef ds:uri="71af3243-3dd4-4a8d-8c0d-dd76da1f02a5"/>
+    <ds:schemaRef ds:uri="16c05727-aa75-4e4a-9b5f-8a80a1165891"/>
+    <ds:schemaRef ds:uri="230e9df3-be65-4c73-a93b-d1236ebd677e"/>
+    <ds:schemaRef ds:uri="http://schemas.microsoft.com/office/2006/documentManagement/types"/>
+    <ds:schemaRef ds:uri="http://schemas.microsoft.com/office/infopath/2007/PartnerControls"/>
+    <ds:schemaRef ds:uri="http://schemas.openxmlformats.org/package/2006/metadata/core-properties"/>
+    <ds:schemaRef ds:uri="http://purl.org/dc/elements/1.1/"/>
+    <ds:schemaRef ds:uri="http://purl.org/dc/terms/"/>
+    <ds:schemaRef ds:uri="http://schemas.microsoft.com/internal/obd"/>
   </ds:schemaRefs>
 </ds:datastoreItem>
 </file>

--- a/Praesentation/MB-Veranstaltung_Sprachmodelle_0.1.pptx
+++ b/Praesentation/MB-Veranstaltung_Sprachmodelle_0.1.pptx
@@ -1046,8 +1046,13 @@
             <a:pPr rtl="0"/>
             <a:r>
               <a:rPr lang="de-DE" dirty="0"/>
-              <a:t>Allgemeine Informationen (ab 09:30 Uhr)</a:t>
+              <a:t>Allgemeine Informationen (ab </a:t>
             </a:r>
+            <a:r>
+              <a:rPr lang="de-DE"/>
+              <a:t>09:30 Uhr)</a:t>
+            </a:r>
+            <a:endParaRPr lang="de-DE" dirty="0"/>
           </a:p>
           <a:p>
             <a:pPr rtl="0"/>
@@ -18307,6 +18312,35 @@
 </file>
 
 <file path=customXml/item1.xml><?xml version="1.0" encoding="utf-8"?>
+<?mso-contentType ?>
+<FormTemplates xmlns="http://schemas.microsoft.com/sharepoint/v3/contenttype/forms">
+  <Display>DocumentLibraryForm</Display>
+  <Edit>DocumentLibraryForm</Edit>
+  <New>DocumentLibraryForm</New>
+</FormTemplates>
+</file>
+
+<file path=customXml/item2.xml><?xml version="1.0" encoding="utf-8"?>
+<p:properties xmlns:p="http://schemas.microsoft.com/office/2006/metadata/properties" xmlns:xsi="http://www.w3.org/2001/XMLSchema-instance" xmlns:pc="http://schemas.microsoft.com/office/infopath/2007/PartnerControls">
+  <documentManagement>
+    <Background xmlns="71af3243-3dd4-4a8d-8c0d-dd76da1f02a5">false</Background>
+    <Status xmlns="71af3243-3dd4-4a8d-8c0d-dd76da1f02a5">Not started</Status>
+    <_ip_UnifiedCompliancePolicyUIAction xmlns="http://schemas.microsoft.com/sharepoint/v3" xsi:nil="true"/>
+    <Image xmlns="71af3243-3dd4-4a8d-8c0d-dd76da1f02a5">
+      <Url xsi:nil="true"/>
+      <Description xsi:nil="true"/>
+    </Image>
+    <_ip_UnifiedCompliancePolicyProperties xmlns="http://schemas.microsoft.com/sharepoint/v3" xsi:nil="true"/>
+    <ImageTagsTaxHTField xmlns="71af3243-3dd4-4a8d-8c0d-dd76da1f02a5">
+      <Terms xmlns="http://schemas.microsoft.com/office/infopath/2007/PartnerControls"/>
+    </ImageTagsTaxHTField>
+    <TaxCatchAll xmlns="230e9df3-be65-4c73-a93b-d1236ebd677e" xsi:nil="true"/>
+    <MediaServiceKeyPoints xmlns="71af3243-3dd4-4a8d-8c0d-dd76da1f02a5" xsi:nil="true"/>
+  </documentManagement>
+</p:properties>
+</file>
+
+<file path=customXml/item3.xml><?xml version="1.0" encoding="utf-8"?>
 <ct:contentTypeSchema xmlns:ct="http://schemas.microsoft.com/office/2006/metadata/contentType" xmlns:ma="http://schemas.microsoft.com/office/2006/metadata/properties/metaAttributes" ct:_="" ma:_="" ma:contentTypeName="Document" ma:contentTypeID="0x01010079F111ED35F8CC479449609E8A0923A6" ma:contentTypeVersion="28" ma:contentTypeDescription="Create a new document." ma:contentTypeScope="" ma:versionID="60f5a4f2d2b0abadcf532d48ebf9cb71">
   <xsd:schema xmlns:xsd="http://www.w3.org/2001/XMLSchema" xmlns:xs="http://www.w3.org/2001/XMLSchema" xmlns:p="http://schemas.microsoft.com/office/2006/metadata/properties" xmlns:ns1="http://schemas.microsoft.com/sharepoint/v3" xmlns:ns2="71af3243-3dd4-4a8d-8c0d-dd76da1f02a5" xmlns:ns3="16c05727-aa75-4e4a-9b5f-8a80a1165891" xmlns:ns4="230e9df3-be65-4c73-a93b-d1236ebd677e" targetNamespace="http://schemas.microsoft.com/office/2006/metadata/properties" ma:root="true" ma:fieldsID="7dd78129e6a1811f84807ad11c651531" ns1:_="" ns2:_="" ns3:_="" ns4:_="">
     <xsd:import namespace="http://schemas.microsoft.com/sharepoint/v3"/>
@@ -18618,52 +18652,10 @@
 </ct:contentTypeSchema>
 </file>
 
-<file path=customXml/item2.xml><?xml version="1.0" encoding="utf-8"?>
-<p:properties xmlns:p="http://schemas.microsoft.com/office/2006/metadata/properties" xmlns:xsi="http://www.w3.org/2001/XMLSchema-instance" xmlns:pc="http://schemas.microsoft.com/office/infopath/2007/PartnerControls">
-  <documentManagement>
-    <Background xmlns="71af3243-3dd4-4a8d-8c0d-dd76da1f02a5">false</Background>
-    <Status xmlns="71af3243-3dd4-4a8d-8c0d-dd76da1f02a5">Not started</Status>
-    <_ip_UnifiedCompliancePolicyUIAction xmlns="http://schemas.microsoft.com/sharepoint/v3" xsi:nil="true"/>
-    <Image xmlns="71af3243-3dd4-4a8d-8c0d-dd76da1f02a5">
-      <Url xsi:nil="true"/>
-      <Description xsi:nil="true"/>
-    </Image>
-    <_ip_UnifiedCompliancePolicyProperties xmlns="http://schemas.microsoft.com/sharepoint/v3" xsi:nil="true"/>
-    <ImageTagsTaxHTField xmlns="71af3243-3dd4-4a8d-8c0d-dd76da1f02a5">
-      <Terms xmlns="http://schemas.microsoft.com/office/infopath/2007/PartnerControls"/>
-    </ImageTagsTaxHTField>
-    <TaxCatchAll xmlns="230e9df3-be65-4c73-a93b-d1236ebd677e" xsi:nil="true"/>
-    <MediaServiceKeyPoints xmlns="71af3243-3dd4-4a8d-8c0d-dd76da1f02a5" xsi:nil="true"/>
-  </documentManagement>
-</p:properties>
-</file>
-
-<file path=customXml/item3.xml><?xml version="1.0" encoding="utf-8"?>
-<?mso-contentType ?>
-<FormTemplates xmlns="http://schemas.microsoft.com/sharepoint/v3/contenttype/forms">
-  <Display>DocumentLibraryForm</Display>
-  <Edit>DocumentLibraryForm</Edit>
-  <New>DocumentLibraryForm</New>
-</FormTemplates>
-</file>
-
 <file path=customXml/itemProps1.xml><?xml version="1.0" encoding="utf-8"?>
-<ds:datastoreItem xmlns:ds="http://schemas.openxmlformats.org/officeDocument/2006/customXml" ds:itemID="{92DB9E12-8AC3-4138-BF4D-720A5525AB10}">
+<ds:datastoreItem xmlns:ds="http://schemas.openxmlformats.org/officeDocument/2006/customXml" ds:itemID="{C21FFAC0-05A2-416A-B06C-C248395482CF}">
   <ds:schemaRefs>
-    <ds:schemaRef ds:uri="http://schemas.microsoft.com/office/2006/metadata/contentType"/>
-    <ds:schemaRef ds:uri="http://schemas.microsoft.com/office/2006/metadata/properties/metaAttributes"/>
-    <ds:schemaRef ds:uri="http://www.w3.org/2001/XMLSchema"/>
-    <ds:schemaRef ds:uri="http://schemas.microsoft.com/office/2006/metadata/properties"/>
-    <ds:schemaRef ds:uri="http://schemas.microsoft.com/sharepoint/v3"/>
-    <ds:schemaRef ds:uri="71af3243-3dd4-4a8d-8c0d-dd76da1f02a5"/>
-    <ds:schemaRef ds:uri="16c05727-aa75-4e4a-9b5f-8a80a1165891"/>
-    <ds:schemaRef ds:uri="230e9df3-be65-4c73-a93b-d1236ebd677e"/>
-    <ds:schemaRef ds:uri="http://schemas.microsoft.com/office/2006/documentManagement/types"/>
-    <ds:schemaRef ds:uri="http://schemas.microsoft.com/office/infopath/2007/PartnerControls"/>
-    <ds:schemaRef ds:uri="http://schemas.openxmlformats.org/package/2006/metadata/core-properties"/>
-    <ds:schemaRef ds:uri="http://purl.org/dc/elements/1.1/"/>
-    <ds:schemaRef ds:uri="http://purl.org/dc/terms/"/>
-    <ds:schemaRef ds:uri="http://schemas.microsoft.com/internal/obd"/>
+    <ds:schemaRef ds:uri="http://schemas.microsoft.com/sharepoint/v3/contenttype/forms"/>
   </ds:schemaRefs>
 </ds:datastoreItem>
 </file>
@@ -18688,9 +18680,22 @@
 </file>
 
 <file path=customXml/itemProps3.xml><?xml version="1.0" encoding="utf-8"?>
-<ds:datastoreItem xmlns:ds="http://schemas.openxmlformats.org/officeDocument/2006/customXml" ds:itemID="{C21FFAC0-05A2-416A-B06C-C248395482CF}">
+<ds:datastoreItem xmlns:ds="http://schemas.openxmlformats.org/officeDocument/2006/customXml" ds:itemID="{92DB9E12-8AC3-4138-BF4D-720A5525AB10}">
   <ds:schemaRefs>
-    <ds:schemaRef ds:uri="http://schemas.microsoft.com/sharepoint/v3/contenttype/forms"/>
+    <ds:schemaRef ds:uri="http://schemas.microsoft.com/office/2006/metadata/contentType"/>
+    <ds:schemaRef ds:uri="http://schemas.microsoft.com/office/2006/metadata/properties/metaAttributes"/>
+    <ds:schemaRef ds:uri="http://www.w3.org/2001/XMLSchema"/>
+    <ds:schemaRef ds:uri="http://schemas.microsoft.com/office/2006/metadata/properties"/>
+    <ds:schemaRef ds:uri="http://schemas.microsoft.com/sharepoint/v3"/>
+    <ds:schemaRef ds:uri="71af3243-3dd4-4a8d-8c0d-dd76da1f02a5"/>
+    <ds:schemaRef ds:uri="16c05727-aa75-4e4a-9b5f-8a80a1165891"/>
+    <ds:schemaRef ds:uri="230e9df3-be65-4c73-a93b-d1236ebd677e"/>
+    <ds:schemaRef ds:uri="http://schemas.microsoft.com/office/2006/documentManagement/types"/>
+    <ds:schemaRef ds:uri="http://schemas.microsoft.com/office/infopath/2007/PartnerControls"/>
+    <ds:schemaRef ds:uri="http://schemas.openxmlformats.org/package/2006/metadata/core-properties"/>
+    <ds:schemaRef ds:uri="http://purl.org/dc/elements/1.1/"/>
+    <ds:schemaRef ds:uri="http://purl.org/dc/terms/"/>
+    <ds:schemaRef ds:uri="http://schemas.microsoft.com/internal/obd"/>
   </ds:schemaRefs>
 </ds:datastoreItem>
 </file>

--- a/Praesentation/MB-Veranstaltung_Sprachmodelle_0.1.pptx
+++ b/Praesentation/MB-Veranstaltung_Sprachmodelle_0.1.pptx
@@ -13568,7 +13568,7 @@
           <p:nvPr>
             <p:extLst>
               <p:ext uri="{D42A27DB-BD31-4B8C-83A1-F6EECF244321}">
-                <p14:modId xmlns:p14="http://schemas.microsoft.com/office/powerpoint/2010/main" val="2232871247"/>
+                <p14:modId xmlns:p14="http://schemas.microsoft.com/office/powerpoint/2010/main" val="2512532222"/>
               </p:ext>
             </p:extLst>
           </p:nvPr>
@@ -14196,8 +14196,12 @@
                         <a:defRPr/>
                       </a:pPr>
                       <a:r>
+                        <a:rPr lang="de-DE"/>
+                        <a:t>siehe Steckbriefe</a:t>
+                      </a:r>
+                      <a:r>
                         <a:rPr lang="de-DE" dirty="0"/>
-                        <a:t>siehe Steckbriefe!</a:t>
+                        <a:t>!</a:t>
                       </a:r>
                     </a:p>
                   </a:txBody>
@@ -20191,35 +20195,6 @@
 </file>
 
 <file path=customXml/item1.xml><?xml version="1.0" encoding="utf-8"?>
-<?mso-contentType ?>
-<FormTemplates xmlns="http://schemas.microsoft.com/sharepoint/v3/contenttype/forms">
-  <Display>DocumentLibraryForm</Display>
-  <Edit>DocumentLibraryForm</Edit>
-  <New>DocumentLibraryForm</New>
-</FormTemplates>
-</file>
-
-<file path=customXml/item2.xml><?xml version="1.0" encoding="utf-8"?>
-<p:properties xmlns:p="http://schemas.microsoft.com/office/2006/metadata/properties" xmlns:xsi="http://www.w3.org/2001/XMLSchema-instance" xmlns:pc="http://schemas.microsoft.com/office/infopath/2007/PartnerControls">
-  <documentManagement>
-    <Background xmlns="71af3243-3dd4-4a8d-8c0d-dd76da1f02a5">false</Background>
-    <Status xmlns="71af3243-3dd4-4a8d-8c0d-dd76da1f02a5">Not started</Status>
-    <_ip_UnifiedCompliancePolicyUIAction xmlns="http://schemas.microsoft.com/sharepoint/v3" xsi:nil="true"/>
-    <Image xmlns="71af3243-3dd4-4a8d-8c0d-dd76da1f02a5">
-      <Url xsi:nil="true"/>
-      <Description xsi:nil="true"/>
-    </Image>
-    <_ip_UnifiedCompliancePolicyProperties xmlns="http://schemas.microsoft.com/sharepoint/v3" xsi:nil="true"/>
-    <ImageTagsTaxHTField xmlns="71af3243-3dd4-4a8d-8c0d-dd76da1f02a5">
-      <Terms xmlns="http://schemas.microsoft.com/office/infopath/2007/PartnerControls"/>
-    </ImageTagsTaxHTField>
-    <TaxCatchAll xmlns="230e9df3-be65-4c73-a93b-d1236ebd677e" xsi:nil="true"/>
-    <MediaServiceKeyPoints xmlns="71af3243-3dd4-4a8d-8c0d-dd76da1f02a5" xsi:nil="true"/>
-  </documentManagement>
-</p:properties>
-</file>
-
-<file path=customXml/item3.xml><?xml version="1.0" encoding="utf-8"?>
 <ct:contentTypeSchema xmlns:ct="http://schemas.microsoft.com/office/2006/metadata/contentType" xmlns:ma="http://schemas.microsoft.com/office/2006/metadata/properties/metaAttributes" ct:_="" ma:_="" ma:contentTypeName="Document" ma:contentTypeID="0x01010079F111ED35F8CC479449609E8A0923A6" ma:contentTypeVersion="28" ma:contentTypeDescription="Create a new document." ma:contentTypeScope="" ma:versionID="60f5a4f2d2b0abadcf532d48ebf9cb71">
   <xsd:schema xmlns:xsd="http://www.w3.org/2001/XMLSchema" xmlns:xs="http://www.w3.org/2001/XMLSchema" xmlns:p="http://schemas.microsoft.com/office/2006/metadata/properties" xmlns:ns1="http://schemas.microsoft.com/sharepoint/v3" xmlns:ns2="71af3243-3dd4-4a8d-8c0d-dd76da1f02a5" xmlns:ns3="16c05727-aa75-4e4a-9b5f-8a80a1165891" xmlns:ns4="230e9df3-be65-4c73-a93b-d1236ebd677e" targetNamespace="http://schemas.microsoft.com/office/2006/metadata/properties" ma:root="true" ma:fieldsID="7dd78129e6a1811f84807ad11c651531" ns1:_="" ns2:_="" ns3:_="" ns4:_="">
     <xsd:import namespace="http://schemas.microsoft.com/sharepoint/v3"/>
@@ -20531,10 +20506,52 @@
 </ct:contentTypeSchema>
 </file>
 
+<file path=customXml/item2.xml><?xml version="1.0" encoding="utf-8"?>
+<p:properties xmlns:p="http://schemas.microsoft.com/office/2006/metadata/properties" xmlns:xsi="http://www.w3.org/2001/XMLSchema-instance" xmlns:pc="http://schemas.microsoft.com/office/infopath/2007/PartnerControls">
+  <documentManagement>
+    <Background xmlns="71af3243-3dd4-4a8d-8c0d-dd76da1f02a5">false</Background>
+    <Status xmlns="71af3243-3dd4-4a8d-8c0d-dd76da1f02a5">Not started</Status>
+    <_ip_UnifiedCompliancePolicyUIAction xmlns="http://schemas.microsoft.com/sharepoint/v3" xsi:nil="true"/>
+    <Image xmlns="71af3243-3dd4-4a8d-8c0d-dd76da1f02a5">
+      <Url xsi:nil="true"/>
+      <Description xsi:nil="true"/>
+    </Image>
+    <_ip_UnifiedCompliancePolicyProperties xmlns="http://schemas.microsoft.com/sharepoint/v3" xsi:nil="true"/>
+    <ImageTagsTaxHTField xmlns="71af3243-3dd4-4a8d-8c0d-dd76da1f02a5">
+      <Terms xmlns="http://schemas.microsoft.com/office/infopath/2007/PartnerControls"/>
+    </ImageTagsTaxHTField>
+    <TaxCatchAll xmlns="230e9df3-be65-4c73-a93b-d1236ebd677e" xsi:nil="true"/>
+    <MediaServiceKeyPoints xmlns="71af3243-3dd4-4a8d-8c0d-dd76da1f02a5" xsi:nil="true"/>
+  </documentManagement>
+</p:properties>
+</file>
+
+<file path=customXml/item3.xml><?xml version="1.0" encoding="utf-8"?>
+<?mso-contentType ?>
+<FormTemplates xmlns="http://schemas.microsoft.com/sharepoint/v3/contenttype/forms">
+  <Display>DocumentLibraryForm</Display>
+  <Edit>DocumentLibraryForm</Edit>
+  <New>DocumentLibraryForm</New>
+</FormTemplates>
+</file>
+
 <file path=customXml/itemProps1.xml><?xml version="1.0" encoding="utf-8"?>
-<ds:datastoreItem xmlns:ds="http://schemas.openxmlformats.org/officeDocument/2006/customXml" ds:itemID="{C21FFAC0-05A2-416A-B06C-C248395482CF}">
+<ds:datastoreItem xmlns:ds="http://schemas.openxmlformats.org/officeDocument/2006/customXml" ds:itemID="{92DB9E12-8AC3-4138-BF4D-720A5525AB10}">
   <ds:schemaRefs>
-    <ds:schemaRef ds:uri="http://schemas.microsoft.com/sharepoint/v3/contenttype/forms"/>
+    <ds:schemaRef ds:uri="http://schemas.microsoft.com/office/2006/metadata/contentType"/>
+    <ds:schemaRef ds:uri="http://schemas.microsoft.com/office/2006/metadata/properties/metaAttributes"/>
+    <ds:schemaRef ds:uri="http://www.w3.org/2001/XMLSchema"/>
+    <ds:schemaRef ds:uri="http://schemas.microsoft.com/office/2006/metadata/properties"/>
+    <ds:schemaRef ds:uri="http://schemas.microsoft.com/sharepoint/v3"/>
+    <ds:schemaRef ds:uri="71af3243-3dd4-4a8d-8c0d-dd76da1f02a5"/>
+    <ds:schemaRef ds:uri="16c05727-aa75-4e4a-9b5f-8a80a1165891"/>
+    <ds:schemaRef ds:uri="230e9df3-be65-4c73-a93b-d1236ebd677e"/>
+    <ds:schemaRef ds:uri="http://schemas.microsoft.com/office/2006/documentManagement/types"/>
+    <ds:schemaRef ds:uri="http://schemas.microsoft.com/office/infopath/2007/PartnerControls"/>
+    <ds:schemaRef ds:uri="http://schemas.openxmlformats.org/package/2006/metadata/core-properties"/>
+    <ds:schemaRef ds:uri="http://purl.org/dc/elements/1.1/"/>
+    <ds:schemaRef ds:uri="http://purl.org/dc/terms/"/>
+    <ds:schemaRef ds:uri="http://schemas.microsoft.com/internal/obd"/>
   </ds:schemaRefs>
 </ds:datastoreItem>
 </file>
@@ -20559,22 +20576,9 @@
 </file>
 
 <file path=customXml/itemProps3.xml><?xml version="1.0" encoding="utf-8"?>
-<ds:datastoreItem xmlns:ds="http://schemas.openxmlformats.org/officeDocument/2006/customXml" ds:itemID="{92DB9E12-8AC3-4138-BF4D-720A5525AB10}">
+<ds:datastoreItem xmlns:ds="http://schemas.openxmlformats.org/officeDocument/2006/customXml" ds:itemID="{C21FFAC0-05A2-416A-B06C-C248395482CF}">
   <ds:schemaRefs>
-    <ds:schemaRef ds:uri="http://schemas.microsoft.com/office/2006/metadata/contentType"/>
-    <ds:schemaRef ds:uri="http://schemas.microsoft.com/office/2006/metadata/properties/metaAttributes"/>
-    <ds:schemaRef ds:uri="http://www.w3.org/2001/XMLSchema"/>
-    <ds:schemaRef ds:uri="http://schemas.microsoft.com/office/2006/metadata/properties"/>
-    <ds:schemaRef ds:uri="http://schemas.microsoft.com/sharepoint/v3"/>
-    <ds:schemaRef ds:uri="71af3243-3dd4-4a8d-8c0d-dd76da1f02a5"/>
-    <ds:schemaRef ds:uri="16c05727-aa75-4e4a-9b5f-8a80a1165891"/>
-    <ds:schemaRef ds:uri="230e9df3-be65-4c73-a93b-d1236ebd677e"/>
-    <ds:schemaRef ds:uri="http://schemas.microsoft.com/office/2006/documentManagement/types"/>
-    <ds:schemaRef ds:uri="http://schemas.microsoft.com/office/infopath/2007/PartnerControls"/>
-    <ds:schemaRef ds:uri="http://schemas.openxmlformats.org/package/2006/metadata/core-properties"/>
-    <ds:schemaRef ds:uri="http://purl.org/dc/elements/1.1/"/>
-    <ds:schemaRef ds:uri="http://purl.org/dc/terms/"/>
-    <ds:schemaRef ds:uri="http://schemas.microsoft.com/internal/obd"/>
+    <ds:schemaRef ds:uri="http://schemas.microsoft.com/sharepoint/v3/contenttype/forms"/>
   </ds:schemaRefs>
 </ds:datastoreItem>
 </file>
